--- a/PPTs/L4-Exercises ANS.pptx
+++ b/PPTs/L4-Exercises ANS.pptx
@@ -5,22 +5,26 @@
     <p:sldMasterId id="2147483648" r:id="rId1"/>
   </p:sldMasterIdLst>
   <p:notesMasterIdLst>
-    <p:notesMasterId r:id="rId12"/>
+    <p:notesMasterId r:id="rId16"/>
   </p:notesMasterIdLst>
   <p:handoutMasterIdLst>
-    <p:handoutMasterId r:id="rId13"/>
+    <p:handoutMasterId r:id="rId17"/>
   </p:handoutMasterIdLst>
   <p:sldIdLst>
     <p:sldId id="257" r:id="rId2"/>
-    <p:sldId id="1384" r:id="rId3"/>
-    <p:sldId id="1385" r:id="rId4"/>
-    <p:sldId id="1386" r:id="rId5"/>
-    <p:sldId id="1387" r:id="rId6"/>
-    <p:sldId id="1388" r:id="rId7"/>
-    <p:sldId id="1389" r:id="rId8"/>
-    <p:sldId id="381" r:id="rId9"/>
-    <p:sldId id="383" r:id="rId10"/>
-    <p:sldId id="1383" r:id="rId11"/>
+    <p:sldId id="414" r:id="rId3"/>
+    <p:sldId id="417" r:id="rId4"/>
+    <p:sldId id="420" r:id="rId5"/>
+    <p:sldId id="1390" r:id="rId6"/>
+    <p:sldId id="1384" r:id="rId7"/>
+    <p:sldId id="1385" r:id="rId8"/>
+    <p:sldId id="1386" r:id="rId9"/>
+    <p:sldId id="1387" r:id="rId10"/>
+    <p:sldId id="1388" r:id="rId11"/>
+    <p:sldId id="1389" r:id="rId12"/>
+    <p:sldId id="381" r:id="rId13"/>
+    <p:sldId id="383" r:id="rId14"/>
+    <p:sldId id="1383" r:id="rId15"/>
   </p:sldIdLst>
   <p:sldSz cx="12192000" cy="6858000"/>
   <p:notesSz cx="9601200" cy="7315200"/>
@@ -217,14 +221,14 @@
           <a:effectLst/>
           <a:extLst>
             <a:ext uri="{909E8E84-426E-40dd-AFC4-6F175D3DCCD1}">
-              <a14:hiddenFill xmlns:a14="http://schemas.microsoft.com/office/drawing/2010/main" xmlns="">
+              <a14:hiddenFill xmlns="" xmlns:a14="http://schemas.microsoft.com/office/drawing/2010/main">
                 <a:solidFill>
                   <a:schemeClr val="bg1"/>
                 </a:solidFill>
               </a14:hiddenFill>
             </a:ext>
             <a:ext uri="{91240B29-F687-4f45-9708-019B960494DF}">
-              <a14:hiddenLine xmlns:a14="http://schemas.microsoft.com/office/drawing/2010/main" xmlns="" w="12700">
+              <a14:hiddenLine xmlns="" xmlns:a14="http://schemas.microsoft.com/office/drawing/2010/main" w="12700">
                 <a:pattFill prst="narHorz">
                   <a:fgClr>
                     <a:schemeClr val="tx1"/>
@@ -239,7 +243,7 @@
               </a14:hiddenLine>
             </a:ext>
             <a:ext uri="{AF507438-7753-43e0-B8FC-AC1667EBCBE1}">
-              <a14:hiddenEffects xmlns:a14="http://schemas.microsoft.com/office/drawing/2010/main" xmlns="">
+              <a14:hiddenEffects xmlns="" xmlns:a14="http://schemas.microsoft.com/office/drawing/2010/main">
                 <a:effectLst>
                   <a:outerShdw dist="35921" dir="2700000" algn="ctr" rotWithShape="0">
                     <a:schemeClr val="bg2"/>
@@ -345,14 +349,14 @@
           <a:effectLst/>
           <a:extLst>
             <a:ext uri="{909E8E84-426E-40dd-AFC4-6F175D3DCCD1}">
-              <a14:hiddenFill xmlns:a14="http://schemas.microsoft.com/office/drawing/2010/main" xmlns="">
+              <a14:hiddenFill xmlns="" xmlns:a14="http://schemas.microsoft.com/office/drawing/2010/main">
                 <a:solidFill>
                   <a:schemeClr val="bg1"/>
                 </a:solidFill>
               </a14:hiddenFill>
             </a:ext>
             <a:ext uri="{91240B29-F687-4f45-9708-019B960494DF}">
-              <a14:hiddenLine xmlns:a14="http://schemas.microsoft.com/office/drawing/2010/main" xmlns="" w="12700">
+              <a14:hiddenLine xmlns="" xmlns:a14="http://schemas.microsoft.com/office/drawing/2010/main" w="12700">
                 <a:pattFill prst="narHorz">
                   <a:fgClr>
                     <a:schemeClr val="tx1"/>
@@ -367,7 +371,7 @@
               </a14:hiddenLine>
             </a:ext>
             <a:ext uri="{AF507438-7753-43e0-B8FC-AC1667EBCBE1}">
-              <a14:hiddenEffects xmlns:a14="http://schemas.microsoft.com/office/drawing/2010/main" xmlns="">
+              <a14:hiddenEffects xmlns="" xmlns:a14="http://schemas.microsoft.com/office/drawing/2010/main">
                 <a:effectLst>
                   <a:outerShdw dist="35921" dir="2700000" algn="ctr" rotWithShape="0">
                     <a:schemeClr val="bg2"/>
@@ -435,17 +439,17 @@
           <a:effectLst/>
           <a:extLst>
             <a:ext uri="{FAA26D3D-D897-4be2-8F04-BA451C77F1D7}">
-              <ma14:placeholderFlag xmlns:ma14="http://schemas.microsoft.com/office/mac/drawingml/2011/main" xmlns="" val="1"/>
+              <ma14:placeholderFlag xmlns="" xmlns:ma14="http://schemas.microsoft.com/office/mac/drawingml/2011/main" val="1"/>
             </a:ext>
             <a:ext uri="{909E8E84-426E-40dd-AFC4-6F175D3DCCD1}">
-              <a14:hiddenFill xmlns:a14="http://schemas.microsoft.com/office/drawing/2010/main" xmlns="">
+              <a14:hiddenFill xmlns="" xmlns:a14="http://schemas.microsoft.com/office/drawing/2010/main">
                 <a:solidFill>
                   <a:srgbClr val="FFFFFF"/>
                 </a:solidFill>
               </a14:hiddenFill>
             </a:ext>
             <a:ext uri="{AF507438-7753-43e0-B8FC-AC1667EBCBE1}">
-              <a14:hiddenEffects xmlns:a14="http://schemas.microsoft.com/office/drawing/2010/main" xmlns="">
+              <a14:hiddenEffects xmlns="" xmlns:a14="http://schemas.microsoft.com/office/drawing/2010/main">
                 <a:effectLst>
                   <a:outerShdw blurRad="63500" dist="38099" dir="2700000" algn="ctr" rotWithShape="0">
                     <a:srgbClr val="000000">
@@ -456,7 +460,7 @@
               </a14:hiddenEffects>
             </a:ext>
             <a:ext uri="{53640926-AAD7-44d8-BBD7-CCE9431645EC}">
-              <a14:shadowObscured xmlns:a14="http://schemas.microsoft.com/office/drawing/2010/main" xmlns="" val="1"/>
+              <a14:shadowObscured xmlns="" xmlns:a14="http://schemas.microsoft.com/office/drawing/2010/main" val="1"/>
             </a:ext>
           </a:extLst>
         </p:spPr>
@@ -486,14 +490,14 @@
           <a:effectLst/>
           <a:extLst>
             <a:ext uri="{909E8E84-426E-40dd-AFC4-6F175D3DCCD1}">
-              <a14:hiddenFill xmlns:a14="http://schemas.microsoft.com/office/drawing/2010/main" xmlns="">
+              <a14:hiddenFill xmlns="" xmlns:a14="http://schemas.microsoft.com/office/drawing/2010/main">
                 <a:solidFill>
                   <a:schemeClr val="bg1"/>
                 </a:solidFill>
               </a14:hiddenFill>
             </a:ext>
             <a:ext uri="{91240B29-F687-4f45-9708-019B960494DF}">
-              <a14:hiddenLine xmlns:a14="http://schemas.microsoft.com/office/drawing/2010/main" xmlns="" w="12700">
+              <a14:hiddenLine xmlns="" xmlns:a14="http://schemas.microsoft.com/office/drawing/2010/main" w="12700">
                 <a:pattFill prst="narHorz">
                   <a:fgClr>
                     <a:schemeClr val="tx1"/>
@@ -508,7 +512,7 @@
               </a14:hiddenLine>
             </a:ext>
             <a:ext uri="{AF507438-7753-43e0-B8FC-AC1667EBCBE1}">
-              <a14:hiddenEffects xmlns:a14="http://schemas.microsoft.com/office/drawing/2010/main" xmlns="">
+              <a14:hiddenEffects xmlns="" xmlns:a14="http://schemas.microsoft.com/office/drawing/2010/main">
                 <a:effectLst>
                   <a:outerShdw dist="35921" dir="2700000" algn="ctr" rotWithShape="0">
                     <a:schemeClr val="bg2"/>
@@ -758,10 +762,10 @@
         <p:spPr>
           <a:extLst>
             <a:ext uri="{FAA26D3D-D897-4be2-8F04-BA451C77F1D7}">
-              <ma14:placeholderFlag xmlns:ma14="http://schemas.microsoft.com/office/mac/drawingml/2011/main" xmlns="" val="1"/>
+              <ma14:placeholderFlag xmlns="" xmlns:ma14="http://schemas.microsoft.com/office/mac/drawingml/2011/main" val="1"/>
             </a:ext>
             <a:ext uri="{AF507438-7753-43e0-B8FC-AC1667EBCBE1}">
-              <a14:hiddenEffects xmlns:a14="http://schemas.microsoft.com/office/drawing/2010/main" xmlns="">
+              <a14:hiddenEffects xmlns="" xmlns:a14="http://schemas.microsoft.com/office/drawing/2010/main">
                 <a:effectLst>
                   <a:outerShdw blurRad="63500" dist="38099" dir="2700000" algn="ctr" rotWithShape="0">
                     <a:schemeClr val="bg2">
@@ -841,6 +845,162 @@
           <a:p>
             <a:r>
               <a:rPr lang="en-GB" dirty="0"/>
+              <a:t>https://people.eecs.berkeley.edu/~kubitron/courses/cs162-F07/exams/fa07mt1-solutions.pdf</a:t>
+            </a:r>
+          </a:p>
+          <a:p>
+            <a:r>
+              <a:rPr lang="en-GB" dirty="0"/>
+              <a:t>The lawyers are so busy talking that they can only grab one chopstick at a time. Design a deadlock-free algorithm using monitors and Bankers algorithm. </a:t>
+            </a:r>
+            <a:endParaRPr lang="en-SE" dirty="0"/>
+          </a:p>
+        </p:txBody>
+      </p:sp>
+    </p:spTree>
+    <p:extLst>
+      <p:ext uri="{BB962C8B-B14F-4D97-AF65-F5344CB8AC3E}">
+        <p14:creationId xmlns:p14="http://schemas.microsoft.com/office/powerpoint/2010/main" val="2409372959"/>
+      </p:ext>
+    </p:extLst>
+  </p:cSld>
+  <p:clrMapOvr>
+    <a:masterClrMapping/>
+  </p:clrMapOvr>
+</p:notes>
+</file>
+
+<file path=ppt/notesSlides/notesSlide3.xml><?xml version="1.0" encoding="utf-8"?>
+<p:notes xmlns:a="http://schemas.openxmlformats.org/drawingml/2006/main" xmlns:r="http://schemas.openxmlformats.org/officeDocument/2006/relationships" xmlns:p="http://schemas.openxmlformats.org/presentationml/2006/main">
+  <p:cSld>
+    <p:spTree>
+      <p:nvGrpSpPr>
+        <p:cNvPr id="1" name="">
+          <a:extLst>
+            <a:ext uri="{FF2B5EF4-FFF2-40B4-BE49-F238E27FC236}">
+              <a16:creationId xmlns:a16="http://schemas.microsoft.com/office/drawing/2014/main" id="{AAA6D6EC-77A2-DC5C-D4B6-BB31E8033185}"/>
+            </a:ext>
+          </a:extLst>
+        </p:cNvPr>
+        <p:cNvGrpSpPr/>
+        <p:nvPr/>
+      </p:nvGrpSpPr>
+      <p:grpSpPr>
+        <a:xfrm>
+          <a:off x="0" y="0"/>
+          <a:ext cx="0" cy="0"/>
+          <a:chOff x="0" y="0"/>
+          <a:chExt cx="0" cy="0"/>
+        </a:xfrm>
+      </p:grpSpPr>
+      <p:sp>
+        <p:nvSpPr>
+          <p:cNvPr id="2" name="Slide Image Placeholder 1">
+            <a:extLst>
+              <a:ext uri="{FF2B5EF4-FFF2-40B4-BE49-F238E27FC236}">
+                <a16:creationId xmlns:a16="http://schemas.microsoft.com/office/drawing/2014/main" id="{58B974B8-0DD5-7144-CC65-CBCE4E7DCCB2}"/>
+              </a:ext>
+            </a:extLst>
+          </p:cNvPr>
+          <p:cNvSpPr>
+            <a:spLocks noGrp="1" noRot="1" noChangeAspect="1"/>
+          </p:cNvSpPr>
+          <p:nvPr>
+            <p:ph type="sldImg"/>
+          </p:nvPr>
+        </p:nvSpPr>
+        <p:spPr/>
+      </p:sp>
+      <p:sp>
+        <p:nvSpPr>
+          <p:cNvPr id="3" name="Notes Placeholder 2">
+            <a:extLst>
+              <a:ext uri="{FF2B5EF4-FFF2-40B4-BE49-F238E27FC236}">
+                <a16:creationId xmlns:a16="http://schemas.microsoft.com/office/drawing/2014/main" id="{C361DD93-26BC-5851-C378-5EE960429464}"/>
+              </a:ext>
+            </a:extLst>
+          </p:cNvPr>
+          <p:cNvSpPr>
+            <a:spLocks noGrp="1"/>
+          </p:cNvSpPr>
+          <p:nvPr>
+            <p:ph type="body" idx="1"/>
+          </p:nvPr>
+        </p:nvSpPr>
+        <p:spPr/>
+        <p:txBody>
+          <a:bodyPr/>
+          <a:lstStyle/>
+          <a:p>
+            <a:r>
+              <a:rPr lang="en-GB" dirty="0"/>
+              <a:t>A</a:t>
+            </a:r>
+          </a:p>
+          <a:p>
+            <a:endParaRPr lang="en-SE" dirty="0"/>
+          </a:p>
+        </p:txBody>
+      </p:sp>
+    </p:spTree>
+    <p:extLst>
+      <p:ext uri="{BB962C8B-B14F-4D97-AF65-F5344CB8AC3E}">
+        <p14:creationId xmlns:p14="http://schemas.microsoft.com/office/powerpoint/2010/main" val="2718700419"/>
+      </p:ext>
+    </p:extLst>
+  </p:cSld>
+  <p:clrMapOvr>
+    <a:masterClrMapping/>
+  </p:clrMapOvr>
+</p:notes>
+</file>
+
+<file path=ppt/notesSlides/notesSlide4.xml><?xml version="1.0" encoding="utf-8"?>
+<p:notes xmlns:a="http://schemas.openxmlformats.org/drawingml/2006/main" xmlns:r="http://schemas.openxmlformats.org/officeDocument/2006/relationships" xmlns:p="http://schemas.openxmlformats.org/presentationml/2006/main">
+  <p:cSld>
+    <p:spTree>
+      <p:nvGrpSpPr>
+        <p:cNvPr id="1" name=""/>
+        <p:cNvGrpSpPr/>
+        <p:nvPr/>
+      </p:nvGrpSpPr>
+      <p:grpSpPr>
+        <a:xfrm>
+          <a:off x="0" y="0"/>
+          <a:ext cx="0" cy="0"/>
+          <a:chOff x="0" y="0"/>
+          <a:chExt cx="0" cy="0"/>
+        </a:xfrm>
+      </p:grpSpPr>
+      <p:sp>
+        <p:nvSpPr>
+          <p:cNvPr id="2" name="Slide Image Placeholder 1"/>
+          <p:cNvSpPr>
+            <a:spLocks noGrp="1" noRot="1" noChangeAspect="1"/>
+          </p:cNvSpPr>
+          <p:nvPr>
+            <p:ph type="sldImg"/>
+          </p:nvPr>
+        </p:nvSpPr>
+        <p:spPr/>
+      </p:sp>
+      <p:sp>
+        <p:nvSpPr>
+          <p:cNvPr id="3" name="Notes Placeholder 2"/>
+          <p:cNvSpPr>
+            <a:spLocks noGrp="1"/>
+          </p:cNvSpPr>
+          <p:nvPr>
+            <p:ph type="body" idx="1"/>
+          </p:nvPr>
+        </p:nvSpPr>
+        <p:spPr/>
+        <p:txBody>
+          <a:bodyPr/>
+          <a:lstStyle/>
+          <a:p>
+            <a:r>
+              <a:rPr lang="en-GB" dirty="0"/>
               <a:t>A</a:t>
             </a:r>
           </a:p>
@@ -862,7 +1022,7 @@
 </p:notes>
 </file>
 
-<file path=ppt/notesSlides/notesSlide3.xml><?xml version="1.0" encoding="utf-8"?>
+<file path=ppt/notesSlides/notesSlide5.xml><?xml version="1.0" encoding="utf-8"?>
 <p:notes xmlns:a="http://schemas.openxmlformats.org/drawingml/2006/main" xmlns:r="http://schemas.openxmlformats.org/officeDocument/2006/relationships" xmlns:p="http://schemas.openxmlformats.org/presentationml/2006/main">
   <p:cSld>
     <p:spTree>
@@ -947,7 +1107,7 @@
 </p:notes>
 </file>
 
-<file path=ppt/notesSlides/notesSlide4.xml><?xml version="1.0" encoding="utf-8"?>
+<file path=ppt/notesSlides/notesSlide6.xml><?xml version="1.0" encoding="utf-8"?>
 <p:notes xmlns:a="http://schemas.openxmlformats.org/drawingml/2006/main" xmlns:r="http://schemas.openxmlformats.org/officeDocument/2006/relationships" xmlns:p="http://schemas.openxmlformats.org/presentationml/2006/main">
   <p:cSld>
     <p:spTree>
@@ -1523,6 +1683,402 @@
     <a:masterClrMapping/>
   </p:clrMapOvr>
   <p:transition/>
+</p:sldLayout>
+</file>
+
+<file path=ppt/slideLayouts/slideLayout13.xml><?xml version="1.0" encoding="utf-8"?>
+<p:sldLayout xmlns:a="http://schemas.openxmlformats.org/drawingml/2006/main" xmlns:r="http://schemas.openxmlformats.org/officeDocument/2006/relationships" xmlns:p="http://schemas.openxmlformats.org/presentationml/2006/main" type="fourObj">
+  <p:cSld name="Title and 4 Content">
+    <p:spTree>
+      <p:nvGrpSpPr>
+        <p:cNvPr id="1" name=""/>
+        <p:cNvGrpSpPr/>
+        <p:nvPr/>
+      </p:nvGrpSpPr>
+      <p:grpSpPr>
+        <a:xfrm>
+          <a:off x="0" y="0"/>
+          <a:ext cx="0" cy="0"/>
+          <a:chOff x="0" y="0"/>
+          <a:chExt cx="0" cy="0"/>
+        </a:xfrm>
+      </p:grpSpPr>
+      <p:sp>
+        <p:nvSpPr>
+          <p:cNvPr id="2" name="Title 1"/>
+          <p:cNvSpPr>
+            <a:spLocks noGrp="1"/>
+          </p:cNvSpPr>
+          <p:nvPr>
+            <p:ph type="title" sz="quarter"/>
+          </p:nvPr>
+        </p:nvSpPr>
+        <p:spPr>
+          <a:xfrm>
+            <a:off x="609600" y="533400"/>
+            <a:ext cx="10972800" cy="1143000"/>
+          </a:xfrm>
+        </p:spPr>
+        <p:txBody>
+          <a:bodyPr/>
+          <a:lstStyle/>
+          <a:p>
+            <a:r>
+              <a:rPr lang="en-US"/>
+              <a:t>Click to edit Master title style</a:t>
+            </a:r>
+            <a:endParaRPr lang="en-CA"/>
+          </a:p>
+        </p:txBody>
+      </p:sp>
+      <p:sp>
+        <p:nvSpPr>
+          <p:cNvPr id="3" name="Content Placeholder 2"/>
+          <p:cNvSpPr>
+            <a:spLocks noGrp="1"/>
+          </p:cNvSpPr>
+          <p:nvPr>
+            <p:ph sz="quarter" idx="1"/>
+          </p:nvPr>
+        </p:nvSpPr>
+        <p:spPr>
+          <a:xfrm>
+            <a:off x="609600" y="1917701"/>
+            <a:ext cx="5435600" cy="2074863"/>
+          </a:xfrm>
+        </p:spPr>
+        <p:txBody>
+          <a:bodyPr/>
+          <a:lstStyle/>
+          <a:p>
+            <a:pPr lvl="0"/>
+            <a:r>
+              <a:rPr lang="en-US"/>
+              <a:t>Click to edit Master text styles</a:t>
+            </a:r>
+          </a:p>
+          <a:p>
+            <a:pPr lvl="1"/>
+            <a:r>
+              <a:rPr lang="en-US"/>
+              <a:t>Second level</a:t>
+            </a:r>
+          </a:p>
+          <a:p>
+            <a:pPr lvl="2"/>
+            <a:r>
+              <a:rPr lang="en-US"/>
+              <a:t>Third level</a:t>
+            </a:r>
+          </a:p>
+          <a:p>
+            <a:pPr lvl="3"/>
+            <a:r>
+              <a:rPr lang="en-US"/>
+              <a:t>Fourth level</a:t>
+            </a:r>
+          </a:p>
+          <a:p>
+            <a:pPr lvl="4"/>
+            <a:r>
+              <a:rPr lang="en-US"/>
+              <a:t>Fifth level</a:t>
+            </a:r>
+            <a:endParaRPr lang="en-CA"/>
+          </a:p>
+        </p:txBody>
+      </p:sp>
+      <p:sp>
+        <p:nvSpPr>
+          <p:cNvPr id="4" name="Content Placeholder 3"/>
+          <p:cNvSpPr>
+            <a:spLocks noGrp="1"/>
+          </p:cNvSpPr>
+          <p:nvPr>
+            <p:ph sz="quarter" idx="2"/>
+          </p:nvPr>
+        </p:nvSpPr>
+        <p:spPr>
+          <a:xfrm>
+            <a:off x="6248400" y="1917701"/>
+            <a:ext cx="5435600" cy="2074863"/>
+          </a:xfrm>
+        </p:spPr>
+        <p:txBody>
+          <a:bodyPr/>
+          <a:lstStyle/>
+          <a:p>
+            <a:pPr lvl="0"/>
+            <a:r>
+              <a:rPr lang="en-US"/>
+              <a:t>Click to edit Master text styles</a:t>
+            </a:r>
+          </a:p>
+          <a:p>
+            <a:pPr lvl="1"/>
+            <a:r>
+              <a:rPr lang="en-US"/>
+              <a:t>Second level</a:t>
+            </a:r>
+          </a:p>
+          <a:p>
+            <a:pPr lvl="2"/>
+            <a:r>
+              <a:rPr lang="en-US"/>
+              <a:t>Third level</a:t>
+            </a:r>
+          </a:p>
+          <a:p>
+            <a:pPr lvl="3"/>
+            <a:r>
+              <a:rPr lang="en-US"/>
+              <a:t>Fourth level</a:t>
+            </a:r>
+          </a:p>
+          <a:p>
+            <a:pPr lvl="4"/>
+            <a:r>
+              <a:rPr lang="en-US"/>
+              <a:t>Fifth level</a:t>
+            </a:r>
+            <a:endParaRPr lang="en-CA"/>
+          </a:p>
+        </p:txBody>
+      </p:sp>
+      <p:sp>
+        <p:nvSpPr>
+          <p:cNvPr id="5" name="Content Placeholder 4"/>
+          <p:cNvSpPr>
+            <a:spLocks noGrp="1"/>
+          </p:cNvSpPr>
+          <p:nvPr>
+            <p:ph sz="quarter" idx="3"/>
+          </p:nvPr>
+        </p:nvSpPr>
+        <p:spPr>
+          <a:xfrm>
+            <a:off x="609600" y="4144963"/>
+            <a:ext cx="5435600" cy="2074862"/>
+          </a:xfrm>
+        </p:spPr>
+        <p:txBody>
+          <a:bodyPr/>
+          <a:lstStyle/>
+          <a:p>
+            <a:pPr lvl="0"/>
+            <a:r>
+              <a:rPr lang="en-US"/>
+              <a:t>Click to edit Master text styles</a:t>
+            </a:r>
+          </a:p>
+          <a:p>
+            <a:pPr lvl="1"/>
+            <a:r>
+              <a:rPr lang="en-US"/>
+              <a:t>Second level</a:t>
+            </a:r>
+          </a:p>
+          <a:p>
+            <a:pPr lvl="2"/>
+            <a:r>
+              <a:rPr lang="en-US"/>
+              <a:t>Third level</a:t>
+            </a:r>
+          </a:p>
+          <a:p>
+            <a:pPr lvl="3"/>
+            <a:r>
+              <a:rPr lang="en-US"/>
+              <a:t>Fourth level</a:t>
+            </a:r>
+          </a:p>
+          <a:p>
+            <a:pPr lvl="4"/>
+            <a:r>
+              <a:rPr lang="en-US"/>
+              <a:t>Fifth level</a:t>
+            </a:r>
+            <a:endParaRPr lang="en-CA"/>
+          </a:p>
+        </p:txBody>
+      </p:sp>
+      <p:sp>
+        <p:nvSpPr>
+          <p:cNvPr id="6" name="Content Placeholder 5"/>
+          <p:cNvSpPr>
+            <a:spLocks noGrp="1"/>
+          </p:cNvSpPr>
+          <p:nvPr>
+            <p:ph sz="quarter" idx="4"/>
+          </p:nvPr>
+        </p:nvSpPr>
+        <p:spPr>
+          <a:xfrm>
+            <a:off x="6248400" y="4144963"/>
+            <a:ext cx="5435600" cy="2074862"/>
+          </a:xfrm>
+        </p:spPr>
+        <p:txBody>
+          <a:bodyPr/>
+          <a:lstStyle/>
+          <a:p>
+            <a:pPr lvl="0"/>
+            <a:r>
+              <a:rPr lang="en-US"/>
+              <a:t>Click to edit Master text styles</a:t>
+            </a:r>
+          </a:p>
+          <a:p>
+            <a:pPr lvl="1"/>
+            <a:r>
+              <a:rPr lang="en-US"/>
+              <a:t>Second level</a:t>
+            </a:r>
+          </a:p>
+          <a:p>
+            <a:pPr lvl="2"/>
+            <a:r>
+              <a:rPr lang="en-US"/>
+              <a:t>Third level</a:t>
+            </a:r>
+          </a:p>
+          <a:p>
+            <a:pPr lvl="3"/>
+            <a:r>
+              <a:rPr lang="en-US"/>
+              <a:t>Fourth level</a:t>
+            </a:r>
+          </a:p>
+          <a:p>
+            <a:pPr lvl="4"/>
+            <a:r>
+              <a:rPr lang="en-US"/>
+              <a:t>Fifth level</a:t>
+            </a:r>
+            <a:endParaRPr lang="en-CA"/>
+          </a:p>
+        </p:txBody>
+      </p:sp>
+      <p:sp>
+        <p:nvSpPr>
+          <p:cNvPr id="9" name="Rectangle 6"/>
+          <p:cNvSpPr>
+            <a:spLocks noGrp="1" noChangeArrowheads="1"/>
+          </p:cNvSpPr>
+          <p:nvPr>
+            <p:ph type="sldNum" sz="quarter" idx="10"/>
+          </p:nvPr>
+        </p:nvSpPr>
+        <p:spPr bwMode="auto">
+          <a:xfrm>
+            <a:off x="9042400" y="6364288"/>
+            <a:ext cx="2540000" cy="457200"/>
+          </a:xfrm>
+          <a:prstGeom prst="rect">
+            <a:avLst/>
+          </a:prstGeom>
+          <a:noFill/>
+          <a:ln w="9525">
+            <a:noFill/>
+            <a:miter lim="800000"/>
+            <a:headEnd/>
+            <a:tailEnd/>
+          </a:ln>
+          <a:effectLst/>
+        </p:spPr>
+        <p:txBody>
+          <a:bodyPr vert="horz" wrap="square" lIns="91440" tIns="45720" rIns="91440" bIns="45720" numCol="1" anchor="t" anchorCtr="0" compatLnSpc="1">
+            <a:prstTxWarp prst="textNoShape">
+              <a:avLst/>
+            </a:prstTxWarp>
+          </a:bodyPr>
+          <a:lstStyle>
+            <a:lvl1pPr algn="r" eaLnBrk="1" hangingPunct="1">
+              <a:defRPr sz="1000">
+                <a:latin typeface="Arial" charset="0"/>
+                <a:ea typeface="宋体" charset="-122"/>
+              </a:defRPr>
+            </a:lvl1pPr>
+          </a:lstStyle>
+          <a:p>
+            <a:pPr>
+              <a:defRPr/>
+            </a:pPr>
+            <a:fld id="{827A0A33-D1BC-4593-884F-3C34146062BE}" type="slidenum">
+              <a:rPr lang="en-US" altLang="zh-CN"/>
+              <a:pPr>
+                <a:defRPr/>
+              </a:pPr>
+              <a:t>‹#›</a:t>
+            </a:fld>
+            <a:endParaRPr lang="en-US" altLang="zh-CN"/>
+          </a:p>
+        </p:txBody>
+      </p:sp>
+      <p:sp>
+        <p:nvSpPr>
+          <p:cNvPr id="10" name="Rectangle 4"/>
+          <p:cNvSpPr>
+            <a:spLocks noGrp="1" noChangeArrowheads="1"/>
+          </p:cNvSpPr>
+          <p:nvPr>
+            <p:ph type="dt" sz="half" idx="11"/>
+          </p:nvPr>
+        </p:nvSpPr>
+        <p:spPr>
+          <a:xfrm>
+            <a:off x="609600" y="6364288"/>
+            <a:ext cx="5852584" cy="457200"/>
+          </a:xfrm>
+          <a:prstGeom prst="rect">
+            <a:avLst/>
+          </a:prstGeom>
+          <a:ln/>
+        </p:spPr>
+        <p:txBody>
+          <a:bodyPr/>
+          <a:lstStyle>
+            <a:lvl1pPr>
+              <a:defRPr/>
+            </a:lvl1pPr>
+          </a:lstStyle>
+          <a:p>
+            <a:pPr>
+              <a:defRPr/>
+            </a:pPr>
+            <a:r>
+              <a:rPr lang="en-US"/>
+              <a:t> © </a:t>
+            </a:r>
+            <a:r>
+              <a:rPr lang="en-US" err="1"/>
+              <a:t>Zonghua</a:t>
+            </a:r>
+            <a:r>
+              <a:rPr lang="en-US"/>
+              <a:t> </a:t>
+            </a:r>
+            <a:r>
+              <a:rPr lang="en-US" err="1"/>
+              <a:t>Gu</a:t>
+            </a:r>
+            <a:r>
+              <a:rPr lang="en-US"/>
+              <a:t>, CMPT 300, Fall 2011 </a:t>
+            </a:r>
+          </a:p>
+        </p:txBody>
+      </p:sp>
+    </p:spTree>
+    <p:extLst>
+      <p:ext uri="{BB962C8B-B14F-4D97-AF65-F5344CB8AC3E}">
+        <p14:creationId xmlns:p14="http://schemas.microsoft.com/office/powerpoint/2010/main" val="3912953882"/>
+      </p:ext>
+    </p:extLst>
+  </p:cSld>
+  <p:clrMapOvr>
+    <a:masterClrMapping/>
+  </p:clrMapOvr>
 </p:sldLayout>
 </file>
 
@@ -2928,17 +3484,17 @@
           <a:effectLst/>
           <a:extLst>
             <a:ext uri="{FAA26D3D-D897-4be2-8F04-BA451C77F1D7}">
-              <ma14:placeholderFlag xmlns:ma14="http://schemas.microsoft.com/office/mac/drawingml/2011/main" xmlns="" val="1"/>
+              <ma14:placeholderFlag xmlns="" xmlns:ma14="http://schemas.microsoft.com/office/mac/drawingml/2011/main" val="1"/>
             </a:ext>
             <a:ext uri="{909E8E84-426E-40dd-AFC4-6F175D3DCCD1}">
-              <a14:hiddenFill xmlns:a14="http://schemas.microsoft.com/office/drawing/2010/main" xmlns="">
+              <a14:hiddenFill xmlns="" xmlns:a14="http://schemas.microsoft.com/office/drawing/2010/main">
                 <a:solidFill>
                   <a:schemeClr val="bg1"/>
                 </a:solidFill>
               </a14:hiddenFill>
             </a:ext>
             <a:ext uri="{91240B29-F687-4f45-9708-019B960494DF}">
-              <a14:hiddenLine xmlns:a14="http://schemas.microsoft.com/office/drawing/2010/main" xmlns="" w="12700">
+              <a14:hiddenLine xmlns="" xmlns:a14="http://schemas.microsoft.com/office/drawing/2010/main" w="12700">
                 <a:pattFill prst="narHorz">
                   <a:fgClr>
                     <a:schemeClr val="tx1"/>
@@ -2953,7 +3509,7 @@
               </a14:hiddenLine>
             </a:ext>
             <a:ext uri="{AF507438-7753-43e0-B8FC-AC1667EBCBE1}">
-              <a14:hiddenEffects xmlns:a14="http://schemas.microsoft.com/office/drawing/2010/main" xmlns="">
+              <a14:hiddenEffects xmlns="" xmlns:a14="http://schemas.microsoft.com/office/drawing/2010/main">
                 <a:effectLst>
                   <a:outerShdw blurRad="63500" dist="38099" dir="2700000" algn="ctr" rotWithShape="0">
                     <a:schemeClr val="bg2">
@@ -3006,17 +3562,17 @@
           <a:effectLst/>
           <a:extLst>
             <a:ext uri="{FAA26D3D-D897-4be2-8F04-BA451C77F1D7}">
-              <ma14:placeholderFlag xmlns:ma14="http://schemas.microsoft.com/office/mac/drawingml/2011/main" xmlns="" val="1"/>
+              <ma14:placeholderFlag xmlns="" xmlns:ma14="http://schemas.microsoft.com/office/mac/drawingml/2011/main" val="1"/>
             </a:ext>
             <a:ext uri="{909E8E84-426E-40dd-AFC4-6F175D3DCCD1}">
-              <a14:hiddenFill xmlns:a14="http://schemas.microsoft.com/office/drawing/2010/main" xmlns="">
+              <a14:hiddenFill xmlns="" xmlns:a14="http://schemas.microsoft.com/office/drawing/2010/main">
                 <a:solidFill>
                   <a:schemeClr val="bg1"/>
                 </a:solidFill>
               </a14:hiddenFill>
             </a:ext>
             <a:ext uri="{91240B29-F687-4f45-9708-019B960494DF}">
-              <a14:hiddenLine xmlns:a14="http://schemas.microsoft.com/office/drawing/2010/main" xmlns="" w="12700">
+              <a14:hiddenLine xmlns="" xmlns:a14="http://schemas.microsoft.com/office/drawing/2010/main" w="12700">
                 <a:pattFill prst="narHorz">
                   <a:fgClr>
                     <a:schemeClr val="tx1"/>
@@ -3031,7 +3587,7 @@
               </a14:hiddenLine>
             </a:ext>
             <a:ext uri="{AF507438-7753-43e0-B8FC-AC1667EBCBE1}">
-              <a14:hiddenEffects xmlns:a14="http://schemas.microsoft.com/office/drawing/2010/main" xmlns="">
+              <a14:hiddenEffects xmlns="" xmlns:a14="http://schemas.microsoft.com/office/drawing/2010/main">
                 <a:effectLst>
                   <a:outerShdw blurRad="63500" dist="38099" dir="2700000" algn="ctr" rotWithShape="0">
                     <a:schemeClr val="bg2">
@@ -3115,12 +3671,12 @@
           <a:effectLst/>
           <a:extLst>
             <a:ext uri="{909E8E84-426E-40dd-AFC4-6F175D3DCCD1}">
-              <a14:hiddenFill xmlns:a14="http://schemas.microsoft.com/office/drawing/2010/main" xmlns="">
+              <a14:hiddenFill xmlns="" xmlns:a14="http://schemas.microsoft.com/office/drawing/2010/main">
                 <a:noFill/>
               </a14:hiddenFill>
             </a:ext>
             <a:ext uri="{AF507438-7753-43e0-B8FC-AC1667EBCBE1}">
-              <a14:hiddenEffects xmlns:a14="http://schemas.microsoft.com/office/drawing/2010/main" xmlns="">
+              <a14:hiddenEffects xmlns="" xmlns:a14="http://schemas.microsoft.com/office/drawing/2010/main">
                 <a:effectLst>
                   <a:outerShdw blurRad="63500" dist="38099" dir="2700000" algn="ctr" rotWithShape="0">
                     <a:schemeClr val="bg2">
@@ -3305,6 +3861,7 @@
     <p:sldLayoutId id="2147483735" r:id="rId10"/>
     <p:sldLayoutId id="2147483736" r:id="rId11"/>
     <p:sldLayoutId id="2147483737" r:id="rId12"/>
+    <p:sldLayoutId id="2147483739" r:id="rId13"/>
   </p:sldLayoutIdLst>
   <p:transition/>
   <p:txStyles>
@@ -3964,3267 +4521,6 @@
           <p:cNvPr id="2" name="Title 1">
             <a:extLst>
               <a:ext uri="{FF2B5EF4-FFF2-40B4-BE49-F238E27FC236}">
-                <a16:creationId xmlns:a16="http://schemas.microsoft.com/office/drawing/2014/main" id="{7A13D3F3-6935-47F2-C47D-DA6888C12654}"/>
-              </a:ext>
-            </a:extLst>
-          </p:cNvPr>
-          <p:cNvSpPr>
-            <a:spLocks noGrp="1"/>
-          </p:cNvSpPr>
-          <p:nvPr>
-            <p:ph type="title"/>
-          </p:nvPr>
-        </p:nvSpPr>
-        <p:spPr>
-          <a:xfrm>
-            <a:off x="1320800" y="152400"/>
-            <a:ext cx="5461000" cy="533400"/>
-          </a:xfrm>
-        </p:spPr>
-        <p:txBody>
-          <a:bodyPr/>
-          <a:lstStyle/>
-          <a:p>
-            <a:r>
-              <a:rPr lang="en-GB" dirty="0"/>
-              <a:t>Quiz: Deadlocks II</a:t>
-            </a:r>
-            <a:endParaRPr lang="en-SE" dirty="0"/>
-          </a:p>
-        </p:txBody>
-      </p:sp>
-      <p:sp>
-        <p:nvSpPr>
-          <p:cNvPr id="3" name="Content Placeholder 2">
-            <a:extLst>
-              <a:ext uri="{FF2B5EF4-FFF2-40B4-BE49-F238E27FC236}">
-                <a16:creationId xmlns:a16="http://schemas.microsoft.com/office/drawing/2014/main" id="{30D2229F-2CFC-9FAC-679A-B3EF4E2F81A2}"/>
-              </a:ext>
-            </a:extLst>
-          </p:cNvPr>
-          <p:cNvSpPr>
-            <a:spLocks noGrp="1"/>
-          </p:cNvSpPr>
-          <p:nvPr>
-            <p:ph idx="1"/>
-          </p:nvPr>
-        </p:nvSpPr>
-        <p:spPr>
-          <a:xfrm>
-            <a:off x="330487" y="914400"/>
-            <a:ext cx="5994114" cy="5105400"/>
-          </a:xfrm>
-        </p:spPr>
-        <p:txBody>
-          <a:bodyPr>
-            <a:normAutofit fontScale="92500"/>
-          </a:bodyPr>
-          <a:lstStyle/>
-          <a:p>
-            <a:r>
-              <a:rPr lang="en-GB" dirty="0"/>
-              <a:t>Is there a possible deadlock?</a:t>
-            </a:r>
-          </a:p>
-          <a:p>
-            <a:r>
-              <a:rPr lang="en-GB" dirty="0"/>
-              <a:t>Yes, there is a deadlock. Consider the following interleaving:</a:t>
-            </a:r>
-          </a:p>
-          <a:p>
-            <a:pPr lvl="1"/>
-            <a:r>
-              <a:rPr lang="en-GB" dirty="0"/>
-              <a:t>thread 1: L1.wait();</a:t>
-            </a:r>
-          </a:p>
-          <a:p>
-            <a:pPr lvl="1"/>
-            <a:r>
-              <a:rPr lang="en-GB" dirty="0"/>
-              <a:t>thread 2: L3.wait();</a:t>
-            </a:r>
-          </a:p>
-          <a:p>
-            <a:pPr lvl="1"/>
-            <a:r>
-              <a:rPr lang="en-GB" dirty="0"/>
-              <a:t>thread 3: L2.wait();</a:t>
-            </a:r>
-          </a:p>
-          <a:p>
-            <a:r>
-              <a:rPr lang="en-GB" dirty="0"/>
-              <a:t>Now there is a circular wait condition:</a:t>
-            </a:r>
-          </a:p>
-          <a:p>
-            <a:r>
-              <a:rPr lang="en-GB" dirty="0"/>
-              <a:t>thread 1 waiting for L2 (held by </a:t>
-            </a:r>
-            <a:r>
-              <a:rPr lang="en-GB" dirty="0" err="1"/>
-              <a:t>thr</a:t>
-            </a:r>
-            <a:r>
-              <a:rPr lang="en-GB" dirty="0"/>
-              <a:t>. 3) → </a:t>
-            </a:r>
-            <a:r>
-              <a:rPr lang="en-GB" dirty="0" err="1"/>
-              <a:t>thr</a:t>
-            </a:r>
-            <a:r>
-              <a:rPr lang="en-GB" dirty="0"/>
-              <a:t>. 2 waiting for L1 (held by </a:t>
-            </a:r>
-            <a:r>
-              <a:rPr lang="en-GB" dirty="0" err="1"/>
-              <a:t>thr</a:t>
-            </a:r>
-            <a:r>
-              <a:rPr lang="en-GB" dirty="0"/>
-              <a:t>. 1) → </a:t>
-            </a:r>
-            <a:r>
-              <a:rPr lang="en-GB" dirty="0" err="1"/>
-              <a:t>thr</a:t>
-            </a:r>
-            <a:r>
-              <a:rPr lang="en-GB" dirty="0"/>
-              <a:t>. 3 waiting for L3 (held by </a:t>
-            </a:r>
-            <a:r>
-              <a:rPr lang="en-GB" dirty="0" err="1"/>
-              <a:t>thr</a:t>
-            </a:r>
-            <a:r>
-              <a:rPr lang="en-GB" dirty="0"/>
-              <a:t>. 2).</a:t>
-            </a:r>
-          </a:p>
-          <a:p>
-            <a:r>
-              <a:rPr lang="en-GB" dirty="0"/>
-              <a:t>Solution: each thread should acquire locks in the same order, say, L1, L2, L3.</a:t>
-            </a:r>
-          </a:p>
-          <a:p>
-            <a:endParaRPr lang="en-GB" dirty="0"/>
-          </a:p>
-          <a:p>
-            <a:endParaRPr lang="en-GB" dirty="0"/>
-          </a:p>
-          <a:p>
-            <a:endParaRPr lang="en-SE" dirty="0"/>
-          </a:p>
-        </p:txBody>
-      </p:sp>
-      <p:sp>
-        <p:nvSpPr>
-          <p:cNvPr id="5" name="object 9">
-            <a:extLst>
-              <a:ext uri="{FF2B5EF4-FFF2-40B4-BE49-F238E27FC236}">
-                <a16:creationId xmlns:a16="http://schemas.microsoft.com/office/drawing/2014/main" id="{6AC16764-0F2D-B238-9D81-900B4D251691}"/>
-              </a:ext>
-            </a:extLst>
-          </p:cNvPr>
-          <p:cNvSpPr txBox="1"/>
-          <p:nvPr/>
-        </p:nvSpPr>
-        <p:spPr>
-          <a:xfrm>
-            <a:off x="6387676" y="846004"/>
-            <a:ext cx="5632900" cy="5049458"/>
-          </a:xfrm>
-          <a:prstGeom prst="rect">
-            <a:avLst/>
-          </a:prstGeom>
-        </p:spPr>
-        <p:txBody>
-          <a:bodyPr vert="horz" wrap="square" lIns="0" tIns="55244" rIns="0" bIns="0" rtlCol="0">
-            <a:spAutoFit/>
-          </a:bodyPr>
-          <a:lstStyle/>
-          <a:p>
-            <a:pPr marL="133350" eaLnBrk="1" fontAlgn="auto" hangingPunct="1">
-              <a:spcBef>
-                <a:spcPts val="434"/>
-              </a:spcBef>
-              <a:spcAft>
-                <a:spcPts val="0"/>
-              </a:spcAft>
-              <a:tabLst>
-                <a:tab pos="532765" algn="l"/>
-              </a:tabLst>
-            </a:pPr>
-            <a:r>
-              <a:rPr sz="1200" b="0" kern="0" spc="-50" dirty="0">
-                <a:solidFill>
-                  <a:sysClr val="windowText" lastClr="000000"/>
-                </a:solidFill>
-                <a:latin typeface="Arial MT"/>
-                <a:cs typeface="Arial MT"/>
-              </a:rPr>
-              <a:t>1</a:t>
-            </a:r>
-            <a:r>
-              <a:rPr sz="1200" b="0" kern="0" dirty="0">
-                <a:solidFill>
-                  <a:sysClr val="windowText" lastClr="000000"/>
-                </a:solidFill>
-                <a:latin typeface="Arial MT"/>
-                <a:cs typeface="Arial MT"/>
-              </a:rPr>
-              <a:t>	</a:t>
-            </a:r>
-            <a:r>
-              <a:rPr sz="1400" b="0" kern="0" dirty="0">
-                <a:solidFill>
-                  <a:sysClr val="windowText" lastClr="000000"/>
-                </a:solidFill>
-                <a:latin typeface="Courier New"/>
-                <a:cs typeface="Courier New"/>
-              </a:rPr>
-              <a:t>Semaphore</a:t>
-            </a:r>
-            <a:r>
-              <a:rPr sz="1400" b="0" kern="0" spc="-5" dirty="0">
-                <a:solidFill>
-                  <a:sysClr val="windowText" lastClr="000000"/>
-                </a:solidFill>
-                <a:latin typeface="Courier New"/>
-                <a:cs typeface="Courier New"/>
-              </a:rPr>
-              <a:t> </a:t>
-            </a:r>
-            <a:r>
-              <a:rPr sz="1400" b="0" kern="0" dirty="0">
-                <a:solidFill>
-                  <a:sysClr val="windowText" lastClr="000000"/>
-                </a:solidFill>
-                <a:latin typeface="Courier New"/>
-                <a:cs typeface="Courier New"/>
-              </a:rPr>
-              <a:t>L1=1,</a:t>
-            </a:r>
-            <a:r>
-              <a:rPr sz="1400" b="0" kern="0" spc="-40" dirty="0">
-                <a:solidFill>
-                  <a:sysClr val="windowText" lastClr="000000"/>
-                </a:solidFill>
-                <a:latin typeface="Courier New"/>
-                <a:cs typeface="Courier New"/>
-              </a:rPr>
-              <a:t> </a:t>
-            </a:r>
-            <a:r>
-              <a:rPr sz="1400" b="0" kern="0" dirty="0">
-                <a:solidFill>
-                  <a:sysClr val="windowText" lastClr="000000"/>
-                </a:solidFill>
-                <a:latin typeface="Courier New"/>
-                <a:cs typeface="Courier New"/>
-              </a:rPr>
-              <a:t>L2=1,</a:t>
-            </a:r>
-            <a:r>
-              <a:rPr sz="1400" b="0" kern="0" spc="-40" dirty="0">
-                <a:solidFill>
-                  <a:sysClr val="windowText" lastClr="000000"/>
-                </a:solidFill>
-                <a:latin typeface="Courier New"/>
-                <a:cs typeface="Courier New"/>
-              </a:rPr>
-              <a:t> </a:t>
-            </a:r>
-            <a:r>
-              <a:rPr sz="1400" b="0" kern="0" spc="-10" dirty="0">
-                <a:solidFill>
-                  <a:sysClr val="windowText" lastClr="000000"/>
-                </a:solidFill>
-                <a:latin typeface="Courier New"/>
-                <a:cs typeface="Courier New"/>
-              </a:rPr>
-              <a:t>L3=1;</a:t>
-            </a:r>
-            <a:endParaRPr sz="1400" b="0" kern="0" dirty="0">
-              <a:solidFill>
-                <a:sysClr val="windowText" lastClr="000000"/>
-              </a:solidFill>
-              <a:latin typeface="Courier New"/>
-              <a:cs typeface="Courier New"/>
-            </a:endParaRPr>
-          </a:p>
-          <a:p>
-            <a:pPr marL="133350" eaLnBrk="1" fontAlgn="auto" hangingPunct="1">
-              <a:spcBef>
-                <a:spcPts val="295"/>
-              </a:spcBef>
-              <a:spcAft>
-                <a:spcPts val="0"/>
-              </a:spcAft>
-            </a:pPr>
-            <a:r>
-              <a:rPr sz="1200" b="0" kern="0" spc="-50" dirty="0">
-                <a:solidFill>
-                  <a:sysClr val="windowText" lastClr="000000"/>
-                </a:solidFill>
-                <a:latin typeface="Arial MT"/>
-                <a:cs typeface="Arial MT"/>
-              </a:rPr>
-              <a:t>2</a:t>
-            </a:r>
-            <a:endParaRPr sz="1200" b="0" kern="0" dirty="0">
-              <a:solidFill>
-                <a:sysClr val="windowText" lastClr="000000"/>
-              </a:solidFill>
-              <a:latin typeface="Arial MT"/>
-              <a:cs typeface="Arial MT"/>
-            </a:endParaRPr>
-          </a:p>
-          <a:p>
-            <a:pPr marL="511175" indent="-377825" eaLnBrk="1" fontAlgn="auto" hangingPunct="1">
-              <a:spcBef>
-                <a:spcPts val="130"/>
-              </a:spcBef>
-              <a:spcAft>
-                <a:spcPts val="0"/>
-              </a:spcAft>
-              <a:buSzPct val="90476"/>
-              <a:buFont typeface="Arial MT"/>
-              <a:buAutoNum type="arabicPlain" startAt="3"/>
-              <a:tabLst>
-                <a:tab pos="511175" algn="l"/>
-              </a:tabLst>
-            </a:pPr>
-            <a:r>
-              <a:rPr sz="1400" b="0" i="1" kern="0" dirty="0">
-                <a:solidFill>
-                  <a:sysClr val="windowText" lastClr="000000"/>
-                </a:solidFill>
-                <a:latin typeface="Courier New"/>
-                <a:cs typeface="Courier New"/>
-              </a:rPr>
-              <a:t>// Thread </a:t>
-            </a:r>
-            <a:r>
-              <a:rPr sz="1400" b="0" i="1" kern="0" spc="-25" dirty="0">
-                <a:solidFill>
-                  <a:sysClr val="windowText" lastClr="000000"/>
-                </a:solidFill>
-                <a:latin typeface="Courier New"/>
-                <a:cs typeface="Courier New"/>
-              </a:rPr>
-              <a:t>1:</a:t>
-            </a:r>
-            <a:endParaRPr sz="1400" b="0" kern="0" dirty="0">
-              <a:solidFill>
-                <a:sysClr val="windowText" lastClr="000000"/>
-              </a:solidFill>
-              <a:latin typeface="Courier New"/>
-              <a:cs typeface="Courier New"/>
-            </a:endParaRPr>
-          </a:p>
-          <a:p>
-            <a:pPr marL="530225" indent="-396875" eaLnBrk="1" fontAlgn="auto" hangingPunct="1">
-              <a:spcBef>
-                <a:spcPts val="95"/>
-              </a:spcBef>
-              <a:spcAft>
-                <a:spcPts val="0"/>
-              </a:spcAft>
-              <a:buSzPct val="90476"/>
-              <a:buFont typeface="Arial MT"/>
-              <a:buAutoNum type="arabicPlain" startAt="3"/>
-              <a:tabLst>
-                <a:tab pos="530225" algn="l"/>
-              </a:tabLst>
-            </a:pPr>
-            <a:r>
-              <a:rPr lang="en-GB" sz="1400" b="0" kern="0" spc="-10" dirty="0">
-                <a:solidFill>
-                  <a:sysClr val="windowText" lastClr="000000"/>
-                </a:solidFill>
-                <a:latin typeface="Courier New"/>
-                <a:cs typeface="Courier New"/>
-              </a:rPr>
-              <a:t>L1.wait()</a:t>
-            </a:r>
-            <a:r>
-              <a:rPr sz="1400" b="0" kern="0" spc="-10" dirty="0">
-                <a:solidFill>
-                  <a:sysClr val="windowText" lastClr="000000"/>
-                </a:solidFill>
-                <a:latin typeface="Courier New"/>
-                <a:cs typeface="Courier New"/>
-              </a:rPr>
-              <a:t>;</a:t>
-            </a:r>
-            <a:endParaRPr sz="1400" b="0" kern="0" dirty="0">
-              <a:solidFill>
-                <a:sysClr val="windowText" lastClr="000000"/>
-              </a:solidFill>
-              <a:latin typeface="Courier New"/>
-              <a:cs typeface="Courier New"/>
-            </a:endParaRPr>
-          </a:p>
-          <a:p>
-            <a:pPr marL="530225" indent="-396875" eaLnBrk="1" fontAlgn="auto" hangingPunct="1">
-              <a:spcBef>
-                <a:spcPts val="95"/>
-              </a:spcBef>
-              <a:spcAft>
-                <a:spcPts val="0"/>
-              </a:spcAft>
-              <a:buSzPct val="90476"/>
-              <a:buFont typeface="Arial MT"/>
-              <a:buAutoNum type="arabicPlain" startAt="3"/>
-              <a:tabLst>
-                <a:tab pos="530225" algn="l"/>
-              </a:tabLst>
-            </a:pPr>
-            <a:r>
-              <a:rPr lang="en-GB" sz="1400" b="0" kern="0" spc="-10" dirty="0">
-                <a:solidFill>
-                  <a:sysClr val="windowText" lastClr="000000"/>
-                </a:solidFill>
-                <a:latin typeface="Courier New"/>
-                <a:cs typeface="Courier New"/>
-              </a:rPr>
-              <a:t>L2.wait()</a:t>
-            </a:r>
-            <a:r>
-              <a:rPr sz="1400" b="0" kern="0" spc="-10" dirty="0">
-                <a:solidFill>
-                  <a:sysClr val="windowText" lastClr="000000"/>
-                </a:solidFill>
-                <a:latin typeface="Courier New"/>
-                <a:cs typeface="Courier New"/>
-              </a:rPr>
-              <a:t>;</a:t>
-            </a:r>
-            <a:endParaRPr sz="1400" b="0" kern="0" dirty="0">
-              <a:solidFill>
-                <a:sysClr val="windowText" lastClr="000000"/>
-              </a:solidFill>
-              <a:latin typeface="Courier New"/>
-              <a:cs typeface="Courier New"/>
-            </a:endParaRPr>
-          </a:p>
-          <a:p>
-            <a:pPr marL="511175" indent="-377825" eaLnBrk="1" fontAlgn="auto" hangingPunct="1">
-              <a:spcBef>
-                <a:spcPts val="90"/>
-              </a:spcBef>
-              <a:spcAft>
-                <a:spcPts val="0"/>
-              </a:spcAft>
-              <a:buSzPct val="90476"/>
-              <a:buFont typeface="Arial MT"/>
-              <a:buAutoNum type="arabicPlain" startAt="3"/>
-              <a:tabLst>
-                <a:tab pos="511175" algn="l"/>
-              </a:tabLst>
-            </a:pPr>
-            <a:r>
-              <a:rPr sz="1400" b="0" i="1" kern="0" dirty="0">
-                <a:solidFill>
-                  <a:sysClr val="windowText" lastClr="000000"/>
-                </a:solidFill>
-                <a:latin typeface="Courier New"/>
-                <a:cs typeface="Courier New"/>
-              </a:rPr>
-              <a:t>// critical section requiring L1 and L2 </a:t>
-            </a:r>
-            <a:r>
-              <a:rPr sz="1400" b="0" i="1" kern="0" spc="-10" dirty="0">
-                <a:solidFill>
-                  <a:sysClr val="windowText" lastClr="000000"/>
-                </a:solidFill>
-                <a:latin typeface="Courier New"/>
-                <a:cs typeface="Courier New"/>
-              </a:rPr>
-              <a:t>locked.</a:t>
-            </a:r>
-            <a:endParaRPr sz="1400" b="0" kern="0" dirty="0">
-              <a:solidFill>
-                <a:sysClr val="windowText" lastClr="000000"/>
-              </a:solidFill>
-              <a:latin typeface="Courier New"/>
-              <a:cs typeface="Courier New"/>
-            </a:endParaRPr>
-          </a:p>
-          <a:p>
-            <a:pPr marL="531495" indent="-398145" eaLnBrk="1" fontAlgn="auto" hangingPunct="1">
-              <a:spcBef>
-                <a:spcPts val="95"/>
-              </a:spcBef>
-              <a:spcAft>
-                <a:spcPts val="0"/>
-              </a:spcAft>
-              <a:buSzPct val="90476"/>
-              <a:buFont typeface="Arial MT"/>
-              <a:buAutoNum type="arabicPlain" startAt="3"/>
-              <a:tabLst>
-                <a:tab pos="531495" algn="l"/>
-              </a:tabLst>
-            </a:pPr>
-            <a:r>
-              <a:rPr lang="en-GB" sz="1400" b="0" kern="0" spc="-10" dirty="0">
-                <a:solidFill>
-                  <a:sysClr val="windowText" lastClr="000000"/>
-                </a:solidFill>
-                <a:latin typeface="Courier New"/>
-                <a:cs typeface="Courier New"/>
-              </a:rPr>
-              <a:t>L2.post()</a:t>
-            </a:r>
-            <a:r>
-              <a:rPr sz="1400" b="0" kern="0" spc="-10" dirty="0">
-                <a:solidFill>
-                  <a:sysClr val="windowText" lastClr="000000"/>
-                </a:solidFill>
-                <a:latin typeface="Courier New"/>
-                <a:cs typeface="Courier New"/>
-              </a:rPr>
-              <a:t>;</a:t>
-            </a:r>
-            <a:endParaRPr sz="1400" b="0" kern="0" dirty="0">
-              <a:solidFill>
-                <a:sysClr val="windowText" lastClr="000000"/>
-              </a:solidFill>
-              <a:latin typeface="Courier New"/>
-              <a:cs typeface="Courier New"/>
-            </a:endParaRPr>
-          </a:p>
-          <a:p>
-            <a:pPr marL="531495" indent="-398145" eaLnBrk="1" fontAlgn="auto" hangingPunct="1">
-              <a:spcBef>
-                <a:spcPts val="95"/>
-              </a:spcBef>
-              <a:spcAft>
-                <a:spcPts val="0"/>
-              </a:spcAft>
-              <a:buSzPct val="90476"/>
-              <a:buFont typeface="Arial MT"/>
-              <a:buAutoNum type="arabicPlain" startAt="3"/>
-              <a:tabLst>
-                <a:tab pos="531495" algn="l"/>
-              </a:tabLst>
-            </a:pPr>
-            <a:r>
-              <a:rPr lang="en-GB" sz="1400" b="0" kern="0" spc="-10" dirty="0">
-                <a:solidFill>
-                  <a:sysClr val="windowText" lastClr="000000"/>
-                </a:solidFill>
-                <a:latin typeface="Courier New"/>
-                <a:cs typeface="Courier New"/>
-              </a:rPr>
-              <a:t>L1.post()</a:t>
-            </a:r>
-            <a:r>
-              <a:rPr sz="1400" b="0" kern="0" spc="-10" dirty="0">
-                <a:solidFill>
-                  <a:sysClr val="windowText" lastClr="000000"/>
-                </a:solidFill>
-                <a:latin typeface="Courier New"/>
-                <a:cs typeface="Courier New"/>
-              </a:rPr>
-              <a:t>;</a:t>
-            </a:r>
-            <a:endParaRPr sz="1400" b="0" kern="0" dirty="0">
-              <a:solidFill>
-                <a:sysClr val="windowText" lastClr="000000"/>
-              </a:solidFill>
-              <a:latin typeface="Courier New"/>
-              <a:cs typeface="Courier New"/>
-            </a:endParaRPr>
-          </a:p>
-          <a:p>
-            <a:pPr marL="133350" eaLnBrk="1" fontAlgn="auto" hangingPunct="1">
-              <a:spcBef>
-                <a:spcPts val="290"/>
-              </a:spcBef>
-              <a:spcAft>
-                <a:spcPts val="0"/>
-              </a:spcAft>
-            </a:pPr>
-            <a:r>
-              <a:rPr sz="1200" b="0" kern="0" spc="-50" dirty="0">
-                <a:solidFill>
-                  <a:sysClr val="windowText" lastClr="000000"/>
-                </a:solidFill>
-                <a:latin typeface="Arial MT"/>
-                <a:cs typeface="Arial MT"/>
-              </a:rPr>
-              <a:t>9</a:t>
-            </a:r>
-            <a:endParaRPr sz="1200" b="0" kern="0" dirty="0">
-              <a:solidFill>
-                <a:sysClr val="windowText" lastClr="000000"/>
-              </a:solidFill>
-              <a:latin typeface="Arial MT"/>
-              <a:cs typeface="Arial MT"/>
-            </a:endParaRPr>
-          </a:p>
-          <a:p>
-            <a:pPr marL="511175" indent="-511175" eaLnBrk="1" fontAlgn="auto" hangingPunct="1">
-              <a:spcBef>
-                <a:spcPts val="135"/>
-              </a:spcBef>
-              <a:spcAft>
-                <a:spcPts val="0"/>
-              </a:spcAft>
-              <a:buSzPct val="90476"/>
-              <a:buFont typeface="Arial MT"/>
-              <a:buAutoNum type="arabicPlain" startAt="10"/>
-              <a:tabLst>
-                <a:tab pos="511175" algn="l"/>
-              </a:tabLst>
-            </a:pPr>
-            <a:r>
-              <a:rPr sz="1400" b="0" i="1" kern="0" dirty="0">
-                <a:solidFill>
-                  <a:sysClr val="windowText" lastClr="000000"/>
-                </a:solidFill>
-                <a:latin typeface="Courier New"/>
-                <a:cs typeface="Courier New"/>
-              </a:rPr>
-              <a:t>// Thread </a:t>
-            </a:r>
-            <a:r>
-              <a:rPr sz="1400" b="0" i="1" kern="0" spc="-25" dirty="0">
-                <a:solidFill>
-                  <a:sysClr val="windowText" lastClr="000000"/>
-                </a:solidFill>
-                <a:latin typeface="Courier New"/>
-                <a:cs typeface="Courier New"/>
-              </a:rPr>
-              <a:t>2:</a:t>
-            </a:r>
-            <a:endParaRPr sz="1400" b="0" kern="0" dirty="0">
-              <a:solidFill>
-                <a:sysClr val="windowText" lastClr="000000"/>
-              </a:solidFill>
-              <a:latin typeface="Courier New"/>
-              <a:cs typeface="Courier New"/>
-            </a:endParaRPr>
-          </a:p>
-          <a:p>
-            <a:pPr marL="530225" indent="-530225" eaLnBrk="1" fontAlgn="auto" hangingPunct="1">
-              <a:spcBef>
-                <a:spcPts val="95"/>
-              </a:spcBef>
-              <a:spcAft>
-                <a:spcPts val="0"/>
-              </a:spcAft>
-              <a:buSzPct val="90476"/>
-              <a:buFont typeface="Arial MT"/>
-              <a:buAutoNum type="arabicPlain" startAt="10"/>
-              <a:tabLst>
-                <a:tab pos="530225" algn="l"/>
-              </a:tabLst>
-            </a:pPr>
-            <a:r>
-              <a:rPr lang="en-GB" sz="1400" b="0" kern="0" spc="-10" dirty="0">
-                <a:solidFill>
-                  <a:sysClr val="windowText" lastClr="000000"/>
-                </a:solidFill>
-                <a:latin typeface="Courier New"/>
-                <a:cs typeface="Courier New"/>
-              </a:rPr>
-              <a:t>L3.wait()</a:t>
-            </a:r>
-            <a:r>
-              <a:rPr sz="1400" b="0" kern="0" spc="-10" dirty="0">
-                <a:solidFill>
-                  <a:sysClr val="windowText" lastClr="000000"/>
-                </a:solidFill>
-                <a:latin typeface="Courier New"/>
-                <a:cs typeface="Courier New"/>
-              </a:rPr>
-              <a:t>;</a:t>
-            </a:r>
-            <a:endParaRPr sz="1400" b="0" kern="0" dirty="0">
-              <a:solidFill>
-                <a:sysClr val="windowText" lastClr="000000"/>
-              </a:solidFill>
-              <a:latin typeface="Courier New"/>
-              <a:cs typeface="Courier New"/>
-            </a:endParaRPr>
-          </a:p>
-          <a:p>
-            <a:pPr marL="530225" indent="-530225" eaLnBrk="1" fontAlgn="auto" hangingPunct="1">
-              <a:spcBef>
-                <a:spcPts val="90"/>
-              </a:spcBef>
-              <a:spcAft>
-                <a:spcPts val="0"/>
-              </a:spcAft>
-              <a:buSzPct val="90476"/>
-              <a:buFont typeface="Arial MT"/>
-              <a:buAutoNum type="arabicPlain" startAt="10"/>
-              <a:tabLst>
-                <a:tab pos="530225" algn="l"/>
-              </a:tabLst>
-            </a:pPr>
-            <a:r>
-              <a:rPr lang="en-GB" sz="1400" b="0" kern="0" spc="-10" dirty="0">
-                <a:solidFill>
-                  <a:sysClr val="windowText" lastClr="000000"/>
-                </a:solidFill>
-                <a:latin typeface="Courier New"/>
-                <a:cs typeface="Courier New"/>
-              </a:rPr>
-              <a:t>L1.wait()</a:t>
-            </a:r>
-            <a:r>
-              <a:rPr sz="1400" b="0" kern="0" spc="-10" dirty="0">
-                <a:solidFill>
-                  <a:sysClr val="windowText" lastClr="000000"/>
-                </a:solidFill>
-                <a:latin typeface="Courier New"/>
-                <a:cs typeface="Courier New"/>
-              </a:rPr>
-              <a:t>;</a:t>
-            </a:r>
-            <a:endParaRPr sz="1400" b="0" kern="0" dirty="0">
-              <a:solidFill>
-                <a:sysClr val="windowText" lastClr="000000"/>
-              </a:solidFill>
-              <a:latin typeface="Courier New"/>
-              <a:cs typeface="Courier New"/>
-            </a:endParaRPr>
-          </a:p>
-          <a:p>
-            <a:pPr marL="511175" indent="-511175" eaLnBrk="1" fontAlgn="auto" hangingPunct="1">
-              <a:spcBef>
-                <a:spcPts val="95"/>
-              </a:spcBef>
-              <a:spcAft>
-                <a:spcPts val="0"/>
-              </a:spcAft>
-              <a:buSzPct val="90476"/>
-              <a:buFont typeface="Arial MT"/>
-              <a:buAutoNum type="arabicPlain" startAt="10"/>
-              <a:tabLst>
-                <a:tab pos="511175" algn="l"/>
-              </a:tabLst>
-            </a:pPr>
-            <a:r>
-              <a:rPr sz="1400" b="0" i="1" kern="0" dirty="0">
-                <a:solidFill>
-                  <a:sysClr val="windowText" lastClr="000000"/>
-                </a:solidFill>
-                <a:latin typeface="Courier New"/>
-                <a:cs typeface="Courier New"/>
-              </a:rPr>
-              <a:t>// critical section requiring L3 and L1 </a:t>
-            </a:r>
-            <a:r>
-              <a:rPr sz="1400" b="0" i="1" kern="0" spc="-10" dirty="0">
-                <a:solidFill>
-                  <a:sysClr val="windowText" lastClr="000000"/>
-                </a:solidFill>
-                <a:latin typeface="Courier New"/>
-                <a:cs typeface="Courier New"/>
-              </a:rPr>
-              <a:t>locked.</a:t>
-            </a:r>
-            <a:endParaRPr sz="1400" b="0" kern="0" dirty="0">
-              <a:solidFill>
-                <a:sysClr val="windowText" lastClr="000000"/>
-              </a:solidFill>
-              <a:latin typeface="Courier New"/>
-              <a:cs typeface="Courier New"/>
-            </a:endParaRPr>
-          </a:p>
-          <a:p>
-            <a:pPr marL="531495" indent="-531495" eaLnBrk="1" fontAlgn="auto" hangingPunct="1">
-              <a:spcBef>
-                <a:spcPts val="95"/>
-              </a:spcBef>
-              <a:spcAft>
-                <a:spcPts val="0"/>
-              </a:spcAft>
-              <a:buSzPct val="90476"/>
-              <a:buFont typeface="Arial MT"/>
-              <a:buAutoNum type="arabicPlain" startAt="10"/>
-              <a:tabLst>
-                <a:tab pos="531495" algn="l"/>
-              </a:tabLst>
-            </a:pPr>
-            <a:r>
-              <a:rPr lang="en-GB" sz="1400" b="0" kern="0" spc="-10" dirty="0">
-                <a:solidFill>
-                  <a:sysClr val="windowText" lastClr="000000"/>
-                </a:solidFill>
-                <a:latin typeface="Courier New"/>
-                <a:cs typeface="Courier New"/>
-              </a:rPr>
-              <a:t>L1.post()</a:t>
-            </a:r>
-            <a:r>
-              <a:rPr sz="1400" b="0" kern="0" spc="-10" dirty="0">
-                <a:solidFill>
-                  <a:sysClr val="windowText" lastClr="000000"/>
-                </a:solidFill>
-                <a:latin typeface="Courier New"/>
-                <a:cs typeface="Courier New"/>
-              </a:rPr>
-              <a:t>;</a:t>
-            </a:r>
-            <a:endParaRPr sz="1400" b="0" kern="0" dirty="0">
-              <a:solidFill>
-                <a:sysClr val="windowText" lastClr="000000"/>
-              </a:solidFill>
-              <a:latin typeface="Courier New"/>
-              <a:cs typeface="Courier New"/>
-            </a:endParaRPr>
-          </a:p>
-          <a:p>
-            <a:pPr marL="531495" indent="-531495" eaLnBrk="1" fontAlgn="auto" hangingPunct="1">
-              <a:spcBef>
-                <a:spcPts val="90"/>
-              </a:spcBef>
-              <a:spcAft>
-                <a:spcPts val="0"/>
-              </a:spcAft>
-              <a:buSzPct val="90476"/>
-              <a:buFont typeface="Arial MT"/>
-              <a:buAutoNum type="arabicPlain" startAt="10"/>
-              <a:tabLst>
-                <a:tab pos="531495" algn="l"/>
-              </a:tabLst>
-            </a:pPr>
-            <a:r>
-              <a:rPr lang="en-GB" sz="1400" b="0" kern="0" spc="-10" dirty="0">
-                <a:solidFill>
-                  <a:sysClr val="windowText" lastClr="000000"/>
-                </a:solidFill>
-                <a:latin typeface="Courier New"/>
-                <a:cs typeface="Courier New"/>
-              </a:rPr>
-              <a:t>L3.post()</a:t>
-            </a:r>
-            <a:r>
-              <a:rPr sz="1400" b="0" kern="0" spc="-10" dirty="0">
-                <a:solidFill>
-                  <a:sysClr val="windowText" lastClr="000000"/>
-                </a:solidFill>
-                <a:latin typeface="Courier New"/>
-                <a:cs typeface="Courier New"/>
-              </a:rPr>
-              <a:t>;</a:t>
-            </a:r>
-            <a:endParaRPr sz="1400" b="0" kern="0" dirty="0">
-              <a:solidFill>
-                <a:sysClr val="windowText" lastClr="000000"/>
-              </a:solidFill>
-              <a:latin typeface="Courier New"/>
-              <a:cs typeface="Courier New"/>
-            </a:endParaRPr>
-          </a:p>
-          <a:p>
-            <a:pPr eaLnBrk="1" fontAlgn="auto" hangingPunct="1">
-              <a:spcBef>
-                <a:spcPts val="295"/>
-              </a:spcBef>
-              <a:spcAft>
-                <a:spcPts val="0"/>
-              </a:spcAft>
-            </a:pPr>
-            <a:r>
-              <a:rPr sz="1200" b="0" kern="0" spc="-25" dirty="0">
-                <a:solidFill>
-                  <a:sysClr val="windowText" lastClr="000000"/>
-                </a:solidFill>
-                <a:latin typeface="Arial MT"/>
-                <a:cs typeface="Arial MT"/>
-              </a:rPr>
-              <a:t>16</a:t>
-            </a:r>
-            <a:endParaRPr sz="1200" b="0" kern="0" dirty="0">
-              <a:solidFill>
-                <a:sysClr val="windowText" lastClr="000000"/>
-              </a:solidFill>
-              <a:latin typeface="Arial MT"/>
-              <a:cs typeface="Arial MT"/>
-            </a:endParaRPr>
-          </a:p>
-          <a:p>
-            <a:pPr marL="511175" indent="-511175" eaLnBrk="1" fontAlgn="auto" hangingPunct="1">
-              <a:spcBef>
-                <a:spcPts val="135"/>
-              </a:spcBef>
-              <a:spcAft>
-                <a:spcPts val="0"/>
-              </a:spcAft>
-              <a:buSzPct val="90476"/>
-              <a:buFont typeface="Arial MT"/>
-              <a:buAutoNum type="arabicPlain" startAt="17"/>
-              <a:tabLst>
-                <a:tab pos="511175" algn="l"/>
-              </a:tabLst>
-            </a:pPr>
-            <a:r>
-              <a:rPr sz="1400" b="0" i="1" kern="0" dirty="0">
-                <a:solidFill>
-                  <a:sysClr val="windowText" lastClr="000000"/>
-                </a:solidFill>
-                <a:latin typeface="Courier New"/>
-                <a:cs typeface="Courier New"/>
-              </a:rPr>
-              <a:t>// Thread </a:t>
-            </a:r>
-            <a:r>
-              <a:rPr sz="1400" b="0" i="1" kern="0" spc="-25" dirty="0">
-                <a:solidFill>
-                  <a:sysClr val="windowText" lastClr="000000"/>
-                </a:solidFill>
-                <a:latin typeface="Courier New"/>
-                <a:cs typeface="Courier New"/>
-              </a:rPr>
-              <a:t>3:</a:t>
-            </a:r>
-            <a:endParaRPr sz="1400" b="0" kern="0" dirty="0">
-              <a:solidFill>
-                <a:sysClr val="windowText" lastClr="000000"/>
-              </a:solidFill>
-              <a:latin typeface="Courier New"/>
-              <a:cs typeface="Courier New"/>
-            </a:endParaRPr>
-          </a:p>
-          <a:p>
-            <a:pPr marL="530225" indent="-530225" eaLnBrk="1" fontAlgn="auto" hangingPunct="1">
-              <a:spcBef>
-                <a:spcPts val="90"/>
-              </a:spcBef>
-              <a:spcAft>
-                <a:spcPts val="0"/>
-              </a:spcAft>
-              <a:buSzPct val="90476"/>
-              <a:buFont typeface="Arial MT"/>
-              <a:buAutoNum type="arabicPlain" startAt="17"/>
-              <a:tabLst>
-                <a:tab pos="530225" algn="l"/>
-              </a:tabLst>
-            </a:pPr>
-            <a:r>
-              <a:rPr lang="en-GB" sz="1400" b="0" kern="0" spc="-10" dirty="0">
-                <a:solidFill>
-                  <a:sysClr val="windowText" lastClr="000000"/>
-                </a:solidFill>
-                <a:latin typeface="Courier New"/>
-                <a:cs typeface="Courier New"/>
-              </a:rPr>
-              <a:t>L2.wait()</a:t>
-            </a:r>
-            <a:r>
-              <a:rPr sz="1400" b="0" kern="0" spc="-10" dirty="0">
-                <a:solidFill>
-                  <a:sysClr val="windowText" lastClr="000000"/>
-                </a:solidFill>
-                <a:latin typeface="Courier New"/>
-                <a:cs typeface="Courier New"/>
-              </a:rPr>
-              <a:t>;</a:t>
-            </a:r>
-            <a:endParaRPr sz="1400" b="0" kern="0" dirty="0">
-              <a:solidFill>
-                <a:sysClr val="windowText" lastClr="000000"/>
-              </a:solidFill>
-              <a:latin typeface="Courier New"/>
-              <a:cs typeface="Courier New"/>
-            </a:endParaRPr>
-          </a:p>
-          <a:p>
-            <a:pPr marL="530225" indent="-530225" eaLnBrk="1" fontAlgn="auto" hangingPunct="1">
-              <a:spcBef>
-                <a:spcPts val="95"/>
-              </a:spcBef>
-              <a:spcAft>
-                <a:spcPts val="0"/>
-              </a:spcAft>
-              <a:buSzPct val="90476"/>
-              <a:buFont typeface="Arial MT"/>
-              <a:buAutoNum type="arabicPlain" startAt="17"/>
-              <a:tabLst>
-                <a:tab pos="530225" algn="l"/>
-              </a:tabLst>
-            </a:pPr>
-            <a:r>
-              <a:rPr lang="en-GB" sz="1400" b="0" kern="0" spc="-10" dirty="0">
-                <a:solidFill>
-                  <a:sysClr val="windowText" lastClr="000000"/>
-                </a:solidFill>
-                <a:latin typeface="Courier New"/>
-                <a:cs typeface="Courier New"/>
-              </a:rPr>
-              <a:t>L3.wait()</a:t>
-            </a:r>
-            <a:r>
-              <a:rPr sz="1400" b="0" kern="0" spc="-10" dirty="0">
-                <a:solidFill>
-                  <a:sysClr val="windowText" lastClr="000000"/>
-                </a:solidFill>
-                <a:latin typeface="Courier New"/>
-                <a:cs typeface="Courier New"/>
-              </a:rPr>
-              <a:t>;</a:t>
-            </a:r>
-            <a:endParaRPr sz="1400" b="0" kern="0" dirty="0">
-              <a:solidFill>
-                <a:sysClr val="windowText" lastClr="000000"/>
-              </a:solidFill>
-              <a:latin typeface="Courier New"/>
-              <a:cs typeface="Courier New"/>
-            </a:endParaRPr>
-          </a:p>
-          <a:p>
-            <a:pPr marL="511175" indent="-511175" eaLnBrk="1" fontAlgn="auto" hangingPunct="1">
-              <a:spcBef>
-                <a:spcPts val="95"/>
-              </a:spcBef>
-              <a:spcAft>
-                <a:spcPts val="0"/>
-              </a:spcAft>
-              <a:buSzPct val="90476"/>
-              <a:buFont typeface="Arial MT"/>
-              <a:buAutoNum type="arabicPlain" startAt="17"/>
-              <a:tabLst>
-                <a:tab pos="511175" algn="l"/>
-              </a:tabLst>
-            </a:pPr>
-            <a:r>
-              <a:rPr sz="1400" b="0" i="1" kern="0" dirty="0">
-                <a:solidFill>
-                  <a:sysClr val="windowText" lastClr="000000"/>
-                </a:solidFill>
-                <a:latin typeface="Courier New"/>
-                <a:cs typeface="Courier New"/>
-              </a:rPr>
-              <a:t>// critical section requiring L2 and L3 </a:t>
-            </a:r>
-            <a:r>
-              <a:rPr sz="1400" b="0" i="1" kern="0" spc="-10" dirty="0">
-                <a:solidFill>
-                  <a:sysClr val="windowText" lastClr="000000"/>
-                </a:solidFill>
-                <a:latin typeface="Courier New"/>
-                <a:cs typeface="Courier New"/>
-              </a:rPr>
-              <a:t>locked.</a:t>
-            </a:r>
-            <a:endParaRPr sz="1400" b="0" kern="0" dirty="0">
-              <a:solidFill>
-                <a:sysClr val="windowText" lastClr="000000"/>
-              </a:solidFill>
-              <a:latin typeface="Courier New"/>
-              <a:cs typeface="Courier New"/>
-            </a:endParaRPr>
-          </a:p>
-          <a:p>
-            <a:pPr marL="531495" indent="-531495" eaLnBrk="1" fontAlgn="auto" hangingPunct="1">
-              <a:spcBef>
-                <a:spcPts val="95"/>
-              </a:spcBef>
-              <a:spcAft>
-                <a:spcPts val="0"/>
-              </a:spcAft>
-              <a:buSzPct val="90476"/>
-              <a:buFont typeface="Arial MT"/>
-              <a:buAutoNum type="arabicPlain" startAt="17"/>
-              <a:tabLst>
-                <a:tab pos="531495" algn="l"/>
-              </a:tabLst>
-            </a:pPr>
-            <a:r>
-              <a:rPr lang="en-GB" sz="1400" b="0" kern="0" spc="-10" dirty="0">
-                <a:solidFill>
-                  <a:sysClr val="windowText" lastClr="000000"/>
-                </a:solidFill>
-                <a:latin typeface="Courier New"/>
-                <a:cs typeface="Courier New"/>
-              </a:rPr>
-              <a:t>L3.post()</a:t>
-            </a:r>
-            <a:r>
-              <a:rPr sz="1400" b="0" kern="0" spc="-10" dirty="0">
-                <a:solidFill>
-                  <a:sysClr val="windowText" lastClr="000000"/>
-                </a:solidFill>
-                <a:latin typeface="Courier New"/>
-                <a:cs typeface="Courier New"/>
-              </a:rPr>
-              <a:t>;</a:t>
-            </a:r>
-            <a:endParaRPr sz="1400" b="0" kern="0" dirty="0">
-              <a:solidFill>
-                <a:sysClr val="windowText" lastClr="000000"/>
-              </a:solidFill>
-              <a:latin typeface="Courier New"/>
-              <a:cs typeface="Courier New"/>
-            </a:endParaRPr>
-          </a:p>
-          <a:p>
-            <a:pPr marL="531495" indent="-531495" eaLnBrk="1" fontAlgn="auto" hangingPunct="1">
-              <a:spcBef>
-                <a:spcPts val="90"/>
-              </a:spcBef>
-              <a:spcAft>
-                <a:spcPts val="0"/>
-              </a:spcAft>
-              <a:buSzPct val="90476"/>
-              <a:buFont typeface="Arial MT"/>
-              <a:buAutoNum type="arabicPlain" startAt="17"/>
-              <a:tabLst>
-                <a:tab pos="531495" algn="l"/>
-              </a:tabLst>
-            </a:pPr>
-            <a:r>
-              <a:rPr lang="en-GB" sz="1400" b="0" kern="0" spc="-10" dirty="0">
-                <a:solidFill>
-                  <a:sysClr val="windowText" lastClr="000000"/>
-                </a:solidFill>
-                <a:latin typeface="Courier New"/>
-                <a:cs typeface="Courier New"/>
-              </a:rPr>
-              <a:t>L2.post()</a:t>
-            </a:r>
-            <a:r>
-              <a:rPr sz="1400" b="0" kern="0" spc="-10" dirty="0">
-                <a:solidFill>
-                  <a:sysClr val="windowText" lastClr="000000"/>
-                </a:solidFill>
-                <a:latin typeface="Courier New"/>
-                <a:cs typeface="Courier New"/>
-              </a:rPr>
-              <a:t>;</a:t>
-            </a:r>
-            <a:endParaRPr sz="1400" b="0" kern="0" dirty="0">
-              <a:solidFill>
-                <a:sysClr val="windowText" lastClr="000000"/>
-              </a:solidFill>
-              <a:latin typeface="Courier New"/>
-              <a:cs typeface="Courier New"/>
-            </a:endParaRPr>
-          </a:p>
-        </p:txBody>
-      </p:sp>
-      <p:sp>
-        <p:nvSpPr>
-          <p:cNvPr id="6" name="object 10">
-            <a:extLst>
-              <a:ext uri="{FF2B5EF4-FFF2-40B4-BE49-F238E27FC236}">
-                <a16:creationId xmlns:a16="http://schemas.microsoft.com/office/drawing/2014/main" id="{B7867E32-F4AD-9B90-BF25-CCA021803154}"/>
-              </a:ext>
-            </a:extLst>
-          </p:cNvPr>
-          <p:cNvSpPr/>
-          <p:nvPr/>
-        </p:nvSpPr>
-        <p:spPr>
-          <a:xfrm>
-            <a:off x="6350001" y="829563"/>
-            <a:ext cx="5715000" cy="5190237"/>
-          </a:xfrm>
-          <a:custGeom>
-            <a:avLst/>
-            <a:gdLst/>
-            <a:ahLst/>
-            <a:cxnLst/>
-            <a:rect l="l" t="t" r="r" b="b"/>
-            <a:pathLst>
-              <a:path w="8177530" h="7403465">
-                <a:moveTo>
-                  <a:pt x="0" y="0"/>
-                </a:moveTo>
-                <a:lnTo>
-                  <a:pt x="8177267" y="0"/>
-                </a:lnTo>
-                <a:lnTo>
-                  <a:pt x="8177267" y="7402992"/>
-                </a:lnTo>
-                <a:lnTo>
-                  <a:pt x="0" y="7402992"/>
-                </a:lnTo>
-                <a:lnTo>
-                  <a:pt x="0" y="0"/>
-                </a:lnTo>
-                <a:close/>
-              </a:path>
-            </a:pathLst>
-          </a:custGeom>
-          <a:ln w="10470">
-            <a:solidFill>
-              <a:srgbClr val="000000"/>
-            </a:solidFill>
-          </a:ln>
-        </p:spPr>
-        <p:txBody>
-          <a:bodyPr wrap="square" lIns="0" tIns="0" rIns="0" bIns="0" rtlCol="0"/>
-          <a:lstStyle/>
-          <a:p>
-            <a:pPr marL="0" marR="0" lvl="0" indent="0" defTabSz="914400" eaLnBrk="1" fontAlgn="auto" latinLnBrk="0" hangingPunct="1">
-              <a:lnSpc>
-                <a:spcPct val="100000"/>
-              </a:lnSpc>
-              <a:spcBef>
-                <a:spcPts val="0"/>
-              </a:spcBef>
-              <a:spcAft>
-                <a:spcPts val="0"/>
-              </a:spcAft>
-              <a:buClrTx/>
-              <a:buSzTx/>
-              <a:buFontTx/>
-              <a:buNone/>
-              <a:tabLst/>
-              <a:defRPr/>
-            </a:pPr>
-            <a:endParaRPr kumimoji="0" sz="1100" b="0" i="0" u="none" strike="noStrike" kern="0" cap="none" spc="0" normalizeH="0" baseline="0" noProof="0">
-              <a:ln>
-                <a:noFill/>
-              </a:ln>
-              <a:solidFill>
-                <a:sysClr val="windowText" lastClr="000000"/>
-              </a:solidFill>
-              <a:effectLst/>
-              <a:uLnTx/>
-              <a:uFillTx/>
-            </a:endParaRPr>
-          </a:p>
-        </p:txBody>
-      </p:sp>
-    </p:spTree>
-    <p:extLst>
-      <p:ext uri="{BB962C8B-B14F-4D97-AF65-F5344CB8AC3E}">
-        <p14:creationId xmlns:p14="http://schemas.microsoft.com/office/powerpoint/2010/main" val="4222259293"/>
-      </p:ext>
-    </p:extLst>
-  </p:cSld>
-  <p:clrMapOvr>
-    <a:masterClrMapping/>
-  </p:clrMapOvr>
-  <p:transition/>
-</p:sld>
-</file>
-
-<file path=ppt/slides/slide2.xml><?xml version="1.0" encoding="utf-8"?>
-<p:sld xmlns:a="http://schemas.openxmlformats.org/drawingml/2006/main" xmlns:r="http://schemas.openxmlformats.org/officeDocument/2006/relationships" xmlns:p="http://schemas.openxmlformats.org/presentationml/2006/main">
-  <p:cSld>
-    <p:spTree>
-      <p:nvGrpSpPr>
-        <p:cNvPr id="1" name=""/>
-        <p:cNvGrpSpPr/>
-        <p:nvPr/>
-      </p:nvGrpSpPr>
-      <p:grpSpPr>
-        <a:xfrm>
-          <a:off x="0" y="0"/>
-          <a:ext cx="0" cy="0"/>
-          <a:chOff x="0" y="0"/>
-          <a:chExt cx="0" cy="0"/>
-        </a:xfrm>
-      </p:grpSpPr>
-      <p:sp>
-        <p:nvSpPr>
-          <p:cNvPr id="2" name="Title 1">
-            <a:extLst>
-              <a:ext uri="{FF2B5EF4-FFF2-40B4-BE49-F238E27FC236}">
-                <a16:creationId xmlns:a16="http://schemas.microsoft.com/office/drawing/2014/main" id="{237D010E-0DE6-664D-E651-1315BFD2A9E4}"/>
-              </a:ext>
-            </a:extLst>
-          </p:cNvPr>
-          <p:cNvSpPr>
-            <a:spLocks noGrp="1"/>
-          </p:cNvSpPr>
-          <p:nvPr>
-            <p:ph type="title"/>
-          </p:nvPr>
-        </p:nvSpPr>
-        <p:spPr/>
-        <p:txBody>
-          <a:bodyPr/>
-          <a:lstStyle/>
-          <a:p>
-            <a:r>
-              <a:rPr lang="en-GB" dirty="0"/>
-              <a:t>Quiz: Dining Lawyers I </a:t>
-            </a:r>
-            <a:endParaRPr lang="en-SE" dirty="0"/>
-          </a:p>
-        </p:txBody>
-      </p:sp>
-      <p:sp>
-        <p:nvSpPr>
-          <p:cNvPr id="3" name="Content Placeholder 2">
-            <a:extLst>
-              <a:ext uri="{FF2B5EF4-FFF2-40B4-BE49-F238E27FC236}">
-                <a16:creationId xmlns:a16="http://schemas.microsoft.com/office/drawing/2014/main" id="{C96CE106-EFF2-89A6-A94C-94BA0CA70C60}"/>
-              </a:ext>
-            </a:extLst>
-          </p:cNvPr>
-          <p:cNvSpPr>
-            <a:spLocks noGrp="1"/>
-          </p:cNvSpPr>
-          <p:nvPr>
-            <p:ph idx="1"/>
-          </p:nvPr>
-        </p:nvSpPr>
-        <p:spPr/>
-        <p:txBody>
-          <a:bodyPr/>
-          <a:lstStyle/>
-          <a:p>
-            <a:r>
-              <a:rPr lang="en-GB" dirty="0"/>
-              <a:t>If each lawyer has 2 arms, and there is a pile of knives and forks at </a:t>
-            </a:r>
-            <a:r>
-              <a:rPr lang="en-GB" dirty="0" err="1"/>
-              <a:t>center</a:t>
-            </a:r>
-            <a:r>
-              <a:rPr lang="en-GB" dirty="0"/>
-              <a:t> of the table. Assume there are at least 1 knife and 1 fork, so at least one lawyer can eat. (There is no other constraint on the numbers of knives, forks, or lawyers.) Each lawyer follows the following steps:</a:t>
-            </a:r>
-          </a:p>
-          <a:p>
-            <a:r>
-              <a:rPr lang="en-GB" dirty="0"/>
-              <a:t>(1) Pick up a knife </a:t>
-            </a:r>
-          </a:p>
-          <a:p>
-            <a:r>
-              <a:rPr lang="en-GB" dirty="0"/>
-              <a:t>(2) Pick up a fork </a:t>
-            </a:r>
-          </a:p>
-          <a:p>
-            <a:r>
-              <a:rPr lang="en-GB" dirty="0"/>
-              <a:t>(3) Eat</a:t>
-            </a:r>
-          </a:p>
-          <a:p>
-            <a:r>
-              <a:rPr lang="en-GB" dirty="0"/>
-              <a:t>(4) Return the knife and fork to the pile </a:t>
-            </a:r>
-          </a:p>
-          <a:p>
-            <a:r>
-              <a:rPr lang="en-GB" dirty="0"/>
-              <a:t>Q: Can the system be deadlocked?</a:t>
-            </a:r>
-          </a:p>
-          <a:p>
-            <a:endParaRPr lang="en-GB" dirty="0"/>
-          </a:p>
-          <a:p>
-            <a:endParaRPr lang="en-GB" dirty="0"/>
-          </a:p>
-          <a:p>
-            <a:endParaRPr lang="en-SE" dirty="0"/>
-          </a:p>
-        </p:txBody>
-      </p:sp>
-    </p:spTree>
-    <p:extLst>
-      <p:ext uri="{BB962C8B-B14F-4D97-AF65-F5344CB8AC3E}">
-        <p14:creationId xmlns:p14="http://schemas.microsoft.com/office/powerpoint/2010/main" val="937329881"/>
-      </p:ext>
-    </p:extLst>
-  </p:cSld>
-  <p:clrMapOvr>
-    <a:masterClrMapping/>
-  </p:clrMapOvr>
-  <p:transition/>
-</p:sld>
-</file>
-
-<file path=ppt/slides/slide3.xml><?xml version="1.0" encoding="utf-8"?>
-<p:sld xmlns:a="http://schemas.openxmlformats.org/drawingml/2006/main" xmlns:r="http://schemas.openxmlformats.org/officeDocument/2006/relationships" xmlns:p="http://schemas.openxmlformats.org/presentationml/2006/main">
-  <p:cSld>
-    <p:spTree>
-      <p:nvGrpSpPr>
-        <p:cNvPr id="1" name=""/>
-        <p:cNvGrpSpPr/>
-        <p:nvPr/>
-      </p:nvGrpSpPr>
-      <p:grpSpPr>
-        <a:xfrm>
-          <a:off x="0" y="0"/>
-          <a:ext cx="0" cy="0"/>
-          <a:chOff x="0" y="0"/>
-          <a:chExt cx="0" cy="0"/>
-        </a:xfrm>
-      </p:grpSpPr>
-      <p:sp>
-        <p:nvSpPr>
-          <p:cNvPr id="2" name="Title 1">
-            <a:extLst>
-              <a:ext uri="{FF2B5EF4-FFF2-40B4-BE49-F238E27FC236}">
-                <a16:creationId xmlns:a16="http://schemas.microsoft.com/office/drawing/2014/main" id="{8517CBEC-05EA-7A5F-F4B4-1BC21C95AD1B}"/>
-              </a:ext>
-            </a:extLst>
-          </p:cNvPr>
-          <p:cNvSpPr>
-            <a:spLocks noGrp="1"/>
-          </p:cNvSpPr>
-          <p:nvPr>
-            <p:ph type="title"/>
-          </p:nvPr>
-        </p:nvSpPr>
-        <p:spPr/>
-        <p:txBody>
-          <a:bodyPr/>
-          <a:lstStyle/>
-          <a:p>
-            <a:r>
-              <a:rPr lang="en-GB" dirty="0"/>
-              <a:t>Quiz: Dining Lawyers I Answer</a:t>
-            </a:r>
-            <a:endParaRPr lang="en-SE" dirty="0"/>
-          </a:p>
-        </p:txBody>
-      </p:sp>
-      <p:sp>
-        <p:nvSpPr>
-          <p:cNvPr id="3" name="Content Placeholder 2">
-            <a:extLst>
-              <a:ext uri="{FF2B5EF4-FFF2-40B4-BE49-F238E27FC236}">
-                <a16:creationId xmlns:a16="http://schemas.microsoft.com/office/drawing/2014/main" id="{122E96A8-E236-1836-858B-8BE14C20DCB7}"/>
-              </a:ext>
-            </a:extLst>
-          </p:cNvPr>
-          <p:cNvSpPr>
-            <a:spLocks noGrp="1"/>
-          </p:cNvSpPr>
-          <p:nvPr>
-            <p:ph idx="1"/>
-          </p:nvPr>
-        </p:nvSpPr>
-        <p:spPr>
-          <a:xfrm>
-            <a:off x="330200" y="914400"/>
-            <a:ext cx="6108700" cy="5105400"/>
-          </a:xfrm>
-        </p:spPr>
-        <p:txBody>
-          <a:bodyPr>
-            <a:normAutofit fontScale="92500" lnSpcReduction="20000"/>
-          </a:bodyPr>
-          <a:lstStyle/>
-          <a:p>
-            <a:r>
-              <a:rPr lang="en-GB" dirty="0"/>
-              <a:t>ANS: No deadlocks, since it’s not possible to have circular waiting.</a:t>
-            </a:r>
-          </a:p>
-          <a:p>
-            <a:r>
-              <a:rPr lang="en-GB" dirty="0"/>
-              <a:t>All lawyers follow the same resource acquisition order:</a:t>
-            </a:r>
-          </a:p>
-          <a:p>
-            <a:pPr lvl="1"/>
-            <a:r>
-              <a:rPr lang="en-GB" dirty="0"/>
-              <a:t>1. Knife</a:t>
-            </a:r>
-          </a:p>
-          <a:p>
-            <a:pPr lvl="1"/>
-            <a:r>
-              <a:rPr lang="en-GB" dirty="0"/>
-              <a:t>2. Fork</a:t>
-            </a:r>
-          </a:p>
-          <a:p>
-            <a:r>
-              <a:rPr lang="en-GB" dirty="0"/>
-              <a:t>Since lawyers do not wait for resources held by others in a cyclic manner, no circular dependency forms.</a:t>
-            </a:r>
-          </a:p>
-          <a:p>
-            <a:r>
-              <a:rPr lang="en-GB" dirty="0"/>
-              <a:t>Example: If all knives are taken, lawyers without knives wait for returned knives. Those with knives either acquire forks (if available) or wait for forks to be returned. With at least one fork in the system, progress is guaranteed once utensils are released.</a:t>
-            </a:r>
-            <a:endParaRPr lang="en-SE" dirty="0"/>
-          </a:p>
-        </p:txBody>
-      </p:sp>
-      <p:sp>
-        <p:nvSpPr>
-          <p:cNvPr id="4" name="Oval 4">
-            <a:extLst>
-              <a:ext uri="{FF2B5EF4-FFF2-40B4-BE49-F238E27FC236}">
-                <a16:creationId xmlns:a16="http://schemas.microsoft.com/office/drawing/2014/main" id="{E867835D-6934-3C2A-08B6-CCB61809774A}"/>
-              </a:ext>
-            </a:extLst>
-          </p:cNvPr>
-          <p:cNvSpPr>
-            <a:spLocks noChangeArrowheads="1"/>
-          </p:cNvSpPr>
-          <p:nvPr/>
-        </p:nvSpPr>
-        <p:spPr bwMode="auto">
-          <a:xfrm>
-            <a:off x="7161213" y="3259139"/>
-            <a:ext cx="811212" cy="752475"/>
-          </a:xfrm>
-          <a:prstGeom prst="ellipse">
-            <a:avLst/>
-          </a:prstGeom>
-          <a:solidFill>
-            <a:schemeClr val="bg1"/>
-          </a:solidFill>
-          <a:ln w="38100" algn="ctr">
-            <a:solidFill>
-              <a:schemeClr val="tx1"/>
-            </a:solidFill>
-            <a:round/>
-            <a:headEnd/>
-            <a:tailEnd/>
-          </a:ln>
-        </p:spPr>
-        <p:txBody>
-          <a:bodyPr wrap="none" anchor="ctr"/>
-          <a:lstStyle/>
-          <a:p>
-            <a:pPr algn="ctr"/>
-            <a:r>
-              <a:rPr lang="en-US" altLang="zh-CN" b="0">
-                <a:solidFill>
-                  <a:srgbClr val="000000"/>
-                </a:solidFill>
-                <a:latin typeface="Times New Roman" pitchFamily="18" charset="0"/>
-                <a:ea typeface="宋体" charset="-122"/>
-                <a:cs typeface="+mn-cs"/>
-              </a:rPr>
-              <a:t>P1</a:t>
-            </a:r>
-          </a:p>
-        </p:txBody>
-      </p:sp>
-      <p:sp>
-        <p:nvSpPr>
-          <p:cNvPr id="5" name="Oval 6">
-            <a:extLst>
-              <a:ext uri="{FF2B5EF4-FFF2-40B4-BE49-F238E27FC236}">
-                <a16:creationId xmlns:a16="http://schemas.microsoft.com/office/drawing/2014/main" id="{552F5B16-4803-988A-522D-9EBAB66A1DAE}"/>
-              </a:ext>
-            </a:extLst>
-          </p:cNvPr>
-          <p:cNvSpPr>
-            <a:spLocks noChangeArrowheads="1"/>
-          </p:cNvSpPr>
-          <p:nvPr/>
-        </p:nvSpPr>
-        <p:spPr bwMode="auto">
-          <a:xfrm>
-            <a:off x="10577513" y="3259139"/>
-            <a:ext cx="811212" cy="752475"/>
-          </a:xfrm>
-          <a:prstGeom prst="ellipse">
-            <a:avLst/>
-          </a:prstGeom>
-          <a:solidFill>
-            <a:schemeClr val="bg1"/>
-          </a:solidFill>
-          <a:ln w="38100" algn="ctr">
-            <a:solidFill>
-              <a:schemeClr val="tx1"/>
-            </a:solidFill>
-            <a:round/>
-            <a:headEnd/>
-            <a:tailEnd/>
-          </a:ln>
-        </p:spPr>
-        <p:txBody>
-          <a:bodyPr wrap="none" anchor="ctr"/>
-          <a:lstStyle/>
-          <a:p>
-            <a:pPr algn="ctr"/>
-            <a:r>
-              <a:rPr lang="en-US" altLang="zh-CN" b="0">
-                <a:solidFill>
-                  <a:srgbClr val="000000"/>
-                </a:solidFill>
-                <a:latin typeface="Times New Roman" pitchFamily="18" charset="0"/>
-                <a:ea typeface="宋体" charset="-122"/>
-                <a:cs typeface="+mn-cs"/>
-              </a:rPr>
-              <a:t>P2</a:t>
-            </a:r>
-          </a:p>
-        </p:txBody>
-      </p:sp>
-      <p:sp>
-        <p:nvSpPr>
-          <p:cNvPr id="6" name="Rectangle 7">
-            <a:extLst>
-              <a:ext uri="{FF2B5EF4-FFF2-40B4-BE49-F238E27FC236}">
-                <a16:creationId xmlns:a16="http://schemas.microsoft.com/office/drawing/2014/main" id="{698A0198-3468-DF0F-8B71-8F9519F71B44}"/>
-              </a:ext>
-            </a:extLst>
-          </p:cNvPr>
-          <p:cNvSpPr>
-            <a:spLocks noChangeArrowheads="1"/>
-          </p:cNvSpPr>
-          <p:nvPr/>
-        </p:nvSpPr>
-        <p:spPr bwMode="auto">
-          <a:xfrm>
-            <a:off x="8694738" y="4221164"/>
-            <a:ext cx="982662" cy="930275"/>
-          </a:xfrm>
-          <a:prstGeom prst="rect">
-            <a:avLst/>
-          </a:prstGeom>
-          <a:solidFill>
-            <a:schemeClr val="bg1"/>
-          </a:solidFill>
-          <a:ln w="38100" algn="ctr">
-            <a:solidFill>
-              <a:schemeClr val="tx1"/>
-            </a:solidFill>
-            <a:miter lim="800000"/>
-            <a:headEnd/>
-            <a:tailEnd/>
-          </a:ln>
-        </p:spPr>
-        <p:txBody>
-          <a:bodyPr wrap="none" anchor="ctr"/>
-          <a:lstStyle/>
-          <a:p>
-            <a:pPr algn="ctr"/>
-            <a:r>
-              <a:rPr lang="en-US" altLang="zh-CN" b="0" dirty="0">
-                <a:solidFill>
-                  <a:srgbClr val="000000"/>
-                </a:solidFill>
-                <a:latin typeface="Times New Roman" pitchFamily="18" charset="0"/>
-                <a:ea typeface="宋体" charset="-122"/>
-                <a:cs typeface="+mn-cs"/>
-              </a:rPr>
-              <a:t>1 fork</a:t>
-            </a:r>
-          </a:p>
-        </p:txBody>
-      </p:sp>
-      <p:sp>
-        <p:nvSpPr>
-          <p:cNvPr id="7" name="Rectangle 9">
-            <a:extLst>
-              <a:ext uri="{FF2B5EF4-FFF2-40B4-BE49-F238E27FC236}">
-                <a16:creationId xmlns:a16="http://schemas.microsoft.com/office/drawing/2014/main" id="{44737D0F-486E-A5BB-4C27-1A899C0D2973}"/>
-              </a:ext>
-            </a:extLst>
-          </p:cNvPr>
-          <p:cNvSpPr>
-            <a:spLocks noChangeArrowheads="1"/>
-          </p:cNvSpPr>
-          <p:nvPr/>
-        </p:nvSpPr>
-        <p:spPr bwMode="auto">
-          <a:xfrm>
-            <a:off x="8574088" y="2482851"/>
-            <a:ext cx="984250" cy="949325"/>
-          </a:xfrm>
-          <a:prstGeom prst="rect">
-            <a:avLst/>
-          </a:prstGeom>
-          <a:solidFill>
-            <a:schemeClr val="bg1"/>
-          </a:solidFill>
-          <a:ln w="38100" algn="ctr">
-            <a:solidFill>
-              <a:schemeClr val="tx1"/>
-            </a:solidFill>
-            <a:miter lim="800000"/>
-            <a:headEnd/>
-            <a:tailEnd/>
-          </a:ln>
-        </p:spPr>
-        <p:txBody>
-          <a:bodyPr wrap="none" anchor="ctr"/>
-          <a:lstStyle/>
-          <a:p>
-            <a:pPr algn="ctr"/>
-            <a:r>
-              <a:rPr lang="en-US" altLang="zh-CN" b="0" dirty="0">
-                <a:solidFill>
-                  <a:srgbClr val="000000"/>
-                </a:solidFill>
-                <a:latin typeface="Times New Roman" pitchFamily="18" charset="0"/>
-                <a:ea typeface="宋体" charset="-122"/>
-                <a:cs typeface="+mn-cs"/>
-              </a:rPr>
-              <a:t>1 knife</a:t>
-            </a:r>
-          </a:p>
-        </p:txBody>
-      </p:sp>
-      <p:sp>
-        <p:nvSpPr>
-          <p:cNvPr id="8" name="Line 10">
-            <a:extLst>
-              <a:ext uri="{FF2B5EF4-FFF2-40B4-BE49-F238E27FC236}">
-                <a16:creationId xmlns:a16="http://schemas.microsoft.com/office/drawing/2014/main" id="{3ABED2A5-A545-E8D9-3972-F0692A3E9BD1}"/>
-              </a:ext>
-            </a:extLst>
-          </p:cNvPr>
-          <p:cNvSpPr>
-            <a:spLocks noChangeShapeType="1"/>
-          </p:cNvSpPr>
-          <p:nvPr/>
-        </p:nvSpPr>
-        <p:spPr bwMode="auto">
-          <a:xfrm>
-            <a:off x="7799388" y="4011614"/>
-            <a:ext cx="895350" cy="674687"/>
-          </a:xfrm>
-          <a:prstGeom prst="line">
-            <a:avLst/>
-          </a:prstGeom>
-          <a:noFill/>
-          <a:ln w="38100">
-            <a:solidFill>
-              <a:schemeClr val="tx1"/>
-            </a:solidFill>
-            <a:round/>
-            <a:headEnd/>
-            <a:tailEnd type="triangle" w="med" len="med"/>
-          </a:ln>
-        </p:spPr>
-        <p:txBody>
-          <a:bodyPr wrap="none" anchor="ctr"/>
-          <a:lstStyle/>
-          <a:p>
-            <a:pPr algn="ctr"/>
-            <a:endParaRPr lang="zh-CN" altLang="en-US" b="0">
-              <a:solidFill>
-                <a:srgbClr val="000000"/>
-              </a:solidFill>
-              <a:latin typeface="Times New Roman" pitchFamily="18" charset="0"/>
-              <a:ea typeface="+mn-ea"/>
-              <a:cs typeface="+mn-cs"/>
-            </a:endParaRPr>
-          </a:p>
-        </p:txBody>
-      </p:sp>
-      <p:sp>
-        <p:nvSpPr>
-          <p:cNvPr id="9" name="Line 11">
-            <a:extLst>
-              <a:ext uri="{FF2B5EF4-FFF2-40B4-BE49-F238E27FC236}">
-                <a16:creationId xmlns:a16="http://schemas.microsoft.com/office/drawing/2014/main" id="{D682D274-68F0-E988-E39C-AA5D48447C2B}"/>
-              </a:ext>
-            </a:extLst>
-          </p:cNvPr>
-          <p:cNvSpPr>
-            <a:spLocks noChangeShapeType="1"/>
-          </p:cNvSpPr>
-          <p:nvPr/>
-        </p:nvSpPr>
-        <p:spPr bwMode="auto">
-          <a:xfrm flipV="1">
-            <a:off x="9280526" y="4011614"/>
-            <a:ext cx="1482725" cy="860425"/>
-          </a:xfrm>
-          <a:prstGeom prst="line">
-            <a:avLst/>
-          </a:prstGeom>
-          <a:noFill/>
-          <a:ln w="38100">
-            <a:solidFill>
-              <a:schemeClr val="tx1"/>
-            </a:solidFill>
-            <a:round/>
-            <a:headEnd type="oval" w="lg" len="lg"/>
-            <a:tailEnd type="triangle" w="med" len="med"/>
-          </a:ln>
-        </p:spPr>
-        <p:txBody>
-          <a:bodyPr wrap="none" anchor="ctr"/>
-          <a:lstStyle/>
-          <a:p>
-            <a:pPr algn="ctr"/>
-            <a:endParaRPr lang="zh-CN" altLang="en-US" b="0">
-              <a:solidFill>
-                <a:srgbClr val="000000"/>
-              </a:solidFill>
-              <a:latin typeface="Times New Roman" pitchFamily="18" charset="0"/>
-              <a:ea typeface="+mn-ea"/>
-              <a:cs typeface="+mn-cs"/>
-            </a:endParaRPr>
-          </a:p>
-        </p:txBody>
-      </p:sp>
-      <p:sp>
-        <p:nvSpPr>
-          <p:cNvPr id="10" name="Text Box 12">
-            <a:extLst>
-              <a:ext uri="{FF2B5EF4-FFF2-40B4-BE49-F238E27FC236}">
-                <a16:creationId xmlns:a16="http://schemas.microsoft.com/office/drawing/2014/main" id="{D13E50A3-7BB4-9B85-B418-59F4517F681D}"/>
-              </a:ext>
-            </a:extLst>
-          </p:cNvPr>
-          <p:cNvSpPr txBox="1">
-            <a:spLocks noChangeArrowheads="1"/>
-          </p:cNvSpPr>
-          <p:nvPr/>
-        </p:nvSpPr>
-        <p:spPr bwMode="auto">
-          <a:xfrm>
-            <a:off x="9963944" y="4306536"/>
-            <a:ext cx="2038350" cy="641350"/>
-          </a:xfrm>
-          <a:prstGeom prst="rect">
-            <a:avLst/>
-          </a:prstGeom>
-          <a:noFill/>
-          <a:ln w="38100" algn="ctr">
-            <a:noFill/>
-            <a:miter lim="800000"/>
-            <a:headEnd/>
-            <a:tailEnd/>
-          </a:ln>
-        </p:spPr>
-        <p:txBody>
-          <a:bodyPr>
-            <a:spAutoFit/>
-          </a:bodyPr>
-          <a:lstStyle/>
-          <a:p>
-            <a:pPr algn="ctr">
-              <a:spcBef>
-                <a:spcPct val="50000"/>
-              </a:spcBef>
-            </a:pPr>
-            <a:r>
-              <a:rPr lang="en-US" altLang="zh-CN" b="0" dirty="0">
-                <a:solidFill>
-                  <a:srgbClr val="000000"/>
-                </a:solidFill>
-                <a:latin typeface="Times New Roman" pitchFamily="18" charset="0"/>
-                <a:ea typeface="宋体" charset="-122"/>
-                <a:cs typeface="+mn-cs"/>
-              </a:rPr>
-              <a:t>Resource 1 (a fork) held by Thread 2</a:t>
-            </a:r>
-          </a:p>
-        </p:txBody>
-      </p:sp>
-      <p:sp>
-        <p:nvSpPr>
-          <p:cNvPr id="11" name="Line 13">
-            <a:extLst>
-              <a:ext uri="{FF2B5EF4-FFF2-40B4-BE49-F238E27FC236}">
-                <a16:creationId xmlns:a16="http://schemas.microsoft.com/office/drawing/2014/main" id="{B8D13756-C7C2-7DAE-B92E-A81A5D6F93EF}"/>
-              </a:ext>
-            </a:extLst>
-          </p:cNvPr>
-          <p:cNvSpPr>
-            <a:spLocks noChangeShapeType="1"/>
-          </p:cNvSpPr>
-          <p:nvPr/>
-        </p:nvSpPr>
-        <p:spPr bwMode="auto">
-          <a:xfrm flipH="1" flipV="1">
-            <a:off x="9558339" y="2987675"/>
-            <a:ext cx="1019175" cy="444500"/>
-          </a:xfrm>
-          <a:prstGeom prst="line">
-            <a:avLst/>
-          </a:prstGeom>
-          <a:noFill/>
-          <a:ln w="38100">
-            <a:solidFill>
-              <a:schemeClr val="tx1"/>
-            </a:solidFill>
-            <a:round/>
-            <a:headEnd/>
-            <a:tailEnd type="triangle" w="med" len="med"/>
-          </a:ln>
-        </p:spPr>
-        <p:txBody>
-          <a:bodyPr wrap="none" anchor="ctr"/>
-          <a:lstStyle/>
-          <a:p>
-            <a:pPr algn="ctr"/>
-            <a:endParaRPr lang="zh-CN" altLang="en-US" b="0">
-              <a:solidFill>
-                <a:srgbClr val="000000"/>
-              </a:solidFill>
-              <a:latin typeface="Times New Roman" pitchFamily="18" charset="0"/>
-              <a:ea typeface="+mn-ea"/>
-              <a:cs typeface="+mn-cs"/>
-            </a:endParaRPr>
-          </a:p>
-        </p:txBody>
-      </p:sp>
-      <p:sp>
-        <p:nvSpPr>
-          <p:cNvPr id="12" name="Text Box 14">
-            <a:extLst>
-              <a:ext uri="{FF2B5EF4-FFF2-40B4-BE49-F238E27FC236}">
-                <a16:creationId xmlns:a16="http://schemas.microsoft.com/office/drawing/2014/main" id="{D3F189B8-BEA8-06E5-5DA0-8DDC8DE6B186}"/>
-              </a:ext>
-            </a:extLst>
-          </p:cNvPr>
-          <p:cNvSpPr txBox="1">
-            <a:spLocks noChangeArrowheads="1"/>
-          </p:cNvSpPr>
-          <p:nvPr/>
-        </p:nvSpPr>
-        <p:spPr bwMode="auto">
-          <a:xfrm>
-            <a:off x="9722381" y="2514600"/>
-            <a:ext cx="2184400" cy="923330"/>
-          </a:xfrm>
-          <a:prstGeom prst="rect">
-            <a:avLst/>
-          </a:prstGeom>
-          <a:noFill/>
-          <a:ln w="38100" algn="ctr">
-            <a:noFill/>
-            <a:miter lim="800000"/>
-            <a:headEnd/>
-            <a:tailEnd/>
-          </a:ln>
-        </p:spPr>
-        <p:txBody>
-          <a:bodyPr>
-            <a:spAutoFit/>
-          </a:bodyPr>
-          <a:lstStyle/>
-          <a:p>
-            <a:pPr algn="ctr">
-              <a:spcBef>
-                <a:spcPct val="50000"/>
-              </a:spcBef>
-            </a:pPr>
-            <a:r>
-              <a:rPr lang="en-US" altLang="zh-CN" b="0" dirty="0">
-                <a:solidFill>
-                  <a:srgbClr val="000000"/>
-                </a:solidFill>
-                <a:latin typeface="Times New Roman" pitchFamily="18" charset="0"/>
-                <a:ea typeface="宋体" charset="-122"/>
-                <a:cs typeface="+mn-cs"/>
-              </a:rPr>
-              <a:t>Resource 2 (a knife) requested by Thread 2</a:t>
-            </a:r>
-          </a:p>
-        </p:txBody>
-      </p:sp>
-      <p:sp>
-        <p:nvSpPr>
-          <p:cNvPr id="13" name="Oval 15">
-            <a:extLst>
-              <a:ext uri="{FF2B5EF4-FFF2-40B4-BE49-F238E27FC236}">
-                <a16:creationId xmlns:a16="http://schemas.microsoft.com/office/drawing/2014/main" id="{AC5435DB-07CC-24DD-611F-BE5F6681D918}"/>
-              </a:ext>
-            </a:extLst>
-          </p:cNvPr>
-          <p:cNvSpPr>
-            <a:spLocks noChangeArrowheads="1"/>
-          </p:cNvSpPr>
-          <p:nvPr/>
-        </p:nvSpPr>
-        <p:spPr bwMode="auto">
-          <a:xfrm>
-            <a:off x="9131301" y="3135314"/>
-            <a:ext cx="149225" cy="123825"/>
-          </a:xfrm>
-          <a:prstGeom prst="ellipse">
-            <a:avLst/>
-          </a:prstGeom>
-          <a:solidFill>
-            <a:srgbClr val="000000"/>
-          </a:solidFill>
-          <a:ln w="38100" algn="ctr">
-            <a:solidFill>
-              <a:schemeClr val="tx1"/>
-            </a:solidFill>
-            <a:round/>
-            <a:headEnd/>
-            <a:tailEnd/>
-          </a:ln>
-        </p:spPr>
-        <p:txBody>
-          <a:bodyPr wrap="none" anchor="ctr"/>
-          <a:lstStyle/>
-          <a:p>
-            <a:pPr algn="ctr"/>
-            <a:endParaRPr lang="en-CA" b="0">
-              <a:solidFill>
-                <a:srgbClr val="000000"/>
-              </a:solidFill>
-              <a:latin typeface="Times New Roman" pitchFamily="18" charset="0"/>
-              <a:ea typeface="+mn-ea"/>
-              <a:cs typeface="+mn-cs"/>
-            </a:endParaRPr>
-          </a:p>
-        </p:txBody>
-      </p:sp>
-      <p:sp>
-        <p:nvSpPr>
-          <p:cNvPr id="14" name="Line 16">
-            <a:extLst>
-              <a:ext uri="{FF2B5EF4-FFF2-40B4-BE49-F238E27FC236}">
-                <a16:creationId xmlns:a16="http://schemas.microsoft.com/office/drawing/2014/main" id="{D058D1D8-D5D7-8B94-64B3-4E1BABE6FD1D}"/>
-              </a:ext>
-            </a:extLst>
-          </p:cNvPr>
-          <p:cNvSpPr>
-            <a:spLocks noChangeShapeType="1"/>
-          </p:cNvSpPr>
-          <p:nvPr/>
-        </p:nvSpPr>
-        <p:spPr bwMode="auto">
-          <a:xfrm flipH="1">
-            <a:off x="7972426" y="3259139"/>
-            <a:ext cx="1158875" cy="173037"/>
-          </a:xfrm>
-          <a:prstGeom prst="line">
-            <a:avLst/>
-          </a:prstGeom>
-          <a:noFill/>
-          <a:ln w="38100">
-            <a:solidFill>
-              <a:schemeClr val="tx1"/>
-            </a:solidFill>
-            <a:round/>
-            <a:headEnd/>
-            <a:tailEnd type="triangle" w="med" len="med"/>
-          </a:ln>
-        </p:spPr>
-        <p:txBody>
-          <a:bodyPr wrap="none" anchor="ctr"/>
-          <a:lstStyle/>
-          <a:p>
-            <a:pPr algn="ctr"/>
-            <a:endParaRPr lang="zh-CN" altLang="en-US" b="0">
-              <a:solidFill>
-                <a:srgbClr val="000000"/>
-              </a:solidFill>
-              <a:latin typeface="Times New Roman" pitchFamily="18" charset="0"/>
-              <a:ea typeface="+mn-ea"/>
-              <a:cs typeface="+mn-cs"/>
-            </a:endParaRPr>
-          </a:p>
-        </p:txBody>
-      </p:sp>
-      <p:sp>
-        <p:nvSpPr>
-          <p:cNvPr id="15" name="TextBox 14">
-            <a:extLst>
-              <a:ext uri="{FF2B5EF4-FFF2-40B4-BE49-F238E27FC236}">
-                <a16:creationId xmlns:a16="http://schemas.microsoft.com/office/drawing/2014/main" id="{4F59604D-A012-D748-3A24-CA14FE0BA4A8}"/>
-              </a:ext>
-            </a:extLst>
-          </p:cNvPr>
-          <p:cNvSpPr txBox="1"/>
-          <p:nvPr/>
-        </p:nvSpPr>
-        <p:spPr>
-          <a:xfrm>
-            <a:off x="7882731" y="5446361"/>
-            <a:ext cx="3589337" cy="1015663"/>
-          </a:xfrm>
-          <a:prstGeom prst="rect">
-            <a:avLst/>
-          </a:prstGeom>
-        </p:spPr>
-        <p:style>
-          <a:lnRef idx="1">
-            <a:schemeClr val="dk1"/>
-          </a:lnRef>
-          <a:fillRef idx="2">
-            <a:schemeClr val="dk1"/>
-          </a:fillRef>
-          <a:effectRef idx="1">
-            <a:schemeClr val="dk1"/>
-          </a:effectRef>
-          <a:fontRef idx="minor">
-            <a:schemeClr val="dk1"/>
-          </a:fontRef>
-        </p:style>
-        <p:txBody>
-          <a:bodyPr wrap="square" rtlCol="0">
-            <a:spAutoFit/>
-          </a:bodyPr>
-          <a:lstStyle/>
-          <a:p>
-            <a:r>
-              <a:rPr lang="en-GB" sz="2000" dirty="0">
-                <a:latin typeface="Gill Sans Light"/>
-              </a:rPr>
-              <a:t>This deadlock scenario is not possible under the fixed resource acquisition order: 1. Knife 2. Fork</a:t>
-            </a:r>
-            <a:endParaRPr lang="en-SE" sz="2000" dirty="0">
-              <a:latin typeface="Gill Sans Light"/>
-            </a:endParaRPr>
-          </a:p>
-        </p:txBody>
-      </p:sp>
-      <p:sp>
-        <p:nvSpPr>
-          <p:cNvPr id="16" name="Text Box 12">
-            <a:extLst>
-              <a:ext uri="{FF2B5EF4-FFF2-40B4-BE49-F238E27FC236}">
-                <a16:creationId xmlns:a16="http://schemas.microsoft.com/office/drawing/2014/main" id="{50B76F4E-1708-533E-4648-F80099B60CC5}"/>
-              </a:ext>
-            </a:extLst>
-          </p:cNvPr>
-          <p:cNvSpPr txBox="1">
-            <a:spLocks noChangeArrowheads="1"/>
-          </p:cNvSpPr>
-          <p:nvPr/>
-        </p:nvSpPr>
-        <p:spPr bwMode="auto">
-          <a:xfrm>
-            <a:off x="6260307" y="4306536"/>
-            <a:ext cx="2250194" cy="646331"/>
-          </a:xfrm>
-          <a:prstGeom prst="rect">
-            <a:avLst/>
-          </a:prstGeom>
-          <a:noFill/>
-          <a:ln w="38100" algn="ctr">
-            <a:noFill/>
-            <a:miter lim="800000"/>
-            <a:headEnd/>
-            <a:tailEnd/>
-          </a:ln>
-        </p:spPr>
-        <p:txBody>
-          <a:bodyPr wrap="square">
-            <a:spAutoFit/>
-          </a:bodyPr>
-          <a:lstStyle/>
-          <a:p>
-            <a:pPr algn="ctr">
-              <a:spcBef>
-                <a:spcPct val="50000"/>
-              </a:spcBef>
-            </a:pPr>
-            <a:r>
-              <a:rPr lang="en-US" altLang="zh-CN" b="0" dirty="0">
-                <a:solidFill>
-                  <a:srgbClr val="000000"/>
-                </a:solidFill>
-                <a:latin typeface="Times New Roman" pitchFamily="18" charset="0"/>
-                <a:ea typeface="宋体" charset="-122"/>
-                <a:cs typeface="+mn-cs"/>
-              </a:rPr>
-              <a:t>Resource 1 (a fork) requested by Thread 2</a:t>
-            </a:r>
-          </a:p>
-        </p:txBody>
-      </p:sp>
-      <p:sp>
-        <p:nvSpPr>
-          <p:cNvPr id="17" name="Text Box 14">
-            <a:extLst>
-              <a:ext uri="{FF2B5EF4-FFF2-40B4-BE49-F238E27FC236}">
-                <a16:creationId xmlns:a16="http://schemas.microsoft.com/office/drawing/2014/main" id="{53A1967F-EDC4-4D04-69BA-C16A961E1FF5}"/>
-              </a:ext>
-            </a:extLst>
-          </p:cNvPr>
-          <p:cNvSpPr txBox="1">
-            <a:spLocks noChangeArrowheads="1"/>
-          </p:cNvSpPr>
-          <p:nvPr/>
-        </p:nvSpPr>
-        <p:spPr bwMode="auto">
-          <a:xfrm>
-            <a:off x="6260307" y="2514600"/>
-            <a:ext cx="2184400" cy="646331"/>
-          </a:xfrm>
-          <a:prstGeom prst="rect">
-            <a:avLst/>
-          </a:prstGeom>
-          <a:noFill/>
-          <a:ln w="38100" algn="ctr">
-            <a:noFill/>
-            <a:miter lim="800000"/>
-            <a:headEnd/>
-            <a:tailEnd/>
-          </a:ln>
-        </p:spPr>
-        <p:txBody>
-          <a:bodyPr>
-            <a:spAutoFit/>
-          </a:bodyPr>
-          <a:lstStyle/>
-          <a:p>
-            <a:pPr algn="ctr">
-              <a:spcBef>
-                <a:spcPct val="50000"/>
-              </a:spcBef>
-            </a:pPr>
-            <a:r>
-              <a:rPr lang="en-US" altLang="zh-CN" b="0" dirty="0">
-                <a:solidFill>
-                  <a:srgbClr val="000000"/>
-                </a:solidFill>
-                <a:latin typeface="Times New Roman" pitchFamily="18" charset="0"/>
-                <a:ea typeface="宋体" charset="-122"/>
-                <a:cs typeface="+mn-cs"/>
-              </a:rPr>
-              <a:t>Resource 2 (a knife) held by Thread 2</a:t>
-            </a:r>
-          </a:p>
-        </p:txBody>
-      </p:sp>
-    </p:spTree>
-    <p:extLst>
-      <p:ext uri="{BB962C8B-B14F-4D97-AF65-F5344CB8AC3E}">
-        <p14:creationId xmlns:p14="http://schemas.microsoft.com/office/powerpoint/2010/main" val="2034839176"/>
-      </p:ext>
-    </p:extLst>
-  </p:cSld>
-  <p:clrMapOvr>
-    <a:masterClrMapping/>
-  </p:clrMapOvr>
-  <p:transition/>
-</p:sld>
-</file>
-
-<file path=ppt/slides/slide4.xml><?xml version="1.0" encoding="utf-8"?>
-<p:sld xmlns:a="http://schemas.openxmlformats.org/drawingml/2006/main" xmlns:r="http://schemas.openxmlformats.org/officeDocument/2006/relationships" xmlns:p="http://schemas.openxmlformats.org/presentationml/2006/main">
-  <p:cSld>
-    <p:spTree>
-      <p:nvGrpSpPr>
-        <p:cNvPr id="1" name=""/>
-        <p:cNvGrpSpPr/>
-        <p:nvPr/>
-      </p:nvGrpSpPr>
-      <p:grpSpPr>
-        <a:xfrm>
-          <a:off x="0" y="0"/>
-          <a:ext cx="0" cy="0"/>
-          <a:chOff x="0" y="0"/>
-          <a:chExt cx="0" cy="0"/>
-        </a:xfrm>
-      </p:grpSpPr>
-      <p:sp>
-        <p:nvSpPr>
-          <p:cNvPr id="2" name="Title 1">
-            <a:extLst>
-              <a:ext uri="{FF2B5EF4-FFF2-40B4-BE49-F238E27FC236}">
-                <a16:creationId xmlns:a16="http://schemas.microsoft.com/office/drawing/2014/main" id="{95CECE1A-5EE0-BB49-216D-B4B1AF277470}"/>
-              </a:ext>
-            </a:extLst>
-          </p:cNvPr>
-          <p:cNvSpPr>
-            <a:spLocks noGrp="1"/>
-          </p:cNvSpPr>
-          <p:nvPr>
-            <p:ph type="title"/>
-          </p:nvPr>
-        </p:nvSpPr>
-        <p:spPr/>
-        <p:txBody>
-          <a:bodyPr/>
-          <a:lstStyle/>
-          <a:p>
-            <a:r>
-              <a:rPr lang="en-GB" dirty="0"/>
-              <a:t>Quiz: Dining Lawyers II</a:t>
-            </a:r>
-            <a:endParaRPr lang="en-SE" dirty="0"/>
-          </a:p>
-        </p:txBody>
-      </p:sp>
-      <p:sp>
-        <p:nvSpPr>
-          <p:cNvPr id="3" name="Content Placeholder 2">
-            <a:extLst>
-              <a:ext uri="{FF2B5EF4-FFF2-40B4-BE49-F238E27FC236}">
-                <a16:creationId xmlns:a16="http://schemas.microsoft.com/office/drawing/2014/main" id="{2C890D62-C0BE-DA6D-366C-8F725FB1BCE9}"/>
-              </a:ext>
-            </a:extLst>
-          </p:cNvPr>
-          <p:cNvSpPr>
-            <a:spLocks noGrp="1"/>
-          </p:cNvSpPr>
-          <p:nvPr>
-            <p:ph idx="1"/>
-          </p:nvPr>
-        </p:nvSpPr>
-        <p:spPr/>
-        <p:txBody>
-          <a:bodyPr/>
-          <a:lstStyle/>
-          <a:p>
-            <a:r>
-              <a:rPr lang="en-GB" dirty="0"/>
-              <a:t>If each lawyer has 4 arms, and there is a pile of knives and forks at </a:t>
-            </a:r>
-            <a:r>
-              <a:rPr lang="en-GB" dirty="0" err="1"/>
-              <a:t>center</a:t>
-            </a:r>
-            <a:r>
-              <a:rPr lang="en-GB" dirty="0"/>
-              <a:t> of the table. Assume there are at least 2 knives and 2 forks, so at least one lawyer can eat. Each lawyer follows the following steps:</a:t>
-            </a:r>
-          </a:p>
-          <a:p>
-            <a:r>
-              <a:rPr lang="en-GB" dirty="0"/>
-              <a:t>(1) Pick up 2 knives atomically</a:t>
-            </a:r>
-          </a:p>
-          <a:p>
-            <a:r>
-              <a:rPr lang="en-GB" dirty="0"/>
-              <a:t>(2) Pick up 2 forks atomically</a:t>
-            </a:r>
-          </a:p>
-          <a:p>
-            <a:r>
-              <a:rPr lang="en-GB" dirty="0"/>
-              <a:t>(3) Eat</a:t>
-            </a:r>
-          </a:p>
-          <a:p>
-            <a:r>
-              <a:rPr lang="en-GB" dirty="0"/>
-              <a:t>(4) Return the knives and forks to the pile </a:t>
-            </a:r>
-          </a:p>
-          <a:p>
-            <a:r>
-              <a:rPr lang="en-GB" dirty="0"/>
-              <a:t>Q: Can the system be deadlocked?</a:t>
-            </a:r>
-          </a:p>
-          <a:p>
-            <a:pPr marL="0" indent="0">
-              <a:buNone/>
-            </a:pPr>
-            <a:endParaRPr lang="en-GB" dirty="0"/>
-          </a:p>
-          <a:p>
-            <a:endParaRPr lang="en-GB" dirty="0"/>
-          </a:p>
-          <a:p>
-            <a:endParaRPr lang="en-GB" dirty="0"/>
-          </a:p>
-          <a:p>
-            <a:endParaRPr lang="en-GB" dirty="0"/>
-          </a:p>
-          <a:p>
-            <a:endParaRPr lang="en-SE" dirty="0"/>
-          </a:p>
-        </p:txBody>
-      </p:sp>
-    </p:spTree>
-    <p:extLst>
-      <p:ext uri="{BB962C8B-B14F-4D97-AF65-F5344CB8AC3E}">
-        <p14:creationId xmlns:p14="http://schemas.microsoft.com/office/powerpoint/2010/main" val="210011671"/>
-      </p:ext>
-    </p:extLst>
-  </p:cSld>
-  <p:clrMapOvr>
-    <a:masterClrMapping/>
-  </p:clrMapOvr>
-  <p:transition/>
-</p:sld>
-</file>
-
-<file path=ppt/slides/slide5.xml><?xml version="1.0" encoding="utf-8"?>
-<p:sld xmlns:a="http://schemas.openxmlformats.org/drawingml/2006/main" xmlns:r="http://schemas.openxmlformats.org/officeDocument/2006/relationships" xmlns:p="http://schemas.openxmlformats.org/presentationml/2006/main">
-  <p:cSld>
-    <p:spTree>
-      <p:nvGrpSpPr>
-        <p:cNvPr id="1" name="">
-          <a:extLst>
-            <a:ext uri="{FF2B5EF4-FFF2-40B4-BE49-F238E27FC236}">
-              <a16:creationId xmlns:a16="http://schemas.microsoft.com/office/drawing/2014/main" id="{0BC31B84-41FA-87C7-092D-0B4F9BD49CC1}"/>
-            </a:ext>
-          </a:extLst>
-        </p:cNvPr>
-        <p:cNvGrpSpPr/>
-        <p:nvPr/>
-      </p:nvGrpSpPr>
-      <p:grpSpPr>
-        <a:xfrm>
-          <a:off x="0" y="0"/>
-          <a:ext cx="0" cy="0"/>
-          <a:chOff x="0" y="0"/>
-          <a:chExt cx="0" cy="0"/>
-        </a:xfrm>
-      </p:grpSpPr>
-      <p:sp>
-        <p:nvSpPr>
-          <p:cNvPr id="2" name="Title 1">
-            <a:extLst>
-              <a:ext uri="{FF2B5EF4-FFF2-40B4-BE49-F238E27FC236}">
-                <a16:creationId xmlns:a16="http://schemas.microsoft.com/office/drawing/2014/main" id="{417E5918-C3C6-5BBC-2B9F-D220ED8337BB}"/>
-              </a:ext>
-            </a:extLst>
-          </p:cNvPr>
-          <p:cNvSpPr>
-            <a:spLocks noGrp="1"/>
-          </p:cNvSpPr>
-          <p:nvPr>
-            <p:ph type="title"/>
-          </p:nvPr>
-        </p:nvSpPr>
-        <p:spPr/>
-        <p:txBody>
-          <a:bodyPr/>
-          <a:lstStyle/>
-          <a:p>
-            <a:r>
-              <a:rPr lang="en-GB" dirty="0"/>
-              <a:t>Quiz: Dining Lawyers II Answer</a:t>
-            </a:r>
-            <a:endParaRPr lang="en-SE" dirty="0"/>
-          </a:p>
-        </p:txBody>
-      </p:sp>
-      <p:sp>
-        <p:nvSpPr>
-          <p:cNvPr id="3" name="Content Placeholder 2">
-            <a:extLst>
-              <a:ext uri="{FF2B5EF4-FFF2-40B4-BE49-F238E27FC236}">
-                <a16:creationId xmlns:a16="http://schemas.microsoft.com/office/drawing/2014/main" id="{9384C27C-506C-58B9-A616-57AF72E5CEE6}"/>
-              </a:ext>
-            </a:extLst>
-          </p:cNvPr>
-          <p:cNvSpPr>
-            <a:spLocks noGrp="1"/>
-          </p:cNvSpPr>
-          <p:nvPr>
-            <p:ph idx="1"/>
-          </p:nvPr>
-        </p:nvSpPr>
-        <p:spPr>
-          <a:xfrm>
-            <a:off x="330200" y="914400"/>
-            <a:ext cx="6831012" cy="5105400"/>
-          </a:xfrm>
-        </p:spPr>
-        <p:txBody>
-          <a:bodyPr>
-            <a:normAutofit/>
-          </a:bodyPr>
-          <a:lstStyle/>
-          <a:p>
-            <a:r>
-              <a:rPr lang="en-GB" dirty="0"/>
-              <a:t>ANS: No deadlocks, since it’s not possible to have circular waiting.</a:t>
-            </a:r>
-          </a:p>
-          <a:p>
-            <a:r>
-              <a:rPr lang="en-GB" dirty="0"/>
-              <a:t>All lawyers follow the same resource acquisition order:</a:t>
-            </a:r>
-          </a:p>
-          <a:p>
-            <a:pPr lvl="1"/>
-            <a:r>
-              <a:rPr lang="en-GB" dirty="0"/>
-              <a:t>1. Two knives</a:t>
-            </a:r>
-          </a:p>
-          <a:p>
-            <a:pPr lvl="1"/>
-            <a:r>
-              <a:rPr lang="en-GB" dirty="0"/>
-              <a:t>2. Two forks</a:t>
-            </a:r>
-          </a:p>
-          <a:p>
-            <a:r>
-              <a:rPr lang="en-GB" dirty="0"/>
-              <a:t>Since lawyers do not wait for resources held by others in a cyclic manner, no circular dependency forms.</a:t>
-            </a:r>
-            <a:endParaRPr lang="en-SE" dirty="0"/>
-          </a:p>
-        </p:txBody>
-      </p:sp>
-      <p:sp>
-        <p:nvSpPr>
-          <p:cNvPr id="4" name="Oval 4">
-            <a:extLst>
-              <a:ext uri="{FF2B5EF4-FFF2-40B4-BE49-F238E27FC236}">
-                <a16:creationId xmlns:a16="http://schemas.microsoft.com/office/drawing/2014/main" id="{1ABF8111-4C7E-340C-8175-EB71A7218CCF}"/>
-              </a:ext>
-            </a:extLst>
-          </p:cNvPr>
-          <p:cNvSpPr>
-            <a:spLocks noChangeArrowheads="1"/>
-          </p:cNvSpPr>
-          <p:nvPr/>
-        </p:nvSpPr>
-        <p:spPr bwMode="auto">
-          <a:xfrm>
-            <a:off x="7161213" y="3259139"/>
-            <a:ext cx="811212" cy="752475"/>
-          </a:xfrm>
-          <a:prstGeom prst="ellipse">
-            <a:avLst/>
-          </a:prstGeom>
-          <a:solidFill>
-            <a:schemeClr val="bg1"/>
-          </a:solidFill>
-          <a:ln w="38100" algn="ctr">
-            <a:solidFill>
-              <a:schemeClr val="tx1"/>
-            </a:solidFill>
-            <a:round/>
-            <a:headEnd/>
-            <a:tailEnd/>
-          </a:ln>
-        </p:spPr>
-        <p:txBody>
-          <a:bodyPr wrap="none" anchor="ctr"/>
-          <a:lstStyle/>
-          <a:p>
-            <a:pPr algn="ctr"/>
-            <a:r>
-              <a:rPr lang="en-US" altLang="zh-CN" b="0">
-                <a:solidFill>
-                  <a:srgbClr val="000000"/>
-                </a:solidFill>
-                <a:latin typeface="Times New Roman" pitchFamily="18" charset="0"/>
-                <a:ea typeface="宋体" charset="-122"/>
-                <a:cs typeface="+mn-cs"/>
-              </a:rPr>
-              <a:t>P1</a:t>
-            </a:r>
-          </a:p>
-        </p:txBody>
-      </p:sp>
-      <p:sp>
-        <p:nvSpPr>
-          <p:cNvPr id="5" name="Oval 6">
-            <a:extLst>
-              <a:ext uri="{FF2B5EF4-FFF2-40B4-BE49-F238E27FC236}">
-                <a16:creationId xmlns:a16="http://schemas.microsoft.com/office/drawing/2014/main" id="{7DC6FA58-E833-D056-4D42-25A1A013EA0A}"/>
-              </a:ext>
-            </a:extLst>
-          </p:cNvPr>
-          <p:cNvSpPr>
-            <a:spLocks noChangeArrowheads="1"/>
-          </p:cNvSpPr>
-          <p:nvPr/>
-        </p:nvSpPr>
-        <p:spPr bwMode="auto">
-          <a:xfrm>
-            <a:off x="10577513" y="3259139"/>
-            <a:ext cx="811212" cy="752475"/>
-          </a:xfrm>
-          <a:prstGeom prst="ellipse">
-            <a:avLst/>
-          </a:prstGeom>
-          <a:solidFill>
-            <a:schemeClr val="bg1"/>
-          </a:solidFill>
-          <a:ln w="38100" algn="ctr">
-            <a:solidFill>
-              <a:schemeClr val="tx1"/>
-            </a:solidFill>
-            <a:round/>
-            <a:headEnd/>
-            <a:tailEnd/>
-          </a:ln>
-        </p:spPr>
-        <p:txBody>
-          <a:bodyPr wrap="none" anchor="ctr"/>
-          <a:lstStyle/>
-          <a:p>
-            <a:pPr algn="ctr"/>
-            <a:r>
-              <a:rPr lang="en-US" altLang="zh-CN" b="0">
-                <a:solidFill>
-                  <a:srgbClr val="000000"/>
-                </a:solidFill>
-                <a:latin typeface="Times New Roman" pitchFamily="18" charset="0"/>
-                <a:ea typeface="宋体" charset="-122"/>
-                <a:cs typeface="+mn-cs"/>
-              </a:rPr>
-              <a:t>P2</a:t>
-            </a:r>
-          </a:p>
-        </p:txBody>
-      </p:sp>
-      <p:sp>
-        <p:nvSpPr>
-          <p:cNvPr id="6" name="Rectangle 7">
-            <a:extLst>
-              <a:ext uri="{FF2B5EF4-FFF2-40B4-BE49-F238E27FC236}">
-                <a16:creationId xmlns:a16="http://schemas.microsoft.com/office/drawing/2014/main" id="{4F7F7DEC-7F30-789D-D157-ABDE3C9D3567}"/>
-              </a:ext>
-            </a:extLst>
-          </p:cNvPr>
-          <p:cNvSpPr>
-            <a:spLocks noChangeArrowheads="1"/>
-          </p:cNvSpPr>
-          <p:nvPr/>
-        </p:nvSpPr>
-        <p:spPr bwMode="auto">
-          <a:xfrm>
-            <a:off x="8694738" y="4221164"/>
-            <a:ext cx="982662" cy="930275"/>
-          </a:xfrm>
-          <a:prstGeom prst="rect">
-            <a:avLst/>
-          </a:prstGeom>
-          <a:solidFill>
-            <a:schemeClr val="bg1"/>
-          </a:solidFill>
-          <a:ln w="38100" algn="ctr">
-            <a:solidFill>
-              <a:schemeClr val="tx1"/>
-            </a:solidFill>
-            <a:miter lim="800000"/>
-            <a:headEnd/>
-            <a:tailEnd/>
-          </a:ln>
-        </p:spPr>
-        <p:txBody>
-          <a:bodyPr wrap="none" anchor="ctr"/>
-          <a:lstStyle/>
-          <a:p>
-            <a:pPr algn="ctr"/>
-            <a:r>
-              <a:rPr lang="en-US" altLang="zh-CN" b="0" dirty="0">
-                <a:solidFill>
-                  <a:srgbClr val="000000"/>
-                </a:solidFill>
-                <a:latin typeface="Times New Roman" pitchFamily="18" charset="0"/>
-                <a:ea typeface="宋体" charset="-122"/>
-                <a:cs typeface="+mn-cs"/>
-              </a:rPr>
-              <a:t>2 forks</a:t>
-            </a:r>
-          </a:p>
-        </p:txBody>
-      </p:sp>
-      <p:sp>
-        <p:nvSpPr>
-          <p:cNvPr id="7" name="Rectangle 9">
-            <a:extLst>
-              <a:ext uri="{FF2B5EF4-FFF2-40B4-BE49-F238E27FC236}">
-                <a16:creationId xmlns:a16="http://schemas.microsoft.com/office/drawing/2014/main" id="{17304DAE-3755-C34A-6084-C43A09569FDA}"/>
-              </a:ext>
-            </a:extLst>
-          </p:cNvPr>
-          <p:cNvSpPr>
-            <a:spLocks noChangeArrowheads="1"/>
-          </p:cNvSpPr>
-          <p:nvPr/>
-        </p:nvSpPr>
-        <p:spPr bwMode="auto">
-          <a:xfrm>
-            <a:off x="8574088" y="2482851"/>
-            <a:ext cx="984250" cy="949325"/>
-          </a:xfrm>
-          <a:prstGeom prst="rect">
-            <a:avLst/>
-          </a:prstGeom>
-          <a:solidFill>
-            <a:schemeClr val="bg1"/>
-          </a:solidFill>
-          <a:ln w="38100" algn="ctr">
-            <a:solidFill>
-              <a:schemeClr val="tx1"/>
-            </a:solidFill>
-            <a:miter lim="800000"/>
-            <a:headEnd/>
-            <a:tailEnd/>
-          </a:ln>
-        </p:spPr>
-        <p:txBody>
-          <a:bodyPr wrap="none" anchor="ctr"/>
-          <a:lstStyle/>
-          <a:p>
-            <a:pPr algn="ctr"/>
-            <a:r>
-              <a:rPr lang="en-US" altLang="zh-CN" b="0" dirty="0">
-                <a:solidFill>
-                  <a:srgbClr val="000000"/>
-                </a:solidFill>
-                <a:latin typeface="Times New Roman" pitchFamily="18" charset="0"/>
-                <a:ea typeface="宋体" charset="-122"/>
-                <a:cs typeface="+mn-cs"/>
-              </a:rPr>
-              <a:t>2 knives</a:t>
-            </a:r>
-          </a:p>
-        </p:txBody>
-      </p:sp>
-      <p:sp>
-        <p:nvSpPr>
-          <p:cNvPr id="8" name="Line 10">
-            <a:extLst>
-              <a:ext uri="{FF2B5EF4-FFF2-40B4-BE49-F238E27FC236}">
-                <a16:creationId xmlns:a16="http://schemas.microsoft.com/office/drawing/2014/main" id="{E9297EC3-1D9B-BB80-3EFC-AD0F4B66554F}"/>
-              </a:ext>
-            </a:extLst>
-          </p:cNvPr>
-          <p:cNvSpPr>
-            <a:spLocks noChangeShapeType="1"/>
-          </p:cNvSpPr>
-          <p:nvPr/>
-        </p:nvSpPr>
-        <p:spPr bwMode="auto">
-          <a:xfrm>
-            <a:off x="7799388" y="4011614"/>
-            <a:ext cx="895350" cy="674687"/>
-          </a:xfrm>
-          <a:prstGeom prst="line">
-            <a:avLst/>
-          </a:prstGeom>
-          <a:noFill/>
-          <a:ln w="38100">
-            <a:solidFill>
-              <a:schemeClr val="tx1"/>
-            </a:solidFill>
-            <a:round/>
-            <a:headEnd/>
-            <a:tailEnd type="triangle" w="med" len="med"/>
-          </a:ln>
-        </p:spPr>
-        <p:txBody>
-          <a:bodyPr wrap="none" anchor="ctr"/>
-          <a:lstStyle/>
-          <a:p>
-            <a:pPr algn="ctr"/>
-            <a:endParaRPr lang="zh-CN" altLang="en-US" b="0">
-              <a:solidFill>
-                <a:srgbClr val="000000"/>
-              </a:solidFill>
-              <a:latin typeface="Times New Roman" pitchFamily="18" charset="0"/>
-              <a:ea typeface="+mn-ea"/>
-              <a:cs typeface="+mn-cs"/>
-            </a:endParaRPr>
-          </a:p>
-        </p:txBody>
-      </p:sp>
-      <p:sp>
-        <p:nvSpPr>
-          <p:cNvPr id="9" name="Line 11">
-            <a:extLst>
-              <a:ext uri="{FF2B5EF4-FFF2-40B4-BE49-F238E27FC236}">
-                <a16:creationId xmlns:a16="http://schemas.microsoft.com/office/drawing/2014/main" id="{FBB6A143-2A2B-1CA4-EFDD-FBC72D90E26F}"/>
-              </a:ext>
-            </a:extLst>
-          </p:cNvPr>
-          <p:cNvSpPr>
-            <a:spLocks noChangeShapeType="1"/>
-          </p:cNvSpPr>
-          <p:nvPr/>
-        </p:nvSpPr>
-        <p:spPr bwMode="auto">
-          <a:xfrm flipV="1">
-            <a:off x="9280526" y="4011614"/>
-            <a:ext cx="1482725" cy="860425"/>
-          </a:xfrm>
-          <a:prstGeom prst="line">
-            <a:avLst/>
-          </a:prstGeom>
-          <a:noFill/>
-          <a:ln w="38100">
-            <a:solidFill>
-              <a:schemeClr val="tx1"/>
-            </a:solidFill>
-            <a:round/>
-            <a:headEnd type="oval" w="lg" len="lg"/>
-            <a:tailEnd type="triangle" w="med" len="med"/>
-          </a:ln>
-        </p:spPr>
-        <p:txBody>
-          <a:bodyPr wrap="none" anchor="ctr"/>
-          <a:lstStyle/>
-          <a:p>
-            <a:pPr algn="ctr"/>
-            <a:endParaRPr lang="zh-CN" altLang="en-US" b="0">
-              <a:solidFill>
-                <a:srgbClr val="000000"/>
-              </a:solidFill>
-              <a:latin typeface="Times New Roman" pitchFamily="18" charset="0"/>
-              <a:ea typeface="+mn-ea"/>
-              <a:cs typeface="+mn-cs"/>
-            </a:endParaRPr>
-          </a:p>
-        </p:txBody>
-      </p:sp>
-      <p:sp>
-        <p:nvSpPr>
-          <p:cNvPr id="10" name="Text Box 12">
-            <a:extLst>
-              <a:ext uri="{FF2B5EF4-FFF2-40B4-BE49-F238E27FC236}">
-                <a16:creationId xmlns:a16="http://schemas.microsoft.com/office/drawing/2014/main" id="{1AA660D7-B331-D41F-2420-3F6D7A18D527}"/>
-              </a:ext>
-            </a:extLst>
-          </p:cNvPr>
-          <p:cNvSpPr txBox="1">
-            <a:spLocks noChangeArrowheads="1"/>
-          </p:cNvSpPr>
-          <p:nvPr/>
-        </p:nvSpPr>
-        <p:spPr bwMode="auto">
-          <a:xfrm>
-            <a:off x="9963944" y="4306536"/>
-            <a:ext cx="2075656" cy="646331"/>
-          </a:xfrm>
-          <a:prstGeom prst="rect">
-            <a:avLst/>
-          </a:prstGeom>
-          <a:noFill/>
-          <a:ln w="38100" algn="ctr">
-            <a:noFill/>
-            <a:miter lim="800000"/>
-            <a:headEnd/>
-            <a:tailEnd/>
-          </a:ln>
-        </p:spPr>
-        <p:txBody>
-          <a:bodyPr wrap="square">
-            <a:spAutoFit/>
-          </a:bodyPr>
-          <a:lstStyle/>
-          <a:p>
-            <a:pPr algn="ctr">
-              <a:spcBef>
-                <a:spcPct val="50000"/>
-              </a:spcBef>
-            </a:pPr>
-            <a:r>
-              <a:rPr lang="en-US" altLang="zh-CN" b="0" dirty="0">
-                <a:solidFill>
-                  <a:srgbClr val="000000"/>
-                </a:solidFill>
-                <a:latin typeface="Times New Roman" pitchFamily="18" charset="0"/>
-                <a:ea typeface="宋体" charset="-122"/>
-                <a:cs typeface="+mn-cs"/>
-              </a:rPr>
-              <a:t>Resource 1 (2 forks) held by Thread 2</a:t>
-            </a:r>
-          </a:p>
-        </p:txBody>
-      </p:sp>
-      <p:sp>
-        <p:nvSpPr>
-          <p:cNvPr id="11" name="Line 13">
-            <a:extLst>
-              <a:ext uri="{FF2B5EF4-FFF2-40B4-BE49-F238E27FC236}">
-                <a16:creationId xmlns:a16="http://schemas.microsoft.com/office/drawing/2014/main" id="{017AD7A2-6259-B784-F61C-AC860FFFF73B}"/>
-              </a:ext>
-            </a:extLst>
-          </p:cNvPr>
-          <p:cNvSpPr>
-            <a:spLocks noChangeShapeType="1"/>
-          </p:cNvSpPr>
-          <p:nvPr/>
-        </p:nvSpPr>
-        <p:spPr bwMode="auto">
-          <a:xfrm flipH="1" flipV="1">
-            <a:off x="9558339" y="2987675"/>
-            <a:ext cx="1019175" cy="444500"/>
-          </a:xfrm>
-          <a:prstGeom prst="line">
-            <a:avLst/>
-          </a:prstGeom>
-          <a:noFill/>
-          <a:ln w="38100">
-            <a:solidFill>
-              <a:schemeClr val="tx1"/>
-            </a:solidFill>
-            <a:round/>
-            <a:headEnd/>
-            <a:tailEnd type="triangle" w="med" len="med"/>
-          </a:ln>
-        </p:spPr>
-        <p:txBody>
-          <a:bodyPr wrap="none" anchor="ctr"/>
-          <a:lstStyle/>
-          <a:p>
-            <a:pPr algn="ctr"/>
-            <a:endParaRPr lang="zh-CN" altLang="en-US" b="0">
-              <a:solidFill>
-                <a:srgbClr val="000000"/>
-              </a:solidFill>
-              <a:latin typeface="Times New Roman" pitchFamily="18" charset="0"/>
-              <a:ea typeface="+mn-ea"/>
-              <a:cs typeface="+mn-cs"/>
-            </a:endParaRPr>
-          </a:p>
-        </p:txBody>
-      </p:sp>
-      <p:sp>
-        <p:nvSpPr>
-          <p:cNvPr id="12" name="Text Box 14">
-            <a:extLst>
-              <a:ext uri="{FF2B5EF4-FFF2-40B4-BE49-F238E27FC236}">
-                <a16:creationId xmlns:a16="http://schemas.microsoft.com/office/drawing/2014/main" id="{5E306CCF-E803-FD8C-4C50-70BAA94E6978}"/>
-              </a:ext>
-            </a:extLst>
-          </p:cNvPr>
-          <p:cNvSpPr txBox="1">
-            <a:spLocks noChangeArrowheads="1"/>
-          </p:cNvSpPr>
-          <p:nvPr/>
-        </p:nvSpPr>
-        <p:spPr bwMode="auto">
-          <a:xfrm>
-            <a:off x="9722381" y="2569170"/>
-            <a:ext cx="2184400" cy="923330"/>
-          </a:xfrm>
-          <a:prstGeom prst="rect">
-            <a:avLst/>
-          </a:prstGeom>
-          <a:noFill/>
-          <a:ln w="38100" algn="ctr">
-            <a:noFill/>
-            <a:miter lim="800000"/>
-            <a:headEnd/>
-            <a:tailEnd/>
-          </a:ln>
-        </p:spPr>
-        <p:txBody>
-          <a:bodyPr>
-            <a:spAutoFit/>
-          </a:bodyPr>
-          <a:lstStyle/>
-          <a:p>
-            <a:pPr algn="ctr">
-              <a:spcBef>
-                <a:spcPct val="50000"/>
-              </a:spcBef>
-            </a:pPr>
-            <a:r>
-              <a:rPr lang="en-US" altLang="zh-CN" b="0" dirty="0">
-                <a:solidFill>
-                  <a:srgbClr val="000000"/>
-                </a:solidFill>
-                <a:latin typeface="Times New Roman" pitchFamily="18" charset="0"/>
-                <a:ea typeface="宋体" charset="-122"/>
-                <a:cs typeface="+mn-cs"/>
-              </a:rPr>
-              <a:t>Resource 2 (2 knives) requested by Thread 2</a:t>
-            </a:r>
-          </a:p>
-        </p:txBody>
-      </p:sp>
-      <p:sp>
-        <p:nvSpPr>
-          <p:cNvPr id="13" name="Oval 15">
-            <a:extLst>
-              <a:ext uri="{FF2B5EF4-FFF2-40B4-BE49-F238E27FC236}">
-                <a16:creationId xmlns:a16="http://schemas.microsoft.com/office/drawing/2014/main" id="{113B7605-B2C4-354D-456E-CDDD8314090F}"/>
-              </a:ext>
-            </a:extLst>
-          </p:cNvPr>
-          <p:cNvSpPr>
-            <a:spLocks noChangeArrowheads="1"/>
-          </p:cNvSpPr>
-          <p:nvPr/>
-        </p:nvSpPr>
-        <p:spPr bwMode="auto">
-          <a:xfrm>
-            <a:off x="9131301" y="3135314"/>
-            <a:ext cx="149225" cy="123825"/>
-          </a:xfrm>
-          <a:prstGeom prst="ellipse">
-            <a:avLst/>
-          </a:prstGeom>
-          <a:solidFill>
-            <a:srgbClr val="000000"/>
-          </a:solidFill>
-          <a:ln w="38100" algn="ctr">
-            <a:solidFill>
-              <a:schemeClr val="tx1"/>
-            </a:solidFill>
-            <a:round/>
-            <a:headEnd/>
-            <a:tailEnd/>
-          </a:ln>
-        </p:spPr>
-        <p:txBody>
-          <a:bodyPr wrap="none" anchor="ctr"/>
-          <a:lstStyle/>
-          <a:p>
-            <a:pPr algn="ctr"/>
-            <a:endParaRPr lang="en-CA" b="0">
-              <a:solidFill>
-                <a:srgbClr val="000000"/>
-              </a:solidFill>
-              <a:latin typeface="Times New Roman" pitchFamily="18" charset="0"/>
-              <a:ea typeface="+mn-ea"/>
-              <a:cs typeface="+mn-cs"/>
-            </a:endParaRPr>
-          </a:p>
-        </p:txBody>
-      </p:sp>
-      <p:sp>
-        <p:nvSpPr>
-          <p:cNvPr id="14" name="Line 16">
-            <a:extLst>
-              <a:ext uri="{FF2B5EF4-FFF2-40B4-BE49-F238E27FC236}">
-                <a16:creationId xmlns:a16="http://schemas.microsoft.com/office/drawing/2014/main" id="{4420B6C5-EAC0-14DB-EC87-C78D4C19BDA1}"/>
-              </a:ext>
-            </a:extLst>
-          </p:cNvPr>
-          <p:cNvSpPr>
-            <a:spLocks noChangeShapeType="1"/>
-          </p:cNvSpPr>
-          <p:nvPr/>
-        </p:nvSpPr>
-        <p:spPr bwMode="auto">
-          <a:xfrm flipH="1">
-            <a:off x="7972426" y="3259139"/>
-            <a:ext cx="1158875" cy="173037"/>
-          </a:xfrm>
-          <a:prstGeom prst="line">
-            <a:avLst/>
-          </a:prstGeom>
-          <a:noFill/>
-          <a:ln w="38100">
-            <a:solidFill>
-              <a:schemeClr val="tx1"/>
-            </a:solidFill>
-            <a:round/>
-            <a:headEnd/>
-            <a:tailEnd type="triangle" w="med" len="med"/>
-          </a:ln>
-        </p:spPr>
-        <p:txBody>
-          <a:bodyPr wrap="none" anchor="ctr"/>
-          <a:lstStyle/>
-          <a:p>
-            <a:pPr algn="ctr"/>
-            <a:endParaRPr lang="zh-CN" altLang="en-US" b="0">
-              <a:solidFill>
-                <a:srgbClr val="000000"/>
-              </a:solidFill>
-              <a:latin typeface="Times New Roman" pitchFamily="18" charset="0"/>
-              <a:ea typeface="+mn-ea"/>
-              <a:cs typeface="+mn-cs"/>
-            </a:endParaRPr>
-          </a:p>
-        </p:txBody>
-      </p:sp>
-      <p:sp>
-        <p:nvSpPr>
-          <p:cNvPr id="15" name="TextBox 14">
-            <a:extLst>
-              <a:ext uri="{FF2B5EF4-FFF2-40B4-BE49-F238E27FC236}">
-                <a16:creationId xmlns:a16="http://schemas.microsoft.com/office/drawing/2014/main" id="{1A369346-8FE9-8490-5422-FDCB9F0178A4}"/>
-              </a:ext>
-            </a:extLst>
-          </p:cNvPr>
-          <p:cNvSpPr txBox="1"/>
-          <p:nvPr/>
-        </p:nvSpPr>
-        <p:spPr>
-          <a:xfrm>
-            <a:off x="7882731" y="5446361"/>
-            <a:ext cx="3589337" cy="1015663"/>
-          </a:xfrm>
-          <a:prstGeom prst="rect">
-            <a:avLst/>
-          </a:prstGeom>
-        </p:spPr>
-        <p:style>
-          <a:lnRef idx="1">
-            <a:schemeClr val="dk1"/>
-          </a:lnRef>
-          <a:fillRef idx="2">
-            <a:schemeClr val="dk1"/>
-          </a:fillRef>
-          <a:effectRef idx="1">
-            <a:schemeClr val="dk1"/>
-          </a:effectRef>
-          <a:fontRef idx="minor">
-            <a:schemeClr val="dk1"/>
-          </a:fontRef>
-        </p:style>
-        <p:txBody>
-          <a:bodyPr wrap="square" rtlCol="0">
-            <a:spAutoFit/>
-          </a:bodyPr>
-          <a:lstStyle/>
-          <a:p>
-            <a:r>
-              <a:rPr lang="en-GB" sz="2000" dirty="0">
-                <a:latin typeface="Gill Sans Light"/>
-              </a:rPr>
-              <a:t>This deadlock scenario is not possible under the fixed resource acquisition order: 2 knives, 2 forks</a:t>
-            </a:r>
-            <a:endParaRPr lang="en-SE" sz="2000" dirty="0">
-              <a:latin typeface="Gill Sans Light"/>
-            </a:endParaRPr>
-          </a:p>
-        </p:txBody>
-      </p:sp>
-      <p:sp>
-        <p:nvSpPr>
-          <p:cNvPr id="16" name="Text Box 12">
-            <a:extLst>
-              <a:ext uri="{FF2B5EF4-FFF2-40B4-BE49-F238E27FC236}">
-                <a16:creationId xmlns:a16="http://schemas.microsoft.com/office/drawing/2014/main" id="{C5A80AF3-98A4-E3E6-FACE-C40AB3E50C71}"/>
-              </a:ext>
-            </a:extLst>
-          </p:cNvPr>
-          <p:cNvSpPr txBox="1">
-            <a:spLocks noChangeArrowheads="1"/>
-          </p:cNvSpPr>
-          <p:nvPr/>
-        </p:nvSpPr>
-        <p:spPr bwMode="auto">
-          <a:xfrm>
-            <a:off x="6096000" y="4306536"/>
-            <a:ext cx="2227044" cy="646331"/>
-          </a:xfrm>
-          <a:prstGeom prst="rect">
-            <a:avLst/>
-          </a:prstGeom>
-          <a:noFill/>
-          <a:ln w="38100" algn="ctr">
-            <a:noFill/>
-            <a:miter lim="800000"/>
-            <a:headEnd/>
-            <a:tailEnd/>
-          </a:ln>
-        </p:spPr>
-        <p:txBody>
-          <a:bodyPr wrap="square">
-            <a:spAutoFit/>
-          </a:bodyPr>
-          <a:lstStyle/>
-          <a:p>
-            <a:pPr algn="ctr">
-              <a:spcBef>
-                <a:spcPct val="50000"/>
-              </a:spcBef>
-            </a:pPr>
-            <a:r>
-              <a:rPr lang="en-US" altLang="zh-CN" b="0" dirty="0">
-                <a:solidFill>
-                  <a:srgbClr val="000000"/>
-                </a:solidFill>
-                <a:latin typeface="Times New Roman" pitchFamily="18" charset="0"/>
-                <a:ea typeface="宋体" charset="-122"/>
-                <a:cs typeface="+mn-cs"/>
-              </a:rPr>
-              <a:t>Resource 1 (2 forks) requested by Thread 2</a:t>
-            </a:r>
-          </a:p>
-        </p:txBody>
-      </p:sp>
-      <p:sp>
-        <p:nvSpPr>
-          <p:cNvPr id="17" name="Text Box 14">
-            <a:extLst>
-              <a:ext uri="{FF2B5EF4-FFF2-40B4-BE49-F238E27FC236}">
-                <a16:creationId xmlns:a16="http://schemas.microsoft.com/office/drawing/2014/main" id="{61E54510-0D21-A762-B803-2A246842BDFC}"/>
-              </a:ext>
-            </a:extLst>
-          </p:cNvPr>
-          <p:cNvSpPr txBox="1">
-            <a:spLocks noChangeArrowheads="1"/>
-          </p:cNvSpPr>
-          <p:nvPr/>
-        </p:nvSpPr>
-        <p:spPr bwMode="auto">
-          <a:xfrm>
-            <a:off x="6043131" y="2569170"/>
-            <a:ext cx="2184400" cy="646331"/>
-          </a:xfrm>
-          <a:prstGeom prst="rect">
-            <a:avLst/>
-          </a:prstGeom>
-          <a:noFill/>
-          <a:ln w="38100" algn="ctr">
-            <a:noFill/>
-            <a:miter lim="800000"/>
-            <a:headEnd/>
-            <a:tailEnd/>
-          </a:ln>
-        </p:spPr>
-        <p:txBody>
-          <a:bodyPr>
-            <a:spAutoFit/>
-          </a:bodyPr>
-          <a:lstStyle/>
-          <a:p>
-            <a:pPr algn="ctr">
-              <a:spcBef>
-                <a:spcPct val="50000"/>
-              </a:spcBef>
-            </a:pPr>
-            <a:r>
-              <a:rPr lang="en-US" altLang="zh-CN" b="0" dirty="0">
-                <a:solidFill>
-                  <a:srgbClr val="000000"/>
-                </a:solidFill>
-                <a:latin typeface="Times New Roman" pitchFamily="18" charset="0"/>
-                <a:ea typeface="宋体" charset="-122"/>
-                <a:cs typeface="+mn-cs"/>
-              </a:rPr>
-              <a:t>Resource 2 (2 knives) held by Thread 2</a:t>
-            </a:r>
-          </a:p>
-        </p:txBody>
-      </p:sp>
-    </p:spTree>
-    <p:extLst>
-      <p:ext uri="{BB962C8B-B14F-4D97-AF65-F5344CB8AC3E}">
-        <p14:creationId xmlns:p14="http://schemas.microsoft.com/office/powerpoint/2010/main" val="60386171"/>
-      </p:ext>
-    </p:extLst>
-  </p:cSld>
-  <p:clrMapOvr>
-    <a:masterClrMapping/>
-  </p:clrMapOvr>
-  <p:transition/>
-</p:sld>
-</file>
-
-<file path=ppt/slides/slide6.xml><?xml version="1.0" encoding="utf-8"?>
-<p:sld xmlns:a="http://schemas.openxmlformats.org/drawingml/2006/main" xmlns:r="http://schemas.openxmlformats.org/officeDocument/2006/relationships" xmlns:p="http://schemas.openxmlformats.org/presentationml/2006/main">
-  <p:cSld>
-    <p:spTree>
-      <p:nvGrpSpPr>
-        <p:cNvPr id="1" name=""/>
-        <p:cNvGrpSpPr/>
-        <p:nvPr/>
-      </p:nvGrpSpPr>
-      <p:grpSpPr>
-        <a:xfrm>
-          <a:off x="0" y="0"/>
-          <a:ext cx="0" cy="0"/>
-          <a:chOff x="0" y="0"/>
-          <a:chExt cx="0" cy="0"/>
-        </a:xfrm>
-      </p:grpSpPr>
-      <p:sp>
-        <p:nvSpPr>
-          <p:cNvPr id="2" name="Title 1">
-            <a:extLst>
-              <a:ext uri="{FF2B5EF4-FFF2-40B4-BE49-F238E27FC236}">
                 <a16:creationId xmlns:a16="http://schemas.microsoft.com/office/drawing/2014/main" id="{DA332A10-41A5-9895-0B16-ACEA70293288}"/>
               </a:ext>
             </a:extLst>
@@ -7268,7 +4564,7 @@
         <p:spPr/>
         <p:txBody>
           <a:bodyPr>
-            <a:normAutofit fontScale="92500" lnSpcReduction="10000"/>
+            <a:normAutofit lnSpcReduction="10000"/>
           </a:bodyPr>
           <a:lstStyle/>
           <a:p>
@@ -7286,36 +4582,42 @@
             </a:r>
           </a:p>
           <a:p>
+            <a:pPr lvl="1"/>
             <a:r>
               <a:rPr lang="en-GB" dirty="0"/>
               <a:t>(1) Pick up a knife </a:t>
             </a:r>
           </a:p>
           <a:p>
+            <a:pPr lvl="1"/>
             <a:r>
               <a:rPr lang="en-GB" dirty="0"/>
               <a:t>(2) Pick up another knife</a:t>
             </a:r>
           </a:p>
           <a:p>
+            <a:pPr lvl="1"/>
             <a:r>
               <a:rPr lang="en-GB" dirty="0"/>
               <a:t>(3) Pick up a fork </a:t>
             </a:r>
           </a:p>
           <a:p>
+            <a:pPr lvl="1"/>
             <a:r>
               <a:rPr lang="en-GB" dirty="0"/>
               <a:t>(4) Pick up another fork</a:t>
             </a:r>
           </a:p>
           <a:p>
+            <a:pPr lvl="1"/>
             <a:r>
               <a:rPr lang="en-GB" dirty="0"/>
               <a:t>(5) Eat</a:t>
             </a:r>
           </a:p>
           <a:p>
+            <a:pPr lvl="1"/>
             <a:r>
               <a:rPr lang="en-GB" dirty="0"/>
               <a:t>(6) Return the knife and fork to the pile </a:t>
@@ -7349,7 +4651,7 @@
 </p:sld>
 </file>
 
-<file path=ppt/slides/slide7.xml><?xml version="1.0" encoding="utf-8"?>
+<file path=ppt/slides/slide11.xml><?xml version="1.0" encoding="utf-8"?>
 <p:sld xmlns:a="http://schemas.openxmlformats.org/drawingml/2006/main" xmlns:r="http://schemas.openxmlformats.org/officeDocument/2006/relationships" xmlns:p="http://schemas.openxmlformats.org/presentationml/2006/main">
   <p:cSld>
     <p:spTree>
@@ -8208,7 +5510,7 @@
 </p:sld>
 </file>
 
-<file path=ppt/slides/slide8.xml><?xml version="1.0" encoding="utf-8"?>
+<file path=ppt/slides/slide12.xml><?xml version="1.0" encoding="utf-8"?>
 <p:sld xmlns:a="http://schemas.openxmlformats.org/drawingml/2006/main" xmlns:r="http://schemas.openxmlformats.org/officeDocument/2006/relationships" xmlns:p="http://schemas.openxmlformats.org/presentationml/2006/main">
   <p:cSld>
     <p:spTree>
@@ -8755,90 +6057,6 @@
       </mc:AlternateContent>
       <p:sp>
         <p:nvSpPr>
-          <p:cNvPr id="12" name="TextBox 11">
-            <a:extLst>
-              <a:ext uri="{FF2B5EF4-FFF2-40B4-BE49-F238E27FC236}">
-                <a16:creationId xmlns:a16="http://schemas.microsoft.com/office/drawing/2014/main" id="{05282522-2241-2BF8-0AD4-91AC8515D634}"/>
-              </a:ext>
-            </a:extLst>
-          </p:cNvPr>
-          <p:cNvSpPr txBox="1"/>
-          <p:nvPr/>
-        </p:nvSpPr>
-        <p:spPr>
-          <a:xfrm>
-            <a:off x="5364212" y="4400522"/>
-            <a:ext cx="2844048" cy="400110"/>
-          </a:xfrm>
-          <a:prstGeom prst="rect">
-            <a:avLst/>
-          </a:prstGeom>
-          <a:noFill/>
-        </p:spPr>
-        <p:txBody>
-          <a:bodyPr wrap="none" rtlCol="0">
-            <a:spAutoFit/>
-          </a:bodyPr>
-          <a:lstStyle/>
-          <a:p>
-            <a:r>
-              <a:rPr lang="en-GB" sz="2000" b="0" dirty="0">
-                <a:solidFill>
-                  <a:schemeClr val="dk1"/>
-                </a:solidFill>
-                <a:latin typeface="+mn-lt"/>
-                <a:ea typeface="+mn-ea"/>
-                <a:cs typeface="+mn-cs"/>
-              </a:rPr>
-              <a:t>Resources in existence</a:t>
-            </a:r>
-          </a:p>
-        </p:txBody>
-      </p:sp>
-      <p:sp>
-        <p:nvSpPr>
-          <p:cNvPr id="13" name="TextBox 12">
-            <a:extLst>
-              <a:ext uri="{FF2B5EF4-FFF2-40B4-BE49-F238E27FC236}">
-                <a16:creationId xmlns:a16="http://schemas.microsoft.com/office/drawing/2014/main" id="{A36F3C78-150B-401A-3DF8-FF4B619D2820}"/>
-              </a:ext>
-            </a:extLst>
-          </p:cNvPr>
-          <p:cNvSpPr txBox="1"/>
-          <p:nvPr/>
-        </p:nvSpPr>
-        <p:spPr>
-          <a:xfrm>
-            <a:off x="8836255" y="4400522"/>
-            <a:ext cx="2496196" cy="400110"/>
-          </a:xfrm>
-          <a:prstGeom prst="rect">
-            <a:avLst/>
-          </a:prstGeom>
-          <a:noFill/>
-        </p:spPr>
-        <p:txBody>
-          <a:bodyPr wrap="none" rtlCol="0">
-            <a:spAutoFit/>
-          </a:bodyPr>
-          <a:lstStyle/>
-          <a:p>
-            <a:r>
-              <a:rPr lang="en-GB" sz="2000" b="0" dirty="0">
-                <a:solidFill>
-                  <a:schemeClr val="dk1"/>
-                </a:solidFill>
-                <a:latin typeface="+mn-lt"/>
-                <a:ea typeface="+mn-ea"/>
-                <a:cs typeface="+mn-cs"/>
-              </a:rPr>
-              <a:t>Resources available</a:t>
-            </a:r>
-          </a:p>
-        </p:txBody>
-      </p:sp>
-      <p:sp>
-        <p:nvSpPr>
           <p:cNvPr id="22" name="Rectangle 3">
             <a:extLst>
               <a:ext uri="{FF2B5EF4-FFF2-40B4-BE49-F238E27FC236}">
@@ -9068,7 +6286,7 @@
                 <a:latin typeface="Gill Sans" panose="020B0502020104020203"/>
                 <a:ea typeface="宋体" charset="-122"/>
               </a:rPr>
-              <a:t>4 threads P0 through P4; 4 resource types with 10, 5, 6, 5 instances each.</a:t>
+              <a:t>4 processes P0 through P4; 4 resource types with 10, 5, 6, 5 instances each.</a:t>
             </a:r>
           </a:p>
           <a:p>
@@ -9082,28 +6300,7 @@
                 <a:latin typeface="Gill Sans" panose="020B0502020104020203"/>
                 <a:ea typeface="宋体" charset="-122"/>
               </a:rPr>
-              <a:t>Current system state  encoded in matrices </a:t>
-            </a:r>
-            <a:r>
-              <a:rPr lang="en-GB" altLang="zh-CN" sz="2800" b="0" i="1" kern="0" dirty="0">
-                <a:latin typeface="Gill Sans" panose="020B0502020104020203"/>
-                <a:ea typeface="宋体" charset="-122"/>
-              </a:rPr>
-              <a:t>R, C </a:t>
-            </a:r>
-            <a:r>
-              <a:rPr lang="en-GB" altLang="zh-CN" sz="2800" b="0" kern="0" dirty="0">
-                <a:latin typeface="Gill Sans" panose="020B0502020104020203"/>
-                <a:ea typeface="宋体" charset="-122"/>
-              </a:rPr>
-              <a:t>and vector </a:t>
-            </a:r>
-            <a:r>
-              <a:rPr lang="en-GB" altLang="zh-CN" sz="2800" b="0" i="1" kern="0" dirty="0">
-                <a:latin typeface="Gill Sans" panose="020B0502020104020203"/>
-                <a:ea typeface="宋体" charset="-122"/>
-              </a:rPr>
-              <a:t>E.</a:t>
+              <a:t>Is the current system state safe?</a:t>
             </a:r>
           </a:p>
           <a:p>
@@ -9119,8 +6316,8 @@
           </a:p>
         </p:txBody>
       </p:sp>
-      <mc:AlternateContent xmlns:mc="http://schemas.openxmlformats.org/markup-compatibility/2006" xmlns:a14="http://schemas.microsoft.com/office/drawing/2010/main">
-        <mc:Choice Requires="a14">
+      <mc:AlternateContent xmlns:mc="http://schemas.openxmlformats.org/markup-compatibility/2006">
+        <mc:Choice xmlns:a14="http://schemas.microsoft.com/office/drawing/2010/main" Requires="a14">
           <p:sp>
             <p:nvSpPr>
               <p:cNvPr id="35" name="Object 4">
@@ -9396,7 +6593,7 @@
             </p:txBody>
           </p:sp>
         </mc:Choice>
-        <mc:Fallback xmlns="">
+        <mc:Fallback>
           <p:sp>
             <p:nvSpPr>
               <p:cNvPr id="35" name="Object 4">
@@ -9623,10 +6820,10 @@
       </mc:AlternateContent>
       <p:sp>
         <p:nvSpPr>
-          <p:cNvPr id="38" name="TextBox 37">
+          <p:cNvPr id="3" name="TextBox 2">
             <a:extLst>
               <a:ext uri="{FF2B5EF4-FFF2-40B4-BE49-F238E27FC236}">
-                <a16:creationId xmlns:a16="http://schemas.microsoft.com/office/drawing/2014/main" id="{5DDFDB70-DB09-A8AE-ECFA-29BC2D3C2A06}"/>
+                <a16:creationId xmlns:a16="http://schemas.microsoft.com/office/drawing/2014/main" id="{3D5F76B2-BEDF-C8B9-87B6-041FA03BECF8}"/>
               </a:ext>
             </a:extLst>
           </p:cNvPr>
@@ -9635,8 +6832,8 @@
         </p:nvSpPr>
         <p:spPr>
           <a:xfrm>
-            <a:off x="5377716" y="1998174"/>
-            <a:ext cx="2520690" cy="400110"/>
+            <a:off x="6397227" y="1955771"/>
+            <a:ext cx="692818" cy="400110"/>
           </a:xfrm>
           <a:prstGeom prst="rect">
             <a:avLst/>
@@ -9658,17 +6855,17 @@
                 <a:ea typeface="+mn-ea"/>
                 <a:cs typeface="+mn-cs"/>
               </a:rPr>
-              <a:t>Total Request matrix</a:t>
+              <a:t>Max</a:t>
             </a:r>
           </a:p>
         </p:txBody>
       </p:sp>
       <p:sp>
         <p:nvSpPr>
-          <p:cNvPr id="39" name="TextBox 38">
+          <p:cNvPr id="4" name="TextBox 3">
             <a:extLst>
               <a:ext uri="{FF2B5EF4-FFF2-40B4-BE49-F238E27FC236}">
-                <a16:creationId xmlns:a16="http://schemas.microsoft.com/office/drawing/2014/main" id="{3C668693-DC80-5EB2-C55A-1A4F500873ED}"/>
+                <a16:creationId xmlns:a16="http://schemas.microsoft.com/office/drawing/2014/main" id="{8D8AE84D-4AB2-7599-CFFF-56C948A18EA1}"/>
               </a:ext>
             </a:extLst>
           </p:cNvPr>
@@ -9677,8 +6874,8 @@
         </p:nvSpPr>
         <p:spPr>
           <a:xfrm>
-            <a:off x="8821425" y="1998174"/>
-            <a:ext cx="2962671" cy="400110"/>
+            <a:off x="9533457" y="1955771"/>
+            <a:ext cx="1372492" cy="400110"/>
           </a:xfrm>
           <a:prstGeom prst="rect">
             <a:avLst/>
@@ -9700,7 +6897,91 @@
                 <a:ea typeface="+mn-ea"/>
                 <a:cs typeface="+mn-cs"/>
               </a:rPr>
-              <a:t>Current allocation matrix</a:t>
+              <a:t>Allocation</a:t>
+            </a:r>
+          </a:p>
+        </p:txBody>
+      </p:sp>
+      <p:sp>
+        <p:nvSpPr>
+          <p:cNvPr id="5" name="TextBox 4">
+            <a:extLst>
+              <a:ext uri="{FF2B5EF4-FFF2-40B4-BE49-F238E27FC236}">
+                <a16:creationId xmlns:a16="http://schemas.microsoft.com/office/drawing/2014/main" id="{D8691D54-1C06-B2D6-EAA8-E71A928FC5F5}"/>
+              </a:ext>
+            </a:extLst>
+          </p:cNvPr>
+          <p:cNvSpPr txBox="1"/>
+          <p:nvPr/>
+        </p:nvSpPr>
+        <p:spPr>
+          <a:xfrm>
+            <a:off x="6430107" y="4417698"/>
+            <a:ext cx="816249" cy="400110"/>
+          </a:xfrm>
+          <a:prstGeom prst="rect">
+            <a:avLst/>
+          </a:prstGeom>
+          <a:noFill/>
+        </p:spPr>
+        <p:txBody>
+          <a:bodyPr wrap="none" rtlCol="0">
+            <a:spAutoFit/>
+          </a:bodyPr>
+          <a:lstStyle/>
+          <a:p>
+            <a:r>
+              <a:rPr lang="en-GB" sz="2000" b="0" dirty="0">
+                <a:solidFill>
+                  <a:schemeClr val="dk1"/>
+                </a:solidFill>
+                <a:latin typeface="+mn-lt"/>
+                <a:ea typeface="+mn-ea"/>
+                <a:cs typeface="+mn-cs"/>
+              </a:rPr>
+              <a:t>Total</a:t>
+            </a:r>
+          </a:p>
+        </p:txBody>
+      </p:sp>
+      <p:sp>
+        <p:nvSpPr>
+          <p:cNvPr id="7" name="TextBox 6">
+            <a:extLst>
+              <a:ext uri="{FF2B5EF4-FFF2-40B4-BE49-F238E27FC236}">
+                <a16:creationId xmlns:a16="http://schemas.microsoft.com/office/drawing/2014/main" id="{95FD2F79-F8E3-4919-2562-A7C61FD58C31}"/>
+              </a:ext>
+            </a:extLst>
+          </p:cNvPr>
+          <p:cNvSpPr txBox="1"/>
+          <p:nvPr/>
+        </p:nvSpPr>
+        <p:spPr>
+          <a:xfrm>
+            <a:off x="9630789" y="4417698"/>
+            <a:ext cx="1266693" cy="400110"/>
+          </a:xfrm>
+          <a:prstGeom prst="rect">
+            <a:avLst/>
+          </a:prstGeom>
+          <a:noFill/>
+        </p:spPr>
+        <p:txBody>
+          <a:bodyPr wrap="none" rtlCol="0">
+            <a:spAutoFit/>
+          </a:bodyPr>
+          <a:lstStyle/>
+          <a:p>
+            <a:r>
+              <a:rPr lang="en-GB" sz="2000" b="0" dirty="0">
+                <a:solidFill>
+                  <a:schemeClr val="dk1"/>
+                </a:solidFill>
+                <a:latin typeface="+mn-lt"/>
+                <a:ea typeface="+mn-ea"/>
+                <a:cs typeface="+mn-cs"/>
+              </a:rPr>
+              <a:t>Available</a:t>
             </a:r>
           </a:p>
         </p:txBody>
@@ -9719,7 +7000,7 @@
 </p:sld>
 </file>
 
-<file path=ppt/slides/slide9.xml><?xml version="1.0" encoding="utf-8"?>
+<file path=ppt/slides/slide13.xml><?xml version="1.0" encoding="utf-8"?>
 <p:sld xmlns:a="http://schemas.openxmlformats.org/drawingml/2006/main" xmlns:r="http://schemas.openxmlformats.org/officeDocument/2006/relationships" xmlns:p="http://schemas.openxmlformats.org/presentationml/2006/main">
   <p:cSld>
     <p:spTree>
@@ -10264,90 +7545,6 @@
           </p:sp>
         </mc:Fallback>
       </mc:AlternateContent>
-      <p:sp>
-        <p:nvSpPr>
-          <p:cNvPr id="8" name="TextBox 7">
-            <a:extLst>
-              <a:ext uri="{FF2B5EF4-FFF2-40B4-BE49-F238E27FC236}">
-                <a16:creationId xmlns:a16="http://schemas.microsoft.com/office/drawing/2014/main" id="{FFB835C5-DBFA-BB6A-F292-E7C48CD17C00}"/>
-              </a:ext>
-            </a:extLst>
-          </p:cNvPr>
-          <p:cNvSpPr txBox="1"/>
-          <p:nvPr/>
-        </p:nvSpPr>
-        <p:spPr>
-          <a:xfrm>
-            <a:off x="1394495" y="5665872"/>
-            <a:ext cx="2844048" cy="400110"/>
-          </a:xfrm>
-          <a:prstGeom prst="rect">
-            <a:avLst/>
-          </a:prstGeom>
-          <a:noFill/>
-        </p:spPr>
-        <p:txBody>
-          <a:bodyPr wrap="none" rtlCol="0">
-            <a:spAutoFit/>
-          </a:bodyPr>
-          <a:lstStyle/>
-          <a:p>
-            <a:r>
-              <a:rPr lang="en-GB" sz="2000" b="0" dirty="0">
-                <a:solidFill>
-                  <a:schemeClr val="dk1"/>
-                </a:solidFill>
-                <a:latin typeface="+mn-lt"/>
-                <a:ea typeface="+mn-ea"/>
-                <a:cs typeface="+mn-cs"/>
-              </a:rPr>
-              <a:t>Resources in existence</a:t>
-            </a:r>
-          </a:p>
-        </p:txBody>
-      </p:sp>
-      <p:sp>
-        <p:nvSpPr>
-          <p:cNvPr id="9" name="TextBox 8">
-            <a:extLst>
-              <a:ext uri="{FF2B5EF4-FFF2-40B4-BE49-F238E27FC236}">
-                <a16:creationId xmlns:a16="http://schemas.microsoft.com/office/drawing/2014/main" id="{D2A9485F-6C20-E7C5-F5E9-68F2F8928537}"/>
-              </a:ext>
-            </a:extLst>
-          </p:cNvPr>
-          <p:cNvSpPr txBox="1"/>
-          <p:nvPr/>
-        </p:nvSpPr>
-        <p:spPr>
-          <a:xfrm>
-            <a:off x="4866538" y="5665872"/>
-            <a:ext cx="2496196" cy="400110"/>
-          </a:xfrm>
-          <a:prstGeom prst="rect">
-            <a:avLst/>
-          </a:prstGeom>
-          <a:noFill/>
-        </p:spPr>
-        <p:txBody>
-          <a:bodyPr wrap="none" rtlCol="0">
-            <a:spAutoFit/>
-          </a:bodyPr>
-          <a:lstStyle/>
-          <a:p>
-            <a:r>
-              <a:rPr lang="en-GB" sz="2000" b="0" dirty="0">
-                <a:solidFill>
-                  <a:schemeClr val="dk1"/>
-                </a:solidFill>
-                <a:latin typeface="+mn-lt"/>
-                <a:ea typeface="+mn-ea"/>
-                <a:cs typeface="+mn-cs"/>
-              </a:rPr>
-              <a:t>Resources available</a:t>
-            </a:r>
-          </a:p>
-        </p:txBody>
-      </p:sp>
       <mc:AlternateContent xmlns:mc="http://schemas.openxmlformats.org/markup-compatibility/2006" xmlns:a14="http://schemas.microsoft.com/office/drawing/2010/main">
         <mc:Choice Requires="a14">
           <p:sp>
@@ -10850,92 +8047,8 @@
           </p:sp>
         </mc:Fallback>
       </mc:AlternateContent>
-      <p:sp>
-        <p:nvSpPr>
-          <p:cNvPr id="12" name="TextBox 11">
-            <a:extLst>
-              <a:ext uri="{FF2B5EF4-FFF2-40B4-BE49-F238E27FC236}">
-                <a16:creationId xmlns:a16="http://schemas.microsoft.com/office/drawing/2014/main" id="{09D9AD05-A594-0875-38FF-4AAB3243B7A9}"/>
-              </a:ext>
-            </a:extLst>
-          </p:cNvPr>
-          <p:cNvSpPr txBox="1"/>
-          <p:nvPr/>
-        </p:nvSpPr>
-        <p:spPr>
-          <a:xfrm>
-            <a:off x="1407999" y="3545210"/>
-            <a:ext cx="2520690" cy="400110"/>
-          </a:xfrm>
-          <a:prstGeom prst="rect">
-            <a:avLst/>
-          </a:prstGeom>
-          <a:noFill/>
-        </p:spPr>
-        <p:txBody>
-          <a:bodyPr wrap="none" rtlCol="0">
-            <a:spAutoFit/>
-          </a:bodyPr>
-          <a:lstStyle/>
-          <a:p>
-            <a:r>
-              <a:rPr lang="en-GB" sz="2000" b="0" dirty="0">
-                <a:solidFill>
-                  <a:schemeClr val="dk1"/>
-                </a:solidFill>
-                <a:latin typeface="+mn-lt"/>
-                <a:ea typeface="+mn-ea"/>
-                <a:cs typeface="+mn-cs"/>
-              </a:rPr>
-              <a:t>Total Request matrix</a:t>
-            </a:r>
-          </a:p>
-        </p:txBody>
-      </p:sp>
-      <p:sp>
-        <p:nvSpPr>
-          <p:cNvPr id="13" name="TextBox 12">
-            <a:extLst>
-              <a:ext uri="{FF2B5EF4-FFF2-40B4-BE49-F238E27FC236}">
-                <a16:creationId xmlns:a16="http://schemas.microsoft.com/office/drawing/2014/main" id="{6ADDC547-7357-037D-BA58-2A4C2740916D}"/>
-              </a:ext>
-            </a:extLst>
-          </p:cNvPr>
-          <p:cNvSpPr txBox="1"/>
-          <p:nvPr/>
-        </p:nvSpPr>
-        <p:spPr>
-          <a:xfrm>
-            <a:off x="4851708" y="3545210"/>
-            <a:ext cx="2962671" cy="400110"/>
-          </a:xfrm>
-          <a:prstGeom prst="rect">
-            <a:avLst/>
-          </a:prstGeom>
-          <a:noFill/>
-        </p:spPr>
-        <p:txBody>
-          <a:bodyPr wrap="none" rtlCol="0">
-            <a:spAutoFit/>
-          </a:bodyPr>
-          <a:lstStyle/>
-          <a:p>
-            <a:r>
-              <a:rPr lang="en-GB" sz="2000" b="0" dirty="0">
-                <a:solidFill>
-                  <a:schemeClr val="dk1"/>
-                </a:solidFill>
-                <a:latin typeface="+mn-lt"/>
-                <a:ea typeface="+mn-ea"/>
-                <a:cs typeface="+mn-cs"/>
-              </a:rPr>
-              <a:t>Current allocation matrix</a:t>
-            </a:r>
-          </a:p>
-        </p:txBody>
-      </p:sp>
-      <mc:AlternateContent xmlns:mc="http://schemas.openxmlformats.org/markup-compatibility/2006" xmlns:a14="http://schemas.microsoft.com/office/drawing/2010/main">
-        <mc:Choice Requires="a14">
+      <mc:AlternateContent xmlns:mc="http://schemas.openxmlformats.org/markup-compatibility/2006">
+        <mc:Choice xmlns:a14="http://schemas.microsoft.com/office/drawing/2010/main" Requires="a14">
           <p:sp>
             <p:nvSpPr>
               <p:cNvPr id="14" name="Object 4">
@@ -10950,7 +8063,7 @@
             </p:nvSpPr>
             <p:spPr bwMode="auto">
               <a:xfrm>
-                <a:off x="8231529" y="3957517"/>
+                <a:off x="7936255" y="3970593"/>
                 <a:ext cx="2731745" cy="2430207"/>
               </a:xfrm>
               <a:prstGeom prst="rect">
@@ -11226,7 +8339,7 @@
             </p:txBody>
           </p:sp>
         </mc:Choice>
-        <mc:Fallback xmlns="">
+        <mc:Fallback>
           <p:sp>
             <p:nvSpPr>
               <p:cNvPr id="14" name="Object 4">
@@ -11243,7 +8356,7 @@
             </p:nvSpPr>
             <p:spPr bwMode="auto">
               <a:xfrm>
-                <a:off x="8231529" y="3957517"/>
+                <a:off x="7936255" y="3970593"/>
                 <a:ext cx="2731745" cy="2430207"/>
               </a:xfrm>
               <a:prstGeom prst="rect">
@@ -11285,8 +8398,8 @@
         </p:nvSpPr>
         <p:spPr>
           <a:xfrm>
-            <a:off x="8229600" y="3554307"/>
-            <a:ext cx="3175869" cy="400110"/>
+            <a:off x="9304949" y="3525838"/>
+            <a:ext cx="822661" cy="400110"/>
           </a:xfrm>
           <a:prstGeom prst="rect">
             <a:avLst/>
@@ -11308,7 +8421,7 @@
                 <a:ea typeface="+mn-ea"/>
                 <a:cs typeface="+mn-cs"/>
               </a:rPr>
-              <a:t>Resources needed matrix</a:t>
+              <a:t>Need</a:t>
             </a:r>
           </a:p>
         </p:txBody>
@@ -11437,7 +8550,7 @@
                 <a:ea typeface="宋体" charset="-122"/>
                 <a:cs typeface="+mn-cs"/>
               </a:rPr>
-              <a:t>We can run the remaining threads </a:t>
+              <a:t>We can run the remaining processes </a:t>
             </a:r>
             <a:r>
               <a:rPr lang="en-GB" sz="2000" dirty="0"/>
@@ -11451,7 +8564,27 @@
                 <a:ea typeface="宋体" charset="-122"/>
                 <a:cs typeface="+mn-cs"/>
               </a:rPr>
-              <a:t> since the available resources are enough to satisfy each thread’s needed resources.</a:t>
+              <a:t> since the available resources are enough to satisfy each </a:t>
+            </a:r>
+            <a:r>
+              <a:rPr lang="en-US" altLang="zh-CN" sz="2000" b="0">
+                <a:solidFill>
+                  <a:srgbClr val="000000"/>
+                </a:solidFill>
+                <a:ea typeface="宋体" charset="-122"/>
+                <a:cs typeface="+mn-cs"/>
+              </a:rPr>
+              <a:t>processes’ </a:t>
+            </a:r>
+            <a:r>
+              <a:rPr lang="en-US" altLang="zh-CN" sz="2000" b="0" dirty="0">
+                <a:solidFill>
+                  <a:srgbClr val="000000"/>
+                </a:solidFill>
+                <a:ea typeface="宋体" charset="-122"/>
+                <a:cs typeface="+mn-cs"/>
+              </a:rPr>
+              <a:t>needed resources.</a:t>
             </a:r>
             <a:r>
               <a:rPr lang="en-GB" sz="2000" dirty="0"/>
@@ -11460,6 +8593,174 @@
           </a:p>
           <a:p>
             <a:endParaRPr lang="en-SE" sz="2000" dirty="0"/>
+          </a:p>
+        </p:txBody>
+      </p:sp>
+      <p:sp>
+        <p:nvSpPr>
+          <p:cNvPr id="3" name="TextBox 2">
+            <a:extLst>
+              <a:ext uri="{FF2B5EF4-FFF2-40B4-BE49-F238E27FC236}">
+                <a16:creationId xmlns:a16="http://schemas.microsoft.com/office/drawing/2014/main" id="{7E09B359-210E-4ADB-3DB7-AB9987F13964}"/>
+              </a:ext>
+            </a:extLst>
+          </p:cNvPr>
+          <p:cNvSpPr txBox="1"/>
+          <p:nvPr/>
+        </p:nvSpPr>
+        <p:spPr>
+          <a:xfrm>
+            <a:off x="2473722" y="3525838"/>
+            <a:ext cx="692818" cy="400110"/>
+          </a:xfrm>
+          <a:prstGeom prst="rect">
+            <a:avLst/>
+          </a:prstGeom>
+          <a:noFill/>
+        </p:spPr>
+        <p:txBody>
+          <a:bodyPr wrap="none" rtlCol="0">
+            <a:spAutoFit/>
+          </a:bodyPr>
+          <a:lstStyle/>
+          <a:p>
+            <a:r>
+              <a:rPr lang="en-GB" sz="2000" b="0" dirty="0">
+                <a:solidFill>
+                  <a:schemeClr val="dk1"/>
+                </a:solidFill>
+                <a:latin typeface="+mn-lt"/>
+                <a:ea typeface="+mn-ea"/>
+                <a:cs typeface="+mn-cs"/>
+              </a:rPr>
+              <a:t>Max</a:t>
+            </a:r>
+          </a:p>
+        </p:txBody>
+      </p:sp>
+      <p:sp>
+        <p:nvSpPr>
+          <p:cNvPr id="4" name="TextBox 3">
+            <a:extLst>
+              <a:ext uri="{FF2B5EF4-FFF2-40B4-BE49-F238E27FC236}">
+                <a16:creationId xmlns:a16="http://schemas.microsoft.com/office/drawing/2014/main" id="{3C62692A-4344-BD4B-2E26-CA286172834D}"/>
+              </a:ext>
+            </a:extLst>
+          </p:cNvPr>
+          <p:cNvSpPr txBox="1"/>
+          <p:nvPr/>
+        </p:nvSpPr>
+        <p:spPr>
+          <a:xfrm>
+            <a:off x="5609952" y="3525838"/>
+            <a:ext cx="1372492" cy="400110"/>
+          </a:xfrm>
+          <a:prstGeom prst="rect">
+            <a:avLst/>
+          </a:prstGeom>
+          <a:noFill/>
+        </p:spPr>
+        <p:txBody>
+          <a:bodyPr wrap="none" rtlCol="0">
+            <a:spAutoFit/>
+          </a:bodyPr>
+          <a:lstStyle/>
+          <a:p>
+            <a:r>
+              <a:rPr lang="en-GB" sz="2000" b="0" dirty="0">
+                <a:solidFill>
+                  <a:schemeClr val="dk1"/>
+                </a:solidFill>
+                <a:latin typeface="+mn-lt"/>
+                <a:ea typeface="+mn-ea"/>
+                <a:cs typeface="+mn-cs"/>
+              </a:rPr>
+              <a:t>Allocation</a:t>
+            </a:r>
+          </a:p>
+        </p:txBody>
+      </p:sp>
+      <p:sp>
+        <p:nvSpPr>
+          <p:cNvPr id="5" name="TextBox 4">
+            <a:extLst>
+              <a:ext uri="{FF2B5EF4-FFF2-40B4-BE49-F238E27FC236}">
+                <a16:creationId xmlns:a16="http://schemas.microsoft.com/office/drawing/2014/main" id="{A9F170D1-A81D-F4C3-4D27-B66AF0C5D939}"/>
+              </a:ext>
+            </a:extLst>
+          </p:cNvPr>
+          <p:cNvSpPr txBox="1"/>
+          <p:nvPr/>
+        </p:nvSpPr>
+        <p:spPr>
+          <a:xfrm>
+            <a:off x="2506602" y="5772090"/>
+            <a:ext cx="816249" cy="400110"/>
+          </a:xfrm>
+          <a:prstGeom prst="rect">
+            <a:avLst/>
+          </a:prstGeom>
+          <a:noFill/>
+        </p:spPr>
+        <p:txBody>
+          <a:bodyPr wrap="none" rtlCol="0">
+            <a:spAutoFit/>
+          </a:bodyPr>
+          <a:lstStyle/>
+          <a:p>
+            <a:r>
+              <a:rPr lang="en-GB" sz="2000" b="0" dirty="0">
+                <a:solidFill>
+                  <a:schemeClr val="dk1"/>
+                </a:solidFill>
+                <a:latin typeface="+mn-lt"/>
+                <a:ea typeface="+mn-ea"/>
+                <a:cs typeface="+mn-cs"/>
+              </a:rPr>
+              <a:t>Total</a:t>
+            </a:r>
+          </a:p>
+        </p:txBody>
+      </p:sp>
+      <p:sp>
+        <p:nvSpPr>
+          <p:cNvPr id="17" name="TextBox 16">
+            <a:extLst>
+              <a:ext uri="{FF2B5EF4-FFF2-40B4-BE49-F238E27FC236}">
+                <a16:creationId xmlns:a16="http://schemas.microsoft.com/office/drawing/2014/main" id="{F118DA40-55FB-548B-E5BE-5DE49D12E846}"/>
+              </a:ext>
+            </a:extLst>
+          </p:cNvPr>
+          <p:cNvSpPr txBox="1"/>
+          <p:nvPr/>
+        </p:nvSpPr>
+        <p:spPr>
+          <a:xfrm>
+            <a:off x="5707284" y="5772090"/>
+            <a:ext cx="1266693" cy="400110"/>
+          </a:xfrm>
+          <a:prstGeom prst="rect">
+            <a:avLst/>
+          </a:prstGeom>
+          <a:noFill/>
+        </p:spPr>
+        <p:txBody>
+          <a:bodyPr wrap="none" rtlCol="0">
+            <a:spAutoFit/>
+          </a:bodyPr>
+          <a:lstStyle/>
+          <a:p>
+            <a:r>
+              <a:rPr lang="en-GB" sz="2000" b="0" dirty="0">
+                <a:solidFill>
+                  <a:schemeClr val="dk1"/>
+                </a:solidFill>
+                <a:latin typeface="+mn-lt"/>
+                <a:ea typeface="+mn-ea"/>
+                <a:cs typeface="+mn-cs"/>
+              </a:rPr>
+              <a:t>Available</a:t>
+            </a:r>
           </a:p>
         </p:txBody>
       </p:sp>
@@ -11467,6 +8768,4939 @@
     <p:extLst>
       <p:ext uri="{BB962C8B-B14F-4D97-AF65-F5344CB8AC3E}">
         <p14:creationId xmlns:p14="http://schemas.microsoft.com/office/powerpoint/2010/main" val="3697485444"/>
+      </p:ext>
+    </p:extLst>
+  </p:cSld>
+  <p:clrMapOvr>
+    <a:masterClrMapping/>
+  </p:clrMapOvr>
+  <p:transition/>
+</p:sld>
+</file>
+
+<file path=ppt/slides/slide14.xml><?xml version="1.0" encoding="utf-8"?>
+<p:sld xmlns:a="http://schemas.openxmlformats.org/drawingml/2006/main" xmlns:r="http://schemas.openxmlformats.org/officeDocument/2006/relationships" xmlns:p="http://schemas.openxmlformats.org/presentationml/2006/main">
+  <p:cSld>
+    <p:spTree>
+      <p:nvGrpSpPr>
+        <p:cNvPr id="1" name=""/>
+        <p:cNvGrpSpPr/>
+        <p:nvPr/>
+      </p:nvGrpSpPr>
+      <p:grpSpPr>
+        <a:xfrm>
+          <a:off x="0" y="0"/>
+          <a:ext cx="0" cy="0"/>
+          <a:chOff x="0" y="0"/>
+          <a:chExt cx="0" cy="0"/>
+        </a:xfrm>
+      </p:grpSpPr>
+      <p:sp>
+        <p:nvSpPr>
+          <p:cNvPr id="2" name="Title 1">
+            <a:extLst>
+              <a:ext uri="{FF2B5EF4-FFF2-40B4-BE49-F238E27FC236}">
+                <a16:creationId xmlns:a16="http://schemas.microsoft.com/office/drawing/2014/main" id="{7A13D3F3-6935-47F2-C47D-DA6888C12654}"/>
+              </a:ext>
+            </a:extLst>
+          </p:cNvPr>
+          <p:cNvSpPr>
+            <a:spLocks noGrp="1"/>
+          </p:cNvSpPr>
+          <p:nvPr>
+            <p:ph type="title"/>
+          </p:nvPr>
+        </p:nvSpPr>
+        <p:spPr>
+          <a:xfrm>
+            <a:off x="1320800" y="152400"/>
+            <a:ext cx="5461000" cy="533400"/>
+          </a:xfrm>
+        </p:spPr>
+        <p:txBody>
+          <a:bodyPr/>
+          <a:lstStyle/>
+          <a:p>
+            <a:r>
+              <a:rPr lang="en-GB" dirty="0"/>
+              <a:t>Quiz: Deadlocks II</a:t>
+            </a:r>
+            <a:endParaRPr lang="en-SE" dirty="0"/>
+          </a:p>
+        </p:txBody>
+      </p:sp>
+      <p:sp>
+        <p:nvSpPr>
+          <p:cNvPr id="3" name="Content Placeholder 2">
+            <a:extLst>
+              <a:ext uri="{FF2B5EF4-FFF2-40B4-BE49-F238E27FC236}">
+                <a16:creationId xmlns:a16="http://schemas.microsoft.com/office/drawing/2014/main" id="{30D2229F-2CFC-9FAC-679A-B3EF4E2F81A2}"/>
+              </a:ext>
+            </a:extLst>
+          </p:cNvPr>
+          <p:cNvSpPr>
+            <a:spLocks noGrp="1"/>
+          </p:cNvSpPr>
+          <p:nvPr>
+            <p:ph idx="1"/>
+          </p:nvPr>
+        </p:nvSpPr>
+        <p:spPr>
+          <a:xfrm>
+            <a:off x="330487" y="914400"/>
+            <a:ext cx="5994114" cy="5105400"/>
+          </a:xfrm>
+        </p:spPr>
+        <p:txBody>
+          <a:bodyPr>
+            <a:normAutofit fontScale="92500"/>
+          </a:bodyPr>
+          <a:lstStyle/>
+          <a:p>
+            <a:r>
+              <a:rPr lang="en-GB" dirty="0"/>
+              <a:t>Is there a possible deadlock?</a:t>
+            </a:r>
+          </a:p>
+          <a:p>
+            <a:r>
+              <a:rPr lang="en-GB" dirty="0"/>
+              <a:t>Yes, there is a deadlock. Consider the following interleaving:</a:t>
+            </a:r>
+          </a:p>
+          <a:p>
+            <a:pPr lvl="1"/>
+            <a:r>
+              <a:rPr lang="en-GB" dirty="0"/>
+              <a:t>thread 1: L1.wait();</a:t>
+            </a:r>
+          </a:p>
+          <a:p>
+            <a:pPr lvl="1"/>
+            <a:r>
+              <a:rPr lang="en-GB" dirty="0"/>
+              <a:t>thread 2: L3.wait();</a:t>
+            </a:r>
+          </a:p>
+          <a:p>
+            <a:pPr lvl="1"/>
+            <a:r>
+              <a:rPr lang="en-GB" dirty="0"/>
+              <a:t>thread 3: L2.wait();</a:t>
+            </a:r>
+          </a:p>
+          <a:p>
+            <a:r>
+              <a:rPr lang="en-GB" dirty="0"/>
+              <a:t>Now there is a circular wait condition:</a:t>
+            </a:r>
+          </a:p>
+          <a:p>
+            <a:r>
+              <a:rPr lang="en-GB" dirty="0"/>
+              <a:t>thread 1 waiting for L2 (held by </a:t>
+            </a:r>
+            <a:r>
+              <a:rPr lang="en-GB" dirty="0" err="1"/>
+              <a:t>thr</a:t>
+            </a:r>
+            <a:r>
+              <a:rPr lang="en-GB" dirty="0"/>
+              <a:t>. 3) → </a:t>
+            </a:r>
+            <a:r>
+              <a:rPr lang="en-GB" dirty="0" err="1"/>
+              <a:t>thr</a:t>
+            </a:r>
+            <a:r>
+              <a:rPr lang="en-GB" dirty="0"/>
+              <a:t>. 2 waiting for L1 (held by </a:t>
+            </a:r>
+            <a:r>
+              <a:rPr lang="en-GB" dirty="0" err="1"/>
+              <a:t>thr</a:t>
+            </a:r>
+            <a:r>
+              <a:rPr lang="en-GB" dirty="0"/>
+              <a:t>. 1) → </a:t>
+            </a:r>
+            <a:r>
+              <a:rPr lang="en-GB" dirty="0" err="1"/>
+              <a:t>thr</a:t>
+            </a:r>
+            <a:r>
+              <a:rPr lang="en-GB" dirty="0"/>
+              <a:t>. 3 waiting for L3 (held by </a:t>
+            </a:r>
+            <a:r>
+              <a:rPr lang="en-GB" dirty="0" err="1"/>
+              <a:t>thr</a:t>
+            </a:r>
+            <a:r>
+              <a:rPr lang="en-GB" dirty="0"/>
+              <a:t>. 2).</a:t>
+            </a:r>
+          </a:p>
+          <a:p>
+            <a:r>
+              <a:rPr lang="en-GB" dirty="0"/>
+              <a:t>Solution: each thread should acquire locks in the same order, say, L1, L2, L3.</a:t>
+            </a:r>
+          </a:p>
+          <a:p>
+            <a:endParaRPr lang="en-GB" dirty="0"/>
+          </a:p>
+          <a:p>
+            <a:endParaRPr lang="en-GB" dirty="0"/>
+          </a:p>
+          <a:p>
+            <a:endParaRPr lang="en-SE" dirty="0"/>
+          </a:p>
+        </p:txBody>
+      </p:sp>
+      <p:sp>
+        <p:nvSpPr>
+          <p:cNvPr id="5" name="object 9">
+            <a:extLst>
+              <a:ext uri="{FF2B5EF4-FFF2-40B4-BE49-F238E27FC236}">
+                <a16:creationId xmlns:a16="http://schemas.microsoft.com/office/drawing/2014/main" id="{6AC16764-0F2D-B238-9D81-900B4D251691}"/>
+              </a:ext>
+            </a:extLst>
+          </p:cNvPr>
+          <p:cNvSpPr txBox="1"/>
+          <p:nvPr/>
+        </p:nvSpPr>
+        <p:spPr>
+          <a:xfrm>
+            <a:off x="6387676" y="846004"/>
+            <a:ext cx="5632900" cy="5049458"/>
+          </a:xfrm>
+          <a:prstGeom prst="rect">
+            <a:avLst/>
+          </a:prstGeom>
+        </p:spPr>
+        <p:txBody>
+          <a:bodyPr vert="horz" wrap="square" lIns="0" tIns="55244" rIns="0" bIns="0" rtlCol="0">
+            <a:spAutoFit/>
+          </a:bodyPr>
+          <a:lstStyle/>
+          <a:p>
+            <a:pPr marL="133350" eaLnBrk="1" fontAlgn="auto" hangingPunct="1">
+              <a:spcBef>
+                <a:spcPts val="434"/>
+              </a:spcBef>
+              <a:spcAft>
+                <a:spcPts val="0"/>
+              </a:spcAft>
+              <a:tabLst>
+                <a:tab pos="532765" algn="l"/>
+              </a:tabLst>
+            </a:pPr>
+            <a:r>
+              <a:rPr sz="1200" b="0" kern="0" spc="-50" dirty="0">
+                <a:solidFill>
+                  <a:sysClr val="windowText" lastClr="000000"/>
+                </a:solidFill>
+                <a:latin typeface="Arial MT"/>
+                <a:cs typeface="Arial MT"/>
+              </a:rPr>
+              <a:t>1</a:t>
+            </a:r>
+            <a:r>
+              <a:rPr sz="1200" b="0" kern="0" dirty="0">
+                <a:solidFill>
+                  <a:sysClr val="windowText" lastClr="000000"/>
+                </a:solidFill>
+                <a:latin typeface="Arial MT"/>
+                <a:cs typeface="Arial MT"/>
+              </a:rPr>
+              <a:t>	</a:t>
+            </a:r>
+            <a:r>
+              <a:rPr sz="1400" b="0" kern="0" dirty="0">
+                <a:solidFill>
+                  <a:sysClr val="windowText" lastClr="000000"/>
+                </a:solidFill>
+                <a:latin typeface="Courier New"/>
+                <a:cs typeface="Courier New"/>
+              </a:rPr>
+              <a:t>Semaphore</a:t>
+            </a:r>
+            <a:r>
+              <a:rPr sz="1400" b="0" kern="0" spc="-5" dirty="0">
+                <a:solidFill>
+                  <a:sysClr val="windowText" lastClr="000000"/>
+                </a:solidFill>
+                <a:latin typeface="Courier New"/>
+                <a:cs typeface="Courier New"/>
+              </a:rPr>
+              <a:t> </a:t>
+            </a:r>
+            <a:r>
+              <a:rPr sz="1400" b="0" kern="0" dirty="0">
+                <a:solidFill>
+                  <a:sysClr val="windowText" lastClr="000000"/>
+                </a:solidFill>
+                <a:latin typeface="Courier New"/>
+                <a:cs typeface="Courier New"/>
+              </a:rPr>
+              <a:t>L1=1,</a:t>
+            </a:r>
+            <a:r>
+              <a:rPr sz="1400" b="0" kern="0" spc="-40" dirty="0">
+                <a:solidFill>
+                  <a:sysClr val="windowText" lastClr="000000"/>
+                </a:solidFill>
+                <a:latin typeface="Courier New"/>
+                <a:cs typeface="Courier New"/>
+              </a:rPr>
+              <a:t> </a:t>
+            </a:r>
+            <a:r>
+              <a:rPr sz="1400" b="0" kern="0" dirty="0">
+                <a:solidFill>
+                  <a:sysClr val="windowText" lastClr="000000"/>
+                </a:solidFill>
+                <a:latin typeface="Courier New"/>
+                <a:cs typeface="Courier New"/>
+              </a:rPr>
+              <a:t>L2=1,</a:t>
+            </a:r>
+            <a:r>
+              <a:rPr sz="1400" b="0" kern="0" spc="-40" dirty="0">
+                <a:solidFill>
+                  <a:sysClr val="windowText" lastClr="000000"/>
+                </a:solidFill>
+                <a:latin typeface="Courier New"/>
+                <a:cs typeface="Courier New"/>
+              </a:rPr>
+              <a:t> </a:t>
+            </a:r>
+            <a:r>
+              <a:rPr sz="1400" b="0" kern="0" spc="-10" dirty="0">
+                <a:solidFill>
+                  <a:sysClr val="windowText" lastClr="000000"/>
+                </a:solidFill>
+                <a:latin typeface="Courier New"/>
+                <a:cs typeface="Courier New"/>
+              </a:rPr>
+              <a:t>L3=1;</a:t>
+            </a:r>
+            <a:endParaRPr sz="1400" b="0" kern="0" dirty="0">
+              <a:solidFill>
+                <a:sysClr val="windowText" lastClr="000000"/>
+              </a:solidFill>
+              <a:latin typeface="Courier New"/>
+              <a:cs typeface="Courier New"/>
+            </a:endParaRPr>
+          </a:p>
+          <a:p>
+            <a:pPr marL="133350" eaLnBrk="1" fontAlgn="auto" hangingPunct="1">
+              <a:spcBef>
+                <a:spcPts val="295"/>
+              </a:spcBef>
+              <a:spcAft>
+                <a:spcPts val="0"/>
+              </a:spcAft>
+            </a:pPr>
+            <a:r>
+              <a:rPr sz="1200" b="0" kern="0" spc="-50" dirty="0">
+                <a:solidFill>
+                  <a:sysClr val="windowText" lastClr="000000"/>
+                </a:solidFill>
+                <a:latin typeface="Arial MT"/>
+                <a:cs typeface="Arial MT"/>
+              </a:rPr>
+              <a:t>2</a:t>
+            </a:r>
+            <a:endParaRPr sz="1200" b="0" kern="0" dirty="0">
+              <a:solidFill>
+                <a:sysClr val="windowText" lastClr="000000"/>
+              </a:solidFill>
+              <a:latin typeface="Arial MT"/>
+              <a:cs typeface="Arial MT"/>
+            </a:endParaRPr>
+          </a:p>
+          <a:p>
+            <a:pPr marL="511175" indent="-377825" eaLnBrk="1" fontAlgn="auto" hangingPunct="1">
+              <a:spcBef>
+                <a:spcPts val="130"/>
+              </a:spcBef>
+              <a:spcAft>
+                <a:spcPts val="0"/>
+              </a:spcAft>
+              <a:buSzPct val="90476"/>
+              <a:buFont typeface="Arial MT"/>
+              <a:buAutoNum type="arabicPlain" startAt="3"/>
+              <a:tabLst>
+                <a:tab pos="511175" algn="l"/>
+              </a:tabLst>
+            </a:pPr>
+            <a:r>
+              <a:rPr sz="1400" b="0" i="1" kern="0" dirty="0">
+                <a:solidFill>
+                  <a:sysClr val="windowText" lastClr="000000"/>
+                </a:solidFill>
+                <a:latin typeface="Courier New"/>
+                <a:cs typeface="Courier New"/>
+              </a:rPr>
+              <a:t>// Thread </a:t>
+            </a:r>
+            <a:r>
+              <a:rPr sz="1400" b="0" i="1" kern="0" spc="-25" dirty="0">
+                <a:solidFill>
+                  <a:sysClr val="windowText" lastClr="000000"/>
+                </a:solidFill>
+                <a:latin typeface="Courier New"/>
+                <a:cs typeface="Courier New"/>
+              </a:rPr>
+              <a:t>1:</a:t>
+            </a:r>
+            <a:endParaRPr sz="1400" b="0" kern="0" dirty="0">
+              <a:solidFill>
+                <a:sysClr val="windowText" lastClr="000000"/>
+              </a:solidFill>
+              <a:latin typeface="Courier New"/>
+              <a:cs typeface="Courier New"/>
+            </a:endParaRPr>
+          </a:p>
+          <a:p>
+            <a:pPr marL="530225" indent="-396875" eaLnBrk="1" fontAlgn="auto" hangingPunct="1">
+              <a:spcBef>
+                <a:spcPts val="95"/>
+              </a:spcBef>
+              <a:spcAft>
+                <a:spcPts val="0"/>
+              </a:spcAft>
+              <a:buSzPct val="90476"/>
+              <a:buFont typeface="Arial MT"/>
+              <a:buAutoNum type="arabicPlain" startAt="3"/>
+              <a:tabLst>
+                <a:tab pos="530225" algn="l"/>
+              </a:tabLst>
+            </a:pPr>
+            <a:r>
+              <a:rPr lang="en-GB" sz="1400" b="0" kern="0" spc="-10" dirty="0">
+                <a:solidFill>
+                  <a:sysClr val="windowText" lastClr="000000"/>
+                </a:solidFill>
+                <a:latin typeface="Courier New"/>
+                <a:cs typeface="Courier New"/>
+              </a:rPr>
+              <a:t>L1.wait()</a:t>
+            </a:r>
+            <a:r>
+              <a:rPr sz="1400" b="0" kern="0" spc="-10" dirty="0">
+                <a:solidFill>
+                  <a:sysClr val="windowText" lastClr="000000"/>
+                </a:solidFill>
+                <a:latin typeface="Courier New"/>
+                <a:cs typeface="Courier New"/>
+              </a:rPr>
+              <a:t>;</a:t>
+            </a:r>
+            <a:endParaRPr sz="1400" b="0" kern="0" dirty="0">
+              <a:solidFill>
+                <a:sysClr val="windowText" lastClr="000000"/>
+              </a:solidFill>
+              <a:latin typeface="Courier New"/>
+              <a:cs typeface="Courier New"/>
+            </a:endParaRPr>
+          </a:p>
+          <a:p>
+            <a:pPr marL="530225" indent="-396875" eaLnBrk="1" fontAlgn="auto" hangingPunct="1">
+              <a:spcBef>
+                <a:spcPts val="95"/>
+              </a:spcBef>
+              <a:spcAft>
+                <a:spcPts val="0"/>
+              </a:spcAft>
+              <a:buSzPct val="90476"/>
+              <a:buFont typeface="Arial MT"/>
+              <a:buAutoNum type="arabicPlain" startAt="3"/>
+              <a:tabLst>
+                <a:tab pos="530225" algn="l"/>
+              </a:tabLst>
+            </a:pPr>
+            <a:r>
+              <a:rPr lang="en-GB" sz="1400" b="0" kern="0" spc="-10" dirty="0">
+                <a:solidFill>
+                  <a:sysClr val="windowText" lastClr="000000"/>
+                </a:solidFill>
+                <a:latin typeface="Courier New"/>
+                <a:cs typeface="Courier New"/>
+              </a:rPr>
+              <a:t>L2.wait()</a:t>
+            </a:r>
+            <a:r>
+              <a:rPr sz="1400" b="0" kern="0" spc="-10" dirty="0">
+                <a:solidFill>
+                  <a:sysClr val="windowText" lastClr="000000"/>
+                </a:solidFill>
+                <a:latin typeface="Courier New"/>
+                <a:cs typeface="Courier New"/>
+              </a:rPr>
+              <a:t>;</a:t>
+            </a:r>
+            <a:endParaRPr sz="1400" b="0" kern="0" dirty="0">
+              <a:solidFill>
+                <a:sysClr val="windowText" lastClr="000000"/>
+              </a:solidFill>
+              <a:latin typeface="Courier New"/>
+              <a:cs typeface="Courier New"/>
+            </a:endParaRPr>
+          </a:p>
+          <a:p>
+            <a:pPr marL="511175" indent="-377825" eaLnBrk="1" fontAlgn="auto" hangingPunct="1">
+              <a:spcBef>
+                <a:spcPts val="90"/>
+              </a:spcBef>
+              <a:spcAft>
+                <a:spcPts val="0"/>
+              </a:spcAft>
+              <a:buSzPct val="90476"/>
+              <a:buFont typeface="Arial MT"/>
+              <a:buAutoNum type="arabicPlain" startAt="3"/>
+              <a:tabLst>
+                <a:tab pos="511175" algn="l"/>
+              </a:tabLst>
+            </a:pPr>
+            <a:r>
+              <a:rPr sz="1400" b="0" i="1" kern="0" dirty="0">
+                <a:solidFill>
+                  <a:sysClr val="windowText" lastClr="000000"/>
+                </a:solidFill>
+                <a:latin typeface="Courier New"/>
+                <a:cs typeface="Courier New"/>
+              </a:rPr>
+              <a:t>// critical section requiring L1 and L2 </a:t>
+            </a:r>
+            <a:r>
+              <a:rPr sz="1400" b="0" i="1" kern="0" spc="-10" dirty="0">
+                <a:solidFill>
+                  <a:sysClr val="windowText" lastClr="000000"/>
+                </a:solidFill>
+                <a:latin typeface="Courier New"/>
+                <a:cs typeface="Courier New"/>
+              </a:rPr>
+              <a:t>locked.</a:t>
+            </a:r>
+            <a:endParaRPr sz="1400" b="0" kern="0" dirty="0">
+              <a:solidFill>
+                <a:sysClr val="windowText" lastClr="000000"/>
+              </a:solidFill>
+              <a:latin typeface="Courier New"/>
+              <a:cs typeface="Courier New"/>
+            </a:endParaRPr>
+          </a:p>
+          <a:p>
+            <a:pPr marL="531495" indent="-398145" eaLnBrk="1" fontAlgn="auto" hangingPunct="1">
+              <a:spcBef>
+                <a:spcPts val="95"/>
+              </a:spcBef>
+              <a:spcAft>
+                <a:spcPts val="0"/>
+              </a:spcAft>
+              <a:buSzPct val="90476"/>
+              <a:buFont typeface="Arial MT"/>
+              <a:buAutoNum type="arabicPlain" startAt="3"/>
+              <a:tabLst>
+                <a:tab pos="531495" algn="l"/>
+              </a:tabLst>
+            </a:pPr>
+            <a:r>
+              <a:rPr lang="en-GB" sz="1400" b="0" kern="0" spc="-10" dirty="0">
+                <a:solidFill>
+                  <a:sysClr val="windowText" lastClr="000000"/>
+                </a:solidFill>
+                <a:latin typeface="Courier New"/>
+                <a:cs typeface="Courier New"/>
+              </a:rPr>
+              <a:t>L2.post()</a:t>
+            </a:r>
+            <a:r>
+              <a:rPr sz="1400" b="0" kern="0" spc="-10" dirty="0">
+                <a:solidFill>
+                  <a:sysClr val="windowText" lastClr="000000"/>
+                </a:solidFill>
+                <a:latin typeface="Courier New"/>
+                <a:cs typeface="Courier New"/>
+              </a:rPr>
+              <a:t>;</a:t>
+            </a:r>
+            <a:endParaRPr sz="1400" b="0" kern="0" dirty="0">
+              <a:solidFill>
+                <a:sysClr val="windowText" lastClr="000000"/>
+              </a:solidFill>
+              <a:latin typeface="Courier New"/>
+              <a:cs typeface="Courier New"/>
+            </a:endParaRPr>
+          </a:p>
+          <a:p>
+            <a:pPr marL="531495" indent="-398145" eaLnBrk="1" fontAlgn="auto" hangingPunct="1">
+              <a:spcBef>
+                <a:spcPts val="95"/>
+              </a:spcBef>
+              <a:spcAft>
+                <a:spcPts val="0"/>
+              </a:spcAft>
+              <a:buSzPct val="90476"/>
+              <a:buFont typeface="Arial MT"/>
+              <a:buAutoNum type="arabicPlain" startAt="3"/>
+              <a:tabLst>
+                <a:tab pos="531495" algn="l"/>
+              </a:tabLst>
+            </a:pPr>
+            <a:r>
+              <a:rPr lang="en-GB" sz="1400" b="0" kern="0" spc="-10" dirty="0">
+                <a:solidFill>
+                  <a:sysClr val="windowText" lastClr="000000"/>
+                </a:solidFill>
+                <a:latin typeface="Courier New"/>
+                <a:cs typeface="Courier New"/>
+              </a:rPr>
+              <a:t>L1.post()</a:t>
+            </a:r>
+            <a:r>
+              <a:rPr sz="1400" b="0" kern="0" spc="-10" dirty="0">
+                <a:solidFill>
+                  <a:sysClr val="windowText" lastClr="000000"/>
+                </a:solidFill>
+                <a:latin typeface="Courier New"/>
+                <a:cs typeface="Courier New"/>
+              </a:rPr>
+              <a:t>;</a:t>
+            </a:r>
+            <a:endParaRPr sz="1400" b="0" kern="0" dirty="0">
+              <a:solidFill>
+                <a:sysClr val="windowText" lastClr="000000"/>
+              </a:solidFill>
+              <a:latin typeface="Courier New"/>
+              <a:cs typeface="Courier New"/>
+            </a:endParaRPr>
+          </a:p>
+          <a:p>
+            <a:pPr marL="133350" eaLnBrk="1" fontAlgn="auto" hangingPunct="1">
+              <a:spcBef>
+                <a:spcPts val="290"/>
+              </a:spcBef>
+              <a:spcAft>
+                <a:spcPts val="0"/>
+              </a:spcAft>
+            </a:pPr>
+            <a:r>
+              <a:rPr sz="1200" b="0" kern="0" spc="-50" dirty="0">
+                <a:solidFill>
+                  <a:sysClr val="windowText" lastClr="000000"/>
+                </a:solidFill>
+                <a:latin typeface="Arial MT"/>
+                <a:cs typeface="Arial MT"/>
+              </a:rPr>
+              <a:t>9</a:t>
+            </a:r>
+            <a:endParaRPr sz="1200" b="0" kern="0" dirty="0">
+              <a:solidFill>
+                <a:sysClr val="windowText" lastClr="000000"/>
+              </a:solidFill>
+              <a:latin typeface="Arial MT"/>
+              <a:cs typeface="Arial MT"/>
+            </a:endParaRPr>
+          </a:p>
+          <a:p>
+            <a:pPr marL="511175" indent="-511175" eaLnBrk="1" fontAlgn="auto" hangingPunct="1">
+              <a:spcBef>
+                <a:spcPts val="135"/>
+              </a:spcBef>
+              <a:spcAft>
+                <a:spcPts val="0"/>
+              </a:spcAft>
+              <a:buSzPct val="90476"/>
+              <a:buFont typeface="Arial MT"/>
+              <a:buAutoNum type="arabicPlain" startAt="10"/>
+              <a:tabLst>
+                <a:tab pos="511175" algn="l"/>
+              </a:tabLst>
+            </a:pPr>
+            <a:r>
+              <a:rPr sz="1400" b="0" i="1" kern="0" dirty="0">
+                <a:solidFill>
+                  <a:sysClr val="windowText" lastClr="000000"/>
+                </a:solidFill>
+                <a:latin typeface="Courier New"/>
+                <a:cs typeface="Courier New"/>
+              </a:rPr>
+              <a:t>// Thread </a:t>
+            </a:r>
+            <a:r>
+              <a:rPr sz="1400" b="0" i="1" kern="0" spc="-25" dirty="0">
+                <a:solidFill>
+                  <a:sysClr val="windowText" lastClr="000000"/>
+                </a:solidFill>
+                <a:latin typeface="Courier New"/>
+                <a:cs typeface="Courier New"/>
+              </a:rPr>
+              <a:t>2:</a:t>
+            </a:r>
+            <a:endParaRPr sz="1400" b="0" kern="0" dirty="0">
+              <a:solidFill>
+                <a:sysClr val="windowText" lastClr="000000"/>
+              </a:solidFill>
+              <a:latin typeface="Courier New"/>
+              <a:cs typeface="Courier New"/>
+            </a:endParaRPr>
+          </a:p>
+          <a:p>
+            <a:pPr marL="530225" indent="-530225" eaLnBrk="1" fontAlgn="auto" hangingPunct="1">
+              <a:spcBef>
+                <a:spcPts val="95"/>
+              </a:spcBef>
+              <a:spcAft>
+                <a:spcPts val="0"/>
+              </a:spcAft>
+              <a:buSzPct val="90476"/>
+              <a:buFont typeface="Arial MT"/>
+              <a:buAutoNum type="arabicPlain" startAt="10"/>
+              <a:tabLst>
+                <a:tab pos="530225" algn="l"/>
+              </a:tabLst>
+            </a:pPr>
+            <a:r>
+              <a:rPr lang="en-GB" sz="1400" b="0" kern="0" spc="-10" dirty="0">
+                <a:solidFill>
+                  <a:sysClr val="windowText" lastClr="000000"/>
+                </a:solidFill>
+                <a:latin typeface="Courier New"/>
+                <a:cs typeface="Courier New"/>
+              </a:rPr>
+              <a:t>L3.wait()</a:t>
+            </a:r>
+            <a:r>
+              <a:rPr sz="1400" b="0" kern="0" spc="-10" dirty="0">
+                <a:solidFill>
+                  <a:sysClr val="windowText" lastClr="000000"/>
+                </a:solidFill>
+                <a:latin typeface="Courier New"/>
+                <a:cs typeface="Courier New"/>
+              </a:rPr>
+              <a:t>;</a:t>
+            </a:r>
+            <a:endParaRPr sz="1400" b="0" kern="0" dirty="0">
+              <a:solidFill>
+                <a:sysClr val="windowText" lastClr="000000"/>
+              </a:solidFill>
+              <a:latin typeface="Courier New"/>
+              <a:cs typeface="Courier New"/>
+            </a:endParaRPr>
+          </a:p>
+          <a:p>
+            <a:pPr marL="530225" indent="-530225" eaLnBrk="1" fontAlgn="auto" hangingPunct="1">
+              <a:spcBef>
+                <a:spcPts val="90"/>
+              </a:spcBef>
+              <a:spcAft>
+                <a:spcPts val="0"/>
+              </a:spcAft>
+              <a:buSzPct val="90476"/>
+              <a:buFont typeface="Arial MT"/>
+              <a:buAutoNum type="arabicPlain" startAt="10"/>
+              <a:tabLst>
+                <a:tab pos="530225" algn="l"/>
+              </a:tabLst>
+            </a:pPr>
+            <a:r>
+              <a:rPr lang="en-GB" sz="1400" b="0" kern="0" spc="-10" dirty="0">
+                <a:solidFill>
+                  <a:sysClr val="windowText" lastClr="000000"/>
+                </a:solidFill>
+                <a:latin typeface="Courier New"/>
+                <a:cs typeface="Courier New"/>
+              </a:rPr>
+              <a:t>L1.wait()</a:t>
+            </a:r>
+            <a:r>
+              <a:rPr sz="1400" b="0" kern="0" spc="-10" dirty="0">
+                <a:solidFill>
+                  <a:sysClr val="windowText" lastClr="000000"/>
+                </a:solidFill>
+                <a:latin typeface="Courier New"/>
+                <a:cs typeface="Courier New"/>
+              </a:rPr>
+              <a:t>;</a:t>
+            </a:r>
+            <a:endParaRPr sz="1400" b="0" kern="0" dirty="0">
+              <a:solidFill>
+                <a:sysClr val="windowText" lastClr="000000"/>
+              </a:solidFill>
+              <a:latin typeface="Courier New"/>
+              <a:cs typeface="Courier New"/>
+            </a:endParaRPr>
+          </a:p>
+          <a:p>
+            <a:pPr marL="511175" indent="-511175" eaLnBrk="1" fontAlgn="auto" hangingPunct="1">
+              <a:spcBef>
+                <a:spcPts val="95"/>
+              </a:spcBef>
+              <a:spcAft>
+                <a:spcPts val="0"/>
+              </a:spcAft>
+              <a:buSzPct val="90476"/>
+              <a:buFont typeface="Arial MT"/>
+              <a:buAutoNum type="arabicPlain" startAt="10"/>
+              <a:tabLst>
+                <a:tab pos="511175" algn="l"/>
+              </a:tabLst>
+            </a:pPr>
+            <a:r>
+              <a:rPr sz="1400" b="0" i="1" kern="0" dirty="0">
+                <a:solidFill>
+                  <a:sysClr val="windowText" lastClr="000000"/>
+                </a:solidFill>
+                <a:latin typeface="Courier New"/>
+                <a:cs typeface="Courier New"/>
+              </a:rPr>
+              <a:t>// critical section requiring L3 and L1 </a:t>
+            </a:r>
+            <a:r>
+              <a:rPr sz="1400" b="0" i="1" kern="0" spc="-10" dirty="0">
+                <a:solidFill>
+                  <a:sysClr val="windowText" lastClr="000000"/>
+                </a:solidFill>
+                <a:latin typeface="Courier New"/>
+                <a:cs typeface="Courier New"/>
+              </a:rPr>
+              <a:t>locked.</a:t>
+            </a:r>
+            <a:endParaRPr sz="1400" b="0" kern="0" dirty="0">
+              <a:solidFill>
+                <a:sysClr val="windowText" lastClr="000000"/>
+              </a:solidFill>
+              <a:latin typeface="Courier New"/>
+              <a:cs typeface="Courier New"/>
+            </a:endParaRPr>
+          </a:p>
+          <a:p>
+            <a:pPr marL="531495" indent="-531495" eaLnBrk="1" fontAlgn="auto" hangingPunct="1">
+              <a:spcBef>
+                <a:spcPts val="95"/>
+              </a:spcBef>
+              <a:spcAft>
+                <a:spcPts val="0"/>
+              </a:spcAft>
+              <a:buSzPct val="90476"/>
+              <a:buFont typeface="Arial MT"/>
+              <a:buAutoNum type="arabicPlain" startAt="10"/>
+              <a:tabLst>
+                <a:tab pos="531495" algn="l"/>
+              </a:tabLst>
+            </a:pPr>
+            <a:r>
+              <a:rPr lang="en-GB" sz="1400" b="0" kern="0" spc="-10" dirty="0">
+                <a:solidFill>
+                  <a:sysClr val="windowText" lastClr="000000"/>
+                </a:solidFill>
+                <a:latin typeface="Courier New"/>
+                <a:cs typeface="Courier New"/>
+              </a:rPr>
+              <a:t>L1.post()</a:t>
+            </a:r>
+            <a:r>
+              <a:rPr sz="1400" b="0" kern="0" spc="-10" dirty="0">
+                <a:solidFill>
+                  <a:sysClr val="windowText" lastClr="000000"/>
+                </a:solidFill>
+                <a:latin typeface="Courier New"/>
+                <a:cs typeface="Courier New"/>
+              </a:rPr>
+              <a:t>;</a:t>
+            </a:r>
+            <a:endParaRPr sz="1400" b="0" kern="0" dirty="0">
+              <a:solidFill>
+                <a:sysClr val="windowText" lastClr="000000"/>
+              </a:solidFill>
+              <a:latin typeface="Courier New"/>
+              <a:cs typeface="Courier New"/>
+            </a:endParaRPr>
+          </a:p>
+          <a:p>
+            <a:pPr marL="531495" indent="-531495" eaLnBrk="1" fontAlgn="auto" hangingPunct="1">
+              <a:spcBef>
+                <a:spcPts val="90"/>
+              </a:spcBef>
+              <a:spcAft>
+                <a:spcPts val="0"/>
+              </a:spcAft>
+              <a:buSzPct val="90476"/>
+              <a:buFont typeface="Arial MT"/>
+              <a:buAutoNum type="arabicPlain" startAt="10"/>
+              <a:tabLst>
+                <a:tab pos="531495" algn="l"/>
+              </a:tabLst>
+            </a:pPr>
+            <a:r>
+              <a:rPr lang="en-GB" sz="1400" b="0" kern="0" spc="-10" dirty="0">
+                <a:solidFill>
+                  <a:sysClr val="windowText" lastClr="000000"/>
+                </a:solidFill>
+                <a:latin typeface="Courier New"/>
+                <a:cs typeface="Courier New"/>
+              </a:rPr>
+              <a:t>L3.post()</a:t>
+            </a:r>
+            <a:r>
+              <a:rPr sz="1400" b="0" kern="0" spc="-10" dirty="0">
+                <a:solidFill>
+                  <a:sysClr val="windowText" lastClr="000000"/>
+                </a:solidFill>
+                <a:latin typeface="Courier New"/>
+                <a:cs typeface="Courier New"/>
+              </a:rPr>
+              <a:t>;</a:t>
+            </a:r>
+            <a:endParaRPr sz="1400" b="0" kern="0" dirty="0">
+              <a:solidFill>
+                <a:sysClr val="windowText" lastClr="000000"/>
+              </a:solidFill>
+              <a:latin typeface="Courier New"/>
+              <a:cs typeface="Courier New"/>
+            </a:endParaRPr>
+          </a:p>
+          <a:p>
+            <a:pPr eaLnBrk="1" fontAlgn="auto" hangingPunct="1">
+              <a:spcBef>
+                <a:spcPts val="295"/>
+              </a:spcBef>
+              <a:spcAft>
+                <a:spcPts val="0"/>
+              </a:spcAft>
+            </a:pPr>
+            <a:r>
+              <a:rPr sz="1200" b="0" kern="0" spc="-25" dirty="0">
+                <a:solidFill>
+                  <a:sysClr val="windowText" lastClr="000000"/>
+                </a:solidFill>
+                <a:latin typeface="Arial MT"/>
+                <a:cs typeface="Arial MT"/>
+              </a:rPr>
+              <a:t>16</a:t>
+            </a:r>
+            <a:endParaRPr sz="1200" b="0" kern="0" dirty="0">
+              <a:solidFill>
+                <a:sysClr val="windowText" lastClr="000000"/>
+              </a:solidFill>
+              <a:latin typeface="Arial MT"/>
+              <a:cs typeface="Arial MT"/>
+            </a:endParaRPr>
+          </a:p>
+          <a:p>
+            <a:pPr marL="511175" indent="-511175" eaLnBrk="1" fontAlgn="auto" hangingPunct="1">
+              <a:spcBef>
+                <a:spcPts val="135"/>
+              </a:spcBef>
+              <a:spcAft>
+                <a:spcPts val="0"/>
+              </a:spcAft>
+              <a:buSzPct val="90476"/>
+              <a:buFont typeface="Arial MT"/>
+              <a:buAutoNum type="arabicPlain" startAt="17"/>
+              <a:tabLst>
+                <a:tab pos="511175" algn="l"/>
+              </a:tabLst>
+            </a:pPr>
+            <a:r>
+              <a:rPr sz="1400" b="0" i="1" kern="0" dirty="0">
+                <a:solidFill>
+                  <a:sysClr val="windowText" lastClr="000000"/>
+                </a:solidFill>
+                <a:latin typeface="Courier New"/>
+                <a:cs typeface="Courier New"/>
+              </a:rPr>
+              <a:t>// Thread </a:t>
+            </a:r>
+            <a:r>
+              <a:rPr sz="1400" b="0" i="1" kern="0" spc="-25" dirty="0">
+                <a:solidFill>
+                  <a:sysClr val="windowText" lastClr="000000"/>
+                </a:solidFill>
+                <a:latin typeface="Courier New"/>
+                <a:cs typeface="Courier New"/>
+              </a:rPr>
+              <a:t>3:</a:t>
+            </a:r>
+            <a:endParaRPr sz="1400" b="0" kern="0" dirty="0">
+              <a:solidFill>
+                <a:sysClr val="windowText" lastClr="000000"/>
+              </a:solidFill>
+              <a:latin typeface="Courier New"/>
+              <a:cs typeface="Courier New"/>
+            </a:endParaRPr>
+          </a:p>
+          <a:p>
+            <a:pPr marL="530225" indent="-530225" eaLnBrk="1" fontAlgn="auto" hangingPunct="1">
+              <a:spcBef>
+                <a:spcPts val="90"/>
+              </a:spcBef>
+              <a:spcAft>
+                <a:spcPts val="0"/>
+              </a:spcAft>
+              <a:buSzPct val="90476"/>
+              <a:buFont typeface="Arial MT"/>
+              <a:buAutoNum type="arabicPlain" startAt="17"/>
+              <a:tabLst>
+                <a:tab pos="530225" algn="l"/>
+              </a:tabLst>
+            </a:pPr>
+            <a:r>
+              <a:rPr lang="en-GB" sz="1400" b="0" kern="0" spc="-10" dirty="0">
+                <a:solidFill>
+                  <a:sysClr val="windowText" lastClr="000000"/>
+                </a:solidFill>
+                <a:latin typeface="Courier New"/>
+                <a:cs typeface="Courier New"/>
+              </a:rPr>
+              <a:t>L2.wait()</a:t>
+            </a:r>
+            <a:r>
+              <a:rPr sz="1400" b="0" kern="0" spc="-10" dirty="0">
+                <a:solidFill>
+                  <a:sysClr val="windowText" lastClr="000000"/>
+                </a:solidFill>
+                <a:latin typeface="Courier New"/>
+                <a:cs typeface="Courier New"/>
+              </a:rPr>
+              <a:t>;</a:t>
+            </a:r>
+            <a:endParaRPr sz="1400" b="0" kern="0" dirty="0">
+              <a:solidFill>
+                <a:sysClr val="windowText" lastClr="000000"/>
+              </a:solidFill>
+              <a:latin typeface="Courier New"/>
+              <a:cs typeface="Courier New"/>
+            </a:endParaRPr>
+          </a:p>
+          <a:p>
+            <a:pPr marL="530225" indent="-530225" eaLnBrk="1" fontAlgn="auto" hangingPunct="1">
+              <a:spcBef>
+                <a:spcPts val="95"/>
+              </a:spcBef>
+              <a:spcAft>
+                <a:spcPts val="0"/>
+              </a:spcAft>
+              <a:buSzPct val="90476"/>
+              <a:buFont typeface="Arial MT"/>
+              <a:buAutoNum type="arabicPlain" startAt="17"/>
+              <a:tabLst>
+                <a:tab pos="530225" algn="l"/>
+              </a:tabLst>
+            </a:pPr>
+            <a:r>
+              <a:rPr lang="en-GB" sz="1400" b="0" kern="0" spc="-10" dirty="0">
+                <a:solidFill>
+                  <a:sysClr val="windowText" lastClr="000000"/>
+                </a:solidFill>
+                <a:latin typeface="Courier New"/>
+                <a:cs typeface="Courier New"/>
+              </a:rPr>
+              <a:t>L3.wait()</a:t>
+            </a:r>
+            <a:r>
+              <a:rPr sz="1400" b="0" kern="0" spc="-10" dirty="0">
+                <a:solidFill>
+                  <a:sysClr val="windowText" lastClr="000000"/>
+                </a:solidFill>
+                <a:latin typeface="Courier New"/>
+                <a:cs typeface="Courier New"/>
+              </a:rPr>
+              <a:t>;</a:t>
+            </a:r>
+            <a:endParaRPr sz="1400" b="0" kern="0" dirty="0">
+              <a:solidFill>
+                <a:sysClr val="windowText" lastClr="000000"/>
+              </a:solidFill>
+              <a:latin typeface="Courier New"/>
+              <a:cs typeface="Courier New"/>
+            </a:endParaRPr>
+          </a:p>
+          <a:p>
+            <a:pPr marL="511175" indent="-511175" eaLnBrk="1" fontAlgn="auto" hangingPunct="1">
+              <a:spcBef>
+                <a:spcPts val="95"/>
+              </a:spcBef>
+              <a:spcAft>
+                <a:spcPts val="0"/>
+              </a:spcAft>
+              <a:buSzPct val="90476"/>
+              <a:buFont typeface="Arial MT"/>
+              <a:buAutoNum type="arabicPlain" startAt="17"/>
+              <a:tabLst>
+                <a:tab pos="511175" algn="l"/>
+              </a:tabLst>
+            </a:pPr>
+            <a:r>
+              <a:rPr sz="1400" b="0" i="1" kern="0" dirty="0">
+                <a:solidFill>
+                  <a:sysClr val="windowText" lastClr="000000"/>
+                </a:solidFill>
+                <a:latin typeface="Courier New"/>
+                <a:cs typeface="Courier New"/>
+              </a:rPr>
+              <a:t>// critical section requiring L2 and L3 </a:t>
+            </a:r>
+            <a:r>
+              <a:rPr sz="1400" b="0" i="1" kern="0" spc="-10" dirty="0">
+                <a:solidFill>
+                  <a:sysClr val="windowText" lastClr="000000"/>
+                </a:solidFill>
+                <a:latin typeface="Courier New"/>
+                <a:cs typeface="Courier New"/>
+              </a:rPr>
+              <a:t>locked.</a:t>
+            </a:r>
+            <a:endParaRPr sz="1400" b="0" kern="0" dirty="0">
+              <a:solidFill>
+                <a:sysClr val="windowText" lastClr="000000"/>
+              </a:solidFill>
+              <a:latin typeface="Courier New"/>
+              <a:cs typeface="Courier New"/>
+            </a:endParaRPr>
+          </a:p>
+          <a:p>
+            <a:pPr marL="531495" indent="-531495" eaLnBrk="1" fontAlgn="auto" hangingPunct="1">
+              <a:spcBef>
+                <a:spcPts val="95"/>
+              </a:spcBef>
+              <a:spcAft>
+                <a:spcPts val="0"/>
+              </a:spcAft>
+              <a:buSzPct val="90476"/>
+              <a:buFont typeface="Arial MT"/>
+              <a:buAutoNum type="arabicPlain" startAt="17"/>
+              <a:tabLst>
+                <a:tab pos="531495" algn="l"/>
+              </a:tabLst>
+            </a:pPr>
+            <a:r>
+              <a:rPr lang="en-GB" sz="1400" b="0" kern="0" spc="-10" dirty="0">
+                <a:solidFill>
+                  <a:sysClr val="windowText" lastClr="000000"/>
+                </a:solidFill>
+                <a:latin typeface="Courier New"/>
+                <a:cs typeface="Courier New"/>
+              </a:rPr>
+              <a:t>L3.post()</a:t>
+            </a:r>
+            <a:r>
+              <a:rPr sz="1400" b="0" kern="0" spc="-10" dirty="0">
+                <a:solidFill>
+                  <a:sysClr val="windowText" lastClr="000000"/>
+                </a:solidFill>
+                <a:latin typeface="Courier New"/>
+                <a:cs typeface="Courier New"/>
+              </a:rPr>
+              <a:t>;</a:t>
+            </a:r>
+            <a:endParaRPr sz="1400" b="0" kern="0" dirty="0">
+              <a:solidFill>
+                <a:sysClr val="windowText" lastClr="000000"/>
+              </a:solidFill>
+              <a:latin typeface="Courier New"/>
+              <a:cs typeface="Courier New"/>
+            </a:endParaRPr>
+          </a:p>
+          <a:p>
+            <a:pPr marL="531495" indent="-531495" eaLnBrk="1" fontAlgn="auto" hangingPunct="1">
+              <a:spcBef>
+                <a:spcPts val="90"/>
+              </a:spcBef>
+              <a:spcAft>
+                <a:spcPts val="0"/>
+              </a:spcAft>
+              <a:buSzPct val="90476"/>
+              <a:buFont typeface="Arial MT"/>
+              <a:buAutoNum type="arabicPlain" startAt="17"/>
+              <a:tabLst>
+                <a:tab pos="531495" algn="l"/>
+              </a:tabLst>
+            </a:pPr>
+            <a:r>
+              <a:rPr lang="en-GB" sz="1400" b="0" kern="0" spc="-10" dirty="0">
+                <a:solidFill>
+                  <a:sysClr val="windowText" lastClr="000000"/>
+                </a:solidFill>
+                <a:latin typeface="Courier New"/>
+                <a:cs typeface="Courier New"/>
+              </a:rPr>
+              <a:t>L2.post()</a:t>
+            </a:r>
+            <a:r>
+              <a:rPr sz="1400" b="0" kern="0" spc="-10" dirty="0">
+                <a:solidFill>
+                  <a:sysClr val="windowText" lastClr="000000"/>
+                </a:solidFill>
+                <a:latin typeface="Courier New"/>
+                <a:cs typeface="Courier New"/>
+              </a:rPr>
+              <a:t>;</a:t>
+            </a:r>
+            <a:endParaRPr sz="1400" b="0" kern="0" dirty="0">
+              <a:solidFill>
+                <a:sysClr val="windowText" lastClr="000000"/>
+              </a:solidFill>
+              <a:latin typeface="Courier New"/>
+              <a:cs typeface="Courier New"/>
+            </a:endParaRPr>
+          </a:p>
+        </p:txBody>
+      </p:sp>
+      <p:sp>
+        <p:nvSpPr>
+          <p:cNvPr id="6" name="object 10">
+            <a:extLst>
+              <a:ext uri="{FF2B5EF4-FFF2-40B4-BE49-F238E27FC236}">
+                <a16:creationId xmlns:a16="http://schemas.microsoft.com/office/drawing/2014/main" id="{B7867E32-F4AD-9B90-BF25-CCA021803154}"/>
+              </a:ext>
+            </a:extLst>
+          </p:cNvPr>
+          <p:cNvSpPr/>
+          <p:nvPr/>
+        </p:nvSpPr>
+        <p:spPr>
+          <a:xfrm>
+            <a:off x="6350001" y="829563"/>
+            <a:ext cx="5715000" cy="5190237"/>
+          </a:xfrm>
+          <a:custGeom>
+            <a:avLst/>
+            <a:gdLst/>
+            <a:ahLst/>
+            <a:cxnLst/>
+            <a:rect l="l" t="t" r="r" b="b"/>
+            <a:pathLst>
+              <a:path w="8177530" h="7403465">
+                <a:moveTo>
+                  <a:pt x="0" y="0"/>
+                </a:moveTo>
+                <a:lnTo>
+                  <a:pt x="8177267" y="0"/>
+                </a:lnTo>
+                <a:lnTo>
+                  <a:pt x="8177267" y="7402992"/>
+                </a:lnTo>
+                <a:lnTo>
+                  <a:pt x="0" y="7402992"/>
+                </a:lnTo>
+                <a:lnTo>
+                  <a:pt x="0" y="0"/>
+                </a:lnTo>
+                <a:close/>
+              </a:path>
+            </a:pathLst>
+          </a:custGeom>
+          <a:ln w="10470">
+            <a:solidFill>
+              <a:srgbClr val="000000"/>
+            </a:solidFill>
+          </a:ln>
+        </p:spPr>
+        <p:txBody>
+          <a:bodyPr wrap="square" lIns="0" tIns="0" rIns="0" bIns="0" rtlCol="0"/>
+          <a:lstStyle/>
+          <a:p>
+            <a:pPr marL="0" marR="0" lvl="0" indent="0" defTabSz="914400" eaLnBrk="1" fontAlgn="auto" latinLnBrk="0" hangingPunct="1">
+              <a:lnSpc>
+                <a:spcPct val="100000"/>
+              </a:lnSpc>
+              <a:spcBef>
+                <a:spcPts val="0"/>
+              </a:spcBef>
+              <a:spcAft>
+                <a:spcPts val="0"/>
+              </a:spcAft>
+              <a:buClrTx/>
+              <a:buSzTx/>
+              <a:buFontTx/>
+              <a:buNone/>
+              <a:tabLst/>
+              <a:defRPr/>
+            </a:pPr>
+            <a:endParaRPr kumimoji="0" sz="1100" b="0" i="0" u="none" strike="noStrike" kern="0" cap="none" spc="0" normalizeH="0" baseline="0" noProof="0">
+              <a:ln>
+                <a:noFill/>
+              </a:ln>
+              <a:solidFill>
+                <a:sysClr val="windowText" lastClr="000000"/>
+              </a:solidFill>
+              <a:effectLst/>
+              <a:uLnTx/>
+              <a:uFillTx/>
+            </a:endParaRPr>
+          </a:p>
+        </p:txBody>
+      </p:sp>
+    </p:spTree>
+    <p:extLst>
+      <p:ext uri="{BB962C8B-B14F-4D97-AF65-F5344CB8AC3E}">
+        <p14:creationId xmlns:p14="http://schemas.microsoft.com/office/powerpoint/2010/main" val="4222259293"/>
+      </p:ext>
+    </p:extLst>
+  </p:cSld>
+  <p:clrMapOvr>
+    <a:masterClrMapping/>
+  </p:clrMapOvr>
+  <p:transition/>
+</p:sld>
+</file>
+
+<file path=ppt/slides/slide2.xml><?xml version="1.0" encoding="utf-8"?>
+<p:sld xmlns:a="http://schemas.openxmlformats.org/drawingml/2006/main" xmlns:r="http://schemas.openxmlformats.org/officeDocument/2006/relationships" xmlns:p="http://schemas.openxmlformats.org/presentationml/2006/main">
+  <p:cSld>
+    <p:spTree>
+      <p:nvGrpSpPr>
+        <p:cNvPr id="1" name=""/>
+        <p:cNvGrpSpPr/>
+        <p:nvPr/>
+      </p:nvGrpSpPr>
+      <p:grpSpPr>
+        <a:xfrm>
+          <a:off x="0" y="0"/>
+          <a:ext cx="0" cy="0"/>
+          <a:chOff x="0" y="0"/>
+          <a:chExt cx="0" cy="0"/>
+        </a:xfrm>
+      </p:grpSpPr>
+      <p:sp>
+        <p:nvSpPr>
+          <p:cNvPr id="2" name="Title 1">
+            <a:extLst>
+              <a:ext uri="{FF2B5EF4-FFF2-40B4-BE49-F238E27FC236}">
+                <a16:creationId xmlns:a16="http://schemas.microsoft.com/office/drawing/2014/main" id="{83D67176-6D53-DD91-2D8E-422B727B2EE4}"/>
+              </a:ext>
+            </a:extLst>
+          </p:cNvPr>
+          <p:cNvSpPr>
+            <a:spLocks noGrp="1"/>
+          </p:cNvSpPr>
+          <p:nvPr>
+            <p:ph type="title"/>
+          </p:nvPr>
+        </p:nvSpPr>
+        <p:spPr/>
+        <p:txBody>
+          <a:bodyPr/>
+          <a:lstStyle/>
+          <a:p>
+            <a:r>
+              <a:rPr lang="en-GB" dirty="0"/>
+              <a:t>Multi-Armed Lawyers</a:t>
+            </a:r>
+            <a:endParaRPr lang="en-SE" dirty="0"/>
+          </a:p>
+        </p:txBody>
+      </p:sp>
+      <p:sp>
+        <p:nvSpPr>
+          <p:cNvPr id="3" name="Content Placeholder 2">
+            <a:extLst>
+              <a:ext uri="{FF2B5EF4-FFF2-40B4-BE49-F238E27FC236}">
+                <a16:creationId xmlns:a16="http://schemas.microsoft.com/office/drawing/2014/main" id="{5D24D6A1-3E13-A94F-063A-2C32586CB08A}"/>
+              </a:ext>
+            </a:extLst>
+          </p:cNvPr>
+          <p:cNvSpPr>
+            <a:spLocks noGrp="1"/>
+          </p:cNvSpPr>
+          <p:nvPr>
+            <p:ph idx="1"/>
+          </p:nvPr>
+        </p:nvSpPr>
+        <p:spPr>
+          <a:xfrm>
+            <a:off x="812800" y="914400"/>
+            <a:ext cx="10566400" cy="5562600"/>
+          </a:xfrm>
+        </p:spPr>
+        <p:txBody>
+          <a:bodyPr>
+            <a:normAutofit/>
+          </a:bodyPr>
+          <a:lstStyle/>
+          <a:p>
+            <a:r>
+              <a:rPr lang="en-GB" dirty="0"/>
+              <a:t>Consider a large table with identical multi-armed alien lawyers. There is a pile of chopsticks at the </a:t>
+            </a:r>
+            <a:r>
+              <a:rPr lang="en-GB" dirty="0" err="1"/>
+              <a:t>center</a:t>
+            </a:r>
+            <a:r>
+              <a:rPr lang="en-GB" dirty="0"/>
+              <a:t> of the table. In order to eat, a lawyer must have one chopstick in each hand. Assume total number of chopsticks &gt;= number of hands of each lawyer, so at least one lawyer can eat.</a:t>
+            </a:r>
+          </a:p>
+          <a:p>
+            <a:r>
+              <a:rPr lang="en-GB" dirty="0"/>
+              <a:t>It is not a generalization of the 2-armed Dining Philosophers problem. Since the chopsticks are in a pile at </a:t>
+            </a:r>
+            <a:r>
+              <a:rPr lang="en-GB" dirty="0" err="1"/>
+              <a:t>center</a:t>
+            </a:r>
+            <a:r>
+              <a:rPr lang="en-GB" dirty="0"/>
+              <a:t> of the table, we should model them as a single resource with multiple instances, instead of multiple resources for the Dining Philosophers, where each fork (chopstick) has a fixed position in-between two philosophers. Hence the R and C matrices have a single column.</a:t>
+            </a:r>
+          </a:p>
+        </p:txBody>
+      </p:sp>
+      <p:sp>
+        <p:nvSpPr>
+          <p:cNvPr id="4" name="Rectangle 3">
+            <a:extLst>
+              <a:ext uri="{FF2B5EF4-FFF2-40B4-BE49-F238E27FC236}">
+                <a16:creationId xmlns:a16="http://schemas.microsoft.com/office/drawing/2014/main" id="{358E381C-BBBB-E844-A692-437444C89492}"/>
+              </a:ext>
+            </a:extLst>
+          </p:cNvPr>
+          <p:cNvSpPr/>
+          <p:nvPr/>
+        </p:nvSpPr>
+        <p:spPr bwMode="auto">
+          <a:xfrm>
+            <a:off x="4267200" y="6477000"/>
+            <a:ext cx="4419600" cy="304801"/>
+          </a:xfrm>
+          <a:prstGeom prst="rect">
+            <a:avLst/>
+          </a:prstGeom>
+          <a:solidFill>
+            <a:schemeClr val="bg1"/>
+          </a:solidFill>
+          <a:ln w="12700" cap="flat" cmpd="sng" algn="ctr">
+            <a:solidFill>
+              <a:schemeClr val="tx1"/>
+            </a:solidFill>
+            <a:prstDash val="solid"/>
+            <a:round/>
+            <a:headEnd type="none" w="med" len="med"/>
+            <a:tailEnd type="none" w="med" len="med"/>
+          </a:ln>
+          <a:effectLst/>
+          <a:extLst>
+            <a:ext uri="{AF507438-7753-43e0-B8FC-AC1667EBCBE1}">
+              <a14:hiddenEffects xmlns:a14="http://schemas.microsoft.com/office/drawing/2010/main" xmlns="">
+                <a:effectLst>
+                  <a:outerShdw dist="35921" dir="2700000" algn="ctr" rotWithShape="0">
+                    <a:schemeClr val="bg2"/>
+                  </a:outerShdw>
+                </a:effectLst>
+              </a14:hiddenEffects>
+            </a:ext>
+          </a:extLst>
+        </p:spPr>
+        <p:txBody>
+          <a:bodyPr vert="horz" wrap="square" lIns="91440" tIns="45720" rIns="91440" bIns="45720" numCol="1" rtlCol="0" anchor="t" anchorCtr="0" compatLnSpc="1">
+            <a:prstTxWarp prst="textNoShape">
+              <a:avLst/>
+            </a:prstTxWarp>
+          </a:bodyPr>
+          <a:lstStyle/>
+          <a:p>
+            <a:r>
+              <a:rPr lang="en-GB" sz="1400" b="0" dirty="0">
+                <a:latin typeface="Gill Sans" panose="020B0502020104020203"/>
+              </a:rPr>
+              <a:t>Ack: this example is taken from UC Berkeley CS162 course.</a:t>
+            </a:r>
+            <a:endParaRPr kumimoji="0" lang="en-SE" sz="1400" b="0" i="0" u="none" strike="noStrike" cap="none" normalizeH="0" baseline="0" dirty="0">
+              <a:ln>
+                <a:noFill/>
+              </a:ln>
+              <a:solidFill>
+                <a:schemeClr val="tx1"/>
+              </a:solidFill>
+              <a:effectLst/>
+              <a:latin typeface="Gill Sans" panose="020B0502020104020203"/>
+            </a:endParaRPr>
+          </a:p>
+        </p:txBody>
+      </p:sp>
+    </p:spTree>
+    <p:extLst>
+      <p:ext uri="{BB962C8B-B14F-4D97-AF65-F5344CB8AC3E}">
+        <p14:creationId xmlns:p14="http://schemas.microsoft.com/office/powerpoint/2010/main" val="3912534557"/>
+      </p:ext>
+    </p:extLst>
+  </p:cSld>
+  <p:clrMapOvr>
+    <a:masterClrMapping/>
+  </p:clrMapOvr>
+  <p:transition/>
+</p:sld>
+</file>
+
+<file path=ppt/slides/slide3.xml><?xml version="1.0" encoding="utf-8"?>
+<p:sld xmlns:a="http://schemas.openxmlformats.org/drawingml/2006/main" xmlns:r="http://schemas.openxmlformats.org/officeDocument/2006/relationships" xmlns:p="http://schemas.openxmlformats.org/presentationml/2006/main">
+  <p:cSld>
+    <p:spTree>
+      <p:nvGrpSpPr>
+        <p:cNvPr id="1" name="">
+          <a:extLst>
+            <a:ext uri="{FF2B5EF4-FFF2-40B4-BE49-F238E27FC236}">
+              <a16:creationId xmlns:a16="http://schemas.microsoft.com/office/drawing/2014/main" id="{85CD035D-F5B9-F2C6-59A2-7DE1BCA7D592}"/>
+            </a:ext>
+          </a:extLst>
+        </p:cNvPr>
+        <p:cNvGrpSpPr/>
+        <p:nvPr/>
+      </p:nvGrpSpPr>
+      <p:grpSpPr>
+        <a:xfrm>
+          <a:off x="0" y="0"/>
+          <a:ext cx="0" cy="0"/>
+          <a:chOff x="0" y="0"/>
+          <a:chExt cx="0" cy="0"/>
+        </a:xfrm>
+      </p:grpSpPr>
+      <p:sp>
+        <p:nvSpPr>
+          <p:cNvPr id="1032" name="Rectangle 2">
+            <a:extLst>
+              <a:ext uri="{FF2B5EF4-FFF2-40B4-BE49-F238E27FC236}">
+                <a16:creationId xmlns:a16="http://schemas.microsoft.com/office/drawing/2014/main" id="{D1236058-8546-8757-C024-E7ACC5EBEB3C}"/>
+              </a:ext>
+            </a:extLst>
+          </p:cNvPr>
+          <p:cNvSpPr>
+            <a:spLocks noGrp="1" noChangeArrowheads="1"/>
+          </p:cNvSpPr>
+          <p:nvPr>
+            <p:ph type="title" sz="quarter"/>
+          </p:nvPr>
+        </p:nvSpPr>
+        <p:spPr>
+          <a:xfrm>
+            <a:off x="1981200" y="-114300"/>
+            <a:ext cx="8991600" cy="1143000"/>
+          </a:xfrm>
+        </p:spPr>
+        <p:txBody>
+          <a:bodyPr/>
+          <a:lstStyle/>
+          <a:p>
+            <a:pPr eaLnBrk="1" hangingPunct="1"/>
+            <a:r>
+              <a:rPr lang="en-US" altLang="zh-CN" dirty="0">
+                <a:ea typeface="宋体" charset="-122"/>
+              </a:rPr>
+              <a:t>Example: 5 Lawyers, each with 2 arms, 5 chopsticks</a:t>
+            </a:r>
+          </a:p>
+        </p:txBody>
+      </p:sp>
+      <mc:AlternateContent xmlns:mc="http://schemas.openxmlformats.org/markup-compatibility/2006">
+        <mc:Choice xmlns:a14="http://schemas.microsoft.com/office/drawing/2010/main" Requires="a14">
+          <p:sp>
+            <p:nvSpPr>
+              <p:cNvPr id="128006" name="Object 3">
+                <a:extLst>
+                  <a:ext uri="{FF2B5EF4-FFF2-40B4-BE49-F238E27FC236}">
+                    <a16:creationId xmlns:a16="http://schemas.microsoft.com/office/drawing/2014/main" id="{D733E9EA-4D44-2FDB-7DFB-1CCA55413039}"/>
+                  </a:ext>
+                </a:extLst>
+              </p:cNvPr>
+              <p:cNvSpPr txBox="1"/>
+              <p:nvPr/>
+            </p:nvSpPr>
+            <p:spPr bwMode="auto">
+              <a:xfrm>
+                <a:off x="2971800" y="762000"/>
+                <a:ext cx="6529387" cy="2387600"/>
+              </a:xfrm>
+              <a:prstGeom prst="rect">
+                <a:avLst/>
+              </a:prstGeom>
+              <a:noFill/>
+            </p:spPr>
+            <p:txBody>
+              <a:bodyPr>
+                <a:noAutofit/>
+              </a:bodyPr>
+              <a:lstStyle/>
+              <a:p>
+                <a:pPr/>
+                <a14:m>
+                  <m:oMathPara xmlns:m="http://schemas.openxmlformats.org/officeDocument/2006/math">
+                    <m:oMathParaPr>
+                      <m:jc m:val="left"/>
+                    </m:oMathParaPr>
+                    <m:oMath xmlns:m="http://schemas.openxmlformats.org/officeDocument/2006/math">
+                      <m:r>
+                        <m:rPr>
+                          <m:sty m:val="p"/>
+                        </m:rPr>
+                        <a:rPr lang="en-GB" sz="2400" b="0" kern="0">
+                          <a:latin typeface="Gill Sans" charset="0"/>
+                          <a:cs typeface="Gill Sans" charset="0"/>
+                        </a:rPr>
+                        <m:t>Max</m:t>
+                      </m:r>
+                      <m:r>
+                        <a:rPr lang="en-GB" sz="2400" b="0" kern="0">
+                          <a:latin typeface="Gill Sans" charset="0"/>
+                          <a:cs typeface="Gill Sans" charset="0"/>
+                        </a:rPr>
+                        <m:t>:</m:t>
+                      </m:r>
+                      <m:d>
+                        <m:dPr>
+                          <m:begChr m:val="|"/>
+                          <m:endChr m:val="|"/>
+                          <m:ctrlPr>
+                            <a:rPr lang="en-SE" sz="2400" b="0" kern="0">
+                              <a:latin typeface="Gill Sans" charset="0"/>
+                              <a:cs typeface="Gill Sans" charset="0"/>
+                            </a:rPr>
+                          </m:ctrlPr>
+                        </m:dPr>
+                        <m:e>
+                          <m:m>
+                            <m:mPr>
+                              <m:plcHide m:val="on"/>
+                              <m:mcs>
+                                <m:mc>
+                                  <m:mcPr>
+                                    <m:count m:val="1"/>
+                                    <m:mcJc m:val="center"/>
+                                  </m:mcPr>
+                                </m:mc>
+                              </m:mcs>
+                              <m:ctrlPr>
+                                <a:rPr lang="en-SE" sz="2400" b="0" kern="0">
+                                  <a:latin typeface="Gill Sans" charset="0"/>
+                                  <a:cs typeface="Gill Sans" charset="0"/>
+                                </a:rPr>
+                              </m:ctrlPr>
+                            </m:mPr>
+                            <m:mr>
+                              <m:e>
+                                <m:r>
+                                  <a:rPr lang="en-GB" sz="2400" b="0" kern="0">
+                                    <a:latin typeface="Gill Sans" charset="0"/>
+                                    <a:cs typeface="Gill Sans" charset="0"/>
+                                  </a:rPr>
+                                  <m:t>2</m:t>
+                                </m:r>
+                              </m:e>
+                            </m:mr>
+                            <m:mr>
+                              <m:e>
+                                <m:r>
+                                  <a:rPr lang="en-GB" sz="2400" b="0" kern="0">
+                                    <a:latin typeface="Gill Sans" charset="0"/>
+                                    <a:cs typeface="Gill Sans" charset="0"/>
+                                  </a:rPr>
+                                  <m:t>2</m:t>
+                                </m:r>
+                              </m:e>
+                            </m:mr>
+                            <m:mr>
+                              <m:e>
+                                <m:r>
+                                  <a:rPr lang="en-GB" sz="2400" b="0" kern="0">
+                                    <a:latin typeface="Gill Sans" charset="0"/>
+                                    <a:cs typeface="Gill Sans" charset="0"/>
+                                  </a:rPr>
+                                  <m:t>2</m:t>
+                                </m:r>
+                              </m:e>
+                            </m:mr>
+                            <m:mr>
+                              <m:e>
+                                <m:r>
+                                  <a:rPr lang="en-GB" sz="2400" b="0" kern="0">
+                                    <a:latin typeface="Gill Sans" charset="0"/>
+                                    <a:cs typeface="Gill Sans" charset="0"/>
+                                  </a:rPr>
+                                  <m:t>2</m:t>
+                                </m:r>
+                              </m:e>
+                            </m:mr>
+                            <m:mr>
+                              <m:e>
+                                <m:r>
+                                  <a:rPr lang="en-GB" sz="2400" b="0" kern="0">
+                                    <a:latin typeface="Gill Sans" charset="0"/>
+                                    <a:cs typeface="Gill Sans" charset="0"/>
+                                  </a:rPr>
+                                  <m:t>2</m:t>
+                                </m:r>
+                              </m:e>
+                            </m:mr>
+                          </m:m>
+                        </m:e>
+                      </m:d>
+                      <m:r>
+                        <a:rPr lang="en-GB" sz="2400" b="0" kern="0">
+                          <a:latin typeface="Gill Sans" charset="0"/>
+                          <a:cs typeface="Gill Sans" charset="0"/>
+                        </a:rPr>
+                        <m:t>, </m:t>
+                      </m:r>
+                      <m:r>
+                        <m:rPr>
+                          <m:sty m:val="p"/>
+                        </m:rPr>
+                        <a:rPr lang="en-GB" sz="2400" b="0" kern="0">
+                          <a:latin typeface="Gill Sans" charset="0"/>
+                          <a:cs typeface="Gill Sans" charset="0"/>
+                        </a:rPr>
+                        <m:t>Allocation</m:t>
+                      </m:r>
+                      <m:r>
+                        <a:rPr lang="en-GB" sz="2400" b="0" kern="0">
+                          <a:latin typeface="Gill Sans" charset="0"/>
+                          <a:cs typeface="Gill Sans" charset="0"/>
+                        </a:rPr>
+                        <m:t>:</m:t>
+                      </m:r>
+                      <m:d>
+                        <m:dPr>
+                          <m:begChr m:val="|"/>
+                          <m:endChr m:val="|"/>
+                          <m:ctrlPr>
+                            <a:rPr lang="en-SE" sz="2400" b="0" kern="0">
+                              <a:latin typeface="Gill Sans" charset="0"/>
+                              <a:cs typeface="Gill Sans" charset="0"/>
+                            </a:rPr>
+                          </m:ctrlPr>
+                        </m:dPr>
+                        <m:e>
+                          <m:m>
+                            <m:mPr>
+                              <m:plcHide m:val="on"/>
+                              <m:mcs>
+                                <m:mc>
+                                  <m:mcPr>
+                                    <m:count m:val="1"/>
+                                    <m:mcJc m:val="center"/>
+                                  </m:mcPr>
+                                </m:mc>
+                              </m:mcs>
+                              <m:ctrlPr>
+                                <a:rPr lang="en-SE" sz="2400" b="0" kern="0">
+                                  <a:latin typeface="Gill Sans" charset="0"/>
+                                  <a:cs typeface="Gill Sans" charset="0"/>
+                                </a:rPr>
+                              </m:ctrlPr>
+                            </m:mPr>
+                            <m:mr>
+                              <m:e>
+                                <m:r>
+                                  <a:rPr lang="en-GB" sz="2400" b="0" kern="0">
+                                    <a:latin typeface="Gill Sans" charset="0"/>
+                                    <a:cs typeface="Gill Sans" charset="0"/>
+                                  </a:rPr>
+                                  <m:t>0</m:t>
+                                </m:r>
+                              </m:e>
+                            </m:mr>
+                            <m:mr>
+                              <m:e>
+                                <m:r>
+                                  <a:rPr lang="en-GB" sz="2400" b="0" kern="0">
+                                    <a:latin typeface="Gill Sans" charset="0"/>
+                                    <a:cs typeface="Gill Sans" charset="0"/>
+                                  </a:rPr>
+                                  <m:t>0</m:t>
+                                </m:r>
+                              </m:e>
+                            </m:mr>
+                            <m:mr>
+                              <m:e>
+                                <m:r>
+                                  <a:rPr lang="en-GB" sz="2400" b="0" kern="0">
+                                    <a:latin typeface="Gill Sans" charset="0"/>
+                                    <a:cs typeface="Gill Sans" charset="0"/>
+                                  </a:rPr>
+                                  <m:t>0</m:t>
+                                </m:r>
+                              </m:e>
+                            </m:mr>
+                            <m:mr>
+                              <m:e>
+                                <m:r>
+                                  <a:rPr lang="en-GB" sz="2400" b="0" kern="0">
+                                    <a:latin typeface="Gill Sans" charset="0"/>
+                                    <a:cs typeface="Gill Sans" charset="0"/>
+                                  </a:rPr>
+                                  <m:t>0</m:t>
+                                </m:r>
+                              </m:e>
+                            </m:mr>
+                            <m:mr>
+                              <m:e>
+                                <m:r>
+                                  <a:rPr lang="en-GB" sz="2400" b="0" kern="0">
+                                    <a:latin typeface="Gill Sans" charset="0"/>
+                                    <a:cs typeface="Gill Sans" charset="0"/>
+                                  </a:rPr>
+                                  <m:t>0</m:t>
+                                </m:r>
+                              </m:e>
+                            </m:mr>
+                          </m:m>
+                        </m:e>
+                      </m:d>
+                      <m:r>
+                        <a:rPr lang="en-GB" sz="2400" b="0" kern="0">
+                          <a:latin typeface="Gill Sans" charset="0"/>
+                          <a:cs typeface="Gill Sans" charset="0"/>
+                        </a:rPr>
+                        <m:t>, </m:t>
+                      </m:r>
+                      <m:r>
+                        <m:rPr>
+                          <m:sty m:val="p"/>
+                        </m:rPr>
+                        <a:rPr lang="en-GB" sz="2400" b="0" kern="0">
+                          <a:latin typeface="Gill Sans" charset="0"/>
+                          <a:cs typeface="Gill Sans" charset="0"/>
+                        </a:rPr>
+                        <m:t>Total</m:t>
+                      </m:r>
+                      <m:r>
+                        <a:rPr lang="en-GB" sz="2400" b="0" kern="0">
+                          <a:latin typeface="Gill Sans" charset="0"/>
+                          <a:cs typeface="Gill Sans" charset="0"/>
+                        </a:rPr>
+                        <m:t>: </m:t>
+                      </m:r>
+                      <m:d>
+                        <m:dPr>
+                          <m:begChr m:val="|"/>
+                          <m:endChr m:val="|"/>
+                          <m:ctrlPr>
+                            <a:rPr lang="en-SE" sz="2400" b="0" kern="0">
+                              <a:latin typeface="Gill Sans" charset="0"/>
+                              <a:cs typeface="Gill Sans" charset="0"/>
+                            </a:rPr>
+                          </m:ctrlPr>
+                        </m:dPr>
+                        <m:e>
+                          <m:r>
+                            <a:rPr lang="en-GB" sz="2400" b="0" kern="0">
+                              <a:latin typeface="Gill Sans" charset="0"/>
+                              <a:cs typeface="Gill Sans" charset="0"/>
+                            </a:rPr>
+                            <m:t>5</m:t>
+                          </m:r>
+                        </m:e>
+                      </m:d>
+                      <m:r>
+                        <a:rPr lang="en-GB" sz="2400" b="0" kern="0">
+                          <a:latin typeface="Gill Sans" charset="0"/>
+                          <a:cs typeface="Gill Sans" charset="0"/>
+                        </a:rPr>
+                        <m:t>, </m:t>
+                      </m:r>
+                      <m:r>
+                        <m:rPr>
+                          <m:sty m:val="p"/>
+                        </m:rPr>
+                        <a:rPr lang="en-GB" sz="2400" b="0" kern="0">
+                          <a:latin typeface="Gill Sans" charset="0"/>
+                          <a:cs typeface="Gill Sans" charset="0"/>
+                        </a:rPr>
+                        <m:t>Available</m:t>
+                      </m:r>
+                      <m:r>
+                        <a:rPr lang="en-GB" sz="2400" b="0" kern="0">
+                          <a:latin typeface="Gill Sans" charset="0"/>
+                          <a:cs typeface="Gill Sans" charset="0"/>
+                        </a:rPr>
+                        <m:t>:</m:t>
+                      </m:r>
+                      <m:d>
+                        <m:dPr>
+                          <m:begChr m:val="|"/>
+                          <m:endChr m:val="|"/>
+                          <m:ctrlPr>
+                            <a:rPr lang="en-SE" sz="2400" b="0" kern="0">
+                              <a:latin typeface="Gill Sans" charset="0"/>
+                              <a:cs typeface="Gill Sans" charset="0"/>
+                            </a:rPr>
+                          </m:ctrlPr>
+                        </m:dPr>
+                        <m:e>
+                          <m:r>
+                            <a:rPr lang="en-GB" sz="2400" b="0" kern="0">
+                              <a:latin typeface="Gill Sans" charset="0"/>
+                              <a:cs typeface="Gill Sans" charset="0"/>
+                            </a:rPr>
+                            <m:t>5</m:t>
+                          </m:r>
+                        </m:e>
+                      </m:d>
+                    </m:oMath>
+                  </m:oMathPara>
+                </a14:m>
+                <a:endParaRPr lang="en-SE" sz="2400" b="0" kern="0" dirty="0">
+                  <a:latin typeface="Gill Sans" charset="0"/>
+                  <a:cs typeface="Gill Sans" charset="0"/>
+                </a:endParaRPr>
+              </a:p>
+            </p:txBody>
+          </p:sp>
+        </mc:Choice>
+        <mc:Fallback>
+          <p:sp>
+            <p:nvSpPr>
+              <p:cNvPr id="128006" name="Object 3">
+                <a:extLst>
+                  <a:ext uri="{FF2B5EF4-FFF2-40B4-BE49-F238E27FC236}">
+                    <a16:creationId xmlns:a16="http://schemas.microsoft.com/office/drawing/2014/main" id="{D733E9EA-4D44-2FDB-7DFB-1CCA55413039}"/>
+                  </a:ext>
+                </a:extLst>
+              </p:cNvPr>
+              <p:cNvSpPr txBox="1">
+                <a:spLocks noRot="1" noChangeAspect="1" noMove="1" noResize="1" noEditPoints="1" noAdjustHandles="1" noChangeArrowheads="1" noChangeShapeType="1" noTextEdit="1"/>
+              </p:cNvSpPr>
+              <p:nvPr/>
+            </p:nvSpPr>
+            <p:spPr bwMode="auto">
+              <a:xfrm>
+                <a:off x="2971800" y="762000"/>
+                <a:ext cx="6529387" cy="2387600"/>
+              </a:xfrm>
+              <a:prstGeom prst="rect">
+                <a:avLst/>
+              </a:prstGeom>
+              <a:blipFill>
+                <a:blip r:embed="rId2"/>
+                <a:stretch>
+                  <a:fillRect/>
+                </a:stretch>
+              </a:blipFill>
+            </p:spPr>
+            <p:txBody>
+              <a:bodyPr/>
+              <a:lstStyle/>
+              <a:p>
+                <a:r>
+                  <a:rPr lang="en-SE">
+                    <a:noFill/>
+                  </a:rPr>
+                  <a:t> </a:t>
+                </a:r>
+              </a:p>
+            </p:txBody>
+          </p:sp>
+        </mc:Fallback>
+      </mc:AlternateContent>
+      <p:sp>
+        <p:nvSpPr>
+          <p:cNvPr id="14" name="Content Placeholder 2">
+            <a:extLst>
+              <a:ext uri="{FF2B5EF4-FFF2-40B4-BE49-F238E27FC236}">
+                <a16:creationId xmlns:a16="http://schemas.microsoft.com/office/drawing/2014/main" id="{1B4E313D-DF96-E850-F367-13C977EC5412}"/>
+              </a:ext>
+            </a:extLst>
+          </p:cNvPr>
+          <p:cNvSpPr>
+            <a:spLocks noGrp="1"/>
+          </p:cNvSpPr>
+          <p:nvPr>
+            <p:ph idx="1"/>
+          </p:nvPr>
+        </p:nvSpPr>
+        <p:spPr>
+          <a:xfrm>
+            <a:off x="3739444" y="2903637"/>
+            <a:ext cx="4368846" cy="478183"/>
+          </a:xfrm>
+        </p:spPr>
+        <p:txBody>
+          <a:bodyPr>
+            <a:normAutofit/>
+          </a:bodyPr>
+          <a:lstStyle/>
+          <a:p>
+            <a:r>
+              <a:rPr lang="en-GB" dirty="0"/>
+              <a:t>Initially, all chopsticks are free.</a:t>
+            </a:r>
+          </a:p>
+        </p:txBody>
+      </p:sp>
+      <p:sp>
+        <p:nvSpPr>
+          <p:cNvPr id="15" name="Content Placeholder 2">
+            <a:extLst>
+              <a:ext uri="{FF2B5EF4-FFF2-40B4-BE49-F238E27FC236}">
+                <a16:creationId xmlns:a16="http://schemas.microsoft.com/office/drawing/2014/main" id="{BB02F49F-8484-BF8A-E401-8537506797F6}"/>
+              </a:ext>
+            </a:extLst>
+          </p:cNvPr>
+          <p:cNvSpPr txBox="1">
+            <a:spLocks/>
+          </p:cNvSpPr>
+          <p:nvPr/>
+        </p:nvSpPr>
+        <p:spPr bwMode="auto">
+          <a:xfrm>
+            <a:off x="3581400" y="5653709"/>
+            <a:ext cx="5791200" cy="1066800"/>
+          </a:xfrm>
+          <a:prstGeom prst="rect">
+            <a:avLst/>
+          </a:prstGeom>
+          <a:noFill/>
+          <a:ln>
+            <a:noFill/>
+          </a:ln>
+          <a:effectLst/>
+          <a:extLst>
+            <a:ext uri="{FAA26D3D-D897-4be2-8F04-BA451C77F1D7}">
+              <ma14:placeholderFlag xmlns="" xmlns:ma14="http://schemas.microsoft.com/office/mac/drawingml/2011/main" val="1"/>
+            </a:ext>
+            <a:ext uri="{909E8E84-426E-40dd-AFC4-6F175D3DCCD1}">
+              <a14:hiddenFill xmlns="" xmlns:a14="http://schemas.microsoft.com/office/drawing/2010/main">
+                <a:solidFill>
+                  <a:schemeClr val="bg1"/>
+                </a:solidFill>
+              </a14:hiddenFill>
+            </a:ext>
+            <a:ext uri="{91240B29-F687-4f45-9708-019B960494DF}">
+              <a14:hiddenLine xmlns="" xmlns:a14="http://schemas.microsoft.com/office/drawing/2010/main" w="12700">
+                <a:pattFill prst="narHorz">
+                  <a:fgClr>
+                    <a:schemeClr val="tx1"/>
+                  </a:fgClr>
+                  <a:bgClr>
+                    <a:schemeClr val="bg1"/>
+                  </a:bgClr>
+                </a:pattFill>
+                <a:miter lim="800000"/>
+                <a:headEnd/>
+                <a:tailEnd/>
+              </a14:hiddenLine>
+            </a:ext>
+            <a:ext uri="{AF507438-7753-43e0-B8FC-AC1667EBCBE1}">
+              <a14:hiddenEffects xmlns="" xmlns:a14="http://schemas.microsoft.com/office/drawing/2010/main">
+                <a:effectLst>
+                  <a:outerShdw blurRad="63500" dist="38099" dir="2700000" algn="ctr" rotWithShape="0">
+                    <a:schemeClr val="bg2">
+                      <a:alpha val="74998"/>
+                    </a:schemeClr>
+                  </a:outerShdw>
+                </a:effectLst>
+              </a14:hiddenEffects>
+            </a:ext>
+          </a:extLst>
+        </p:spPr>
+        <p:txBody>
+          <a:bodyPr vert="horz" wrap="square" lIns="90478" tIns="44445" rIns="90478" bIns="44445" numCol="1" anchor="t" anchorCtr="0" compatLnSpc="1">
+            <a:prstTxWarp prst="textNoShape">
+              <a:avLst/>
+            </a:prstTxWarp>
+            <a:normAutofit/>
+          </a:bodyPr>
+          <a:lstStyle>
+            <a:lvl1pPr marL="285750" indent="-285750" algn="l" rtl="0" eaLnBrk="0" fontAlgn="base" hangingPunct="0">
+              <a:lnSpc>
+                <a:spcPct val="90000"/>
+              </a:lnSpc>
+              <a:spcBef>
+                <a:spcPct val="30000"/>
+              </a:spcBef>
+              <a:spcAft>
+                <a:spcPct val="0"/>
+              </a:spcAft>
+              <a:buSzPct val="100000"/>
+              <a:buChar char="•"/>
+              <a:defRPr sz="2400">
+                <a:solidFill>
+                  <a:schemeClr val="tx1"/>
+                </a:solidFill>
+                <a:latin typeface="Gill Sans" charset="0"/>
+                <a:ea typeface="ＭＳ Ｐゴシック" charset="0"/>
+                <a:cs typeface="Gill Sans" charset="0"/>
+              </a:defRPr>
+            </a:lvl1pPr>
+            <a:lvl2pPr marL="685800" indent="-228600" algn="l" rtl="0" eaLnBrk="0" fontAlgn="base" hangingPunct="0">
+              <a:lnSpc>
+                <a:spcPct val="90000"/>
+              </a:lnSpc>
+              <a:spcBef>
+                <a:spcPct val="30000"/>
+              </a:spcBef>
+              <a:spcAft>
+                <a:spcPct val="0"/>
+              </a:spcAft>
+              <a:buSzPct val="100000"/>
+              <a:buChar char="–"/>
+              <a:defRPr sz="2200">
+                <a:solidFill>
+                  <a:schemeClr val="tx1"/>
+                </a:solidFill>
+                <a:latin typeface="Gill Sans" charset="0"/>
+                <a:ea typeface="Gill Sans" charset="0"/>
+                <a:cs typeface="Gill Sans" charset="0"/>
+              </a:defRPr>
+            </a:lvl2pPr>
+            <a:lvl3pPr marL="1143000" indent="-228600" algn="l" rtl="0" eaLnBrk="0" fontAlgn="base" hangingPunct="0">
+              <a:lnSpc>
+                <a:spcPct val="90000"/>
+              </a:lnSpc>
+              <a:spcBef>
+                <a:spcPct val="30000"/>
+              </a:spcBef>
+              <a:spcAft>
+                <a:spcPct val="0"/>
+              </a:spcAft>
+              <a:buSzPct val="100000"/>
+              <a:buChar char="»"/>
+              <a:defRPr sz="2000">
+                <a:solidFill>
+                  <a:schemeClr val="tx1"/>
+                </a:solidFill>
+                <a:latin typeface="Gill Sans" charset="0"/>
+                <a:ea typeface="Gill Sans" charset="0"/>
+                <a:cs typeface="Gill Sans" charset="0"/>
+              </a:defRPr>
+            </a:lvl3pPr>
+            <a:lvl4pPr marL="1543050" indent="-171450" algn="l" rtl="0" eaLnBrk="0" fontAlgn="base" hangingPunct="0">
+              <a:lnSpc>
+                <a:spcPct val="90000"/>
+              </a:lnSpc>
+              <a:spcBef>
+                <a:spcPct val="30000"/>
+              </a:spcBef>
+              <a:spcAft>
+                <a:spcPct val="0"/>
+              </a:spcAft>
+              <a:buSzPct val="100000"/>
+              <a:buChar char="•"/>
+              <a:defRPr sz="2000">
+                <a:solidFill>
+                  <a:schemeClr val="tx1"/>
+                </a:solidFill>
+                <a:latin typeface="Gill Sans" charset="0"/>
+                <a:ea typeface="Gill Sans" charset="0"/>
+                <a:cs typeface="Gill Sans" charset="0"/>
+              </a:defRPr>
+            </a:lvl4pPr>
+            <a:lvl5pPr marL="2000250" indent="-171450" algn="l" rtl="0" eaLnBrk="0" fontAlgn="base" hangingPunct="0">
+              <a:lnSpc>
+                <a:spcPct val="90000"/>
+              </a:lnSpc>
+              <a:spcBef>
+                <a:spcPct val="30000"/>
+              </a:spcBef>
+              <a:spcAft>
+                <a:spcPct val="0"/>
+              </a:spcAft>
+              <a:buSzPct val="100000"/>
+              <a:buChar char="–"/>
+              <a:defRPr sz="2000">
+                <a:solidFill>
+                  <a:schemeClr val="tx1"/>
+                </a:solidFill>
+                <a:latin typeface="Gill Sans" charset="0"/>
+                <a:ea typeface="Gill Sans" charset="0"/>
+                <a:cs typeface="Gill Sans" charset="0"/>
+              </a:defRPr>
+            </a:lvl5pPr>
+            <a:lvl6pPr marL="2457450" indent="-171450" algn="l" rtl="0" eaLnBrk="0" fontAlgn="base" hangingPunct="0">
+              <a:lnSpc>
+                <a:spcPct val="90000"/>
+              </a:lnSpc>
+              <a:spcBef>
+                <a:spcPct val="30000"/>
+              </a:spcBef>
+              <a:spcAft>
+                <a:spcPct val="0"/>
+              </a:spcAft>
+              <a:buSzPct val="100000"/>
+              <a:buChar char="–"/>
+              <a:defRPr sz="2000" b="1">
+                <a:solidFill>
+                  <a:schemeClr val="tx1"/>
+                </a:solidFill>
+                <a:latin typeface="+mn-lt"/>
+              </a:defRPr>
+            </a:lvl6pPr>
+            <a:lvl7pPr marL="2914650" indent="-171450" algn="l" rtl="0" eaLnBrk="0" fontAlgn="base" hangingPunct="0">
+              <a:lnSpc>
+                <a:spcPct val="90000"/>
+              </a:lnSpc>
+              <a:spcBef>
+                <a:spcPct val="30000"/>
+              </a:spcBef>
+              <a:spcAft>
+                <a:spcPct val="0"/>
+              </a:spcAft>
+              <a:buSzPct val="100000"/>
+              <a:buChar char="–"/>
+              <a:defRPr sz="2000" b="1">
+                <a:solidFill>
+                  <a:schemeClr val="tx1"/>
+                </a:solidFill>
+                <a:latin typeface="+mn-lt"/>
+              </a:defRPr>
+            </a:lvl7pPr>
+            <a:lvl8pPr marL="3371850" indent="-171450" algn="l" rtl="0" eaLnBrk="0" fontAlgn="base" hangingPunct="0">
+              <a:lnSpc>
+                <a:spcPct val="90000"/>
+              </a:lnSpc>
+              <a:spcBef>
+                <a:spcPct val="30000"/>
+              </a:spcBef>
+              <a:spcAft>
+                <a:spcPct val="0"/>
+              </a:spcAft>
+              <a:buSzPct val="100000"/>
+              <a:buChar char="–"/>
+              <a:defRPr sz="2000" b="1">
+                <a:solidFill>
+                  <a:schemeClr val="tx1"/>
+                </a:solidFill>
+                <a:latin typeface="+mn-lt"/>
+              </a:defRPr>
+            </a:lvl8pPr>
+            <a:lvl9pPr marL="3829050" indent="-171450" algn="l" rtl="0" eaLnBrk="0" fontAlgn="base" hangingPunct="0">
+              <a:lnSpc>
+                <a:spcPct val="90000"/>
+              </a:lnSpc>
+              <a:spcBef>
+                <a:spcPct val="30000"/>
+              </a:spcBef>
+              <a:spcAft>
+                <a:spcPct val="0"/>
+              </a:spcAft>
+              <a:buSzPct val="100000"/>
+              <a:buChar char="–"/>
+              <a:defRPr sz="2000" b="1">
+                <a:solidFill>
+                  <a:schemeClr val="tx1"/>
+                </a:solidFill>
+                <a:latin typeface="+mn-lt"/>
+              </a:defRPr>
+            </a:lvl9pPr>
+          </a:lstStyle>
+          <a:p>
+            <a:r>
+              <a:rPr lang="en-GB" b="0" kern="0" dirty="0"/>
+              <a:t>Two lawyers each grab two chopsticks and start eating. No other lawyers can eat.</a:t>
+            </a:r>
+          </a:p>
+        </p:txBody>
+      </p:sp>
+      <mc:AlternateContent xmlns:mc="http://schemas.openxmlformats.org/markup-compatibility/2006">
+        <mc:Choice xmlns:a14="http://schemas.microsoft.com/office/drawing/2010/main" Requires="a14">
+          <p:sp>
+            <p:nvSpPr>
+              <p:cNvPr id="3" name="Object 3">
+                <a:extLst>
+                  <a:ext uri="{FF2B5EF4-FFF2-40B4-BE49-F238E27FC236}">
+                    <a16:creationId xmlns:a16="http://schemas.microsoft.com/office/drawing/2014/main" id="{C12D90C4-78CA-392B-F3A9-86D0F16AF3D9}"/>
+                  </a:ext>
+                </a:extLst>
+              </p:cNvPr>
+              <p:cNvSpPr txBox="1"/>
+              <p:nvPr/>
+            </p:nvSpPr>
+            <p:spPr bwMode="auto">
+              <a:xfrm>
+                <a:off x="2971800" y="3505200"/>
+                <a:ext cx="6529387" cy="2387600"/>
+              </a:xfrm>
+              <a:prstGeom prst="rect">
+                <a:avLst/>
+              </a:prstGeom>
+              <a:noFill/>
+            </p:spPr>
+            <p:txBody>
+              <a:bodyPr>
+                <a:noAutofit/>
+              </a:bodyPr>
+              <a:lstStyle/>
+              <a:p>
+                <a:pPr/>
+                <a14:m>
+                  <m:oMathPara xmlns:m="http://schemas.openxmlformats.org/officeDocument/2006/math">
+                    <m:oMathParaPr>
+                      <m:jc m:val="left"/>
+                    </m:oMathParaPr>
+                    <m:oMath xmlns:m="http://schemas.openxmlformats.org/officeDocument/2006/math">
+                      <m:r>
+                        <m:rPr>
+                          <m:sty m:val="p"/>
+                        </m:rPr>
+                        <a:rPr lang="en-GB" sz="2400" b="0" i="0" smtClean="0">
+                          <a:solidFill>
+                            <a:srgbClr val="000000"/>
+                          </a:solidFill>
+                          <a:latin typeface="Cambria Math" panose="02040503050406030204" pitchFamily="18" charset="0"/>
+                        </a:rPr>
+                        <m:t>Max</m:t>
+                      </m:r>
+                      <m:r>
+                        <a:rPr lang="en-GB" sz="2400" b="0" i="0" smtClean="0">
+                          <a:solidFill>
+                            <a:srgbClr val="000000"/>
+                          </a:solidFill>
+                          <a:latin typeface="Cambria Math" panose="02040503050406030204" pitchFamily="18" charset="0"/>
+                        </a:rPr>
+                        <m:t>:</m:t>
+                      </m:r>
+                      <m:d>
+                        <m:dPr>
+                          <m:begChr m:val="|"/>
+                          <m:endChr m:val="|"/>
+                          <m:ctrlPr>
+                            <a:rPr lang="en-SE" sz="2400" i="1" smtClean="0">
+                              <a:solidFill>
+                                <a:srgbClr val="000000"/>
+                              </a:solidFill>
+                              <a:latin typeface="Cambria Math" panose="02040503050406030204" pitchFamily="18" charset="0"/>
+                            </a:rPr>
+                          </m:ctrlPr>
+                        </m:dPr>
+                        <m:e>
+                          <m:m>
+                            <m:mPr>
+                              <m:plcHide m:val="on"/>
+                              <m:mcs>
+                                <m:mc>
+                                  <m:mcPr>
+                                    <m:count m:val="1"/>
+                                    <m:mcJc m:val="center"/>
+                                  </m:mcPr>
+                                </m:mc>
+                              </m:mcs>
+                              <m:ctrlPr>
+                                <a:rPr lang="en-SE" sz="2400" b="0" i="1">
+                                  <a:solidFill>
+                                    <a:srgbClr val="000000"/>
+                                  </a:solidFill>
+                                  <a:latin typeface="Cambria Math" panose="02040503050406030204" pitchFamily="18" charset="0"/>
+                                </a:rPr>
+                              </m:ctrlPr>
+                            </m:mPr>
+                            <m:mr>
+                              <m:e>
+                                <m:r>
+                                  <a:rPr lang="en-GB" sz="2400" b="0">
+                                    <a:solidFill>
+                                      <a:srgbClr val="000000"/>
+                                    </a:solidFill>
+                                    <a:latin typeface="Cambria Math" panose="02040503050406030204" pitchFamily="18" charset="0"/>
+                                  </a:rPr>
+                                  <m:t>2</m:t>
+                                </m:r>
+                              </m:e>
+                            </m:mr>
+                            <m:mr>
+                              <m:e>
+                                <m:r>
+                                  <a:rPr lang="en-GB" sz="2400" b="0">
+                                    <a:solidFill>
+                                      <a:srgbClr val="000000"/>
+                                    </a:solidFill>
+                                    <a:latin typeface="Cambria Math" panose="02040503050406030204" pitchFamily="18" charset="0"/>
+                                  </a:rPr>
+                                  <m:t>2</m:t>
+                                </m:r>
+                              </m:e>
+                            </m:mr>
+                            <m:mr>
+                              <m:e>
+                                <m:r>
+                                  <a:rPr lang="en-GB" sz="2400" b="0">
+                                    <a:solidFill>
+                                      <a:srgbClr val="000000"/>
+                                    </a:solidFill>
+                                    <a:latin typeface="Cambria Math" panose="02040503050406030204" pitchFamily="18" charset="0"/>
+                                  </a:rPr>
+                                  <m:t>2</m:t>
+                                </m:r>
+                              </m:e>
+                            </m:mr>
+                            <m:mr>
+                              <m:e>
+                                <m:r>
+                                  <a:rPr lang="en-GB" sz="2400" b="0">
+                                    <a:solidFill>
+                                      <a:srgbClr val="000000"/>
+                                    </a:solidFill>
+                                    <a:latin typeface="Cambria Math" panose="02040503050406030204" pitchFamily="18" charset="0"/>
+                                  </a:rPr>
+                                  <m:t>2</m:t>
+                                </m:r>
+                              </m:e>
+                            </m:mr>
+                            <m:mr>
+                              <m:e>
+                                <m:r>
+                                  <a:rPr lang="en-GB" sz="2400" b="0">
+                                    <a:solidFill>
+                                      <a:srgbClr val="000000"/>
+                                    </a:solidFill>
+                                    <a:latin typeface="Cambria Math" panose="02040503050406030204" pitchFamily="18" charset="0"/>
+                                  </a:rPr>
+                                  <m:t>2</m:t>
+                                </m:r>
+                              </m:e>
+                            </m:mr>
+                          </m:m>
+                        </m:e>
+                      </m:d>
+                      <m:r>
+                        <a:rPr lang="en-GB" sz="2400" b="1" i="1" smtClean="0">
+                          <a:solidFill>
+                            <a:srgbClr val="000000"/>
+                          </a:solidFill>
+                          <a:latin typeface="Cambria Math" panose="02040503050406030204" pitchFamily="18" charset="0"/>
+                        </a:rPr>
+                        <m:t>, </m:t>
+                      </m:r>
+                      <m:r>
+                        <m:rPr>
+                          <m:sty m:val="p"/>
+                        </m:rPr>
+                        <a:rPr lang="en-GB" sz="2400" b="0" i="0" smtClean="0">
+                          <a:solidFill>
+                            <a:srgbClr val="000000"/>
+                          </a:solidFill>
+                          <a:latin typeface="Cambria Math" panose="02040503050406030204" pitchFamily="18" charset="0"/>
+                        </a:rPr>
+                        <m:t>Allocation</m:t>
+                      </m:r>
+                      <m:r>
+                        <a:rPr lang="en-GB" sz="2400" b="0" i="0" smtClean="0">
+                          <a:solidFill>
+                            <a:srgbClr val="000000"/>
+                          </a:solidFill>
+                          <a:latin typeface="Cambria Math" panose="02040503050406030204" pitchFamily="18" charset="0"/>
+                        </a:rPr>
+                        <m:t>:</m:t>
+                      </m:r>
+                      <m:d>
+                        <m:dPr>
+                          <m:begChr m:val="|"/>
+                          <m:endChr m:val="|"/>
+                          <m:ctrlPr>
+                            <a:rPr lang="en-SE" sz="2400" i="1">
+                              <a:solidFill>
+                                <a:srgbClr val="000000"/>
+                              </a:solidFill>
+                              <a:latin typeface="Cambria Math" panose="02040503050406030204" pitchFamily="18" charset="0"/>
+                            </a:rPr>
+                          </m:ctrlPr>
+                        </m:dPr>
+                        <m:e>
+                          <m:m>
+                            <m:mPr>
+                              <m:plcHide m:val="on"/>
+                              <m:mcs>
+                                <m:mc>
+                                  <m:mcPr>
+                                    <m:count m:val="1"/>
+                                    <m:mcJc m:val="center"/>
+                                  </m:mcPr>
+                                </m:mc>
+                              </m:mcs>
+                              <m:ctrlPr>
+                                <a:rPr lang="en-SE" sz="2400" b="0" i="1">
+                                  <a:solidFill>
+                                    <a:srgbClr val="000000"/>
+                                  </a:solidFill>
+                                  <a:latin typeface="Cambria Math" panose="02040503050406030204" pitchFamily="18" charset="0"/>
+                                </a:rPr>
+                              </m:ctrlPr>
+                            </m:mPr>
+                            <m:mr>
+                              <m:e>
+                                <m:r>
+                                  <a:rPr lang="en-GB" sz="2400" b="0" i="0" smtClean="0">
+                                    <a:solidFill>
+                                      <a:srgbClr val="000000"/>
+                                    </a:solidFill>
+                                    <a:latin typeface="Cambria Math" panose="02040503050406030204" pitchFamily="18" charset="0"/>
+                                  </a:rPr>
+                                  <m:t>2</m:t>
+                                </m:r>
+                              </m:e>
+                            </m:mr>
+                            <m:mr>
+                              <m:e>
+                                <m:r>
+                                  <a:rPr lang="en-GB" sz="2400" b="0" i="0" smtClean="0">
+                                    <a:solidFill>
+                                      <a:srgbClr val="000000"/>
+                                    </a:solidFill>
+                                    <a:latin typeface="Cambria Math" panose="02040503050406030204" pitchFamily="18" charset="0"/>
+                                  </a:rPr>
+                                  <m:t>2</m:t>
+                                </m:r>
+                              </m:e>
+                            </m:mr>
+                            <m:mr>
+                              <m:e>
+                                <m:r>
+                                  <a:rPr lang="en-GB" sz="2400" b="0" i="0" smtClean="0">
+                                    <a:solidFill>
+                                      <a:srgbClr val="000000"/>
+                                    </a:solidFill>
+                                    <a:latin typeface="Cambria Math" panose="02040503050406030204" pitchFamily="18" charset="0"/>
+                                  </a:rPr>
+                                  <m:t>0</m:t>
+                                </m:r>
+                              </m:e>
+                            </m:mr>
+                            <m:mr>
+                              <m:e>
+                                <m:r>
+                                  <a:rPr lang="en-GB" sz="2400" b="0" i="0" smtClean="0">
+                                    <a:solidFill>
+                                      <a:srgbClr val="000000"/>
+                                    </a:solidFill>
+                                    <a:latin typeface="Cambria Math" panose="02040503050406030204" pitchFamily="18" charset="0"/>
+                                  </a:rPr>
+                                  <m:t>0</m:t>
+                                </m:r>
+                              </m:e>
+                            </m:mr>
+                            <m:mr>
+                              <m:e>
+                                <m:r>
+                                  <a:rPr lang="en-GB" sz="2400" b="0" i="0" smtClean="0">
+                                    <a:solidFill>
+                                      <a:srgbClr val="000000"/>
+                                    </a:solidFill>
+                                    <a:latin typeface="Cambria Math" panose="02040503050406030204" pitchFamily="18" charset="0"/>
+                                  </a:rPr>
+                                  <m:t>0</m:t>
+                                </m:r>
+                              </m:e>
+                            </m:mr>
+                          </m:m>
+                        </m:e>
+                      </m:d>
+                      <m:r>
+                        <a:rPr lang="en-GB" sz="2400" b="0" i="1" smtClean="0">
+                          <a:solidFill>
+                            <a:srgbClr val="000000"/>
+                          </a:solidFill>
+                          <a:latin typeface="Cambria Math" panose="02040503050406030204" pitchFamily="18" charset="0"/>
+                        </a:rPr>
+                        <m:t>, </m:t>
+                      </m:r>
+                      <m:r>
+                        <m:rPr>
+                          <m:sty m:val="p"/>
+                        </m:rPr>
+                        <a:rPr lang="en-GB" sz="2400" b="0" i="0" smtClean="0">
+                          <a:solidFill>
+                            <a:srgbClr val="000000"/>
+                          </a:solidFill>
+                          <a:latin typeface="Cambria Math" panose="02040503050406030204" pitchFamily="18" charset="0"/>
+                        </a:rPr>
+                        <m:t>Total</m:t>
+                      </m:r>
+                      <m:r>
+                        <a:rPr lang="en-GB" sz="2400" b="0" i="0" smtClean="0">
+                          <a:solidFill>
+                            <a:srgbClr val="000000"/>
+                          </a:solidFill>
+                          <a:latin typeface="Cambria Math" panose="02040503050406030204" pitchFamily="18" charset="0"/>
+                        </a:rPr>
+                        <m:t>: </m:t>
+                      </m:r>
+                      <m:d>
+                        <m:dPr>
+                          <m:begChr m:val="|"/>
+                          <m:endChr m:val="|"/>
+                          <m:ctrlPr>
+                            <a:rPr lang="en-SE" sz="2400" i="1">
+                              <a:solidFill>
+                                <a:srgbClr val="000000"/>
+                              </a:solidFill>
+                              <a:latin typeface="Cambria Math" panose="02040503050406030204" pitchFamily="18" charset="0"/>
+                            </a:rPr>
+                          </m:ctrlPr>
+                        </m:dPr>
+                        <m:e>
+                          <m:r>
+                            <a:rPr lang="en-GB" sz="2400" b="0" i="1" smtClean="0">
+                              <a:solidFill>
+                                <a:srgbClr val="000000"/>
+                              </a:solidFill>
+                              <a:latin typeface="Cambria Math" panose="02040503050406030204" pitchFamily="18" charset="0"/>
+                            </a:rPr>
+                            <m:t>5</m:t>
+                          </m:r>
+                        </m:e>
+                      </m:d>
+                      <m:r>
+                        <a:rPr lang="en-GB" sz="2400" b="0" i="1" smtClean="0">
+                          <a:solidFill>
+                            <a:srgbClr val="000000"/>
+                          </a:solidFill>
+                          <a:latin typeface="Cambria Math" panose="02040503050406030204" pitchFamily="18" charset="0"/>
+                        </a:rPr>
+                        <m:t>, </m:t>
+                      </m:r>
+                      <m:r>
+                        <m:rPr>
+                          <m:sty m:val="p"/>
+                        </m:rPr>
+                        <a:rPr lang="en-GB" sz="2400" b="0" i="0" smtClean="0">
+                          <a:solidFill>
+                            <a:srgbClr val="000000"/>
+                          </a:solidFill>
+                          <a:latin typeface="Cambria Math" panose="02040503050406030204" pitchFamily="18" charset="0"/>
+                        </a:rPr>
+                        <m:t>Available</m:t>
+                      </m:r>
+                      <m:r>
+                        <a:rPr lang="en-GB" sz="2400" b="0" i="0" smtClean="0">
+                          <a:solidFill>
+                            <a:srgbClr val="000000"/>
+                          </a:solidFill>
+                          <a:latin typeface="Cambria Math" panose="02040503050406030204" pitchFamily="18" charset="0"/>
+                        </a:rPr>
+                        <m:t>:</m:t>
+                      </m:r>
+                      <m:d>
+                        <m:dPr>
+                          <m:begChr m:val="|"/>
+                          <m:endChr m:val="|"/>
+                          <m:ctrlPr>
+                            <a:rPr lang="en-SE" sz="2400" i="1">
+                              <a:solidFill>
+                                <a:srgbClr val="000000"/>
+                              </a:solidFill>
+                              <a:latin typeface="Cambria Math" panose="02040503050406030204" pitchFamily="18" charset="0"/>
+                            </a:rPr>
+                          </m:ctrlPr>
+                        </m:dPr>
+                        <m:e>
+                          <m:r>
+                            <a:rPr lang="en-GB" sz="2400" b="0" i="1" smtClean="0">
+                              <a:solidFill>
+                                <a:srgbClr val="000000"/>
+                              </a:solidFill>
+                              <a:latin typeface="Cambria Math" panose="02040503050406030204" pitchFamily="18" charset="0"/>
+                            </a:rPr>
+                            <m:t>1</m:t>
+                          </m:r>
+                        </m:e>
+                      </m:d>
+                    </m:oMath>
+                  </m:oMathPara>
+                </a14:m>
+                <a:endParaRPr lang="en-SE" sz="2400" b="0" dirty="0"/>
+              </a:p>
+            </p:txBody>
+          </p:sp>
+        </mc:Choice>
+        <mc:Fallback>
+          <p:sp>
+            <p:nvSpPr>
+              <p:cNvPr id="3" name="Object 3">
+                <a:extLst>
+                  <a:ext uri="{FF2B5EF4-FFF2-40B4-BE49-F238E27FC236}">
+                    <a16:creationId xmlns:a16="http://schemas.microsoft.com/office/drawing/2014/main" id="{C12D90C4-78CA-392B-F3A9-86D0F16AF3D9}"/>
+                  </a:ext>
+                </a:extLst>
+              </p:cNvPr>
+              <p:cNvSpPr txBox="1">
+                <a:spLocks noRot="1" noChangeAspect="1" noMove="1" noResize="1" noEditPoints="1" noAdjustHandles="1" noChangeArrowheads="1" noChangeShapeType="1" noTextEdit="1"/>
+              </p:cNvSpPr>
+              <p:nvPr/>
+            </p:nvSpPr>
+            <p:spPr bwMode="auto">
+              <a:xfrm>
+                <a:off x="2971800" y="3505200"/>
+                <a:ext cx="6529387" cy="2387600"/>
+              </a:xfrm>
+              <a:prstGeom prst="rect">
+                <a:avLst/>
+              </a:prstGeom>
+              <a:blipFill>
+                <a:blip r:embed="rId3"/>
+                <a:stretch>
+                  <a:fillRect/>
+                </a:stretch>
+              </a:blipFill>
+            </p:spPr>
+            <p:txBody>
+              <a:bodyPr/>
+              <a:lstStyle/>
+              <a:p>
+                <a:r>
+                  <a:rPr lang="en-SE">
+                    <a:noFill/>
+                  </a:rPr>
+                  <a:t> </a:t>
+                </a:r>
+              </a:p>
+            </p:txBody>
+          </p:sp>
+        </mc:Fallback>
+      </mc:AlternateContent>
+    </p:spTree>
+    <p:extLst>
+      <p:ext uri="{BB962C8B-B14F-4D97-AF65-F5344CB8AC3E}">
+        <p14:creationId xmlns:p14="http://schemas.microsoft.com/office/powerpoint/2010/main" val="1898889329"/>
+      </p:ext>
+    </p:extLst>
+  </p:cSld>
+  <p:clrMapOvr>
+    <a:masterClrMapping/>
+  </p:clrMapOvr>
+</p:sld>
+</file>
+
+<file path=ppt/slides/slide4.xml><?xml version="1.0" encoding="utf-8"?>
+<p:sld xmlns:a="http://schemas.openxmlformats.org/drawingml/2006/main" xmlns:r="http://schemas.openxmlformats.org/officeDocument/2006/relationships" xmlns:p="http://schemas.openxmlformats.org/presentationml/2006/main">
+  <p:cSld>
+    <p:spTree>
+      <p:nvGrpSpPr>
+        <p:cNvPr id="1" name=""/>
+        <p:cNvGrpSpPr/>
+        <p:nvPr/>
+      </p:nvGrpSpPr>
+      <p:grpSpPr>
+        <a:xfrm>
+          <a:off x="0" y="0"/>
+          <a:ext cx="0" cy="0"/>
+          <a:chOff x="0" y="0"/>
+          <a:chExt cx="0" cy="0"/>
+        </a:xfrm>
+      </p:grpSpPr>
+      <p:sp>
+        <p:nvSpPr>
+          <p:cNvPr id="2" name="Title 1">
+            <a:extLst>
+              <a:ext uri="{FF2B5EF4-FFF2-40B4-BE49-F238E27FC236}">
+                <a16:creationId xmlns:a16="http://schemas.microsoft.com/office/drawing/2014/main" id="{2D473AE9-0C56-1BC7-737D-9D60B38A23B0}"/>
+              </a:ext>
+            </a:extLst>
+          </p:cNvPr>
+          <p:cNvSpPr>
+            <a:spLocks noGrp="1"/>
+          </p:cNvSpPr>
+          <p:nvPr>
+            <p:ph type="title"/>
+          </p:nvPr>
+        </p:nvSpPr>
+        <p:spPr/>
+        <p:txBody>
+          <a:bodyPr/>
+          <a:lstStyle/>
+          <a:p>
+            <a:r>
+              <a:rPr lang="en-GB" dirty="0"/>
+              <a:t>Quiz: Dining Lawyers I</a:t>
+            </a:r>
+            <a:endParaRPr lang="en-SE" dirty="0"/>
+          </a:p>
+        </p:txBody>
+      </p:sp>
+      <p:sp>
+        <p:nvSpPr>
+          <p:cNvPr id="7" name="Content Placeholder 2">
+            <a:extLst>
+              <a:ext uri="{FF2B5EF4-FFF2-40B4-BE49-F238E27FC236}">
+                <a16:creationId xmlns:a16="http://schemas.microsoft.com/office/drawing/2014/main" id="{8BDE5981-C58E-1D2C-A988-FFF28496CD9B}"/>
+              </a:ext>
+            </a:extLst>
+          </p:cNvPr>
+          <p:cNvSpPr>
+            <a:spLocks noGrp="1"/>
+          </p:cNvSpPr>
+          <p:nvPr>
+            <p:ph idx="1"/>
+          </p:nvPr>
+        </p:nvSpPr>
+        <p:spPr>
+          <a:xfrm>
+            <a:off x="812800" y="914400"/>
+            <a:ext cx="10566400" cy="5105400"/>
+          </a:xfrm>
+        </p:spPr>
+        <p:txBody>
+          <a:bodyPr>
+            <a:normAutofit/>
+          </a:bodyPr>
+          <a:lstStyle/>
+          <a:p>
+            <a:r>
+              <a:rPr lang="en-GB" dirty="0"/>
+              <a:t>If each lawyer has 2 arms, and there is a pile of chopsticks at the </a:t>
+            </a:r>
+            <a:r>
+              <a:rPr lang="en-GB" dirty="0" err="1"/>
+              <a:t>center</a:t>
+            </a:r>
+            <a:r>
+              <a:rPr lang="en-GB" dirty="0"/>
+              <a:t> of the table. Assume there are at least 2 chopsticks, so at least one lawyer can eat. Each lawyer follows the following steps:</a:t>
+            </a:r>
+          </a:p>
+          <a:p>
+            <a:pPr lvl="1"/>
+            <a:r>
+              <a:rPr lang="en-GB" dirty="0"/>
+              <a:t>(1) Pick up a chopstick </a:t>
+            </a:r>
+          </a:p>
+          <a:p>
+            <a:pPr lvl="1"/>
+            <a:r>
+              <a:rPr lang="en-GB" dirty="0"/>
+              <a:t>(2) Pick up another chopstick </a:t>
+            </a:r>
+          </a:p>
+          <a:p>
+            <a:pPr lvl="1"/>
+            <a:r>
+              <a:rPr lang="en-GB" dirty="0"/>
+              <a:t>(3) Eat</a:t>
+            </a:r>
+          </a:p>
+          <a:p>
+            <a:pPr lvl="1"/>
+            <a:r>
+              <a:rPr lang="en-GB" dirty="0"/>
+              <a:t>(4) Return both chopsticks to the pile </a:t>
+            </a:r>
+          </a:p>
+          <a:p>
+            <a:r>
+              <a:rPr lang="en-GB" dirty="0"/>
+              <a:t>Q: Can the system be deadlocked?</a:t>
+            </a:r>
+          </a:p>
+          <a:p>
+            <a:endParaRPr lang="en-GB" dirty="0"/>
+          </a:p>
+          <a:p>
+            <a:endParaRPr lang="en-GB" dirty="0"/>
+          </a:p>
+          <a:p>
+            <a:endParaRPr lang="en-SE" dirty="0"/>
+          </a:p>
+        </p:txBody>
+      </p:sp>
+    </p:spTree>
+    <p:extLst>
+      <p:ext uri="{BB962C8B-B14F-4D97-AF65-F5344CB8AC3E}">
+        <p14:creationId xmlns:p14="http://schemas.microsoft.com/office/powerpoint/2010/main" val="3823801097"/>
+      </p:ext>
+    </p:extLst>
+  </p:cSld>
+  <p:clrMapOvr>
+    <a:masterClrMapping/>
+  </p:clrMapOvr>
+  <p:transition/>
+</p:sld>
+</file>
+
+<file path=ppt/slides/slide5.xml><?xml version="1.0" encoding="utf-8"?>
+<p:sld xmlns:a="http://schemas.openxmlformats.org/drawingml/2006/main" xmlns:r="http://schemas.openxmlformats.org/officeDocument/2006/relationships" xmlns:p="http://schemas.openxmlformats.org/presentationml/2006/main">
+  <p:cSld>
+    <p:spTree>
+      <p:nvGrpSpPr>
+        <p:cNvPr id="1" name="">
+          <a:extLst>
+            <a:ext uri="{FF2B5EF4-FFF2-40B4-BE49-F238E27FC236}">
+              <a16:creationId xmlns:a16="http://schemas.microsoft.com/office/drawing/2014/main" id="{8B87ED22-D34C-809C-CB81-8B81311B2304}"/>
+            </a:ext>
+          </a:extLst>
+        </p:cNvPr>
+        <p:cNvGrpSpPr/>
+        <p:nvPr/>
+      </p:nvGrpSpPr>
+      <p:grpSpPr>
+        <a:xfrm>
+          <a:off x="0" y="0"/>
+          <a:ext cx="0" cy="0"/>
+          <a:chOff x="0" y="0"/>
+          <a:chExt cx="0" cy="0"/>
+        </a:xfrm>
+      </p:grpSpPr>
+      <p:sp>
+        <p:nvSpPr>
+          <p:cNvPr id="2" name="Title 1">
+            <a:extLst>
+              <a:ext uri="{FF2B5EF4-FFF2-40B4-BE49-F238E27FC236}">
+                <a16:creationId xmlns:a16="http://schemas.microsoft.com/office/drawing/2014/main" id="{88672F65-707F-4882-0A07-6EE3AF8D8CD1}"/>
+              </a:ext>
+            </a:extLst>
+          </p:cNvPr>
+          <p:cNvSpPr>
+            <a:spLocks noGrp="1"/>
+          </p:cNvSpPr>
+          <p:nvPr>
+            <p:ph type="title"/>
+          </p:nvPr>
+        </p:nvSpPr>
+        <p:spPr/>
+        <p:txBody>
+          <a:bodyPr/>
+          <a:lstStyle/>
+          <a:p>
+            <a:r>
+              <a:rPr lang="en-GB" dirty="0"/>
+              <a:t>Quiz: Dining Lawyers I Answer</a:t>
+            </a:r>
+            <a:endParaRPr lang="en-SE" dirty="0"/>
+          </a:p>
+        </p:txBody>
+      </p:sp>
+      <p:sp>
+        <p:nvSpPr>
+          <p:cNvPr id="3" name="Content Placeholder 2">
+            <a:extLst>
+              <a:ext uri="{FF2B5EF4-FFF2-40B4-BE49-F238E27FC236}">
+                <a16:creationId xmlns:a16="http://schemas.microsoft.com/office/drawing/2014/main" id="{9C000246-BEE0-8C19-82AA-B03E07199A78}"/>
+              </a:ext>
+            </a:extLst>
+          </p:cNvPr>
+          <p:cNvSpPr>
+            <a:spLocks noGrp="1"/>
+          </p:cNvSpPr>
+          <p:nvPr>
+            <p:ph idx="1"/>
+          </p:nvPr>
+        </p:nvSpPr>
+        <p:spPr>
+          <a:xfrm>
+            <a:off x="685800" y="990600"/>
+            <a:ext cx="10515600" cy="5105400"/>
+          </a:xfrm>
+        </p:spPr>
+        <p:txBody>
+          <a:bodyPr>
+            <a:normAutofit/>
+          </a:bodyPr>
+          <a:lstStyle/>
+          <a:p>
+            <a:r>
+              <a:rPr lang="en-GB" dirty="0"/>
+              <a:t>ANS: No deadlocks, since there is only one type of resource, so it is not possible to have circular waiting.</a:t>
+            </a:r>
+          </a:p>
+        </p:txBody>
+      </p:sp>
+    </p:spTree>
+    <p:extLst>
+      <p:ext uri="{BB962C8B-B14F-4D97-AF65-F5344CB8AC3E}">
+        <p14:creationId xmlns:p14="http://schemas.microsoft.com/office/powerpoint/2010/main" val="984041913"/>
+      </p:ext>
+    </p:extLst>
+  </p:cSld>
+  <p:clrMapOvr>
+    <a:masterClrMapping/>
+  </p:clrMapOvr>
+  <p:transition/>
+</p:sld>
+</file>
+
+<file path=ppt/slides/slide6.xml><?xml version="1.0" encoding="utf-8"?>
+<p:sld xmlns:a="http://schemas.openxmlformats.org/drawingml/2006/main" xmlns:r="http://schemas.openxmlformats.org/officeDocument/2006/relationships" xmlns:p="http://schemas.openxmlformats.org/presentationml/2006/main">
+  <p:cSld>
+    <p:spTree>
+      <p:nvGrpSpPr>
+        <p:cNvPr id="1" name=""/>
+        <p:cNvGrpSpPr/>
+        <p:nvPr/>
+      </p:nvGrpSpPr>
+      <p:grpSpPr>
+        <a:xfrm>
+          <a:off x="0" y="0"/>
+          <a:ext cx="0" cy="0"/>
+          <a:chOff x="0" y="0"/>
+          <a:chExt cx="0" cy="0"/>
+        </a:xfrm>
+      </p:grpSpPr>
+      <p:sp>
+        <p:nvSpPr>
+          <p:cNvPr id="2" name="Title 1">
+            <a:extLst>
+              <a:ext uri="{FF2B5EF4-FFF2-40B4-BE49-F238E27FC236}">
+                <a16:creationId xmlns:a16="http://schemas.microsoft.com/office/drawing/2014/main" id="{237D010E-0DE6-664D-E651-1315BFD2A9E4}"/>
+              </a:ext>
+            </a:extLst>
+          </p:cNvPr>
+          <p:cNvSpPr>
+            <a:spLocks noGrp="1"/>
+          </p:cNvSpPr>
+          <p:nvPr>
+            <p:ph type="title"/>
+          </p:nvPr>
+        </p:nvSpPr>
+        <p:spPr/>
+        <p:txBody>
+          <a:bodyPr/>
+          <a:lstStyle/>
+          <a:p>
+            <a:r>
+              <a:rPr lang="en-GB" dirty="0"/>
+              <a:t>Quiz: Dining Lawyers II </a:t>
+            </a:r>
+            <a:endParaRPr lang="en-SE" dirty="0"/>
+          </a:p>
+        </p:txBody>
+      </p:sp>
+      <p:sp>
+        <p:nvSpPr>
+          <p:cNvPr id="3" name="Content Placeholder 2">
+            <a:extLst>
+              <a:ext uri="{FF2B5EF4-FFF2-40B4-BE49-F238E27FC236}">
+                <a16:creationId xmlns:a16="http://schemas.microsoft.com/office/drawing/2014/main" id="{C96CE106-EFF2-89A6-A94C-94BA0CA70C60}"/>
+              </a:ext>
+            </a:extLst>
+          </p:cNvPr>
+          <p:cNvSpPr>
+            <a:spLocks noGrp="1"/>
+          </p:cNvSpPr>
+          <p:nvPr>
+            <p:ph idx="1"/>
+          </p:nvPr>
+        </p:nvSpPr>
+        <p:spPr/>
+        <p:txBody>
+          <a:bodyPr>
+            <a:normAutofit/>
+          </a:bodyPr>
+          <a:lstStyle/>
+          <a:p>
+            <a:r>
+              <a:rPr lang="en-GB" dirty="0"/>
+              <a:t>If each lawyer has 2 arms, and there is a pile of knives and forks at </a:t>
+            </a:r>
+            <a:r>
+              <a:rPr lang="en-GB" dirty="0" err="1"/>
+              <a:t>center</a:t>
+            </a:r>
+            <a:r>
+              <a:rPr lang="en-GB" dirty="0"/>
+              <a:t> of the table. Assume there are at least 1 knife and 1 fork, so at least one lawyer can eat. Each lawyer follows the following steps:</a:t>
+            </a:r>
+          </a:p>
+          <a:p>
+            <a:pPr lvl="1"/>
+            <a:r>
+              <a:rPr lang="en-GB" dirty="0"/>
+              <a:t>(1) Pick up a knife </a:t>
+            </a:r>
+          </a:p>
+          <a:p>
+            <a:pPr lvl="1"/>
+            <a:r>
+              <a:rPr lang="en-GB" dirty="0"/>
+              <a:t>(2) Pick up a fork </a:t>
+            </a:r>
+          </a:p>
+          <a:p>
+            <a:pPr lvl="1"/>
+            <a:r>
+              <a:rPr lang="en-GB" dirty="0"/>
+              <a:t>(3) Eat</a:t>
+            </a:r>
+          </a:p>
+          <a:p>
+            <a:pPr lvl="1"/>
+            <a:r>
+              <a:rPr lang="en-GB" dirty="0"/>
+              <a:t>(4) Return the knife and fork to the pile </a:t>
+            </a:r>
+          </a:p>
+          <a:p>
+            <a:r>
+              <a:rPr lang="en-GB" dirty="0"/>
+              <a:t>Q: Can the system be deadlocked?</a:t>
+            </a:r>
+          </a:p>
+          <a:p>
+            <a:endParaRPr lang="en-GB" dirty="0"/>
+          </a:p>
+          <a:p>
+            <a:endParaRPr lang="en-GB" dirty="0"/>
+          </a:p>
+          <a:p>
+            <a:endParaRPr lang="en-SE" dirty="0"/>
+          </a:p>
+        </p:txBody>
+      </p:sp>
+    </p:spTree>
+    <p:extLst>
+      <p:ext uri="{BB962C8B-B14F-4D97-AF65-F5344CB8AC3E}">
+        <p14:creationId xmlns:p14="http://schemas.microsoft.com/office/powerpoint/2010/main" val="937329881"/>
+      </p:ext>
+    </p:extLst>
+  </p:cSld>
+  <p:clrMapOvr>
+    <a:masterClrMapping/>
+  </p:clrMapOvr>
+  <p:transition/>
+</p:sld>
+</file>
+
+<file path=ppt/slides/slide7.xml><?xml version="1.0" encoding="utf-8"?>
+<p:sld xmlns:a="http://schemas.openxmlformats.org/drawingml/2006/main" xmlns:r="http://schemas.openxmlformats.org/officeDocument/2006/relationships" xmlns:p="http://schemas.openxmlformats.org/presentationml/2006/main">
+  <p:cSld>
+    <p:spTree>
+      <p:nvGrpSpPr>
+        <p:cNvPr id="1" name=""/>
+        <p:cNvGrpSpPr/>
+        <p:nvPr/>
+      </p:nvGrpSpPr>
+      <p:grpSpPr>
+        <a:xfrm>
+          <a:off x="0" y="0"/>
+          <a:ext cx="0" cy="0"/>
+          <a:chOff x="0" y="0"/>
+          <a:chExt cx="0" cy="0"/>
+        </a:xfrm>
+      </p:grpSpPr>
+      <p:sp>
+        <p:nvSpPr>
+          <p:cNvPr id="2" name="Title 1">
+            <a:extLst>
+              <a:ext uri="{FF2B5EF4-FFF2-40B4-BE49-F238E27FC236}">
+                <a16:creationId xmlns:a16="http://schemas.microsoft.com/office/drawing/2014/main" id="{8517CBEC-05EA-7A5F-F4B4-1BC21C95AD1B}"/>
+              </a:ext>
+            </a:extLst>
+          </p:cNvPr>
+          <p:cNvSpPr>
+            <a:spLocks noGrp="1"/>
+          </p:cNvSpPr>
+          <p:nvPr>
+            <p:ph type="title"/>
+          </p:nvPr>
+        </p:nvSpPr>
+        <p:spPr/>
+        <p:txBody>
+          <a:bodyPr/>
+          <a:lstStyle/>
+          <a:p>
+            <a:r>
+              <a:rPr lang="en-GB" dirty="0"/>
+              <a:t>Quiz: Dining Lawyers II Answer</a:t>
+            </a:r>
+            <a:endParaRPr lang="en-SE" dirty="0"/>
+          </a:p>
+        </p:txBody>
+      </p:sp>
+      <p:sp>
+        <p:nvSpPr>
+          <p:cNvPr id="3" name="Content Placeholder 2">
+            <a:extLst>
+              <a:ext uri="{FF2B5EF4-FFF2-40B4-BE49-F238E27FC236}">
+                <a16:creationId xmlns:a16="http://schemas.microsoft.com/office/drawing/2014/main" id="{122E96A8-E236-1836-858B-8BE14C20DCB7}"/>
+              </a:ext>
+            </a:extLst>
+          </p:cNvPr>
+          <p:cNvSpPr>
+            <a:spLocks noGrp="1"/>
+          </p:cNvSpPr>
+          <p:nvPr>
+            <p:ph idx="1"/>
+          </p:nvPr>
+        </p:nvSpPr>
+        <p:spPr>
+          <a:xfrm>
+            <a:off x="330200" y="914400"/>
+            <a:ext cx="6108700" cy="5105400"/>
+          </a:xfrm>
+        </p:spPr>
+        <p:txBody>
+          <a:bodyPr>
+            <a:normAutofit fontScale="92500" lnSpcReduction="20000"/>
+          </a:bodyPr>
+          <a:lstStyle/>
+          <a:p>
+            <a:r>
+              <a:rPr lang="en-GB" dirty="0"/>
+              <a:t>ANS: No deadlocks, since it’s not possible to have circular waiting.</a:t>
+            </a:r>
+          </a:p>
+          <a:p>
+            <a:r>
+              <a:rPr lang="en-GB" dirty="0"/>
+              <a:t>All lawyers follow the same resource acquisition order:</a:t>
+            </a:r>
+          </a:p>
+          <a:p>
+            <a:pPr lvl="1"/>
+            <a:r>
+              <a:rPr lang="en-GB" dirty="0"/>
+              <a:t>1. Knife</a:t>
+            </a:r>
+          </a:p>
+          <a:p>
+            <a:pPr lvl="1"/>
+            <a:r>
+              <a:rPr lang="en-GB" dirty="0"/>
+              <a:t>2. Fork</a:t>
+            </a:r>
+          </a:p>
+          <a:p>
+            <a:r>
+              <a:rPr lang="en-GB" dirty="0"/>
+              <a:t>Since lawyers do not wait for resources held by others in a cyclic manner, no circular dependency forms.</a:t>
+            </a:r>
+          </a:p>
+          <a:p>
+            <a:r>
+              <a:rPr lang="en-GB" dirty="0"/>
+              <a:t>Example: If all knives are taken, lawyers without knives wait for returned knives. Those with knives either acquire forks (if available) or wait for forks to be returned. With at least one fork in the system, progress is guaranteed once utensils are released.</a:t>
+            </a:r>
+            <a:endParaRPr lang="en-SE" dirty="0"/>
+          </a:p>
+        </p:txBody>
+      </p:sp>
+      <p:sp>
+        <p:nvSpPr>
+          <p:cNvPr id="4" name="Oval 4">
+            <a:extLst>
+              <a:ext uri="{FF2B5EF4-FFF2-40B4-BE49-F238E27FC236}">
+                <a16:creationId xmlns:a16="http://schemas.microsoft.com/office/drawing/2014/main" id="{E867835D-6934-3C2A-08B6-CCB61809774A}"/>
+              </a:ext>
+            </a:extLst>
+          </p:cNvPr>
+          <p:cNvSpPr>
+            <a:spLocks noChangeArrowheads="1"/>
+          </p:cNvSpPr>
+          <p:nvPr/>
+        </p:nvSpPr>
+        <p:spPr bwMode="auto">
+          <a:xfrm>
+            <a:off x="7197725" y="2452688"/>
+            <a:ext cx="811212" cy="752475"/>
+          </a:xfrm>
+          <a:prstGeom prst="ellipse">
+            <a:avLst/>
+          </a:prstGeom>
+          <a:solidFill>
+            <a:schemeClr val="bg1"/>
+          </a:solidFill>
+          <a:ln w="38100" algn="ctr">
+            <a:solidFill>
+              <a:schemeClr val="tx1"/>
+            </a:solidFill>
+            <a:round/>
+            <a:headEnd/>
+            <a:tailEnd/>
+          </a:ln>
+        </p:spPr>
+        <p:txBody>
+          <a:bodyPr wrap="none" anchor="ctr"/>
+          <a:lstStyle/>
+          <a:p>
+            <a:pPr algn="ctr"/>
+            <a:r>
+              <a:rPr lang="en-US" altLang="zh-CN" b="0">
+                <a:solidFill>
+                  <a:srgbClr val="000000"/>
+                </a:solidFill>
+                <a:latin typeface="Times New Roman" pitchFamily="18" charset="0"/>
+                <a:ea typeface="宋体" charset="-122"/>
+                <a:cs typeface="+mn-cs"/>
+              </a:rPr>
+              <a:t>P1</a:t>
+            </a:r>
+          </a:p>
+        </p:txBody>
+      </p:sp>
+      <p:sp>
+        <p:nvSpPr>
+          <p:cNvPr id="5" name="Oval 6">
+            <a:extLst>
+              <a:ext uri="{FF2B5EF4-FFF2-40B4-BE49-F238E27FC236}">
+                <a16:creationId xmlns:a16="http://schemas.microsoft.com/office/drawing/2014/main" id="{552F5B16-4803-988A-522D-9EBAB66A1DAE}"/>
+              </a:ext>
+            </a:extLst>
+          </p:cNvPr>
+          <p:cNvSpPr>
+            <a:spLocks noChangeArrowheads="1"/>
+          </p:cNvSpPr>
+          <p:nvPr/>
+        </p:nvSpPr>
+        <p:spPr bwMode="auto">
+          <a:xfrm>
+            <a:off x="10614025" y="2452688"/>
+            <a:ext cx="811212" cy="752475"/>
+          </a:xfrm>
+          <a:prstGeom prst="ellipse">
+            <a:avLst/>
+          </a:prstGeom>
+          <a:solidFill>
+            <a:schemeClr val="bg1"/>
+          </a:solidFill>
+          <a:ln w="38100" algn="ctr">
+            <a:solidFill>
+              <a:schemeClr val="tx1"/>
+            </a:solidFill>
+            <a:round/>
+            <a:headEnd/>
+            <a:tailEnd/>
+          </a:ln>
+        </p:spPr>
+        <p:txBody>
+          <a:bodyPr wrap="none" anchor="ctr"/>
+          <a:lstStyle/>
+          <a:p>
+            <a:pPr algn="ctr"/>
+            <a:r>
+              <a:rPr lang="en-US" altLang="zh-CN" b="0">
+                <a:solidFill>
+                  <a:srgbClr val="000000"/>
+                </a:solidFill>
+                <a:latin typeface="Times New Roman" pitchFamily="18" charset="0"/>
+                <a:ea typeface="宋体" charset="-122"/>
+                <a:cs typeface="+mn-cs"/>
+              </a:rPr>
+              <a:t>P2</a:t>
+            </a:r>
+          </a:p>
+        </p:txBody>
+      </p:sp>
+      <p:sp>
+        <p:nvSpPr>
+          <p:cNvPr id="6" name="Rectangle 7">
+            <a:extLst>
+              <a:ext uri="{FF2B5EF4-FFF2-40B4-BE49-F238E27FC236}">
+                <a16:creationId xmlns:a16="http://schemas.microsoft.com/office/drawing/2014/main" id="{698A0198-3468-DF0F-8B71-8F9519F71B44}"/>
+              </a:ext>
+            </a:extLst>
+          </p:cNvPr>
+          <p:cNvSpPr>
+            <a:spLocks noChangeArrowheads="1"/>
+          </p:cNvSpPr>
+          <p:nvPr/>
+        </p:nvSpPr>
+        <p:spPr bwMode="auto">
+          <a:xfrm>
+            <a:off x="8731250" y="3414713"/>
+            <a:ext cx="982662" cy="930275"/>
+          </a:xfrm>
+          <a:prstGeom prst="rect">
+            <a:avLst/>
+          </a:prstGeom>
+          <a:solidFill>
+            <a:schemeClr val="bg1"/>
+          </a:solidFill>
+          <a:ln w="38100" algn="ctr">
+            <a:solidFill>
+              <a:schemeClr val="tx1"/>
+            </a:solidFill>
+            <a:miter lim="800000"/>
+            <a:headEnd/>
+            <a:tailEnd/>
+          </a:ln>
+        </p:spPr>
+        <p:txBody>
+          <a:bodyPr wrap="none" anchor="ctr"/>
+          <a:lstStyle/>
+          <a:p>
+            <a:pPr algn="ctr"/>
+            <a:r>
+              <a:rPr lang="en-US" altLang="zh-CN" b="0" dirty="0">
+                <a:solidFill>
+                  <a:srgbClr val="000000"/>
+                </a:solidFill>
+                <a:latin typeface="Times New Roman" pitchFamily="18" charset="0"/>
+                <a:ea typeface="宋体" charset="-122"/>
+                <a:cs typeface="+mn-cs"/>
+              </a:rPr>
+              <a:t>1 fork</a:t>
+            </a:r>
+          </a:p>
+        </p:txBody>
+      </p:sp>
+      <p:sp>
+        <p:nvSpPr>
+          <p:cNvPr id="7" name="Rectangle 9">
+            <a:extLst>
+              <a:ext uri="{FF2B5EF4-FFF2-40B4-BE49-F238E27FC236}">
+                <a16:creationId xmlns:a16="http://schemas.microsoft.com/office/drawing/2014/main" id="{44737D0F-486E-A5BB-4C27-1A899C0D2973}"/>
+              </a:ext>
+            </a:extLst>
+          </p:cNvPr>
+          <p:cNvSpPr>
+            <a:spLocks noChangeArrowheads="1"/>
+          </p:cNvSpPr>
+          <p:nvPr/>
+        </p:nvSpPr>
+        <p:spPr bwMode="auto">
+          <a:xfrm>
+            <a:off x="8610600" y="1676400"/>
+            <a:ext cx="984250" cy="949325"/>
+          </a:xfrm>
+          <a:prstGeom prst="rect">
+            <a:avLst/>
+          </a:prstGeom>
+          <a:solidFill>
+            <a:schemeClr val="bg1"/>
+          </a:solidFill>
+          <a:ln w="38100" algn="ctr">
+            <a:solidFill>
+              <a:schemeClr val="tx1"/>
+            </a:solidFill>
+            <a:miter lim="800000"/>
+            <a:headEnd/>
+            <a:tailEnd/>
+          </a:ln>
+        </p:spPr>
+        <p:txBody>
+          <a:bodyPr wrap="none" anchor="ctr"/>
+          <a:lstStyle/>
+          <a:p>
+            <a:pPr algn="ctr"/>
+            <a:r>
+              <a:rPr lang="en-US" altLang="zh-CN" b="0" dirty="0">
+                <a:solidFill>
+                  <a:srgbClr val="000000"/>
+                </a:solidFill>
+                <a:latin typeface="Times New Roman" pitchFamily="18" charset="0"/>
+                <a:ea typeface="宋体" charset="-122"/>
+                <a:cs typeface="+mn-cs"/>
+              </a:rPr>
+              <a:t>1 knife</a:t>
+            </a:r>
+          </a:p>
+        </p:txBody>
+      </p:sp>
+      <p:sp>
+        <p:nvSpPr>
+          <p:cNvPr id="8" name="Line 10">
+            <a:extLst>
+              <a:ext uri="{FF2B5EF4-FFF2-40B4-BE49-F238E27FC236}">
+                <a16:creationId xmlns:a16="http://schemas.microsoft.com/office/drawing/2014/main" id="{3ABED2A5-A545-E8D9-3972-F0692A3E9BD1}"/>
+              </a:ext>
+            </a:extLst>
+          </p:cNvPr>
+          <p:cNvSpPr>
+            <a:spLocks noChangeShapeType="1"/>
+          </p:cNvSpPr>
+          <p:nvPr/>
+        </p:nvSpPr>
+        <p:spPr bwMode="auto">
+          <a:xfrm>
+            <a:off x="7835900" y="3205163"/>
+            <a:ext cx="895350" cy="674687"/>
+          </a:xfrm>
+          <a:prstGeom prst="line">
+            <a:avLst/>
+          </a:prstGeom>
+          <a:noFill/>
+          <a:ln w="38100">
+            <a:solidFill>
+              <a:schemeClr val="tx1"/>
+            </a:solidFill>
+            <a:round/>
+            <a:headEnd/>
+            <a:tailEnd type="triangle" w="med" len="med"/>
+          </a:ln>
+        </p:spPr>
+        <p:txBody>
+          <a:bodyPr wrap="none" anchor="ctr"/>
+          <a:lstStyle/>
+          <a:p>
+            <a:pPr algn="ctr"/>
+            <a:endParaRPr lang="zh-CN" altLang="en-US" b="0">
+              <a:solidFill>
+                <a:srgbClr val="000000"/>
+              </a:solidFill>
+              <a:latin typeface="Times New Roman" pitchFamily="18" charset="0"/>
+              <a:ea typeface="+mn-ea"/>
+              <a:cs typeface="+mn-cs"/>
+            </a:endParaRPr>
+          </a:p>
+        </p:txBody>
+      </p:sp>
+      <p:sp>
+        <p:nvSpPr>
+          <p:cNvPr id="9" name="Line 11">
+            <a:extLst>
+              <a:ext uri="{FF2B5EF4-FFF2-40B4-BE49-F238E27FC236}">
+                <a16:creationId xmlns:a16="http://schemas.microsoft.com/office/drawing/2014/main" id="{D682D274-68F0-E988-E39C-AA5D48447C2B}"/>
+              </a:ext>
+            </a:extLst>
+          </p:cNvPr>
+          <p:cNvSpPr>
+            <a:spLocks noChangeShapeType="1"/>
+          </p:cNvSpPr>
+          <p:nvPr/>
+        </p:nvSpPr>
+        <p:spPr bwMode="auto">
+          <a:xfrm flipV="1">
+            <a:off x="9317038" y="3205163"/>
+            <a:ext cx="1482725" cy="860425"/>
+          </a:xfrm>
+          <a:prstGeom prst="line">
+            <a:avLst/>
+          </a:prstGeom>
+          <a:noFill/>
+          <a:ln w="38100">
+            <a:solidFill>
+              <a:schemeClr val="tx1"/>
+            </a:solidFill>
+            <a:round/>
+            <a:headEnd type="oval" w="lg" len="lg"/>
+            <a:tailEnd type="triangle" w="med" len="med"/>
+          </a:ln>
+        </p:spPr>
+        <p:txBody>
+          <a:bodyPr wrap="none" anchor="ctr"/>
+          <a:lstStyle/>
+          <a:p>
+            <a:pPr algn="ctr"/>
+            <a:endParaRPr lang="zh-CN" altLang="en-US" b="0">
+              <a:solidFill>
+                <a:srgbClr val="000000"/>
+              </a:solidFill>
+              <a:latin typeface="Times New Roman" pitchFamily="18" charset="0"/>
+              <a:ea typeface="+mn-ea"/>
+              <a:cs typeface="+mn-cs"/>
+            </a:endParaRPr>
+          </a:p>
+        </p:txBody>
+      </p:sp>
+      <p:sp>
+        <p:nvSpPr>
+          <p:cNvPr id="10" name="Text Box 12">
+            <a:extLst>
+              <a:ext uri="{FF2B5EF4-FFF2-40B4-BE49-F238E27FC236}">
+                <a16:creationId xmlns:a16="http://schemas.microsoft.com/office/drawing/2014/main" id="{D13E50A3-7BB4-9B85-B418-59F4517F681D}"/>
+              </a:ext>
+            </a:extLst>
+          </p:cNvPr>
+          <p:cNvSpPr txBox="1">
+            <a:spLocks noChangeArrowheads="1"/>
+          </p:cNvSpPr>
+          <p:nvPr/>
+        </p:nvSpPr>
+        <p:spPr bwMode="auto">
+          <a:xfrm>
+            <a:off x="10000456" y="3500085"/>
+            <a:ext cx="2038350" cy="641350"/>
+          </a:xfrm>
+          <a:prstGeom prst="rect">
+            <a:avLst/>
+          </a:prstGeom>
+          <a:noFill/>
+          <a:ln w="38100" algn="ctr">
+            <a:noFill/>
+            <a:miter lim="800000"/>
+            <a:headEnd/>
+            <a:tailEnd/>
+          </a:ln>
+        </p:spPr>
+        <p:txBody>
+          <a:bodyPr>
+            <a:spAutoFit/>
+          </a:bodyPr>
+          <a:lstStyle/>
+          <a:p>
+            <a:pPr algn="ctr">
+              <a:spcBef>
+                <a:spcPct val="50000"/>
+              </a:spcBef>
+            </a:pPr>
+            <a:r>
+              <a:rPr lang="en-US" altLang="zh-CN" b="0" dirty="0">
+                <a:solidFill>
+                  <a:srgbClr val="000000"/>
+                </a:solidFill>
+                <a:latin typeface="Times New Roman" pitchFamily="18" charset="0"/>
+                <a:ea typeface="宋体" charset="-122"/>
+                <a:cs typeface="+mn-cs"/>
+              </a:rPr>
+              <a:t>Resource 1 (a fork) held by Thread 2</a:t>
+            </a:r>
+          </a:p>
+        </p:txBody>
+      </p:sp>
+      <p:sp>
+        <p:nvSpPr>
+          <p:cNvPr id="11" name="Line 13">
+            <a:extLst>
+              <a:ext uri="{FF2B5EF4-FFF2-40B4-BE49-F238E27FC236}">
+                <a16:creationId xmlns:a16="http://schemas.microsoft.com/office/drawing/2014/main" id="{B8D13756-C7C2-7DAE-B92E-A81A5D6F93EF}"/>
+              </a:ext>
+            </a:extLst>
+          </p:cNvPr>
+          <p:cNvSpPr>
+            <a:spLocks noChangeShapeType="1"/>
+          </p:cNvSpPr>
+          <p:nvPr/>
+        </p:nvSpPr>
+        <p:spPr bwMode="auto">
+          <a:xfrm flipH="1" flipV="1">
+            <a:off x="9594851" y="2181224"/>
+            <a:ext cx="1019175" cy="444500"/>
+          </a:xfrm>
+          <a:prstGeom prst="line">
+            <a:avLst/>
+          </a:prstGeom>
+          <a:noFill/>
+          <a:ln w="38100">
+            <a:solidFill>
+              <a:schemeClr val="tx1"/>
+            </a:solidFill>
+            <a:round/>
+            <a:headEnd/>
+            <a:tailEnd type="triangle" w="med" len="med"/>
+          </a:ln>
+        </p:spPr>
+        <p:txBody>
+          <a:bodyPr wrap="none" anchor="ctr"/>
+          <a:lstStyle/>
+          <a:p>
+            <a:pPr algn="ctr"/>
+            <a:endParaRPr lang="zh-CN" altLang="en-US" b="0">
+              <a:solidFill>
+                <a:srgbClr val="000000"/>
+              </a:solidFill>
+              <a:latin typeface="Times New Roman" pitchFamily="18" charset="0"/>
+              <a:ea typeface="+mn-ea"/>
+              <a:cs typeface="+mn-cs"/>
+            </a:endParaRPr>
+          </a:p>
+        </p:txBody>
+      </p:sp>
+      <p:sp>
+        <p:nvSpPr>
+          <p:cNvPr id="12" name="Text Box 14">
+            <a:extLst>
+              <a:ext uri="{FF2B5EF4-FFF2-40B4-BE49-F238E27FC236}">
+                <a16:creationId xmlns:a16="http://schemas.microsoft.com/office/drawing/2014/main" id="{D3F189B8-BEA8-06E5-5DA0-8DDC8DE6B186}"/>
+              </a:ext>
+            </a:extLst>
+          </p:cNvPr>
+          <p:cNvSpPr txBox="1">
+            <a:spLocks noChangeArrowheads="1"/>
+          </p:cNvSpPr>
+          <p:nvPr/>
+        </p:nvSpPr>
+        <p:spPr bwMode="auto">
+          <a:xfrm>
+            <a:off x="9758893" y="1708149"/>
+            <a:ext cx="2184400" cy="923330"/>
+          </a:xfrm>
+          <a:prstGeom prst="rect">
+            <a:avLst/>
+          </a:prstGeom>
+          <a:noFill/>
+          <a:ln w="38100" algn="ctr">
+            <a:noFill/>
+            <a:miter lim="800000"/>
+            <a:headEnd/>
+            <a:tailEnd/>
+          </a:ln>
+        </p:spPr>
+        <p:txBody>
+          <a:bodyPr>
+            <a:spAutoFit/>
+          </a:bodyPr>
+          <a:lstStyle/>
+          <a:p>
+            <a:pPr algn="ctr">
+              <a:spcBef>
+                <a:spcPct val="50000"/>
+              </a:spcBef>
+            </a:pPr>
+            <a:r>
+              <a:rPr lang="en-US" altLang="zh-CN" b="0" dirty="0">
+                <a:solidFill>
+                  <a:srgbClr val="000000"/>
+                </a:solidFill>
+                <a:latin typeface="Times New Roman" pitchFamily="18" charset="0"/>
+                <a:ea typeface="宋体" charset="-122"/>
+                <a:cs typeface="+mn-cs"/>
+              </a:rPr>
+              <a:t>Resource 2 (a knife) requested by Thread 2</a:t>
+            </a:r>
+          </a:p>
+        </p:txBody>
+      </p:sp>
+      <p:sp>
+        <p:nvSpPr>
+          <p:cNvPr id="13" name="Oval 15">
+            <a:extLst>
+              <a:ext uri="{FF2B5EF4-FFF2-40B4-BE49-F238E27FC236}">
+                <a16:creationId xmlns:a16="http://schemas.microsoft.com/office/drawing/2014/main" id="{AC5435DB-07CC-24DD-611F-BE5F6681D918}"/>
+              </a:ext>
+            </a:extLst>
+          </p:cNvPr>
+          <p:cNvSpPr>
+            <a:spLocks noChangeArrowheads="1"/>
+          </p:cNvSpPr>
+          <p:nvPr/>
+        </p:nvSpPr>
+        <p:spPr bwMode="auto">
+          <a:xfrm>
+            <a:off x="9167813" y="2328863"/>
+            <a:ext cx="149225" cy="123825"/>
+          </a:xfrm>
+          <a:prstGeom prst="ellipse">
+            <a:avLst/>
+          </a:prstGeom>
+          <a:solidFill>
+            <a:srgbClr val="000000"/>
+          </a:solidFill>
+          <a:ln w="38100" algn="ctr">
+            <a:solidFill>
+              <a:schemeClr val="tx1"/>
+            </a:solidFill>
+            <a:round/>
+            <a:headEnd/>
+            <a:tailEnd/>
+          </a:ln>
+        </p:spPr>
+        <p:txBody>
+          <a:bodyPr wrap="none" anchor="ctr"/>
+          <a:lstStyle/>
+          <a:p>
+            <a:pPr algn="ctr"/>
+            <a:endParaRPr lang="en-CA" b="0">
+              <a:solidFill>
+                <a:srgbClr val="000000"/>
+              </a:solidFill>
+              <a:latin typeface="Times New Roman" pitchFamily="18" charset="0"/>
+              <a:ea typeface="+mn-ea"/>
+              <a:cs typeface="+mn-cs"/>
+            </a:endParaRPr>
+          </a:p>
+        </p:txBody>
+      </p:sp>
+      <p:sp>
+        <p:nvSpPr>
+          <p:cNvPr id="14" name="Line 16">
+            <a:extLst>
+              <a:ext uri="{FF2B5EF4-FFF2-40B4-BE49-F238E27FC236}">
+                <a16:creationId xmlns:a16="http://schemas.microsoft.com/office/drawing/2014/main" id="{D058D1D8-D5D7-8B94-64B3-4E1BABE6FD1D}"/>
+              </a:ext>
+            </a:extLst>
+          </p:cNvPr>
+          <p:cNvSpPr>
+            <a:spLocks noChangeShapeType="1"/>
+          </p:cNvSpPr>
+          <p:nvPr/>
+        </p:nvSpPr>
+        <p:spPr bwMode="auto">
+          <a:xfrm flipH="1">
+            <a:off x="8008938" y="2452688"/>
+            <a:ext cx="1158875" cy="173037"/>
+          </a:xfrm>
+          <a:prstGeom prst="line">
+            <a:avLst/>
+          </a:prstGeom>
+          <a:noFill/>
+          <a:ln w="38100">
+            <a:solidFill>
+              <a:schemeClr val="tx1"/>
+            </a:solidFill>
+            <a:round/>
+            <a:headEnd/>
+            <a:tailEnd type="triangle" w="med" len="med"/>
+          </a:ln>
+        </p:spPr>
+        <p:txBody>
+          <a:bodyPr wrap="none" anchor="ctr"/>
+          <a:lstStyle/>
+          <a:p>
+            <a:pPr algn="ctr"/>
+            <a:endParaRPr lang="zh-CN" altLang="en-US" b="0">
+              <a:solidFill>
+                <a:srgbClr val="000000"/>
+              </a:solidFill>
+              <a:latin typeface="Times New Roman" pitchFamily="18" charset="0"/>
+              <a:ea typeface="+mn-ea"/>
+              <a:cs typeface="+mn-cs"/>
+            </a:endParaRPr>
+          </a:p>
+        </p:txBody>
+      </p:sp>
+      <p:sp>
+        <p:nvSpPr>
+          <p:cNvPr id="15" name="TextBox 14">
+            <a:extLst>
+              <a:ext uri="{FF2B5EF4-FFF2-40B4-BE49-F238E27FC236}">
+                <a16:creationId xmlns:a16="http://schemas.microsoft.com/office/drawing/2014/main" id="{4F59604D-A012-D748-3A24-CA14FE0BA4A8}"/>
+              </a:ext>
+            </a:extLst>
+          </p:cNvPr>
+          <p:cNvSpPr txBox="1"/>
+          <p:nvPr/>
+        </p:nvSpPr>
+        <p:spPr>
+          <a:xfrm>
+            <a:off x="7919243" y="4639910"/>
+            <a:ext cx="3589337" cy="1015663"/>
+          </a:xfrm>
+          <a:prstGeom prst="rect">
+            <a:avLst/>
+          </a:prstGeom>
+        </p:spPr>
+        <p:style>
+          <a:lnRef idx="1">
+            <a:schemeClr val="dk1"/>
+          </a:lnRef>
+          <a:fillRef idx="2">
+            <a:schemeClr val="dk1"/>
+          </a:fillRef>
+          <a:effectRef idx="1">
+            <a:schemeClr val="dk1"/>
+          </a:effectRef>
+          <a:fontRef idx="minor">
+            <a:schemeClr val="dk1"/>
+          </a:fontRef>
+        </p:style>
+        <p:txBody>
+          <a:bodyPr wrap="square" rtlCol="0">
+            <a:spAutoFit/>
+          </a:bodyPr>
+          <a:lstStyle/>
+          <a:p>
+            <a:r>
+              <a:rPr lang="en-GB" sz="2000" dirty="0">
+                <a:latin typeface="Gill Sans Light"/>
+              </a:rPr>
+              <a:t>This deadlock scenario is not possible under the fixed resource acquisition order: 1. Knife 2. Fork</a:t>
+            </a:r>
+            <a:endParaRPr lang="en-SE" sz="2000" dirty="0">
+              <a:latin typeface="Gill Sans Light"/>
+            </a:endParaRPr>
+          </a:p>
+        </p:txBody>
+      </p:sp>
+      <p:sp>
+        <p:nvSpPr>
+          <p:cNvPr id="16" name="Text Box 12">
+            <a:extLst>
+              <a:ext uri="{FF2B5EF4-FFF2-40B4-BE49-F238E27FC236}">
+                <a16:creationId xmlns:a16="http://schemas.microsoft.com/office/drawing/2014/main" id="{50B76F4E-1708-533E-4648-F80099B60CC5}"/>
+              </a:ext>
+            </a:extLst>
+          </p:cNvPr>
+          <p:cNvSpPr txBox="1">
+            <a:spLocks noChangeArrowheads="1"/>
+          </p:cNvSpPr>
+          <p:nvPr/>
+        </p:nvSpPr>
+        <p:spPr bwMode="auto">
+          <a:xfrm>
+            <a:off x="6296819" y="3500085"/>
+            <a:ext cx="2250194" cy="646331"/>
+          </a:xfrm>
+          <a:prstGeom prst="rect">
+            <a:avLst/>
+          </a:prstGeom>
+          <a:noFill/>
+          <a:ln w="38100" algn="ctr">
+            <a:noFill/>
+            <a:miter lim="800000"/>
+            <a:headEnd/>
+            <a:tailEnd/>
+          </a:ln>
+        </p:spPr>
+        <p:txBody>
+          <a:bodyPr wrap="square">
+            <a:spAutoFit/>
+          </a:bodyPr>
+          <a:lstStyle/>
+          <a:p>
+            <a:pPr algn="ctr">
+              <a:spcBef>
+                <a:spcPct val="50000"/>
+              </a:spcBef>
+            </a:pPr>
+            <a:r>
+              <a:rPr lang="en-US" altLang="zh-CN" b="0" dirty="0">
+                <a:solidFill>
+                  <a:srgbClr val="000000"/>
+                </a:solidFill>
+                <a:latin typeface="Times New Roman" pitchFamily="18" charset="0"/>
+                <a:ea typeface="宋体" charset="-122"/>
+                <a:cs typeface="+mn-cs"/>
+              </a:rPr>
+              <a:t>Resource 1 (a fork) requested by Thread 2</a:t>
+            </a:r>
+          </a:p>
+        </p:txBody>
+      </p:sp>
+      <p:sp>
+        <p:nvSpPr>
+          <p:cNvPr id="17" name="Text Box 14">
+            <a:extLst>
+              <a:ext uri="{FF2B5EF4-FFF2-40B4-BE49-F238E27FC236}">
+                <a16:creationId xmlns:a16="http://schemas.microsoft.com/office/drawing/2014/main" id="{53A1967F-EDC4-4D04-69BA-C16A961E1FF5}"/>
+              </a:ext>
+            </a:extLst>
+          </p:cNvPr>
+          <p:cNvSpPr txBox="1">
+            <a:spLocks noChangeArrowheads="1"/>
+          </p:cNvSpPr>
+          <p:nvPr/>
+        </p:nvSpPr>
+        <p:spPr bwMode="auto">
+          <a:xfrm>
+            <a:off x="6296819" y="1708149"/>
+            <a:ext cx="2184400" cy="646331"/>
+          </a:xfrm>
+          <a:prstGeom prst="rect">
+            <a:avLst/>
+          </a:prstGeom>
+          <a:noFill/>
+          <a:ln w="38100" algn="ctr">
+            <a:noFill/>
+            <a:miter lim="800000"/>
+            <a:headEnd/>
+            <a:tailEnd/>
+          </a:ln>
+        </p:spPr>
+        <p:txBody>
+          <a:bodyPr>
+            <a:spAutoFit/>
+          </a:bodyPr>
+          <a:lstStyle/>
+          <a:p>
+            <a:pPr algn="ctr">
+              <a:spcBef>
+                <a:spcPct val="50000"/>
+              </a:spcBef>
+            </a:pPr>
+            <a:r>
+              <a:rPr lang="en-US" altLang="zh-CN" b="0" dirty="0">
+                <a:solidFill>
+                  <a:srgbClr val="000000"/>
+                </a:solidFill>
+                <a:latin typeface="Times New Roman" pitchFamily="18" charset="0"/>
+                <a:ea typeface="宋体" charset="-122"/>
+                <a:cs typeface="+mn-cs"/>
+              </a:rPr>
+              <a:t>Resource 2 (a knife) held by Thread 2</a:t>
+            </a:r>
+          </a:p>
+        </p:txBody>
+      </p:sp>
+    </p:spTree>
+    <p:extLst>
+      <p:ext uri="{BB962C8B-B14F-4D97-AF65-F5344CB8AC3E}">
+        <p14:creationId xmlns:p14="http://schemas.microsoft.com/office/powerpoint/2010/main" val="2034839176"/>
+      </p:ext>
+    </p:extLst>
+  </p:cSld>
+  <p:clrMapOvr>
+    <a:masterClrMapping/>
+  </p:clrMapOvr>
+  <p:transition/>
+</p:sld>
+</file>
+
+<file path=ppt/slides/slide8.xml><?xml version="1.0" encoding="utf-8"?>
+<p:sld xmlns:a="http://schemas.openxmlformats.org/drawingml/2006/main" xmlns:r="http://schemas.openxmlformats.org/officeDocument/2006/relationships" xmlns:p="http://schemas.openxmlformats.org/presentationml/2006/main">
+  <p:cSld>
+    <p:spTree>
+      <p:nvGrpSpPr>
+        <p:cNvPr id="1" name=""/>
+        <p:cNvGrpSpPr/>
+        <p:nvPr/>
+      </p:nvGrpSpPr>
+      <p:grpSpPr>
+        <a:xfrm>
+          <a:off x="0" y="0"/>
+          <a:ext cx="0" cy="0"/>
+          <a:chOff x="0" y="0"/>
+          <a:chExt cx="0" cy="0"/>
+        </a:xfrm>
+      </p:grpSpPr>
+      <p:sp>
+        <p:nvSpPr>
+          <p:cNvPr id="2" name="Title 1">
+            <a:extLst>
+              <a:ext uri="{FF2B5EF4-FFF2-40B4-BE49-F238E27FC236}">
+                <a16:creationId xmlns:a16="http://schemas.microsoft.com/office/drawing/2014/main" id="{95CECE1A-5EE0-BB49-216D-B4B1AF277470}"/>
+              </a:ext>
+            </a:extLst>
+          </p:cNvPr>
+          <p:cNvSpPr>
+            <a:spLocks noGrp="1"/>
+          </p:cNvSpPr>
+          <p:nvPr>
+            <p:ph type="title"/>
+          </p:nvPr>
+        </p:nvSpPr>
+        <p:spPr/>
+        <p:txBody>
+          <a:bodyPr/>
+          <a:lstStyle/>
+          <a:p>
+            <a:r>
+              <a:rPr lang="en-GB" dirty="0"/>
+              <a:t>Quiz: Dining Lawyers III</a:t>
+            </a:r>
+            <a:endParaRPr lang="en-SE" dirty="0"/>
+          </a:p>
+        </p:txBody>
+      </p:sp>
+      <p:sp>
+        <p:nvSpPr>
+          <p:cNvPr id="3" name="Content Placeholder 2">
+            <a:extLst>
+              <a:ext uri="{FF2B5EF4-FFF2-40B4-BE49-F238E27FC236}">
+                <a16:creationId xmlns:a16="http://schemas.microsoft.com/office/drawing/2014/main" id="{2C890D62-C0BE-DA6D-366C-8F725FB1BCE9}"/>
+              </a:ext>
+            </a:extLst>
+          </p:cNvPr>
+          <p:cNvSpPr>
+            <a:spLocks noGrp="1"/>
+          </p:cNvSpPr>
+          <p:nvPr>
+            <p:ph idx="1"/>
+          </p:nvPr>
+        </p:nvSpPr>
+        <p:spPr/>
+        <p:txBody>
+          <a:bodyPr/>
+          <a:lstStyle/>
+          <a:p>
+            <a:r>
+              <a:rPr lang="en-GB" dirty="0"/>
+              <a:t>If each lawyer has 4 arms, and there is a pile of knives and forks at </a:t>
+            </a:r>
+            <a:r>
+              <a:rPr lang="en-GB" dirty="0" err="1"/>
+              <a:t>center</a:t>
+            </a:r>
+            <a:r>
+              <a:rPr lang="en-GB" dirty="0"/>
+              <a:t> of the table. Assume there are at least 2 knives and 2 forks, so at least one lawyer can eat. Each lawyer follows the following steps:</a:t>
+            </a:r>
+          </a:p>
+          <a:p>
+            <a:pPr lvl="1"/>
+            <a:r>
+              <a:rPr lang="en-GB" dirty="0"/>
+              <a:t>(1) Pick up 2 knives atomically</a:t>
+            </a:r>
+          </a:p>
+          <a:p>
+            <a:pPr lvl="1"/>
+            <a:r>
+              <a:rPr lang="en-GB" dirty="0"/>
+              <a:t>(2) Pick up 2 forks atomically</a:t>
+            </a:r>
+          </a:p>
+          <a:p>
+            <a:pPr lvl="1"/>
+            <a:r>
+              <a:rPr lang="en-GB" dirty="0"/>
+              <a:t>(3) Eat</a:t>
+            </a:r>
+          </a:p>
+          <a:p>
+            <a:pPr lvl="1"/>
+            <a:r>
+              <a:rPr lang="en-GB" dirty="0"/>
+              <a:t>(4) Return the knives and forks to the pile </a:t>
+            </a:r>
+          </a:p>
+          <a:p>
+            <a:r>
+              <a:rPr lang="en-GB" dirty="0"/>
+              <a:t>Q: Can the system be deadlocked?</a:t>
+            </a:r>
+          </a:p>
+          <a:p>
+            <a:pPr marL="0" indent="0">
+              <a:buNone/>
+            </a:pPr>
+            <a:endParaRPr lang="en-GB" dirty="0"/>
+          </a:p>
+          <a:p>
+            <a:endParaRPr lang="en-GB" dirty="0"/>
+          </a:p>
+          <a:p>
+            <a:endParaRPr lang="en-GB" dirty="0"/>
+          </a:p>
+          <a:p>
+            <a:endParaRPr lang="en-GB" dirty="0"/>
+          </a:p>
+          <a:p>
+            <a:endParaRPr lang="en-SE" dirty="0"/>
+          </a:p>
+        </p:txBody>
+      </p:sp>
+    </p:spTree>
+    <p:extLst>
+      <p:ext uri="{BB962C8B-B14F-4D97-AF65-F5344CB8AC3E}">
+        <p14:creationId xmlns:p14="http://schemas.microsoft.com/office/powerpoint/2010/main" val="210011671"/>
+      </p:ext>
+    </p:extLst>
+  </p:cSld>
+  <p:clrMapOvr>
+    <a:masterClrMapping/>
+  </p:clrMapOvr>
+  <p:transition/>
+</p:sld>
+</file>
+
+<file path=ppt/slides/slide9.xml><?xml version="1.0" encoding="utf-8"?>
+<p:sld xmlns:a="http://schemas.openxmlformats.org/drawingml/2006/main" xmlns:r="http://schemas.openxmlformats.org/officeDocument/2006/relationships" xmlns:p="http://schemas.openxmlformats.org/presentationml/2006/main">
+  <p:cSld>
+    <p:spTree>
+      <p:nvGrpSpPr>
+        <p:cNvPr id="1" name="">
+          <a:extLst>
+            <a:ext uri="{FF2B5EF4-FFF2-40B4-BE49-F238E27FC236}">
+              <a16:creationId xmlns:a16="http://schemas.microsoft.com/office/drawing/2014/main" id="{0BC31B84-41FA-87C7-092D-0B4F9BD49CC1}"/>
+            </a:ext>
+          </a:extLst>
+        </p:cNvPr>
+        <p:cNvGrpSpPr/>
+        <p:nvPr/>
+      </p:nvGrpSpPr>
+      <p:grpSpPr>
+        <a:xfrm>
+          <a:off x="0" y="0"/>
+          <a:ext cx="0" cy="0"/>
+          <a:chOff x="0" y="0"/>
+          <a:chExt cx="0" cy="0"/>
+        </a:xfrm>
+      </p:grpSpPr>
+      <p:sp>
+        <p:nvSpPr>
+          <p:cNvPr id="2" name="Title 1">
+            <a:extLst>
+              <a:ext uri="{FF2B5EF4-FFF2-40B4-BE49-F238E27FC236}">
+                <a16:creationId xmlns:a16="http://schemas.microsoft.com/office/drawing/2014/main" id="{417E5918-C3C6-5BBC-2B9F-D220ED8337BB}"/>
+              </a:ext>
+            </a:extLst>
+          </p:cNvPr>
+          <p:cNvSpPr>
+            <a:spLocks noGrp="1"/>
+          </p:cNvSpPr>
+          <p:nvPr>
+            <p:ph type="title"/>
+          </p:nvPr>
+        </p:nvSpPr>
+        <p:spPr/>
+        <p:txBody>
+          <a:bodyPr/>
+          <a:lstStyle/>
+          <a:p>
+            <a:r>
+              <a:rPr lang="en-GB" dirty="0"/>
+              <a:t>Quiz: Dining Lawyers III Answer</a:t>
+            </a:r>
+            <a:endParaRPr lang="en-SE" dirty="0"/>
+          </a:p>
+        </p:txBody>
+      </p:sp>
+      <p:sp>
+        <p:nvSpPr>
+          <p:cNvPr id="3" name="Content Placeholder 2">
+            <a:extLst>
+              <a:ext uri="{FF2B5EF4-FFF2-40B4-BE49-F238E27FC236}">
+                <a16:creationId xmlns:a16="http://schemas.microsoft.com/office/drawing/2014/main" id="{9384C27C-506C-58B9-A616-57AF72E5CEE6}"/>
+              </a:ext>
+            </a:extLst>
+          </p:cNvPr>
+          <p:cNvSpPr>
+            <a:spLocks noGrp="1"/>
+          </p:cNvSpPr>
+          <p:nvPr>
+            <p:ph idx="1"/>
+          </p:nvPr>
+        </p:nvSpPr>
+        <p:spPr>
+          <a:xfrm>
+            <a:off x="330200" y="914400"/>
+            <a:ext cx="6831012" cy="5105400"/>
+          </a:xfrm>
+        </p:spPr>
+        <p:txBody>
+          <a:bodyPr>
+            <a:normAutofit/>
+          </a:bodyPr>
+          <a:lstStyle/>
+          <a:p>
+            <a:r>
+              <a:rPr lang="en-GB" dirty="0"/>
+              <a:t>ANS: No deadlocks, since it’s not possible to have circular waiting.</a:t>
+            </a:r>
+          </a:p>
+          <a:p>
+            <a:r>
+              <a:rPr lang="en-GB" dirty="0"/>
+              <a:t>All lawyers follow the same resource acquisition order:</a:t>
+            </a:r>
+          </a:p>
+          <a:p>
+            <a:pPr lvl="1"/>
+            <a:r>
+              <a:rPr lang="en-GB" dirty="0"/>
+              <a:t>1. Two knives</a:t>
+            </a:r>
+          </a:p>
+          <a:p>
+            <a:pPr lvl="1"/>
+            <a:r>
+              <a:rPr lang="en-GB" dirty="0"/>
+              <a:t>2. Two forks</a:t>
+            </a:r>
+          </a:p>
+          <a:p>
+            <a:r>
+              <a:rPr lang="en-GB" dirty="0"/>
+              <a:t>Since lawyers do not wait for resources held by others in a cyclic manner, no circular dependency forms.</a:t>
+            </a:r>
+            <a:endParaRPr lang="en-SE" dirty="0"/>
+          </a:p>
+        </p:txBody>
+      </p:sp>
+      <p:sp>
+        <p:nvSpPr>
+          <p:cNvPr id="4" name="Oval 4">
+            <a:extLst>
+              <a:ext uri="{FF2B5EF4-FFF2-40B4-BE49-F238E27FC236}">
+                <a16:creationId xmlns:a16="http://schemas.microsoft.com/office/drawing/2014/main" id="{1ABF8111-4C7E-340C-8175-EB71A7218CCF}"/>
+              </a:ext>
+            </a:extLst>
+          </p:cNvPr>
+          <p:cNvSpPr>
+            <a:spLocks noChangeArrowheads="1"/>
+          </p:cNvSpPr>
+          <p:nvPr/>
+        </p:nvSpPr>
+        <p:spPr bwMode="auto">
+          <a:xfrm>
+            <a:off x="7161213" y="2909888"/>
+            <a:ext cx="811212" cy="752475"/>
+          </a:xfrm>
+          <a:prstGeom prst="ellipse">
+            <a:avLst/>
+          </a:prstGeom>
+          <a:solidFill>
+            <a:schemeClr val="bg1"/>
+          </a:solidFill>
+          <a:ln w="38100" algn="ctr">
+            <a:solidFill>
+              <a:schemeClr val="tx1"/>
+            </a:solidFill>
+            <a:round/>
+            <a:headEnd/>
+            <a:tailEnd/>
+          </a:ln>
+        </p:spPr>
+        <p:txBody>
+          <a:bodyPr wrap="none" anchor="ctr"/>
+          <a:lstStyle/>
+          <a:p>
+            <a:pPr algn="ctr"/>
+            <a:r>
+              <a:rPr lang="en-US" altLang="zh-CN" b="0">
+                <a:solidFill>
+                  <a:srgbClr val="000000"/>
+                </a:solidFill>
+                <a:latin typeface="Times New Roman" pitchFamily="18" charset="0"/>
+                <a:ea typeface="宋体" charset="-122"/>
+                <a:cs typeface="+mn-cs"/>
+              </a:rPr>
+              <a:t>P1</a:t>
+            </a:r>
+          </a:p>
+        </p:txBody>
+      </p:sp>
+      <p:sp>
+        <p:nvSpPr>
+          <p:cNvPr id="5" name="Oval 6">
+            <a:extLst>
+              <a:ext uri="{FF2B5EF4-FFF2-40B4-BE49-F238E27FC236}">
+                <a16:creationId xmlns:a16="http://schemas.microsoft.com/office/drawing/2014/main" id="{7DC6FA58-E833-D056-4D42-25A1A013EA0A}"/>
+              </a:ext>
+            </a:extLst>
+          </p:cNvPr>
+          <p:cNvSpPr>
+            <a:spLocks noChangeArrowheads="1"/>
+          </p:cNvSpPr>
+          <p:nvPr/>
+        </p:nvSpPr>
+        <p:spPr bwMode="auto">
+          <a:xfrm>
+            <a:off x="10577513" y="2909888"/>
+            <a:ext cx="811212" cy="752475"/>
+          </a:xfrm>
+          <a:prstGeom prst="ellipse">
+            <a:avLst/>
+          </a:prstGeom>
+          <a:solidFill>
+            <a:schemeClr val="bg1"/>
+          </a:solidFill>
+          <a:ln w="38100" algn="ctr">
+            <a:solidFill>
+              <a:schemeClr val="tx1"/>
+            </a:solidFill>
+            <a:round/>
+            <a:headEnd/>
+            <a:tailEnd/>
+          </a:ln>
+        </p:spPr>
+        <p:txBody>
+          <a:bodyPr wrap="none" anchor="ctr"/>
+          <a:lstStyle/>
+          <a:p>
+            <a:pPr algn="ctr"/>
+            <a:r>
+              <a:rPr lang="en-US" altLang="zh-CN" b="0">
+                <a:solidFill>
+                  <a:srgbClr val="000000"/>
+                </a:solidFill>
+                <a:latin typeface="Times New Roman" pitchFamily="18" charset="0"/>
+                <a:ea typeface="宋体" charset="-122"/>
+                <a:cs typeface="+mn-cs"/>
+              </a:rPr>
+              <a:t>P2</a:t>
+            </a:r>
+          </a:p>
+        </p:txBody>
+      </p:sp>
+      <p:sp>
+        <p:nvSpPr>
+          <p:cNvPr id="6" name="Rectangle 7">
+            <a:extLst>
+              <a:ext uri="{FF2B5EF4-FFF2-40B4-BE49-F238E27FC236}">
+                <a16:creationId xmlns:a16="http://schemas.microsoft.com/office/drawing/2014/main" id="{4F7F7DEC-7F30-789D-D157-ABDE3C9D3567}"/>
+              </a:ext>
+            </a:extLst>
+          </p:cNvPr>
+          <p:cNvSpPr>
+            <a:spLocks noChangeArrowheads="1"/>
+          </p:cNvSpPr>
+          <p:nvPr/>
+        </p:nvSpPr>
+        <p:spPr bwMode="auto">
+          <a:xfrm>
+            <a:off x="8694738" y="3871913"/>
+            <a:ext cx="982662" cy="930275"/>
+          </a:xfrm>
+          <a:prstGeom prst="rect">
+            <a:avLst/>
+          </a:prstGeom>
+          <a:solidFill>
+            <a:schemeClr val="bg1"/>
+          </a:solidFill>
+          <a:ln w="38100" algn="ctr">
+            <a:solidFill>
+              <a:schemeClr val="tx1"/>
+            </a:solidFill>
+            <a:miter lim="800000"/>
+            <a:headEnd/>
+            <a:tailEnd/>
+          </a:ln>
+        </p:spPr>
+        <p:txBody>
+          <a:bodyPr wrap="none" anchor="ctr"/>
+          <a:lstStyle/>
+          <a:p>
+            <a:pPr algn="ctr"/>
+            <a:r>
+              <a:rPr lang="en-US" altLang="zh-CN" b="0" dirty="0">
+                <a:solidFill>
+                  <a:srgbClr val="000000"/>
+                </a:solidFill>
+                <a:latin typeface="Times New Roman" pitchFamily="18" charset="0"/>
+                <a:ea typeface="宋体" charset="-122"/>
+                <a:cs typeface="+mn-cs"/>
+              </a:rPr>
+              <a:t>2 forks</a:t>
+            </a:r>
+          </a:p>
+        </p:txBody>
+      </p:sp>
+      <p:sp>
+        <p:nvSpPr>
+          <p:cNvPr id="7" name="Rectangle 9">
+            <a:extLst>
+              <a:ext uri="{FF2B5EF4-FFF2-40B4-BE49-F238E27FC236}">
+                <a16:creationId xmlns:a16="http://schemas.microsoft.com/office/drawing/2014/main" id="{17304DAE-3755-C34A-6084-C43A09569FDA}"/>
+              </a:ext>
+            </a:extLst>
+          </p:cNvPr>
+          <p:cNvSpPr>
+            <a:spLocks noChangeArrowheads="1"/>
+          </p:cNvSpPr>
+          <p:nvPr/>
+        </p:nvSpPr>
+        <p:spPr bwMode="auto">
+          <a:xfrm>
+            <a:off x="8574088" y="2133600"/>
+            <a:ext cx="984250" cy="949325"/>
+          </a:xfrm>
+          <a:prstGeom prst="rect">
+            <a:avLst/>
+          </a:prstGeom>
+          <a:solidFill>
+            <a:schemeClr val="bg1"/>
+          </a:solidFill>
+          <a:ln w="38100" algn="ctr">
+            <a:solidFill>
+              <a:schemeClr val="tx1"/>
+            </a:solidFill>
+            <a:miter lim="800000"/>
+            <a:headEnd/>
+            <a:tailEnd/>
+          </a:ln>
+        </p:spPr>
+        <p:txBody>
+          <a:bodyPr wrap="none" anchor="ctr"/>
+          <a:lstStyle/>
+          <a:p>
+            <a:pPr algn="ctr"/>
+            <a:r>
+              <a:rPr lang="en-US" altLang="zh-CN" b="0" dirty="0">
+                <a:solidFill>
+                  <a:srgbClr val="000000"/>
+                </a:solidFill>
+                <a:latin typeface="Times New Roman" pitchFamily="18" charset="0"/>
+                <a:ea typeface="宋体" charset="-122"/>
+                <a:cs typeface="+mn-cs"/>
+              </a:rPr>
+              <a:t>2 knives</a:t>
+            </a:r>
+          </a:p>
+        </p:txBody>
+      </p:sp>
+      <p:sp>
+        <p:nvSpPr>
+          <p:cNvPr id="8" name="Line 10">
+            <a:extLst>
+              <a:ext uri="{FF2B5EF4-FFF2-40B4-BE49-F238E27FC236}">
+                <a16:creationId xmlns:a16="http://schemas.microsoft.com/office/drawing/2014/main" id="{E9297EC3-1D9B-BB80-3EFC-AD0F4B66554F}"/>
+              </a:ext>
+            </a:extLst>
+          </p:cNvPr>
+          <p:cNvSpPr>
+            <a:spLocks noChangeShapeType="1"/>
+          </p:cNvSpPr>
+          <p:nvPr/>
+        </p:nvSpPr>
+        <p:spPr bwMode="auto">
+          <a:xfrm>
+            <a:off x="7799388" y="3662363"/>
+            <a:ext cx="895350" cy="674687"/>
+          </a:xfrm>
+          <a:prstGeom prst="line">
+            <a:avLst/>
+          </a:prstGeom>
+          <a:noFill/>
+          <a:ln w="38100">
+            <a:solidFill>
+              <a:schemeClr val="tx1"/>
+            </a:solidFill>
+            <a:round/>
+            <a:headEnd/>
+            <a:tailEnd type="triangle" w="med" len="med"/>
+          </a:ln>
+        </p:spPr>
+        <p:txBody>
+          <a:bodyPr wrap="none" anchor="ctr"/>
+          <a:lstStyle/>
+          <a:p>
+            <a:pPr algn="ctr"/>
+            <a:endParaRPr lang="zh-CN" altLang="en-US" b="0">
+              <a:solidFill>
+                <a:srgbClr val="000000"/>
+              </a:solidFill>
+              <a:latin typeface="Times New Roman" pitchFamily="18" charset="0"/>
+              <a:ea typeface="+mn-ea"/>
+              <a:cs typeface="+mn-cs"/>
+            </a:endParaRPr>
+          </a:p>
+        </p:txBody>
+      </p:sp>
+      <p:sp>
+        <p:nvSpPr>
+          <p:cNvPr id="9" name="Line 11">
+            <a:extLst>
+              <a:ext uri="{FF2B5EF4-FFF2-40B4-BE49-F238E27FC236}">
+                <a16:creationId xmlns:a16="http://schemas.microsoft.com/office/drawing/2014/main" id="{FBB6A143-2A2B-1CA4-EFDD-FBC72D90E26F}"/>
+              </a:ext>
+            </a:extLst>
+          </p:cNvPr>
+          <p:cNvSpPr>
+            <a:spLocks noChangeShapeType="1"/>
+          </p:cNvSpPr>
+          <p:nvPr/>
+        </p:nvSpPr>
+        <p:spPr bwMode="auto">
+          <a:xfrm flipV="1">
+            <a:off x="9280526" y="3662363"/>
+            <a:ext cx="1482725" cy="860425"/>
+          </a:xfrm>
+          <a:prstGeom prst="line">
+            <a:avLst/>
+          </a:prstGeom>
+          <a:noFill/>
+          <a:ln w="38100">
+            <a:solidFill>
+              <a:schemeClr val="tx1"/>
+            </a:solidFill>
+            <a:round/>
+            <a:headEnd type="oval" w="lg" len="lg"/>
+            <a:tailEnd type="triangle" w="med" len="med"/>
+          </a:ln>
+        </p:spPr>
+        <p:txBody>
+          <a:bodyPr wrap="none" anchor="ctr"/>
+          <a:lstStyle/>
+          <a:p>
+            <a:pPr algn="ctr"/>
+            <a:endParaRPr lang="zh-CN" altLang="en-US" b="0">
+              <a:solidFill>
+                <a:srgbClr val="000000"/>
+              </a:solidFill>
+              <a:latin typeface="Times New Roman" pitchFamily="18" charset="0"/>
+              <a:ea typeface="+mn-ea"/>
+              <a:cs typeface="+mn-cs"/>
+            </a:endParaRPr>
+          </a:p>
+        </p:txBody>
+      </p:sp>
+      <p:sp>
+        <p:nvSpPr>
+          <p:cNvPr id="10" name="Text Box 12">
+            <a:extLst>
+              <a:ext uri="{FF2B5EF4-FFF2-40B4-BE49-F238E27FC236}">
+                <a16:creationId xmlns:a16="http://schemas.microsoft.com/office/drawing/2014/main" id="{1AA660D7-B331-D41F-2420-3F6D7A18D527}"/>
+              </a:ext>
+            </a:extLst>
+          </p:cNvPr>
+          <p:cNvSpPr txBox="1">
+            <a:spLocks noChangeArrowheads="1"/>
+          </p:cNvSpPr>
+          <p:nvPr/>
+        </p:nvSpPr>
+        <p:spPr bwMode="auto">
+          <a:xfrm>
+            <a:off x="9963944" y="3957285"/>
+            <a:ext cx="2075656" cy="646331"/>
+          </a:xfrm>
+          <a:prstGeom prst="rect">
+            <a:avLst/>
+          </a:prstGeom>
+          <a:noFill/>
+          <a:ln w="38100" algn="ctr">
+            <a:noFill/>
+            <a:miter lim="800000"/>
+            <a:headEnd/>
+            <a:tailEnd/>
+          </a:ln>
+        </p:spPr>
+        <p:txBody>
+          <a:bodyPr wrap="square">
+            <a:spAutoFit/>
+          </a:bodyPr>
+          <a:lstStyle/>
+          <a:p>
+            <a:pPr algn="ctr">
+              <a:spcBef>
+                <a:spcPct val="50000"/>
+              </a:spcBef>
+            </a:pPr>
+            <a:r>
+              <a:rPr lang="en-US" altLang="zh-CN" b="0" dirty="0">
+                <a:solidFill>
+                  <a:srgbClr val="000000"/>
+                </a:solidFill>
+                <a:latin typeface="Times New Roman" pitchFamily="18" charset="0"/>
+                <a:ea typeface="宋体" charset="-122"/>
+                <a:cs typeface="+mn-cs"/>
+              </a:rPr>
+              <a:t>Resource 1 (2 forks) held by Thread 2</a:t>
+            </a:r>
+          </a:p>
+        </p:txBody>
+      </p:sp>
+      <p:sp>
+        <p:nvSpPr>
+          <p:cNvPr id="11" name="Line 13">
+            <a:extLst>
+              <a:ext uri="{FF2B5EF4-FFF2-40B4-BE49-F238E27FC236}">
+                <a16:creationId xmlns:a16="http://schemas.microsoft.com/office/drawing/2014/main" id="{017AD7A2-6259-B784-F61C-AC860FFFF73B}"/>
+              </a:ext>
+            </a:extLst>
+          </p:cNvPr>
+          <p:cNvSpPr>
+            <a:spLocks noChangeShapeType="1"/>
+          </p:cNvSpPr>
+          <p:nvPr/>
+        </p:nvSpPr>
+        <p:spPr bwMode="auto">
+          <a:xfrm flipH="1" flipV="1">
+            <a:off x="9558339" y="2638424"/>
+            <a:ext cx="1019175" cy="444500"/>
+          </a:xfrm>
+          <a:prstGeom prst="line">
+            <a:avLst/>
+          </a:prstGeom>
+          <a:noFill/>
+          <a:ln w="38100">
+            <a:solidFill>
+              <a:schemeClr val="tx1"/>
+            </a:solidFill>
+            <a:round/>
+            <a:headEnd/>
+            <a:tailEnd type="triangle" w="med" len="med"/>
+          </a:ln>
+        </p:spPr>
+        <p:txBody>
+          <a:bodyPr wrap="none" anchor="ctr"/>
+          <a:lstStyle/>
+          <a:p>
+            <a:pPr algn="ctr"/>
+            <a:endParaRPr lang="zh-CN" altLang="en-US" b="0">
+              <a:solidFill>
+                <a:srgbClr val="000000"/>
+              </a:solidFill>
+              <a:latin typeface="Times New Roman" pitchFamily="18" charset="0"/>
+              <a:ea typeface="+mn-ea"/>
+              <a:cs typeface="+mn-cs"/>
+            </a:endParaRPr>
+          </a:p>
+        </p:txBody>
+      </p:sp>
+      <p:sp>
+        <p:nvSpPr>
+          <p:cNvPr id="12" name="Text Box 14">
+            <a:extLst>
+              <a:ext uri="{FF2B5EF4-FFF2-40B4-BE49-F238E27FC236}">
+                <a16:creationId xmlns:a16="http://schemas.microsoft.com/office/drawing/2014/main" id="{5E306CCF-E803-FD8C-4C50-70BAA94E6978}"/>
+              </a:ext>
+            </a:extLst>
+          </p:cNvPr>
+          <p:cNvSpPr txBox="1">
+            <a:spLocks noChangeArrowheads="1"/>
+          </p:cNvSpPr>
+          <p:nvPr/>
+        </p:nvSpPr>
+        <p:spPr bwMode="auto">
+          <a:xfrm>
+            <a:off x="9722381" y="2219919"/>
+            <a:ext cx="2184400" cy="923330"/>
+          </a:xfrm>
+          <a:prstGeom prst="rect">
+            <a:avLst/>
+          </a:prstGeom>
+          <a:noFill/>
+          <a:ln w="38100" algn="ctr">
+            <a:noFill/>
+            <a:miter lim="800000"/>
+            <a:headEnd/>
+            <a:tailEnd/>
+          </a:ln>
+        </p:spPr>
+        <p:txBody>
+          <a:bodyPr>
+            <a:spAutoFit/>
+          </a:bodyPr>
+          <a:lstStyle/>
+          <a:p>
+            <a:pPr algn="ctr">
+              <a:spcBef>
+                <a:spcPct val="50000"/>
+              </a:spcBef>
+            </a:pPr>
+            <a:r>
+              <a:rPr lang="en-US" altLang="zh-CN" b="0" dirty="0">
+                <a:solidFill>
+                  <a:srgbClr val="000000"/>
+                </a:solidFill>
+                <a:latin typeface="Times New Roman" pitchFamily="18" charset="0"/>
+                <a:ea typeface="宋体" charset="-122"/>
+                <a:cs typeface="+mn-cs"/>
+              </a:rPr>
+              <a:t>Resource 2 (2 knives) requested by Thread 2</a:t>
+            </a:r>
+          </a:p>
+        </p:txBody>
+      </p:sp>
+      <p:sp>
+        <p:nvSpPr>
+          <p:cNvPr id="13" name="Oval 15">
+            <a:extLst>
+              <a:ext uri="{FF2B5EF4-FFF2-40B4-BE49-F238E27FC236}">
+                <a16:creationId xmlns:a16="http://schemas.microsoft.com/office/drawing/2014/main" id="{113B7605-B2C4-354D-456E-CDDD8314090F}"/>
+              </a:ext>
+            </a:extLst>
+          </p:cNvPr>
+          <p:cNvSpPr>
+            <a:spLocks noChangeArrowheads="1"/>
+          </p:cNvSpPr>
+          <p:nvPr/>
+        </p:nvSpPr>
+        <p:spPr bwMode="auto">
+          <a:xfrm>
+            <a:off x="9131301" y="2786063"/>
+            <a:ext cx="149225" cy="123825"/>
+          </a:xfrm>
+          <a:prstGeom prst="ellipse">
+            <a:avLst/>
+          </a:prstGeom>
+          <a:solidFill>
+            <a:srgbClr val="000000"/>
+          </a:solidFill>
+          <a:ln w="38100" algn="ctr">
+            <a:solidFill>
+              <a:schemeClr val="tx1"/>
+            </a:solidFill>
+            <a:round/>
+            <a:headEnd/>
+            <a:tailEnd/>
+          </a:ln>
+        </p:spPr>
+        <p:txBody>
+          <a:bodyPr wrap="none" anchor="ctr"/>
+          <a:lstStyle/>
+          <a:p>
+            <a:pPr algn="ctr"/>
+            <a:endParaRPr lang="en-CA" b="0">
+              <a:solidFill>
+                <a:srgbClr val="000000"/>
+              </a:solidFill>
+              <a:latin typeface="Times New Roman" pitchFamily="18" charset="0"/>
+              <a:ea typeface="+mn-ea"/>
+              <a:cs typeface="+mn-cs"/>
+            </a:endParaRPr>
+          </a:p>
+        </p:txBody>
+      </p:sp>
+      <p:sp>
+        <p:nvSpPr>
+          <p:cNvPr id="14" name="Line 16">
+            <a:extLst>
+              <a:ext uri="{FF2B5EF4-FFF2-40B4-BE49-F238E27FC236}">
+                <a16:creationId xmlns:a16="http://schemas.microsoft.com/office/drawing/2014/main" id="{4420B6C5-EAC0-14DB-EC87-C78D4C19BDA1}"/>
+              </a:ext>
+            </a:extLst>
+          </p:cNvPr>
+          <p:cNvSpPr>
+            <a:spLocks noChangeShapeType="1"/>
+          </p:cNvSpPr>
+          <p:nvPr/>
+        </p:nvSpPr>
+        <p:spPr bwMode="auto">
+          <a:xfrm flipH="1">
+            <a:off x="7972426" y="2909888"/>
+            <a:ext cx="1158875" cy="173037"/>
+          </a:xfrm>
+          <a:prstGeom prst="line">
+            <a:avLst/>
+          </a:prstGeom>
+          <a:noFill/>
+          <a:ln w="38100">
+            <a:solidFill>
+              <a:schemeClr val="tx1"/>
+            </a:solidFill>
+            <a:round/>
+            <a:headEnd/>
+            <a:tailEnd type="triangle" w="med" len="med"/>
+          </a:ln>
+        </p:spPr>
+        <p:txBody>
+          <a:bodyPr wrap="none" anchor="ctr"/>
+          <a:lstStyle/>
+          <a:p>
+            <a:pPr algn="ctr"/>
+            <a:endParaRPr lang="zh-CN" altLang="en-US" b="0">
+              <a:solidFill>
+                <a:srgbClr val="000000"/>
+              </a:solidFill>
+              <a:latin typeface="Times New Roman" pitchFamily="18" charset="0"/>
+              <a:ea typeface="+mn-ea"/>
+              <a:cs typeface="+mn-cs"/>
+            </a:endParaRPr>
+          </a:p>
+        </p:txBody>
+      </p:sp>
+      <p:sp>
+        <p:nvSpPr>
+          <p:cNvPr id="15" name="TextBox 14">
+            <a:extLst>
+              <a:ext uri="{FF2B5EF4-FFF2-40B4-BE49-F238E27FC236}">
+                <a16:creationId xmlns:a16="http://schemas.microsoft.com/office/drawing/2014/main" id="{1A369346-8FE9-8490-5422-FDCB9F0178A4}"/>
+              </a:ext>
+            </a:extLst>
+          </p:cNvPr>
+          <p:cNvSpPr txBox="1"/>
+          <p:nvPr/>
+        </p:nvSpPr>
+        <p:spPr>
+          <a:xfrm>
+            <a:off x="7882731" y="5097110"/>
+            <a:ext cx="3589337" cy="1015663"/>
+          </a:xfrm>
+          <a:prstGeom prst="rect">
+            <a:avLst/>
+          </a:prstGeom>
+        </p:spPr>
+        <p:style>
+          <a:lnRef idx="1">
+            <a:schemeClr val="dk1"/>
+          </a:lnRef>
+          <a:fillRef idx="2">
+            <a:schemeClr val="dk1"/>
+          </a:fillRef>
+          <a:effectRef idx="1">
+            <a:schemeClr val="dk1"/>
+          </a:effectRef>
+          <a:fontRef idx="minor">
+            <a:schemeClr val="dk1"/>
+          </a:fontRef>
+        </p:style>
+        <p:txBody>
+          <a:bodyPr wrap="square" rtlCol="0">
+            <a:spAutoFit/>
+          </a:bodyPr>
+          <a:lstStyle/>
+          <a:p>
+            <a:r>
+              <a:rPr lang="en-GB" sz="2000" dirty="0">
+                <a:latin typeface="Gill Sans Light"/>
+              </a:rPr>
+              <a:t>This deadlock scenario is not possible under the fixed resource acquisition order: 2 knives, 2 forks</a:t>
+            </a:r>
+            <a:endParaRPr lang="en-SE" sz="2000" dirty="0">
+              <a:latin typeface="Gill Sans Light"/>
+            </a:endParaRPr>
+          </a:p>
+        </p:txBody>
+      </p:sp>
+      <p:sp>
+        <p:nvSpPr>
+          <p:cNvPr id="16" name="Text Box 12">
+            <a:extLst>
+              <a:ext uri="{FF2B5EF4-FFF2-40B4-BE49-F238E27FC236}">
+                <a16:creationId xmlns:a16="http://schemas.microsoft.com/office/drawing/2014/main" id="{C5A80AF3-98A4-E3E6-FACE-C40AB3E50C71}"/>
+              </a:ext>
+            </a:extLst>
+          </p:cNvPr>
+          <p:cNvSpPr txBox="1">
+            <a:spLocks noChangeArrowheads="1"/>
+          </p:cNvSpPr>
+          <p:nvPr/>
+        </p:nvSpPr>
+        <p:spPr bwMode="auto">
+          <a:xfrm>
+            <a:off x="6096000" y="3957285"/>
+            <a:ext cx="2227044" cy="646331"/>
+          </a:xfrm>
+          <a:prstGeom prst="rect">
+            <a:avLst/>
+          </a:prstGeom>
+          <a:noFill/>
+          <a:ln w="38100" algn="ctr">
+            <a:noFill/>
+            <a:miter lim="800000"/>
+            <a:headEnd/>
+            <a:tailEnd/>
+          </a:ln>
+        </p:spPr>
+        <p:txBody>
+          <a:bodyPr wrap="square">
+            <a:spAutoFit/>
+          </a:bodyPr>
+          <a:lstStyle/>
+          <a:p>
+            <a:pPr algn="ctr">
+              <a:spcBef>
+                <a:spcPct val="50000"/>
+              </a:spcBef>
+            </a:pPr>
+            <a:r>
+              <a:rPr lang="en-US" altLang="zh-CN" b="0" dirty="0">
+                <a:solidFill>
+                  <a:srgbClr val="000000"/>
+                </a:solidFill>
+                <a:latin typeface="Times New Roman" pitchFamily="18" charset="0"/>
+                <a:ea typeface="宋体" charset="-122"/>
+                <a:cs typeface="+mn-cs"/>
+              </a:rPr>
+              <a:t>Resource 1 (2 forks) requested by Thread 2</a:t>
+            </a:r>
+          </a:p>
+        </p:txBody>
+      </p:sp>
+      <p:sp>
+        <p:nvSpPr>
+          <p:cNvPr id="17" name="Text Box 14">
+            <a:extLst>
+              <a:ext uri="{FF2B5EF4-FFF2-40B4-BE49-F238E27FC236}">
+                <a16:creationId xmlns:a16="http://schemas.microsoft.com/office/drawing/2014/main" id="{61E54510-0D21-A762-B803-2A246842BDFC}"/>
+              </a:ext>
+            </a:extLst>
+          </p:cNvPr>
+          <p:cNvSpPr txBox="1">
+            <a:spLocks noChangeArrowheads="1"/>
+          </p:cNvSpPr>
+          <p:nvPr/>
+        </p:nvSpPr>
+        <p:spPr bwMode="auto">
+          <a:xfrm>
+            <a:off x="6043131" y="2219919"/>
+            <a:ext cx="2184400" cy="646331"/>
+          </a:xfrm>
+          <a:prstGeom prst="rect">
+            <a:avLst/>
+          </a:prstGeom>
+          <a:noFill/>
+          <a:ln w="38100" algn="ctr">
+            <a:noFill/>
+            <a:miter lim="800000"/>
+            <a:headEnd/>
+            <a:tailEnd/>
+          </a:ln>
+        </p:spPr>
+        <p:txBody>
+          <a:bodyPr>
+            <a:spAutoFit/>
+          </a:bodyPr>
+          <a:lstStyle/>
+          <a:p>
+            <a:pPr algn="ctr">
+              <a:spcBef>
+                <a:spcPct val="50000"/>
+              </a:spcBef>
+            </a:pPr>
+            <a:r>
+              <a:rPr lang="en-US" altLang="zh-CN" b="0" dirty="0">
+                <a:solidFill>
+                  <a:srgbClr val="000000"/>
+                </a:solidFill>
+                <a:latin typeface="Times New Roman" pitchFamily="18" charset="0"/>
+                <a:ea typeface="宋体" charset="-122"/>
+                <a:cs typeface="+mn-cs"/>
+              </a:rPr>
+              <a:t>Resource 2 (2 knives) held by Thread 2</a:t>
+            </a:r>
+          </a:p>
+        </p:txBody>
+      </p:sp>
+    </p:spTree>
+    <p:extLst>
+      <p:ext uri="{BB962C8B-B14F-4D97-AF65-F5344CB8AC3E}">
+        <p14:creationId xmlns:p14="http://schemas.microsoft.com/office/powerpoint/2010/main" val="60386171"/>
       </p:ext>
     </p:extLst>
   </p:cSld>
@@ -11715,7 +13949,7 @@
         <a:effectLst/>
         <a:extLst>
           <a:ext uri="{AF507438-7753-43e0-B8FC-AC1667EBCBE1}">
-            <a14:hiddenEffects xmlns:a14="http://schemas.microsoft.com/office/drawing/2010/main" xmlns="">
+            <a14:hiddenEffects xmlns="" xmlns:a14="http://schemas.microsoft.com/office/drawing/2010/main">
               <a:effectLst>
                 <a:outerShdw dist="35921" dir="2700000" algn="ctr" rotWithShape="0">
                   <a:schemeClr val="bg2"/>
@@ -11788,7 +14022,7 @@
         <a:effectLst/>
         <a:extLst>
           <a:ext uri="{AF507438-7753-43e0-B8FC-AC1667EBCBE1}">
-            <a14:hiddenEffects xmlns:a14="http://schemas.microsoft.com/office/drawing/2010/main" xmlns="">
+            <a14:hiddenEffects xmlns="" xmlns:a14="http://schemas.microsoft.com/office/drawing/2010/main">
               <a:effectLst>
                 <a:outerShdw dist="35921" dir="2700000" algn="ctr" rotWithShape="0">
                   <a:schemeClr val="bg2"/>

--- a/PPTs/L4-Exercises ANS.pptx
+++ b/PPTs/L4-Exercises ANS.pptx
@@ -5,26 +5,29 @@
     <p:sldMasterId id="2147483648" r:id="rId1"/>
   </p:sldMasterIdLst>
   <p:notesMasterIdLst>
-    <p:notesMasterId r:id="rId16"/>
+    <p:notesMasterId r:id="rId19"/>
   </p:notesMasterIdLst>
   <p:handoutMasterIdLst>
-    <p:handoutMasterId r:id="rId17"/>
+    <p:handoutMasterId r:id="rId20"/>
   </p:handoutMasterIdLst>
   <p:sldIdLst>
     <p:sldId id="257" r:id="rId2"/>
-    <p:sldId id="414" r:id="rId3"/>
-    <p:sldId id="417" r:id="rId4"/>
-    <p:sldId id="420" r:id="rId5"/>
-    <p:sldId id="1390" r:id="rId6"/>
-    <p:sldId id="1384" r:id="rId7"/>
-    <p:sldId id="1385" r:id="rId8"/>
-    <p:sldId id="1386" r:id="rId9"/>
-    <p:sldId id="1387" r:id="rId10"/>
-    <p:sldId id="1388" r:id="rId11"/>
-    <p:sldId id="1389" r:id="rId12"/>
-    <p:sldId id="381" r:id="rId13"/>
-    <p:sldId id="383" r:id="rId14"/>
-    <p:sldId id="1383" r:id="rId15"/>
+    <p:sldId id="369" r:id="rId3"/>
+    <p:sldId id="1391" r:id="rId4"/>
+    <p:sldId id="1392" r:id="rId5"/>
+    <p:sldId id="414" r:id="rId6"/>
+    <p:sldId id="417" r:id="rId7"/>
+    <p:sldId id="420" r:id="rId8"/>
+    <p:sldId id="1390" r:id="rId9"/>
+    <p:sldId id="1384" r:id="rId10"/>
+    <p:sldId id="1385" r:id="rId11"/>
+    <p:sldId id="1386" r:id="rId12"/>
+    <p:sldId id="1387" r:id="rId13"/>
+    <p:sldId id="1388" r:id="rId14"/>
+    <p:sldId id="1389" r:id="rId15"/>
+    <p:sldId id="381" r:id="rId16"/>
+    <p:sldId id="383" r:id="rId17"/>
+    <p:sldId id="1383" r:id="rId18"/>
   </p:sldIdLst>
   <p:sldSz cx="12192000" cy="6858000"/>
   <p:notesSz cx="9601200" cy="7315200"/>
@@ -221,14 +224,14 @@
           <a:effectLst/>
           <a:extLst>
             <a:ext uri="{909E8E84-426E-40dd-AFC4-6F175D3DCCD1}">
-              <a14:hiddenFill xmlns="" xmlns:a14="http://schemas.microsoft.com/office/drawing/2010/main">
+              <a14:hiddenFill xmlns:a14="http://schemas.microsoft.com/office/drawing/2010/main" xmlns="">
                 <a:solidFill>
                   <a:schemeClr val="bg1"/>
                 </a:solidFill>
               </a14:hiddenFill>
             </a:ext>
             <a:ext uri="{91240B29-F687-4f45-9708-019B960494DF}">
-              <a14:hiddenLine xmlns="" xmlns:a14="http://schemas.microsoft.com/office/drawing/2010/main" w="12700">
+              <a14:hiddenLine xmlns:a14="http://schemas.microsoft.com/office/drawing/2010/main" xmlns="" w="12700">
                 <a:pattFill prst="narHorz">
                   <a:fgClr>
                     <a:schemeClr val="tx1"/>
@@ -243,7 +246,7 @@
               </a14:hiddenLine>
             </a:ext>
             <a:ext uri="{AF507438-7753-43e0-B8FC-AC1667EBCBE1}">
-              <a14:hiddenEffects xmlns="" xmlns:a14="http://schemas.microsoft.com/office/drawing/2010/main">
+              <a14:hiddenEffects xmlns:a14="http://schemas.microsoft.com/office/drawing/2010/main" xmlns="">
                 <a:effectLst>
                   <a:outerShdw dist="35921" dir="2700000" algn="ctr" rotWithShape="0">
                     <a:schemeClr val="bg2"/>
@@ -349,14 +352,14 @@
           <a:effectLst/>
           <a:extLst>
             <a:ext uri="{909E8E84-426E-40dd-AFC4-6F175D3DCCD1}">
-              <a14:hiddenFill xmlns="" xmlns:a14="http://schemas.microsoft.com/office/drawing/2010/main">
+              <a14:hiddenFill xmlns:a14="http://schemas.microsoft.com/office/drawing/2010/main" xmlns="">
                 <a:solidFill>
                   <a:schemeClr val="bg1"/>
                 </a:solidFill>
               </a14:hiddenFill>
             </a:ext>
             <a:ext uri="{91240B29-F687-4f45-9708-019B960494DF}">
-              <a14:hiddenLine xmlns="" xmlns:a14="http://schemas.microsoft.com/office/drawing/2010/main" w="12700">
+              <a14:hiddenLine xmlns:a14="http://schemas.microsoft.com/office/drawing/2010/main" xmlns="" w="12700">
                 <a:pattFill prst="narHorz">
                   <a:fgClr>
                     <a:schemeClr val="tx1"/>
@@ -371,7 +374,7 @@
               </a14:hiddenLine>
             </a:ext>
             <a:ext uri="{AF507438-7753-43e0-B8FC-AC1667EBCBE1}">
-              <a14:hiddenEffects xmlns="" xmlns:a14="http://schemas.microsoft.com/office/drawing/2010/main">
+              <a14:hiddenEffects xmlns:a14="http://schemas.microsoft.com/office/drawing/2010/main" xmlns="">
                 <a:effectLst>
                   <a:outerShdw dist="35921" dir="2700000" algn="ctr" rotWithShape="0">
                     <a:schemeClr val="bg2"/>
@@ -439,17 +442,17 @@
           <a:effectLst/>
           <a:extLst>
             <a:ext uri="{FAA26D3D-D897-4be2-8F04-BA451C77F1D7}">
-              <ma14:placeholderFlag xmlns="" xmlns:ma14="http://schemas.microsoft.com/office/mac/drawingml/2011/main" val="1"/>
+              <ma14:placeholderFlag xmlns:ma14="http://schemas.microsoft.com/office/mac/drawingml/2011/main" xmlns="" val="1"/>
             </a:ext>
             <a:ext uri="{909E8E84-426E-40dd-AFC4-6F175D3DCCD1}">
-              <a14:hiddenFill xmlns="" xmlns:a14="http://schemas.microsoft.com/office/drawing/2010/main">
+              <a14:hiddenFill xmlns:a14="http://schemas.microsoft.com/office/drawing/2010/main" xmlns="">
                 <a:solidFill>
                   <a:srgbClr val="FFFFFF"/>
                 </a:solidFill>
               </a14:hiddenFill>
             </a:ext>
             <a:ext uri="{AF507438-7753-43e0-B8FC-AC1667EBCBE1}">
-              <a14:hiddenEffects xmlns="" xmlns:a14="http://schemas.microsoft.com/office/drawing/2010/main">
+              <a14:hiddenEffects xmlns:a14="http://schemas.microsoft.com/office/drawing/2010/main" xmlns="">
                 <a:effectLst>
                   <a:outerShdw blurRad="63500" dist="38099" dir="2700000" algn="ctr" rotWithShape="0">
                     <a:srgbClr val="000000">
@@ -460,7 +463,7 @@
               </a14:hiddenEffects>
             </a:ext>
             <a:ext uri="{53640926-AAD7-44d8-BBD7-CCE9431645EC}">
-              <a14:shadowObscured xmlns="" xmlns:a14="http://schemas.microsoft.com/office/drawing/2010/main" val="1"/>
+              <a14:shadowObscured xmlns:a14="http://schemas.microsoft.com/office/drawing/2010/main" xmlns="" val="1"/>
             </a:ext>
           </a:extLst>
         </p:spPr>
@@ -490,14 +493,14 @@
           <a:effectLst/>
           <a:extLst>
             <a:ext uri="{909E8E84-426E-40dd-AFC4-6F175D3DCCD1}">
-              <a14:hiddenFill xmlns="" xmlns:a14="http://schemas.microsoft.com/office/drawing/2010/main">
+              <a14:hiddenFill xmlns:a14="http://schemas.microsoft.com/office/drawing/2010/main" xmlns="">
                 <a:solidFill>
                   <a:schemeClr val="bg1"/>
                 </a:solidFill>
               </a14:hiddenFill>
             </a:ext>
             <a:ext uri="{91240B29-F687-4f45-9708-019B960494DF}">
-              <a14:hiddenLine xmlns="" xmlns:a14="http://schemas.microsoft.com/office/drawing/2010/main" w="12700">
+              <a14:hiddenLine xmlns:a14="http://schemas.microsoft.com/office/drawing/2010/main" xmlns="" w="12700">
                 <a:pattFill prst="narHorz">
                   <a:fgClr>
                     <a:schemeClr val="tx1"/>
@@ -512,7 +515,7 @@
               </a14:hiddenLine>
             </a:ext>
             <a:ext uri="{AF507438-7753-43e0-B8FC-AC1667EBCBE1}">
-              <a14:hiddenEffects xmlns="" xmlns:a14="http://schemas.microsoft.com/office/drawing/2010/main">
+              <a14:hiddenEffects xmlns:a14="http://schemas.microsoft.com/office/drawing/2010/main" xmlns="">
                 <a:effectLst>
                   <a:outerShdw dist="35921" dir="2700000" algn="ctr" rotWithShape="0">
                     <a:schemeClr val="bg2"/>
@@ -762,10 +765,10 @@
         <p:spPr>
           <a:extLst>
             <a:ext uri="{FAA26D3D-D897-4be2-8F04-BA451C77F1D7}">
-              <ma14:placeholderFlag xmlns="" xmlns:ma14="http://schemas.microsoft.com/office/mac/drawingml/2011/main" val="1"/>
+              <ma14:placeholderFlag xmlns:ma14="http://schemas.microsoft.com/office/mac/drawingml/2011/main" xmlns="" val="1"/>
             </a:ext>
             <a:ext uri="{AF507438-7753-43e0-B8FC-AC1667EBCBE1}">
-              <a14:hiddenEffects xmlns="" xmlns:a14="http://schemas.microsoft.com/office/drawing/2010/main">
+              <a14:hiddenEffects xmlns:a14="http://schemas.microsoft.com/office/drawing/2010/main" xmlns="">
                 <a:effectLst>
                   <a:outerShdw blurRad="63500" dist="38099" dir="2700000" algn="ctr" rotWithShape="0">
                     <a:schemeClr val="bg2">
@@ -800,6 +803,95 @@
 </file>
 
 <file path=ppt/notesSlides/notesSlide2.xml><?xml version="1.0" encoding="utf-8"?>
+<p:notes xmlns:a="http://schemas.openxmlformats.org/drawingml/2006/main" xmlns:r="http://schemas.openxmlformats.org/officeDocument/2006/relationships" xmlns:p="http://schemas.openxmlformats.org/presentationml/2006/main">
+  <p:cSld>
+    <p:spTree>
+      <p:nvGrpSpPr>
+        <p:cNvPr id="1" name="">
+          <a:extLst>
+            <a:ext uri="{FF2B5EF4-FFF2-40B4-BE49-F238E27FC236}">
+              <a16:creationId xmlns:a16="http://schemas.microsoft.com/office/drawing/2014/main" id="{712B2149-A777-25A5-D38E-156C70D5C652}"/>
+            </a:ext>
+          </a:extLst>
+        </p:cNvPr>
+        <p:cNvGrpSpPr/>
+        <p:nvPr/>
+      </p:nvGrpSpPr>
+      <p:grpSpPr>
+        <a:xfrm>
+          <a:off x="0" y="0"/>
+          <a:ext cx="0" cy="0"/>
+          <a:chOff x="0" y="0"/>
+          <a:chExt cx="0" cy="0"/>
+        </a:xfrm>
+      </p:grpSpPr>
+      <p:sp>
+        <p:nvSpPr>
+          <p:cNvPr id="2" name="Slide Image Placeholder 1">
+            <a:extLst>
+              <a:ext uri="{FF2B5EF4-FFF2-40B4-BE49-F238E27FC236}">
+                <a16:creationId xmlns:a16="http://schemas.microsoft.com/office/drawing/2014/main" id="{AA14EFBC-2343-0773-053C-21FFA97E1424}"/>
+              </a:ext>
+            </a:extLst>
+          </p:cNvPr>
+          <p:cNvSpPr>
+            <a:spLocks noGrp="1" noRot="1" noChangeAspect="1"/>
+          </p:cNvSpPr>
+          <p:nvPr>
+            <p:ph type="sldImg"/>
+          </p:nvPr>
+        </p:nvSpPr>
+        <p:spPr/>
+      </p:sp>
+      <p:sp>
+        <p:nvSpPr>
+          <p:cNvPr id="3" name="Notes Placeholder 2">
+            <a:extLst>
+              <a:ext uri="{FF2B5EF4-FFF2-40B4-BE49-F238E27FC236}">
+                <a16:creationId xmlns:a16="http://schemas.microsoft.com/office/drawing/2014/main" id="{3BC8B86D-CBE1-3C17-D1BF-40EED3D21004}"/>
+              </a:ext>
+            </a:extLst>
+          </p:cNvPr>
+          <p:cNvSpPr>
+            <a:spLocks noGrp="1"/>
+          </p:cNvSpPr>
+          <p:nvPr>
+            <p:ph type="body" idx="1"/>
+          </p:nvPr>
+        </p:nvSpPr>
+        <p:spPr/>
+        <p:txBody>
+          <a:bodyPr/>
+          <a:lstStyle/>
+          <a:p>
+            <a:r>
+              <a:rPr lang="en-GB" dirty="0"/>
+              <a:t>https://people.eecs.berkeley.edu/~kubitron/courses/cs162-F07/exams/fa07mt1-solutions.pdf</a:t>
+            </a:r>
+          </a:p>
+          <a:p>
+            <a:r>
+              <a:rPr lang="en-GB" dirty="0"/>
+              <a:t>The lawyers are so busy talking that they can only grab one chopstick at a time. Design a deadlock-free algorithm using monitors and Bankers algorithm. </a:t>
+            </a:r>
+            <a:endParaRPr lang="en-SE" dirty="0"/>
+          </a:p>
+        </p:txBody>
+      </p:sp>
+    </p:spTree>
+    <p:extLst>
+      <p:ext uri="{BB962C8B-B14F-4D97-AF65-F5344CB8AC3E}">
+        <p14:creationId xmlns:p14="http://schemas.microsoft.com/office/powerpoint/2010/main" val="3041426559"/>
+      </p:ext>
+    </p:extLst>
+  </p:cSld>
+  <p:clrMapOvr>
+    <a:masterClrMapping/>
+  </p:clrMapOvr>
+</p:notes>
+</file>
+
+<file path=ppt/notesSlides/notesSlide3.xml><?xml version="1.0" encoding="utf-8"?>
 <p:notes xmlns:a="http://schemas.openxmlformats.org/drawingml/2006/main" xmlns:r="http://schemas.openxmlformats.org/officeDocument/2006/relationships" xmlns:p="http://schemas.openxmlformats.org/presentationml/2006/main">
   <p:cSld>
     <p:spTree>
@@ -870,7 +962,7 @@
 </p:notes>
 </file>
 
-<file path=ppt/notesSlides/notesSlide3.xml><?xml version="1.0" encoding="utf-8"?>
+<file path=ppt/notesSlides/notesSlide4.xml><?xml version="1.0" encoding="utf-8"?>
 <p:notes xmlns:a="http://schemas.openxmlformats.org/drawingml/2006/main" xmlns:r="http://schemas.openxmlformats.org/officeDocument/2006/relationships" xmlns:p="http://schemas.openxmlformats.org/presentationml/2006/main">
   <p:cSld>
     <p:spTree>
@@ -955,7 +1047,7 @@
 </p:notes>
 </file>
 
-<file path=ppt/notesSlides/notesSlide4.xml><?xml version="1.0" encoding="utf-8"?>
+<file path=ppt/notesSlides/notesSlide5.xml><?xml version="1.0" encoding="utf-8"?>
 <p:notes xmlns:a="http://schemas.openxmlformats.org/drawingml/2006/main" xmlns:r="http://schemas.openxmlformats.org/officeDocument/2006/relationships" xmlns:p="http://schemas.openxmlformats.org/presentationml/2006/main">
   <p:cSld>
     <p:spTree>
@@ -1022,7 +1114,7 @@
 </p:notes>
 </file>
 
-<file path=ppt/notesSlides/notesSlide5.xml><?xml version="1.0" encoding="utf-8"?>
+<file path=ppt/notesSlides/notesSlide6.xml><?xml version="1.0" encoding="utf-8"?>
 <p:notes xmlns:a="http://schemas.openxmlformats.org/drawingml/2006/main" xmlns:r="http://schemas.openxmlformats.org/officeDocument/2006/relationships" xmlns:p="http://schemas.openxmlformats.org/presentationml/2006/main">
   <p:cSld>
     <p:spTree>
@@ -1107,7 +1199,7 @@
 </p:notes>
 </file>
 
-<file path=ppt/notesSlides/notesSlide6.xml><?xml version="1.0" encoding="utf-8"?>
+<file path=ppt/notesSlides/notesSlide7.xml><?xml version="1.0" encoding="utf-8"?>
 <p:notes xmlns:a="http://schemas.openxmlformats.org/drawingml/2006/main" xmlns:r="http://schemas.openxmlformats.org/officeDocument/2006/relationships" xmlns:p="http://schemas.openxmlformats.org/presentationml/2006/main">
   <p:cSld>
     <p:spTree>
@@ -3484,17 +3576,17 @@
           <a:effectLst/>
           <a:extLst>
             <a:ext uri="{FAA26D3D-D897-4be2-8F04-BA451C77F1D7}">
-              <ma14:placeholderFlag xmlns="" xmlns:ma14="http://schemas.microsoft.com/office/mac/drawingml/2011/main" val="1"/>
+              <ma14:placeholderFlag xmlns:ma14="http://schemas.microsoft.com/office/mac/drawingml/2011/main" xmlns="" val="1"/>
             </a:ext>
             <a:ext uri="{909E8E84-426E-40dd-AFC4-6F175D3DCCD1}">
-              <a14:hiddenFill xmlns="" xmlns:a14="http://schemas.microsoft.com/office/drawing/2010/main">
+              <a14:hiddenFill xmlns:a14="http://schemas.microsoft.com/office/drawing/2010/main" xmlns="">
                 <a:solidFill>
                   <a:schemeClr val="bg1"/>
                 </a:solidFill>
               </a14:hiddenFill>
             </a:ext>
             <a:ext uri="{91240B29-F687-4f45-9708-019B960494DF}">
-              <a14:hiddenLine xmlns="" xmlns:a14="http://schemas.microsoft.com/office/drawing/2010/main" w="12700">
+              <a14:hiddenLine xmlns:a14="http://schemas.microsoft.com/office/drawing/2010/main" xmlns="" w="12700">
                 <a:pattFill prst="narHorz">
                   <a:fgClr>
                     <a:schemeClr val="tx1"/>
@@ -3509,7 +3601,7 @@
               </a14:hiddenLine>
             </a:ext>
             <a:ext uri="{AF507438-7753-43e0-B8FC-AC1667EBCBE1}">
-              <a14:hiddenEffects xmlns="" xmlns:a14="http://schemas.microsoft.com/office/drawing/2010/main">
+              <a14:hiddenEffects xmlns:a14="http://schemas.microsoft.com/office/drawing/2010/main" xmlns="">
                 <a:effectLst>
                   <a:outerShdw blurRad="63500" dist="38099" dir="2700000" algn="ctr" rotWithShape="0">
                     <a:schemeClr val="bg2">
@@ -3562,17 +3654,17 @@
           <a:effectLst/>
           <a:extLst>
             <a:ext uri="{FAA26D3D-D897-4be2-8F04-BA451C77F1D7}">
-              <ma14:placeholderFlag xmlns="" xmlns:ma14="http://schemas.microsoft.com/office/mac/drawingml/2011/main" val="1"/>
+              <ma14:placeholderFlag xmlns:ma14="http://schemas.microsoft.com/office/mac/drawingml/2011/main" xmlns="" val="1"/>
             </a:ext>
             <a:ext uri="{909E8E84-426E-40dd-AFC4-6F175D3DCCD1}">
-              <a14:hiddenFill xmlns="" xmlns:a14="http://schemas.microsoft.com/office/drawing/2010/main">
+              <a14:hiddenFill xmlns:a14="http://schemas.microsoft.com/office/drawing/2010/main" xmlns="">
                 <a:solidFill>
                   <a:schemeClr val="bg1"/>
                 </a:solidFill>
               </a14:hiddenFill>
             </a:ext>
             <a:ext uri="{91240B29-F687-4f45-9708-019B960494DF}">
-              <a14:hiddenLine xmlns="" xmlns:a14="http://schemas.microsoft.com/office/drawing/2010/main" w="12700">
+              <a14:hiddenLine xmlns:a14="http://schemas.microsoft.com/office/drawing/2010/main" xmlns="" w="12700">
                 <a:pattFill prst="narHorz">
                   <a:fgClr>
                     <a:schemeClr val="tx1"/>
@@ -3587,7 +3679,7 @@
               </a14:hiddenLine>
             </a:ext>
             <a:ext uri="{AF507438-7753-43e0-B8FC-AC1667EBCBE1}">
-              <a14:hiddenEffects xmlns="" xmlns:a14="http://schemas.microsoft.com/office/drawing/2010/main">
+              <a14:hiddenEffects xmlns:a14="http://schemas.microsoft.com/office/drawing/2010/main" xmlns="">
                 <a:effectLst>
                   <a:outerShdw blurRad="63500" dist="38099" dir="2700000" algn="ctr" rotWithShape="0">
                     <a:schemeClr val="bg2">
@@ -3671,12 +3763,12 @@
           <a:effectLst/>
           <a:extLst>
             <a:ext uri="{909E8E84-426E-40dd-AFC4-6F175D3DCCD1}">
-              <a14:hiddenFill xmlns="" xmlns:a14="http://schemas.microsoft.com/office/drawing/2010/main">
+              <a14:hiddenFill xmlns:a14="http://schemas.microsoft.com/office/drawing/2010/main" xmlns="">
                 <a:noFill/>
               </a14:hiddenFill>
             </a:ext>
             <a:ext uri="{AF507438-7753-43e0-B8FC-AC1667EBCBE1}">
-              <a14:hiddenEffects xmlns="" xmlns:a14="http://schemas.microsoft.com/office/drawing/2010/main">
+              <a14:hiddenEffects xmlns:a14="http://schemas.microsoft.com/office/drawing/2010/main" xmlns="">
                 <a:effectLst>
                   <a:outerShdw blurRad="63500" dist="38099" dir="2700000" algn="ctr" rotWithShape="0">
                     <a:schemeClr val="bg2">
@@ -4521,6 +4613,1864 @@
           <p:cNvPr id="2" name="Title 1">
             <a:extLst>
               <a:ext uri="{FF2B5EF4-FFF2-40B4-BE49-F238E27FC236}">
+                <a16:creationId xmlns:a16="http://schemas.microsoft.com/office/drawing/2014/main" id="{8517CBEC-05EA-7A5F-F4B4-1BC21C95AD1B}"/>
+              </a:ext>
+            </a:extLst>
+          </p:cNvPr>
+          <p:cNvSpPr>
+            <a:spLocks noGrp="1"/>
+          </p:cNvSpPr>
+          <p:nvPr>
+            <p:ph type="title"/>
+          </p:nvPr>
+        </p:nvSpPr>
+        <p:spPr/>
+        <p:txBody>
+          <a:bodyPr/>
+          <a:lstStyle/>
+          <a:p>
+            <a:r>
+              <a:rPr lang="en-GB" dirty="0"/>
+              <a:t>Quiz: Dining Lawyers II Answer</a:t>
+            </a:r>
+            <a:endParaRPr lang="en-SE" dirty="0"/>
+          </a:p>
+        </p:txBody>
+      </p:sp>
+      <p:sp>
+        <p:nvSpPr>
+          <p:cNvPr id="3" name="Content Placeholder 2">
+            <a:extLst>
+              <a:ext uri="{FF2B5EF4-FFF2-40B4-BE49-F238E27FC236}">
+                <a16:creationId xmlns:a16="http://schemas.microsoft.com/office/drawing/2014/main" id="{122E96A8-E236-1836-858B-8BE14C20DCB7}"/>
+              </a:ext>
+            </a:extLst>
+          </p:cNvPr>
+          <p:cNvSpPr>
+            <a:spLocks noGrp="1"/>
+          </p:cNvSpPr>
+          <p:nvPr>
+            <p:ph idx="1"/>
+          </p:nvPr>
+        </p:nvSpPr>
+        <p:spPr>
+          <a:xfrm>
+            <a:off x="330200" y="914400"/>
+            <a:ext cx="6108700" cy="5105400"/>
+          </a:xfrm>
+        </p:spPr>
+        <p:txBody>
+          <a:bodyPr>
+            <a:normAutofit fontScale="92500" lnSpcReduction="20000"/>
+          </a:bodyPr>
+          <a:lstStyle/>
+          <a:p>
+            <a:r>
+              <a:rPr lang="en-GB" dirty="0"/>
+              <a:t>ANS: No deadlocks, since it’s not possible to have circular waiting.</a:t>
+            </a:r>
+          </a:p>
+          <a:p>
+            <a:r>
+              <a:rPr lang="en-GB" dirty="0"/>
+              <a:t>All lawyers follow the same resource acquisition order:</a:t>
+            </a:r>
+          </a:p>
+          <a:p>
+            <a:pPr lvl="1"/>
+            <a:r>
+              <a:rPr lang="en-GB" dirty="0"/>
+              <a:t>1. Knife</a:t>
+            </a:r>
+          </a:p>
+          <a:p>
+            <a:pPr lvl="1"/>
+            <a:r>
+              <a:rPr lang="en-GB" dirty="0"/>
+              <a:t>2. Fork</a:t>
+            </a:r>
+          </a:p>
+          <a:p>
+            <a:r>
+              <a:rPr lang="en-GB" dirty="0"/>
+              <a:t>Since lawyers do not wait for resources held by others in a cyclic manner, no circular dependency forms.</a:t>
+            </a:r>
+          </a:p>
+          <a:p>
+            <a:r>
+              <a:rPr lang="en-GB" dirty="0"/>
+              <a:t>Example: If all knives are taken, lawyers without knives wait for returned knives. Those with knives either acquire forks (if available) or wait for forks to be returned. With at least one fork in the system, progress is guaranteed once utensils are released.</a:t>
+            </a:r>
+            <a:endParaRPr lang="en-SE" dirty="0"/>
+          </a:p>
+        </p:txBody>
+      </p:sp>
+      <p:sp>
+        <p:nvSpPr>
+          <p:cNvPr id="4" name="Oval 4">
+            <a:extLst>
+              <a:ext uri="{FF2B5EF4-FFF2-40B4-BE49-F238E27FC236}">
+                <a16:creationId xmlns:a16="http://schemas.microsoft.com/office/drawing/2014/main" id="{E867835D-6934-3C2A-08B6-CCB61809774A}"/>
+              </a:ext>
+            </a:extLst>
+          </p:cNvPr>
+          <p:cNvSpPr>
+            <a:spLocks noChangeArrowheads="1"/>
+          </p:cNvSpPr>
+          <p:nvPr/>
+        </p:nvSpPr>
+        <p:spPr bwMode="auto">
+          <a:xfrm>
+            <a:off x="7197725" y="2452688"/>
+            <a:ext cx="811212" cy="752475"/>
+          </a:xfrm>
+          <a:prstGeom prst="ellipse">
+            <a:avLst/>
+          </a:prstGeom>
+          <a:solidFill>
+            <a:schemeClr val="bg1"/>
+          </a:solidFill>
+          <a:ln w="38100" algn="ctr">
+            <a:solidFill>
+              <a:schemeClr val="tx1"/>
+            </a:solidFill>
+            <a:round/>
+            <a:headEnd/>
+            <a:tailEnd/>
+          </a:ln>
+        </p:spPr>
+        <p:txBody>
+          <a:bodyPr wrap="none" anchor="ctr"/>
+          <a:lstStyle/>
+          <a:p>
+            <a:pPr algn="ctr"/>
+            <a:r>
+              <a:rPr lang="en-US" altLang="zh-CN" b="0">
+                <a:solidFill>
+                  <a:srgbClr val="000000"/>
+                </a:solidFill>
+                <a:latin typeface="Times New Roman" pitchFamily="18" charset="0"/>
+                <a:ea typeface="宋体" charset="-122"/>
+                <a:cs typeface="+mn-cs"/>
+              </a:rPr>
+              <a:t>P1</a:t>
+            </a:r>
+          </a:p>
+        </p:txBody>
+      </p:sp>
+      <p:sp>
+        <p:nvSpPr>
+          <p:cNvPr id="5" name="Oval 6">
+            <a:extLst>
+              <a:ext uri="{FF2B5EF4-FFF2-40B4-BE49-F238E27FC236}">
+                <a16:creationId xmlns:a16="http://schemas.microsoft.com/office/drawing/2014/main" id="{552F5B16-4803-988A-522D-9EBAB66A1DAE}"/>
+              </a:ext>
+            </a:extLst>
+          </p:cNvPr>
+          <p:cNvSpPr>
+            <a:spLocks noChangeArrowheads="1"/>
+          </p:cNvSpPr>
+          <p:nvPr/>
+        </p:nvSpPr>
+        <p:spPr bwMode="auto">
+          <a:xfrm>
+            <a:off x="10614025" y="2452688"/>
+            <a:ext cx="811212" cy="752475"/>
+          </a:xfrm>
+          <a:prstGeom prst="ellipse">
+            <a:avLst/>
+          </a:prstGeom>
+          <a:solidFill>
+            <a:schemeClr val="bg1"/>
+          </a:solidFill>
+          <a:ln w="38100" algn="ctr">
+            <a:solidFill>
+              <a:schemeClr val="tx1"/>
+            </a:solidFill>
+            <a:round/>
+            <a:headEnd/>
+            <a:tailEnd/>
+          </a:ln>
+        </p:spPr>
+        <p:txBody>
+          <a:bodyPr wrap="none" anchor="ctr"/>
+          <a:lstStyle/>
+          <a:p>
+            <a:pPr algn="ctr"/>
+            <a:r>
+              <a:rPr lang="en-US" altLang="zh-CN" b="0">
+                <a:solidFill>
+                  <a:srgbClr val="000000"/>
+                </a:solidFill>
+                <a:latin typeface="Times New Roman" pitchFamily="18" charset="0"/>
+                <a:ea typeface="宋体" charset="-122"/>
+                <a:cs typeface="+mn-cs"/>
+              </a:rPr>
+              <a:t>P2</a:t>
+            </a:r>
+          </a:p>
+        </p:txBody>
+      </p:sp>
+      <p:sp>
+        <p:nvSpPr>
+          <p:cNvPr id="6" name="Rectangle 7">
+            <a:extLst>
+              <a:ext uri="{FF2B5EF4-FFF2-40B4-BE49-F238E27FC236}">
+                <a16:creationId xmlns:a16="http://schemas.microsoft.com/office/drawing/2014/main" id="{698A0198-3468-DF0F-8B71-8F9519F71B44}"/>
+              </a:ext>
+            </a:extLst>
+          </p:cNvPr>
+          <p:cNvSpPr>
+            <a:spLocks noChangeArrowheads="1"/>
+          </p:cNvSpPr>
+          <p:nvPr/>
+        </p:nvSpPr>
+        <p:spPr bwMode="auto">
+          <a:xfrm>
+            <a:off x="8731250" y="3414713"/>
+            <a:ext cx="982662" cy="930275"/>
+          </a:xfrm>
+          <a:prstGeom prst="rect">
+            <a:avLst/>
+          </a:prstGeom>
+          <a:solidFill>
+            <a:schemeClr val="bg1"/>
+          </a:solidFill>
+          <a:ln w="38100" algn="ctr">
+            <a:solidFill>
+              <a:schemeClr val="tx1"/>
+            </a:solidFill>
+            <a:miter lim="800000"/>
+            <a:headEnd/>
+            <a:tailEnd/>
+          </a:ln>
+        </p:spPr>
+        <p:txBody>
+          <a:bodyPr wrap="none" anchor="ctr"/>
+          <a:lstStyle/>
+          <a:p>
+            <a:pPr algn="ctr"/>
+            <a:r>
+              <a:rPr lang="en-US" altLang="zh-CN" b="0" dirty="0">
+                <a:solidFill>
+                  <a:srgbClr val="000000"/>
+                </a:solidFill>
+                <a:latin typeface="Times New Roman" pitchFamily="18" charset="0"/>
+                <a:ea typeface="宋体" charset="-122"/>
+                <a:cs typeface="+mn-cs"/>
+              </a:rPr>
+              <a:t>1 fork</a:t>
+            </a:r>
+          </a:p>
+        </p:txBody>
+      </p:sp>
+      <p:sp>
+        <p:nvSpPr>
+          <p:cNvPr id="7" name="Rectangle 9">
+            <a:extLst>
+              <a:ext uri="{FF2B5EF4-FFF2-40B4-BE49-F238E27FC236}">
+                <a16:creationId xmlns:a16="http://schemas.microsoft.com/office/drawing/2014/main" id="{44737D0F-486E-A5BB-4C27-1A899C0D2973}"/>
+              </a:ext>
+            </a:extLst>
+          </p:cNvPr>
+          <p:cNvSpPr>
+            <a:spLocks noChangeArrowheads="1"/>
+          </p:cNvSpPr>
+          <p:nvPr/>
+        </p:nvSpPr>
+        <p:spPr bwMode="auto">
+          <a:xfrm>
+            <a:off x="8610600" y="1676400"/>
+            <a:ext cx="984250" cy="949325"/>
+          </a:xfrm>
+          <a:prstGeom prst="rect">
+            <a:avLst/>
+          </a:prstGeom>
+          <a:solidFill>
+            <a:schemeClr val="bg1"/>
+          </a:solidFill>
+          <a:ln w="38100" algn="ctr">
+            <a:solidFill>
+              <a:schemeClr val="tx1"/>
+            </a:solidFill>
+            <a:miter lim="800000"/>
+            <a:headEnd/>
+            <a:tailEnd/>
+          </a:ln>
+        </p:spPr>
+        <p:txBody>
+          <a:bodyPr wrap="none" anchor="ctr"/>
+          <a:lstStyle/>
+          <a:p>
+            <a:pPr algn="ctr"/>
+            <a:r>
+              <a:rPr lang="en-US" altLang="zh-CN" b="0" dirty="0">
+                <a:solidFill>
+                  <a:srgbClr val="000000"/>
+                </a:solidFill>
+                <a:latin typeface="Times New Roman" pitchFamily="18" charset="0"/>
+                <a:ea typeface="宋体" charset="-122"/>
+                <a:cs typeface="+mn-cs"/>
+              </a:rPr>
+              <a:t>1 knife</a:t>
+            </a:r>
+          </a:p>
+        </p:txBody>
+      </p:sp>
+      <p:sp>
+        <p:nvSpPr>
+          <p:cNvPr id="8" name="Line 10">
+            <a:extLst>
+              <a:ext uri="{FF2B5EF4-FFF2-40B4-BE49-F238E27FC236}">
+                <a16:creationId xmlns:a16="http://schemas.microsoft.com/office/drawing/2014/main" id="{3ABED2A5-A545-E8D9-3972-F0692A3E9BD1}"/>
+              </a:ext>
+            </a:extLst>
+          </p:cNvPr>
+          <p:cNvSpPr>
+            <a:spLocks noChangeShapeType="1"/>
+          </p:cNvSpPr>
+          <p:nvPr/>
+        </p:nvSpPr>
+        <p:spPr bwMode="auto">
+          <a:xfrm>
+            <a:off x="7835900" y="3205163"/>
+            <a:ext cx="895350" cy="674687"/>
+          </a:xfrm>
+          <a:prstGeom prst="line">
+            <a:avLst/>
+          </a:prstGeom>
+          <a:noFill/>
+          <a:ln w="38100">
+            <a:solidFill>
+              <a:schemeClr val="tx1"/>
+            </a:solidFill>
+            <a:round/>
+            <a:headEnd/>
+            <a:tailEnd type="triangle" w="med" len="med"/>
+          </a:ln>
+        </p:spPr>
+        <p:txBody>
+          <a:bodyPr wrap="none" anchor="ctr"/>
+          <a:lstStyle/>
+          <a:p>
+            <a:pPr algn="ctr"/>
+            <a:endParaRPr lang="zh-CN" altLang="en-US" b="0">
+              <a:solidFill>
+                <a:srgbClr val="000000"/>
+              </a:solidFill>
+              <a:latin typeface="Times New Roman" pitchFamily="18" charset="0"/>
+              <a:ea typeface="+mn-ea"/>
+              <a:cs typeface="+mn-cs"/>
+            </a:endParaRPr>
+          </a:p>
+        </p:txBody>
+      </p:sp>
+      <p:sp>
+        <p:nvSpPr>
+          <p:cNvPr id="9" name="Line 11">
+            <a:extLst>
+              <a:ext uri="{FF2B5EF4-FFF2-40B4-BE49-F238E27FC236}">
+                <a16:creationId xmlns:a16="http://schemas.microsoft.com/office/drawing/2014/main" id="{D682D274-68F0-E988-E39C-AA5D48447C2B}"/>
+              </a:ext>
+            </a:extLst>
+          </p:cNvPr>
+          <p:cNvSpPr>
+            <a:spLocks noChangeShapeType="1"/>
+          </p:cNvSpPr>
+          <p:nvPr/>
+        </p:nvSpPr>
+        <p:spPr bwMode="auto">
+          <a:xfrm flipV="1">
+            <a:off x="9317038" y="3205163"/>
+            <a:ext cx="1482725" cy="860425"/>
+          </a:xfrm>
+          <a:prstGeom prst="line">
+            <a:avLst/>
+          </a:prstGeom>
+          <a:noFill/>
+          <a:ln w="38100">
+            <a:solidFill>
+              <a:schemeClr val="tx1"/>
+            </a:solidFill>
+            <a:round/>
+            <a:headEnd type="oval" w="lg" len="lg"/>
+            <a:tailEnd type="triangle" w="med" len="med"/>
+          </a:ln>
+        </p:spPr>
+        <p:txBody>
+          <a:bodyPr wrap="none" anchor="ctr"/>
+          <a:lstStyle/>
+          <a:p>
+            <a:pPr algn="ctr"/>
+            <a:endParaRPr lang="zh-CN" altLang="en-US" b="0">
+              <a:solidFill>
+                <a:srgbClr val="000000"/>
+              </a:solidFill>
+              <a:latin typeface="Times New Roman" pitchFamily="18" charset="0"/>
+              <a:ea typeface="+mn-ea"/>
+              <a:cs typeface="+mn-cs"/>
+            </a:endParaRPr>
+          </a:p>
+        </p:txBody>
+      </p:sp>
+      <p:sp>
+        <p:nvSpPr>
+          <p:cNvPr id="10" name="Text Box 12">
+            <a:extLst>
+              <a:ext uri="{FF2B5EF4-FFF2-40B4-BE49-F238E27FC236}">
+                <a16:creationId xmlns:a16="http://schemas.microsoft.com/office/drawing/2014/main" id="{D13E50A3-7BB4-9B85-B418-59F4517F681D}"/>
+              </a:ext>
+            </a:extLst>
+          </p:cNvPr>
+          <p:cNvSpPr txBox="1">
+            <a:spLocks noChangeArrowheads="1"/>
+          </p:cNvSpPr>
+          <p:nvPr/>
+        </p:nvSpPr>
+        <p:spPr bwMode="auto">
+          <a:xfrm>
+            <a:off x="10000456" y="3500085"/>
+            <a:ext cx="2038350" cy="641350"/>
+          </a:xfrm>
+          <a:prstGeom prst="rect">
+            <a:avLst/>
+          </a:prstGeom>
+          <a:noFill/>
+          <a:ln w="38100" algn="ctr">
+            <a:noFill/>
+            <a:miter lim="800000"/>
+            <a:headEnd/>
+            <a:tailEnd/>
+          </a:ln>
+        </p:spPr>
+        <p:txBody>
+          <a:bodyPr>
+            <a:spAutoFit/>
+          </a:bodyPr>
+          <a:lstStyle/>
+          <a:p>
+            <a:pPr algn="ctr">
+              <a:spcBef>
+                <a:spcPct val="50000"/>
+              </a:spcBef>
+            </a:pPr>
+            <a:r>
+              <a:rPr lang="en-US" altLang="zh-CN" b="0" dirty="0">
+                <a:solidFill>
+                  <a:srgbClr val="000000"/>
+                </a:solidFill>
+                <a:latin typeface="Times New Roman" pitchFamily="18" charset="0"/>
+                <a:ea typeface="宋体" charset="-122"/>
+                <a:cs typeface="+mn-cs"/>
+              </a:rPr>
+              <a:t>Resource 1 (a fork) held by Thread 2</a:t>
+            </a:r>
+          </a:p>
+        </p:txBody>
+      </p:sp>
+      <p:sp>
+        <p:nvSpPr>
+          <p:cNvPr id="11" name="Line 13">
+            <a:extLst>
+              <a:ext uri="{FF2B5EF4-FFF2-40B4-BE49-F238E27FC236}">
+                <a16:creationId xmlns:a16="http://schemas.microsoft.com/office/drawing/2014/main" id="{B8D13756-C7C2-7DAE-B92E-A81A5D6F93EF}"/>
+              </a:ext>
+            </a:extLst>
+          </p:cNvPr>
+          <p:cNvSpPr>
+            <a:spLocks noChangeShapeType="1"/>
+          </p:cNvSpPr>
+          <p:nvPr/>
+        </p:nvSpPr>
+        <p:spPr bwMode="auto">
+          <a:xfrm flipH="1" flipV="1">
+            <a:off x="9594851" y="2181224"/>
+            <a:ext cx="1019175" cy="444500"/>
+          </a:xfrm>
+          <a:prstGeom prst="line">
+            <a:avLst/>
+          </a:prstGeom>
+          <a:noFill/>
+          <a:ln w="38100">
+            <a:solidFill>
+              <a:schemeClr val="tx1"/>
+            </a:solidFill>
+            <a:round/>
+            <a:headEnd/>
+            <a:tailEnd type="triangle" w="med" len="med"/>
+          </a:ln>
+        </p:spPr>
+        <p:txBody>
+          <a:bodyPr wrap="none" anchor="ctr"/>
+          <a:lstStyle/>
+          <a:p>
+            <a:pPr algn="ctr"/>
+            <a:endParaRPr lang="zh-CN" altLang="en-US" b="0">
+              <a:solidFill>
+                <a:srgbClr val="000000"/>
+              </a:solidFill>
+              <a:latin typeface="Times New Roman" pitchFamily="18" charset="0"/>
+              <a:ea typeface="+mn-ea"/>
+              <a:cs typeface="+mn-cs"/>
+            </a:endParaRPr>
+          </a:p>
+        </p:txBody>
+      </p:sp>
+      <p:sp>
+        <p:nvSpPr>
+          <p:cNvPr id="12" name="Text Box 14">
+            <a:extLst>
+              <a:ext uri="{FF2B5EF4-FFF2-40B4-BE49-F238E27FC236}">
+                <a16:creationId xmlns:a16="http://schemas.microsoft.com/office/drawing/2014/main" id="{D3F189B8-BEA8-06E5-5DA0-8DDC8DE6B186}"/>
+              </a:ext>
+            </a:extLst>
+          </p:cNvPr>
+          <p:cNvSpPr txBox="1">
+            <a:spLocks noChangeArrowheads="1"/>
+          </p:cNvSpPr>
+          <p:nvPr/>
+        </p:nvSpPr>
+        <p:spPr bwMode="auto">
+          <a:xfrm>
+            <a:off x="9758893" y="1708149"/>
+            <a:ext cx="2184400" cy="923330"/>
+          </a:xfrm>
+          <a:prstGeom prst="rect">
+            <a:avLst/>
+          </a:prstGeom>
+          <a:noFill/>
+          <a:ln w="38100" algn="ctr">
+            <a:noFill/>
+            <a:miter lim="800000"/>
+            <a:headEnd/>
+            <a:tailEnd/>
+          </a:ln>
+        </p:spPr>
+        <p:txBody>
+          <a:bodyPr>
+            <a:spAutoFit/>
+          </a:bodyPr>
+          <a:lstStyle/>
+          <a:p>
+            <a:pPr algn="ctr">
+              <a:spcBef>
+                <a:spcPct val="50000"/>
+              </a:spcBef>
+            </a:pPr>
+            <a:r>
+              <a:rPr lang="en-US" altLang="zh-CN" b="0" dirty="0">
+                <a:solidFill>
+                  <a:srgbClr val="000000"/>
+                </a:solidFill>
+                <a:latin typeface="Times New Roman" pitchFamily="18" charset="0"/>
+                <a:ea typeface="宋体" charset="-122"/>
+                <a:cs typeface="+mn-cs"/>
+              </a:rPr>
+              <a:t>Resource 2 (a knife) requested by Thread 2</a:t>
+            </a:r>
+          </a:p>
+        </p:txBody>
+      </p:sp>
+      <p:sp>
+        <p:nvSpPr>
+          <p:cNvPr id="13" name="Oval 15">
+            <a:extLst>
+              <a:ext uri="{FF2B5EF4-FFF2-40B4-BE49-F238E27FC236}">
+                <a16:creationId xmlns:a16="http://schemas.microsoft.com/office/drawing/2014/main" id="{AC5435DB-07CC-24DD-611F-BE5F6681D918}"/>
+              </a:ext>
+            </a:extLst>
+          </p:cNvPr>
+          <p:cNvSpPr>
+            <a:spLocks noChangeArrowheads="1"/>
+          </p:cNvSpPr>
+          <p:nvPr/>
+        </p:nvSpPr>
+        <p:spPr bwMode="auto">
+          <a:xfrm>
+            <a:off x="9167813" y="2328863"/>
+            <a:ext cx="149225" cy="123825"/>
+          </a:xfrm>
+          <a:prstGeom prst="ellipse">
+            <a:avLst/>
+          </a:prstGeom>
+          <a:solidFill>
+            <a:srgbClr val="000000"/>
+          </a:solidFill>
+          <a:ln w="38100" algn="ctr">
+            <a:solidFill>
+              <a:schemeClr val="tx1"/>
+            </a:solidFill>
+            <a:round/>
+            <a:headEnd/>
+            <a:tailEnd/>
+          </a:ln>
+        </p:spPr>
+        <p:txBody>
+          <a:bodyPr wrap="none" anchor="ctr"/>
+          <a:lstStyle/>
+          <a:p>
+            <a:pPr algn="ctr"/>
+            <a:endParaRPr lang="en-CA" b="0">
+              <a:solidFill>
+                <a:srgbClr val="000000"/>
+              </a:solidFill>
+              <a:latin typeface="Times New Roman" pitchFamily="18" charset="0"/>
+              <a:ea typeface="+mn-ea"/>
+              <a:cs typeface="+mn-cs"/>
+            </a:endParaRPr>
+          </a:p>
+        </p:txBody>
+      </p:sp>
+      <p:sp>
+        <p:nvSpPr>
+          <p:cNvPr id="14" name="Line 16">
+            <a:extLst>
+              <a:ext uri="{FF2B5EF4-FFF2-40B4-BE49-F238E27FC236}">
+                <a16:creationId xmlns:a16="http://schemas.microsoft.com/office/drawing/2014/main" id="{D058D1D8-D5D7-8B94-64B3-4E1BABE6FD1D}"/>
+              </a:ext>
+            </a:extLst>
+          </p:cNvPr>
+          <p:cNvSpPr>
+            <a:spLocks noChangeShapeType="1"/>
+          </p:cNvSpPr>
+          <p:nvPr/>
+        </p:nvSpPr>
+        <p:spPr bwMode="auto">
+          <a:xfrm flipH="1">
+            <a:off x="8008938" y="2452688"/>
+            <a:ext cx="1158875" cy="173037"/>
+          </a:xfrm>
+          <a:prstGeom prst="line">
+            <a:avLst/>
+          </a:prstGeom>
+          <a:noFill/>
+          <a:ln w="38100">
+            <a:solidFill>
+              <a:schemeClr val="tx1"/>
+            </a:solidFill>
+            <a:round/>
+            <a:headEnd/>
+            <a:tailEnd type="triangle" w="med" len="med"/>
+          </a:ln>
+        </p:spPr>
+        <p:txBody>
+          <a:bodyPr wrap="none" anchor="ctr"/>
+          <a:lstStyle/>
+          <a:p>
+            <a:pPr algn="ctr"/>
+            <a:endParaRPr lang="zh-CN" altLang="en-US" b="0">
+              <a:solidFill>
+                <a:srgbClr val="000000"/>
+              </a:solidFill>
+              <a:latin typeface="Times New Roman" pitchFamily="18" charset="0"/>
+              <a:ea typeface="+mn-ea"/>
+              <a:cs typeface="+mn-cs"/>
+            </a:endParaRPr>
+          </a:p>
+        </p:txBody>
+      </p:sp>
+      <p:sp>
+        <p:nvSpPr>
+          <p:cNvPr id="15" name="TextBox 14">
+            <a:extLst>
+              <a:ext uri="{FF2B5EF4-FFF2-40B4-BE49-F238E27FC236}">
+                <a16:creationId xmlns:a16="http://schemas.microsoft.com/office/drawing/2014/main" id="{4F59604D-A012-D748-3A24-CA14FE0BA4A8}"/>
+              </a:ext>
+            </a:extLst>
+          </p:cNvPr>
+          <p:cNvSpPr txBox="1"/>
+          <p:nvPr/>
+        </p:nvSpPr>
+        <p:spPr>
+          <a:xfrm>
+            <a:off x="7919243" y="4639910"/>
+            <a:ext cx="3589337" cy="1015663"/>
+          </a:xfrm>
+          <a:prstGeom prst="rect">
+            <a:avLst/>
+          </a:prstGeom>
+        </p:spPr>
+        <p:style>
+          <a:lnRef idx="1">
+            <a:schemeClr val="dk1"/>
+          </a:lnRef>
+          <a:fillRef idx="2">
+            <a:schemeClr val="dk1"/>
+          </a:fillRef>
+          <a:effectRef idx="1">
+            <a:schemeClr val="dk1"/>
+          </a:effectRef>
+          <a:fontRef idx="minor">
+            <a:schemeClr val="dk1"/>
+          </a:fontRef>
+        </p:style>
+        <p:txBody>
+          <a:bodyPr wrap="square" rtlCol="0">
+            <a:spAutoFit/>
+          </a:bodyPr>
+          <a:lstStyle/>
+          <a:p>
+            <a:r>
+              <a:rPr lang="en-GB" sz="2000" dirty="0">
+                <a:latin typeface="Gill Sans Light"/>
+              </a:rPr>
+              <a:t>This deadlock scenario is not possible under the fixed resource acquisition order: 1. Knife 2. Fork</a:t>
+            </a:r>
+            <a:endParaRPr lang="en-SE" sz="2000" dirty="0">
+              <a:latin typeface="Gill Sans Light"/>
+            </a:endParaRPr>
+          </a:p>
+        </p:txBody>
+      </p:sp>
+      <p:sp>
+        <p:nvSpPr>
+          <p:cNvPr id="16" name="Text Box 12">
+            <a:extLst>
+              <a:ext uri="{FF2B5EF4-FFF2-40B4-BE49-F238E27FC236}">
+                <a16:creationId xmlns:a16="http://schemas.microsoft.com/office/drawing/2014/main" id="{50B76F4E-1708-533E-4648-F80099B60CC5}"/>
+              </a:ext>
+            </a:extLst>
+          </p:cNvPr>
+          <p:cNvSpPr txBox="1">
+            <a:spLocks noChangeArrowheads="1"/>
+          </p:cNvSpPr>
+          <p:nvPr/>
+        </p:nvSpPr>
+        <p:spPr bwMode="auto">
+          <a:xfrm>
+            <a:off x="6296819" y="3500085"/>
+            <a:ext cx="2250194" cy="646331"/>
+          </a:xfrm>
+          <a:prstGeom prst="rect">
+            <a:avLst/>
+          </a:prstGeom>
+          <a:noFill/>
+          <a:ln w="38100" algn="ctr">
+            <a:noFill/>
+            <a:miter lim="800000"/>
+            <a:headEnd/>
+            <a:tailEnd/>
+          </a:ln>
+        </p:spPr>
+        <p:txBody>
+          <a:bodyPr wrap="square">
+            <a:spAutoFit/>
+          </a:bodyPr>
+          <a:lstStyle/>
+          <a:p>
+            <a:pPr algn="ctr">
+              <a:spcBef>
+                <a:spcPct val="50000"/>
+              </a:spcBef>
+            </a:pPr>
+            <a:r>
+              <a:rPr lang="en-US" altLang="zh-CN" b="0" dirty="0">
+                <a:solidFill>
+                  <a:srgbClr val="000000"/>
+                </a:solidFill>
+                <a:latin typeface="Times New Roman" pitchFamily="18" charset="0"/>
+                <a:ea typeface="宋体" charset="-122"/>
+                <a:cs typeface="+mn-cs"/>
+              </a:rPr>
+              <a:t>Resource 1 (a fork) requested by Thread 2</a:t>
+            </a:r>
+          </a:p>
+        </p:txBody>
+      </p:sp>
+      <p:sp>
+        <p:nvSpPr>
+          <p:cNvPr id="17" name="Text Box 14">
+            <a:extLst>
+              <a:ext uri="{FF2B5EF4-FFF2-40B4-BE49-F238E27FC236}">
+                <a16:creationId xmlns:a16="http://schemas.microsoft.com/office/drawing/2014/main" id="{53A1967F-EDC4-4D04-69BA-C16A961E1FF5}"/>
+              </a:ext>
+            </a:extLst>
+          </p:cNvPr>
+          <p:cNvSpPr txBox="1">
+            <a:spLocks noChangeArrowheads="1"/>
+          </p:cNvSpPr>
+          <p:nvPr/>
+        </p:nvSpPr>
+        <p:spPr bwMode="auto">
+          <a:xfrm>
+            <a:off x="6296819" y="1708149"/>
+            <a:ext cx="2184400" cy="646331"/>
+          </a:xfrm>
+          <a:prstGeom prst="rect">
+            <a:avLst/>
+          </a:prstGeom>
+          <a:noFill/>
+          <a:ln w="38100" algn="ctr">
+            <a:noFill/>
+            <a:miter lim="800000"/>
+            <a:headEnd/>
+            <a:tailEnd/>
+          </a:ln>
+        </p:spPr>
+        <p:txBody>
+          <a:bodyPr>
+            <a:spAutoFit/>
+          </a:bodyPr>
+          <a:lstStyle/>
+          <a:p>
+            <a:pPr algn="ctr">
+              <a:spcBef>
+                <a:spcPct val="50000"/>
+              </a:spcBef>
+            </a:pPr>
+            <a:r>
+              <a:rPr lang="en-US" altLang="zh-CN" b="0" dirty="0">
+                <a:solidFill>
+                  <a:srgbClr val="000000"/>
+                </a:solidFill>
+                <a:latin typeface="Times New Roman" pitchFamily="18" charset="0"/>
+                <a:ea typeface="宋体" charset="-122"/>
+                <a:cs typeface="+mn-cs"/>
+              </a:rPr>
+              <a:t>Resource 2 (a knife) held by Thread 2</a:t>
+            </a:r>
+          </a:p>
+        </p:txBody>
+      </p:sp>
+    </p:spTree>
+    <p:extLst>
+      <p:ext uri="{BB962C8B-B14F-4D97-AF65-F5344CB8AC3E}">
+        <p14:creationId xmlns:p14="http://schemas.microsoft.com/office/powerpoint/2010/main" val="2034839176"/>
+      </p:ext>
+    </p:extLst>
+  </p:cSld>
+  <p:clrMapOvr>
+    <a:masterClrMapping/>
+  </p:clrMapOvr>
+  <p:transition/>
+</p:sld>
+</file>
+
+<file path=ppt/slides/slide11.xml><?xml version="1.0" encoding="utf-8"?>
+<p:sld xmlns:a="http://schemas.openxmlformats.org/drawingml/2006/main" xmlns:r="http://schemas.openxmlformats.org/officeDocument/2006/relationships" xmlns:p="http://schemas.openxmlformats.org/presentationml/2006/main">
+  <p:cSld>
+    <p:spTree>
+      <p:nvGrpSpPr>
+        <p:cNvPr id="1" name=""/>
+        <p:cNvGrpSpPr/>
+        <p:nvPr/>
+      </p:nvGrpSpPr>
+      <p:grpSpPr>
+        <a:xfrm>
+          <a:off x="0" y="0"/>
+          <a:ext cx="0" cy="0"/>
+          <a:chOff x="0" y="0"/>
+          <a:chExt cx="0" cy="0"/>
+        </a:xfrm>
+      </p:grpSpPr>
+      <p:sp>
+        <p:nvSpPr>
+          <p:cNvPr id="2" name="Title 1">
+            <a:extLst>
+              <a:ext uri="{FF2B5EF4-FFF2-40B4-BE49-F238E27FC236}">
+                <a16:creationId xmlns:a16="http://schemas.microsoft.com/office/drawing/2014/main" id="{95CECE1A-5EE0-BB49-216D-B4B1AF277470}"/>
+              </a:ext>
+            </a:extLst>
+          </p:cNvPr>
+          <p:cNvSpPr>
+            <a:spLocks noGrp="1"/>
+          </p:cNvSpPr>
+          <p:nvPr>
+            <p:ph type="title"/>
+          </p:nvPr>
+        </p:nvSpPr>
+        <p:spPr/>
+        <p:txBody>
+          <a:bodyPr/>
+          <a:lstStyle/>
+          <a:p>
+            <a:r>
+              <a:rPr lang="en-GB" dirty="0"/>
+              <a:t>Quiz: Dining Lawyers III</a:t>
+            </a:r>
+            <a:endParaRPr lang="en-SE" dirty="0"/>
+          </a:p>
+        </p:txBody>
+      </p:sp>
+      <p:sp>
+        <p:nvSpPr>
+          <p:cNvPr id="3" name="Content Placeholder 2">
+            <a:extLst>
+              <a:ext uri="{FF2B5EF4-FFF2-40B4-BE49-F238E27FC236}">
+                <a16:creationId xmlns:a16="http://schemas.microsoft.com/office/drawing/2014/main" id="{2C890D62-C0BE-DA6D-366C-8F725FB1BCE9}"/>
+              </a:ext>
+            </a:extLst>
+          </p:cNvPr>
+          <p:cNvSpPr>
+            <a:spLocks noGrp="1"/>
+          </p:cNvSpPr>
+          <p:nvPr>
+            <p:ph idx="1"/>
+          </p:nvPr>
+        </p:nvSpPr>
+        <p:spPr/>
+        <p:txBody>
+          <a:bodyPr/>
+          <a:lstStyle/>
+          <a:p>
+            <a:r>
+              <a:rPr lang="en-GB" dirty="0"/>
+              <a:t>If each lawyer has 4 arms, and there is a pile of knives and forks at </a:t>
+            </a:r>
+            <a:r>
+              <a:rPr lang="en-GB" dirty="0" err="1"/>
+              <a:t>center</a:t>
+            </a:r>
+            <a:r>
+              <a:rPr lang="en-GB" dirty="0"/>
+              <a:t> of the table. Assume there are at least 2 knives and 2 forks, so at least one lawyer can eat. Each lawyer follows the following steps:</a:t>
+            </a:r>
+          </a:p>
+          <a:p>
+            <a:pPr lvl="1"/>
+            <a:r>
+              <a:rPr lang="en-GB" dirty="0"/>
+              <a:t>(1) Pick up 2 knives atomically</a:t>
+            </a:r>
+          </a:p>
+          <a:p>
+            <a:pPr lvl="1"/>
+            <a:r>
+              <a:rPr lang="en-GB" dirty="0"/>
+              <a:t>(2) Pick up 2 forks atomically</a:t>
+            </a:r>
+          </a:p>
+          <a:p>
+            <a:pPr lvl="1"/>
+            <a:r>
+              <a:rPr lang="en-GB" dirty="0"/>
+              <a:t>(3) Eat</a:t>
+            </a:r>
+          </a:p>
+          <a:p>
+            <a:pPr lvl="1"/>
+            <a:r>
+              <a:rPr lang="en-GB" dirty="0"/>
+              <a:t>(4) Return the knives and forks to the pile </a:t>
+            </a:r>
+          </a:p>
+          <a:p>
+            <a:r>
+              <a:rPr lang="en-GB" dirty="0"/>
+              <a:t>Q: Can the system be deadlocked?</a:t>
+            </a:r>
+          </a:p>
+          <a:p>
+            <a:pPr marL="0" indent="0">
+              <a:buNone/>
+            </a:pPr>
+            <a:endParaRPr lang="en-GB" dirty="0"/>
+          </a:p>
+          <a:p>
+            <a:endParaRPr lang="en-GB" dirty="0"/>
+          </a:p>
+          <a:p>
+            <a:endParaRPr lang="en-GB" dirty="0"/>
+          </a:p>
+          <a:p>
+            <a:endParaRPr lang="en-GB" dirty="0"/>
+          </a:p>
+          <a:p>
+            <a:endParaRPr lang="en-SE" dirty="0"/>
+          </a:p>
+        </p:txBody>
+      </p:sp>
+    </p:spTree>
+    <p:extLst>
+      <p:ext uri="{BB962C8B-B14F-4D97-AF65-F5344CB8AC3E}">
+        <p14:creationId xmlns:p14="http://schemas.microsoft.com/office/powerpoint/2010/main" val="210011671"/>
+      </p:ext>
+    </p:extLst>
+  </p:cSld>
+  <p:clrMapOvr>
+    <a:masterClrMapping/>
+  </p:clrMapOvr>
+  <p:transition/>
+</p:sld>
+</file>
+
+<file path=ppt/slides/slide12.xml><?xml version="1.0" encoding="utf-8"?>
+<p:sld xmlns:a="http://schemas.openxmlformats.org/drawingml/2006/main" xmlns:r="http://schemas.openxmlformats.org/officeDocument/2006/relationships" xmlns:p="http://schemas.openxmlformats.org/presentationml/2006/main">
+  <p:cSld>
+    <p:spTree>
+      <p:nvGrpSpPr>
+        <p:cNvPr id="1" name="">
+          <a:extLst>
+            <a:ext uri="{FF2B5EF4-FFF2-40B4-BE49-F238E27FC236}">
+              <a16:creationId xmlns:a16="http://schemas.microsoft.com/office/drawing/2014/main" id="{0BC31B84-41FA-87C7-092D-0B4F9BD49CC1}"/>
+            </a:ext>
+          </a:extLst>
+        </p:cNvPr>
+        <p:cNvGrpSpPr/>
+        <p:nvPr/>
+      </p:nvGrpSpPr>
+      <p:grpSpPr>
+        <a:xfrm>
+          <a:off x="0" y="0"/>
+          <a:ext cx="0" cy="0"/>
+          <a:chOff x="0" y="0"/>
+          <a:chExt cx="0" cy="0"/>
+        </a:xfrm>
+      </p:grpSpPr>
+      <p:sp>
+        <p:nvSpPr>
+          <p:cNvPr id="2" name="Title 1">
+            <a:extLst>
+              <a:ext uri="{FF2B5EF4-FFF2-40B4-BE49-F238E27FC236}">
+                <a16:creationId xmlns:a16="http://schemas.microsoft.com/office/drawing/2014/main" id="{417E5918-C3C6-5BBC-2B9F-D220ED8337BB}"/>
+              </a:ext>
+            </a:extLst>
+          </p:cNvPr>
+          <p:cNvSpPr>
+            <a:spLocks noGrp="1"/>
+          </p:cNvSpPr>
+          <p:nvPr>
+            <p:ph type="title"/>
+          </p:nvPr>
+        </p:nvSpPr>
+        <p:spPr/>
+        <p:txBody>
+          <a:bodyPr/>
+          <a:lstStyle/>
+          <a:p>
+            <a:r>
+              <a:rPr lang="en-GB" dirty="0"/>
+              <a:t>Quiz: Dining Lawyers III Answer</a:t>
+            </a:r>
+            <a:endParaRPr lang="en-SE" dirty="0"/>
+          </a:p>
+        </p:txBody>
+      </p:sp>
+      <p:sp>
+        <p:nvSpPr>
+          <p:cNvPr id="3" name="Content Placeholder 2">
+            <a:extLst>
+              <a:ext uri="{FF2B5EF4-FFF2-40B4-BE49-F238E27FC236}">
+                <a16:creationId xmlns:a16="http://schemas.microsoft.com/office/drawing/2014/main" id="{9384C27C-506C-58B9-A616-57AF72E5CEE6}"/>
+              </a:ext>
+            </a:extLst>
+          </p:cNvPr>
+          <p:cNvSpPr>
+            <a:spLocks noGrp="1"/>
+          </p:cNvSpPr>
+          <p:nvPr>
+            <p:ph idx="1"/>
+          </p:nvPr>
+        </p:nvSpPr>
+        <p:spPr>
+          <a:xfrm>
+            <a:off x="330200" y="914400"/>
+            <a:ext cx="6831012" cy="5105400"/>
+          </a:xfrm>
+        </p:spPr>
+        <p:txBody>
+          <a:bodyPr>
+            <a:normAutofit/>
+          </a:bodyPr>
+          <a:lstStyle/>
+          <a:p>
+            <a:r>
+              <a:rPr lang="en-GB" dirty="0"/>
+              <a:t>ANS: No deadlocks, since it’s not possible to have circular waiting.</a:t>
+            </a:r>
+          </a:p>
+          <a:p>
+            <a:r>
+              <a:rPr lang="en-GB" dirty="0"/>
+              <a:t>All lawyers follow the same resource acquisition order:</a:t>
+            </a:r>
+          </a:p>
+          <a:p>
+            <a:pPr lvl="1"/>
+            <a:r>
+              <a:rPr lang="en-GB" dirty="0"/>
+              <a:t>1. Two knives</a:t>
+            </a:r>
+          </a:p>
+          <a:p>
+            <a:pPr lvl="1"/>
+            <a:r>
+              <a:rPr lang="en-GB" dirty="0"/>
+              <a:t>2. Two forks</a:t>
+            </a:r>
+          </a:p>
+          <a:p>
+            <a:r>
+              <a:rPr lang="en-GB" dirty="0"/>
+              <a:t>Since lawyers do not wait for resources held by others in a cyclic manner, no circular dependency forms.</a:t>
+            </a:r>
+            <a:endParaRPr lang="en-SE" dirty="0"/>
+          </a:p>
+        </p:txBody>
+      </p:sp>
+      <p:sp>
+        <p:nvSpPr>
+          <p:cNvPr id="4" name="Oval 4">
+            <a:extLst>
+              <a:ext uri="{FF2B5EF4-FFF2-40B4-BE49-F238E27FC236}">
+                <a16:creationId xmlns:a16="http://schemas.microsoft.com/office/drawing/2014/main" id="{1ABF8111-4C7E-340C-8175-EB71A7218CCF}"/>
+              </a:ext>
+            </a:extLst>
+          </p:cNvPr>
+          <p:cNvSpPr>
+            <a:spLocks noChangeArrowheads="1"/>
+          </p:cNvSpPr>
+          <p:nvPr/>
+        </p:nvSpPr>
+        <p:spPr bwMode="auto">
+          <a:xfrm>
+            <a:off x="7161213" y="2909888"/>
+            <a:ext cx="811212" cy="752475"/>
+          </a:xfrm>
+          <a:prstGeom prst="ellipse">
+            <a:avLst/>
+          </a:prstGeom>
+          <a:solidFill>
+            <a:schemeClr val="bg1"/>
+          </a:solidFill>
+          <a:ln w="38100" algn="ctr">
+            <a:solidFill>
+              <a:schemeClr val="tx1"/>
+            </a:solidFill>
+            <a:round/>
+            <a:headEnd/>
+            <a:tailEnd/>
+          </a:ln>
+        </p:spPr>
+        <p:txBody>
+          <a:bodyPr wrap="none" anchor="ctr"/>
+          <a:lstStyle/>
+          <a:p>
+            <a:pPr algn="ctr"/>
+            <a:r>
+              <a:rPr lang="en-US" altLang="zh-CN" b="0">
+                <a:solidFill>
+                  <a:srgbClr val="000000"/>
+                </a:solidFill>
+                <a:latin typeface="Times New Roman" pitchFamily="18" charset="0"/>
+                <a:ea typeface="宋体" charset="-122"/>
+                <a:cs typeface="+mn-cs"/>
+              </a:rPr>
+              <a:t>P1</a:t>
+            </a:r>
+          </a:p>
+        </p:txBody>
+      </p:sp>
+      <p:sp>
+        <p:nvSpPr>
+          <p:cNvPr id="5" name="Oval 6">
+            <a:extLst>
+              <a:ext uri="{FF2B5EF4-FFF2-40B4-BE49-F238E27FC236}">
+                <a16:creationId xmlns:a16="http://schemas.microsoft.com/office/drawing/2014/main" id="{7DC6FA58-E833-D056-4D42-25A1A013EA0A}"/>
+              </a:ext>
+            </a:extLst>
+          </p:cNvPr>
+          <p:cNvSpPr>
+            <a:spLocks noChangeArrowheads="1"/>
+          </p:cNvSpPr>
+          <p:nvPr/>
+        </p:nvSpPr>
+        <p:spPr bwMode="auto">
+          <a:xfrm>
+            <a:off x="10577513" y="2909888"/>
+            <a:ext cx="811212" cy="752475"/>
+          </a:xfrm>
+          <a:prstGeom prst="ellipse">
+            <a:avLst/>
+          </a:prstGeom>
+          <a:solidFill>
+            <a:schemeClr val="bg1"/>
+          </a:solidFill>
+          <a:ln w="38100" algn="ctr">
+            <a:solidFill>
+              <a:schemeClr val="tx1"/>
+            </a:solidFill>
+            <a:round/>
+            <a:headEnd/>
+            <a:tailEnd/>
+          </a:ln>
+        </p:spPr>
+        <p:txBody>
+          <a:bodyPr wrap="none" anchor="ctr"/>
+          <a:lstStyle/>
+          <a:p>
+            <a:pPr algn="ctr"/>
+            <a:r>
+              <a:rPr lang="en-US" altLang="zh-CN" b="0">
+                <a:solidFill>
+                  <a:srgbClr val="000000"/>
+                </a:solidFill>
+                <a:latin typeface="Times New Roman" pitchFamily="18" charset="0"/>
+                <a:ea typeface="宋体" charset="-122"/>
+                <a:cs typeface="+mn-cs"/>
+              </a:rPr>
+              <a:t>P2</a:t>
+            </a:r>
+          </a:p>
+        </p:txBody>
+      </p:sp>
+      <p:sp>
+        <p:nvSpPr>
+          <p:cNvPr id="6" name="Rectangle 7">
+            <a:extLst>
+              <a:ext uri="{FF2B5EF4-FFF2-40B4-BE49-F238E27FC236}">
+                <a16:creationId xmlns:a16="http://schemas.microsoft.com/office/drawing/2014/main" id="{4F7F7DEC-7F30-789D-D157-ABDE3C9D3567}"/>
+              </a:ext>
+            </a:extLst>
+          </p:cNvPr>
+          <p:cNvSpPr>
+            <a:spLocks noChangeArrowheads="1"/>
+          </p:cNvSpPr>
+          <p:nvPr/>
+        </p:nvSpPr>
+        <p:spPr bwMode="auto">
+          <a:xfrm>
+            <a:off x="8694738" y="3871913"/>
+            <a:ext cx="982662" cy="930275"/>
+          </a:xfrm>
+          <a:prstGeom prst="rect">
+            <a:avLst/>
+          </a:prstGeom>
+          <a:solidFill>
+            <a:schemeClr val="bg1"/>
+          </a:solidFill>
+          <a:ln w="38100" algn="ctr">
+            <a:solidFill>
+              <a:schemeClr val="tx1"/>
+            </a:solidFill>
+            <a:miter lim="800000"/>
+            <a:headEnd/>
+            <a:tailEnd/>
+          </a:ln>
+        </p:spPr>
+        <p:txBody>
+          <a:bodyPr wrap="none" anchor="ctr"/>
+          <a:lstStyle/>
+          <a:p>
+            <a:pPr algn="ctr"/>
+            <a:r>
+              <a:rPr lang="en-US" altLang="zh-CN" b="0" dirty="0">
+                <a:solidFill>
+                  <a:srgbClr val="000000"/>
+                </a:solidFill>
+                <a:latin typeface="Times New Roman" pitchFamily="18" charset="0"/>
+                <a:ea typeface="宋体" charset="-122"/>
+                <a:cs typeface="+mn-cs"/>
+              </a:rPr>
+              <a:t>2 forks</a:t>
+            </a:r>
+          </a:p>
+        </p:txBody>
+      </p:sp>
+      <p:sp>
+        <p:nvSpPr>
+          <p:cNvPr id="7" name="Rectangle 9">
+            <a:extLst>
+              <a:ext uri="{FF2B5EF4-FFF2-40B4-BE49-F238E27FC236}">
+                <a16:creationId xmlns:a16="http://schemas.microsoft.com/office/drawing/2014/main" id="{17304DAE-3755-C34A-6084-C43A09569FDA}"/>
+              </a:ext>
+            </a:extLst>
+          </p:cNvPr>
+          <p:cNvSpPr>
+            <a:spLocks noChangeArrowheads="1"/>
+          </p:cNvSpPr>
+          <p:nvPr/>
+        </p:nvSpPr>
+        <p:spPr bwMode="auto">
+          <a:xfrm>
+            <a:off x="8574088" y="2133600"/>
+            <a:ext cx="984250" cy="949325"/>
+          </a:xfrm>
+          <a:prstGeom prst="rect">
+            <a:avLst/>
+          </a:prstGeom>
+          <a:solidFill>
+            <a:schemeClr val="bg1"/>
+          </a:solidFill>
+          <a:ln w="38100" algn="ctr">
+            <a:solidFill>
+              <a:schemeClr val="tx1"/>
+            </a:solidFill>
+            <a:miter lim="800000"/>
+            <a:headEnd/>
+            <a:tailEnd/>
+          </a:ln>
+        </p:spPr>
+        <p:txBody>
+          <a:bodyPr wrap="none" anchor="ctr"/>
+          <a:lstStyle/>
+          <a:p>
+            <a:pPr algn="ctr"/>
+            <a:r>
+              <a:rPr lang="en-US" altLang="zh-CN" b="0" dirty="0">
+                <a:solidFill>
+                  <a:srgbClr val="000000"/>
+                </a:solidFill>
+                <a:latin typeface="Times New Roman" pitchFamily="18" charset="0"/>
+                <a:ea typeface="宋体" charset="-122"/>
+                <a:cs typeface="+mn-cs"/>
+              </a:rPr>
+              <a:t>2 knives</a:t>
+            </a:r>
+          </a:p>
+        </p:txBody>
+      </p:sp>
+      <p:sp>
+        <p:nvSpPr>
+          <p:cNvPr id="8" name="Line 10">
+            <a:extLst>
+              <a:ext uri="{FF2B5EF4-FFF2-40B4-BE49-F238E27FC236}">
+                <a16:creationId xmlns:a16="http://schemas.microsoft.com/office/drawing/2014/main" id="{E9297EC3-1D9B-BB80-3EFC-AD0F4B66554F}"/>
+              </a:ext>
+            </a:extLst>
+          </p:cNvPr>
+          <p:cNvSpPr>
+            <a:spLocks noChangeShapeType="1"/>
+          </p:cNvSpPr>
+          <p:nvPr/>
+        </p:nvSpPr>
+        <p:spPr bwMode="auto">
+          <a:xfrm>
+            <a:off x="7799388" y="3662363"/>
+            <a:ext cx="895350" cy="674687"/>
+          </a:xfrm>
+          <a:prstGeom prst="line">
+            <a:avLst/>
+          </a:prstGeom>
+          <a:noFill/>
+          <a:ln w="38100">
+            <a:solidFill>
+              <a:schemeClr val="tx1"/>
+            </a:solidFill>
+            <a:round/>
+            <a:headEnd/>
+            <a:tailEnd type="triangle" w="med" len="med"/>
+          </a:ln>
+        </p:spPr>
+        <p:txBody>
+          <a:bodyPr wrap="none" anchor="ctr"/>
+          <a:lstStyle/>
+          <a:p>
+            <a:pPr algn="ctr"/>
+            <a:endParaRPr lang="zh-CN" altLang="en-US" b="0">
+              <a:solidFill>
+                <a:srgbClr val="000000"/>
+              </a:solidFill>
+              <a:latin typeface="Times New Roman" pitchFamily="18" charset="0"/>
+              <a:ea typeface="+mn-ea"/>
+              <a:cs typeface="+mn-cs"/>
+            </a:endParaRPr>
+          </a:p>
+        </p:txBody>
+      </p:sp>
+      <p:sp>
+        <p:nvSpPr>
+          <p:cNvPr id="9" name="Line 11">
+            <a:extLst>
+              <a:ext uri="{FF2B5EF4-FFF2-40B4-BE49-F238E27FC236}">
+                <a16:creationId xmlns:a16="http://schemas.microsoft.com/office/drawing/2014/main" id="{FBB6A143-2A2B-1CA4-EFDD-FBC72D90E26F}"/>
+              </a:ext>
+            </a:extLst>
+          </p:cNvPr>
+          <p:cNvSpPr>
+            <a:spLocks noChangeShapeType="1"/>
+          </p:cNvSpPr>
+          <p:nvPr/>
+        </p:nvSpPr>
+        <p:spPr bwMode="auto">
+          <a:xfrm flipV="1">
+            <a:off x="9280526" y="3662363"/>
+            <a:ext cx="1482725" cy="860425"/>
+          </a:xfrm>
+          <a:prstGeom prst="line">
+            <a:avLst/>
+          </a:prstGeom>
+          <a:noFill/>
+          <a:ln w="38100">
+            <a:solidFill>
+              <a:schemeClr val="tx1"/>
+            </a:solidFill>
+            <a:round/>
+            <a:headEnd type="oval" w="lg" len="lg"/>
+            <a:tailEnd type="triangle" w="med" len="med"/>
+          </a:ln>
+        </p:spPr>
+        <p:txBody>
+          <a:bodyPr wrap="none" anchor="ctr"/>
+          <a:lstStyle/>
+          <a:p>
+            <a:pPr algn="ctr"/>
+            <a:endParaRPr lang="zh-CN" altLang="en-US" b="0">
+              <a:solidFill>
+                <a:srgbClr val="000000"/>
+              </a:solidFill>
+              <a:latin typeface="Times New Roman" pitchFamily="18" charset="0"/>
+              <a:ea typeface="+mn-ea"/>
+              <a:cs typeface="+mn-cs"/>
+            </a:endParaRPr>
+          </a:p>
+        </p:txBody>
+      </p:sp>
+      <p:sp>
+        <p:nvSpPr>
+          <p:cNvPr id="10" name="Text Box 12">
+            <a:extLst>
+              <a:ext uri="{FF2B5EF4-FFF2-40B4-BE49-F238E27FC236}">
+                <a16:creationId xmlns:a16="http://schemas.microsoft.com/office/drawing/2014/main" id="{1AA660D7-B331-D41F-2420-3F6D7A18D527}"/>
+              </a:ext>
+            </a:extLst>
+          </p:cNvPr>
+          <p:cNvSpPr txBox="1">
+            <a:spLocks noChangeArrowheads="1"/>
+          </p:cNvSpPr>
+          <p:nvPr/>
+        </p:nvSpPr>
+        <p:spPr bwMode="auto">
+          <a:xfrm>
+            <a:off x="9963944" y="3957285"/>
+            <a:ext cx="2075656" cy="646331"/>
+          </a:xfrm>
+          <a:prstGeom prst="rect">
+            <a:avLst/>
+          </a:prstGeom>
+          <a:noFill/>
+          <a:ln w="38100" algn="ctr">
+            <a:noFill/>
+            <a:miter lim="800000"/>
+            <a:headEnd/>
+            <a:tailEnd/>
+          </a:ln>
+        </p:spPr>
+        <p:txBody>
+          <a:bodyPr wrap="square">
+            <a:spAutoFit/>
+          </a:bodyPr>
+          <a:lstStyle/>
+          <a:p>
+            <a:pPr algn="ctr">
+              <a:spcBef>
+                <a:spcPct val="50000"/>
+              </a:spcBef>
+            </a:pPr>
+            <a:r>
+              <a:rPr lang="en-US" altLang="zh-CN" b="0" dirty="0">
+                <a:solidFill>
+                  <a:srgbClr val="000000"/>
+                </a:solidFill>
+                <a:latin typeface="Times New Roman" pitchFamily="18" charset="0"/>
+                <a:ea typeface="宋体" charset="-122"/>
+                <a:cs typeface="+mn-cs"/>
+              </a:rPr>
+              <a:t>Resource 1 (2 forks) held by Thread 2</a:t>
+            </a:r>
+          </a:p>
+        </p:txBody>
+      </p:sp>
+      <p:sp>
+        <p:nvSpPr>
+          <p:cNvPr id="11" name="Line 13">
+            <a:extLst>
+              <a:ext uri="{FF2B5EF4-FFF2-40B4-BE49-F238E27FC236}">
+                <a16:creationId xmlns:a16="http://schemas.microsoft.com/office/drawing/2014/main" id="{017AD7A2-6259-B784-F61C-AC860FFFF73B}"/>
+              </a:ext>
+            </a:extLst>
+          </p:cNvPr>
+          <p:cNvSpPr>
+            <a:spLocks noChangeShapeType="1"/>
+          </p:cNvSpPr>
+          <p:nvPr/>
+        </p:nvSpPr>
+        <p:spPr bwMode="auto">
+          <a:xfrm flipH="1" flipV="1">
+            <a:off x="9558339" y="2638424"/>
+            <a:ext cx="1019175" cy="444500"/>
+          </a:xfrm>
+          <a:prstGeom prst="line">
+            <a:avLst/>
+          </a:prstGeom>
+          <a:noFill/>
+          <a:ln w="38100">
+            <a:solidFill>
+              <a:schemeClr val="tx1"/>
+            </a:solidFill>
+            <a:round/>
+            <a:headEnd/>
+            <a:tailEnd type="triangle" w="med" len="med"/>
+          </a:ln>
+        </p:spPr>
+        <p:txBody>
+          <a:bodyPr wrap="none" anchor="ctr"/>
+          <a:lstStyle/>
+          <a:p>
+            <a:pPr algn="ctr"/>
+            <a:endParaRPr lang="zh-CN" altLang="en-US" b="0">
+              <a:solidFill>
+                <a:srgbClr val="000000"/>
+              </a:solidFill>
+              <a:latin typeface="Times New Roman" pitchFamily="18" charset="0"/>
+              <a:ea typeface="+mn-ea"/>
+              <a:cs typeface="+mn-cs"/>
+            </a:endParaRPr>
+          </a:p>
+        </p:txBody>
+      </p:sp>
+      <p:sp>
+        <p:nvSpPr>
+          <p:cNvPr id="12" name="Text Box 14">
+            <a:extLst>
+              <a:ext uri="{FF2B5EF4-FFF2-40B4-BE49-F238E27FC236}">
+                <a16:creationId xmlns:a16="http://schemas.microsoft.com/office/drawing/2014/main" id="{5E306CCF-E803-FD8C-4C50-70BAA94E6978}"/>
+              </a:ext>
+            </a:extLst>
+          </p:cNvPr>
+          <p:cNvSpPr txBox="1">
+            <a:spLocks noChangeArrowheads="1"/>
+          </p:cNvSpPr>
+          <p:nvPr/>
+        </p:nvSpPr>
+        <p:spPr bwMode="auto">
+          <a:xfrm>
+            <a:off x="9722381" y="2219919"/>
+            <a:ext cx="2184400" cy="923330"/>
+          </a:xfrm>
+          <a:prstGeom prst="rect">
+            <a:avLst/>
+          </a:prstGeom>
+          <a:noFill/>
+          <a:ln w="38100" algn="ctr">
+            <a:noFill/>
+            <a:miter lim="800000"/>
+            <a:headEnd/>
+            <a:tailEnd/>
+          </a:ln>
+        </p:spPr>
+        <p:txBody>
+          <a:bodyPr>
+            <a:spAutoFit/>
+          </a:bodyPr>
+          <a:lstStyle/>
+          <a:p>
+            <a:pPr algn="ctr">
+              <a:spcBef>
+                <a:spcPct val="50000"/>
+              </a:spcBef>
+            </a:pPr>
+            <a:r>
+              <a:rPr lang="en-US" altLang="zh-CN" b="0" dirty="0">
+                <a:solidFill>
+                  <a:srgbClr val="000000"/>
+                </a:solidFill>
+                <a:latin typeface="Times New Roman" pitchFamily="18" charset="0"/>
+                <a:ea typeface="宋体" charset="-122"/>
+                <a:cs typeface="+mn-cs"/>
+              </a:rPr>
+              <a:t>Resource 2 (2 knives) requested by Thread 2</a:t>
+            </a:r>
+          </a:p>
+        </p:txBody>
+      </p:sp>
+      <p:sp>
+        <p:nvSpPr>
+          <p:cNvPr id="13" name="Oval 15">
+            <a:extLst>
+              <a:ext uri="{FF2B5EF4-FFF2-40B4-BE49-F238E27FC236}">
+                <a16:creationId xmlns:a16="http://schemas.microsoft.com/office/drawing/2014/main" id="{113B7605-B2C4-354D-456E-CDDD8314090F}"/>
+              </a:ext>
+            </a:extLst>
+          </p:cNvPr>
+          <p:cNvSpPr>
+            <a:spLocks noChangeArrowheads="1"/>
+          </p:cNvSpPr>
+          <p:nvPr/>
+        </p:nvSpPr>
+        <p:spPr bwMode="auto">
+          <a:xfrm>
+            <a:off x="9131301" y="2786063"/>
+            <a:ext cx="149225" cy="123825"/>
+          </a:xfrm>
+          <a:prstGeom prst="ellipse">
+            <a:avLst/>
+          </a:prstGeom>
+          <a:solidFill>
+            <a:srgbClr val="000000"/>
+          </a:solidFill>
+          <a:ln w="38100" algn="ctr">
+            <a:solidFill>
+              <a:schemeClr val="tx1"/>
+            </a:solidFill>
+            <a:round/>
+            <a:headEnd/>
+            <a:tailEnd/>
+          </a:ln>
+        </p:spPr>
+        <p:txBody>
+          <a:bodyPr wrap="none" anchor="ctr"/>
+          <a:lstStyle/>
+          <a:p>
+            <a:pPr algn="ctr"/>
+            <a:endParaRPr lang="en-CA" b="0">
+              <a:solidFill>
+                <a:srgbClr val="000000"/>
+              </a:solidFill>
+              <a:latin typeface="Times New Roman" pitchFamily="18" charset="0"/>
+              <a:ea typeface="+mn-ea"/>
+              <a:cs typeface="+mn-cs"/>
+            </a:endParaRPr>
+          </a:p>
+        </p:txBody>
+      </p:sp>
+      <p:sp>
+        <p:nvSpPr>
+          <p:cNvPr id="14" name="Line 16">
+            <a:extLst>
+              <a:ext uri="{FF2B5EF4-FFF2-40B4-BE49-F238E27FC236}">
+                <a16:creationId xmlns:a16="http://schemas.microsoft.com/office/drawing/2014/main" id="{4420B6C5-EAC0-14DB-EC87-C78D4C19BDA1}"/>
+              </a:ext>
+            </a:extLst>
+          </p:cNvPr>
+          <p:cNvSpPr>
+            <a:spLocks noChangeShapeType="1"/>
+          </p:cNvSpPr>
+          <p:nvPr/>
+        </p:nvSpPr>
+        <p:spPr bwMode="auto">
+          <a:xfrm flipH="1">
+            <a:off x="7972426" y="2909888"/>
+            <a:ext cx="1158875" cy="173037"/>
+          </a:xfrm>
+          <a:prstGeom prst="line">
+            <a:avLst/>
+          </a:prstGeom>
+          <a:noFill/>
+          <a:ln w="38100">
+            <a:solidFill>
+              <a:schemeClr val="tx1"/>
+            </a:solidFill>
+            <a:round/>
+            <a:headEnd/>
+            <a:tailEnd type="triangle" w="med" len="med"/>
+          </a:ln>
+        </p:spPr>
+        <p:txBody>
+          <a:bodyPr wrap="none" anchor="ctr"/>
+          <a:lstStyle/>
+          <a:p>
+            <a:pPr algn="ctr"/>
+            <a:endParaRPr lang="zh-CN" altLang="en-US" b="0">
+              <a:solidFill>
+                <a:srgbClr val="000000"/>
+              </a:solidFill>
+              <a:latin typeface="Times New Roman" pitchFamily="18" charset="0"/>
+              <a:ea typeface="+mn-ea"/>
+              <a:cs typeface="+mn-cs"/>
+            </a:endParaRPr>
+          </a:p>
+        </p:txBody>
+      </p:sp>
+      <p:sp>
+        <p:nvSpPr>
+          <p:cNvPr id="15" name="TextBox 14">
+            <a:extLst>
+              <a:ext uri="{FF2B5EF4-FFF2-40B4-BE49-F238E27FC236}">
+                <a16:creationId xmlns:a16="http://schemas.microsoft.com/office/drawing/2014/main" id="{1A369346-8FE9-8490-5422-FDCB9F0178A4}"/>
+              </a:ext>
+            </a:extLst>
+          </p:cNvPr>
+          <p:cNvSpPr txBox="1"/>
+          <p:nvPr/>
+        </p:nvSpPr>
+        <p:spPr>
+          <a:xfrm>
+            <a:off x="7882731" y="5097110"/>
+            <a:ext cx="3589337" cy="1015663"/>
+          </a:xfrm>
+          <a:prstGeom prst="rect">
+            <a:avLst/>
+          </a:prstGeom>
+        </p:spPr>
+        <p:style>
+          <a:lnRef idx="1">
+            <a:schemeClr val="dk1"/>
+          </a:lnRef>
+          <a:fillRef idx="2">
+            <a:schemeClr val="dk1"/>
+          </a:fillRef>
+          <a:effectRef idx="1">
+            <a:schemeClr val="dk1"/>
+          </a:effectRef>
+          <a:fontRef idx="minor">
+            <a:schemeClr val="dk1"/>
+          </a:fontRef>
+        </p:style>
+        <p:txBody>
+          <a:bodyPr wrap="square" rtlCol="0">
+            <a:spAutoFit/>
+          </a:bodyPr>
+          <a:lstStyle/>
+          <a:p>
+            <a:r>
+              <a:rPr lang="en-GB" sz="2000" dirty="0">
+                <a:latin typeface="Gill Sans Light"/>
+              </a:rPr>
+              <a:t>This deadlock scenario is not possible under the fixed resource acquisition order: 2 knives, 2 forks</a:t>
+            </a:r>
+            <a:endParaRPr lang="en-SE" sz="2000" dirty="0">
+              <a:latin typeface="Gill Sans Light"/>
+            </a:endParaRPr>
+          </a:p>
+        </p:txBody>
+      </p:sp>
+      <p:sp>
+        <p:nvSpPr>
+          <p:cNvPr id="16" name="Text Box 12">
+            <a:extLst>
+              <a:ext uri="{FF2B5EF4-FFF2-40B4-BE49-F238E27FC236}">
+                <a16:creationId xmlns:a16="http://schemas.microsoft.com/office/drawing/2014/main" id="{C5A80AF3-98A4-E3E6-FACE-C40AB3E50C71}"/>
+              </a:ext>
+            </a:extLst>
+          </p:cNvPr>
+          <p:cNvSpPr txBox="1">
+            <a:spLocks noChangeArrowheads="1"/>
+          </p:cNvSpPr>
+          <p:nvPr/>
+        </p:nvSpPr>
+        <p:spPr bwMode="auto">
+          <a:xfrm>
+            <a:off x="6096000" y="3957285"/>
+            <a:ext cx="2227044" cy="646331"/>
+          </a:xfrm>
+          <a:prstGeom prst="rect">
+            <a:avLst/>
+          </a:prstGeom>
+          <a:noFill/>
+          <a:ln w="38100" algn="ctr">
+            <a:noFill/>
+            <a:miter lim="800000"/>
+            <a:headEnd/>
+            <a:tailEnd/>
+          </a:ln>
+        </p:spPr>
+        <p:txBody>
+          <a:bodyPr wrap="square">
+            <a:spAutoFit/>
+          </a:bodyPr>
+          <a:lstStyle/>
+          <a:p>
+            <a:pPr algn="ctr">
+              <a:spcBef>
+                <a:spcPct val="50000"/>
+              </a:spcBef>
+            </a:pPr>
+            <a:r>
+              <a:rPr lang="en-US" altLang="zh-CN" b="0" dirty="0">
+                <a:solidFill>
+                  <a:srgbClr val="000000"/>
+                </a:solidFill>
+                <a:latin typeface="Times New Roman" pitchFamily="18" charset="0"/>
+                <a:ea typeface="宋体" charset="-122"/>
+                <a:cs typeface="+mn-cs"/>
+              </a:rPr>
+              <a:t>Resource 1 (2 forks) requested by Thread 2</a:t>
+            </a:r>
+          </a:p>
+        </p:txBody>
+      </p:sp>
+      <p:sp>
+        <p:nvSpPr>
+          <p:cNvPr id="17" name="Text Box 14">
+            <a:extLst>
+              <a:ext uri="{FF2B5EF4-FFF2-40B4-BE49-F238E27FC236}">
+                <a16:creationId xmlns:a16="http://schemas.microsoft.com/office/drawing/2014/main" id="{61E54510-0D21-A762-B803-2A246842BDFC}"/>
+              </a:ext>
+            </a:extLst>
+          </p:cNvPr>
+          <p:cNvSpPr txBox="1">
+            <a:spLocks noChangeArrowheads="1"/>
+          </p:cNvSpPr>
+          <p:nvPr/>
+        </p:nvSpPr>
+        <p:spPr bwMode="auto">
+          <a:xfrm>
+            <a:off x="6043131" y="2219919"/>
+            <a:ext cx="2184400" cy="646331"/>
+          </a:xfrm>
+          <a:prstGeom prst="rect">
+            <a:avLst/>
+          </a:prstGeom>
+          <a:noFill/>
+          <a:ln w="38100" algn="ctr">
+            <a:noFill/>
+            <a:miter lim="800000"/>
+            <a:headEnd/>
+            <a:tailEnd/>
+          </a:ln>
+        </p:spPr>
+        <p:txBody>
+          <a:bodyPr>
+            <a:spAutoFit/>
+          </a:bodyPr>
+          <a:lstStyle/>
+          <a:p>
+            <a:pPr algn="ctr">
+              <a:spcBef>
+                <a:spcPct val="50000"/>
+              </a:spcBef>
+            </a:pPr>
+            <a:r>
+              <a:rPr lang="en-US" altLang="zh-CN" b="0" dirty="0">
+                <a:solidFill>
+                  <a:srgbClr val="000000"/>
+                </a:solidFill>
+                <a:latin typeface="Times New Roman" pitchFamily="18" charset="0"/>
+                <a:ea typeface="宋体" charset="-122"/>
+                <a:cs typeface="+mn-cs"/>
+              </a:rPr>
+              <a:t>Resource 2 (2 knives) held by Thread 2</a:t>
+            </a:r>
+          </a:p>
+        </p:txBody>
+      </p:sp>
+    </p:spTree>
+    <p:extLst>
+      <p:ext uri="{BB962C8B-B14F-4D97-AF65-F5344CB8AC3E}">
+        <p14:creationId xmlns:p14="http://schemas.microsoft.com/office/powerpoint/2010/main" val="60386171"/>
+      </p:ext>
+    </p:extLst>
+  </p:cSld>
+  <p:clrMapOvr>
+    <a:masterClrMapping/>
+  </p:clrMapOvr>
+  <p:transition/>
+</p:sld>
+</file>
+
+<file path=ppt/slides/slide13.xml><?xml version="1.0" encoding="utf-8"?>
+<p:sld xmlns:a="http://schemas.openxmlformats.org/drawingml/2006/main" xmlns:r="http://schemas.openxmlformats.org/officeDocument/2006/relationships" xmlns:p="http://schemas.openxmlformats.org/presentationml/2006/main">
+  <p:cSld>
+    <p:spTree>
+      <p:nvGrpSpPr>
+        <p:cNvPr id="1" name=""/>
+        <p:cNvGrpSpPr/>
+        <p:nvPr/>
+      </p:nvGrpSpPr>
+      <p:grpSpPr>
+        <a:xfrm>
+          <a:off x="0" y="0"/>
+          <a:ext cx="0" cy="0"/>
+          <a:chOff x="0" y="0"/>
+          <a:chExt cx="0" cy="0"/>
+        </a:xfrm>
+      </p:grpSpPr>
+      <p:sp>
+        <p:nvSpPr>
+          <p:cNvPr id="2" name="Title 1">
+            <a:extLst>
+              <a:ext uri="{FF2B5EF4-FFF2-40B4-BE49-F238E27FC236}">
                 <a16:creationId xmlns:a16="http://schemas.microsoft.com/office/drawing/2014/main" id="{DA332A10-41A5-9895-0B16-ACEA70293288}"/>
               </a:ext>
             </a:extLst>
@@ -4651,7 +6601,7 @@
 </p:sld>
 </file>
 
-<file path=ppt/slides/slide11.xml><?xml version="1.0" encoding="utf-8"?>
+<file path=ppt/slides/slide14.xml><?xml version="1.0" encoding="utf-8"?>
 <p:sld xmlns:a="http://schemas.openxmlformats.org/drawingml/2006/main" xmlns:r="http://schemas.openxmlformats.org/officeDocument/2006/relationships" xmlns:p="http://schemas.openxmlformats.org/presentationml/2006/main">
   <p:cSld>
     <p:spTree>
@@ -5510,7 +7460,7 @@
 </p:sld>
 </file>
 
-<file path=ppt/slides/slide12.xml><?xml version="1.0" encoding="utf-8"?>
+<file path=ppt/slides/slide15.xml><?xml version="1.0" encoding="utf-8"?>
 <p:sld xmlns:a="http://schemas.openxmlformats.org/drawingml/2006/main" xmlns:r="http://schemas.openxmlformats.org/officeDocument/2006/relationships" xmlns:p="http://schemas.openxmlformats.org/presentationml/2006/main">
   <p:cSld>
     <p:spTree>
@@ -6316,8 +8266,8 @@
           </a:p>
         </p:txBody>
       </p:sp>
-      <mc:AlternateContent xmlns:mc="http://schemas.openxmlformats.org/markup-compatibility/2006">
-        <mc:Choice xmlns:a14="http://schemas.microsoft.com/office/drawing/2010/main" Requires="a14">
+      <mc:AlternateContent xmlns:mc="http://schemas.openxmlformats.org/markup-compatibility/2006" xmlns:a14="http://schemas.microsoft.com/office/drawing/2010/main">
+        <mc:Choice Requires="a14">
           <p:sp>
             <p:nvSpPr>
               <p:cNvPr id="35" name="Object 4">
@@ -6593,7 +8543,7 @@
             </p:txBody>
           </p:sp>
         </mc:Choice>
-        <mc:Fallback>
+        <mc:Fallback xmlns="">
           <p:sp>
             <p:nvSpPr>
               <p:cNvPr id="35" name="Object 4">
@@ -7000,7 +8950,7 @@
 </p:sld>
 </file>
 
-<file path=ppt/slides/slide13.xml><?xml version="1.0" encoding="utf-8"?>
+<file path=ppt/slides/slide16.xml><?xml version="1.0" encoding="utf-8"?>
 <p:sld xmlns:a="http://schemas.openxmlformats.org/drawingml/2006/main" xmlns:r="http://schemas.openxmlformats.org/officeDocument/2006/relationships" xmlns:p="http://schemas.openxmlformats.org/presentationml/2006/main">
   <p:cSld>
     <p:spTree>
@@ -8047,8 +9997,8 @@
           </p:sp>
         </mc:Fallback>
       </mc:AlternateContent>
-      <mc:AlternateContent xmlns:mc="http://schemas.openxmlformats.org/markup-compatibility/2006">
-        <mc:Choice xmlns:a14="http://schemas.microsoft.com/office/drawing/2010/main" Requires="a14">
+      <mc:AlternateContent xmlns:mc="http://schemas.openxmlformats.org/markup-compatibility/2006" xmlns:a14="http://schemas.microsoft.com/office/drawing/2010/main">
+        <mc:Choice Requires="a14">
           <p:sp>
             <p:nvSpPr>
               <p:cNvPr id="14" name="Object 4">
@@ -8339,7 +10289,7 @@
             </p:txBody>
           </p:sp>
         </mc:Choice>
-        <mc:Fallback>
+        <mc:Fallback xmlns="">
           <p:sp>
             <p:nvSpPr>
               <p:cNvPr id="14" name="Object 4">
@@ -8778,7 +10728,7 @@
 </p:sld>
 </file>
 
-<file path=ppt/slides/slide14.xml><?xml version="1.0" encoding="utf-8"?>
+<file path=ppt/slides/slide17.xml><?xml version="1.0" encoding="utf-8"?>
 <p:sld xmlns:a="http://schemas.openxmlformats.org/drawingml/2006/main" xmlns:r="http://schemas.openxmlformats.org/officeDocument/2006/relationships" xmlns:p="http://schemas.openxmlformats.org/presentationml/2006/main">
   <p:cSld>
     <p:spTree>
@@ -10069,6 +12019,4702 @@
       </p:grpSpPr>
       <p:sp>
         <p:nvSpPr>
+          <p:cNvPr id="1032" name="Rectangle 2"/>
+          <p:cNvSpPr>
+            <a:spLocks noGrp="1" noChangeArrowheads="1"/>
+          </p:cNvSpPr>
+          <p:nvPr>
+            <p:ph type="title" sz="quarter"/>
+          </p:nvPr>
+        </p:nvSpPr>
+        <p:spPr>
+          <a:xfrm>
+            <a:off x="914400" y="-114300"/>
+            <a:ext cx="10363200" cy="1143000"/>
+          </a:xfrm>
+        </p:spPr>
+        <p:txBody>
+          <a:bodyPr/>
+          <a:lstStyle/>
+          <a:p>
+            <a:pPr eaLnBrk="1" hangingPunct="1"/>
+            <a:r>
+              <a:rPr lang="en-US" altLang="zh-CN" dirty="0">
+                <a:ea typeface="宋体" charset="-122"/>
+              </a:rPr>
+              <a:t>Banker’s Algorithm: 4 philosophers each holding his left fork</a:t>
+            </a:r>
+          </a:p>
+        </p:txBody>
+      </p:sp>
+      <p:graphicFrame>
+        <p:nvGraphicFramePr>
+          <p:cNvPr id="1028" name="Object 8"/>
+          <p:cNvGraphicFramePr>
+            <a:graphicFrameLocks noGrp="1" noChangeAspect="1"/>
+          </p:cNvGraphicFramePr>
+          <p:nvPr>
+            <p:ph sz="quarter" idx="3"/>
+            <p:extLst>
+              <p:ext uri="{D42A27DB-BD31-4B8C-83A1-F6EECF244321}">
+                <p14:modId xmlns:p14="http://schemas.microsoft.com/office/powerpoint/2010/main" val="2965973773"/>
+              </p:ext>
+            </p:extLst>
+          </p:nvPr>
+        </p:nvGraphicFramePr>
+        <p:xfrm>
+          <a:off x="351725" y="3994116"/>
+          <a:ext cx="2955925" cy="503136"/>
+        </p:xfrm>
+        <a:graphic>
+          <a:graphicData uri="http://schemas.openxmlformats.org/presentationml/2006/ole">
+            <mc:AlternateContent xmlns:mc="http://schemas.openxmlformats.org/markup-compatibility/2006">
+              <mc:Choice xmlns:v="urn:schemas-microsoft-com:vml" Requires="v">
+                <p:oleObj name="Equation" r:id="rId2" imgW="1269720" imgH="215640" progId="Equation.3">
+                  <p:embed/>
+                </p:oleObj>
+              </mc:Choice>
+              <mc:Fallback>
+                <p:oleObj name="Equation" r:id="rId2" imgW="1269720" imgH="215640" progId="Equation.3">
+                  <p:embed/>
+                  <p:pic>
+                    <p:nvPicPr>
+                      <p:cNvPr id="1028" name="Object 8"/>
+                      <p:cNvPicPr>
+                        <a:picLocks noChangeAspect="1" noChangeArrowheads="1"/>
+                      </p:cNvPicPr>
+                      <p:nvPr/>
+                    </p:nvPicPr>
+                    <p:blipFill>
+                      <a:blip r:embed="rId3">
+                        <a:extLst>
+                          <a:ext uri="{28A0092B-C50C-407E-A947-70E740481C1C}">
+                            <a14:useLocalDpi xmlns:a14="http://schemas.microsoft.com/office/drawing/2010/main" val="0"/>
+                          </a:ext>
+                        </a:extLst>
+                      </a:blip>
+                      <a:srcRect/>
+                      <a:stretch>
+                        <a:fillRect/>
+                      </a:stretch>
+                    </p:blipFill>
+                    <p:spPr bwMode="auto">
+                      <a:xfrm>
+                        <a:off x="351725" y="3994116"/>
+                        <a:ext cx="2955925" cy="503136"/>
+                      </a:xfrm>
+                      <a:prstGeom prst="rect">
+                        <a:avLst/>
+                      </a:prstGeom>
+                      <a:noFill/>
+                      <a:extLst>
+                        <a:ext uri="{909E8E84-426E-40DD-AFC4-6F175D3DCCD1}">
+                          <a14:hiddenFill xmlns:a14="http://schemas.microsoft.com/office/drawing/2010/main">
+                            <a:solidFill>
+                              <a:srgbClr val="FFFFFF"/>
+                            </a:solidFill>
+                          </a14:hiddenFill>
+                        </a:ext>
+                      </a:extLst>
+                    </p:spPr>
+                  </p:pic>
+                </p:oleObj>
+              </mc:Fallback>
+            </mc:AlternateContent>
+          </a:graphicData>
+        </a:graphic>
+      </p:graphicFrame>
+      <p:graphicFrame>
+        <p:nvGraphicFramePr>
+          <p:cNvPr id="128009" name="Object 8"/>
+          <p:cNvGraphicFramePr>
+            <a:graphicFrameLocks noChangeAspect="1"/>
+          </p:cNvGraphicFramePr>
+          <p:nvPr>
+            <p:extLst>
+              <p:ext uri="{D42A27DB-BD31-4B8C-83A1-F6EECF244321}">
+                <p14:modId xmlns:p14="http://schemas.microsoft.com/office/powerpoint/2010/main" val="3519167537"/>
+              </p:ext>
+            </p:extLst>
+          </p:nvPr>
+        </p:nvGraphicFramePr>
+        <p:xfrm>
+          <a:off x="3802951" y="3994116"/>
+          <a:ext cx="3192463" cy="503237"/>
+        </p:xfrm>
+        <a:graphic>
+          <a:graphicData uri="http://schemas.openxmlformats.org/presentationml/2006/ole">
+            <mc:AlternateContent xmlns:mc="http://schemas.openxmlformats.org/markup-compatibility/2006">
+              <mc:Choice xmlns:v="urn:schemas-microsoft-com:vml" Requires="v">
+                <p:oleObj name="Equation" r:id="rId4" imgW="1371600" imgH="215640" progId="Equation.3">
+                  <p:embed/>
+                </p:oleObj>
+              </mc:Choice>
+              <mc:Fallback>
+                <p:oleObj name="Equation" r:id="rId4" imgW="1371600" imgH="215640" progId="Equation.3">
+                  <p:embed/>
+                  <p:pic>
+                    <p:nvPicPr>
+                      <p:cNvPr id="128009" name="Object 8"/>
+                      <p:cNvPicPr>
+                        <a:picLocks noChangeAspect="1" noChangeArrowheads="1"/>
+                      </p:cNvPicPr>
+                      <p:nvPr/>
+                    </p:nvPicPr>
+                    <p:blipFill>
+                      <a:blip r:embed="rId5">
+                        <a:extLst>
+                          <a:ext uri="{28A0092B-C50C-407E-A947-70E740481C1C}">
+                            <a14:useLocalDpi xmlns:a14="http://schemas.microsoft.com/office/drawing/2010/main" val="0"/>
+                          </a:ext>
+                        </a:extLst>
+                      </a:blip>
+                      <a:srcRect/>
+                      <a:stretch>
+                        <a:fillRect/>
+                      </a:stretch>
+                    </p:blipFill>
+                    <p:spPr bwMode="auto">
+                      <a:xfrm>
+                        <a:off x="3802951" y="3994116"/>
+                        <a:ext cx="3192463" cy="503237"/>
+                      </a:xfrm>
+                      <a:prstGeom prst="rect">
+                        <a:avLst/>
+                      </a:prstGeom>
+                      <a:noFill/>
+                      <a:extLst>
+                        <a:ext uri="{909E8E84-426E-40DD-AFC4-6F175D3DCCD1}">
+                          <a14:hiddenFill xmlns:a14="http://schemas.microsoft.com/office/drawing/2010/main">
+                            <a:solidFill>
+                              <a:srgbClr val="FFFFFF"/>
+                            </a:solidFill>
+                          </a14:hiddenFill>
+                        </a:ext>
+                      </a:extLst>
+                    </p:spPr>
+                  </p:pic>
+                </p:oleObj>
+              </mc:Fallback>
+            </mc:AlternateContent>
+          </a:graphicData>
+        </a:graphic>
+      </p:graphicFrame>
+      <p:sp>
+        <p:nvSpPr>
+          <p:cNvPr id="11" name="Content Placeholder 2"/>
+          <p:cNvSpPr>
+            <a:spLocks noGrp="1"/>
+          </p:cNvSpPr>
+          <p:nvPr>
+            <p:ph idx="1"/>
+          </p:nvPr>
+        </p:nvSpPr>
+        <p:spPr>
+          <a:xfrm>
+            <a:off x="236889" y="4572491"/>
+            <a:ext cx="7498644" cy="2305490"/>
+          </a:xfrm>
+        </p:spPr>
+        <p:txBody>
+          <a:bodyPr>
+            <a:normAutofit fontScale="92500" lnSpcReduction="20000"/>
+          </a:bodyPr>
+          <a:lstStyle/>
+          <a:p>
+            <a:pPr marL="0" lvl="1" indent="0">
+              <a:buClr>
+                <a:schemeClr val="bg2"/>
+              </a:buClr>
+              <a:buSzPct val="90000"/>
+              <a:buNone/>
+            </a:pPr>
+            <a:r>
+              <a:rPr lang="en-GB" sz="2400" dirty="0">
+                <a:solidFill>
+                  <a:schemeClr val="dk1"/>
+                </a:solidFill>
+                <a:latin typeface="Gill Sans" panose="020B0502020104020203"/>
+                <a:ea typeface="+mn-ea"/>
+                <a:cs typeface="+mn-cs"/>
+              </a:rPr>
+              <a:t>Suppose we have 5 philosophers P1-P5, and 5 forks R1-R5; philosopher Pi has left fork Ri, and right fork R(i+1)%5. </a:t>
+            </a:r>
+            <a:r>
+              <a:rPr lang="en-US" sz="2400" dirty="0">
+                <a:solidFill>
+                  <a:schemeClr val="dk1"/>
+                </a:solidFill>
+                <a:latin typeface="Gill Sans" panose="020B0502020104020203"/>
+                <a:ea typeface="+mn-ea"/>
+                <a:cs typeface="+mn-cs"/>
+              </a:rPr>
+              <a:t>Philosophers P1-P4 each is holding his left fork. </a:t>
+            </a:r>
+          </a:p>
+          <a:p>
+            <a:pPr marL="0" lvl="1" indent="0">
+              <a:buClr>
+                <a:schemeClr val="bg2"/>
+              </a:buClr>
+              <a:buSzPct val="90000"/>
+              <a:buNone/>
+            </a:pPr>
+            <a:r>
+              <a:rPr lang="en-US" altLang="zh-CN" sz="2400" b="0" dirty="0">
+                <a:solidFill>
+                  <a:schemeClr val="dk1"/>
+                </a:solidFill>
+                <a:latin typeface="Gill Sans" panose="020B0502020104020203"/>
+                <a:ea typeface="+mn-ea"/>
+                <a:cs typeface="+mn-cs"/>
+              </a:rPr>
+              <a:t>Run Banker’s algorithm to check if the current state is safe. If yes, give a safe sequence of process completions and fill in the table with </a:t>
+            </a:r>
+            <a:r>
+              <a:rPr lang="en-GB" altLang="zh-CN" sz="2400" b="0" dirty="0">
+                <a:solidFill>
+                  <a:schemeClr val="dk1"/>
+                </a:solidFill>
+                <a:latin typeface="Gill Sans" panose="020B0502020104020203"/>
+                <a:ea typeface="+mn-ea"/>
+                <a:cs typeface="+mn-cs"/>
+              </a:rPr>
+              <a:t>the sequence of process completions without deadlock, and available resources after the completion of each process. </a:t>
+            </a:r>
+            <a:endParaRPr lang="en-GB" sz="2400" b="0" dirty="0">
+              <a:solidFill>
+                <a:schemeClr val="dk1"/>
+              </a:solidFill>
+              <a:latin typeface="Gill Sans" panose="020B0502020104020203"/>
+              <a:ea typeface="+mn-ea"/>
+              <a:cs typeface="+mn-cs"/>
+            </a:endParaRPr>
+          </a:p>
+        </p:txBody>
+      </p:sp>
+      <p:sp>
+        <p:nvSpPr>
+          <p:cNvPr id="12" name="TextBox 11">
+            <a:extLst>
+              <a:ext uri="{FF2B5EF4-FFF2-40B4-BE49-F238E27FC236}">
+                <a16:creationId xmlns:a16="http://schemas.microsoft.com/office/drawing/2014/main" id="{4B648F32-7105-F523-4EAE-5327C48CD8D2}"/>
+              </a:ext>
+            </a:extLst>
+          </p:cNvPr>
+          <p:cNvSpPr txBox="1"/>
+          <p:nvPr/>
+        </p:nvSpPr>
+        <p:spPr>
+          <a:xfrm>
+            <a:off x="9085949" y="665304"/>
+            <a:ext cx="822661" cy="400110"/>
+          </a:xfrm>
+          <a:prstGeom prst="rect">
+            <a:avLst/>
+          </a:prstGeom>
+          <a:noFill/>
+        </p:spPr>
+        <p:txBody>
+          <a:bodyPr wrap="none" rtlCol="0">
+            <a:spAutoFit/>
+          </a:bodyPr>
+          <a:lstStyle/>
+          <a:p>
+            <a:r>
+              <a:rPr lang="en-US" altLang="zh-CN" sz="2000" b="0" dirty="0">
+                <a:solidFill>
+                  <a:schemeClr val="dk1"/>
+                </a:solidFill>
+                <a:latin typeface="+mn-lt"/>
+                <a:ea typeface="+mn-ea"/>
+                <a:cs typeface="+mn-cs"/>
+              </a:rPr>
+              <a:t>Need</a:t>
+            </a:r>
+            <a:endParaRPr lang="en-GB" sz="2000" b="0" dirty="0">
+              <a:solidFill>
+                <a:schemeClr val="dk1"/>
+              </a:solidFill>
+              <a:latin typeface="+mn-lt"/>
+              <a:ea typeface="+mn-ea"/>
+              <a:cs typeface="+mn-cs"/>
+            </a:endParaRPr>
+          </a:p>
+        </p:txBody>
+      </p:sp>
+      <p:sp>
+        <p:nvSpPr>
+          <p:cNvPr id="15" name="TextBox 14">
+            <a:extLst>
+              <a:ext uri="{FF2B5EF4-FFF2-40B4-BE49-F238E27FC236}">
+                <a16:creationId xmlns:a16="http://schemas.microsoft.com/office/drawing/2014/main" id="{0A85F48E-4D2B-DAF1-28CE-BA931F96745F}"/>
+              </a:ext>
+            </a:extLst>
+          </p:cNvPr>
+          <p:cNvSpPr txBox="1"/>
+          <p:nvPr/>
+        </p:nvSpPr>
+        <p:spPr>
+          <a:xfrm>
+            <a:off x="1468526" y="3610647"/>
+            <a:ext cx="816249" cy="400110"/>
+          </a:xfrm>
+          <a:prstGeom prst="rect">
+            <a:avLst/>
+          </a:prstGeom>
+          <a:noFill/>
+        </p:spPr>
+        <p:txBody>
+          <a:bodyPr wrap="none" rtlCol="0">
+            <a:spAutoFit/>
+          </a:bodyPr>
+          <a:lstStyle/>
+          <a:p>
+            <a:r>
+              <a:rPr lang="en-GB" sz="2000" b="0" dirty="0">
+                <a:solidFill>
+                  <a:schemeClr val="dk1"/>
+                </a:solidFill>
+                <a:latin typeface="+mn-lt"/>
+                <a:ea typeface="+mn-ea"/>
+                <a:cs typeface="+mn-cs"/>
+              </a:rPr>
+              <a:t>Total</a:t>
+            </a:r>
+          </a:p>
+        </p:txBody>
+      </p:sp>
+      <p:sp>
+        <p:nvSpPr>
+          <p:cNvPr id="16" name="TextBox 15">
+            <a:extLst>
+              <a:ext uri="{FF2B5EF4-FFF2-40B4-BE49-F238E27FC236}">
+                <a16:creationId xmlns:a16="http://schemas.microsoft.com/office/drawing/2014/main" id="{E70D9D62-8211-1F1E-F49C-EBA3C58E3070}"/>
+              </a:ext>
+            </a:extLst>
+          </p:cNvPr>
+          <p:cNvSpPr txBox="1"/>
+          <p:nvPr/>
+        </p:nvSpPr>
+        <p:spPr>
+          <a:xfrm>
+            <a:off x="4595244" y="3610647"/>
+            <a:ext cx="1266693" cy="400110"/>
+          </a:xfrm>
+          <a:prstGeom prst="rect">
+            <a:avLst/>
+          </a:prstGeom>
+          <a:noFill/>
+        </p:spPr>
+        <p:txBody>
+          <a:bodyPr wrap="none" rtlCol="0">
+            <a:spAutoFit/>
+          </a:bodyPr>
+          <a:lstStyle/>
+          <a:p>
+            <a:r>
+              <a:rPr lang="en-GB" sz="2000" b="0" dirty="0">
+                <a:solidFill>
+                  <a:schemeClr val="dk1"/>
+                </a:solidFill>
+                <a:latin typeface="+mn-lt"/>
+                <a:ea typeface="+mn-ea"/>
+                <a:cs typeface="+mn-cs"/>
+              </a:rPr>
+              <a:t>Available</a:t>
+            </a:r>
+          </a:p>
+        </p:txBody>
+      </p:sp>
+      <p:graphicFrame>
+        <p:nvGraphicFramePr>
+          <p:cNvPr id="2" name="Object 3">
+            <a:extLst>
+              <a:ext uri="{FF2B5EF4-FFF2-40B4-BE49-F238E27FC236}">
+                <a16:creationId xmlns:a16="http://schemas.microsoft.com/office/drawing/2014/main" id="{06E861FC-D68E-CD7A-71ED-F7EE3565A007}"/>
+              </a:ext>
+            </a:extLst>
+          </p:cNvPr>
+          <p:cNvGraphicFramePr>
+            <a:graphicFrameLocks noChangeAspect="1"/>
+          </p:cNvGraphicFramePr>
+          <p:nvPr>
+            <p:extLst>
+              <p:ext uri="{D42A27DB-BD31-4B8C-83A1-F6EECF244321}">
+                <p14:modId xmlns:p14="http://schemas.microsoft.com/office/powerpoint/2010/main" val="3291154512"/>
+              </p:ext>
+            </p:extLst>
+          </p:nvPr>
+        </p:nvGraphicFramePr>
+        <p:xfrm>
+          <a:off x="7804943" y="1067093"/>
+          <a:ext cx="2982913" cy="2874963"/>
+        </p:xfrm>
+        <a:graphic>
+          <a:graphicData uri="http://schemas.openxmlformats.org/presentationml/2006/ole">
+            <mc:AlternateContent xmlns:mc="http://schemas.openxmlformats.org/markup-compatibility/2006">
+              <mc:Choice xmlns:v="urn:schemas-microsoft-com:vml" Requires="v">
+                <p:oleObj name="Equation" r:id="rId6" imgW="1396800" imgH="1346040" progId="Equation.3">
+                  <p:embed/>
+                </p:oleObj>
+              </mc:Choice>
+              <mc:Fallback>
+                <p:oleObj name="Equation" r:id="rId6" imgW="1396800" imgH="1346040" progId="Equation.3">
+                  <p:embed/>
+                  <p:pic>
+                    <p:nvPicPr>
+                      <p:cNvPr id="2" name="Object 3">
+                        <a:extLst>
+                          <a:ext uri="{FF2B5EF4-FFF2-40B4-BE49-F238E27FC236}">
+                            <a16:creationId xmlns:a16="http://schemas.microsoft.com/office/drawing/2014/main" id="{06E861FC-D68E-CD7A-71ED-F7EE3565A007}"/>
+                          </a:ext>
+                        </a:extLst>
+                      </p:cNvPr>
+                      <p:cNvPicPr>
+                        <a:picLocks noChangeAspect="1" noChangeArrowheads="1"/>
+                      </p:cNvPicPr>
+                      <p:nvPr/>
+                    </p:nvPicPr>
+                    <p:blipFill>
+                      <a:blip r:embed="rId7">
+                        <a:extLst>
+                          <a:ext uri="{28A0092B-C50C-407E-A947-70E740481C1C}">
+                            <a14:useLocalDpi xmlns:a14="http://schemas.microsoft.com/office/drawing/2010/main" val="0"/>
+                          </a:ext>
+                        </a:extLst>
+                      </a:blip>
+                      <a:srcRect/>
+                      <a:stretch>
+                        <a:fillRect/>
+                      </a:stretch>
+                    </p:blipFill>
+                    <p:spPr bwMode="auto">
+                      <a:xfrm>
+                        <a:off x="7804943" y="1067093"/>
+                        <a:ext cx="2982913" cy="2874963"/>
+                      </a:xfrm>
+                      <a:prstGeom prst="rect">
+                        <a:avLst/>
+                      </a:prstGeom>
+                      <a:noFill/>
+                      <a:extLst>
+                        <a:ext uri="{909E8E84-426E-40DD-AFC4-6F175D3DCCD1}">
+                          <a14:hiddenFill xmlns:a14="http://schemas.microsoft.com/office/drawing/2010/main">
+                            <a:solidFill>
+                              <a:srgbClr val="FFFFFF"/>
+                            </a:solidFill>
+                          </a14:hiddenFill>
+                        </a:ext>
+                      </a:extLst>
+                    </p:spPr>
+                  </p:pic>
+                </p:oleObj>
+              </mc:Fallback>
+            </mc:AlternateContent>
+          </a:graphicData>
+        </a:graphic>
+      </p:graphicFrame>
+      <p:sp>
+        <p:nvSpPr>
+          <p:cNvPr id="4" name="TextBox 3">
+            <a:extLst>
+              <a:ext uri="{FF2B5EF4-FFF2-40B4-BE49-F238E27FC236}">
+                <a16:creationId xmlns:a16="http://schemas.microsoft.com/office/drawing/2014/main" id="{1C3B234D-8EEF-69B8-F734-88CCB6B9D4FA}"/>
+              </a:ext>
+            </a:extLst>
+          </p:cNvPr>
+          <p:cNvSpPr txBox="1"/>
+          <p:nvPr/>
+        </p:nvSpPr>
+        <p:spPr>
+          <a:xfrm>
+            <a:off x="8453623" y="1050011"/>
+            <a:ext cx="351378" cy="492443"/>
+          </a:xfrm>
+          <a:prstGeom prst="rect">
+            <a:avLst/>
+          </a:prstGeom>
+          <a:solidFill>
+            <a:schemeClr val="bg1"/>
+          </a:solidFill>
+        </p:spPr>
+        <p:txBody>
+          <a:bodyPr wrap="none" rtlCol="0">
+            <a:spAutoFit/>
+          </a:bodyPr>
+          <a:lstStyle/>
+          <a:p>
+            <a:r>
+              <a:rPr lang="en-US" sz="2500" dirty="0">
+                <a:latin typeface="Gill Sans Light"/>
+              </a:rPr>
+              <a:t>0</a:t>
+            </a:r>
+            <a:endParaRPr lang="en-SE" sz="2500" dirty="0">
+              <a:latin typeface="Gill Sans Light"/>
+            </a:endParaRPr>
+          </a:p>
+        </p:txBody>
+      </p:sp>
+      <p:sp>
+        <p:nvSpPr>
+          <p:cNvPr id="5" name="TextBox 4">
+            <a:extLst>
+              <a:ext uri="{FF2B5EF4-FFF2-40B4-BE49-F238E27FC236}">
+                <a16:creationId xmlns:a16="http://schemas.microsoft.com/office/drawing/2014/main" id="{72E01D1F-5A27-8335-31EE-5669FD06E7E6}"/>
+              </a:ext>
+            </a:extLst>
+          </p:cNvPr>
+          <p:cNvSpPr txBox="1"/>
+          <p:nvPr/>
+        </p:nvSpPr>
+        <p:spPr>
+          <a:xfrm>
+            <a:off x="8942884" y="1050011"/>
+            <a:ext cx="344966" cy="477054"/>
+          </a:xfrm>
+          <a:prstGeom prst="rect">
+            <a:avLst/>
+          </a:prstGeom>
+          <a:solidFill>
+            <a:schemeClr val="bg1"/>
+          </a:solidFill>
+        </p:spPr>
+        <p:txBody>
+          <a:bodyPr wrap="none" rtlCol="0">
+            <a:spAutoFit/>
+          </a:bodyPr>
+          <a:lstStyle/>
+          <a:p>
+            <a:r>
+              <a:rPr lang="en-US" sz="2500" dirty="0">
+                <a:latin typeface="Gill Sans Light"/>
+              </a:rPr>
+              <a:t>1</a:t>
+            </a:r>
+            <a:endParaRPr lang="en-SE" sz="2500" dirty="0">
+              <a:latin typeface="Gill Sans Light"/>
+            </a:endParaRPr>
+          </a:p>
+        </p:txBody>
+      </p:sp>
+      <p:sp>
+        <p:nvSpPr>
+          <p:cNvPr id="6" name="TextBox 5">
+            <a:extLst>
+              <a:ext uri="{FF2B5EF4-FFF2-40B4-BE49-F238E27FC236}">
+                <a16:creationId xmlns:a16="http://schemas.microsoft.com/office/drawing/2014/main" id="{DA8E8214-3FB5-91B2-80F8-17484AD63877}"/>
+              </a:ext>
+            </a:extLst>
+          </p:cNvPr>
+          <p:cNvSpPr txBox="1"/>
+          <p:nvPr/>
+        </p:nvSpPr>
+        <p:spPr>
+          <a:xfrm>
+            <a:off x="8915400" y="1527065"/>
+            <a:ext cx="351378" cy="492443"/>
+          </a:xfrm>
+          <a:prstGeom prst="rect">
+            <a:avLst/>
+          </a:prstGeom>
+          <a:solidFill>
+            <a:schemeClr val="bg1"/>
+          </a:solidFill>
+        </p:spPr>
+        <p:txBody>
+          <a:bodyPr wrap="none" rtlCol="0">
+            <a:spAutoFit/>
+          </a:bodyPr>
+          <a:lstStyle/>
+          <a:p>
+            <a:r>
+              <a:rPr lang="en-US" sz="2500" dirty="0">
+                <a:latin typeface="Gill Sans Light"/>
+              </a:rPr>
+              <a:t>0</a:t>
+            </a:r>
+            <a:endParaRPr lang="en-SE" sz="2500" dirty="0">
+              <a:latin typeface="Gill Sans Light"/>
+            </a:endParaRPr>
+          </a:p>
+        </p:txBody>
+      </p:sp>
+      <p:sp>
+        <p:nvSpPr>
+          <p:cNvPr id="7" name="TextBox 6">
+            <a:extLst>
+              <a:ext uri="{FF2B5EF4-FFF2-40B4-BE49-F238E27FC236}">
+                <a16:creationId xmlns:a16="http://schemas.microsoft.com/office/drawing/2014/main" id="{2CF4D9F6-2C29-49FE-7478-9A969ED09A4D}"/>
+              </a:ext>
+            </a:extLst>
+          </p:cNvPr>
+          <p:cNvSpPr txBox="1"/>
+          <p:nvPr/>
+        </p:nvSpPr>
+        <p:spPr>
+          <a:xfrm>
+            <a:off x="9404661" y="1527065"/>
+            <a:ext cx="344966" cy="477054"/>
+          </a:xfrm>
+          <a:prstGeom prst="rect">
+            <a:avLst/>
+          </a:prstGeom>
+          <a:solidFill>
+            <a:schemeClr val="bg1"/>
+          </a:solidFill>
+        </p:spPr>
+        <p:txBody>
+          <a:bodyPr wrap="none" rtlCol="0">
+            <a:spAutoFit/>
+          </a:bodyPr>
+          <a:lstStyle/>
+          <a:p>
+            <a:r>
+              <a:rPr lang="en-US" sz="2500" dirty="0">
+                <a:latin typeface="Gill Sans Light"/>
+              </a:rPr>
+              <a:t>1</a:t>
+            </a:r>
+            <a:endParaRPr lang="en-SE" sz="2500" dirty="0">
+              <a:latin typeface="Gill Sans Light"/>
+            </a:endParaRPr>
+          </a:p>
+        </p:txBody>
+      </p:sp>
+      <p:sp>
+        <p:nvSpPr>
+          <p:cNvPr id="8" name="TextBox 7">
+            <a:extLst>
+              <a:ext uri="{FF2B5EF4-FFF2-40B4-BE49-F238E27FC236}">
+                <a16:creationId xmlns:a16="http://schemas.microsoft.com/office/drawing/2014/main" id="{FE8F3498-9404-66C7-7A8C-A363B3A1D1C4}"/>
+              </a:ext>
+            </a:extLst>
+          </p:cNvPr>
+          <p:cNvSpPr txBox="1"/>
+          <p:nvPr/>
+        </p:nvSpPr>
+        <p:spPr>
+          <a:xfrm>
+            <a:off x="9395178" y="2030813"/>
+            <a:ext cx="351378" cy="492443"/>
+          </a:xfrm>
+          <a:prstGeom prst="rect">
+            <a:avLst/>
+          </a:prstGeom>
+          <a:solidFill>
+            <a:schemeClr val="bg1"/>
+          </a:solidFill>
+        </p:spPr>
+        <p:txBody>
+          <a:bodyPr wrap="none" rtlCol="0">
+            <a:spAutoFit/>
+          </a:bodyPr>
+          <a:lstStyle/>
+          <a:p>
+            <a:r>
+              <a:rPr lang="en-US" sz="2500" dirty="0">
+                <a:latin typeface="Gill Sans Light"/>
+              </a:rPr>
+              <a:t>0</a:t>
+            </a:r>
+            <a:endParaRPr lang="en-SE" sz="2500" dirty="0">
+              <a:latin typeface="Gill Sans Light"/>
+            </a:endParaRPr>
+          </a:p>
+        </p:txBody>
+      </p:sp>
+      <p:sp>
+        <p:nvSpPr>
+          <p:cNvPr id="9" name="TextBox 8">
+            <a:extLst>
+              <a:ext uri="{FF2B5EF4-FFF2-40B4-BE49-F238E27FC236}">
+                <a16:creationId xmlns:a16="http://schemas.microsoft.com/office/drawing/2014/main" id="{27B164E4-6F67-B54A-0C81-6B60DEA49553}"/>
+              </a:ext>
+            </a:extLst>
+          </p:cNvPr>
+          <p:cNvSpPr txBox="1"/>
+          <p:nvPr/>
+        </p:nvSpPr>
+        <p:spPr>
+          <a:xfrm>
+            <a:off x="9884439" y="2030813"/>
+            <a:ext cx="344966" cy="477054"/>
+          </a:xfrm>
+          <a:prstGeom prst="rect">
+            <a:avLst/>
+          </a:prstGeom>
+          <a:solidFill>
+            <a:schemeClr val="bg1"/>
+          </a:solidFill>
+        </p:spPr>
+        <p:txBody>
+          <a:bodyPr wrap="none" rtlCol="0">
+            <a:spAutoFit/>
+          </a:bodyPr>
+          <a:lstStyle/>
+          <a:p>
+            <a:r>
+              <a:rPr lang="en-US" sz="2500" dirty="0">
+                <a:latin typeface="Gill Sans Light"/>
+              </a:rPr>
+              <a:t>1</a:t>
+            </a:r>
+            <a:endParaRPr lang="en-SE" sz="2500" dirty="0">
+              <a:latin typeface="Gill Sans Light"/>
+            </a:endParaRPr>
+          </a:p>
+        </p:txBody>
+      </p:sp>
+      <p:sp>
+        <p:nvSpPr>
+          <p:cNvPr id="10" name="TextBox 9">
+            <a:extLst>
+              <a:ext uri="{FF2B5EF4-FFF2-40B4-BE49-F238E27FC236}">
+                <a16:creationId xmlns:a16="http://schemas.microsoft.com/office/drawing/2014/main" id="{16D58D34-74BD-42DF-3A70-43B8633A4CD7}"/>
+              </a:ext>
+            </a:extLst>
+          </p:cNvPr>
+          <p:cNvSpPr txBox="1"/>
+          <p:nvPr/>
+        </p:nvSpPr>
+        <p:spPr>
+          <a:xfrm>
+            <a:off x="9909973" y="2498338"/>
+            <a:ext cx="351378" cy="492443"/>
+          </a:xfrm>
+          <a:prstGeom prst="rect">
+            <a:avLst/>
+          </a:prstGeom>
+          <a:solidFill>
+            <a:schemeClr val="bg1"/>
+          </a:solidFill>
+        </p:spPr>
+        <p:txBody>
+          <a:bodyPr wrap="none" rtlCol="0">
+            <a:spAutoFit/>
+          </a:bodyPr>
+          <a:lstStyle/>
+          <a:p>
+            <a:r>
+              <a:rPr lang="en-US" sz="2500" dirty="0">
+                <a:latin typeface="Gill Sans Light"/>
+              </a:rPr>
+              <a:t>0</a:t>
+            </a:r>
+            <a:endParaRPr lang="en-SE" sz="2500" dirty="0">
+              <a:latin typeface="Gill Sans Light"/>
+            </a:endParaRPr>
+          </a:p>
+        </p:txBody>
+      </p:sp>
+      <p:sp>
+        <p:nvSpPr>
+          <p:cNvPr id="17" name="TextBox 16">
+            <a:extLst>
+              <a:ext uri="{FF2B5EF4-FFF2-40B4-BE49-F238E27FC236}">
+                <a16:creationId xmlns:a16="http://schemas.microsoft.com/office/drawing/2014/main" id="{0E492909-AC0F-0BD3-E533-A97C8A3E879C}"/>
+              </a:ext>
+            </a:extLst>
+          </p:cNvPr>
+          <p:cNvSpPr txBox="1"/>
+          <p:nvPr/>
+        </p:nvSpPr>
+        <p:spPr>
+          <a:xfrm>
+            <a:off x="10309578" y="2498338"/>
+            <a:ext cx="344966" cy="477054"/>
+          </a:xfrm>
+          <a:prstGeom prst="rect">
+            <a:avLst/>
+          </a:prstGeom>
+          <a:solidFill>
+            <a:schemeClr val="bg1"/>
+          </a:solidFill>
+        </p:spPr>
+        <p:txBody>
+          <a:bodyPr wrap="none" rtlCol="0">
+            <a:spAutoFit/>
+          </a:bodyPr>
+          <a:lstStyle/>
+          <a:p>
+            <a:r>
+              <a:rPr lang="en-US" sz="2500" dirty="0">
+                <a:latin typeface="Gill Sans Light"/>
+              </a:rPr>
+              <a:t>1</a:t>
+            </a:r>
+            <a:endParaRPr lang="en-SE" sz="2500" dirty="0">
+              <a:latin typeface="Gill Sans Light"/>
+            </a:endParaRPr>
+          </a:p>
+        </p:txBody>
+      </p:sp>
+      <p:sp>
+        <p:nvSpPr>
+          <p:cNvPr id="18" name="TextBox 17">
+            <a:extLst>
+              <a:ext uri="{FF2B5EF4-FFF2-40B4-BE49-F238E27FC236}">
+                <a16:creationId xmlns:a16="http://schemas.microsoft.com/office/drawing/2014/main" id="{85C8CC8B-4443-B8A2-86A7-4BFFCC5566BD}"/>
+              </a:ext>
+            </a:extLst>
+          </p:cNvPr>
+          <p:cNvSpPr txBox="1"/>
+          <p:nvPr/>
+        </p:nvSpPr>
+        <p:spPr>
+          <a:xfrm>
+            <a:off x="8456829" y="2990781"/>
+            <a:ext cx="344966" cy="477054"/>
+          </a:xfrm>
+          <a:prstGeom prst="rect">
+            <a:avLst/>
+          </a:prstGeom>
+          <a:solidFill>
+            <a:schemeClr val="bg1"/>
+          </a:solidFill>
+        </p:spPr>
+        <p:txBody>
+          <a:bodyPr wrap="none" rtlCol="0">
+            <a:spAutoFit/>
+          </a:bodyPr>
+          <a:lstStyle/>
+          <a:p>
+            <a:r>
+              <a:rPr lang="en-US" sz="2500" dirty="0">
+                <a:latin typeface="Gill Sans Light"/>
+              </a:rPr>
+              <a:t>1</a:t>
+            </a:r>
+            <a:endParaRPr lang="en-SE" sz="2500" dirty="0">
+              <a:latin typeface="Gill Sans Light"/>
+            </a:endParaRPr>
+          </a:p>
+        </p:txBody>
+      </p:sp>
+      <mc:AlternateContent xmlns:mc="http://schemas.openxmlformats.org/markup-compatibility/2006">
+        <mc:Choice xmlns:a14="http://schemas.microsoft.com/office/drawing/2010/main" Requires="a14">
+          <p:sp>
+            <p:nvSpPr>
+              <p:cNvPr id="19" name="TextBox 18">
+                <a:extLst>
+                  <a:ext uri="{FF2B5EF4-FFF2-40B4-BE49-F238E27FC236}">
+                    <a16:creationId xmlns:a16="http://schemas.microsoft.com/office/drawing/2014/main" id="{45D4E9EC-CABB-0565-2361-B3660D3C53F7}"/>
+                  </a:ext>
+                </a:extLst>
+              </p:cNvPr>
+              <p:cNvSpPr txBox="1"/>
+              <p:nvPr/>
+            </p:nvSpPr>
+            <p:spPr>
+              <a:xfrm>
+                <a:off x="6955947" y="2013210"/>
+                <a:ext cx="1181606" cy="523220"/>
+              </a:xfrm>
+              <a:prstGeom prst="rect">
+                <a:avLst/>
+              </a:prstGeom>
+              <a:solidFill>
+                <a:schemeClr val="bg1"/>
+              </a:solidFill>
+            </p:spPr>
+            <p:txBody>
+              <a:bodyPr wrap="none" rtlCol="0">
+                <a:spAutoFit/>
+              </a:bodyPr>
+              <a:lstStyle/>
+              <a:p>
+                <a:pPr/>
+                <a14:m>
+                  <m:oMathPara xmlns:m="http://schemas.openxmlformats.org/officeDocument/2006/math">
+                    <m:oMathParaPr>
+                      <m:jc m:val="centerGroup"/>
+                    </m:oMathParaPr>
+                    <m:oMath xmlns:m="http://schemas.openxmlformats.org/officeDocument/2006/math">
+                      <m:r>
+                        <a:rPr lang="en-US" sz="2800" i="1" dirty="0" smtClean="0">
+                          <a:latin typeface="Cambria Math" panose="02040503050406030204" pitchFamily="18" charset="0"/>
+                        </a:rPr>
+                        <m:t>𝑅</m:t>
+                      </m:r>
+                      <m:r>
+                        <a:rPr lang="en-GB" sz="2800" i="1" dirty="0" smtClean="0">
+                          <a:latin typeface="Cambria Math" panose="02040503050406030204" pitchFamily="18" charset="0"/>
+                        </a:rPr>
+                        <m:t>−</m:t>
+                      </m:r>
+                      <m:r>
+                        <a:rPr lang="en-GB" sz="2800" i="1" dirty="0" smtClean="0">
+                          <a:latin typeface="Cambria Math" panose="02040503050406030204" pitchFamily="18" charset="0"/>
+                        </a:rPr>
+                        <m:t>𝐶</m:t>
+                      </m:r>
+                    </m:oMath>
+                  </m:oMathPara>
+                </a14:m>
+                <a:endParaRPr lang="en-SE" sz="2800" dirty="0">
+                  <a:latin typeface="Gill Sans Light"/>
+                </a:endParaRPr>
+              </a:p>
+            </p:txBody>
+          </p:sp>
+        </mc:Choice>
+        <mc:Fallback>
+          <p:sp>
+            <p:nvSpPr>
+              <p:cNvPr id="19" name="TextBox 18">
+                <a:extLst>
+                  <a:ext uri="{FF2B5EF4-FFF2-40B4-BE49-F238E27FC236}">
+                    <a16:creationId xmlns:a16="http://schemas.microsoft.com/office/drawing/2014/main" id="{45D4E9EC-CABB-0565-2361-B3660D3C53F7}"/>
+                  </a:ext>
+                </a:extLst>
+              </p:cNvPr>
+              <p:cNvSpPr txBox="1">
+                <a:spLocks noRot="1" noChangeAspect="1" noMove="1" noResize="1" noEditPoints="1" noAdjustHandles="1" noChangeArrowheads="1" noChangeShapeType="1" noTextEdit="1"/>
+              </p:cNvSpPr>
+              <p:nvPr/>
+            </p:nvSpPr>
+            <p:spPr>
+              <a:xfrm>
+                <a:off x="6955947" y="2013210"/>
+                <a:ext cx="1181606" cy="523220"/>
+              </a:xfrm>
+              <a:prstGeom prst="rect">
+                <a:avLst/>
+              </a:prstGeom>
+              <a:blipFill>
+                <a:blip r:embed="rId8"/>
+                <a:stretch>
+                  <a:fillRect/>
+                </a:stretch>
+              </a:blipFill>
+            </p:spPr>
+            <p:txBody>
+              <a:bodyPr/>
+              <a:lstStyle/>
+              <a:p>
+                <a:r>
+                  <a:rPr lang="en-SE">
+                    <a:noFill/>
+                  </a:rPr>
+                  <a:t> </a:t>
+                </a:r>
+              </a:p>
+            </p:txBody>
+          </p:sp>
+        </mc:Fallback>
+      </mc:AlternateContent>
+      <p:graphicFrame>
+        <p:nvGraphicFramePr>
+          <p:cNvPr id="128006" name="Object 3"/>
+          <p:cNvGraphicFramePr>
+            <a:graphicFrameLocks noChangeAspect="1"/>
+          </p:cNvGraphicFramePr>
+          <p:nvPr>
+            <p:extLst>
+              <p:ext uri="{D42A27DB-BD31-4B8C-83A1-F6EECF244321}">
+                <p14:modId xmlns:p14="http://schemas.microsoft.com/office/powerpoint/2010/main" val="3444450384"/>
+              </p:ext>
+            </p:extLst>
+          </p:nvPr>
+        </p:nvGraphicFramePr>
+        <p:xfrm>
+          <a:off x="1003299" y="1163636"/>
+          <a:ext cx="2982912" cy="2387600"/>
+        </p:xfrm>
+        <a:graphic>
+          <a:graphicData uri="http://schemas.openxmlformats.org/presentationml/2006/ole">
+            <mc:AlternateContent xmlns:mc="http://schemas.openxmlformats.org/markup-compatibility/2006">
+              <mc:Choice xmlns:v="urn:schemas-microsoft-com:vml" Requires="v">
+                <p:oleObj name="Equation" r:id="rId9" imgW="1396800" imgH="1117440" progId="Equation.3">
+                  <p:embed/>
+                </p:oleObj>
+              </mc:Choice>
+              <mc:Fallback>
+                <p:oleObj name="Equation" r:id="rId9" imgW="1396800" imgH="1117440" progId="Equation.3">
+                  <p:embed/>
+                  <p:pic>
+                    <p:nvPicPr>
+                      <p:cNvPr id="128006" name="Object 3"/>
+                      <p:cNvPicPr>
+                        <a:picLocks noChangeAspect="1" noChangeArrowheads="1"/>
+                      </p:cNvPicPr>
+                      <p:nvPr/>
+                    </p:nvPicPr>
+                    <p:blipFill>
+                      <a:blip r:embed="rId10">
+                        <a:extLst>
+                          <a:ext uri="{28A0092B-C50C-407E-A947-70E740481C1C}">
+                            <a14:useLocalDpi xmlns:a14="http://schemas.microsoft.com/office/drawing/2010/main" val="0"/>
+                          </a:ext>
+                        </a:extLst>
+                      </a:blip>
+                      <a:srcRect/>
+                      <a:stretch>
+                        <a:fillRect/>
+                      </a:stretch>
+                    </p:blipFill>
+                    <p:spPr bwMode="auto">
+                      <a:xfrm>
+                        <a:off x="1003299" y="1163636"/>
+                        <a:ext cx="2982912" cy="2387600"/>
+                      </a:xfrm>
+                      <a:prstGeom prst="rect">
+                        <a:avLst/>
+                      </a:prstGeom>
+                      <a:noFill/>
+                      <a:extLst>
+                        <a:ext uri="{909E8E84-426E-40DD-AFC4-6F175D3DCCD1}">
+                          <a14:hiddenFill xmlns:a14="http://schemas.microsoft.com/office/drawing/2010/main">
+                            <a:solidFill>
+                              <a:srgbClr val="FFFFFF"/>
+                            </a:solidFill>
+                          </a14:hiddenFill>
+                        </a:ext>
+                      </a:extLst>
+                    </p:spPr>
+                  </p:pic>
+                </p:oleObj>
+              </mc:Fallback>
+            </mc:AlternateContent>
+          </a:graphicData>
+        </a:graphic>
+      </p:graphicFrame>
+      <p:graphicFrame>
+        <p:nvGraphicFramePr>
+          <p:cNvPr id="128007" name="Object 3"/>
+          <p:cNvGraphicFramePr>
+            <a:graphicFrameLocks noChangeAspect="1"/>
+          </p:cNvGraphicFramePr>
+          <p:nvPr>
+            <p:extLst>
+              <p:ext uri="{D42A27DB-BD31-4B8C-83A1-F6EECF244321}">
+                <p14:modId xmlns:p14="http://schemas.microsoft.com/office/powerpoint/2010/main" val="2236425810"/>
+              </p:ext>
+            </p:extLst>
+          </p:nvPr>
+        </p:nvGraphicFramePr>
+        <p:xfrm>
+          <a:off x="4179887" y="1163637"/>
+          <a:ext cx="2982913" cy="2874963"/>
+        </p:xfrm>
+        <a:graphic>
+          <a:graphicData uri="http://schemas.openxmlformats.org/presentationml/2006/ole">
+            <mc:AlternateContent xmlns:mc="http://schemas.openxmlformats.org/markup-compatibility/2006">
+              <mc:Choice xmlns:v="urn:schemas-microsoft-com:vml" Requires="v">
+                <p:oleObj name="Equation" r:id="rId6" imgW="1396800" imgH="1346040" progId="Equation.3">
+                  <p:embed/>
+                </p:oleObj>
+              </mc:Choice>
+              <mc:Fallback>
+                <p:oleObj name="Equation" r:id="rId6" imgW="1396800" imgH="1346040" progId="Equation.3">
+                  <p:embed/>
+                  <p:pic>
+                    <p:nvPicPr>
+                      <p:cNvPr id="128007" name="Object 3"/>
+                      <p:cNvPicPr>
+                        <a:picLocks noChangeAspect="1" noChangeArrowheads="1"/>
+                      </p:cNvPicPr>
+                      <p:nvPr/>
+                    </p:nvPicPr>
+                    <p:blipFill>
+                      <a:blip r:embed="rId7">
+                        <a:extLst>
+                          <a:ext uri="{28A0092B-C50C-407E-A947-70E740481C1C}">
+                            <a14:useLocalDpi xmlns:a14="http://schemas.microsoft.com/office/drawing/2010/main" val="0"/>
+                          </a:ext>
+                        </a:extLst>
+                      </a:blip>
+                      <a:srcRect/>
+                      <a:stretch>
+                        <a:fillRect/>
+                      </a:stretch>
+                    </p:blipFill>
+                    <p:spPr bwMode="auto">
+                      <a:xfrm>
+                        <a:off x="4179887" y="1163637"/>
+                        <a:ext cx="2982913" cy="2874963"/>
+                      </a:xfrm>
+                      <a:prstGeom prst="rect">
+                        <a:avLst/>
+                      </a:prstGeom>
+                      <a:noFill/>
+                      <a:extLst>
+                        <a:ext uri="{909E8E84-426E-40DD-AFC4-6F175D3DCCD1}">
+                          <a14:hiddenFill xmlns:a14="http://schemas.microsoft.com/office/drawing/2010/main">
+                            <a:solidFill>
+                              <a:srgbClr val="FFFFFF"/>
+                            </a:solidFill>
+                          </a14:hiddenFill>
+                        </a:ext>
+                      </a:extLst>
+                    </p:spPr>
+                  </p:pic>
+                </p:oleObj>
+              </mc:Fallback>
+            </mc:AlternateContent>
+          </a:graphicData>
+        </a:graphic>
+      </p:graphicFrame>
+      <p:sp>
+        <p:nvSpPr>
+          <p:cNvPr id="13" name="TextBox 12">
+            <a:extLst>
+              <a:ext uri="{FF2B5EF4-FFF2-40B4-BE49-F238E27FC236}">
+                <a16:creationId xmlns:a16="http://schemas.microsoft.com/office/drawing/2014/main" id="{72DBE40B-C37E-C8D3-9D0B-8C48393558F5}"/>
+              </a:ext>
+            </a:extLst>
+          </p:cNvPr>
+          <p:cNvSpPr txBox="1"/>
+          <p:nvPr/>
+        </p:nvSpPr>
+        <p:spPr>
+          <a:xfrm>
+            <a:off x="2385678" y="693586"/>
+            <a:ext cx="692818" cy="400110"/>
+          </a:xfrm>
+          <a:prstGeom prst="rect">
+            <a:avLst/>
+          </a:prstGeom>
+          <a:noFill/>
+        </p:spPr>
+        <p:txBody>
+          <a:bodyPr wrap="none" rtlCol="0">
+            <a:spAutoFit/>
+          </a:bodyPr>
+          <a:lstStyle/>
+          <a:p>
+            <a:r>
+              <a:rPr lang="en-GB" sz="2000" b="0" dirty="0">
+                <a:solidFill>
+                  <a:schemeClr val="dk1"/>
+                </a:solidFill>
+                <a:latin typeface="+mn-lt"/>
+                <a:ea typeface="+mn-ea"/>
+                <a:cs typeface="+mn-cs"/>
+              </a:rPr>
+              <a:t>Max</a:t>
+            </a:r>
+          </a:p>
+        </p:txBody>
+      </p:sp>
+      <p:sp>
+        <p:nvSpPr>
+          <p:cNvPr id="14" name="TextBox 13">
+            <a:extLst>
+              <a:ext uri="{FF2B5EF4-FFF2-40B4-BE49-F238E27FC236}">
+                <a16:creationId xmlns:a16="http://schemas.microsoft.com/office/drawing/2014/main" id="{5F63CBFE-61EF-B700-4D81-5BDE32A5AFDE}"/>
+              </a:ext>
+            </a:extLst>
+          </p:cNvPr>
+          <p:cNvSpPr txBox="1"/>
+          <p:nvPr/>
+        </p:nvSpPr>
+        <p:spPr>
+          <a:xfrm>
+            <a:off x="5094287" y="693586"/>
+            <a:ext cx="1372492" cy="400110"/>
+          </a:xfrm>
+          <a:prstGeom prst="rect">
+            <a:avLst/>
+          </a:prstGeom>
+          <a:noFill/>
+        </p:spPr>
+        <p:txBody>
+          <a:bodyPr wrap="none" rtlCol="0">
+            <a:spAutoFit/>
+          </a:bodyPr>
+          <a:lstStyle/>
+          <a:p>
+            <a:r>
+              <a:rPr lang="en-GB" sz="2000" b="0" dirty="0">
+                <a:solidFill>
+                  <a:schemeClr val="dk1"/>
+                </a:solidFill>
+                <a:latin typeface="+mn-lt"/>
+                <a:ea typeface="+mn-ea"/>
+                <a:cs typeface="+mn-cs"/>
+              </a:rPr>
+              <a:t>Allocation</a:t>
+            </a:r>
+          </a:p>
+        </p:txBody>
+      </p:sp>
+      <p:sp>
+        <p:nvSpPr>
+          <p:cNvPr id="20" name="TextBox 19">
+            <a:extLst>
+              <a:ext uri="{FF2B5EF4-FFF2-40B4-BE49-F238E27FC236}">
+                <a16:creationId xmlns:a16="http://schemas.microsoft.com/office/drawing/2014/main" id="{07A88EC0-AFB4-5912-5848-75A0D718DF59}"/>
+              </a:ext>
+            </a:extLst>
+          </p:cNvPr>
+          <p:cNvSpPr txBox="1"/>
+          <p:nvPr/>
+        </p:nvSpPr>
+        <p:spPr>
+          <a:xfrm>
+            <a:off x="10318503" y="2990781"/>
+            <a:ext cx="344966" cy="477054"/>
+          </a:xfrm>
+          <a:prstGeom prst="rect">
+            <a:avLst/>
+          </a:prstGeom>
+          <a:solidFill>
+            <a:schemeClr val="bg1"/>
+          </a:solidFill>
+        </p:spPr>
+        <p:txBody>
+          <a:bodyPr wrap="none" rtlCol="0">
+            <a:spAutoFit/>
+          </a:bodyPr>
+          <a:lstStyle/>
+          <a:p>
+            <a:r>
+              <a:rPr lang="en-US" sz="2500" dirty="0">
+                <a:latin typeface="Gill Sans Light"/>
+              </a:rPr>
+              <a:t>1</a:t>
+            </a:r>
+            <a:endParaRPr lang="en-SE" sz="2500" dirty="0">
+              <a:latin typeface="Gill Sans Light"/>
+            </a:endParaRPr>
+          </a:p>
+        </p:txBody>
+      </p:sp>
+      <p:graphicFrame>
+        <p:nvGraphicFramePr>
+          <p:cNvPr id="3" name="Content Placeholder 5">
+            <a:extLst>
+              <a:ext uri="{FF2B5EF4-FFF2-40B4-BE49-F238E27FC236}">
+                <a16:creationId xmlns:a16="http://schemas.microsoft.com/office/drawing/2014/main" id="{AA265A89-5866-B501-86D7-8D41859F0403}"/>
+              </a:ext>
+            </a:extLst>
+          </p:cNvPr>
+          <p:cNvGraphicFramePr>
+            <a:graphicFrameLocks/>
+          </p:cNvGraphicFramePr>
+          <p:nvPr>
+            <p:extLst>
+              <p:ext uri="{D42A27DB-BD31-4B8C-83A1-F6EECF244321}">
+                <p14:modId xmlns:p14="http://schemas.microsoft.com/office/powerpoint/2010/main" val="420581156"/>
+              </p:ext>
+            </p:extLst>
+          </p:nvPr>
+        </p:nvGraphicFramePr>
+        <p:xfrm>
+          <a:off x="8091273" y="4084320"/>
+          <a:ext cx="3310566" cy="2773680"/>
+        </p:xfrm>
+        <a:graphic>
+          <a:graphicData uri="http://schemas.openxmlformats.org/drawingml/2006/table">
+            <a:tbl>
+              <a:tblPr firstRow="1" bandRow="1">
+                <a:tableStyleId>{5940675A-B579-460E-94D1-54222C63F5DA}</a:tableStyleId>
+              </a:tblPr>
+              <a:tblGrid>
+                <a:gridCol w="551761">
+                  <a:extLst>
+                    <a:ext uri="{9D8B030D-6E8A-4147-A177-3AD203B41FA5}">
+                      <a16:colId xmlns:a16="http://schemas.microsoft.com/office/drawing/2014/main" val="1619986141"/>
+                    </a:ext>
+                  </a:extLst>
+                </a:gridCol>
+                <a:gridCol w="551761">
+                  <a:extLst>
+                    <a:ext uri="{9D8B030D-6E8A-4147-A177-3AD203B41FA5}">
+                      <a16:colId xmlns:a16="http://schemas.microsoft.com/office/drawing/2014/main" val="3558990718"/>
+                    </a:ext>
+                  </a:extLst>
+                </a:gridCol>
+                <a:gridCol w="551761">
+                  <a:extLst>
+                    <a:ext uri="{9D8B030D-6E8A-4147-A177-3AD203B41FA5}">
+                      <a16:colId xmlns:a16="http://schemas.microsoft.com/office/drawing/2014/main" val="2817522056"/>
+                    </a:ext>
+                  </a:extLst>
+                </a:gridCol>
+                <a:gridCol w="551761">
+                  <a:extLst>
+                    <a:ext uri="{9D8B030D-6E8A-4147-A177-3AD203B41FA5}">
+                      <a16:colId xmlns:a16="http://schemas.microsoft.com/office/drawing/2014/main" val="27933147"/>
+                    </a:ext>
+                  </a:extLst>
+                </a:gridCol>
+                <a:gridCol w="551761">
+                  <a:extLst>
+                    <a:ext uri="{9D8B030D-6E8A-4147-A177-3AD203B41FA5}">
+                      <a16:colId xmlns:a16="http://schemas.microsoft.com/office/drawing/2014/main" val="2599289334"/>
+                    </a:ext>
+                  </a:extLst>
+                </a:gridCol>
+                <a:gridCol w="551761">
+                  <a:extLst>
+                    <a:ext uri="{9D8B030D-6E8A-4147-A177-3AD203B41FA5}">
+                      <a16:colId xmlns:a16="http://schemas.microsoft.com/office/drawing/2014/main" val="3771836003"/>
+                    </a:ext>
+                  </a:extLst>
+                </a:gridCol>
+              </a:tblGrid>
+              <a:tr h="370840">
+                <a:tc>
+                  <a:txBody>
+                    <a:bodyPr/>
+                    <a:lstStyle/>
+                    <a:p>
+                      <a:pPr algn="ctr"/>
+                      <a:endParaRPr lang="en-SE" sz="2000" dirty="0"/>
+                    </a:p>
+                  </a:txBody>
+                  <a:tcPr>
+                    <a:solidFill>
+                      <a:schemeClr val="bg1">
+                        <a:lumMod val="95000"/>
+                      </a:schemeClr>
+                    </a:solidFill>
+                  </a:tcPr>
+                </a:tc>
+                <a:tc>
+                  <a:txBody>
+                    <a:bodyPr/>
+                    <a:lstStyle/>
+                    <a:p>
+                      <a:pPr algn="ctr"/>
+                      <a:r>
+                        <a:rPr lang="en-GB" sz="2000" dirty="0"/>
+                        <a:t>R1</a:t>
+                      </a:r>
+                      <a:endParaRPr lang="en-SE" sz="2000" dirty="0"/>
+                    </a:p>
+                  </a:txBody>
+                  <a:tcPr>
+                    <a:solidFill>
+                      <a:schemeClr val="bg1">
+                        <a:lumMod val="95000"/>
+                      </a:schemeClr>
+                    </a:solidFill>
+                  </a:tcPr>
+                </a:tc>
+                <a:tc>
+                  <a:txBody>
+                    <a:bodyPr/>
+                    <a:lstStyle/>
+                    <a:p>
+                      <a:pPr algn="ctr"/>
+                      <a:r>
+                        <a:rPr lang="en-GB" sz="2000" dirty="0"/>
+                        <a:t>R2</a:t>
+                      </a:r>
+                      <a:endParaRPr lang="en-SE" sz="2000" dirty="0"/>
+                    </a:p>
+                  </a:txBody>
+                  <a:tcPr>
+                    <a:solidFill>
+                      <a:schemeClr val="bg1">
+                        <a:lumMod val="95000"/>
+                      </a:schemeClr>
+                    </a:solidFill>
+                  </a:tcPr>
+                </a:tc>
+                <a:tc>
+                  <a:txBody>
+                    <a:bodyPr/>
+                    <a:lstStyle/>
+                    <a:p>
+                      <a:pPr algn="ctr"/>
+                      <a:r>
+                        <a:rPr lang="en-GB" sz="2000" dirty="0"/>
+                        <a:t>R3</a:t>
+                      </a:r>
+                      <a:endParaRPr lang="en-SE" sz="2000" dirty="0"/>
+                    </a:p>
+                  </a:txBody>
+                  <a:tcPr>
+                    <a:solidFill>
+                      <a:schemeClr val="bg1">
+                        <a:lumMod val="95000"/>
+                      </a:schemeClr>
+                    </a:solidFill>
+                  </a:tcPr>
+                </a:tc>
+                <a:tc>
+                  <a:txBody>
+                    <a:bodyPr/>
+                    <a:lstStyle/>
+                    <a:p>
+                      <a:pPr algn="ctr"/>
+                      <a:r>
+                        <a:rPr lang="en-GB" sz="2000" dirty="0"/>
+                        <a:t>R4</a:t>
+                      </a:r>
+                      <a:endParaRPr lang="en-SE" sz="2000" dirty="0"/>
+                    </a:p>
+                  </a:txBody>
+                  <a:tcPr>
+                    <a:solidFill>
+                      <a:schemeClr val="bg1">
+                        <a:lumMod val="95000"/>
+                      </a:schemeClr>
+                    </a:solidFill>
+                  </a:tcPr>
+                </a:tc>
+                <a:tc>
+                  <a:txBody>
+                    <a:bodyPr/>
+                    <a:lstStyle/>
+                    <a:p>
+                      <a:pPr algn="ctr"/>
+                      <a:r>
+                        <a:rPr lang="en-GB" sz="2000" dirty="0"/>
+                        <a:t>R5</a:t>
+                      </a:r>
+                      <a:endParaRPr lang="en-SE" sz="2000" dirty="0"/>
+                    </a:p>
+                  </a:txBody>
+                  <a:tcPr>
+                    <a:solidFill>
+                      <a:schemeClr val="bg1">
+                        <a:lumMod val="95000"/>
+                      </a:schemeClr>
+                    </a:solidFill>
+                  </a:tcPr>
+                </a:tc>
+                <a:extLst>
+                  <a:ext uri="{0D108BD9-81ED-4DB2-BD59-A6C34878D82A}">
+                    <a16:rowId xmlns:a16="http://schemas.microsoft.com/office/drawing/2014/main" val="117063772"/>
+                  </a:ext>
+                </a:extLst>
+              </a:tr>
+              <a:tr h="370840">
+                <a:tc>
+                  <a:txBody>
+                    <a:bodyPr/>
+                    <a:lstStyle/>
+                    <a:p>
+                      <a:pPr algn="ctr"/>
+                      <a:endParaRPr lang="en-SE" sz="2000" dirty="0"/>
+                    </a:p>
+                  </a:txBody>
+                  <a:tcPr>
+                    <a:solidFill>
+                      <a:schemeClr val="bg1">
+                        <a:lumMod val="95000"/>
+                      </a:schemeClr>
+                    </a:solidFill>
+                  </a:tcPr>
+                </a:tc>
+                <a:tc>
+                  <a:txBody>
+                    <a:bodyPr/>
+                    <a:lstStyle/>
+                    <a:p>
+                      <a:pPr algn="ctr"/>
+                      <a:r>
+                        <a:rPr lang="en-GB" sz="2000" dirty="0"/>
+                        <a:t>0</a:t>
+                      </a:r>
+                      <a:endParaRPr lang="en-SE" sz="2000" dirty="0"/>
+                    </a:p>
+                  </a:txBody>
+                  <a:tcPr/>
+                </a:tc>
+                <a:tc>
+                  <a:txBody>
+                    <a:bodyPr/>
+                    <a:lstStyle/>
+                    <a:p>
+                      <a:pPr algn="ctr"/>
+                      <a:r>
+                        <a:rPr lang="en-GB" sz="2000" dirty="0"/>
+                        <a:t>0</a:t>
+                      </a:r>
+                      <a:endParaRPr lang="en-SE" sz="2000" dirty="0"/>
+                    </a:p>
+                  </a:txBody>
+                  <a:tcPr/>
+                </a:tc>
+                <a:tc>
+                  <a:txBody>
+                    <a:bodyPr/>
+                    <a:lstStyle/>
+                    <a:p>
+                      <a:pPr algn="ctr"/>
+                      <a:r>
+                        <a:rPr lang="en-GB" sz="2000" dirty="0"/>
+                        <a:t>0</a:t>
+                      </a:r>
+                      <a:endParaRPr lang="en-SE" sz="2000" dirty="0"/>
+                    </a:p>
+                  </a:txBody>
+                  <a:tcPr/>
+                </a:tc>
+                <a:tc>
+                  <a:txBody>
+                    <a:bodyPr/>
+                    <a:lstStyle/>
+                    <a:p>
+                      <a:pPr algn="ctr"/>
+                      <a:r>
+                        <a:rPr lang="en-GB" sz="2000" dirty="0"/>
+                        <a:t>0</a:t>
+                      </a:r>
+                      <a:endParaRPr lang="en-SE" sz="2000" dirty="0"/>
+                    </a:p>
+                  </a:txBody>
+                  <a:tcPr/>
+                </a:tc>
+                <a:tc>
+                  <a:txBody>
+                    <a:bodyPr/>
+                    <a:lstStyle/>
+                    <a:p>
+                      <a:pPr algn="ctr"/>
+                      <a:r>
+                        <a:rPr lang="en-GB" sz="2000" dirty="0"/>
+                        <a:t>1</a:t>
+                      </a:r>
+                      <a:endParaRPr lang="en-SE" sz="2000" dirty="0"/>
+                    </a:p>
+                  </a:txBody>
+                  <a:tcPr/>
+                </a:tc>
+                <a:extLst>
+                  <a:ext uri="{0D108BD9-81ED-4DB2-BD59-A6C34878D82A}">
+                    <a16:rowId xmlns:a16="http://schemas.microsoft.com/office/drawing/2014/main" val="2823243655"/>
+                  </a:ext>
+                </a:extLst>
+              </a:tr>
+              <a:tr h="370840">
+                <a:tc>
+                  <a:txBody>
+                    <a:bodyPr/>
+                    <a:lstStyle/>
+                    <a:p>
+                      <a:pPr algn="ctr"/>
+                      <a:endParaRPr lang="en-SE" sz="2000" dirty="0"/>
+                    </a:p>
+                  </a:txBody>
+                  <a:tcPr>
+                    <a:solidFill>
+                      <a:schemeClr val="bg1">
+                        <a:lumMod val="95000"/>
+                      </a:schemeClr>
+                    </a:solidFill>
+                  </a:tcPr>
+                </a:tc>
+                <a:tc>
+                  <a:txBody>
+                    <a:bodyPr/>
+                    <a:lstStyle/>
+                    <a:p>
+                      <a:pPr algn="ctr"/>
+                      <a:endParaRPr lang="en-SE" sz="2000" dirty="0"/>
+                    </a:p>
+                  </a:txBody>
+                  <a:tcPr/>
+                </a:tc>
+                <a:tc>
+                  <a:txBody>
+                    <a:bodyPr/>
+                    <a:lstStyle/>
+                    <a:p>
+                      <a:pPr algn="ctr"/>
+                      <a:endParaRPr lang="en-SE" sz="2000" dirty="0"/>
+                    </a:p>
+                  </a:txBody>
+                  <a:tcPr/>
+                </a:tc>
+                <a:tc>
+                  <a:txBody>
+                    <a:bodyPr/>
+                    <a:lstStyle/>
+                    <a:p>
+                      <a:pPr algn="ctr"/>
+                      <a:endParaRPr lang="en-SE" sz="2000" dirty="0"/>
+                    </a:p>
+                  </a:txBody>
+                  <a:tcPr/>
+                </a:tc>
+                <a:tc>
+                  <a:txBody>
+                    <a:bodyPr/>
+                    <a:lstStyle/>
+                    <a:p>
+                      <a:pPr algn="ctr"/>
+                      <a:endParaRPr lang="en-SE" sz="2000" dirty="0"/>
+                    </a:p>
+                  </a:txBody>
+                  <a:tcPr/>
+                </a:tc>
+                <a:tc>
+                  <a:txBody>
+                    <a:bodyPr/>
+                    <a:lstStyle/>
+                    <a:p>
+                      <a:pPr algn="ctr"/>
+                      <a:endParaRPr lang="en-SE" sz="2000" dirty="0"/>
+                    </a:p>
+                  </a:txBody>
+                  <a:tcPr/>
+                </a:tc>
+                <a:extLst>
+                  <a:ext uri="{0D108BD9-81ED-4DB2-BD59-A6C34878D82A}">
+                    <a16:rowId xmlns:a16="http://schemas.microsoft.com/office/drawing/2014/main" val="1884641263"/>
+                  </a:ext>
+                </a:extLst>
+              </a:tr>
+              <a:tr h="370840">
+                <a:tc>
+                  <a:txBody>
+                    <a:bodyPr/>
+                    <a:lstStyle/>
+                    <a:p>
+                      <a:pPr algn="ctr"/>
+                      <a:endParaRPr lang="en-SE" sz="2000" dirty="0"/>
+                    </a:p>
+                  </a:txBody>
+                  <a:tcPr>
+                    <a:solidFill>
+                      <a:schemeClr val="bg1">
+                        <a:lumMod val="95000"/>
+                      </a:schemeClr>
+                    </a:solidFill>
+                  </a:tcPr>
+                </a:tc>
+                <a:tc>
+                  <a:txBody>
+                    <a:bodyPr/>
+                    <a:lstStyle/>
+                    <a:p>
+                      <a:pPr algn="ctr"/>
+                      <a:endParaRPr lang="en-SE" sz="2000" dirty="0"/>
+                    </a:p>
+                  </a:txBody>
+                  <a:tcPr/>
+                </a:tc>
+                <a:tc>
+                  <a:txBody>
+                    <a:bodyPr/>
+                    <a:lstStyle/>
+                    <a:p>
+                      <a:pPr algn="ctr"/>
+                      <a:endParaRPr lang="en-SE" sz="2000" dirty="0"/>
+                    </a:p>
+                  </a:txBody>
+                  <a:tcPr/>
+                </a:tc>
+                <a:tc>
+                  <a:txBody>
+                    <a:bodyPr/>
+                    <a:lstStyle/>
+                    <a:p>
+                      <a:pPr algn="ctr"/>
+                      <a:endParaRPr lang="en-SE" sz="2000" dirty="0"/>
+                    </a:p>
+                  </a:txBody>
+                  <a:tcPr/>
+                </a:tc>
+                <a:tc>
+                  <a:txBody>
+                    <a:bodyPr/>
+                    <a:lstStyle/>
+                    <a:p>
+                      <a:pPr algn="ctr"/>
+                      <a:endParaRPr lang="en-SE" sz="2000" dirty="0"/>
+                    </a:p>
+                  </a:txBody>
+                  <a:tcPr/>
+                </a:tc>
+                <a:tc>
+                  <a:txBody>
+                    <a:bodyPr/>
+                    <a:lstStyle/>
+                    <a:p>
+                      <a:pPr algn="ctr"/>
+                      <a:endParaRPr lang="en-SE" sz="2000" dirty="0"/>
+                    </a:p>
+                  </a:txBody>
+                  <a:tcPr/>
+                </a:tc>
+                <a:extLst>
+                  <a:ext uri="{0D108BD9-81ED-4DB2-BD59-A6C34878D82A}">
+                    <a16:rowId xmlns:a16="http://schemas.microsoft.com/office/drawing/2014/main" val="3030728590"/>
+                  </a:ext>
+                </a:extLst>
+              </a:tr>
+              <a:tr h="370840">
+                <a:tc>
+                  <a:txBody>
+                    <a:bodyPr/>
+                    <a:lstStyle/>
+                    <a:p>
+                      <a:pPr algn="ctr"/>
+                      <a:endParaRPr lang="en-SE" sz="2000" dirty="0"/>
+                    </a:p>
+                  </a:txBody>
+                  <a:tcPr>
+                    <a:solidFill>
+                      <a:schemeClr val="bg1">
+                        <a:lumMod val="95000"/>
+                      </a:schemeClr>
+                    </a:solidFill>
+                  </a:tcPr>
+                </a:tc>
+                <a:tc>
+                  <a:txBody>
+                    <a:bodyPr/>
+                    <a:lstStyle/>
+                    <a:p>
+                      <a:pPr algn="ctr"/>
+                      <a:endParaRPr lang="en-SE" sz="2000" dirty="0"/>
+                    </a:p>
+                  </a:txBody>
+                  <a:tcPr/>
+                </a:tc>
+                <a:tc>
+                  <a:txBody>
+                    <a:bodyPr/>
+                    <a:lstStyle/>
+                    <a:p>
+                      <a:pPr algn="ctr"/>
+                      <a:endParaRPr lang="en-SE" sz="2000" dirty="0"/>
+                    </a:p>
+                  </a:txBody>
+                  <a:tcPr/>
+                </a:tc>
+                <a:tc>
+                  <a:txBody>
+                    <a:bodyPr/>
+                    <a:lstStyle/>
+                    <a:p>
+                      <a:pPr algn="ctr"/>
+                      <a:endParaRPr lang="en-SE" sz="2000" dirty="0"/>
+                    </a:p>
+                  </a:txBody>
+                  <a:tcPr/>
+                </a:tc>
+                <a:tc>
+                  <a:txBody>
+                    <a:bodyPr/>
+                    <a:lstStyle/>
+                    <a:p>
+                      <a:pPr algn="ctr"/>
+                      <a:endParaRPr lang="en-SE" sz="2000" dirty="0"/>
+                    </a:p>
+                  </a:txBody>
+                  <a:tcPr/>
+                </a:tc>
+                <a:tc>
+                  <a:txBody>
+                    <a:bodyPr/>
+                    <a:lstStyle/>
+                    <a:p>
+                      <a:pPr algn="ctr"/>
+                      <a:endParaRPr lang="en-SE" sz="2000" dirty="0"/>
+                    </a:p>
+                  </a:txBody>
+                  <a:tcPr/>
+                </a:tc>
+                <a:extLst>
+                  <a:ext uri="{0D108BD9-81ED-4DB2-BD59-A6C34878D82A}">
+                    <a16:rowId xmlns:a16="http://schemas.microsoft.com/office/drawing/2014/main" val="3263484799"/>
+                  </a:ext>
+                </a:extLst>
+              </a:tr>
+              <a:tr h="370840">
+                <a:tc>
+                  <a:txBody>
+                    <a:bodyPr/>
+                    <a:lstStyle/>
+                    <a:p>
+                      <a:pPr algn="ctr"/>
+                      <a:endParaRPr lang="en-SE" sz="2000" dirty="0"/>
+                    </a:p>
+                  </a:txBody>
+                  <a:tcPr>
+                    <a:solidFill>
+                      <a:schemeClr val="bg1">
+                        <a:lumMod val="95000"/>
+                      </a:schemeClr>
+                    </a:solidFill>
+                  </a:tcPr>
+                </a:tc>
+                <a:tc>
+                  <a:txBody>
+                    <a:bodyPr/>
+                    <a:lstStyle/>
+                    <a:p>
+                      <a:pPr algn="ctr"/>
+                      <a:endParaRPr lang="en-SE" sz="2000" dirty="0"/>
+                    </a:p>
+                  </a:txBody>
+                  <a:tcPr/>
+                </a:tc>
+                <a:tc>
+                  <a:txBody>
+                    <a:bodyPr/>
+                    <a:lstStyle/>
+                    <a:p>
+                      <a:pPr algn="ctr"/>
+                      <a:endParaRPr lang="en-SE" sz="2000" dirty="0"/>
+                    </a:p>
+                  </a:txBody>
+                  <a:tcPr/>
+                </a:tc>
+                <a:tc>
+                  <a:txBody>
+                    <a:bodyPr/>
+                    <a:lstStyle/>
+                    <a:p>
+                      <a:pPr algn="ctr"/>
+                      <a:endParaRPr lang="en-SE" sz="2000" dirty="0"/>
+                    </a:p>
+                  </a:txBody>
+                  <a:tcPr/>
+                </a:tc>
+                <a:tc>
+                  <a:txBody>
+                    <a:bodyPr/>
+                    <a:lstStyle/>
+                    <a:p>
+                      <a:pPr algn="ctr"/>
+                      <a:endParaRPr lang="en-SE" sz="2000" dirty="0"/>
+                    </a:p>
+                  </a:txBody>
+                  <a:tcPr/>
+                </a:tc>
+                <a:tc>
+                  <a:txBody>
+                    <a:bodyPr/>
+                    <a:lstStyle/>
+                    <a:p>
+                      <a:pPr algn="ctr"/>
+                      <a:endParaRPr lang="en-SE" sz="2000" dirty="0"/>
+                    </a:p>
+                  </a:txBody>
+                  <a:tcPr/>
+                </a:tc>
+                <a:extLst>
+                  <a:ext uri="{0D108BD9-81ED-4DB2-BD59-A6C34878D82A}">
+                    <a16:rowId xmlns:a16="http://schemas.microsoft.com/office/drawing/2014/main" val="1117599685"/>
+                  </a:ext>
+                </a:extLst>
+              </a:tr>
+              <a:tr h="370840">
+                <a:tc>
+                  <a:txBody>
+                    <a:bodyPr/>
+                    <a:lstStyle/>
+                    <a:p>
+                      <a:pPr algn="ctr"/>
+                      <a:endParaRPr lang="en-SE" sz="2000" dirty="0"/>
+                    </a:p>
+                  </a:txBody>
+                  <a:tcPr>
+                    <a:solidFill>
+                      <a:schemeClr val="bg1">
+                        <a:lumMod val="95000"/>
+                      </a:schemeClr>
+                    </a:solidFill>
+                  </a:tcPr>
+                </a:tc>
+                <a:tc>
+                  <a:txBody>
+                    <a:bodyPr/>
+                    <a:lstStyle/>
+                    <a:p>
+                      <a:pPr algn="ctr"/>
+                      <a:endParaRPr lang="en-SE" sz="2000" dirty="0"/>
+                    </a:p>
+                  </a:txBody>
+                  <a:tcPr/>
+                </a:tc>
+                <a:tc>
+                  <a:txBody>
+                    <a:bodyPr/>
+                    <a:lstStyle/>
+                    <a:p>
+                      <a:pPr algn="ctr"/>
+                      <a:endParaRPr lang="en-SE" sz="2000" dirty="0"/>
+                    </a:p>
+                  </a:txBody>
+                  <a:tcPr/>
+                </a:tc>
+                <a:tc>
+                  <a:txBody>
+                    <a:bodyPr/>
+                    <a:lstStyle/>
+                    <a:p>
+                      <a:pPr algn="ctr"/>
+                      <a:endParaRPr lang="en-SE" sz="2000" dirty="0"/>
+                    </a:p>
+                  </a:txBody>
+                  <a:tcPr/>
+                </a:tc>
+                <a:tc>
+                  <a:txBody>
+                    <a:bodyPr/>
+                    <a:lstStyle/>
+                    <a:p>
+                      <a:pPr algn="ctr"/>
+                      <a:endParaRPr lang="en-SE" sz="2000" dirty="0"/>
+                    </a:p>
+                  </a:txBody>
+                  <a:tcPr/>
+                </a:tc>
+                <a:tc>
+                  <a:txBody>
+                    <a:bodyPr/>
+                    <a:lstStyle/>
+                    <a:p>
+                      <a:pPr algn="ctr"/>
+                      <a:endParaRPr lang="en-SE" sz="2000" dirty="0"/>
+                    </a:p>
+                  </a:txBody>
+                  <a:tcPr/>
+                </a:tc>
+                <a:extLst>
+                  <a:ext uri="{0D108BD9-81ED-4DB2-BD59-A6C34878D82A}">
+                    <a16:rowId xmlns:a16="http://schemas.microsoft.com/office/drawing/2014/main" val="3349827769"/>
+                  </a:ext>
+                </a:extLst>
+              </a:tr>
+            </a:tbl>
+          </a:graphicData>
+        </a:graphic>
+      </p:graphicFrame>
+      <p:sp>
+        <p:nvSpPr>
+          <p:cNvPr id="21" name="TextBox 20">
+            <a:extLst>
+              <a:ext uri="{FF2B5EF4-FFF2-40B4-BE49-F238E27FC236}">
+                <a16:creationId xmlns:a16="http://schemas.microsoft.com/office/drawing/2014/main" id="{17F2632B-010E-7595-9FB6-99BB3A75B80A}"/>
+              </a:ext>
+            </a:extLst>
+          </p:cNvPr>
+          <p:cNvSpPr txBox="1"/>
+          <p:nvPr/>
+        </p:nvSpPr>
+        <p:spPr>
+          <a:xfrm>
+            <a:off x="8231879" y="3406455"/>
+            <a:ext cx="3169960" cy="646331"/>
+          </a:xfrm>
+          <a:prstGeom prst="rect">
+            <a:avLst/>
+          </a:prstGeom>
+          <a:noFill/>
+        </p:spPr>
+        <p:txBody>
+          <a:bodyPr wrap="square" rtlCol="0">
+            <a:spAutoFit/>
+          </a:bodyPr>
+          <a:lstStyle/>
+          <a:p>
+            <a:r>
+              <a:rPr lang="en-GB" b="0" dirty="0">
+                <a:solidFill>
+                  <a:schemeClr val="dk1"/>
+                </a:solidFill>
+                <a:latin typeface="+mn-lt"/>
+                <a:ea typeface="+mn-ea"/>
+                <a:cs typeface="+mn-cs"/>
+              </a:rPr>
+              <a:t>Available resources after completion of each process</a:t>
+            </a:r>
+          </a:p>
+        </p:txBody>
+      </p:sp>
+    </p:spTree>
+  </p:cSld>
+  <p:clrMapOvr>
+    <a:masterClrMapping/>
+  </p:clrMapOvr>
+</p:sld>
+</file>
+
+<file path=ppt/slides/slide3.xml><?xml version="1.0" encoding="utf-8"?>
+<p:sld xmlns:a="http://schemas.openxmlformats.org/drawingml/2006/main" xmlns:r="http://schemas.openxmlformats.org/officeDocument/2006/relationships" xmlns:p="http://schemas.openxmlformats.org/presentationml/2006/main">
+  <p:cSld>
+    <p:spTree>
+      <p:nvGrpSpPr>
+        <p:cNvPr id="1" name="">
+          <a:extLst>
+            <a:ext uri="{FF2B5EF4-FFF2-40B4-BE49-F238E27FC236}">
+              <a16:creationId xmlns:a16="http://schemas.microsoft.com/office/drawing/2014/main" id="{89E770B9-E520-DB7A-E036-C34F55C9C4A8}"/>
+            </a:ext>
+          </a:extLst>
+        </p:cNvPr>
+        <p:cNvGrpSpPr/>
+        <p:nvPr/>
+      </p:nvGrpSpPr>
+      <p:grpSpPr>
+        <a:xfrm>
+          <a:off x="0" y="0"/>
+          <a:ext cx="0" cy="0"/>
+          <a:chOff x="0" y="0"/>
+          <a:chExt cx="0" cy="0"/>
+        </a:xfrm>
+      </p:grpSpPr>
+      <p:sp>
+        <p:nvSpPr>
+          <p:cNvPr id="10" name="Content Placeholder 9">
+            <a:extLst>
+              <a:ext uri="{FF2B5EF4-FFF2-40B4-BE49-F238E27FC236}">
+                <a16:creationId xmlns:a16="http://schemas.microsoft.com/office/drawing/2014/main" id="{7C359BD2-1700-A3A4-A878-C975CB89EDB7}"/>
+              </a:ext>
+            </a:extLst>
+          </p:cNvPr>
+          <p:cNvSpPr>
+            <a:spLocks noGrp="1"/>
+          </p:cNvSpPr>
+          <p:nvPr>
+            <p:ph idx="1"/>
+          </p:nvPr>
+        </p:nvSpPr>
+        <p:spPr/>
+        <p:txBody>
+          <a:bodyPr/>
+          <a:lstStyle/>
+          <a:p>
+            <a:r>
+              <a:rPr lang="en-GB" dirty="0"/>
+              <a:t>Yes, current state is safe, and a safe sequence is P4, P3, P2, P1, P5</a:t>
+            </a:r>
+            <a:endParaRPr lang="en-SE" dirty="0"/>
+          </a:p>
+        </p:txBody>
+      </p:sp>
+      <p:graphicFrame>
+        <p:nvGraphicFramePr>
+          <p:cNvPr id="11" name="Content Placeholder 5">
+            <a:extLst>
+              <a:ext uri="{FF2B5EF4-FFF2-40B4-BE49-F238E27FC236}">
+                <a16:creationId xmlns:a16="http://schemas.microsoft.com/office/drawing/2014/main" id="{CC1055CE-5202-A35C-6493-AD1B95582EBB}"/>
+              </a:ext>
+            </a:extLst>
+          </p:cNvPr>
+          <p:cNvGraphicFramePr>
+            <a:graphicFrameLocks/>
+          </p:cNvGraphicFramePr>
+          <p:nvPr>
+            <p:extLst>
+              <p:ext uri="{D42A27DB-BD31-4B8C-83A1-F6EECF244321}">
+                <p14:modId xmlns:p14="http://schemas.microsoft.com/office/powerpoint/2010/main" val="3127206626"/>
+              </p:ext>
+            </p:extLst>
+          </p:nvPr>
+        </p:nvGraphicFramePr>
+        <p:xfrm>
+          <a:off x="7391400" y="2971800"/>
+          <a:ext cx="3310566" cy="2773680"/>
+        </p:xfrm>
+        <a:graphic>
+          <a:graphicData uri="http://schemas.openxmlformats.org/drawingml/2006/table">
+            <a:tbl>
+              <a:tblPr firstRow="1" bandRow="1">
+                <a:tableStyleId>{5940675A-B579-460E-94D1-54222C63F5DA}</a:tableStyleId>
+              </a:tblPr>
+              <a:tblGrid>
+                <a:gridCol w="551761">
+                  <a:extLst>
+                    <a:ext uri="{9D8B030D-6E8A-4147-A177-3AD203B41FA5}">
+                      <a16:colId xmlns:a16="http://schemas.microsoft.com/office/drawing/2014/main" val="1619986141"/>
+                    </a:ext>
+                  </a:extLst>
+                </a:gridCol>
+                <a:gridCol w="551761">
+                  <a:extLst>
+                    <a:ext uri="{9D8B030D-6E8A-4147-A177-3AD203B41FA5}">
+                      <a16:colId xmlns:a16="http://schemas.microsoft.com/office/drawing/2014/main" val="3558990718"/>
+                    </a:ext>
+                  </a:extLst>
+                </a:gridCol>
+                <a:gridCol w="551761">
+                  <a:extLst>
+                    <a:ext uri="{9D8B030D-6E8A-4147-A177-3AD203B41FA5}">
+                      <a16:colId xmlns:a16="http://schemas.microsoft.com/office/drawing/2014/main" val="2817522056"/>
+                    </a:ext>
+                  </a:extLst>
+                </a:gridCol>
+                <a:gridCol w="551761">
+                  <a:extLst>
+                    <a:ext uri="{9D8B030D-6E8A-4147-A177-3AD203B41FA5}">
+                      <a16:colId xmlns:a16="http://schemas.microsoft.com/office/drawing/2014/main" val="27933147"/>
+                    </a:ext>
+                  </a:extLst>
+                </a:gridCol>
+                <a:gridCol w="551761">
+                  <a:extLst>
+                    <a:ext uri="{9D8B030D-6E8A-4147-A177-3AD203B41FA5}">
+                      <a16:colId xmlns:a16="http://schemas.microsoft.com/office/drawing/2014/main" val="2599289334"/>
+                    </a:ext>
+                  </a:extLst>
+                </a:gridCol>
+                <a:gridCol w="551761">
+                  <a:extLst>
+                    <a:ext uri="{9D8B030D-6E8A-4147-A177-3AD203B41FA5}">
+                      <a16:colId xmlns:a16="http://schemas.microsoft.com/office/drawing/2014/main" val="3771836003"/>
+                    </a:ext>
+                  </a:extLst>
+                </a:gridCol>
+              </a:tblGrid>
+              <a:tr h="370840">
+                <a:tc>
+                  <a:txBody>
+                    <a:bodyPr/>
+                    <a:lstStyle/>
+                    <a:p>
+                      <a:pPr algn="ctr"/>
+                      <a:endParaRPr lang="en-SE" sz="2000" dirty="0"/>
+                    </a:p>
+                  </a:txBody>
+                  <a:tcPr>
+                    <a:solidFill>
+                      <a:schemeClr val="bg1">
+                        <a:lumMod val="95000"/>
+                      </a:schemeClr>
+                    </a:solidFill>
+                  </a:tcPr>
+                </a:tc>
+                <a:tc>
+                  <a:txBody>
+                    <a:bodyPr/>
+                    <a:lstStyle/>
+                    <a:p>
+                      <a:pPr algn="ctr"/>
+                      <a:r>
+                        <a:rPr lang="en-GB" sz="2000" dirty="0"/>
+                        <a:t>R1</a:t>
+                      </a:r>
+                      <a:endParaRPr lang="en-SE" sz="2000" dirty="0"/>
+                    </a:p>
+                  </a:txBody>
+                  <a:tcPr>
+                    <a:solidFill>
+                      <a:schemeClr val="bg1">
+                        <a:lumMod val="95000"/>
+                      </a:schemeClr>
+                    </a:solidFill>
+                  </a:tcPr>
+                </a:tc>
+                <a:tc>
+                  <a:txBody>
+                    <a:bodyPr/>
+                    <a:lstStyle/>
+                    <a:p>
+                      <a:pPr algn="ctr"/>
+                      <a:r>
+                        <a:rPr lang="en-GB" sz="2000" dirty="0"/>
+                        <a:t>R2</a:t>
+                      </a:r>
+                      <a:endParaRPr lang="en-SE" sz="2000" dirty="0"/>
+                    </a:p>
+                  </a:txBody>
+                  <a:tcPr>
+                    <a:solidFill>
+                      <a:schemeClr val="bg1">
+                        <a:lumMod val="95000"/>
+                      </a:schemeClr>
+                    </a:solidFill>
+                  </a:tcPr>
+                </a:tc>
+                <a:tc>
+                  <a:txBody>
+                    <a:bodyPr/>
+                    <a:lstStyle/>
+                    <a:p>
+                      <a:pPr algn="ctr"/>
+                      <a:r>
+                        <a:rPr lang="en-GB" sz="2000" dirty="0"/>
+                        <a:t>R3</a:t>
+                      </a:r>
+                      <a:endParaRPr lang="en-SE" sz="2000" dirty="0"/>
+                    </a:p>
+                  </a:txBody>
+                  <a:tcPr>
+                    <a:solidFill>
+                      <a:schemeClr val="bg1">
+                        <a:lumMod val="95000"/>
+                      </a:schemeClr>
+                    </a:solidFill>
+                  </a:tcPr>
+                </a:tc>
+                <a:tc>
+                  <a:txBody>
+                    <a:bodyPr/>
+                    <a:lstStyle/>
+                    <a:p>
+                      <a:pPr algn="ctr"/>
+                      <a:r>
+                        <a:rPr lang="en-GB" sz="2000" dirty="0"/>
+                        <a:t>R4</a:t>
+                      </a:r>
+                      <a:endParaRPr lang="en-SE" sz="2000" dirty="0"/>
+                    </a:p>
+                  </a:txBody>
+                  <a:tcPr>
+                    <a:solidFill>
+                      <a:schemeClr val="bg1">
+                        <a:lumMod val="95000"/>
+                      </a:schemeClr>
+                    </a:solidFill>
+                  </a:tcPr>
+                </a:tc>
+                <a:tc>
+                  <a:txBody>
+                    <a:bodyPr/>
+                    <a:lstStyle/>
+                    <a:p>
+                      <a:pPr algn="ctr"/>
+                      <a:r>
+                        <a:rPr lang="en-GB" sz="2000" dirty="0"/>
+                        <a:t>R5</a:t>
+                      </a:r>
+                      <a:endParaRPr lang="en-SE" sz="2000" dirty="0"/>
+                    </a:p>
+                  </a:txBody>
+                  <a:tcPr>
+                    <a:solidFill>
+                      <a:schemeClr val="bg1">
+                        <a:lumMod val="95000"/>
+                      </a:schemeClr>
+                    </a:solidFill>
+                  </a:tcPr>
+                </a:tc>
+                <a:extLst>
+                  <a:ext uri="{0D108BD9-81ED-4DB2-BD59-A6C34878D82A}">
+                    <a16:rowId xmlns:a16="http://schemas.microsoft.com/office/drawing/2014/main" val="117063772"/>
+                  </a:ext>
+                </a:extLst>
+              </a:tr>
+              <a:tr h="370840">
+                <a:tc>
+                  <a:txBody>
+                    <a:bodyPr/>
+                    <a:lstStyle/>
+                    <a:p>
+                      <a:pPr algn="ctr"/>
+                      <a:endParaRPr lang="en-SE" sz="2000" dirty="0"/>
+                    </a:p>
+                  </a:txBody>
+                  <a:tcPr>
+                    <a:solidFill>
+                      <a:schemeClr val="bg1">
+                        <a:lumMod val="95000"/>
+                      </a:schemeClr>
+                    </a:solidFill>
+                  </a:tcPr>
+                </a:tc>
+                <a:tc>
+                  <a:txBody>
+                    <a:bodyPr/>
+                    <a:lstStyle/>
+                    <a:p>
+                      <a:pPr algn="ctr"/>
+                      <a:r>
+                        <a:rPr lang="en-GB" sz="2000" dirty="0"/>
+                        <a:t>0</a:t>
+                      </a:r>
+                      <a:endParaRPr lang="en-SE" sz="2000" dirty="0"/>
+                    </a:p>
+                  </a:txBody>
+                  <a:tcPr/>
+                </a:tc>
+                <a:tc>
+                  <a:txBody>
+                    <a:bodyPr/>
+                    <a:lstStyle/>
+                    <a:p>
+                      <a:pPr algn="ctr"/>
+                      <a:r>
+                        <a:rPr lang="en-GB" sz="2000" dirty="0"/>
+                        <a:t>0</a:t>
+                      </a:r>
+                      <a:endParaRPr lang="en-SE" sz="2000" dirty="0"/>
+                    </a:p>
+                  </a:txBody>
+                  <a:tcPr/>
+                </a:tc>
+                <a:tc>
+                  <a:txBody>
+                    <a:bodyPr/>
+                    <a:lstStyle/>
+                    <a:p>
+                      <a:pPr algn="ctr"/>
+                      <a:r>
+                        <a:rPr lang="en-GB" sz="2000" dirty="0"/>
+                        <a:t>0</a:t>
+                      </a:r>
+                      <a:endParaRPr lang="en-SE" sz="2000" dirty="0"/>
+                    </a:p>
+                  </a:txBody>
+                  <a:tcPr/>
+                </a:tc>
+                <a:tc>
+                  <a:txBody>
+                    <a:bodyPr/>
+                    <a:lstStyle/>
+                    <a:p>
+                      <a:pPr algn="ctr"/>
+                      <a:r>
+                        <a:rPr lang="en-GB" sz="2000" dirty="0"/>
+                        <a:t>0</a:t>
+                      </a:r>
+                      <a:endParaRPr lang="en-SE" sz="2000" dirty="0"/>
+                    </a:p>
+                  </a:txBody>
+                  <a:tcPr/>
+                </a:tc>
+                <a:tc>
+                  <a:txBody>
+                    <a:bodyPr/>
+                    <a:lstStyle/>
+                    <a:p>
+                      <a:pPr algn="ctr"/>
+                      <a:r>
+                        <a:rPr lang="en-GB" sz="2000" dirty="0"/>
+                        <a:t>1</a:t>
+                      </a:r>
+                      <a:endParaRPr lang="en-SE" sz="2000" dirty="0"/>
+                    </a:p>
+                  </a:txBody>
+                  <a:tcPr/>
+                </a:tc>
+                <a:extLst>
+                  <a:ext uri="{0D108BD9-81ED-4DB2-BD59-A6C34878D82A}">
+                    <a16:rowId xmlns:a16="http://schemas.microsoft.com/office/drawing/2014/main" val="2823243655"/>
+                  </a:ext>
+                </a:extLst>
+              </a:tr>
+              <a:tr h="370840">
+                <a:tc>
+                  <a:txBody>
+                    <a:bodyPr/>
+                    <a:lstStyle/>
+                    <a:p>
+                      <a:pPr algn="ctr"/>
+                      <a:r>
+                        <a:rPr lang="en-GB" sz="2000" dirty="0"/>
+                        <a:t>P4</a:t>
+                      </a:r>
+                      <a:endParaRPr lang="en-SE" sz="2000" dirty="0"/>
+                    </a:p>
+                  </a:txBody>
+                  <a:tcPr>
+                    <a:solidFill>
+                      <a:schemeClr val="bg1">
+                        <a:lumMod val="95000"/>
+                      </a:schemeClr>
+                    </a:solidFill>
+                  </a:tcPr>
+                </a:tc>
+                <a:tc>
+                  <a:txBody>
+                    <a:bodyPr/>
+                    <a:lstStyle/>
+                    <a:p>
+                      <a:pPr algn="ctr"/>
+                      <a:r>
+                        <a:rPr lang="en-GB" sz="2000" dirty="0"/>
+                        <a:t>0</a:t>
+                      </a:r>
+                      <a:endParaRPr lang="en-SE" sz="2000" dirty="0"/>
+                    </a:p>
+                  </a:txBody>
+                  <a:tcPr/>
+                </a:tc>
+                <a:tc>
+                  <a:txBody>
+                    <a:bodyPr/>
+                    <a:lstStyle/>
+                    <a:p>
+                      <a:pPr algn="ctr"/>
+                      <a:r>
+                        <a:rPr lang="en-GB" sz="2000" dirty="0"/>
+                        <a:t>0</a:t>
+                      </a:r>
+                      <a:endParaRPr lang="en-SE" sz="2000" dirty="0"/>
+                    </a:p>
+                  </a:txBody>
+                  <a:tcPr/>
+                </a:tc>
+                <a:tc>
+                  <a:txBody>
+                    <a:bodyPr/>
+                    <a:lstStyle/>
+                    <a:p>
+                      <a:pPr algn="ctr"/>
+                      <a:r>
+                        <a:rPr lang="en-GB" sz="2000" dirty="0"/>
+                        <a:t>0</a:t>
+                      </a:r>
+                      <a:endParaRPr lang="en-SE" sz="2000" dirty="0"/>
+                    </a:p>
+                  </a:txBody>
+                  <a:tcPr/>
+                </a:tc>
+                <a:tc>
+                  <a:txBody>
+                    <a:bodyPr/>
+                    <a:lstStyle/>
+                    <a:p>
+                      <a:pPr algn="ctr"/>
+                      <a:r>
+                        <a:rPr lang="en-GB" sz="2000" dirty="0"/>
+                        <a:t>1</a:t>
+                      </a:r>
+                      <a:endParaRPr lang="en-SE" sz="2000" dirty="0"/>
+                    </a:p>
+                  </a:txBody>
+                  <a:tcPr/>
+                </a:tc>
+                <a:tc>
+                  <a:txBody>
+                    <a:bodyPr/>
+                    <a:lstStyle/>
+                    <a:p>
+                      <a:pPr algn="ctr"/>
+                      <a:r>
+                        <a:rPr lang="en-GB" sz="2000" dirty="0"/>
+                        <a:t>1</a:t>
+                      </a:r>
+                      <a:endParaRPr lang="en-SE" sz="2000" dirty="0"/>
+                    </a:p>
+                  </a:txBody>
+                  <a:tcPr/>
+                </a:tc>
+                <a:extLst>
+                  <a:ext uri="{0D108BD9-81ED-4DB2-BD59-A6C34878D82A}">
+                    <a16:rowId xmlns:a16="http://schemas.microsoft.com/office/drawing/2014/main" val="1884641263"/>
+                  </a:ext>
+                </a:extLst>
+              </a:tr>
+              <a:tr h="370840">
+                <a:tc>
+                  <a:txBody>
+                    <a:bodyPr/>
+                    <a:lstStyle/>
+                    <a:p>
+                      <a:pPr algn="ctr"/>
+                      <a:r>
+                        <a:rPr lang="en-GB" sz="2000" dirty="0"/>
+                        <a:t>P3</a:t>
+                      </a:r>
+                      <a:endParaRPr lang="en-SE" sz="2000" dirty="0"/>
+                    </a:p>
+                  </a:txBody>
+                  <a:tcPr>
+                    <a:solidFill>
+                      <a:schemeClr val="bg1">
+                        <a:lumMod val="95000"/>
+                      </a:schemeClr>
+                    </a:solidFill>
+                  </a:tcPr>
+                </a:tc>
+                <a:tc>
+                  <a:txBody>
+                    <a:bodyPr/>
+                    <a:lstStyle/>
+                    <a:p>
+                      <a:pPr algn="ctr"/>
+                      <a:r>
+                        <a:rPr lang="en-GB" sz="2000" dirty="0"/>
+                        <a:t>0</a:t>
+                      </a:r>
+                      <a:endParaRPr lang="en-SE" sz="2000" dirty="0"/>
+                    </a:p>
+                  </a:txBody>
+                  <a:tcPr/>
+                </a:tc>
+                <a:tc>
+                  <a:txBody>
+                    <a:bodyPr/>
+                    <a:lstStyle/>
+                    <a:p>
+                      <a:pPr algn="ctr"/>
+                      <a:r>
+                        <a:rPr lang="en-GB" sz="2000" dirty="0"/>
+                        <a:t>0</a:t>
+                      </a:r>
+                      <a:endParaRPr lang="en-SE" sz="2000" dirty="0"/>
+                    </a:p>
+                  </a:txBody>
+                  <a:tcPr/>
+                </a:tc>
+                <a:tc>
+                  <a:txBody>
+                    <a:bodyPr/>
+                    <a:lstStyle/>
+                    <a:p>
+                      <a:pPr algn="ctr"/>
+                      <a:r>
+                        <a:rPr lang="en-GB" sz="2000" dirty="0"/>
+                        <a:t>1</a:t>
+                      </a:r>
+                      <a:endParaRPr lang="en-SE" sz="2000" dirty="0"/>
+                    </a:p>
+                  </a:txBody>
+                  <a:tcPr/>
+                </a:tc>
+                <a:tc>
+                  <a:txBody>
+                    <a:bodyPr/>
+                    <a:lstStyle/>
+                    <a:p>
+                      <a:pPr algn="ctr"/>
+                      <a:r>
+                        <a:rPr lang="en-GB" sz="2000" dirty="0"/>
+                        <a:t>1</a:t>
+                      </a:r>
+                      <a:endParaRPr lang="en-SE" sz="2000" dirty="0"/>
+                    </a:p>
+                  </a:txBody>
+                  <a:tcPr/>
+                </a:tc>
+                <a:tc>
+                  <a:txBody>
+                    <a:bodyPr/>
+                    <a:lstStyle/>
+                    <a:p>
+                      <a:pPr algn="ctr"/>
+                      <a:r>
+                        <a:rPr lang="en-GB" sz="2000" dirty="0"/>
+                        <a:t>1</a:t>
+                      </a:r>
+                      <a:endParaRPr lang="en-SE" sz="2000" dirty="0"/>
+                    </a:p>
+                  </a:txBody>
+                  <a:tcPr/>
+                </a:tc>
+                <a:extLst>
+                  <a:ext uri="{0D108BD9-81ED-4DB2-BD59-A6C34878D82A}">
+                    <a16:rowId xmlns:a16="http://schemas.microsoft.com/office/drawing/2014/main" val="3030728590"/>
+                  </a:ext>
+                </a:extLst>
+              </a:tr>
+              <a:tr h="370840">
+                <a:tc>
+                  <a:txBody>
+                    <a:bodyPr/>
+                    <a:lstStyle/>
+                    <a:p>
+                      <a:pPr algn="ctr"/>
+                      <a:r>
+                        <a:rPr lang="en-GB" sz="2000" dirty="0"/>
+                        <a:t>P2</a:t>
+                      </a:r>
+                      <a:endParaRPr lang="en-SE" sz="2000" dirty="0"/>
+                    </a:p>
+                  </a:txBody>
+                  <a:tcPr>
+                    <a:solidFill>
+                      <a:schemeClr val="bg1">
+                        <a:lumMod val="95000"/>
+                      </a:schemeClr>
+                    </a:solidFill>
+                  </a:tcPr>
+                </a:tc>
+                <a:tc>
+                  <a:txBody>
+                    <a:bodyPr/>
+                    <a:lstStyle/>
+                    <a:p>
+                      <a:pPr algn="ctr"/>
+                      <a:r>
+                        <a:rPr lang="en-GB" sz="2000" dirty="0"/>
+                        <a:t>0</a:t>
+                      </a:r>
+                      <a:endParaRPr lang="en-SE" sz="2000" dirty="0"/>
+                    </a:p>
+                  </a:txBody>
+                  <a:tcPr/>
+                </a:tc>
+                <a:tc>
+                  <a:txBody>
+                    <a:bodyPr/>
+                    <a:lstStyle/>
+                    <a:p>
+                      <a:pPr algn="ctr"/>
+                      <a:r>
+                        <a:rPr lang="en-GB" sz="2000" dirty="0"/>
+                        <a:t>1</a:t>
+                      </a:r>
+                      <a:endParaRPr lang="en-SE" sz="2000" dirty="0"/>
+                    </a:p>
+                  </a:txBody>
+                  <a:tcPr/>
+                </a:tc>
+                <a:tc>
+                  <a:txBody>
+                    <a:bodyPr/>
+                    <a:lstStyle/>
+                    <a:p>
+                      <a:pPr algn="ctr"/>
+                      <a:r>
+                        <a:rPr lang="en-GB" sz="2000" dirty="0"/>
+                        <a:t>1</a:t>
+                      </a:r>
+                      <a:endParaRPr lang="en-SE" sz="2000" dirty="0"/>
+                    </a:p>
+                  </a:txBody>
+                  <a:tcPr/>
+                </a:tc>
+                <a:tc>
+                  <a:txBody>
+                    <a:bodyPr/>
+                    <a:lstStyle/>
+                    <a:p>
+                      <a:pPr algn="ctr"/>
+                      <a:r>
+                        <a:rPr lang="en-GB" sz="2000" dirty="0"/>
+                        <a:t>1</a:t>
+                      </a:r>
+                      <a:endParaRPr lang="en-SE" sz="2000" dirty="0"/>
+                    </a:p>
+                  </a:txBody>
+                  <a:tcPr/>
+                </a:tc>
+                <a:tc>
+                  <a:txBody>
+                    <a:bodyPr/>
+                    <a:lstStyle/>
+                    <a:p>
+                      <a:pPr algn="ctr"/>
+                      <a:r>
+                        <a:rPr lang="en-GB" sz="2000" dirty="0"/>
+                        <a:t>1</a:t>
+                      </a:r>
+                      <a:endParaRPr lang="en-SE" sz="2000" dirty="0"/>
+                    </a:p>
+                  </a:txBody>
+                  <a:tcPr/>
+                </a:tc>
+                <a:extLst>
+                  <a:ext uri="{0D108BD9-81ED-4DB2-BD59-A6C34878D82A}">
+                    <a16:rowId xmlns:a16="http://schemas.microsoft.com/office/drawing/2014/main" val="3263484799"/>
+                  </a:ext>
+                </a:extLst>
+              </a:tr>
+              <a:tr h="370840">
+                <a:tc>
+                  <a:txBody>
+                    <a:bodyPr/>
+                    <a:lstStyle/>
+                    <a:p>
+                      <a:pPr algn="ctr"/>
+                      <a:r>
+                        <a:rPr lang="en-GB" sz="2000" dirty="0"/>
+                        <a:t>P1</a:t>
+                      </a:r>
+                      <a:endParaRPr lang="en-SE" sz="2000" dirty="0"/>
+                    </a:p>
+                  </a:txBody>
+                  <a:tcPr>
+                    <a:solidFill>
+                      <a:schemeClr val="bg1">
+                        <a:lumMod val="95000"/>
+                      </a:schemeClr>
+                    </a:solidFill>
+                  </a:tcPr>
+                </a:tc>
+                <a:tc>
+                  <a:txBody>
+                    <a:bodyPr/>
+                    <a:lstStyle/>
+                    <a:p>
+                      <a:pPr algn="ctr"/>
+                      <a:r>
+                        <a:rPr lang="en-GB" sz="2000" dirty="0"/>
+                        <a:t>1</a:t>
+                      </a:r>
+                      <a:endParaRPr lang="en-SE" sz="2000" dirty="0"/>
+                    </a:p>
+                  </a:txBody>
+                  <a:tcPr/>
+                </a:tc>
+                <a:tc>
+                  <a:txBody>
+                    <a:bodyPr/>
+                    <a:lstStyle/>
+                    <a:p>
+                      <a:pPr algn="ctr"/>
+                      <a:r>
+                        <a:rPr lang="en-GB" sz="2000" dirty="0"/>
+                        <a:t>1</a:t>
+                      </a:r>
+                      <a:endParaRPr lang="en-SE" sz="2000" dirty="0"/>
+                    </a:p>
+                  </a:txBody>
+                  <a:tcPr/>
+                </a:tc>
+                <a:tc>
+                  <a:txBody>
+                    <a:bodyPr/>
+                    <a:lstStyle/>
+                    <a:p>
+                      <a:pPr algn="ctr"/>
+                      <a:r>
+                        <a:rPr lang="en-GB" sz="2000" dirty="0"/>
+                        <a:t>1</a:t>
+                      </a:r>
+                      <a:endParaRPr lang="en-SE" sz="2000" dirty="0"/>
+                    </a:p>
+                  </a:txBody>
+                  <a:tcPr/>
+                </a:tc>
+                <a:tc>
+                  <a:txBody>
+                    <a:bodyPr/>
+                    <a:lstStyle/>
+                    <a:p>
+                      <a:pPr algn="ctr"/>
+                      <a:r>
+                        <a:rPr lang="en-GB" sz="2000" dirty="0"/>
+                        <a:t>1</a:t>
+                      </a:r>
+                      <a:endParaRPr lang="en-SE" sz="2000" dirty="0"/>
+                    </a:p>
+                  </a:txBody>
+                  <a:tcPr/>
+                </a:tc>
+                <a:tc>
+                  <a:txBody>
+                    <a:bodyPr/>
+                    <a:lstStyle/>
+                    <a:p>
+                      <a:pPr algn="ctr"/>
+                      <a:r>
+                        <a:rPr lang="en-GB" sz="2000" dirty="0"/>
+                        <a:t>1</a:t>
+                      </a:r>
+                      <a:endParaRPr lang="en-SE" sz="2000" dirty="0"/>
+                    </a:p>
+                  </a:txBody>
+                  <a:tcPr/>
+                </a:tc>
+                <a:extLst>
+                  <a:ext uri="{0D108BD9-81ED-4DB2-BD59-A6C34878D82A}">
+                    <a16:rowId xmlns:a16="http://schemas.microsoft.com/office/drawing/2014/main" val="1117599685"/>
+                  </a:ext>
+                </a:extLst>
+              </a:tr>
+              <a:tr h="370840">
+                <a:tc>
+                  <a:txBody>
+                    <a:bodyPr/>
+                    <a:lstStyle/>
+                    <a:p>
+                      <a:pPr algn="ctr"/>
+                      <a:r>
+                        <a:rPr lang="en-GB" sz="2000" dirty="0"/>
+                        <a:t>P5</a:t>
+                      </a:r>
+                      <a:endParaRPr lang="en-SE" sz="2000" dirty="0"/>
+                    </a:p>
+                  </a:txBody>
+                  <a:tcPr>
+                    <a:solidFill>
+                      <a:schemeClr val="bg1">
+                        <a:lumMod val="95000"/>
+                      </a:schemeClr>
+                    </a:solidFill>
+                  </a:tcPr>
+                </a:tc>
+                <a:tc>
+                  <a:txBody>
+                    <a:bodyPr/>
+                    <a:lstStyle/>
+                    <a:p>
+                      <a:pPr algn="ctr"/>
+                      <a:r>
+                        <a:rPr lang="en-GB" sz="2000" dirty="0"/>
+                        <a:t>1</a:t>
+                      </a:r>
+                      <a:endParaRPr lang="en-SE" sz="2000" dirty="0"/>
+                    </a:p>
+                  </a:txBody>
+                  <a:tcPr/>
+                </a:tc>
+                <a:tc>
+                  <a:txBody>
+                    <a:bodyPr/>
+                    <a:lstStyle/>
+                    <a:p>
+                      <a:pPr algn="ctr"/>
+                      <a:r>
+                        <a:rPr lang="en-GB" sz="2000" dirty="0"/>
+                        <a:t>1</a:t>
+                      </a:r>
+                      <a:endParaRPr lang="en-SE" sz="2000" dirty="0"/>
+                    </a:p>
+                  </a:txBody>
+                  <a:tcPr/>
+                </a:tc>
+                <a:tc>
+                  <a:txBody>
+                    <a:bodyPr/>
+                    <a:lstStyle/>
+                    <a:p>
+                      <a:pPr algn="ctr"/>
+                      <a:r>
+                        <a:rPr lang="en-GB" sz="2000" dirty="0"/>
+                        <a:t>1</a:t>
+                      </a:r>
+                      <a:endParaRPr lang="en-SE" sz="2000" dirty="0"/>
+                    </a:p>
+                  </a:txBody>
+                  <a:tcPr/>
+                </a:tc>
+                <a:tc>
+                  <a:txBody>
+                    <a:bodyPr/>
+                    <a:lstStyle/>
+                    <a:p>
+                      <a:pPr algn="ctr"/>
+                      <a:r>
+                        <a:rPr lang="en-GB" sz="2000" dirty="0"/>
+                        <a:t>1</a:t>
+                      </a:r>
+                      <a:endParaRPr lang="en-SE" sz="2000" dirty="0"/>
+                    </a:p>
+                  </a:txBody>
+                  <a:tcPr/>
+                </a:tc>
+                <a:tc>
+                  <a:txBody>
+                    <a:bodyPr/>
+                    <a:lstStyle/>
+                    <a:p>
+                      <a:pPr algn="ctr"/>
+                      <a:r>
+                        <a:rPr lang="en-GB" sz="2000" dirty="0"/>
+                        <a:t>1</a:t>
+                      </a:r>
+                      <a:endParaRPr lang="en-SE" sz="2000" dirty="0"/>
+                    </a:p>
+                  </a:txBody>
+                  <a:tcPr/>
+                </a:tc>
+                <a:extLst>
+                  <a:ext uri="{0D108BD9-81ED-4DB2-BD59-A6C34878D82A}">
+                    <a16:rowId xmlns:a16="http://schemas.microsoft.com/office/drawing/2014/main" val="3349827769"/>
+                  </a:ext>
+                </a:extLst>
+              </a:tr>
+            </a:tbl>
+          </a:graphicData>
+        </a:graphic>
+      </p:graphicFrame>
+      <p:sp>
+        <p:nvSpPr>
+          <p:cNvPr id="12" name="TextBox 11">
+            <a:extLst>
+              <a:ext uri="{FF2B5EF4-FFF2-40B4-BE49-F238E27FC236}">
+                <a16:creationId xmlns:a16="http://schemas.microsoft.com/office/drawing/2014/main" id="{F8D4BFBC-E1E3-33C5-683B-C39B2FFBE669}"/>
+              </a:ext>
+            </a:extLst>
+          </p:cNvPr>
+          <p:cNvSpPr txBox="1"/>
+          <p:nvPr/>
+        </p:nvSpPr>
+        <p:spPr>
+          <a:xfrm>
+            <a:off x="7532006" y="2293935"/>
+            <a:ext cx="3169960" cy="646331"/>
+          </a:xfrm>
+          <a:prstGeom prst="rect">
+            <a:avLst/>
+          </a:prstGeom>
+          <a:noFill/>
+        </p:spPr>
+        <p:txBody>
+          <a:bodyPr wrap="square" rtlCol="0">
+            <a:spAutoFit/>
+          </a:bodyPr>
+          <a:lstStyle/>
+          <a:p>
+            <a:r>
+              <a:rPr lang="en-GB" b="0" dirty="0">
+                <a:solidFill>
+                  <a:schemeClr val="dk1"/>
+                </a:solidFill>
+                <a:latin typeface="+mn-lt"/>
+                <a:ea typeface="+mn-ea"/>
+                <a:cs typeface="+mn-cs"/>
+              </a:rPr>
+              <a:t>Available resources after completion of each process</a:t>
+            </a:r>
+          </a:p>
+        </p:txBody>
+      </p:sp>
+      <p:pic>
+        <p:nvPicPr>
+          <p:cNvPr id="13" name="Picture 2">
+            <a:extLst>
+              <a:ext uri="{FF2B5EF4-FFF2-40B4-BE49-F238E27FC236}">
+                <a16:creationId xmlns:a16="http://schemas.microsoft.com/office/drawing/2014/main" id="{DA170557-109C-0C72-DC0C-B50E19260A97}"/>
+              </a:ext>
+            </a:extLst>
+          </p:cNvPr>
+          <p:cNvPicPr>
+            <a:picLocks noChangeAspect="1" noChangeArrowheads="1"/>
+          </p:cNvPicPr>
+          <p:nvPr/>
+        </p:nvPicPr>
+        <p:blipFill>
+          <a:blip r:embed="rId3" cstate="print"/>
+          <a:srcRect/>
+          <a:stretch>
+            <a:fillRect/>
+          </a:stretch>
+        </p:blipFill>
+        <p:spPr bwMode="auto">
+          <a:xfrm>
+            <a:off x="2426606" y="1632861"/>
+            <a:ext cx="4114800" cy="4248150"/>
+          </a:xfrm>
+          <a:prstGeom prst="rect">
+            <a:avLst/>
+          </a:prstGeom>
+          <a:noFill/>
+          <a:ln w="9525">
+            <a:noFill/>
+            <a:miter lim="800000"/>
+            <a:headEnd/>
+            <a:tailEnd/>
+          </a:ln>
+        </p:spPr>
+      </p:pic>
+      <p:sp>
+        <p:nvSpPr>
+          <p:cNvPr id="14" name="TextBox 13">
+            <a:extLst>
+              <a:ext uri="{FF2B5EF4-FFF2-40B4-BE49-F238E27FC236}">
+                <a16:creationId xmlns:a16="http://schemas.microsoft.com/office/drawing/2014/main" id="{65C6F88A-D2D6-EAC8-6FBE-806D065FFF24}"/>
+              </a:ext>
+            </a:extLst>
+          </p:cNvPr>
+          <p:cNvSpPr txBox="1"/>
+          <p:nvPr/>
+        </p:nvSpPr>
+        <p:spPr>
+          <a:xfrm>
+            <a:off x="2794195" y="3770334"/>
+            <a:ext cx="338555" cy="523220"/>
+          </a:xfrm>
+          <a:prstGeom prst="rect">
+            <a:avLst/>
+          </a:prstGeom>
+          <a:noFill/>
+        </p:spPr>
+        <p:txBody>
+          <a:bodyPr wrap="square" rtlCol="0">
+            <a:spAutoFit/>
+          </a:bodyPr>
+          <a:lstStyle/>
+          <a:p>
+            <a:pPr algn="ctr"/>
+            <a:r>
+              <a:rPr lang="en-US" sz="2800" b="0" dirty="0">
+                <a:solidFill>
+                  <a:srgbClr val="000000"/>
+                </a:solidFill>
+                <a:latin typeface="Times New Roman" pitchFamily="18" charset="0"/>
+                <a:ea typeface="+mn-ea"/>
+                <a:cs typeface="+mn-cs"/>
+              </a:rPr>
+              <a:t>1</a:t>
+            </a:r>
+          </a:p>
+        </p:txBody>
+      </p:sp>
+      <p:sp>
+        <p:nvSpPr>
+          <p:cNvPr id="15" name="TextBox 14">
+            <a:extLst>
+              <a:ext uri="{FF2B5EF4-FFF2-40B4-BE49-F238E27FC236}">
+                <a16:creationId xmlns:a16="http://schemas.microsoft.com/office/drawing/2014/main" id="{7BFC6D94-65A5-7CD7-5D1C-9F7B867C0E88}"/>
+              </a:ext>
+            </a:extLst>
+          </p:cNvPr>
+          <p:cNvSpPr txBox="1"/>
+          <p:nvPr/>
+        </p:nvSpPr>
+        <p:spPr>
+          <a:xfrm>
+            <a:off x="4343595" y="4875234"/>
+            <a:ext cx="338555" cy="523220"/>
+          </a:xfrm>
+          <a:prstGeom prst="rect">
+            <a:avLst/>
+          </a:prstGeom>
+          <a:noFill/>
+        </p:spPr>
+        <p:txBody>
+          <a:bodyPr wrap="square" rtlCol="0">
+            <a:spAutoFit/>
+          </a:bodyPr>
+          <a:lstStyle/>
+          <a:p>
+            <a:pPr algn="ctr"/>
+            <a:r>
+              <a:rPr lang="en-US" sz="2800" b="0" dirty="0">
+                <a:solidFill>
+                  <a:srgbClr val="000000"/>
+                </a:solidFill>
+                <a:latin typeface="Times New Roman" pitchFamily="18" charset="0"/>
+                <a:ea typeface="+mn-ea"/>
+                <a:cs typeface="+mn-cs"/>
+              </a:rPr>
+              <a:t>2</a:t>
+            </a:r>
+          </a:p>
+        </p:txBody>
+      </p:sp>
+      <p:sp>
+        <p:nvSpPr>
+          <p:cNvPr id="16" name="TextBox 15">
+            <a:extLst>
+              <a:ext uri="{FF2B5EF4-FFF2-40B4-BE49-F238E27FC236}">
+                <a16:creationId xmlns:a16="http://schemas.microsoft.com/office/drawing/2014/main" id="{5A7AFF0D-FC48-1C33-B8C4-F0B3B19C568D}"/>
+              </a:ext>
+            </a:extLst>
+          </p:cNvPr>
+          <p:cNvSpPr txBox="1"/>
+          <p:nvPr/>
+        </p:nvSpPr>
+        <p:spPr>
+          <a:xfrm>
+            <a:off x="5816795" y="3783034"/>
+            <a:ext cx="338555" cy="523220"/>
+          </a:xfrm>
+          <a:prstGeom prst="rect">
+            <a:avLst/>
+          </a:prstGeom>
+          <a:noFill/>
+        </p:spPr>
+        <p:txBody>
+          <a:bodyPr wrap="square" rtlCol="0">
+            <a:spAutoFit/>
+          </a:bodyPr>
+          <a:lstStyle/>
+          <a:p>
+            <a:pPr algn="ctr"/>
+            <a:r>
+              <a:rPr lang="en-US" sz="2800" b="0" dirty="0">
+                <a:solidFill>
+                  <a:srgbClr val="000000"/>
+                </a:solidFill>
+                <a:latin typeface="Times New Roman" pitchFamily="18" charset="0"/>
+                <a:ea typeface="+mn-ea"/>
+                <a:cs typeface="+mn-cs"/>
+              </a:rPr>
+              <a:t>3</a:t>
+            </a:r>
+          </a:p>
+        </p:txBody>
+      </p:sp>
+      <p:sp>
+        <p:nvSpPr>
+          <p:cNvPr id="17" name="TextBox 16">
+            <a:extLst>
+              <a:ext uri="{FF2B5EF4-FFF2-40B4-BE49-F238E27FC236}">
+                <a16:creationId xmlns:a16="http://schemas.microsoft.com/office/drawing/2014/main" id="{171661E0-8823-1BD0-ACB5-25368A248222}"/>
+              </a:ext>
+            </a:extLst>
+          </p:cNvPr>
+          <p:cNvSpPr txBox="1"/>
+          <p:nvPr/>
+        </p:nvSpPr>
+        <p:spPr>
+          <a:xfrm>
+            <a:off x="5257995" y="1928834"/>
+            <a:ext cx="338555" cy="523220"/>
+          </a:xfrm>
+          <a:prstGeom prst="rect">
+            <a:avLst/>
+          </a:prstGeom>
+          <a:noFill/>
+        </p:spPr>
+        <p:txBody>
+          <a:bodyPr wrap="square" rtlCol="0">
+            <a:spAutoFit/>
+          </a:bodyPr>
+          <a:lstStyle/>
+          <a:p>
+            <a:pPr algn="ctr"/>
+            <a:r>
+              <a:rPr lang="en-US" sz="2800" b="0" dirty="0">
+                <a:solidFill>
+                  <a:srgbClr val="000000"/>
+                </a:solidFill>
+                <a:latin typeface="Times New Roman" pitchFamily="18" charset="0"/>
+                <a:ea typeface="+mn-ea"/>
+                <a:cs typeface="+mn-cs"/>
+              </a:rPr>
+              <a:t>4</a:t>
+            </a:r>
+          </a:p>
+        </p:txBody>
+      </p:sp>
+      <p:sp>
+        <p:nvSpPr>
+          <p:cNvPr id="18" name="TextBox 17">
+            <a:extLst>
+              <a:ext uri="{FF2B5EF4-FFF2-40B4-BE49-F238E27FC236}">
+                <a16:creationId xmlns:a16="http://schemas.microsoft.com/office/drawing/2014/main" id="{182E3A6C-318C-0920-9C71-BD01C13B5D12}"/>
+              </a:ext>
+            </a:extLst>
+          </p:cNvPr>
+          <p:cNvSpPr txBox="1"/>
+          <p:nvPr/>
+        </p:nvSpPr>
+        <p:spPr>
+          <a:xfrm>
+            <a:off x="3378395" y="1966934"/>
+            <a:ext cx="338555" cy="523220"/>
+          </a:xfrm>
+          <a:prstGeom prst="rect">
+            <a:avLst/>
+          </a:prstGeom>
+          <a:noFill/>
+        </p:spPr>
+        <p:txBody>
+          <a:bodyPr wrap="square" rtlCol="0">
+            <a:spAutoFit/>
+          </a:bodyPr>
+          <a:lstStyle/>
+          <a:p>
+            <a:pPr algn="ctr"/>
+            <a:r>
+              <a:rPr lang="en-US" sz="2800" b="0" dirty="0">
+                <a:solidFill>
+                  <a:srgbClr val="000000"/>
+                </a:solidFill>
+                <a:latin typeface="Times New Roman" pitchFamily="18" charset="0"/>
+                <a:ea typeface="+mn-ea"/>
+                <a:cs typeface="+mn-cs"/>
+              </a:rPr>
+              <a:t>5</a:t>
+            </a:r>
+          </a:p>
+        </p:txBody>
+      </p:sp>
+      <p:sp>
+        <p:nvSpPr>
+          <p:cNvPr id="19" name="TextBox 18">
+            <a:extLst>
+              <a:ext uri="{FF2B5EF4-FFF2-40B4-BE49-F238E27FC236}">
+                <a16:creationId xmlns:a16="http://schemas.microsoft.com/office/drawing/2014/main" id="{259D456F-52D2-6B5F-8C45-02E4E8BAF0D9}"/>
+              </a:ext>
+            </a:extLst>
+          </p:cNvPr>
+          <p:cNvSpPr txBox="1"/>
+          <p:nvPr/>
+        </p:nvSpPr>
+        <p:spPr>
+          <a:xfrm>
+            <a:off x="2984695" y="4964134"/>
+            <a:ext cx="338555" cy="523220"/>
+          </a:xfrm>
+          <a:prstGeom prst="rect">
+            <a:avLst/>
+          </a:prstGeom>
+          <a:noFill/>
+        </p:spPr>
+        <p:txBody>
+          <a:bodyPr wrap="square" rtlCol="0">
+            <a:spAutoFit/>
+          </a:bodyPr>
+          <a:lstStyle/>
+          <a:p>
+            <a:pPr algn="ctr"/>
+            <a:r>
+              <a:rPr lang="en-US" sz="2800" b="0" dirty="0">
+                <a:solidFill>
+                  <a:srgbClr val="000000"/>
+                </a:solidFill>
+                <a:latin typeface="Times New Roman" pitchFamily="18" charset="0"/>
+                <a:ea typeface="+mn-ea"/>
+                <a:cs typeface="+mn-cs"/>
+              </a:rPr>
+              <a:t>1</a:t>
+            </a:r>
+          </a:p>
+        </p:txBody>
+      </p:sp>
+      <p:sp>
+        <p:nvSpPr>
+          <p:cNvPr id="20" name="TextBox 19">
+            <a:extLst>
+              <a:ext uri="{FF2B5EF4-FFF2-40B4-BE49-F238E27FC236}">
+                <a16:creationId xmlns:a16="http://schemas.microsoft.com/office/drawing/2014/main" id="{7E2A47D2-A1ED-1F82-54DE-FDE55BFC8133}"/>
+              </a:ext>
+            </a:extLst>
+          </p:cNvPr>
+          <p:cNvSpPr txBox="1"/>
+          <p:nvPr/>
+        </p:nvSpPr>
+        <p:spPr>
+          <a:xfrm>
+            <a:off x="5626295" y="4926034"/>
+            <a:ext cx="338555" cy="523220"/>
+          </a:xfrm>
+          <a:prstGeom prst="rect">
+            <a:avLst/>
+          </a:prstGeom>
+          <a:noFill/>
+        </p:spPr>
+        <p:txBody>
+          <a:bodyPr wrap="square" rtlCol="0">
+            <a:spAutoFit/>
+          </a:bodyPr>
+          <a:lstStyle/>
+          <a:p>
+            <a:pPr algn="ctr"/>
+            <a:r>
+              <a:rPr lang="en-US" sz="2800" b="0" dirty="0">
+                <a:solidFill>
+                  <a:srgbClr val="000000"/>
+                </a:solidFill>
+                <a:latin typeface="Times New Roman" pitchFamily="18" charset="0"/>
+                <a:ea typeface="+mn-ea"/>
+                <a:cs typeface="+mn-cs"/>
+              </a:rPr>
+              <a:t>2</a:t>
+            </a:r>
+          </a:p>
+        </p:txBody>
+      </p:sp>
+      <p:sp>
+        <p:nvSpPr>
+          <p:cNvPr id="21" name="TextBox 20">
+            <a:extLst>
+              <a:ext uri="{FF2B5EF4-FFF2-40B4-BE49-F238E27FC236}">
+                <a16:creationId xmlns:a16="http://schemas.microsoft.com/office/drawing/2014/main" id="{215A0283-AC4E-C44B-EE8D-5FE29FB9BCEB}"/>
+              </a:ext>
+            </a:extLst>
+          </p:cNvPr>
+          <p:cNvSpPr txBox="1"/>
+          <p:nvPr/>
+        </p:nvSpPr>
+        <p:spPr>
+          <a:xfrm>
+            <a:off x="6202852" y="2500334"/>
+            <a:ext cx="338555" cy="523220"/>
+          </a:xfrm>
+          <a:prstGeom prst="rect">
+            <a:avLst/>
+          </a:prstGeom>
+          <a:noFill/>
+        </p:spPr>
+        <p:txBody>
+          <a:bodyPr wrap="square" rtlCol="0">
+            <a:spAutoFit/>
+          </a:bodyPr>
+          <a:lstStyle/>
+          <a:p>
+            <a:pPr algn="ctr"/>
+            <a:r>
+              <a:rPr lang="en-US" sz="2800" b="0" dirty="0">
+                <a:solidFill>
+                  <a:srgbClr val="000000"/>
+                </a:solidFill>
+                <a:latin typeface="Times New Roman" pitchFamily="18" charset="0"/>
+                <a:ea typeface="+mn-ea"/>
+                <a:cs typeface="+mn-cs"/>
+              </a:rPr>
+              <a:t>3</a:t>
+            </a:r>
+          </a:p>
+        </p:txBody>
+      </p:sp>
+      <p:sp>
+        <p:nvSpPr>
+          <p:cNvPr id="22" name="TextBox 21">
+            <a:extLst>
+              <a:ext uri="{FF2B5EF4-FFF2-40B4-BE49-F238E27FC236}">
+                <a16:creationId xmlns:a16="http://schemas.microsoft.com/office/drawing/2014/main" id="{04DA656B-D336-424D-D332-3F79BBDCD666}"/>
+              </a:ext>
+            </a:extLst>
+          </p:cNvPr>
+          <p:cNvSpPr txBox="1"/>
+          <p:nvPr/>
+        </p:nvSpPr>
+        <p:spPr>
+          <a:xfrm>
+            <a:off x="2324295" y="2436834"/>
+            <a:ext cx="338555" cy="523220"/>
+          </a:xfrm>
+          <a:prstGeom prst="rect">
+            <a:avLst/>
+          </a:prstGeom>
+          <a:noFill/>
+        </p:spPr>
+        <p:txBody>
+          <a:bodyPr wrap="square" rtlCol="0">
+            <a:spAutoFit/>
+          </a:bodyPr>
+          <a:lstStyle/>
+          <a:p>
+            <a:pPr algn="ctr"/>
+            <a:r>
+              <a:rPr lang="en-US" sz="2800" b="0" dirty="0">
+                <a:solidFill>
+                  <a:srgbClr val="000000"/>
+                </a:solidFill>
+                <a:latin typeface="Times New Roman" pitchFamily="18" charset="0"/>
+                <a:ea typeface="+mn-ea"/>
+                <a:cs typeface="+mn-cs"/>
+              </a:rPr>
+              <a:t>5</a:t>
+            </a:r>
+          </a:p>
+        </p:txBody>
+      </p:sp>
+      <p:sp>
+        <p:nvSpPr>
+          <p:cNvPr id="26" name="Rectangle 2">
+            <a:extLst>
+              <a:ext uri="{FF2B5EF4-FFF2-40B4-BE49-F238E27FC236}">
+                <a16:creationId xmlns:a16="http://schemas.microsoft.com/office/drawing/2014/main" id="{250381A6-406E-919C-2F5B-093231665E45}"/>
+              </a:ext>
+            </a:extLst>
+          </p:cNvPr>
+          <p:cNvSpPr>
+            <a:spLocks noGrp="1" noChangeArrowheads="1"/>
+          </p:cNvSpPr>
+          <p:nvPr>
+            <p:ph type="title" sz="quarter"/>
+          </p:nvPr>
+        </p:nvSpPr>
+        <p:spPr>
+          <a:xfrm>
+            <a:off x="917827" y="-205136"/>
+            <a:ext cx="10363200" cy="1143000"/>
+          </a:xfrm>
+        </p:spPr>
+        <p:txBody>
+          <a:bodyPr/>
+          <a:lstStyle/>
+          <a:p>
+            <a:pPr eaLnBrk="1" hangingPunct="1"/>
+            <a:r>
+              <a:rPr lang="en-US" altLang="zh-CN" dirty="0">
+                <a:ea typeface="宋体" charset="-122"/>
+              </a:rPr>
+              <a:t>Banker’s Algorithm: 4 philosophers each holding his left fork ANS</a:t>
+            </a:r>
+          </a:p>
+        </p:txBody>
+      </p:sp>
+    </p:spTree>
+    <p:extLst>
+      <p:ext uri="{BB962C8B-B14F-4D97-AF65-F5344CB8AC3E}">
+        <p14:creationId xmlns:p14="http://schemas.microsoft.com/office/powerpoint/2010/main" val="4010485148"/>
+      </p:ext>
+    </p:extLst>
+  </p:cSld>
+  <p:clrMapOvr>
+    <a:masterClrMapping/>
+  </p:clrMapOvr>
+  <p:transition/>
+</p:sld>
+</file>
+
+<file path=ppt/slides/slide4.xml><?xml version="1.0" encoding="utf-8"?>
+<p:sld xmlns:a="http://schemas.openxmlformats.org/drawingml/2006/main" xmlns:r="http://schemas.openxmlformats.org/officeDocument/2006/relationships" xmlns:p="http://schemas.openxmlformats.org/presentationml/2006/main">
+  <p:cSld>
+    <p:spTree>
+      <p:nvGrpSpPr>
+        <p:cNvPr id="1" name=""/>
+        <p:cNvGrpSpPr/>
+        <p:nvPr/>
+      </p:nvGrpSpPr>
+      <p:grpSpPr>
+        <a:xfrm>
+          <a:off x="0" y="0"/>
+          <a:ext cx="0" cy="0"/>
+          <a:chOff x="0" y="0"/>
+          <a:chExt cx="0" cy="0"/>
+        </a:xfrm>
+      </p:grpSpPr>
+      <p:sp>
+        <p:nvSpPr>
+          <p:cNvPr id="1032" name="Rectangle 2"/>
+          <p:cNvSpPr>
+            <a:spLocks noGrp="1" noChangeArrowheads="1"/>
+          </p:cNvSpPr>
+          <p:nvPr>
+            <p:ph type="title" sz="quarter"/>
+          </p:nvPr>
+        </p:nvSpPr>
+        <p:spPr>
+          <a:xfrm>
+            <a:off x="1219200" y="-209993"/>
+            <a:ext cx="9829800" cy="1143000"/>
+          </a:xfrm>
+        </p:spPr>
+        <p:txBody>
+          <a:bodyPr/>
+          <a:lstStyle/>
+          <a:p>
+            <a:pPr eaLnBrk="1" hangingPunct="1"/>
+            <a:r>
+              <a:rPr lang="en-US" altLang="zh-CN" dirty="0">
+                <a:ea typeface="宋体" charset="-122"/>
+              </a:rPr>
+              <a:t>Banker’s Algorithm: 5 philosophers each holding his left fork</a:t>
+            </a:r>
+          </a:p>
+        </p:txBody>
+      </p:sp>
+      <p:graphicFrame>
+        <p:nvGraphicFramePr>
+          <p:cNvPr id="1028" name="Object 8"/>
+          <p:cNvGraphicFramePr>
+            <a:graphicFrameLocks noGrp="1" noChangeAspect="1"/>
+          </p:cNvGraphicFramePr>
+          <p:nvPr>
+            <p:ph sz="quarter" idx="3"/>
+          </p:nvPr>
+        </p:nvGraphicFramePr>
+        <p:xfrm>
+          <a:off x="2403475" y="4715357"/>
+          <a:ext cx="2955925" cy="503136"/>
+        </p:xfrm>
+        <a:graphic>
+          <a:graphicData uri="http://schemas.openxmlformats.org/presentationml/2006/ole">
+            <mc:AlternateContent xmlns:mc="http://schemas.openxmlformats.org/markup-compatibility/2006">
+              <mc:Choice xmlns:v="urn:schemas-microsoft-com:vml" Requires="v">
+                <p:oleObj name="Equation" r:id="rId2" imgW="1269720" imgH="215640" progId="Equation.3">
+                  <p:embed/>
+                </p:oleObj>
+              </mc:Choice>
+              <mc:Fallback>
+                <p:oleObj name="Equation" r:id="rId2" imgW="1269720" imgH="215640" progId="Equation.3">
+                  <p:embed/>
+                  <p:pic>
+                    <p:nvPicPr>
+                      <p:cNvPr id="1028" name="Object 8"/>
+                      <p:cNvPicPr>
+                        <a:picLocks noChangeAspect="1" noChangeArrowheads="1"/>
+                      </p:cNvPicPr>
+                      <p:nvPr/>
+                    </p:nvPicPr>
+                    <p:blipFill>
+                      <a:blip r:embed="rId3">
+                        <a:extLst>
+                          <a:ext uri="{28A0092B-C50C-407E-A947-70E740481C1C}">
+                            <a14:useLocalDpi xmlns:a14="http://schemas.microsoft.com/office/drawing/2010/main" val="0"/>
+                          </a:ext>
+                        </a:extLst>
+                      </a:blip>
+                      <a:srcRect/>
+                      <a:stretch>
+                        <a:fillRect/>
+                      </a:stretch>
+                    </p:blipFill>
+                    <p:spPr bwMode="auto">
+                      <a:xfrm>
+                        <a:off x="2403475" y="4715357"/>
+                        <a:ext cx="2955925" cy="503136"/>
+                      </a:xfrm>
+                      <a:prstGeom prst="rect">
+                        <a:avLst/>
+                      </a:prstGeom>
+                      <a:noFill/>
+                      <a:extLst>
+                        <a:ext uri="{909E8E84-426E-40DD-AFC4-6F175D3DCCD1}">
+                          <a14:hiddenFill xmlns:a14="http://schemas.microsoft.com/office/drawing/2010/main">
+                            <a:solidFill>
+                              <a:srgbClr val="FFFFFF"/>
+                            </a:solidFill>
+                          </a14:hiddenFill>
+                        </a:ext>
+                      </a:extLst>
+                    </p:spPr>
+                  </p:pic>
+                </p:oleObj>
+              </mc:Fallback>
+            </mc:AlternateContent>
+          </a:graphicData>
+        </a:graphic>
+      </p:graphicFrame>
+      <p:graphicFrame>
+        <p:nvGraphicFramePr>
+          <p:cNvPr id="128006" name="Object 3"/>
+          <p:cNvGraphicFramePr>
+            <a:graphicFrameLocks noChangeAspect="1"/>
+          </p:cNvGraphicFramePr>
+          <p:nvPr/>
+        </p:nvGraphicFramePr>
+        <p:xfrm>
+          <a:off x="1371600" y="1544636"/>
+          <a:ext cx="2982912" cy="2387600"/>
+        </p:xfrm>
+        <a:graphic>
+          <a:graphicData uri="http://schemas.openxmlformats.org/presentationml/2006/ole">
+            <mc:AlternateContent xmlns:mc="http://schemas.openxmlformats.org/markup-compatibility/2006">
+              <mc:Choice xmlns:v="urn:schemas-microsoft-com:vml" Requires="v">
+                <p:oleObj name="Equation" r:id="rId4" imgW="1396800" imgH="1117440" progId="Equation.3">
+                  <p:embed/>
+                </p:oleObj>
+              </mc:Choice>
+              <mc:Fallback>
+                <p:oleObj name="Equation" r:id="rId4" imgW="1396800" imgH="1117440" progId="Equation.3">
+                  <p:embed/>
+                  <p:pic>
+                    <p:nvPicPr>
+                      <p:cNvPr id="128006" name="Object 3"/>
+                      <p:cNvPicPr>
+                        <a:picLocks noChangeAspect="1" noChangeArrowheads="1"/>
+                      </p:cNvPicPr>
+                      <p:nvPr/>
+                    </p:nvPicPr>
+                    <p:blipFill>
+                      <a:blip r:embed="rId5">
+                        <a:extLst>
+                          <a:ext uri="{28A0092B-C50C-407E-A947-70E740481C1C}">
+                            <a14:useLocalDpi xmlns:a14="http://schemas.microsoft.com/office/drawing/2010/main" val="0"/>
+                          </a:ext>
+                        </a:extLst>
+                      </a:blip>
+                      <a:srcRect/>
+                      <a:stretch>
+                        <a:fillRect/>
+                      </a:stretch>
+                    </p:blipFill>
+                    <p:spPr bwMode="auto">
+                      <a:xfrm>
+                        <a:off x="1371600" y="1544636"/>
+                        <a:ext cx="2982912" cy="2387600"/>
+                      </a:xfrm>
+                      <a:prstGeom prst="rect">
+                        <a:avLst/>
+                      </a:prstGeom>
+                      <a:noFill/>
+                      <a:extLst>
+                        <a:ext uri="{909E8E84-426E-40DD-AFC4-6F175D3DCCD1}">
+                          <a14:hiddenFill xmlns:a14="http://schemas.microsoft.com/office/drawing/2010/main">
+                            <a:solidFill>
+                              <a:srgbClr val="FFFFFF"/>
+                            </a:solidFill>
+                          </a14:hiddenFill>
+                        </a:ext>
+                      </a:extLst>
+                    </p:spPr>
+                  </p:pic>
+                </p:oleObj>
+              </mc:Fallback>
+            </mc:AlternateContent>
+          </a:graphicData>
+        </a:graphic>
+      </p:graphicFrame>
+      <p:graphicFrame>
+        <p:nvGraphicFramePr>
+          <p:cNvPr id="128007" name="Object 3"/>
+          <p:cNvGraphicFramePr>
+            <a:graphicFrameLocks noChangeAspect="1"/>
+          </p:cNvGraphicFramePr>
+          <p:nvPr/>
+        </p:nvGraphicFramePr>
+        <p:xfrm>
+          <a:off x="4548188" y="1544637"/>
+          <a:ext cx="2982913" cy="2874963"/>
+        </p:xfrm>
+        <a:graphic>
+          <a:graphicData uri="http://schemas.openxmlformats.org/presentationml/2006/ole">
+            <mc:AlternateContent xmlns:mc="http://schemas.openxmlformats.org/markup-compatibility/2006">
+              <mc:Choice xmlns:v="urn:schemas-microsoft-com:vml" Requires="v">
+                <p:oleObj name="Equation" r:id="rId6" imgW="1396800" imgH="1346040" progId="Equation.3">
+                  <p:embed/>
+                </p:oleObj>
+              </mc:Choice>
+              <mc:Fallback>
+                <p:oleObj name="Equation" r:id="rId6" imgW="1396800" imgH="1346040" progId="Equation.3">
+                  <p:embed/>
+                  <p:pic>
+                    <p:nvPicPr>
+                      <p:cNvPr id="128007" name="Object 3"/>
+                      <p:cNvPicPr>
+                        <a:picLocks noChangeAspect="1" noChangeArrowheads="1"/>
+                      </p:cNvPicPr>
+                      <p:nvPr/>
+                    </p:nvPicPr>
+                    <p:blipFill>
+                      <a:blip r:embed="rId7">
+                        <a:extLst>
+                          <a:ext uri="{28A0092B-C50C-407E-A947-70E740481C1C}">
+                            <a14:useLocalDpi xmlns:a14="http://schemas.microsoft.com/office/drawing/2010/main" val="0"/>
+                          </a:ext>
+                        </a:extLst>
+                      </a:blip>
+                      <a:srcRect/>
+                      <a:stretch>
+                        <a:fillRect/>
+                      </a:stretch>
+                    </p:blipFill>
+                    <p:spPr bwMode="auto">
+                      <a:xfrm>
+                        <a:off x="4548188" y="1544637"/>
+                        <a:ext cx="2982913" cy="2874963"/>
+                      </a:xfrm>
+                      <a:prstGeom prst="rect">
+                        <a:avLst/>
+                      </a:prstGeom>
+                      <a:noFill/>
+                      <a:extLst>
+                        <a:ext uri="{909E8E84-426E-40DD-AFC4-6F175D3DCCD1}">
+                          <a14:hiddenFill xmlns:a14="http://schemas.microsoft.com/office/drawing/2010/main">
+                            <a:solidFill>
+                              <a:srgbClr val="FFFFFF"/>
+                            </a:solidFill>
+                          </a14:hiddenFill>
+                        </a:ext>
+                      </a:extLst>
+                    </p:spPr>
+                  </p:pic>
+                </p:oleObj>
+              </mc:Fallback>
+            </mc:AlternateContent>
+          </a:graphicData>
+        </a:graphic>
+      </p:graphicFrame>
+      <p:graphicFrame>
+        <p:nvGraphicFramePr>
+          <p:cNvPr id="128009" name="Object 8"/>
+          <p:cNvGraphicFramePr>
+            <a:graphicFrameLocks noChangeAspect="1"/>
+          </p:cNvGraphicFramePr>
+          <p:nvPr/>
+        </p:nvGraphicFramePr>
+        <p:xfrm>
+          <a:off x="5838824" y="4715357"/>
+          <a:ext cx="3251200" cy="503238"/>
+        </p:xfrm>
+        <a:graphic>
+          <a:graphicData uri="http://schemas.openxmlformats.org/presentationml/2006/ole">
+            <mc:AlternateContent xmlns:mc="http://schemas.openxmlformats.org/markup-compatibility/2006">
+              <mc:Choice xmlns:v="urn:schemas-microsoft-com:vml" Requires="v">
+                <p:oleObj name="Equation" r:id="rId8" imgW="1396800" imgH="215640" progId="Equation.3">
+                  <p:embed/>
+                </p:oleObj>
+              </mc:Choice>
+              <mc:Fallback>
+                <p:oleObj name="Equation" r:id="rId8" imgW="1396800" imgH="215640" progId="Equation.3">
+                  <p:embed/>
+                  <p:pic>
+                    <p:nvPicPr>
+                      <p:cNvPr id="128009" name="Object 8"/>
+                      <p:cNvPicPr>
+                        <a:picLocks noChangeAspect="1" noChangeArrowheads="1"/>
+                      </p:cNvPicPr>
+                      <p:nvPr/>
+                    </p:nvPicPr>
+                    <p:blipFill>
+                      <a:blip r:embed="rId9">
+                        <a:extLst>
+                          <a:ext uri="{28A0092B-C50C-407E-A947-70E740481C1C}">
+                            <a14:useLocalDpi xmlns:a14="http://schemas.microsoft.com/office/drawing/2010/main" val="0"/>
+                          </a:ext>
+                        </a:extLst>
+                      </a:blip>
+                      <a:srcRect/>
+                      <a:stretch>
+                        <a:fillRect/>
+                      </a:stretch>
+                    </p:blipFill>
+                    <p:spPr bwMode="auto">
+                      <a:xfrm>
+                        <a:off x="5838824" y="4715357"/>
+                        <a:ext cx="3251200" cy="503238"/>
+                      </a:xfrm>
+                      <a:prstGeom prst="rect">
+                        <a:avLst/>
+                      </a:prstGeom>
+                      <a:noFill/>
+                      <a:extLst>
+                        <a:ext uri="{909E8E84-426E-40DD-AFC4-6F175D3DCCD1}">
+                          <a14:hiddenFill xmlns:a14="http://schemas.microsoft.com/office/drawing/2010/main">
+                            <a:solidFill>
+                              <a:srgbClr val="FFFFFF"/>
+                            </a:solidFill>
+                          </a14:hiddenFill>
+                        </a:ext>
+                      </a:extLst>
+                    </p:spPr>
+                  </p:pic>
+                </p:oleObj>
+              </mc:Fallback>
+            </mc:AlternateContent>
+          </a:graphicData>
+        </a:graphic>
+      </p:graphicFrame>
+      <p:sp>
+        <p:nvSpPr>
+          <p:cNvPr id="11" name="Content Placeholder 2"/>
+          <p:cNvSpPr>
+            <a:spLocks noGrp="1"/>
+          </p:cNvSpPr>
+          <p:nvPr>
+            <p:ph idx="1"/>
+          </p:nvPr>
+        </p:nvSpPr>
+        <p:spPr>
+          <a:xfrm>
+            <a:off x="1321909" y="5376029"/>
+            <a:ext cx="10457932" cy="1224442"/>
+          </a:xfrm>
+        </p:spPr>
+        <p:txBody>
+          <a:bodyPr>
+            <a:normAutofit/>
+          </a:bodyPr>
+          <a:lstStyle/>
+          <a:p>
+            <a:pPr marL="0" lvl="1" indent="0">
+              <a:buClr>
+                <a:schemeClr val="bg2"/>
+              </a:buClr>
+              <a:buSzPct val="90000"/>
+              <a:buNone/>
+            </a:pPr>
+            <a:r>
+              <a:rPr lang="en-US" altLang="zh-CN" sz="2000" b="0" dirty="0">
+                <a:solidFill>
+                  <a:schemeClr val="dk1"/>
+                </a:solidFill>
+                <a:latin typeface="Gill Sans" panose="020B0502020104020203"/>
+                <a:ea typeface="+mn-ea"/>
+                <a:cs typeface="+mn-cs"/>
+              </a:rPr>
+              <a:t>Run Banker’s algorithm to check if the current state is safe.</a:t>
+            </a:r>
+          </a:p>
+          <a:p>
+            <a:pPr marL="0" lvl="1" indent="0">
+              <a:buClr>
+                <a:schemeClr val="bg2"/>
+              </a:buClr>
+              <a:buSzPct val="90000"/>
+              <a:buNone/>
+            </a:pPr>
+            <a:r>
+              <a:rPr lang="en-US" sz="2000" dirty="0">
+                <a:solidFill>
+                  <a:schemeClr val="dk1"/>
+                </a:solidFill>
+                <a:latin typeface="Gill Sans" panose="020B0502020104020203"/>
+                <a:ea typeface="+mn-ea"/>
+                <a:cs typeface="+mn-cs"/>
+              </a:rPr>
+              <a:t>ANS: It is not safe, as no process can run to completion based on Need matrix and Available vector.</a:t>
+            </a:r>
+            <a:endParaRPr lang="en-US" dirty="0"/>
+          </a:p>
+        </p:txBody>
+      </p:sp>
+      <p:sp>
+        <p:nvSpPr>
+          <p:cNvPr id="7" name="TextBox 6">
+            <a:extLst>
+              <a:ext uri="{FF2B5EF4-FFF2-40B4-BE49-F238E27FC236}">
+                <a16:creationId xmlns:a16="http://schemas.microsoft.com/office/drawing/2014/main" id="{7205C012-CA7E-C9A9-AA64-C1E2CDD589FB}"/>
+              </a:ext>
+            </a:extLst>
+          </p:cNvPr>
+          <p:cNvSpPr txBox="1"/>
+          <p:nvPr/>
+        </p:nvSpPr>
+        <p:spPr>
+          <a:xfrm>
+            <a:off x="2726479" y="1144526"/>
+            <a:ext cx="692818" cy="400110"/>
+          </a:xfrm>
+          <a:prstGeom prst="rect">
+            <a:avLst/>
+          </a:prstGeom>
+          <a:noFill/>
+        </p:spPr>
+        <p:txBody>
+          <a:bodyPr wrap="none" rtlCol="0">
+            <a:spAutoFit/>
+          </a:bodyPr>
+          <a:lstStyle/>
+          <a:p>
+            <a:r>
+              <a:rPr lang="en-GB" sz="2000" b="0" dirty="0">
+                <a:solidFill>
+                  <a:schemeClr val="dk1"/>
+                </a:solidFill>
+                <a:latin typeface="+mn-lt"/>
+                <a:ea typeface="+mn-ea"/>
+                <a:cs typeface="+mn-cs"/>
+              </a:rPr>
+              <a:t>Max</a:t>
+            </a:r>
+          </a:p>
+        </p:txBody>
+      </p:sp>
+      <p:sp>
+        <p:nvSpPr>
+          <p:cNvPr id="8" name="TextBox 7">
+            <a:extLst>
+              <a:ext uri="{FF2B5EF4-FFF2-40B4-BE49-F238E27FC236}">
+                <a16:creationId xmlns:a16="http://schemas.microsoft.com/office/drawing/2014/main" id="{66F9FF2F-7FCC-5B71-EFA1-B57C67FD154C}"/>
+              </a:ext>
+            </a:extLst>
+          </p:cNvPr>
+          <p:cNvSpPr txBox="1"/>
+          <p:nvPr/>
+        </p:nvSpPr>
+        <p:spPr>
+          <a:xfrm>
+            <a:off x="5459413" y="1144526"/>
+            <a:ext cx="1372492" cy="400110"/>
+          </a:xfrm>
+          <a:prstGeom prst="rect">
+            <a:avLst/>
+          </a:prstGeom>
+          <a:noFill/>
+        </p:spPr>
+        <p:txBody>
+          <a:bodyPr wrap="none" rtlCol="0">
+            <a:spAutoFit/>
+          </a:bodyPr>
+          <a:lstStyle/>
+          <a:p>
+            <a:r>
+              <a:rPr lang="en-GB" sz="2000" b="0" dirty="0">
+                <a:solidFill>
+                  <a:schemeClr val="dk1"/>
+                </a:solidFill>
+                <a:latin typeface="+mn-lt"/>
+                <a:ea typeface="+mn-ea"/>
+                <a:cs typeface="+mn-cs"/>
+              </a:rPr>
+              <a:t>Allocation</a:t>
+            </a:r>
+          </a:p>
+        </p:txBody>
+      </p:sp>
+      <p:sp>
+        <p:nvSpPr>
+          <p:cNvPr id="9" name="TextBox 8">
+            <a:extLst>
+              <a:ext uri="{FF2B5EF4-FFF2-40B4-BE49-F238E27FC236}">
+                <a16:creationId xmlns:a16="http://schemas.microsoft.com/office/drawing/2014/main" id="{F86289A1-022A-BA62-1AB2-C125E6162875}"/>
+              </a:ext>
+            </a:extLst>
+          </p:cNvPr>
+          <p:cNvSpPr txBox="1"/>
+          <p:nvPr/>
+        </p:nvSpPr>
+        <p:spPr>
+          <a:xfrm>
+            <a:off x="3682351" y="4311007"/>
+            <a:ext cx="816249" cy="400110"/>
+          </a:xfrm>
+          <a:prstGeom prst="rect">
+            <a:avLst/>
+          </a:prstGeom>
+          <a:noFill/>
+        </p:spPr>
+        <p:txBody>
+          <a:bodyPr wrap="none" rtlCol="0">
+            <a:spAutoFit/>
+          </a:bodyPr>
+          <a:lstStyle/>
+          <a:p>
+            <a:r>
+              <a:rPr lang="en-GB" sz="2000" b="0" dirty="0">
+                <a:solidFill>
+                  <a:schemeClr val="dk1"/>
+                </a:solidFill>
+                <a:latin typeface="+mn-lt"/>
+                <a:ea typeface="+mn-ea"/>
+                <a:cs typeface="+mn-cs"/>
+              </a:rPr>
+              <a:t>Total</a:t>
+            </a:r>
+          </a:p>
+        </p:txBody>
+      </p:sp>
+      <p:sp>
+        <p:nvSpPr>
+          <p:cNvPr id="10" name="TextBox 9">
+            <a:extLst>
+              <a:ext uri="{FF2B5EF4-FFF2-40B4-BE49-F238E27FC236}">
+                <a16:creationId xmlns:a16="http://schemas.microsoft.com/office/drawing/2014/main" id="{B3095F85-3B1D-7B29-5F54-F7F70385A7D7}"/>
+              </a:ext>
+            </a:extLst>
+          </p:cNvPr>
+          <p:cNvSpPr txBox="1"/>
+          <p:nvPr/>
+        </p:nvSpPr>
+        <p:spPr>
+          <a:xfrm>
+            <a:off x="6958951" y="4311007"/>
+            <a:ext cx="1266693" cy="400110"/>
+          </a:xfrm>
+          <a:prstGeom prst="rect">
+            <a:avLst/>
+          </a:prstGeom>
+          <a:noFill/>
+        </p:spPr>
+        <p:txBody>
+          <a:bodyPr wrap="none" rtlCol="0">
+            <a:spAutoFit/>
+          </a:bodyPr>
+          <a:lstStyle/>
+          <a:p>
+            <a:r>
+              <a:rPr lang="en-GB" sz="2000" b="0" dirty="0">
+                <a:solidFill>
+                  <a:schemeClr val="dk1"/>
+                </a:solidFill>
+                <a:latin typeface="+mn-lt"/>
+                <a:ea typeface="+mn-ea"/>
+                <a:cs typeface="+mn-cs"/>
+              </a:rPr>
+              <a:t>Available</a:t>
+            </a:r>
+          </a:p>
+        </p:txBody>
+      </p:sp>
+      <p:sp>
+        <p:nvSpPr>
+          <p:cNvPr id="44" name="TextBox 43">
+            <a:extLst>
+              <a:ext uri="{FF2B5EF4-FFF2-40B4-BE49-F238E27FC236}">
+                <a16:creationId xmlns:a16="http://schemas.microsoft.com/office/drawing/2014/main" id="{220DB13F-1C88-A101-E8AB-F7FD26D325C5}"/>
+              </a:ext>
+            </a:extLst>
+          </p:cNvPr>
+          <p:cNvSpPr txBox="1"/>
+          <p:nvPr/>
+        </p:nvSpPr>
+        <p:spPr>
+          <a:xfrm>
+            <a:off x="8812107" y="1142847"/>
+            <a:ext cx="822661" cy="400110"/>
+          </a:xfrm>
+          <a:prstGeom prst="rect">
+            <a:avLst/>
+          </a:prstGeom>
+          <a:noFill/>
+        </p:spPr>
+        <p:txBody>
+          <a:bodyPr wrap="none" rtlCol="0">
+            <a:spAutoFit/>
+          </a:bodyPr>
+          <a:lstStyle/>
+          <a:p>
+            <a:r>
+              <a:rPr lang="en-US" altLang="zh-CN" sz="2000" b="0" dirty="0">
+                <a:solidFill>
+                  <a:schemeClr val="dk1"/>
+                </a:solidFill>
+                <a:latin typeface="+mn-lt"/>
+                <a:ea typeface="+mn-ea"/>
+                <a:cs typeface="+mn-cs"/>
+              </a:rPr>
+              <a:t>Need</a:t>
+            </a:r>
+            <a:endParaRPr lang="en-GB" sz="2000" b="0" dirty="0">
+              <a:solidFill>
+                <a:schemeClr val="dk1"/>
+              </a:solidFill>
+              <a:latin typeface="+mn-lt"/>
+              <a:ea typeface="+mn-ea"/>
+              <a:cs typeface="+mn-cs"/>
+            </a:endParaRPr>
+          </a:p>
+        </p:txBody>
+      </p:sp>
+      <p:graphicFrame>
+        <p:nvGraphicFramePr>
+          <p:cNvPr id="45" name="Object 3">
+            <a:extLst>
+              <a:ext uri="{FF2B5EF4-FFF2-40B4-BE49-F238E27FC236}">
+                <a16:creationId xmlns:a16="http://schemas.microsoft.com/office/drawing/2014/main" id="{83675655-3214-DED5-CA62-51470C1B86E1}"/>
+              </a:ext>
+            </a:extLst>
+          </p:cNvPr>
+          <p:cNvGraphicFramePr>
+            <a:graphicFrameLocks noChangeAspect="1"/>
+          </p:cNvGraphicFramePr>
+          <p:nvPr/>
+        </p:nvGraphicFramePr>
+        <p:xfrm>
+          <a:off x="7531101" y="1544636"/>
+          <a:ext cx="2982913" cy="2874963"/>
+        </p:xfrm>
+        <a:graphic>
+          <a:graphicData uri="http://schemas.openxmlformats.org/presentationml/2006/ole">
+            <mc:AlternateContent xmlns:mc="http://schemas.openxmlformats.org/markup-compatibility/2006">
+              <mc:Choice xmlns:v="urn:schemas-microsoft-com:vml" Requires="v">
+                <p:oleObj name="Equation" r:id="rId10" imgW="1396800" imgH="1346040" progId="Equation.3">
+                  <p:embed/>
+                </p:oleObj>
+              </mc:Choice>
+              <mc:Fallback>
+                <p:oleObj name="Equation" r:id="rId10" imgW="1396800" imgH="1346040" progId="Equation.3">
+                  <p:embed/>
+                  <p:pic>
+                    <p:nvPicPr>
+                      <p:cNvPr id="45" name="Object 3">
+                        <a:extLst>
+                          <a:ext uri="{FF2B5EF4-FFF2-40B4-BE49-F238E27FC236}">
+                            <a16:creationId xmlns:a16="http://schemas.microsoft.com/office/drawing/2014/main" id="{83675655-3214-DED5-CA62-51470C1B86E1}"/>
+                          </a:ext>
+                        </a:extLst>
+                      </p:cNvPr>
+                      <p:cNvPicPr>
+                        <a:picLocks noChangeAspect="1" noChangeArrowheads="1"/>
+                      </p:cNvPicPr>
+                      <p:nvPr/>
+                    </p:nvPicPr>
+                    <p:blipFill>
+                      <a:blip r:embed="rId11">
+                        <a:extLst>
+                          <a:ext uri="{28A0092B-C50C-407E-A947-70E740481C1C}">
+                            <a14:useLocalDpi xmlns:a14="http://schemas.microsoft.com/office/drawing/2010/main" val="0"/>
+                          </a:ext>
+                        </a:extLst>
+                      </a:blip>
+                      <a:srcRect/>
+                      <a:stretch>
+                        <a:fillRect/>
+                      </a:stretch>
+                    </p:blipFill>
+                    <p:spPr bwMode="auto">
+                      <a:xfrm>
+                        <a:off x="7531101" y="1544636"/>
+                        <a:ext cx="2982913" cy="2874963"/>
+                      </a:xfrm>
+                      <a:prstGeom prst="rect">
+                        <a:avLst/>
+                      </a:prstGeom>
+                      <a:noFill/>
+                      <a:extLst>
+                        <a:ext uri="{909E8E84-426E-40DD-AFC4-6F175D3DCCD1}">
+                          <a14:hiddenFill xmlns:a14="http://schemas.microsoft.com/office/drawing/2010/main">
+                            <a:solidFill>
+                              <a:srgbClr val="FFFFFF"/>
+                            </a:solidFill>
+                          </a14:hiddenFill>
+                        </a:ext>
+                      </a:extLst>
+                    </p:spPr>
+                  </p:pic>
+                </p:oleObj>
+              </mc:Fallback>
+            </mc:AlternateContent>
+          </a:graphicData>
+        </a:graphic>
+      </p:graphicFrame>
+      <p:sp>
+        <p:nvSpPr>
+          <p:cNvPr id="46" name="TextBox 45">
+            <a:extLst>
+              <a:ext uri="{FF2B5EF4-FFF2-40B4-BE49-F238E27FC236}">
+                <a16:creationId xmlns:a16="http://schemas.microsoft.com/office/drawing/2014/main" id="{ED042D38-CEC2-3FFF-AEB5-185DD78ED7B2}"/>
+              </a:ext>
+            </a:extLst>
+          </p:cNvPr>
+          <p:cNvSpPr txBox="1"/>
+          <p:nvPr/>
+        </p:nvSpPr>
+        <p:spPr>
+          <a:xfrm>
+            <a:off x="8179781" y="1527554"/>
+            <a:ext cx="351378" cy="492443"/>
+          </a:xfrm>
+          <a:prstGeom prst="rect">
+            <a:avLst/>
+          </a:prstGeom>
+          <a:solidFill>
+            <a:schemeClr val="bg1"/>
+          </a:solidFill>
+        </p:spPr>
+        <p:txBody>
+          <a:bodyPr wrap="none" rtlCol="0">
+            <a:spAutoFit/>
+          </a:bodyPr>
+          <a:lstStyle/>
+          <a:p>
+            <a:r>
+              <a:rPr lang="en-US" sz="2500" dirty="0">
+                <a:latin typeface="Gill Sans Light"/>
+              </a:rPr>
+              <a:t>0</a:t>
+            </a:r>
+            <a:endParaRPr lang="en-SE" sz="2500" dirty="0">
+              <a:latin typeface="Gill Sans Light"/>
+            </a:endParaRPr>
+          </a:p>
+        </p:txBody>
+      </p:sp>
+      <p:sp>
+        <p:nvSpPr>
+          <p:cNvPr id="47" name="TextBox 46">
+            <a:extLst>
+              <a:ext uri="{FF2B5EF4-FFF2-40B4-BE49-F238E27FC236}">
+                <a16:creationId xmlns:a16="http://schemas.microsoft.com/office/drawing/2014/main" id="{AFD0EF05-2D9B-B66D-8B81-C0870858FC78}"/>
+              </a:ext>
+            </a:extLst>
+          </p:cNvPr>
+          <p:cNvSpPr txBox="1"/>
+          <p:nvPr/>
+        </p:nvSpPr>
+        <p:spPr>
+          <a:xfrm>
+            <a:off x="8669042" y="1527554"/>
+            <a:ext cx="344966" cy="477054"/>
+          </a:xfrm>
+          <a:prstGeom prst="rect">
+            <a:avLst/>
+          </a:prstGeom>
+          <a:solidFill>
+            <a:schemeClr val="bg1"/>
+          </a:solidFill>
+        </p:spPr>
+        <p:txBody>
+          <a:bodyPr wrap="none" rtlCol="0">
+            <a:spAutoFit/>
+          </a:bodyPr>
+          <a:lstStyle/>
+          <a:p>
+            <a:r>
+              <a:rPr lang="en-US" sz="2500" dirty="0">
+                <a:latin typeface="Gill Sans Light"/>
+              </a:rPr>
+              <a:t>1</a:t>
+            </a:r>
+            <a:endParaRPr lang="en-SE" sz="2500" dirty="0">
+              <a:latin typeface="Gill Sans Light"/>
+            </a:endParaRPr>
+          </a:p>
+        </p:txBody>
+      </p:sp>
+      <p:sp>
+        <p:nvSpPr>
+          <p:cNvPr id="48" name="TextBox 47">
+            <a:extLst>
+              <a:ext uri="{FF2B5EF4-FFF2-40B4-BE49-F238E27FC236}">
+                <a16:creationId xmlns:a16="http://schemas.microsoft.com/office/drawing/2014/main" id="{2A689739-BF0F-AF81-94DA-D651DAA8C6B0}"/>
+              </a:ext>
+            </a:extLst>
+          </p:cNvPr>
+          <p:cNvSpPr txBox="1"/>
+          <p:nvPr/>
+        </p:nvSpPr>
+        <p:spPr>
+          <a:xfrm>
+            <a:off x="8641558" y="2004608"/>
+            <a:ext cx="351378" cy="492443"/>
+          </a:xfrm>
+          <a:prstGeom prst="rect">
+            <a:avLst/>
+          </a:prstGeom>
+          <a:solidFill>
+            <a:schemeClr val="bg1"/>
+          </a:solidFill>
+        </p:spPr>
+        <p:txBody>
+          <a:bodyPr wrap="none" rtlCol="0">
+            <a:spAutoFit/>
+          </a:bodyPr>
+          <a:lstStyle/>
+          <a:p>
+            <a:r>
+              <a:rPr lang="en-US" sz="2500" dirty="0">
+                <a:latin typeface="Gill Sans Light"/>
+              </a:rPr>
+              <a:t>0</a:t>
+            </a:r>
+            <a:endParaRPr lang="en-SE" sz="2500" dirty="0">
+              <a:latin typeface="Gill Sans Light"/>
+            </a:endParaRPr>
+          </a:p>
+        </p:txBody>
+      </p:sp>
+      <p:sp>
+        <p:nvSpPr>
+          <p:cNvPr id="49" name="TextBox 48">
+            <a:extLst>
+              <a:ext uri="{FF2B5EF4-FFF2-40B4-BE49-F238E27FC236}">
+                <a16:creationId xmlns:a16="http://schemas.microsoft.com/office/drawing/2014/main" id="{0E149D23-3959-6F94-4EE1-6D37D9CE281D}"/>
+              </a:ext>
+            </a:extLst>
+          </p:cNvPr>
+          <p:cNvSpPr txBox="1"/>
+          <p:nvPr/>
+        </p:nvSpPr>
+        <p:spPr>
+          <a:xfrm>
+            <a:off x="9130819" y="2004608"/>
+            <a:ext cx="344966" cy="477054"/>
+          </a:xfrm>
+          <a:prstGeom prst="rect">
+            <a:avLst/>
+          </a:prstGeom>
+          <a:solidFill>
+            <a:schemeClr val="bg1"/>
+          </a:solidFill>
+        </p:spPr>
+        <p:txBody>
+          <a:bodyPr wrap="none" rtlCol="0">
+            <a:spAutoFit/>
+          </a:bodyPr>
+          <a:lstStyle/>
+          <a:p>
+            <a:r>
+              <a:rPr lang="en-US" sz="2500" dirty="0">
+                <a:latin typeface="Gill Sans Light"/>
+              </a:rPr>
+              <a:t>1</a:t>
+            </a:r>
+            <a:endParaRPr lang="en-SE" sz="2500" dirty="0">
+              <a:latin typeface="Gill Sans Light"/>
+            </a:endParaRPr>
+          </a:p>
+        </p:txBody>
+      </p:sp>
+      <p:sp>
+        <p:nvSpPr>
+          <p:cNvPr id="50" name="TextBox 49">
+            <a:extLst>
+              <a:ext uri="{FF2B5EF4-FFF2-40B4-BE49-F238E27FC236}">
+                <a16:creationId xmlns:a16="http://schemas.microsoft.com/office/drawing/2014/main" id="{2C7EDF96-712C-D718-A559-5F666762BC8A}"/>
+              </a:ext>
+            </a:extLst>
+          </p:cNvPr>
+          <p:cNvSpPr txBox="1"/>
+          <p:nvPr/>
+        </p:nvSpPr>
+        <p:spPr>
+          <a:xfrm>
+            <a:off x="9121336" y="2508356"/>
+            <a:ext cx="351378" cy="492443"/>
+          </a:xfrm>
+          <a:prstGeom prst="rect">
+            <a:avLst/>
+          </a:prstGeom>
+          <a:solidFill>
+            <a:schemeClr val="bg1"/>
+          </a:solidFill>
+        </p:spPr>
+        <p:txBody>
+          <a:bodyPr wrap="none" rtlCol="0">
+            <a:spAutoFit/>
+          </a:bodyPr>
+          <a:lstStyle/>
+          <a:p>
+            <a:r>
+              <a:rPr lang="en-US" sz="2500" dirty="0">
+                <a:latin typeface="Gill Sans Light"/>
+              </a:rPr>
+              <a:t>0</a:t>
+            </a:r>
+            <a:endParaRPr lang="en-SE" sz="2500" dirty="0">
+              <a:latin typeface="Gill Sans Light"/>
+            </a:endParaRPr>
+          </a:p>
+        </p:txBody>
+      </p:sp>
+      <p:sp>
+        <p:nvSpPr>
+          <p:cNvPr id="51" name="TextBox 50">
+            <a:extLst>
+              <a:ext uri="{FF2B5EF4-FFF2-40B4-BE49-F238E27FC236}">
+                <a16:creationId xmlns:a16="http://schemas.microsoft.com/office/drawing/2014/main" id="{127973D0-B53A-CC89-C65C-7B174201910A}"/>
+              </a:ext>
+            </a:extLst>
+          </p:cNvPr>
+          <p:cNvSpPr txBox="1"/>
+          <p:nvPr/>
+        </p:nvSpPr>
+        <p:spPr>
+          <a:xfrm>
+            <a:off x="9610597" y="2508356"/>
+            <a:ext cx="344966" cy="477054"/>
+          </a:xfrm>
+          <a:prstGeom prst="rect">
+            <a:avLst/>
+          </a:prstGeom>
+          <a:solidFill>
+            <a:schemeClr val="bg1"/>
+          </a:solidFill>
+        </p:spPr>
+        <p:txBody>
+          <a:bodyPr wrap="none" rtlCol="0">
+            <a:spAutoFit/>
+          </a:bodyPr>
+          <a:lstStyle/>
+          <a:p>
+            <a:r>
+              <a:rPr lang="en-US" sz="2500" dirty="0">
+                <a:latin typeface="Gill Sans Light"/>
+              </a:rPr>
+              <a:t>1</a:t>
+            </a:r>
+            <a:endParaRPr lang="en-SE" sz="2500" dirty="0">
+              <a:latin typeface="Gill Sans Light"/>
+            </a:endParaRPr>
+          </a:p>
+        </p:txBody>
+      </p:sp>
+      <p:sp>
+        <p:nvSpPr>
+          <p:cNvPr id="52" name="TextBox 51">
+            <a:extLst>
+              <a:ext uri="{FF2B5EF4-FFF2-40B4-BE49-F238E27FC236}">
+                <a16:creationId xmlns:a16="http://schemas.microsoft.com/office/drawing/2014/main" id="{2752F51E-92AF-9DF7-E84B-4CD0A73FBB5C}"/>
+              </a:ext>
+            </a:extLst>
+          </p:cNvPr>
+          <p:cNvSpPr txBox="1"/>
+          <p:nvPr/>
+        </p:nvSpPr>
+        <p:spPr>
+          <a:xfrm>
+            <a:off x="9636131" y="2975881"/>
+            <a:ext cx="351378" cy="492443"/>
+          </a:xfrm>
+          <a:prstGeom prst="rect">
+            <a:avLst/>
+          </a:prstGeom>
+          <a:solidFill>
+            <a:schemeClr val="bg1"/>
+          </a:solidFill>
+        </p:spPr>
+        <p:txBody>
+          <a:bodyPr wrap="none" rtlCol="0">
+            <a:spAutoFit/>
+          </a:bodyPr>
+          <a:lstStyle/>
+          <a:p>
+            <a:r>
+              <a:rPr lang="en-US" sz="2500" dirty="0">
+                <a:latin typeface="Gill Sans Light"/>
+              </a:rPr>
+              <a:t>0</a:t>
+            </a:r>
+            <a:endParaRPr lang="en-SE" sz="2500" dirty="0">
+              <a:latin typeface="Gill Sans Light"/>
+            </a:endParaRPr>
+          </a:p>
+        </p:txBody>
+      </p:sp>
+      <p:sp>
+        <p:nvSpPr>
+          <p:cNvPr id="53" name="TextBox 52">
+            <a:extLst>
+              <a:ext uri="{FF2B5EF4-FFF2-40B4-BE49-F238E27FC236}">
+                <a16:creationId xmlns:a16="http://schemas.microsoft.com/office/drawing/2014/main" id="{3A40971D-2C7A-37B9-DA9B-8A90B1CEDCFF}"/>
+              </a:ext>
+            </a:extLst>
+          </p:cNvPr>
+          <p:cNvSpPr txBox="1"/>
+          <p:nvPr/>
+        </p:nvSpPr>
+        <p:spPr>
+          <a:xfrm>
+            <a:off x="10035736" y="2975881"/>
+            <a:ext cx="344966" cy="477054"/>
+          </a:xfrm>
+          <a:prstGeom prst="rect">
+            <a:avLst/>
+          </a:prstGeom>
+          <a:solidFill>
+            <a:schemeClr val="bg1"/>
+          </a:solidFill>
+        </p:spPr>
+        <p:txBody>
+          <a:bodyPr wrap="none" rtlCol="0">
+            <a:spAutoFit/>
+          </a:bodyPr>
+          <a:lstStyle/>
+          <a:p>
+            <a:r>
+              <a:rPr lang="en-US" sz="2500" dirty="0">
+                <a:latin typeface="Gill Sans Light"/>
+              </a:rPr>
+              <a:t>1</a:t>
+            </a:r>
+            <a:endParaRPr lang="en-SE" sz="2500" dirty="0">
+              <a:latin typeface="Gill Sans Light"/>
+            </a:endParaRPr>
+          </a:p>
+        </p:txBody>
+      </p:sp>
+      <p:sp>
+        <p:nvSpPr>
+          <p:cNvPr id="54" name="TextBox 53">
+            <a:extLst>
+              <a:ext uri="{FF2B5EF4-FFF2-40B4-BE49-F238E27FC236}">
+                <a16:creationId xmlns:a16="http://schemas.microsoft.com/office/drawing/2014/main" id="{B278EE78-1672-0FE6-2F33-01752630DC17}"/>
+              </a:ext>
+            </a:extLst>
+          </p:cNvPr>
+          <p:cNvSpPr txBox="1"/>
+          <p:nvPr/>
+        </p:nvSpPr>
+        <p:spPr>
+          <a:xfrm>
+            <a:off x="8182987" y="3468324"/>
+            <a:ext cx="344966" cy="477054"/>
+          </a:xfrm>
+          <a:prstGeom prst="rect">
+            <a:avLst/>
+          </a:prstGeom>
+          <a:solidFill>
+            <a:schemeClr val="bg1"/>
+          </a:solidFill>
+        </p:spPr>
+        <p:txBody>
+          <a:bodyPr wrap="none" rtlCol="0">
+            <a:spAutoFit/>
+          </a:bodyPr>
+          <a:lstStyle/>
+          <a:p>
+            <a:r>
+              <a:rPr lang="en-US" sz="2500" dirty="0">
+                <a:latin typeface="Gill Sans Light"/>
+              </a:rPr>
+              <a:t>1</a:t>
+            </a:r>
+            <a:endParaRPr lang="en-SE" sz="2500" dirty="0">
+              <a:latin typeface="Gill Sans Light"/>
+            </a:endParaRPr>
+          </a:p>
+        </p:txBody>
+      </p:sp>
+      <p:sp>
+        <p:nvSpPr>
+          <p:cNvPr id="55" name="Rectangle 54">
+            <a:extLst>
+              <a:ext uri="{FF2B5EF4-FFF2-40B4-BE49-F238E27FC236}">
+                <a16:creationId xmlns:a16="http://schemas.microsoft.com/office/drawing/2014/main" id="{A687204D-5150-548B-F280-C100B957FD26}"/>
+              </a:ext>
+            </a:extLst>
+          </p:cNvPr>
+          <p:cNvSpPr/>
+          <p:nvPr/>
+        </p:nvSpPr>
+        <p:spPr bwMode="auto">
+          <a:xfrm>
+            <a:off x="7051575" y="3546977"/>
+            <a:ext cx="348291" cy="304800"/>
+          </a:xfrm>
+          <a:prstGeom prst="rect">
+            <a:avLst/>
+          </a:prstGeom>
+          <a:noFill/>
+          <a:ln w="19050" cap="flat" cmpd="sng" algn="ctr">
+            <a:solidFill>
+              <a:srgbClr val="FF0000"/>
+            </a:solidFill>
+            <a:prstDash val="solid"/>
+            <a:round/>
+            <a:headEnd type="none" w="med" len="med"/>
+            <a:tailEnd type="none" w="med" len="med"/>
+          </a:ln>
+          <a:effectLst/>
+          <a:extLst>
+            <a:ext uri="{AF507438-7753-43e0-B8FC-AC1667EBCBE1}">
+              <a14:hiddenEffects xmlns="" xmlns:a14="http://schemas.microsoft.com/office/drawing/2010/main">
+                <a:effectLst>
+                  <a:outerShdw dist="35921" dir="2700000" algn="ctr" rotWithShape="0">
+                    <a:schemeClr val="bg2"/>
+                  </a:outerShdw>
+                </a:effectLst>
+              </a14:hiddenEffects>
+            </a:ext>
+          </a:extLst>
+        </p:spPr>
+        <p:txBody>
+          <a:bodyPr vert="horz" wrap="square" lIns="91440" tIns="45720" rIns="91440" bIns="45720" numCol="1" rtlCol="0" anchor="t" anchorCtr="0" compatLnSpc="1">
+            <a:prstTxWarp prst="textNoShape">
+              <a:avLst/>
+            </a:prstTxWarp>
+          </a:bodyPr>
+          <a:lstStyle/>
+          <a:p>
+            <a:pPr marL="0" marR="0" indent="0" algn="l" defTabSz="914400" rtl="0" eaLnBrk="0" fontAlgn="base" latinLnBrk="0" hangingPunct="0">
+              <a:lnSpc>
+                <a:spcPct val="100000"/>
+              </a:lnSpc>
+              <a:spcBef>
+                <a:spcPct val="0"/>
+              </a:spcBef>
+              <a:spcAft>
+                <a:spcPct val="0"/>
+              </a:spcAft>
+              <a:buClrTx/>
+              <a:buSzTx/>
+              <a:buFontTx/>
+              <a:buNone/>
+              <a:tabLst/>
+            </a:pPr>
+            <a:endParaRPr kumimoji="0" lang="en-SE" sz="1800" b="1" i="0" u="none" strike="noStrike" cap="none" normalizeH="0" baseline="0" dirty="0">
+              <a:ln>
+                <a:noFill/>
+              </a:ln>
+              <a:solidFill>
+                <a:schemeClr val="tx1"/>
+              </a:solidFill>
+              <a:effectLst/>
+              <a:latin typeface="Gill Sans Light"/>
+            </a:endParaRPr>
+          </a:p>
+        </p:txBody>
+      </p:sp>
+    </p:spTree>
+  </p:cSld>
+  <p:clrMapOvr>
+    <a:masterClrMapping/>
+  </p:clrMapOvr>
+  <p:timing>
+    <p:tnLst>
+      <p:par>
+        <p:cTn id="1" dur="indefinite" restart="never" nodeType="tmRoot">
+          <p:childTnLst>
+            <p:seq concurrent="1" nextAc="seek">
+              <p:cTn id="2" dur="indefinite" nodeType="mainSeq">
+                <p:childTnLst>
+                  <p:par>
+                    <p:cTn id="3" fill="hold">
+                      <p:stCondLst>
+                        <p:cond delay="indefinite"/>
+                      </p:stCondLst>
+                      <p:childTnLst>
+                        <p:par>
+                          <p:cTn id="4" fill="hold">
+                            <p:stCondLst>
+                              <p:cond delay="0"/>
+                            </p:stCondLst>
+                            <p:childTnLst>
+                              <p:par>
+                                <p:cTn id="5" presetID="1" presetClass="entr" presetSubtype="0" fill="hold" grpId="0" nodeType="clickEffect">
+                                  <p:stCondLst>
+                                    <p:cond delay="0"/>
+                                  </p:stCondLst>
+                                  <p:childTnLst>
+                                    <p:set>
+                                      <p:cBhvr>
+                                        <p:cTn id="6" dur="1" fill="hold">
+                                          <p:stCondLst>
+                                            <p:cond delay="0"/>
+                                          </p:stCondLst>
+                                        </p:cTn>
+                                        <p:tgtEl>
+                                          <p:spTgt spid="11">
+                                            <p:txEl>
+                                              <p:pRg st="0" end="0"/>
+                                            </p:txEl>
+                                          </p:spTgt>
+                                        </p:tgtEl>
+                                        <p:attrNameLst>
+                                          <p:attrName>style.visibility</p:attrName>
+                                        </p:attrNameLst>
+                                      </p:cBhvr>
+                                      <p:to>
+                                        <p:strVal val="visible"/>
+                                      </p:to>
+                                    </p:set>
+                                  </p:childTnLst>
+                                </p:cTn>
+                              </p:par>
+                              <p:par>
+                                <p:cTn id="7" presetID="1" presetClass="entr" presetSubtype="0" fill="hold" grpId="0" nodeType="withEffect">
+                                  <p:stCondLst>
+                                    <p:cond delay="0"/>
+                                  </p:stCondLst>
+                                  <p:childTnLst>
+                                    <p:set>
+                                      <p:cBhvr>
+                                        <p:cTn id="8" dur="1" fill="hold">
+                                          <p:stCondLst>
+                                            <p:cond delay="0"/>
+                                          </p:stCondLst>
+                                        </p:cTn>
+                                        <p:tgtEl>
+                                          <p:spTgt spid="11">
+                                            <p:txEl>
+                                              <p:pRg st="1" end="1"/>
+                                            </p:txEl>
+                                          </p:spTgt>
+                                        </p:tgtEl>
+                                        <p:attrNameLst>
+                                          <p:attrName>style.visibility</p:attrName>
+                                        </p:attrNameLst>
+                                      </p:cBhvr>
+                                      <p:to>
+                                        <p:strVal val="visible"/>
+                                      </p:to>
+                                    </p:set>
+                                  </p:childTnLst>
+                                </p:cTn>
+                              </p:par>
+                            </p:childTnLst>
+                          </p:cTn>
+                        </p:par>
+                      </p:childTnLst>
+                    </p:cTn>
+                  </p:par>
+                </p:childTnLst>
+              </p:cTn>
+              <p:prevCondLst>
+                <p:cond evt="onPrev" delay="0">
+                  <p:tgtEl>
+                    <p:sldTgt/>
+                  </p:tgtEl>
+                </p:cond>
+              </p:prevCondLst>
+              <p:nextCondLst>
+                <p:cond evt="onNext" delay="0">
+                  <p:tgtEl>
+                    <p:sldTgt/>
+                  </p:tgtEl>
+                </p:cond>
+              </p:nextCondLst>
+            </p:seq>
+          </p:childTnLst>
+        </p:cTn>
+      </p:par>
+    </p:tnLst>
+    <p:bldLst>
+      <p:bldP spid="11" grpId="0" build="p"/>
+    </p:bldLst>
+  </p:timing>
+</p:sld>
+</file>
+
+<file path=ppt/slides/slide5.xml><?xml version="1.0" encoding="utf-8"?>
+<p:sld xmlns:a="http://schemas.openxmlformats.org/drawingml/2006/main" xmlns:r="http://schemas.openxmlformats.org/officeDocument/2006/relationships" xmlns:p="http://schemas.openxmlformats.org/presentationml/2006/main">
+  <p:cSld>
+    <p:spTree>
+      <p:nvGrpSpPr>
+        <p:cNvPr id="1" name=""/>
+        <p:cNvGrpSpPr/>
+        <p:nvPr/>
+      </p:nvGrpSpPr>
+      <p:grpSpPr>
+        <a:xfrm>
+          <a:off x="0" y="0"/>
+          <a:ext cx="0" cy="0"/>
+          <a:chOff x="0" y="0"/>
+          <a:chExt cx="0" cy="0"/>
+        </a:xfrm>
+      </p:grpSpPr>
+      <p:sp>
+        <p:nvSpPr>
           <p:cNvPr id="2" name="Title 1">
             <a:extLst>
               <a:ext uri="{FF2B5EF4-FFF2-40B4-BE49-F238E27FC236}">
@@ -10188,7 +16834,7 @@
           <a:effectLst/>
           <a:extLst>
             <a:ext uri="{AF507438-7753-43e0-B8FC-AC1667EBCBE1}">
-              <a14:hiddenEffects xmlns:a14="http://schemas.microsoft.com/office/drawing/2010/main" xmlns="">
+              <a14:hiddenEffects xmlns="" xmlns:a14="http://schemas.microsoft.com/office/drawing/2010/main">
                 <a:effectLst>
                   <a:outerShdw dist="35921" dir="2700000" algn="ctr" rotWithShape="0">
                     <a:schemeClr val="bg2"/>
@@ -10239,7 +16885,7 @@
 </p:sld>
 </file>
 
-<file path=ppt/slides/slide3.xml><?xml version="1.0" encoding="utf-8"?>
+<file path=ppt/slides/slide6.xml><?xml version="1.0" encoding="utf-8"?>
 <p:sld xmlns:a="http://schemas.openxmlformats.org/drawingml/2006/main" xmlns:r="http://schemas.openxmlformats.org/officeDocument/2006/relationships" xmlns:p="http://schemas.openxmlformats.org/presentationml/2006/main">
   <p:cSld>
     <p:spTree>
@@ -10298,8 +16944,8 @@
           </a:p>
         </p:txBody>
       </p:sp>
-      <mc:AlternateContent xmlns:mc="http://schemas.openxmlformats.org/markup-compatibility/2006">
-        <mc:Choice xmlns:a14="http://schemas.microsoft.com/office/drawing/2010/main" Requires="a14">
+      <mc:AlternateContent xmlns:mc="http://schemas.openxmlformats.org/markup-compatibility/2006" xmlns:a14="http://schemas.microsoft.com/office/drawing/2010/main">
+        <mc:Choice Requires="a14">
           <p:sp>
             <p:nvSpPr>
               <p:cNvPr id="128006" name="Object 3">
@@ -10340,14 +16986,14 @@
                           <m:sty m:val="p"/>
                         </m:rPr>
                         <a:rPr lang="en-GB" sz="2400" b="0" kern="0">
-                          <a:latin typeface="Gill Sans" charset="0"/>
+                          <a:latin typeface="Cambria Math" panose="02040503050406030204" pitchFamily="18" charset="0"/>
                           <a:cs typeface="Gill Sans" charset="0"/>
                         </a:rPr>
                         <m:t>Max</m:t>
                       </m:r>
                       <m:r>
                         <a:rPr lang="en-GB" sz="2400" b="0" kern="0">
-                          <a:latin typeface="Gill Sans" charset="0"/>
+                          <a:latin typeface="Cambria Math" panose="02040503050406030204" pitchFamily="18" charset="0"/>
                           <a:cs typeface="Gill Sans" charset="0"/>
                         </a:rPr>
                         <m:t>:</m:t>
@@ -10357,8 +17003,8 @@
                           <m:begChr m:val="|"/>
                           <m:endChr m:val="|"/>
                           <m:ctrlPr>
-                            <a:rPr lang="en-SE" sz="2400" b="0" kern="0">
-                              <a:latin typeface="Gill Sans" charset="0"/>
+                            <a:rPr lang="en-SE" sz="2400" b="0" i="1" kern="0">
+                              <a:latin typeface="Cambria Math" panose="02040503050406030204" pitchFamily="18" charset="0"/>
                               <a:cs typeface="Gill Sans" charset="0"/>
                             </a:rPr>
                           </m:ctrlPr>
@@ -10376,8 +17022,8 @@
                                 </m:mc>
                               </m:mcs>
                               <m:ctrlPr>
-                                <a:rPr lang="en-SE" sz="2400" b="0" kern="0">
-                                  <a:latin typeface="Gill Sans" charset="0"/>
+                                <a:rPr lang="en-SE" sz="2400" b="0" i="1" kern="0">
+                                  <a:latin typeface="Cambria Math" panose="02040503050406030204" pitchFamily="18" charset="0"/>
                                   <a:cs typeface="Gill Sans" charset="0"/>
                                 </a:rPr>
                               </m:ctrlPr>
@@ -10386,7 +17032,7 @@
                               <m:e>
                                 <m:r>
                                   <a:rPr lang="en-GB" sz="2400" b="0" kern="0">
-                                    <a:latin typeface="Gill Sans" charset="0"/>
+                                    <a:latin typeface="Cambria Math" panose="02040503050406030204" pitchFamily="18" charset="0"/>
                                     <a:cs typeface="Gill Sans" charset="0"/>
                                   </a:rPr>
                                   <m:t>2</m:t>
@@ -10397,7 +17043,7 @@
                               <m:e>
                                 <m:r>
                                   <a:rPr lang="en-GB" sz="2400" b="0" kern="0">
-                                    <a:latin typeface="Gill Sans" charset="0"/>
+                                    <a:latin typeface="Cambria Math" panose="02040503050406030204" pitchFamily="18" charset="0"/>
                                     <a:cs typeface="Gill Sans" charset="0"/>
                                   </a:rPr>
                                   <m:t>2</m:t>
@@ -10408,7 +17054,7 @@
                               <m:e>
                                 <m:r>
                                   <a:rPr lang="en-GB" sz="2400" b="0" kern="0">
-                                    <a:latin typeface="Gill Sans" charset="0"/>
+                                    <a:latin typeface="Cambria Math" panose="02040503050406030204" pitchFamily="18" charset="0"/>
                                     <a:cs typeface="Gill Sans" charset="0"/>
                                   </a:rPr>
                                   <m:t>2</m:t>
@@ -10419,7 +17065,7 @@
                               <m:e>
                                 <m:r>
                                   <a:rPr lang="en-GB" sz="2400" b="0" kern="0">
-                                    <a:latin typeface="Gill Sans" charset="0"/>
+                                    <a:latin typeface="Cambria Math" panose="02040503050406030204" pitchFamily="18" charset="0"/>
                                     <a:cs typeface="Gill Sans" charset="0"/>
                                   </a:rPr>
                                   <m:t>2</m:t>
@@ -10430,7 +17076,7 @@
                               <m:e>
                                 <m:r>
                                   <a:rPr lang="en-GB" sz="2400" b="0" kern="0">
-                                    <a:latin typeface="Gill Sans" charset="0"/>
+                                    <a:latin typeface="Cambria Math" panose="02040503050406030204" pitchFamily="18" charset="0"/>
                                     <a:cs typeface="Gill Sans" charset="0"/>
                                   </a:rPr>
                                   <m:t>2</m:t>
@@ -10442,7 +17088,7 @@
                       </m:d>
                       <m:r>
                         <a:rPr lang="en-GB" sz="2400" b="0" kern="0">
-                          <a:latin typeface="Gill Sans" charset="0"/>
+                          <a:latin typeface="Cambria Math" panose="02040503050406030204" pitchFamily="18" charset="0"/>
                           <a:cs typeface="Gill Sans" charset="0"/>
                         </a:rPr>
                         <m:t>, </m:t>
@@ -10452,14 +17098,14 @@
                           <m:sty m:val="p"/>
                         </m:rPr>
                         <a:rPr lang="en-GB" sz="2400" b="0" kern="0">
-                          <a:latin typeface="Gill Sans" charset="0"/>
+                          <a:latin typeface="Cambria Math" panose="02040503050406030204" pitchFamily="18" charset="0"/>
                           <a:cs typeface="Gill Sans" charset="0"/>
                         </a:rPr>
                         <m:t>Allocation</m:t>
                       </m:r>
                       <m:r>
                         <a:rPr lang="en-GB" sz="2400" b="0" kern="0">
-                          <a:latin typeface="Gill Sans" charset="0"/>
+                          <a:latin typeface="Cambria Math" panose="02040503050406030204" pitchFamily="18" charset="0"/>
                           <a:cs typeface="Gill Sans" charset="0"/>
                         </a:rPr>
                         <m:t>:</m:t>
@@ -10469,8 +17115,8 @@
                           <m:begChr m:val="|"/>
                           <m:endChr m:val="|"/>
                           <m:ctrlPr>
-                            <a:rPr lang="en-SE" sz="2400" b="0" kern="0">
-                              <a:latin typeface="Gill Sans" charset="0"/>
+                            <a:rPr lang="en-SE" sz="2400" b="0" i="1" kern="0">
+                              <a:latin typeface="Cambria Math" panose="02040503050406030204" pitchFamily="18" charset="0"/>
                               <a:cs typeface="Gill Sans" charset="0"/>
                             </a:rPr>
                           </m:ctrlPr>
@@ -10488,8 +17134,8 @@
                                 </m:mc>
                               </m:mcs>
                               <m:ctrlPr>
-                                <a:rPr lang="en-SE" sz="2400" b="0" kern="0">
-                                  <a:latin typeface="Gill Sans" charset="0"/>
+                                <a:rPr lang="en-SE" sz="2400" b="0" i="1" kern="0">
+                                  <a:latin typeface="Cambria Math" panose="02040503050406030204" pitchFamily="18" charset="0"/>
                                   <a:cs typeface="Gill Sans" charset="0"/>
                                 </a:rPr>
                               </m:ctrlPr>
@@ -10498,7 +17144,7 @@
                               <m:e>
                                 <m:r>
                                   <a:rPr lang="en-GB" sz="2400" b="0" kern="0">
-                                    <a:latin typeface="Gill Sans" charset="0"/>
+                                    <a:latin typeface="Cambria Math" panose="02040503050406030204" pitchFamily="18" charset="0"/>
                                     <a:cs typeface="Gill Sans" charset="0"/>
                                   </a:rPr>
                                   <m:t>0</m:t>
@@ -10509,7 +17155,7 @@
                               <m:e>
                                 <m:r>
                                   <a:rPr lang="en-GB" sz="2400" b="0" kern="0">
-                                    <a:latin typeface="Gill Sans" charset="0"/>
+                                    <a:latin typeface="Cambria Math" panose="02040503050406030204" pitchFamily="18" charset="0"/>
                                     <a:cs typeface="Gill Sans" charset="0"/>
                                   </a:rPr>
                                   <m:t>0</m:t>
@@ -10520,7 +17166,7 @@
                               <m:e>
                                 <m:r>
                                   <a:rPr lang="en-GB" sz="2400" b="0" kern="0">
-                                    <a:latin typeface="Gill Sans" charset="0"/>
+                                    <a:latin typeface="Cambria Math" panose="02040503050406030204" pitchFamily="18" charset="0"/>
                                     <a:cs typeface="Gill Sans" charset="0"/>
                                   </a:rPr>
                                   <m:t>0</m:t>
@@ -10531,7 +17177,7 @@
                               <m:e>
                                 <m:r>
                                   <a:rPr lang="en-GB" sz="2400" b="0" kern="0">
-                                    <a:latin typeface="Gill Sans" charset="0"/>
+                                    <a:latin typeface="Cambria Math" panose="02040503050406030204" pitchFamily="18" charset="0"/>
                                     <a:cs typeface="Gill Sans" charset="0"/>
                                   </a:rPr>
                                   <m:t>0</m:t>
@@ -10542,7 +17188,7 @@
                               <m:e>
                                 <m:r>
                                   <a:rPr lang="en-GB" sz="2400" b="0" kern="0">
-                                    <a:latin typeface="Gill Sans" charset="0"/>
+                                    <a:latin typeface="Cambria Math" panose="02040503050406030204" pitchFamily="18" charset="0"/>
                                     <a:cs typeface="Gill Sans" charset="0"/>
                                   </a:rPr>
                                   <m:t>0</m:t>
@@ -10554,7 +17200,7 @@
                       </m:d>
                       <m:r>
                         <a:rPr lang="en-GB" sz="2400" b="0" kern="0">
-                          <a:latin typeface="Gill Sans" charset="0"/>
+                          <a:latin typeface="Cambria Math" panose="02040503050406030204" pitchFamily="18" charset="0"/>
                           <a:cs typeface="Gill Sans" charset="0"/>
                         </a:rPr>
                         <m:t>, </m:t>
@@ -10564,14 +17210,14 @@
                           <m:sty m:val="p"/>
                         </m:rPr>
                         <a:rPr lang="en-GB" sz="2400" b="0" kern="0">
-                          <a:latin typeface="Gill Sans" charset="0"/>
+                          <a:latin typeface="Cambria Math" panose="02040503050406030204" pitchFamily="18" charset="0"/>
                           <a:cs typeface="Gill Sans" charset="0"/>
                         </a:rPr>
                         <m:t>Total</m:t>
                       </m:r>
                       <m:r>
                         <a:rPr lang="en-GB" sz="2400" b="0" kern="0">
-                          <a:latin typeface="Gill Sans" charset="0"/>
+                          <a:latin typeface="Cambria Math" panose="02040503050406030204" pitchFamily="18" charset="0"/>
                           <a:cs typeface="Gill Sans" charset="0"/>
                         </a:rPr>
                         <m:t>: </m:t>
@@ -10581,8 +17227,8 @@
                           <m:begChr m:val="|"/>
                           <m:endChr m:val="|"/>
                           <m:ctrlPr>
-                            <a:rPr lang="en-SE" sz="2400" b="0" kern="0">
-                              <a:latin typeface="Gill Sans" charset="0"/>
+                            <a:rPr lang="en-SE" sz="2400" b="0" i="1" kern="0">
+                              <a:latin typeface="Cambria Math" panose="02040503050406030204" pitchFamily="18" charset="0"/>
                               <a:cs typeface="Gill Sans" charset="0"/>
                             </a:rPr>
                           </m:ctrlPr>
@@ -10590,7 +17236,7 @@
                         <m:e>
                           <m:r>
                             <a:rPr lang="en-GB" sz="2400" b="0" kern="0">
-                              <a:latin typeface="Gill Sans" charset="0"/>
+                              <a:latin typeface="Cambria Math" panose="02040503050406030204" pitchFamily="18" charset="0"/>
                               <a:cs typeface="Gill Sans" charset="0"/>
                             </a:rPr>
                             <m:t>5</m:t>
@@ -10599,7 +17245,7 @@
                       </m:d>
                       <m:r>
                         <a:rPr lang="en-GB" sz="2400" b="0" kern="0">
-                          <a:latin typeface="Gill Sans" charset="0"/>
+                          <a:latin typeface="Cambria Math" panose="02040503050406030204" pitchFamily="18" charset="0"/>
                           <a:cs typeface="Gill Sans" charset="0"/>
                         </a:rPr>
                         <m:t>, </m:t>
@@ -10609,14 +17255,14 @@
                           <m:sty m:val="p"/>
                         </m:rPr>
                         <a:rPr lang="en-GB" sz="2400" b="0" kern="0">
-                          <a:latin typeface="Gill Sans" charset="0"/>
+                          <a:latin typeface="Cambria Math" panose="02040503050406030204" pitchFamily="18" charset="0"/>
                           <a:cs typeface="Gill Sans" charset="0"/>
                         </a:rPr>
                         <m:t>Available</m:t>
                       </m:r>
                       <m:r>
                         <a:rPr lang="en-GB" sz="2400" b="0" kern="0">
-                          <a:latin typeface="Gill Sans" charset="0"/>
+                          <a:latin typeface="Cambria Math" panose="02040503050406030204" pitchFamily="18" charset="0"/>
                           <a:cs typeface="Gill Sans" charset="0"/>
                         </a:rPr>
                         <m:t>:</m:t>
@@ -10626,8 +17272,8 @@
                           <m:begChr m:val="|"/>
                           <m:endChr m:val="|"/>
                           <m:ctrlPr>
-                            <a:rPr lang="en-SE" sz="2400" b="0" kern="0">
-                              <a:latin typeface="Gill Sans" charset="0"/>
+                            <a:rPr lang="en-SE" sz="2400" b="0" i="1" kern="0">
+                              <a:latin typeface="Cambria Math" panose="02040503050406030204" pitchFamily="18" charset="0"/>
                               <a:cs typeface="Gill Sans" charset="0"/>
                             </a:rPr>
                           </m:ctrlPr>
@@ -10635,7 +17281,7 @@
                         <m:e>
                           <m:r>
                             <a:rPr lang="en-GB" sz="2400" b="0" kern="0">
-                              <a:latin typeface="Gill Sans" charset="0"/>
+                              <a:latin typeface="Cambria Math" panose="02040503050406030204" pitchFamily="18" charset="0"/>
                               <a:cs typeface="Gill Sans" charset="0"/>
                             </a:rPr>
                             <m:t>5</m:t>
@@ -10653,7 +17299,7 @@
             </p:txBody>
           </p:sp>
         </mc:Choice>
-        <mc:Fallback>
+        <mc:Fallback xmlns="">
           <p:sp>
             <p:nvSpPr>
               <p:cNvPr id="128006" name="Object 3">
@@ -10762,17 +17408,17 @@
           <a:effectLst/>
           <a:extLst>
             <a:ext uri="{FAA26D3D-D897-4be2-8F04-BA451C77F1D7}">
-              <ma14:placeholderFlag xmlns="" xmlns:ma14="http://schemas.microsoft.com/office/mac/drawingml/2011/main" val="1"/>
+              <ma14:placeholderFlag xmlns:ma14="http://schemas.microsoft.com/office/mac/drawingml/2011/main" xmlns="" val="1"/>
             </a:ext>
             <a:ext uri="{909E8E84-426E-40dd-AFC4-6F175D3DCCD1}">
-              <a14:hiddenFill xmlns="" xmlns:a14="http://schemas.microsoft.com/office/drawing/2010/main">
+              <a14:hiddenFill xmlns:a14="http://schemas.microsoft.com/office/drawing/2010/main" xmlns="">
                 <a:solidFill>
                   <a:schemeClr val="bg1"/>
                 </a:solidFill>
               </a14:hiddenFill>
             </a:ext>
             <a:ext uri="{91240B29-F687-4f45-9708-019B960494DF}">
-              <a14:hiddenLine xmlns="" xmlns:a14="http://schemas.microsoft.com/office/drawing/2010/main" w="12700">
+              <a14:hiddenLine xmlns:a14="http://schemas.microsoft.com/office/drawing/2010/main" xmlns="" w="12700">
                 <a:pattFill prst="narHorz">
                   <a:fgClr>
                     <a:schemeClr val="tx1"/>
@@ -10787,7 +17433,7 @@
               </a14:hiddenLine>
             </a:ext>
             <a:ext uri="{AF507438-7753-43e0-B8FC-AC1667EBCBE1}">
-              <a14:hiddenEffects xmlns="" xmlns:a14="http://schemas.microsoft.com/office/drawing/2010/main">
+              <a14:hiddenEffects xmlns:a14="http://schemas.microsoft.com/office/drawing/2010/main" xmlns="">
                 <a:effectLst>
                   <a:outerShdw blurRad="63500" dist="38099" dir="2700000" algn="ctr" rotWithShape="0">
                     <a:schemeClr val="bg2">
@@ -10997,8 +17643,8 @@
           </a:p>
         </p:txBody>
       </p:sp>
-      <mc:AlternateContent xmlns:mc="http://schemas.openxmlformats.org/markup-compatibility/2006">
-        <mc:Choice xmlns:a14="http://schemas.microsoft.com/office/drawing/2010/main" Requires="a14">
+      <mc:AlternateContent xmlns:mc="http://schemas.openxmlformats.org/markup-compatibility/2006" xmlns:a14="http://schemas.microsoft.com/office/drawing/2010/main">
+        <mc:Choice Requires="a14">
           <p:sp>
             <p:nvSpPr>
               <p:cNvPr id="3" name="Object 3">
@@ -11407,7 +18053,7 @@
             </p:txBody>
           </p:sp>
         </mc:Choice>
-        <mc:Fallback>
+        <mc:Fallback xmlns="">
           <p:sp>
             <p:nvSpPr>
               <p:cNvPr id="3" name="Object 3">
@@ -11465,7 +18111,7 @@
 </p:sld>
 </file>
 
-<file path=ppt/slides/slide4.xml><?xml version="1.0" encoding="utf-8"?>
+<file path=ppt/slides/slide7.xml><?xml version="1.0" encoding="utf-8"?>
 <p:sld xmlns:a="http://schemas.openxmlformats.org/drawingml/2006/main" xmlns:r="http://schemas.openxmlformats.org/officeDocument/2006/relationships" xmlns:p="http://schemas.openxmlformats.org/presentationml/2006/main">
   <p:cSld>
     <p:spTree>
@@ -11611,7 +18257,7 @@
 </p:sld>
 </file>
 
-<file path=ppt/slides/slide5.xml><?xml version="1.0" encoding="utf-8"?>
+<file path=ppt/slides/slide8.xml><?xml version="1.0" encoding="utf-8"?>
 <p:sld xmlns:a="http://schemas.openxmlformats.org/drawingml/2006/main" xmlns:r="http://schemas.openxmlformats.org/officeDocument/2006/relationships" xmlns:p="http://schemas.openxmlformats.org/presentationml/2006/main">
   <p:cSld>
     <p:spTree>
@@ -11712,7 +18358,7 @@
 </p:sld>
 </file>
 
-<file path=ppt/slides/slide6.xml><?xml version="1.0" encoding="utf-8"?>
+<file path=ppt/slides/slide9.xml><?xml version="1.0" encoding="utf-8"?>
 <p:sld xmlns:a="http://schemas.openxmlformats.org/drawingml/2006/main" xmlns:r="http://schemas.openxmlformats.org/officeDocument/2006/relationships" xmlns:p="http://schemas.openxmlformats.org/presentationml/2006/main">
   <p:cSld>
     <p:spTree>
@@ -11843,1864 +18489,6 @@
     <p:extLst>
       <p:ext uri="{BB962C8B-B14F-4D97-AF65-F5344CB8AC3E}">
         <p14:creationId xmlns:p14="http://schemas.microsoft.com/office/powerpoint/2010/main" val="937329881"/>
-      </p:ext>
-    </p:extLst>
-  </p:cSld>
-  <p:clrMapOvr>
-    <a:masterClrMapping/>
-  </p:clrMapOvr>
-  <p:transition/>
-</p:sld>
-</file>
-
-<file path=ppt/slides/slide7.xml><?xml version="1.0" encoding="utf-8"?>
-<p:sld xmlns:a="http://schemas.openxmlformats.org/drawingml/2006/main" xmlns:r="http://schemas.openxmlformats.org/officeDocument/2006/relationships" xmlns:p="http://schemas.openxmlformats.org/presentationml/2006/main">
-  <p:cSld>
-    <p:spTree>
-      <p:nvGrpSpPr>
-        <p:cNvPr id="1" name=""/>
-        <p:cNvGrpSpPr/>
-        <p:nvPr/>
-      </p:nvGrpSpPr>
-      <p:grpSpPr>
-        <a:xfrm>
-          <a:off x="0" y="0"/>
-          <a:ext cx="0" cy="0"/>
-          <a:chOff x="0" y="0"/>
-          <a:chExt cx="0" cy="0"/>
-        </a:xfrm>
-      </p:grpSpPr>
-      <p:sp>
-        <p:nvSpPr>
-          <p:cNvPr id="2" name="Title 1">
-            <a:extLst>
-              <a:ext uri="{FF2B5EF4-FFF2-40B4-BE49-F238E27FC236}">
-                <a16:creationId xmlns:a16="http://schemas.microsoft.com/office/drawing/2014/main" id="{8517CBEC-05EA-7A5F-F4B4-1BC21C95AD1B}"/>
-              </a:ext>
-            </a:extLst>
-          </p:cNvPr>
-          <p:cNvSpPr>
-            <a:spLocks noGrp="1"/>
-          </p:cNvSpPr>
-          <p:nvPr>
-            <p:ph type="title"/>
-          </p:nvPr>
-        </p:nvSpPr>
-        <p:spPr/>
-        <p:txBody>
-          <a:bodyPr/>
-          <a:lstStyle/>
-          <a:p>
-            <a:r>
-              <a:rPr lang="en-GB" dirty="0"/>
-              <a:t>Quiz: Dining Lawyers II Answer</a:t>
-            </a:r>
-            <a:endParaRPr lang="en-SE" dirty="0"/>
-          </a:p>
-        </p:txBody>
-      </p:sp>
-      <p:sp>
-        <p:nvSpPr>
-          <p:cNvPr id="3" name="Content Placeholder 2">
-            <a:extLst>
-              <a:ext uri="{FF2B5EF4-FFF2-40B4-BE49-F238E27FC236}">
-                <a16:creationId xmlns:a16="http://schemas.microsoft.com/office/drawing/2014/main" id="{122E96A8-E236-1836-858B-8BE14C20DCB7}"/>
-              </a:ext>
-            </a:extLst>
-          </p:cNvPr>
-          <p:cNvSpPr>
-            <a:spLocks noGrp="1"/>
-          </p:cNvSpPr>
-          <p:nvPr>
-            <p:ph idx="1"/>
-          </p:nvPr>
-        </p:nvSpPr>
-        <p:spPr>
-          <a:xfrm>
-            <a:off x="330200" y="914400"/>
-            <a:ext cx="6108700" cy="5105400"/>
-          </a:xfrm>
-        </p:spPr>
-        <p:txBody>
-          <a:bodyPr>
-            <a:normAutofit fontScale="92500" lnSpcReduction="20000"/>
-          </a:bodyPr>
-          <a:lstStyle/>
-          <a:p>
-            <a:r>
-              <a:rPr lang="en-GB" dirty="0"/>
-              <a:t>ANS: No deadlocks, since it’s not possible to have circular waiting.</a:t>
-            </a:r>
-          </a:p>
-          <a:p>
-            <a:r>
-              <a:rPr lang="en-GB" dirty="0"/>
-              <a:t>All lawyers follow the same resource acquisition order:</a:t>
-            </a:r>
-          </a:p>
-          <a:p>
-            <a:pPr lvl="1"/>
-            <a:r>
-              <a:rPr lang="en-GB" dirty="0"/>
-              <a:t>1. Knife</a:t>
-            </a:r>
-          </a:p>
-          <a:p>
-            <a:pPr lvl="1"/>
-            <a:r>
-              <a:rPr lang="en-GB" dirty="0"/>
-              <a:t>2. Fork</a:t>
-            </a:r>
-          </a:p>
-          <a:p>
-            <a:r>
-              <a:rPr lang="en-GB" dirty="0"/>
-              <a:t>Since lawyers do not wait for resources held by others in a cyclic manner, no circular dependency forms.</a:t>
-            </a:r>
-          </a:p>
-          <a:p>
-            <a:r>
-              <a:rPr lang="en-GB" dirty="0"/>
-              <a:t>Example: If all knives are taken, lawyers without knives wait for returned knives. Those with knives either acquire forks (if available) or wait for forks to be returned. With at least one fork in the system, progress is guaranteed once utensils are released.</a:t>
-            </a:r>
-            <a:endParaRPr lang="en-SE" dirty="0"/>
-          </a:p>
-        </p:txBody>
-      </p:sp>
-      <p:sp>
-        <p:nvSpPr>
-          <p:cNvPr id="4" name="Oval 4">
-            <a:extLst>
-              <a:ext uri="{FF2B5EF4-FFF2-40B4-BE49-F238E27FC236}">
-                <a16:creationId xmlns:a16="http://schemas.microsoft.com/office/drawing/2014/main" id="{E867835D-6934-3C2A-08B6-CCB61809774A}"/>
-              </a:ext>
-            </a:extLst>
-          </p:cNvPr>
-          <p:cNvSpPr>
-            <a:spLocks noChangeArrowheads="1"/>
-          </p:cNvSpPr>
-          <p:nvPr/>
-        </p:nvSpPr>
-        <p:spPr bwMode="auto">
-          <a:xfrm>
-            <a:off x="7197725" y="2452688"/>
-            <a:ext cx="811212" cy="752475"/>
-          </a:xfrm>
-          <a:prstGeom prst="ellipse">
-            <a:avLst/>
-          </a:prstGeom>
-          <a:solidFill>
-            <a:schemeClr val="bg1"/>
-          </a:solidFill>
-          <a:ln w="38100" algn="ctr">
-            <a:solidFill>
-              <a:schemeClr val="tx1"/>
-            </a:solidFill>
-            <a:round/>
-            <a:headEnd/>
-            <a:tailEnd/>
-          </a:ln>
-        </p:spPr>
-        <p:txBody>
-          <a:bodyPr wrap="none" anchor="ctr"/>
-          <a:lstStyle/>
-          <a:p>
-            <a:pPr algn="ctr"/>
-            <a:r>
-              <a:rPr lang="en-US" altLang="zh-CN" b="0">
-                <a:solidFill>
-                  <a:srgbClr val="000000"/>
-                </a:solidFill>
-                <a:latin typeface="Times New Roman" pitchFamily="18" charset="0"/>
-                <a:ea typeface="宋体" charset="-122"/>
-                <a:cs typeface="+mn-cs"/>
-              </a:rPr>
-              <a:t>P1</a:t>
-            </a:r>
-          </a:p>
-        </p:txBody>
-      </p:sp>
-      <p:sp>
-        <p:nvSpPr>
-          <p:cNvPr id="5" name="Oval 6">
-            <a:extLst>
-              <a:ext uri="{FF2B5EF4-FFF2-40B4-BE49-F238E27FC236}">
-                <a16:creationId xmlns:a16="http://schemas.microsoft.com/office/drawing/2014/main" id="{552F5B16-4803-988A-522D-9EBAB66A1DAE}"/>
-              </a:ext>
-            </a:extLst>
-          </p:cNvPr>
-          <p:cNvSpPr>
-            <a:spLocks noChangeArrowheads="1"/>
-          </p:cNvSpPr>
-          <p:nvPr/>
-        </p:nvSpPr>
-        <p:spPr bwMode="auto">
-          <a:xfrm>
-            <a:off x="10614025" y="2452688"/>
-            <a:ext cx="811212" cy="752475"/>
-          </a:xfrm>
-          <a:prstGeom prst="ellipse">
-            <a:avLst/>
-          </a:prstGeom>
-          <a:solidFill>
-            <a:schemeClr val="bg1"/>
-          </a:solidFill>
-          <a:ln w="38100" algn="ctr">
-            <a:solidFill>
-              <a:schemeClr val="tx1"/>
-            </a:solidFill>
-            <a:round/>
-            <a:headEnd/>
-            <a:tailEnd/>
-          </a:ln>
-        </p:spPr>
-        <p:txBody>
-          <a:bodyPr wrap="none" anchor="ctr"/>
-          <a:lstStyle/>
-          <a:p>
-            <a:pPr algn="ctr"/>
-            <a:r>
-              <a:rPr lang="en-US" altLang="zh-CN" b="0">
-                <a:solidFill>
-                  <a:srgbClr val="000000"/>
-                </a:solidFill>
-                <a:latin typeface="Times New Roman" pitchFamily="18" charset="0"/>
-                <a:ea typeface="宋体" charset="-122"/>
-                <a:cs typeface="+mn-cs"/>
-              </a:rPr>
-              <a:t>P2</a:t>
-            </a:r>
-          </a:p>
-        </p:txBody>
-      </p:sp>
-      <p:sp>
-        <p:nvSpPr>
-          <p:cNvPr id="6" name="Rectangle 7">
-            <a:extLst>
-              <a:ext uri="{FF2B5EF4-FFF2-40B4-BE49-F238E27FC236}">
-                <a16:creationId xmlns:a16="http://schemas.microsoft.com/office/drawing/2014/main" id="{698A0198-3468-DF0F-8B71-8F9519F71B44}"/>
-              </a:ext>
-            </a:extLst>
-          </p:cNvPr>
-          <p:cNvSpPr>
-            <a:spLocks noChangeArrowheads="1"/>
-          </p:cNvSpPr>
-          <p:nvPr/>
-        </p:nvSpPr>
-        <p:spPr bwMode="auto">
-          <a:xfrm>
-            <a:off x="8731250" y="3414713"/>
-            <a:ext cx="982662" cy="930275"/>
-          </a:xfrm>
-          <a:prstGeom prst="rect">
-            <a:avLst/>
-          </a:prstGeom>
-          <a:solidFill>
-            <a:schemeClr val="bg1"/>
-          </a:solidFill>
-          <a:ln w="38100" algn="ctr">
-            <a:solidFill>
-              <a:schemeClr val="tx1"/>
-            </a:solidFill>
-            <a:miter lim="800000"/>
-            <a:headEnd/>
-            <a:tailEnd/>
-          </a:ln>
-        </p:spPr>
-        <p:txBody>
-          <a:bodyPr wrap="none" anchor="ctr"/>
-          <a:lstStyle/>
-          <a:p>
-            <a:pPr algn="ctr"/>
-            <a:r>
-              <a:rPr lang="en-US" altLang="zh-CN" b="0" dirty="0">
-                <a:solidFill>
-                  <a:srgbClr val="000000"/>
-                </a:solidFill>
-                <a:latin typeface="Times New Roman" pitchFamily="18" charset="0"/>
-                <a:ea typeface="宋体" charset="-122"/>
-                <a:cs typeface="+mn-cs"/>
-              </a:rPr>
-              <a:t>1 fork</a:t>
-            </a:r>
-          </a:p>
-        </p:txBody>
-      </p:sp>
-      <p:sp>
-        <p:nvSpPr>
-          <p:cNvPr id="7" name="Rectangle 9">
-            <a:extLst>
-              <a:ext uri="{FF2B5EF4-FFF2-40B4-BE49-F238E27FC236}">
-                <a16:creationId xmlns:a16="http://schemas.microsoft.com/office/drawing/2014/main" id="{44737D0F-486E-A5BB-4C27-1A899C0D2973}"/>
-              </a:ext>
-            </a:extLst>
-          </p:cNvPr>
-          <p:cNvSpPr>
-            <a:spLocks noChangeArrowheads="1"/>
-          </p:cNvSpPr>
-          <p:nvPr/>
-        </p:nvSpPr>
-        <p:spPr bwMode="auto">
-          <a:xfrm>
-            <a:off x="8610600" y="1676400"/>
-            <a:ext cx="984250" cy="949325"/>
-          </a:xfrm>
-          <a:prstGeom prst="rect">
-            <a:avLst/>
-          </a:prstGeom>
-          <a:solidFill>
-            <a:schemeClr val="bg1"/>
-          </a:solidFill>
-          <a:ln w="38100" algn="ctr">
-            <a:solidFill>
-              <a:schemeClr val="tx1"/>
-            </a:solidFill>
-            <a:miter lim="800000"/>
-            <a:headEnd/>
-            <a:tailEnd/>
-          </a:ln>
-        </p:spPr>
-        <p:txBody>
-          <a:bodyPr wrap="none" anchor="ctr"/>
-          <a:lstStyle/>
-          <a:p>
-            <a:pPr algn="ctr"/>
-            <a:r>
-              <a:rPr lang="en-US" altLang="zh-CN" b="0" dirty="0">
-                <a:solidFill>
-                  <a:srgbClr val="000000"/>
-                </a:solidFill>
-                <a:latin typeface="Times New Roman" pitchFamily="18" charset="0"/>
-                <a:ea typeface="宋体" charset="-122"/>
-                <a:cs typeface="+mn-cs"/>
-              </a:rPr>
-              <a:t>1 knife</a:t>
-            </a:r>
-          </a:p>
-        </p:txBody>
-      </p:sp>
-      <p:sp>
-        <p:nvSpPr>
-          <p:cNvPr id="8" name="Line 10">
-            <a:extLst>
-              <a:ext uri="{FF2B5EF4-FFF2-40B4-BE49-F238E27FC236}">
-                <a16:creationId xmlns:a16="http://schemas.microsoft.com/office/drawing/2014/main" id="{3ABED2A5-A545-E8D9-3972-F0692A3E9BD1}"/>
-              </a:ext>
-            </a:extLst>
-          </p:cNvPr>
-          <p:cNvSpPr>
-            <a:spLocks noChangeShapeType="1"/>
-          </p:cNvSpPr>
-          <p:nvPr/>
-        </p:nvSpPr>
-        <p:spPr bwMode="auto">
-          <a:xfrm>
-            <a:off x="7835900" y="3205163"/>
-            <a:ext cx="895350" cy="674687"/>
-          </a:xfrm>
-          <a:prstGeom prst="line">
-            <a:avLst/>
-          </a:prstGeom>
-          <a:noFill/>
-          <a:ln w="38100">
-            <a:solidFill>
-              <a:schemeClr val="tx1"/>
-            </a:solidFill>
-            <a:round/>
-            <a:headEnd/>
-            <a:tailEnd type="triangle" w="med" len="med"/>
-          </a:ln>
-        </p:spPr>
-        <p:txBody>
-          <a:bodyPr wrap="none" anchor="ctr"/>
-          <a:lstStyle/>
-          <a:p>
-            <a:pPr algn="ctr"/>
-            <a:endParaRPr lang="zh-CN" altLang="en-US" b="0">
-              <a:solidFill>
-                <a:srgbClr val="000000"/>
-              </a:solidFill>
-              <a:latin typeface="Times New Roman" pitchFamily="18" charset="0"/>
-              <a:ea typeface="+mn-ea"/>
-              <a:cs typeface="+mn-cs"/>
-            </a:endParaRPr>
-          </a:p>
-        </p:txBody>
-      </p:sp>
-      <p:sp>
-        <p:nvSpPr>
-          <p:cNvPr id="9" name="Line 11">
-            <a:extLst>
-              <a:ext uri="{FF2B5EF4-FFF2-40B4-BE49-F238E27FC236}">
-                <a16:creationId xmlns:a16="http://schemas.microsoft.com/office/drawing/2014/main" id="{D682D274-68F0-E988-E39C-AA5D48447C2B}"/>
-              </a:ext>
-            </a:extLst>
-          </p:cNvPr>
-          <p:cNvSpPr>
-            <a:spLocks noChangeShapeType="1"/>
-          </p:cNvSpPr>
-          <p:nvPr/>
-        </p:nvSpPr>
-        <p:spPr bwMode="auto">
-          <a:xfrm flipV="1">
-            <a:off x="9317038" y="3205163"/>
-            <a:ext cx="1482725" cy="860425"/>
-          </a:xfrm>
-          <a:prstGeom prst="line">
-            <a:avLst/>
-          </a:prstGeom>
-          <a:noFill/>
-          <a:ln w="38100">
-            <a:solidFill>
-              <a:schemeClr val="tx1"/>
-            </a:solidFill>
-            <a:round/>
-            <a:headEnd type="oval" w="lg" len="lg"/>
-            <a:tailEnd type="triangle" w="med" len="med"/>
-          </a:ln>
-        </p:spPr>
-        <p:txBody>
-          <a:bodyPr wrap="none" anchor="ctr"/>
-          <a:lstStyle/>
-          <a:p>
-            <a:pPr algn="ctr"/>
-            <a:endParaRPr lang="zh-CN" altLang="en-US" b="0">
-              <a:solidFill>
-                <a:srgbClr val="000000"/>
-              </a:solidFill>
-              <a:latin typeface="Times New Roman" pitchFamily="18" charset="0"/>
-              <a:ea typeface="+mn-ea"/>
-              <a:cs typeface="+mn-cs"/>
-            </a:endParaRPr>
-          </a:p>
-        </p:txBody>
-      </p:sp>
-      <p:sp>
-        <p:nvSpPr>
-          <p:cNvPr id="10" name="Text Box 12">
-            <a:extLst>
-              <a:ext uri="{FF2B5EF4-FFF2-40B4-BE49-F238E27FC236}">
-                <a16:creationId xmlns:a16="http://schemas.microsoft.com/office/drawing/2014/main" id="{D13E50A3-7BB4-9B85-B418-59F4517F681D}"/>
-              </a:ext>
-            </a:extLst>
-          </p:cNvPr>
-          <p:cNvSpPr txBox="1">
-            <a:spLocks noChangeArrowheads="1"/>
-          </p:cNvSpPr>
-          <p:nvPr/>
-        </p:nvSpPr>
-        <p:spPr bwMode="auto">
-          <a:xfrm>
-            <a:off x="10000456" y="3500085"/>
-            <a:ext cx="2038350" cy="641350"/>
-          </a:xfrm>
-          <a:prstGeom prst="rect">
-            <a:avLst/>
-          </a:prstGeom>
-          <a:noFill/>
-          <a:ln w="38100" algn="ctr">
-            <a:noFill/>
-            <a:miter lim="800000"/>
-            <a:headEnd/>
-            <a:tailEnd/>
-          </a:ln>
-        </p:spPr>
-        <p:txBody>
-          <a:bodyPr>
-            <a:spAutoFit/>
-          </a:bodyPr>
-          <a:lstStyle/>
-          <a:p>
-            <a:pPr algn="ctr">
-              <a:spcBef>
-                <a:spcPct val="50000"/>
-              </a:spcBef>
-            </a:pPr>
-            <a:r>
-              <a:rPr lang="en-US" altLang="zh-CN" b="0" dirty="0">
-                <a:solidFill>
-                  <a:srgbClr val="000000"/>
-                </a:solidFill>
-                <a:latin typeface="Times New Roman" pitchFamily="18" charset="0"/>
-                <a:ea typeface="宋体" charset="-122"/>
-                <a:cs typeface="+mn-cs"/>
-              </a:rPr>
-              <a:t>Resource 1 (a fork) held by Thread 2</a:t>
-            </a:r>
-          </a:p>
-        </p:txBody>
-      </p:sp>
-      <p:sp>
-        <p:nvSpPr>
-          <p:cNvPr id="11" name="Line 13">
-            <a:extLst>
-              <a:ext uri="{FF2B5EF4-FFF2-40B4-BE49-F238E27FC236}">
-                <a16:creationId xmlns:a16="http://schemas.microsoft.com/office/drawing/2014/main" id="{B8D13756-C7C2-7DAE-B92E-A81A5D6F93EF}"/>
-              </a:ext>
-            </a:extLst>
-          </p:cNvPr>
-          <p:cNvSpPr>
-            <a:spLocks noChangeShapeType="1"/>
-          </p:cNvSpPr>
-          <p:nvPr/>
-        </p:nvSpPr>
-        <p:spPr bwMode="auto">
-          <a:xfrm flipH="1" flipV="1">
-            <a:off x="9594851" y="2181224"/>
-            <a:ext cx="1019175" cy="444500"/>
-          </a:xfrm>
-          <a:prstGeom prst="line">
-            <a:avLst/>
-          </a:prstGeom>
-          <a:noFill/>
-          <a:ln w="38100">
-            <a:solidFill>
-              <a:schemeClr val="tx1"/>
-            </a:solidFill>
-            <a:round/>
-            <a:headEnd/>
-            <a:tailEnd type="triangle" w="med" len="med"/>
-          </a:ln>
-        </p:spPr>
-        <p:txBody>
-          <a:bodyPr wrap="none" anchor="ctr"/>
-          <a:lstStyle/>
-          <a:p>
-            <a:pPr algn="ctr"/>
-            <a:endParaRPr lang="zh-CN" altLang="en-US" b="0">
-              <a:solidFill>
-                <a:srgbClr val="000000"/>
-              </a:solidFill>
-              <a:latin typeface="Times New Roman" pitchFamily="18" charset="0"/>
-              <a:ea typeface="+mn-ea"/>
-              <a:cs typeface="+mn-cs"/>
-            </a:endParaRPr>
-          </a:p>
-        </p:txBody>
-      </p:sp>
-      <p:sp>
-        <p:nvSpPr>
-          <p:cNvPr id="12" name="Text Box 14">
-            <a:extLst>
-              <a:ext uri="{FF2B5EF4-FFF2-40B4-BE49-F238E27FC236}">
-                <a16:creationId xmlns:a16="http://schemas.microsoft.com/office/drawing/2014/main" id="{D3F189B8-BEA8-06E5-5DA0-8DDC8DE6B186}"/>
-              </a:ext>
-            </a:extLst>
-          </p:cNvPr>
-          <p:cNvSpPr txBox="1">
-            <a:spLocks noChangeArrowheads="1"/>
-          </p:cNvSpPr>
-          <p:nvPr/>
-        </p:nvSpPr>
-        <p:spPr bwMode="auto">
-          <a:xfrm>
-            <a:off x="9758893" y="1708149"/>
-            <a:ext cx="2184400" cy="923330"/>
-          </a:xfrm>
-          <a:prstGeom prst="rect">
-            <a:avLst/>
-          </a:prstGeom>
-          <a:noFill/>
-          <a:ln w="38100" algn="ctr">
-            <a:noFill/>
-            <a:miter lim="800000"/>
-            <a:headEnd/>
-            <a:tailEnd/>
-          </a:ln>
-        </p:spPr>
-        <p:txBody>
-          <a:bodyPr>
-            <a:spAutoFit/>
-          </a:bodyPr>
-          <a:lstStyle/>
-          <a:p>
-            <a:pPr algn="ctr">
-              <a:spcBef>
-                <a:spcPct val="50000"/>
-              </a:spcBef>
-            </a:pPr>
-            <a:r>
-              <a:rPr lang="en-US" altLang="zh-CN" b="0" dirty="0">
-                <a:solidFill>
-                  <a:srgbClr val="000000"/>
-                </a:solidFill>
-                <a:latin typeface="Times New Roman" pitchFamily="18" charset="0"/>
-                <a:ea typeface="宋体" charset="-122"/>
-                <a:cs typeface="+mn-cs"/>
-              </a:rPr>
-              <a:t>Resource 2 (a knife) requested by Thread 2</a:t>
-            </a:r>
-          </a:p>
-        </p:txBody>
-      </p:sp>
-      <p:sp>
-        <p:nvSpPr>
-          <p:cNvPr id="13" name="Oval 15">
-            <a:extLst>
-              <a:ext uri="{FF2B5EF4-FFF2-40B4-BE49-F238E27FC236}">
-                <a16:creationId xmlns:a16="http://schemas.microsoft.com/office/drawing/2014/main" id="{AC5435DB-07CC-24DD-611F-BE5F6681D918}"/>
-              </a:ext>
-            </a:extLst>
-          </p:cNvPr>
-          <p:cNvSpPr>
-            <a:spLocks noChangeArrowheads="1"/>
-          </p:cNvSpPr>
-          <p:nvPr/>
-        </p:nvSpPr>
-        <p:spPr bwMode="auto">
-          <a:xfrm>
-            <a:off x="9167813" y="2328863"/>
-            <a:ext cx="149225" cy="123825"/>
-          </a:xfrm>
-          <a:prstGeom prst="ellipse">
-            <a:avLst/>
-          </a:prstGeom>
-          <a:solidFill>
-            <a:srgbClr val="000000"/>
-          </a:solidFill>
-          <a:ln w="38100" algn="ctr">
-            <a:solidFill>
-              <a:schemeClr val="tx1"/>
-            </a:solidFill>
-            <a:round/>
-            <a:headEnd/>
-            <a:tailEnd/>
-          </a:ln>
-        </p:spPr>
-        <p:txBody>
-          <a:bodyPr wrap="none" anchor="ctr"/>
-          <a:lstStyle/>
-          <a:p>
-            <a:pPr algn="ctr"/>
-            <a:endParaRPr lang="en-CA" b="0">
-              <a:solidFill>
-                <a:srgbClr val="000000"/>
-              </a:solidFill>
-              <a:latin typeface="Times New Roman" pitchFamily="18" charset="0"/>
-              <a:ea typeface="+mn-ea"/>
-              <a:cs typeface="+mn-cs"/>
-            </a:endParaRPr>
-          </a:p>
-        </p:txBody>
-      </p:sp>
-      <p:sp>
-        <p:nvSpPr>
-          <p:cNvPr id="14" name="Line 16">
-            <a:extLst>
-              <a:ext uri="{FF2B5EF4-FFF2-40B4-BE49-F238E27FC236}">
-                <a16:creationId xmlns:a16="http://schemas.microsoft.com/office/drawing/2014/main" id="{D058D1D8-D5D7-8B94-64B3-4E1BABE6FD1D}"/>
-              </a:ext>
-            </a:extLst>
-          </p:cNvPr>
-          <p:cNvSpPr>
-            <a:spLocks noChangeShapeType="1"/>
-          </p:cNvSpPr>
-          <p:nvPr/>
-        </p:nvSpPr>
-        <p:spPr bwMode="auto">
-          <a:xfrm flipH="1">
-            <a:off x="8008938" y="2452688"/>
-            <a:ext cx="1158875" cy="173037"/>
-          </a:xfrm>
-          <a:prstGeom prst="line">
-            <a:avLst/>
-          </a:prstGeom>
-          <a:noFill/>
-          <a:ln w="38100">
-            <a:solidFill>
-              <a:schemeClr val="tx1"/>
-            </a:solidFill>
-            <a:round/>
-            <a:headEnd/>
-            <a:tailEnd type="triangle" w="med" len="med"/>
-          </a:ln>
-        </p:spPr>
-        <p:txBody>
-          <a:bodyPr wrap="none" anchor="ctr"/>
-          <a:lstStyle/>
-          <a:p>
-            <a:pPr algn="ctr"/>
-            <a:endParaRPr lang="zh-CN" altLang="en-US" b="0">
-              <a:solidFill>
-                <a:srgbClr val="000000"/>
-              </a:solidFill>
-              <a:latin typeface="Times New Roman" pitchFamily="18" charset="0"/>
-              <a:ea typeface="+mn-ea"/>
-              <a:cs typeface="+mn-cs"/>
-            </a:endParaRPr>
-          </a:p>
-        </p:txBody>
-      </p:sp>
-      <p:sp>
-        <p:nvSpPr>
-          <p:cNvPr id="15" name="TextBox 14">
-            <a:extLst>
-              <a:ext uri="{FF2B5EF4-FFF2-40B4-BE49-F238E27FC236}">
-                <a16:creationId xmlns:a16="http://schemas.microsoft.com/office/drawing/2014/main" id="{4F59604D-A012-D748-3A24-CA14FE0BA4A8}"/>
-              </a:ext>
-            </a:extLst>
-          </p:cNvPr>
-          <p:cNvSpPr txBox="1"/>
-          <p:nvPr/>
-        </p:nvSpPr>
-        <p:spPr>
-          <a:xfrm>
-            <a:off x="7919243" y="4639910"/>
-            <a:ext cx="3589337" cy="1015663"/>
-          </a:xfrm>
-          <a:prstGeom prst="rect">
-            <a:avLst/>
-          </a:prstGeom>
-        </p:spPr>
-        <p:style>
-          <a:lnRef idx="1">
-            <a:schemeClr val="dk1"/>
-          </a:lnRef>
-          <a:fillRef idx="2">
-            <a:schemeClr val="dk1"/>
-          </a:fillRef>
-          <a:effectRef idx="1">
-            <a:schemeClr val="dk1"/>
-          </a:effectRef>
-          <a:fontRef idx="minor">
-            <a:schemeClr val="dk1"/>
-          </a:fontRef>
-        </p:style>
-        <p:txBody>
-          <a:bodyPr wrap="square" rtlCol="0">
-            <a:spAutoFit/>
-          </a:bodyPr>
-          <a:lstStyle/>
-          <a:p>
-            <a:r>
-              <a:rPr lang="en-GB" sz="2000" dirty="0">
-                <a:latin typeface="Gill Sans Light"/>
-              </a:rPr>
-              <a:t>This deadlock scenario is not possible under the fixed resource acquisition order: 1. Knife 2. Fork</a:t>
-            </a:r>
-            <a:endParaRPr lang="en-SE" sz="2000" dirty="0">
-              <a:latin typeface="Gill Sans Light"/>
-            </a:endParaRPr>
-          </a:p>
-        </p:txBody>
-      </p:sp>
-      <p:sp>
-        <p:nvSpPr>
-          <p:cNvPr id="16" name="Text Box 12">
-            <a:extLst>
-              <a:ext uri="{FF2B5EF4-FFF2-40B4-BE49-F238E27FC236}">
-                <a16:creationId xmlns:a16="http://schemas.microsoft.com/office/drawing/2014/main" id="{50B76F4E-1708-533E-4648-F80099B60CC5}"/>
-              </a:ext>
-            </a:extLst>
-          </p:cNvPr>
-          <p:cNvSpPr txBox="1">
-            <a:spLocks noChangeArrowheads="1"/>
-          </p:cNvSpPr>
-          <p:nvPr/>
-        </p:nvSpPr>
-        <p:spPr bwMode="auto">
-          <a:xfrm>
-            <a:off x="6296819" y="3500085"/>
-            <a:ext cx="2250194" cy="646331"/>
-          </a:xfrm>
-          <a:prstGeom prst="rect">
-            <a:avLst/>
-          </a:prstGeom>
-          <a:noFill/>
-          <a:ln w="38100" algn="ctr">
-            <a:noFill/>
-            <a:miter lim="800000"/>
-            <a:headEnd/>
-            <a:tailEnd/>
-          </a:ln>
-        </p:spPr>
-        <p:txBody>
-          <a:bodyPr wrap="square">
-            <a:spAutoFit/>
-          </a:bodyPr>
-          <a:lstStyle/>
-          <a:p>
-            <a:pPr algn="ctr">
-              <a:spcBef>
-                <a:spcPct val="50000"/>
-              </a:spcBef>
-            </a:pPr>
-            <a:r>
-              <a:rPr lang="en-US" altLang="zh-CN" b="0" dirty="0">
-                <a:solidFill>
-                  <a:srgbClr val="000000"/>
-                </a:solidFill>
-                <a:latin typeface="Times New Roman" pitchFamily="18" charset="0"/>
-                <a:ea typeface="宋体" charset="-122"/>
-                <a:cs typeface="+mn-cs"/>
-              </a:rPr>
-              <a:t>Resource 1 (a fork) requested by Thread 2</a:t>
-            </a:r>
-          </a:p>
-        </p:txBody>
-      </p:sp>
-      <p:sp>
-        <p:nvSpPr>
-          <p:cNvPr id="17" name="Text Box 14">
-            <a:extLst>
-              <a:ext uri="{FF2B5EF4-FFF2-40B4-BE49-F238E27FC236}">
-                <a16:creationId xmlns:a16="http://schemas.microsoft.com/office/drawing/2014/main" id="{53A1967F-EDC4-4D04-69BA-C16A961E1FF5}"/>
-              </a:ext>
-            </a:extLst>
-          </p:cNvPr>
-          <p:cNvSpPr txBox="1">
-            <a:spLocks noChangeArrowheads="1"/>
-          </p:cNvSpPr>
-          <p:nvPr/>
-        </p:nvSpPr>
-        <p:spPr bwMode="auto">
-          <a:xfrm>
-            <a:off x="6296819" y="1708149"/>
-            <a:ext cx="2184400" cy="646331"/>
-          </a:xfrm>
-          <a:prstGeom prst="rect">
-            <a:avLst/>
-          </a:prstGeom>
-          <a:noFill/>
-          <a:ln w="38100" algn="ctr">
-            <a:noFill/>
-            <a:miter lim="800000"/>
-            <a:headEnd/>
-            <a:tailEnd/>
-          </a:ln>
-        </p:spPr>
-        <p:txBody>
-          <a:bodyPr>
-            <a:spAutoFit/>
-          </a:bodyPr>
-          <a:lstStyle/>
-          <a:p>
-            <a:pPr algn="ctr">
-              <a:spcBef>
-                <a:spcPct val="50000"/>
-              </a:spcBef>
-            </a:pPr>
-            <a:r>
-              <a:rPr lang="en-US" altLang="zh-CN" b="0" dirty="0">
-                <a:solidFill>
-                  <a:srgbClr val="000000"/>
-                </a:solidFill>
-                <a:latin typeface="Times New Roman" pitchFamily="18" charset="0"/>
-                <a:ea typeface="宋体" charset="-122"/>
-                <a:cs typeface="+mn-cs"/>
-              </a:rPr>
-              <a:t>Resource 2 (a knife) held by Thread 2</a:t>
-            </a:r>
-          </a:p>
-        </p:txBody>
-      </p:sp>
-    </p:spTree>
-    <p:extLst>
-      <p:ext uri="{BB962C8B-B14F-4D97-AF65-F5344CB8AC3E}">
-        <p14:creationId xmlns:p14="http://schemas.microsoft.com/office/powerpoint/2010/main" val="2034839176"/>
-      </p:ext>
-    </p:extLst>
-  </p:cSld>
-  <p:clrMapOvr>
-    <a:masterClrMapping/>
-  </p:clrMapOvr>
-  <p:transition/>
-</p:sld>
-</file>
-
-<file path=ppt/slides/slide8.xml><?xml version="1.0" encoding="utf-8"?>
-<p:sld xmlns:a="http://schemas.openxmlformats.org/drawingml/2006/main" xmlns:r="http://schemas.openxmlformats.org/officeDocument/2006/relationships" xmlns:p="http://schemas.openxmlformats.org/presentationml/2006/main">
-  <p:cSld>
-    <p:spTree>
-      <p:nvGrpSpPr>
-        <p:cNvPr id="1" name=""/>
-        <p:cNvGrpSpPr/>
-        <p:nvPr/>
-      </p:nvGrpSpPr>
-      <p:grpSpPr>
-        <a:xfrm>
-          <a:off x="0" y="0"/>
-          <a:ext cx="0" cy="0"/>
-          <a:chOff x="0" y="0"/>
-          <a:chExt cx="0" cy="0"/>
-        </a:xfrm>
-      </p:grpSpPr>
-      <p:sp>
-        <p:nvSpPr>
-          <p:cNvPr id="2" name="Title 1">
-            <a:extLst>
-              <a:ext uri="{FF2B5EF4-FFF2-40B4-BE49-F238E27FC236}">
-                <a16:creationId xmlns:a16="http://schemas.microsoft.com/office/drawing/2014/main" id="{95CECE1A-5EE0-BB49-216D-B4B1AF277470}"/>
-              </a:ext>
-            </a:extLst>
-          </p:cNvPr>
-          <p:cNvSpPr>
-            <a:spLocks noGrp="1"/>
-          </p:cNvSpPr>
-          <p:nvPr>
-            <p:ph type="title"/>
-          </p:nvPr>
-        </p:nvSpPr>
-        <p:spPr/>
-        <p:txBody>
-          <a:bodyPr/>
-          <a:lstStyle/>
-          <a:p>
-            <a:r>
-              <a:rPr lang="en-GB" dirty="0"/>
-              <a:t>Quiz: Dining Lawyers III</a:t>
-            </a:r>
-            <a:endParaRPr lang="en-SE" dirty="0"/>
-          </a:p>
-        </p:txBody>
-      </p:sp>
-      <p:sp>
-        <p:nvSpPr>
-          <p:cNvPr id="3" name="Content Placeholder 2">
-            <a:extLst>
-              <a:ext uri="{FF2B5EF4-FFF2-40B4-BE49-F238E27FC236}">
-                <a16:creationId xmlns:a16="http://schemas.microsoft.com/office/drawing/2014/main" id="{2C890D62-C0BE-DA6D-366C-8F725FB1BCE9}"/>
-              </a:ext>
-            </a:extLst>
-          </p:cNvPr>
-          <p:cNvSpPr>
-            <a:spLocks noGrp="1"/>
-          </p:cNvSpPr>
-          <p:nvPr>
-            <p:ph idx="1"/>
-          </p:nvPr>
-        </p:nvSpPr>
-        <p:spPr/>
-        <p:txBody>
-          <a:bodyPr/>
-          <a:lstStyle/>
-          <a:p>
-            <a:r>
-              <a:rPr lang="en-GB" dirty="0"/>
-              <a:t>If each lawyer has 4 arms, and there is a pile of knives and forks at </a:t>
-            </a:r>
-            <a:r>
-              <a:rPr lang="en-GB" dirty="0" err="1"/>
-              <a:t>center</a:t>
-            </a:r>
-            <a:r>
-              <a:rPr lang="en-GB" dirty="0"/>
-              <a:t> of the table. Assume there are at least 2 knives and 2 forks, so at least one lawyer can eat. Each lawyer follows the following steps:</a:t>
-            </a:r>
-          </a:p>
-          <a:p>
-            <a:pPr lvl="1"/>
-            <a:r>
-              <a:rPr lang="en-GB" dirty="0"/>
-              <a:t>(1) Pick up 2 knives atomically</a:t>
-            </a:r>
-          </a:p>
-          <a:p>
-            <a:pPr lvl="1"/>
-            <a:r>
-              <a:rPr lang="en-GB" dirty="0"/>
-              <a:t>(2) Pick up 2 forks atomically</a:t>
-            </a:r>
-          </a:p>
-          <a:p>
-            <a:pPr lvl="1"/>
-            <a:r>
-              <a:rPr lang="en-GB" dirty="0"/>
-              <a:t>(3) Eat</a:t>
-            </a:r>
-          </a:p>
-          <a:p>
-            <a:pPr lvl="1"/>
-            <a:r>
-              <a:rPr lang="en-GB" dirty="0"/>
-              <a:t>(4) Return the knives and forks to the pile </a:t>
-            </a:r>
-          </a:p>
-          <a:p>
-            <a:r>
-              <a:rPr lang="en-GB" dirty="0"/>
-              <a:t>Q: Can the system be deadlocked?</a:t>
-            </a:r>
-          </a:p>
-          <a:p>
-            <a:pPr marL="0" indent="0">
-              <a:buNone/>
-            </a:pPr>
-            <a:endParaRPr lang="en-GB" dirty="0"/>
-          </a:p>
-          <a:p>
-            <a:endParaRPr lang="en-GB" dirty="0"/>
-          </a:p>
-          <a:p>
-            <a:endParaRPr lang="en-GB" dirty="0"/>
-          </a:p>
-          <a:p>
-            <a:endParaRPr lang="en-GB" dirty="0"/>
-          </a:p>
-          <a:p>
-            <a:endParaRPr lang="en-SE" dirty="0"/>
-          </a:p>
-        </p:txBody>
-      </p:sp>
-    </p:spTree>
-    <p:extLst>
-      <p:ext uri="{BB962C8B-B14F-4D97-AF65-F5344CB8AC3E}">
-        <p14:creationId xmlns:p14="http://schemas.microsoft.com/office/powerpoint/2010/main" val="210011671"/>
-      </p:ext>
-    </p:extLst>
-  </p:cSld>
-  <p:clrMapOvr>
-    <a:masterClrMapping/>
-  </p:clrMapOvr>
-  <p:transition/>
-</p:sld>
-</file>
-
-<file path=ppt/slides/slide9.xml><?xml version="1.0" encoding="utf-8"?>
-<p:sld xmlns:a="http://schemas.openxmlformats.org/drawingml/2006/main" xmlns:r="http://schemas.openxmlformats.org/officeDocument/2006/relationships" xmlns:p="http://schemas.openxmlformats.org/presentationml/2006/main">
-  <p:cSld>
-    <p:spTree>
-      <p:nvGrpSpPr>
-        <p:cNvPr id="1" name="">
-          <a:extLst>
-            <a:ext uri="{FF2B5EF4-FFF2-40B4-BE49-F238E27FC236}">
-              <a16:creationId xmlns:a16="http://schemas.microsoft.com/office/drawing/2014/main" id="{0BC31B84-41FA-87C7-092D-0B4F9BD49CC1}"/>
-            </a:ext>
-          </a:extLst>
-        </p:cNvPr>
-        <p:cNvGrpSpPr/>
-        <p:nvPr/>
-      </p:nvGrpSpPr>
-      <p:grpSpPr>
-        <a:xfrm>
-          <a:off x="0" y="0"/>
-          <a:ext cx="0" cy="0"/>
-          <a:chOff x="0" y="0"/>
-          <a:chExt cx="0" cy="0"/>
-        </a:xfrm>
-      </p:grpSpPr>
-      <p:sp>
-        <p:nvSpPr>
-          <p:cNvPr id="2" name="Title 1">
-            <a:extLst>
-              <a:ext uri="{FF2B5EF4-FFF2-40B4-BE49-F238E27FC236}">
-                <a16:creationId xmlns:a16="http://schemas.microsoft.com/office/drawing/2014/main" id="{417E5918-C3C6-5BBC-2B9F-D220ED8337BB}"/>
-              </a:ext>
-            </a:extLst>
-          </p:cNvPr>
-          <p:cNvSpPr>
-            <a:spLocks noGrp="1"/>
-          </p:cNvSpPr>
-          <p:nvPr>
-            <p:ph type="title"/>
-          </p:nvPr>
-        </p:nvSpPr>
-        <p:spPr/>
-        <p:txBody>
-          <a:bodyPr/>
-          <a:lstStyle/>
-          <a:p>
-            <a:r>
-              <a:rPr lang="en-GB" dirty="0"/>
-              <a:t>Quiz: Dining Lawyers III Answer</a:t>
-            </a:r>
-            <a:endParaRPr lang="en-SE" dirty="0"/>
-          </a:p>
-        </p:txBody>
-      </p:sp>
-      <p:sp>
-        <p:nvSpPr>
-          <p:cNvPr id="3" name="Content Placeholder 2">
-            <a:extLst>
-              <a:ext uri="{FF2B5EF4-FFF2-40B4-BE49-F238E27FC236}">
-                <a16:creationId xmlns:a16="http://schemas.microsoft.com/office/drawing/2014/main" id="{9384C27C-506C-58B9-A616-57AF72E5CEE6}"/>
-              </a:ext>
-            </a:extLst>
-          </p:cNvPr>
-          <p:cNvSpPr>
-            <a:spLocks noGrp="1"/>
-          </p:cNvSpPr>
-          <p:nvPr>
-            <p:ph idx="1"/>
-          </p:nvPr>
-        </p:nvSpPr>
-        <p:spPr>
-          <a:xfrm>
-            <a:off x="330200" y="914400"/>
-            <a:ext cx="6831012" cy="5105400"/>
-          </a:xfrm>
-        </p:spPr>
-        <p:txBody>
-          <a:bodyPr>
-            <a:normAutofit/>
-          </a:bodyPr>
-          <a:lstStyle/>
-          <a:p>
-            <a:r>
-              <a:rPr lang="en-GB" dirty="0"/>
-              <a:t>ANS: No deadlocks, since it’s not possible to have circular waiting.</a:t>
-            </a:r>
-          </a:p>
-          <a:p>
-            <a:r>
-              <a:rPr lang="en-GB" dirty="0"/>
-              <a:t>All lawyers follow the same resource acquisition order:</a:t>
-            </a:r>
-          </a:p>
-          <a:p>
-            <a:pPr lvl="1"/>
-            <a:r>
-              <a:rPr lang="en-GB" dirty="0"/>
-              <a:t>1. Two knives</a:t>
-            </a:r>
-          </a:p>
-          <a:p>
-            <a:pPr lvl="1"/>
-            <a:r>
-              <a:rPr lang="en-GB" dirty="0"/>
-              <a:t>2. Two forks</a:t>
-            </a:r>
-          </a:p>
-          <a:p>
-            <a:r>
-              <a:rPr lang="en-GB" dirty="0"/>
-              <a:t>Since lawyers do not wait for resources held by others in a cyclic manner, no circular dependency forms.</a:t>
-            </a:r>
-            <a:endParaRPr lang="en-SE" dirty="0"/>
-          </a:p>
-        </p:txBody>
-      </p:sp>
-      <p:sp>
-        <p:nvSpPr>
-          <p:cNvPr id="4" name="Oval 4">
-            <a:extLst>
-              <a:ext uri="{FF2B5EF4-FFF2-40B4-BE49-F238E27FC236}">
-                <a16:creationId xmlns:a16="http://schemas.microsoft.com/office/drawing/2014/main" id="{1ABF8111-4C7E-340C-8175-EB71A7218CCF}"/>
-              </a:ext>
-            </a:extLst>
-          </p:cNvPr>
-          <p:cNvSpPr>
-            <a:spLocks noChangeArrowheads="1"/>
-          </p:cNvSpPr>
-          <p:nvPr/>
-        </p:nvSpPr>
-        <p:spPr bwMode="auto">
-          <a:xfrm>
-            <a:off x="7161213" y="2909888"/>
-            <a:ext cx="811212" cy="752475"/>
-          </a:xfrm>
-          <a:prstGeom prst="ellipse">
-            <a:avLst/>
-          </a:prstGeom>
-          <a:solidFill>
-            <a:schemeClr val="bg1"/>
-          </a:solidFill>
-          <a:ln w="38100" algn="ctr">
-            <a:solidFill>
-              <a:schemeClr val="tx1"/>
-            </a:solidFill>
-            <a:round/>
-            <a:headEnd/>
-            <a:tailEnd/>
-          </a:ln>
-        </p:spPr>
-        <p:txBody>
-          <a:bodyPr wrap="none" anchor="ctr"/>
-          <a:lstStyle/>
-          <a:p>
-            <a:pPr algn="ctr"/>
-            <a:r>
-              <a:rPr lang="en-US" altLang="zh-CN" b="0">
-                <a:solidFill>
-                  <a:srgbClr val="000000"/>
-                </a:solidFill>
-                <a:latin typeface="Times New Roman" pitchFamily="18" charset="0"/>
-                <a:ea typeface="宋体" charset="-122"/>
-                <a:cs typeface="+mn-cs"/>
-              </a:rPr>
-              <a:t>P1</a:t>
-            </a:r>
-          </a:p>
-        </p:txBody>
-      </p:sp>
-      <p:sp>
-        <p:nvSpPr>
-          <p:cNvPr id="5" name="Oval 6">
-            <a:extLst>
-              <a:ext uri="{FF2B5EF4-FFF2-40B4-BE49-F238E27FC236}">
-                <a16:creationId xmlns:a16="http://schemas.microsoft.com/office/drawing/2014/main" id="{7DC6FA58-E833-D056-4D42-25A1A013EA0A}"/>
-              </a:ext>
-            </a:extLst>
-          </p:cNvPr>
-          <p:cNvSpPr>
-            <a:spLocks noChangeArrowheads="1"/>
-          </p:cNvSpPr>
-          <p:nvPr/>
-        </p:nvSpPr>
-        <p:spPr bwMode="auto">
-          <a:xfrm>
-            <a:off x="10577513" y="2909888"/>
-            <a:ext cx="811212" cy="752475"/>
-          </a:xfrm>
-          <a:prstGeom prst="ellipse">
-            <a:avLst/>
-          </a:prstGeom>
-          <a:solidFill>
-            <a:schemeClr val="bg1"/>
-          </a:solidFill>
-          <a:ln w="38100" algn="ctr">
-            <a:solidFill>
-              <a:schemeClr val="tx1"/>
-            </a:solidFill>
-            <a:round/>
-            <a:headEnd/>
-            <a:tailEnd/>
-          </a:ln>
-        </p:spPr>
-        <p:txBody>
-          <a:bodyPr wrap="none" anchor="ctr"/>
-          <a:lstStyle/>
-          <a:p>
-            <a:pPr algn="ctr"/>
-            <a:r>
-              <a:rPr lang="en-US" altLang="zh-CN" b="0">
-                <a:solidFill>
-                  <a:srgbClr val="000000"/>
-                </a:solidFill>
-                <a:latin typeface="Times New Roman" pitchFamily="18" charset="0"/>
-                <a:ea typeface="宋体" charset="-122"/>
-                <a:cs typeface="+mn-cs"/>
-              </a:rPr>
-              <a:t>P2</a:t>
-            </a:r>
-          </a:p>
-        </p:txBody>
-      </p:sp>
-      <p:sp>
-        <p:nvSpPr>
-          <p:cNvPr id="6" name="Rectangle 7">
-            <a:extLst>
-              <a:ext uri="{FF2B5EF4-FFF2-40B4-BE49-F238E27FC236}">
-                <a16:creationId xmlns:a16="http://schemas.microsoft.com/office/drawing/2014/main" id="{4F7F7DEC-7F30-789D-D157-ABDE3C9D3567}"/>
-              </a:ext>
-            </a:extLst>
-          </p:cNvPr>
-          <p:cNvSpPr>
-            <a:spLocks noChangeArrowheads="1"/>
-          </p:cNvSpPr>
-          <p:nvPr/>
-        </p:nvSpPr>
-        <p:spPr bwMode="auto">
-          <a:xfrm>
-            <a:off x="8694738" y="3871913"/>
-            <a:ext cx="982662" cy="930275"/>
-          </a:xfrm>
-          <a:prstGeom prst="rect">
-            <a:avLst/>
-          </a:prstGeom>
-          <a:solidFill>
-            <a:schemeClr val="bg1"/>
-          </a:solidFill>
-          <a:ln w="38100" algn="ctr">
-            <a:solidFill>
-              <a:schemeClr val="tx1"/>
-            </a:solidFill>
-            <a:miter lim="800000"/>
-            <a:headEnd/>
-            <a:tailEnd/>
-          </a:ln>
-        </p:spPr>
-        <p:txBody>
-          <a:bodyPr wrap="none" anchor="ctr"/>
-          <a:lstStyle/>
-          <a:p>
-            <a:pPr algn="ctr"/>
-            <a:r>
-              <a:rPr lang="en-US" altLang="zh-CN" b="0" dirty="0">
-                <a:solidFill>
-                  <a:srgbClr val="000000"/>
-                </a:solidFill>
-                <a:latin typeface="Times New Roman" pitchFamily="18" charset="0"/>
-                <a:ea typeface="宋体" charset="-122"/>
-                <a:cs typeface="+mn-cs"/>
-              </a:rPr>
-              <a:t>2 forks</a:t>
-            </a:r>
-          </a:p>
-        </p:txBody>
-      </p:sp>
-      <p:sp>
-        <p:nvSpPr>
-          <p:cNvPr id="7" name="Rectangle 9">
-            <a:extLst>
-              <a:ext uri="{FF2B5EF4-FFF2-40B4-BE49-F238E27FC236}">
-                <a16:creationId xmlns:a16="http://schemas.microsoft.com/office/drawing/2014/main" id="{17304DAE-3755-C34A-6084-C43A09569FDA}"/>
-              </a:ext>
-            </a:extLst>
-          </p:cNvPr>
-          <p:cNvSpPr>
-            <a:spLocks noChangeArrowheads="1"/>
-          </p:cNvSpPr>
-          <p:nvPr/>
-        </p:nvSpPr>
-        <p:spPr bwMode="auto">
-          <a:xfrm>
-            <a:off x="8574088" y="2133600"/>
-            <a:ext cx="984250" cy="949325"/>
-          </a:xfrm>
-          <a:prstGeom prst="rect">
-            <a:avLst/>
-          </a:prstGeom>
-          <a:solidFill>
-            <a:schemeClr val="bg1"/>
-          </a:solidFill>
-          <a:ln w="38100" algn="ctr">
-            <a:solidFill>
-              <a:schemeClr val="tx1"/>
-            </a:solidFill>
-            <a:miter lim="800000"/>
-            <a:headEnd/>
-            <a:tailEnd/>
-          </a:ln>
-        </p:spPr>
-        <p:txBody>
-          <a:bodyPr wrap="none" anchor="ctr"/>
-          <a:lstStyle/>
-          <a:p>
-            <a:pPr algn="ctr"/>
-            <a:r>
-              <a:rPr lang="en-US" altLang="zh-CN" b="0" dirty="0">
-                <a:solidFill>
-                  <a:srgbClr val="000000"/>
-                </a:solidFill>
-                <a:latin typeface="Times New Roman" pitchFamily="18" charset="0"/>
-                <a:ea typeface="宋体" charset="-122"/>
-                <a:cs typeface="+mn-cs"/>
-              </a:rPr>
-              <a:t>2 knives</a:t>
-            </a:r>
-          </a:p>
-        </p:txBody>
-      </p:sp>
-      <p:sp>
-        <p:nvSpPr>
-          <p:cNvPr id="8" name="Line 10">
-            <a:extLst>
-              <a:ext uri="{FF2B5EF4-FFF2-40B4-BE49-F238E27FC236}">
-                <a16:creationId xmlns:a16="http://schemas.microsoft.com/office/drawing/2014/main" id="{E9297EC3-1D9B-BB80-3EFC-AD0F4B66554F}"/>
-              </a:ext>
-            </a:extLst>
-          </p:cNvPr>
-          <p:cNvSpPr>
-            <a:spLocks noChangeShapeType="1"/>
-          </p:cNvSpPr>
-          <p:nvPr/>
-        </p:nvSpPr>
-        <p:spPr bwMode="auto">
-          <a:xfrm>
-            <a:off x="7799388" y="3662363"/>
-            <a:ext cx="895350" cy="674687"/>
-          </a:xfrm>
-          <a:prstGeom prst="line">
-            <a:avLst/>
-          </a:prstGeom>
-          <a:noFill/>
-          <a:ln w="38100">
-            <a:solidFill>
-              <a:schemeClr val="tx1"/>
-            </a:solidFill>
-            <a:round/>
-            <a:headEnd/>
-            <a:tailEnd type="triangle" w="med" len="med"/>
-          </a:ln>
-        </p:spPr>
-        <p:txBody>
-          <a:bodyPr wrap="none" anchor="ctr"/>
-          <a:lstStyle/>
-          <a:p>
-            <a:pPr algn="ctr"/>
-            <a:endParaRPr lang="zh-CN" altLang="en-US" b="0">
-              <a:solidFill>
-                <a:srgbClr val="000000"/>
-              </a:solidFill>
-              <a:latin typeface="Times New Roman" pitchFamily="18" charset="0"/>
-              <a:ea typeface="+mn-ea"/>
-              <a:cs typeface="+mn-cs"/>
-            </a:endParaRPr>
-          </a:p>
-        </p:txBody>
-      </p:sp>
-      <p:sp>
-        <p:nvSpPr>
-          <p:cNvPr id="9" name="Line 11">
-            <a:extLst>
-              <a:ext uri="{FF2B5EF4-FFF2-40B4-BE49-F238E27FC236}">
-                <a16:creationId xmlns:a16="http://schemas.microsoft.com/office/drawing/2014/main" id="{FBB6A143-2A2B-1CA4-EFDD-FBC72D90E26F}"/>
-              </a:ext>
-            </a:extLst>
-          </p:cNvPr>
-          <p:cNvSpPr>
-            <a:spLocks noChangeShapeType="1"/>
-          </p:cNvSpPr>
-          <p:nvPr/>
-        </p:nvSpPr>
-        <p:spPr bwMode="auto">
-          <a:xfrm flipV="1">
-            <a:off x="9280526" y="3662363"/>
-            <a:ext cx="1482725" cy="860425"/>
-          </a:xfrm>
-          <a:prstGeom prst="line">
-            <a:avLst/>
-          </a:prstGeom>
-          <a:noFill/>
-          <a:ln w="38100">
-            <a:solidFill>
-              <a:schemeClr val="tx1"/>
-            </a:solidFill>
-            <a:round/>
-            <a:headEnd type="oval" w="lg" len="lg"/>
-            <a:tailEnd type="triangle" w="med" len="med"/>
-          </a:ln>
-        </p:spPr>
-        <p:txBody>
-          <a:bodyPr wrap="none" anchor="ctr"/>
-          <a:lstStyle/>
-          <a:p>
-            <a:pPr algn="ctr"/>
-            <a:endParaRPr lang="zh-CN" altLang="en-US" b="0">
-              <a:solidFill>
-                <a:srgbClr val="000000"/>
-              </a:solidFill>
-              <a:latin typeface="Times New Roman" pitchFamily="18" charset="0"/>
-              <a:ea typeface="+mn-ea"/>
-              <a:cs typeface="+mn-cs"/>
-            </a:endParaRPr>
-          </a:p>
-        </p:txBody>
-      </p:sp>
-      <p:sp>
-        <p:nvSpPr>
-          <p:cNvPr id="10" name="Text Box 12">
-            <a:extLst>
-              <a:ext uri="{FF2B5EF4-FFF2-40B4-BE49-F238E27FC236}">
-                <a16:creationId xmlns:a16="http://schemas.microsoft.com/office/drawing/2014/main" id="{1AA660D7-B331-D41F-2420-3F6D7A18D527}"/>
-              </a:ext>
-            </a:extLst>
-          </p:cNvPr>
-          <p:cNvSpPr txBox="1">
-            <a:spLocks noChangeArrowheads="1"/>
-          </p:cNvSpPr>
-          <p:nvPr/>
-        </p:nvSpPr>
-        <p:spPr bwMode="auto">
-          <a:xfrm>
-            <a:off x="9963944" y="3957285"/>
-            <a:ext cx="2075656" cy="646331"/>
-          </a:xfrm>
-          <a:prstGeom prst="rect">
-            <a:avLst/>
-          </a:prstGeom>
-          <a:noFill/>
-          <a:ln w="38100" algn="ctr">
-            <a:noFill/>
-            <a:miter lim="800000"/>
-            <a:headEnd/>
-            <a:tailEnd/>
-          </a:ln>
-        </p:spPr>
-        <p:txBody>
-          <a:bodyPr wrap="square">
-            <a:spAutoFit/>
-          </a:bodyPr>
-          <a:lstStyle/>
-          <a:p>
-            <a:pPr algn="ctr">
-              <a:spcBef>
-                <a:spcPct val="50000"/>
-              </a:spcBef>
-            </a:pPr>
-            <a:r>
-              <a:rPr lang="en-US" altLang="zh-CN" b="0" dirty="0">
-                <a:solidFill>
-                  <a:srgbClr val="000000"/>
-                </a:solidFill>
-                <a:latin typeface="Times New Roman" pitchFamily="18" charset="0"/>
-                <a:ea typeface="宋体" charset="-122"/>
-                <a:cs typeface="+mn-cs"/>
-              </a:rPr>
-              <a:t>Resource 1 (2 forks) held by Thread 2</a:t>
-            </a:r>
-          </a:p>
-        </p:txBody>
-      </p:sp>
-      <p:sp>
-        <p:nvSpPr>
-          <p:cNvPr id="11" name="Line 13">
-            <a:extLst>
-              <a:ext uri="{FF2B5EF4-FFF2-40B4-BE49-F238E27FC236}">
-                <a16:creationId xmlns:a16="http://schemas.microsoft.com/office/drawing/2014/main" id="{017AD7A2-6259-B784-F61C-AC860FFFF73B}"/>
-              </a:ext>
-            </a:extLst>
-          </p:cNvPr>
-          <p:cNvSpPr>
-            <a:spLocks noChangeShapeType="1"/>
-          </p:cNvSpPr>
-          <p:nvPr/>
-        </p:nvSpPr>
-        <p:spPr bwMode="auto">
-          <a:xfrm flipH="1" flipV="1">
-            <a:off x="9558339" y="2638424"/>
-            <a:ext cx="1019175" cy="444500"/>
-          </a:xfrm>
-          <a:prstGeom prst="line">
-            <a:avLst/>
-          </a:prstGeom>
-          <a:noFill/>
-          <a:ln w="38100">
-            <a:solidFill>
-              <a:schemeClr val="tx1"/>
-            </a:solidFill>
-            <a:round/>
-            <a:headEnd/>
-            <a:tailEnd type="triangle" w="med" len="med"/>
-          </a:ln>
-        </p:spPr>
-        <p:txBody>
-          <a:bodyPr wrap="none" anchor="ctr"/>
-          <a:lstStyle/>
-          <a:p>
-            <a:pPr algn="ctr"/>
-            <a:endParaRPr lang="zh-CN" altLang="en-US" b="0">
-              <a:solidFill>
-                <a:srgbClr val="000000"/>
-              </a:solidFill>
-              <a:latin typeface="Times New Roman" pitchFamily="18" charset="0"/>
-              <a:ea typeface="+mn-ea"/>
-              <a:cs typeface="+mn-cs"/>
-            </a:endParaRPr>
-          </a:p>
-        </p:txBody>
-      </p:sp>
-      <p:sp>
-        <p:nvSpPr>
-          <p:cNvPr id="12" name="Text Box 14">
-            <a:extLst>
-              <a:ext uri="{FF2B5EF4-FFF2-40B4-BE49-F238E27FC236}">
-                <a16:creationId xmlns:a16="http://schemas.microsoft.com/office/drawing/2014/main" id="{5E306CCF-E803-FD8C-4C50-70BAA94E6978}"/>
-              </a:ext>
-            </a:extLst>
-          </p:cNvPr>
-          <p:cNvSpPr txBox="1">
-            <a:spLocks noChangeArrowheads="1"/>
-          </p:cNvSpPr>
-          <p:nvPr/>
-        </p:nvSpPr>
-        <p:spPr bwMode="auto">
-          <a:xfrm>
-            <a:off x="9722381" y="2219919"/>
-            <a:ext cx="2184400" cy="923330"/>
-          </a:xfrm>
-          <a:prstGeom prst="rect">
-            <a:avLst/>
-          </a:prstGeom>
-          <a:noFill/>
-          <a:ln w="38100" algn="ctr">
-            <a:noFill/>
-            <a:miter lim="800000"/>
-            <a:headEnd/>
-            <a:tailEnd/>
-          </a:ln>
-        </p:spPr>
-        <p:txBody>
-          <a:bodyPr>
-            <a:spAutoFit/>
-          </a:bodyPr>
-          <a:lstStyle/>
-          <a:p>
-            <a:pPr algn="ctr">
-              <a:spcBef>
-                <a:spcPct val="50000"/>
-              </a:spcBef>
-            </a:pPr>
-            <a:r>
-              <a:rPr lang="en-US" altLang="zh-CN" b="0" dirty="0">
-                <a:solidFill>
-                  <a:srgbClr val="000000"/>
-                </a:solidFill>
-                <a:latin typeface="Times New Roman" pitchFamily="18" charset="0"/>
-                <a:ea typeface="宋体" charset="-122"/>
-                <a:cs typeface="+mn-cs"/>
-              </a:rPr>
-              <a:t>Resource 2 (2 knives) requested by Thread 2</a:t>
-            </a:r>
-          </a:p>
-        </p:txBody>
-      </p:sp>
-      <p:sp>
-        <p:nvSpPr>
-          <p:cNvPr id="13" name="Oval 15">
-            <a:extLst>
-              <a:ext uri="{FF2B5EF4-FFF2-40B4-BE49-F238E27FC236}">
-                <a16:creationId xmlns:a16="http://schemas.microsoft.com/office/drawing/2014/main" id="{113B7605-B2C4-354D-456E-CDDD8314090F}"/>
-              </a:ext>
-            </a:extLst>
-          </p:cNvPr>
-          <p:cNvSpPr>
-            <a:spLocks noChangeArrowheads="1"/>
-          </p:cNvSpPr>
-          <p:nvPr/>
-        </p:nvSpPr>
-        <p:spPr bwMode="auto">
-          <a:xfrm>
-            <a:off x="9131301" y="2786063"/>
-            <a:ext cx="149225" cy="123825"/>
-          </a:xfrm>
-          <a:prstGeom prst="ellipse">
-            <a:avLst/>
-          </a:prstGeom>
-          <a:solidFill>
-            <a:srgbClr val="000000"/>
-          </a:solidFill>
-          <a:ln w="38100" algn="ctr">
-            <a:solidFill>
-              <a:schemeClr val="tx1"/>
-            </a:solidFill>
-            <a:round/>
-            <a:headEnd/>
-            <a:tailEnd/>
-          </a:ln>
-        </p:spPr>
-        <p:txBody>
-          <a:bodyPr wrap="none" anchor="ctr"/>
-          <a:lstStyle/>
-          <a:p>
-            <a:pPr algn="ctr"/>
-            <a:endParaRPr lang="en-CA" b="0">
-              <a:solidFill>
-                <a:srgbClr val="000000"/>
-              </a:solidFill>
-              <a:latin typeface="Times New Roman" pitchFamily="18" charset="0"/>
-              <a:ea typeface="+mn-ea"/>
-              <a:cs typeface="+mn-cs"/>
-            </a:endParaRPr>
-          </a:p>
-        </p:txBody>
-      </p:sp>
-      <p:sp>
-        <p:nvSpPr>
-          <p:cNvPr id="14" name="Line 16">
-            <a:extLst>
-              <a:ext uri="{FF2B5EF4-FFF2-40B4-BE49-F238E27FC236}">
-                <a16:creationId xmlns:a16="http://schemas.microsoft.com/office/drawing/2014/main" id="{4420B6C5-EAC0-14DB-EC87-C78D4C19BDA1}"/>
-              </a:ext>
-            </a:extLst>
-          </p:cNvPr>
-          <p:cNvSpPr>
-            <a:spLocks noChangeShapeType="1"/>
-          </p:cNvSpPr>
-          <p:nvPr/>
-        </p:nvSpPr>
-        <p:spPr bwMode="auto">
-          <a:xfrm flipH="1">
-            <a:off x="7972426" y="2909888"/>
-            <a:ext cx="1158875" cy="173037"/>
-          </a:xfrm>
-          <a:prstGeom prst="line">
-            <a:avLst/>
-          </a:prstGeom>
-          <a:noFill/>
-          <a:ln w="38100">
-            <a:solidFill>
-              <a:schemeClr val="tx1"/>
-            </a:solidFill>
-            <a:round/>
-            <a:headEnd/>
-            <a:tailEnd type="triangle" w="med" len="med"/>
-          </a:ln>
-        </p:spPr>
-        <p:txBody>
-          <a:bodyPr wrap="none" anchor="ctr"/>
-          <a:lstStyle/>
-          <a:p>
-            <a:pPr algn="ctr"/>
-            <a:endParaRPr lang="zh-CN" altLang="en-US" b="0">
-              <a:solidFill>
-                <a:srgbClr val="000000"/>
-              </a:solidFill>
-              <a:latin typeface="Times New Roman" pitchFamily="18" charset="0"/>
-              <a:ea typeface="+mn-ea"/>
-              <a:cs typeface="+mn-cs"/>
-            </a:endParaRPr>
-          </a:p>
-        </p:txBody>
-      </p:sp>
-      <p:sp>
-        <p:nvSpPr>
-          <p:cNvPr id="15" name="TextBox 14">
-            <a:extLst>
-              <a:ext uri="{FF2B5EF4-FFF2-40B4-BE49-F238E27FC236}">
-                <a16:creationId xmlns:a16="http://schemas.microsoft.com/office/drawing/2014/main" id="{1A369346-8FE9-8490-5422-FDCB9F0178A4}"/>
-              </a:ext>
-            </a:extLst>
-          </p:cNvPr>
-          <p:cNvSpPr txBox="1"/>
-          <p:nvPr/>
-        </p:nvSpPr>
-        <p:spPr>
-          <a:xfrm>
-            <a:off x="7882731" y="5097110"/>
-            <a:ext cx="3589337" cy="1015663"/>
-          </a:xfrm>
-          <a:prstGeom prst="rect">
-            <a:avLst/>
-          </a:prstGeom>
-        </p:spPr>
-        <p:style>
-          <a:lnRef idx="1">
-            <a:schemeClr val="dk1"/>
-          </a:lnRef>
-          <a:fillRef idx="2">
-            <a:schemeClr val="dk1"/>
-          </a:fillRef>
-          <a:effectRef idx="1">
-            <a:schemeClr val="dk1"/>
-          </a:effectRef>
-          <a:fontRef idx="minor">
-            <a:schemeClr val="dk1"/>
-          </a:fontRef>
-        </p:style>
-        <p:txBody>
-          <a:bodyPr wrap="square" rtlCol="0">
-            <a:spAutoFit/>
-          </a:bodyPr>
-          <a:lstStyle/>
-          <a:p>
-            <a:r>
-              <a:rPr lang="en-GB" sz="2000" dirty="0">
-                <a:latin typeface="Gill Sans Light"/>
-              </a:rPr>
-              <a:t>This deadlock scenario is not possible under the fixed resource acquisition order: 2 knives, 2 forks</a:t>
-            </a:r>
-            <a:endParaRPr lang="en-SE" sz="2000" dirty="0">
-              <a:latin typeface="Gill Sans Light"/>
-            </a:endParaRPr>
-          </a:p>
-        </p:txBody>
-      </p:sp>
-      <p:sp>
-        <p:nvSpPr>
-          <p:cNvPr id="16" name="Text Box 12">
-            <a:extLst>
-              <a:ext uri="{FF2B5EF4-FFF2-40B4-BE49-F238E27FC236}">
-                <a16:creationId xmlns:a16="http://schemas.microsoft.com/office/drawing/2014/main" id="{C5A80AF3-98A4-E3E6-FACE-C40AB3E50C71}"/>
-              </a:ext>
-            </a:extLst>
-          </p:cNvPr>
-          <p:cNvSpPr txBox="1">
-            <a:spLocks noChangeArrowheads="1"/>
-          </p:cNvSpPr>
-          <p:nvPr/>
-        </p:nvSpPr>
-        <p:spPr bwMode="auto">
-          <a:xfrm>
-            <a:off x="6096000" y="3957285"/>
-            <a:ext cx="2227044" cy="646331"/>
-          </a:xfrm>
-          <a:prstGeom prst="rect">
-            <a:avLst/>
-          </a:prstGeom>
-          <a:noFill/>
-          <a:ln w="38100" algn="ctr">
-            <a:noFill/>
-            <a:miter lim="800000"/>
-            <a:headEnd/>
-            <a:tailEnd/>
-          </a:ln>
-        </p:spPr>
-        <p:txBody>
-          <a:bodyPr wrap="square">
-            <a:spAutoFit/>
-          </a:bodyPr>
-          <a:lstStyle/>
-          <a:p>
-            <a:pPr algn="ctr">
-              <a:spcBef>
-                <a:spcPct val="50000"/>
-              </a:spcBef>
-            </a:pPr>
-            <a:r>
-              <a:rPr lang="en-US" altLang="zh-CN" b="0" dirty="0">
-                <a:solidFill>
-                  <a:srgbClr val="000000"/>
-                </a:solidFill>
-                <a:latin typeface="Times New Roman" pitchFamily="18" charset="0"/>
-                <a:ea typeface="宋体" charset="-122"/>
-                <a:cs typeface="+mn-cs"/>
-              </a:rPr>
-              <a:t>Resource 1 (2 forks) requested by Thread 2</a:t>
-            </a:r>
-          </a:p>
-        </p:txBody>
-      </p:sp>
-      <p:sp>
-        <p:nvSpPr>
-          <p:cNvPr id="17" name="Text Box 14">
-            <a:extLst>
-              <a:ext uri="{FF2B5EF4-FFF2-40B4-BE49-F238E27FC236}">
-                <a16:creationId xmlns:a16="http://schemas.microsoft.com/office/drawing/2014/main" id="{61E54510-0D21-A762-B803-2A246842BDFC}"/>
-              </a:ext>
-            </a:extLst>
-          </p:cNvPr>
-          <p:cNvSpPr txBox="1">
-            <a:spLocks noChangeArrowheads="1"/>
-          </p:cNvSpPr>
-          <p:nvPr/>
-        </p:nvSpPr>
-        <p:spPr bwMode="auto">
-          <a:xfrm>
-            <a:off x="6043131" y="2219919"/>
-            <a:ext cx="2184400" cy="646331"/>
-          </a:xfrm>
-          <a:prstGeom prst="rect">
-            <a:avLst/>
-          </a:prstGeom>
-          <a:noFill/>
-          <a:ln w="38100" algn="ctr">
-            <a:noFill/>
-            <a:miter lim="800000"/>
-            <a:headEnd/>
-            <a:tailEnd/>
-          </a:ln>
-        </p:spPr>
-        <p:txBody>
-          <a:bodyPr>
-            <a:spAutoFit/>
-          </a:bodyPr>
-          <a:lstStyle/>
-          <a:p>
-            <a:pPr algn="ctr">
-              <a:spcBef>
-                <a:spcPct val="50000"/>
-              </a:spcBef>
-            </a:pPr>
-            <a:r>
-              <a:rPr lang="en-US" altLang="zh-CN" b="0" dirty="0">
-                <a:solidFill>
-                  <a:srgbClr val="000000"/>
-                </a:solidFill>
-                <a:latin typeface="Times New Roman" pitchFamily="18" charset="0"/>
-                <a:ea typeface="宋体" charset="-122"/>
-                <a:cs typeface="+mn-cs"/>
-              </a:rPr>
-              <a:t>Resource 2 (2 knives) held by Thread 2</a:t>
-            </a:r>
-          </a:p>
-        </p:txBody>
-      </p:sp>
-    </p:spTree>
-    <p:extLst>
-      <p:ext uri="{BB962C8B-B14F-4D97-AF65-F5344CB8AC3E}">
-        <p14:creationId xmlns:p14="http://schemas.microsoft.com/office/powerpoint/2010/main" val="60386171"/>
       </p:ext>
     </p:extLst>
   </p:cSld>
@@ -13949,7 +18737,7 @@
         <a:effectLst/>
         <a:extLst>
           <a:ext uri="{AF507438-7753-43e0-B8FC-AC1667EBCBE1}">
-            <a14:hiddenEffects xmlns="" xmlns:a14="http://schemas.microsoft.com/office/drawing/2010/main">
+            <a14:hiddenEffects xmlns:a14="http://schemas.microsoft.com/office/drawing/2010/main" xmlns="">
               <a:effectLst>
                 <a:outerShdw dist="35921" dir="2700000" algn="ctr" rotWithShape="0">
                   <a:schemeClr val="bg2"/>
@@ -14022,7 +18810,7 @@
         <a:effectLst/>
         <a:extLst>
           <a:ext uri="{AF507438-7753-43e0-B8FC-AC1667EBCBE1}">
-            <a14:hiddenEffects xmlns="" xmlns:a14="http://schemas.microsoft.com/office/drawing/2010/main">
+            <a14:hiddenEffects xmlns:a14="http://schemas.microsoft.com/office/drawing/2010/main" xmlns="">
               <a:effectLst>
                 <a:outerShdw dist="35921" dir="2700000" algn="ctr" rotWithShape="0">
                   <a:schemeClr val="bg2"/>

--- a/PPTs/L4-Exercises ANS.pptx
+++ b/PPTs/L4-Exercises ANS.pptx
@@ -5,10 +5,10 @@
     <p:sldMasterId id="2147483648" r:id="rId1"/>
   </p:sldMasterIdLst>
   <p:notesMasterIdLst>
-    <p:notesMasterId r:id="rId23"/>
+    <p:notesMasterId r:id="rId13"/>
   </p:notesMasterIdLst>
   <p:handoutMasterIdLst>
-    <p:handoutMasterId r:id="rId24"/>
+    <p:handoutMasterId r:id="rId14"/>
   </p:handoutMasterIdLst>
   <p:sldIdLst>
     <p:sldId id="257" r:id="rId2"/>
@@ -22,16 +22,6 @@
     <p:sldId id="369" r:id="rId10"/>
     <p:sldId id="1391" r:id="rId11"/>
     <p:sldId id="1392" r:id="rId12"/>
-    <p:sldId id="414" r:id="rId13"/>
-    <p:sldId id="417" r:id="rId14"/>
-    <p:sldId id="420" r:id="rId15"/>
-    <p:sldId id="1390" r:id="rId16"/>
-    <p:sldId id="1384" r:id="rId17"/>
-    <p:sldId id="1385" r:id="rId18"/>
-    <p:sldId id="1386" r:id="rId19"/>
-    <p:sldId id="1387" r:id="rId20"/>
-    <p:sldId id="1388" r:id="rId21"/>
-    <p:sldId id="1389" r:id="rId22"/>
   </p:sldIdLst>
   <p:sldSz cx="12192000" cy="6858000"/>
   <p:notesSz cx="9601200" cy="7315200"/>
@@ -886,400 +876,6 @@
     <p:extLst>
       <p:ext uri="{BB962C8B-B14F-4D97-AF65-F5344CB8AC3E}">
         <p14:creationId xmlns:p14="http://schemas.microsoft.com/office/powerpoint/2010/main" val="3041426559"/>
-      </p:ext>
-    </p:extLst>
-  </p:cSld>
-  <p:clrMapOvr>
-    <a:masterClrMapping/>
-  </p:clrMapOvr>
-</p:notes>
-</file>
-
-<file path=ppt/notesSlides/notesSlide3.xml><?xml version="1.0" encoding="utf-8"?>
-<p:notes xmlns:a="http://schemas.openxmlformats.org/drawingml/2006/main" xmlns:r="http://schemas.openxmlformats.org/officeDocument/2006/relationships" xmlns:p="http://schemas.openxmlformats.org/presentationml/2006/main">
-  <p:cSld>
-    <p:spTree>
-      <p:nvGrpSpPr>
-        <p:cNvPr id="1" name=""/>
-        <p:cNvGrpSpPr/>
-        <p:nvPr/>
-      </p:nvGrpSpPr>
-      <p:grpSpPr>
-        <a:xfrm>
-          <a:off x="0" y="0"/>
-          <a:ext cx="0" cy="0"/>
-          <a:chOff x="0" y="0"/>
-          <a:chExt cx="0" cy="0"/>
-        </a:xfrm>
-      </p:grpSpPr>
-      <p:sp>
-        <p:nvSpPr>
-          <p:cNvPr id="2" name="Slide Image Placeholder 1"/>
-          <p:cNvSpPr>
-            <a:spLocks noGrp="1" noRot="1" noChangeAspect="1"/>
-          </p:cNvSpPr>
-          <p:nvPr>
-            <p:ph type="sldImg"/>
-          </p:nvPr>
-        </p:nvSpPr>
-        <p:spPr/>
-      </p:sp>
-      <p:sp>
-        <p:nvSpPr>
-          <p:cNvPr id="3" name="Notes Placeholder 2"/>
-          <p:cNvSpPr>
-            <a:spLocks noGrp="1"/>
-          </p:cNvSpPr>
-          <p:nvPr>
-            <p:ph type="body" idx="1"/>
-          </p:nvPr>
-        </p:nvSpPr>
-        <p:spPr/>
-        <p:txBody>
-          <a:bodyPr/>
-          <a:lstStyle/>
-          <a:p>
-            <a:r>
-              <a:rPr lang="en-GB" dirty="0"/>
-              <a:t>https://people.eecs.berkeley.edu/~kubitron/courses/cs162-F07/exams/fa07mt1-solutions.pdf</a:t>
-            </a:r>
-          </a:p>
-          <a:p>
-            <a:r>
-              <a:rPr lang="en-GB" dirty="0"/>
-              <a:t>The lawyers are so busy talking that they can only grab one chopstick at a time. Design a deadlock-free algorithm using monitors and Bankers algorithm. </a:t>
-            </a:r>
-            <a:endParaRPr lang="en-SE" dirty="0"/>
-          </a:p>
-        </p:txBody>
-      </p:sp>
-    </p:spTree>
-    <p:extLst>
-      <p:ext uri="{BB962C8B-B14F-4D97-AF65-F5344CB8AC3E}">
-        <p14:creationId xmlns:p14="http://schemas.microsoft.com/office/powerpoint/2010/main" val="2409372959"/>
-      </p:ext>
-    </p:extLst>
-  </p:cSld>
-  <p:clrMapOvr>
-    <a:masterClrMapping/>
-  </p:clrMapOvr>
-</p:notes>
-</file>
-
-<file path=ppt/notesSlides/notesSlide4.xml><?xml version="1.0" encoding="utf-8"?>
-<p:notes xmlns:a="http://schemas.openxmlformats.org/drawingml/2006/main" xmlns:r="http://schemas.openxmlformats.org/officeDocument/2006/relationships" xmlns:p="http://schemas.openxmlformats.org/presentationml/2006/main">
-  <p:cSld>
-    <p:spTree>
-      <p:nvGrpSpPr>
-        <p:cNvPr id="1" name="">
-          <a:extLst>
-            <a:ext uri="{FF2B5EF4-FFF2-40B4-BE49-F238E27FC236}">
-              <a16:creationId xmlns:a16="http://schemas.microsoft.com/office/drawing/2014/main" id="{AAA6D6EC-77A2-DC5C-D4B6-BB31E8033185}"/>
-            </a:ext>
-          </a:extLst>
-        </p:cNvPr>
-        <p:cNvGrpSpPr/>
-        <p:nvPr/>
-      </p:nvGrpSpPr>
-      <p:grpSpPr>
-        <a:xfrm>
-          <a:off x="0" y="0"/>
-          <a:ext cx="0" cy="0"/>
-          <a:chOff x="0" y="0"/>
-          <a:chExt cx="0" cy="0"/>
-        </a:xfrm>
-      </p:grpSpPr>
-      <p:sp>
-        <p:nvSpPr>
-          <p:cNvPr id="2" name="Slide Image Placeholder 1">
-            <a:extLst>
-              <a:ext uri="{FF2B5EF4-FFF2-40B4-BE49-F238E27FC236}">
-                <a16:creationId xmlns:a16="http://schemas.microsoft.com/office/drawing/2014/main" id="{58B974B8-0DD5-7144-CC65-CBCE4E7DCCB2}"/>
-              </a:ext>
-            </a:extLst>
-          </p:cNvPr>
-          <p:cNvSpPr>
-            <a:spLocks noGrp="1" noRot="1" noChangeAspect="1"/>
-          </p:cNvSpPr>
-          <p:nvPr>
-            <p:ph type="sldImg"/>
-          </p:nvPr>
-        </p:nvSpPr>
-        <p:spPr/>
-      </p:sp>
-      <p:sp>
-        <p:nvSpPr>
-          <p:cNvPr id="3" name="Notes Placeholder 2">
-            <a:extLst>
-              <a:ext uri="{FF2B5EF4-FFF2-40B4-BE49-F238E27FC236}">
-                <a16:creationId xmlns:a16="http://schemas.microsoft.com/office/drawing/2014/main" id="{C361DD93-26BC-5851-C378-5EE960429464}"/>
-              </a:ext>
-            </a:extLst>
-          </p:cNvPr>
-          <p:cNvSpPr>
-            <a:spLocks noGrp="1"/>
-          </p:cNvSpPr>
-          <p:nvPr>
-            <p:ph type="body" idx="1"/>
-          </p:nvPr>
-        </p:nvSpPr>
-        <p:spPr/>
-        <p:txBody>
-          <a:bodyPr/>
-          <a:lstStyle/>
-          <a:p>
-            <a:r>
-              <a:rPr lang="en-GB" dirty="0"/>
-              <a:t>A</a:t>
-            </a:r>
-          </a:p>
-          <a:p>
-            <a:endParaRPr lang="en-SE" dirty="0"/>
-          </a:p>
-        </p:txBody>
-      </p:sp>
-    </p:spTree>
-    <p:extLst>
-      <p:ext uri="{BB962C8B-B14F-4D97-AF65-F5344CB8AC3E}">
-        <p14:creationId xmlns:p14="http://schemas.microsoft.com/office/powerpoint/2010/main" val="2718700419"/>
-      </p:ext>
-    </p:extLst>
-  </p:cSld>
-  <p:clrMapOvr>
-    <a:masterClrMapping/>
-  </p:clrMapOvr>
-</p:notes>
-</file>
-
-<file path=ppt/notesSlides/notesSlide5.xml><?xml version="1.0" encoding="utf-8"?>
-<p:notes xmlns:a="http://schemas.openxmlformats.org/drawingml/2006/main" xmlns:r="http://schemas.openxmlformats.org/officeDocument/2006/relationships" xmlns:p="http://schemas.openxmlformats.org/presentationml/2006/main">
-  <p:cSld>
-    <p:spTree>
-      <p:nvGrpSpPr>
-        <p:cNvPr id="1" name=""/>
-        <p:cNvGrpSpPr/>
-        <p:nvPr/>
-      </p:nvGrpSpPr>
-      <p:grpSpPr>
-        <a:xfrm>
-          <a:off x="0" y="0"/>
-          <a:ext cx="0" cy="0"/>
-          <a:chOff x="0" y="0"/>
-          <a:chExt cx="0" cy="0"/>
-        </a:xfrm>
-      </p:grpSpPr>
-      <p:sp>
-        <p:nvSpPr>
-          <p:cNvPr id="2" name="Slide Image Placeholder 1"/>
-          <p:cNvSpPr>
-            <a:spLocks noGrp="1" noRot="1" noChangeAspect="1"/>
-          </p:cNvSpPr>
-          <p:nvPr>
-            <p:ph type="sldImg"/>
-          </p:nvPr>
-        </p:nvSpPr>
-        <p:spPr/>
-      </p:sp>
-      <p:sp>
-        <p:nvSpPr>
-          <p:cNvPr id="3" name="Notes Placeholder 2"/>
-          <p:cNvSpPr>
-            <a:spLocks noGrp="1"/>
-          </p:cNvSpPr>
-          <p:nvPr>
-            <p:ph type="body" idx="1"/>
-          </p:nvPr>
-        </p:nvSpPr>
-        <p:spPr/>
-        <p:txBody>
-          <a:bodyPr/>
-          <a:lstStyle/>
-          <a:p>
-            <a:r>
-              <a:rPr lang="en-GB" dirty="0"/>
-              <a:t>A</a:t>
-            </a:r>
-          </a:p>
-          <a:p>
-            <a:endParaRPr lang="en-SE" dirty="0"/>
-          </a:p>
-        </p:txBody>
-      </p:sp>
-    </p:spTree>
-    <p:extLst>
-      <p:ext uri="{BB962C8B-B14F-4D97-AF65-F5344CB8AC3E}">
-        <p14:creationId xmlns:p14="http://schemas.microsoft.com/office/powerpoint/2010/main" val="1161082205"/>
-      </p:ext>
-    </p:extLst>
-  </p:cSld>
-  <p:clrMapOvr>
-    <a:masterClrMapping/>
-  </p:clrMapOvr>
-</p:notes>
-</file>
-
-<file path=ppt/notesSlides/notesSlide6.xml><?xml version="1.0" encoding="utf-8"?>
-<p:notes xmlns:a="http://schemas.openxmlformats.org/drawingml/2006/main" xmlns:r="http://schemas.openxmlformats.org/officeDocument/2006/relationships" xmlns:p="http://schemas.openxmlformats.org/presentationml/2006/main">
-  <p:cSld>
-    <p:spTree>
-      <p:nvGrpSpPr>
-        <p:cNvPr id="1" name="">
-          <a:extLst>
-            <a:ext uri="{FF2B5EF4-FFF2-40B4-BE49-F238E27FC236}">
-              <a16:creationId xmlns:a16="http://schemas.microsoft.com/office/drawing/2014/main" id="{65EF52BF-13A7-12B3-9EB5-79A3E489F0EA}"/>
-            </a:ext>
-          </a:extLst>
-        </p:cNvPr>
-        <p:cNvGrpSpPr/>
-        <p:nvPr/>
-      </p:nvGrpSpPr>
-      <p:grpSpPr>
-        <a:xfrm>
-          <a:off x="0" y="0"/>
-          <a:ext cx="0" cy="0"/>
-          <a:chOff x="0" y="0"/>
-          <a:chExt cx="0" cy="0"/>
-        </a:xfrm>
-      </p:grpSpPr>
-      <p:sp>
-        <p:nvSpPr>
-          <p:cNvPr id="2" name="Slide Image Placeholder 1">
-            <a:extLst>
-              <a:ext uri="{FF2B5EF4-FFF2-40B4-BE49-F238E27FC236}">
-                <a16:creationId xmlns:a16="http://schemas.microsoft.com/office/drawing/2014/main" id="{FAF7029F-E40F-5AFA-C540-4980355A5E7D}"/>
-              </a:ext>
-            </a:extLst>
-          </p:cNvPr>
-          <p:cNvSpPr>
-            <a:spLocks noGrp="1" noRot="1" noChangeAspect="1"/>
-          </p:cNvSpPr>
-          <p:nvPr>
-            <p:ph type="sldImg"/>
-          </p:nvPr>
-        </p:nvSpPr>
-        <p:spPr/>
-      </p:sp>
-      <p:sp>
-        <p:nvSpPr>
-          <p:cNvPr id="3" name="Notes Placeholder 2">
-            <a:extLst>
-              <a:ext uri="{FF2B5EF4-FFF2-40B4-BE49-F238E27FC236}">
-                <a16:creationId xmlns:a16="http://schemas.microsoft.com/office/drawing/2014/main" id="{7ACE0125-326C-5D51-3AC4-B1609F0B00FA}"/>
-              </a:ext>
-            </a:extLst>
-          </p:cNvPr>
-          <p:cNvSpPr>
-            <a:spLocks noGrp="1"/>
-          </p:cNvSpPr>
-          <p:nvPr>
-            <p:ph type="body" idx="1"/>
-          </p:nvPr>
-        </p:nvSpPr>
-        <p:spPr/>
-        <p:txBody>
-          <a:bodyPr/>
-          <a:lstStyle/>
-          <a:p>
-            <a:r>
-              <a:rPr lang="en-GB" dirty="0"/>
-              <a:t>A</a:t>
-            </a:r>
-          </a:p>
-          <a:p>
-            <a:endParaRPr lang="en-SE" dirty="0"/>
-          </a:p>
-        </p:txBody>
-      </p:sp>
-    </p:spTree>
-    <p:extLst>
-      <p:ext uri="{BB962C8B-B14F-4D97-AF65-F5344CB8AC3E}">
-        <p14:creationId xmlns:p14="http://schemas.microsoft.com/office/powerpoint/2010/main" val="3634265449"/>
-      </p:ext>
-    </p:extLst>
-  </p:cSld>
-  <p:clrMapOvr>
-    <a:masterClrMapping/>
-  </p:clrMapOvr>
-</p:notes>
-</file>
-
-<file path=ppt/notesSlides/notesSlide7.xml><?xml version="1.0" encoding="utf-8"?>
-<p:notes xmlns:a="http://schemas.openxmlformats.org/drawingml/2006/main" xmlns:r="http://schemas.openxmlformats.org/officeDocument/2006/relationships" xmlns:p="http://schemas.openxmlformats.org/presentationml/2006/main">
-  <p:cSld>
-    <p:spTree>
-      <p:nvGrpSpPr>
-        <p:cNvPr id="1" name=""/>
-        <p:cNvGrpSpPr/>
-        <p:nvPr/>
-      </p:nvGrpSpPr>
-      <p:grpSpPr>
-        <a:xfrm>
-          <a:off x="0" y="0"/>
-          <a:ext cx="0" cy="0"/>
-          <a:chOff x="0" y="0"/>
-          <a:chExt cx="0" cy="0"/>
-        </a:xfrm>
-      </p:grpSpPr>
-      <p:sp>
-        <p:nvSpPr>
-          <p:cNvPr id="2" name="Slide Image Placeholder 1"/>
-          <p:cNvSpPr>
-            <a:spLocks noGrp="1" noRot="1" noChangeAspect="1"/>
-          </p:cNvSpPr>
-          <p:nvPr>
-            <p:ph type="sldImg"/>
-          </p:nvPr>
-        </p:nvSpPr>
-        <p:spPr/>
-      </p:sp>
-      <p:sp>
-        <p:nvSpPr>
-          <p:cNvPr id="3" name="Notes Placeholder 2"/>
-          <p:cNvSpPr>
-            <a:spLocks noGrp="1"/>
-          </p:cNvSpPr>
-          <p:nvPr>
-            <p:ph type="body" idx="1"/>
-          </p:nvPr>
-        </p:nvSpPr>
-        <p:spPr/>
-        <p:txBody>
-          <a:bodyPr/>
-          <a:lstStyle/>
-          <a:p>
-            <a:endParaRPr lang="en-GB" dirty="0"/>
-          </a:p>
-          <a:p>
-            <a:r>
-              <a:rPr lang="en-GB" dirty="0"/>
-              <a:t>A: The solution is basically the same, except implementation of Banker’s algorithm needs to take into account this factor, e.g., have an array of variables </a:t>
-            </a:r>
-            <a:r>
-              <a:rPr lang="en-GB" dirty="0" err="1"/>
-              <a:t>NumArms</a:t>
-            </a:r>
-            <a:r>
-              <a:rPr lang="en-GB" dirty="0"/>
-              <a:t>[] instead of a single variable </a:t>
-            </a:r>
-            <a:r>
-              <a:rPr lang="en-GB" dirty="0" err="1"/>
-              <a:t>NumArms</a:t>
-            </a:r>
-            <a:r>
-              <a:rPr lang="en-GB" dirty="0"/>
-              <a:t>, and so on.</a:t>
-            </a:r>
-          </a:p>
-          <a:p>
-            <a:endParaRPr lang="en-SE" dirty="0"/>
-          </a:p>
-        </p:txBody>
-      </p:sp>
-    </p:spTree>
-    <p:extLst>
-      <p:ext uri="{BB962C8B-B14F-4D97-AF65-F5344CB8AC3E}">
-        <p14:creationId xmlns:p14="http://schemas.microsoft.com/office/powerpoint/2010/main" val="2527268718"/>
       </p:ext>
     </p:extLst>
   </p:cSld>
@@ -7330,3667 +6926,6 @@
 </p:sld>
 </file>
 
-<file path=ppt/slides/slide12.xml><?xml version="1.0" encoding="utf-8"?>
-<p:sld xmlns:a="http://schemas.openxmlformats.org/drawingml/2006/main" xmlns:r="http://schemas.openxmlformats.org/officeDocument/2006/relationships" xmlns:p="http://schemas.openxmlformats.org/presentationml/2006/main">
-  <p:cSld>
-    <p:spTree>
-      <p:nvGrpSpPr>
-        <p:cNvPr id="1" name=""/>
-        <p:cNvGrpSpPr/>
-        <p:nvPr/>
-      </p:nvGrpSpPr>
-      <p:grpSpPr>
-        <a:xfrm>
-          <a:off x="0" y="0"/>
-          <a:ext cx="0" cy="0"/>
-          <a:chOff x="0" y="0"/>
-          <a:chExt cx="0" cy="0"/>
-        </a:xfrm>
-      </p:grpSpPr>
-      <p:sp>
-        <p:nvSpPr>
-          <p:cNvPr id="2" name="Title 1">
-            <a:extLst>
-              <a:ext uri="{FF2B5EF4-FFF2-40B4-BE49-F238E27FC236}">
-                <a16:creationId xmlns:a16="http://schemas.microsoft.com/office/drawing/2014/main" id="{83D67176-6D53-DD91-2D8E-422B727B2EE4}"/>
-              </a:ext>
-            </a:extLst>
-          </p:cNvPr>
-          <p:cNvSpPr>
-            <a:spLocks noGrp="1"/>
-          </p:cNvSpPr>
-          <p:nvPr>
-            <p:ph type="title"/>
-          </p:nvPr>
-        </p:nvSpPr>
-        <p:spPr/>
-        <p:txBody>
-          <a:bodyPr/>
-          <a:lstStyle/>
-          <a:p>
-            <a:r>
-              <a:rPr lang="en-GB" dirty="0"/>
-              <a:t>Multi-Armed Lawyers</a:t>
-            </a:r>
-            <a:endParaRPr lang="en-SE" dirty="0"/>
-          </a:p>
-        </p:txBody>
-      </p:sp>
-      <p:sp>
-        <p:nvSpPr>
-          <p:cNvPr id="3" name="Content Placeholder 2">
-            <a:extLst>
-              <a:ext uri="{FF2B5EF4-FFF2-40B4-BE49-F238E27FC236}">
-                <a16:creationId xmlns:a16="http://schemas.microsoft.com/office/drawing/2014/main" id="{5D24D6A1-3E13-A94F-063A-2C32586CB08A}"/>
-              </a:ext>
-            </a:extLst>
-          </p:cNvPr>
-          <p:cNvSpPr>
-            <a:spLocks noGrp="1"/>
-          </p:cNvSpPr>
-          <p:nvPr>
-            <p:ph idx="1"/>
-          </p:nvPr>
-        </p:nvSpPr>
-        <p:spPr>
-          <a:xfrm>
-            <a:off x="812800" y="914400"/>
-            <a:ext cx="10566400" cy="5562600"/>
-          </a:xfrm>
-        </p:spPr>
-        <p:txBody>
-          <a:bodyPr>
-            <a:normAutofit/>
-          </a:bodyPr>
-          <a:lstStyle/>
-          <a:p>
-            <a:r>
-              <a:rPr lang="en-GB" dirty="0"/>
-              <a:t>Consider a large table with identical multi-armed alien lawyers. There is a pile of chopsticks at the </a:t>
-            </a:r>
-            <a:r>
-              <a:rPr lang="en-GB" dirty="0" err="1"/>
-              <a:t>center</a:t>
-            </a:r>
-            <a:r>
-              <a:rPr lang="en-GB" dirty="0"/>
-              <a:t> of the table. In order to eat, a lawyer must have one chopstick in each hand. Assume total number of chopsticks &gt;= number of hands of each lawyer, so at least one lawyer can eat.</a:t>
-            </a:r>
-          </a:p>
-          <a:p>
-            <a:r>
-              <a:rPr lang="en-GB" dirty="0"/>
-              <a:t>It is not a generalization of the 2-armed Dining Philosophers problem. Since the chopsticks are in a pile at </a:t>
-            </a:r>
-            <a:r>
-              <a:rPr lang="en-GB" dirty="0" err="1"/>
-              <a:t>center</a:t>
-            </a:r>
-            <a:r>
-              <a:rPr lang="en-GB" dirty="0"/>
-              <a:t> of the table, we should model them as a single resource with multiple instances, instead of multiple resources for the Dining Philosophers, where each fork (chopstick) has a fixed position in-between two philosophers. Hence the R and C matrices have a single column.</a:t>
-            </a:r>
-          </a:p>
-        </p:txBody>
-      </p:sp>
-      <p:sp>
-        <p:nvSpPr>
-          <p:cNvPr id="4" name="Rectangle 3">
-            <a:extLst>
-              <a:ext uri="{FF2B5EF4-FFF2-40B4-BE49-F238E27FC236}">
-                <a16:creationId xmlns:a16="http://schemas.microsoft.com/office/drawing/2014/main" id="{358E381C-BBBB-E844-A692-437444C89492}"/>
-              </a:ext>
-            </a:extLst>
-          </p:cNvPr>
-          <p:cNvSpPr/>
-          <p:nvPr/>
-        </p:nvSpPr>
-        <p:spPr bwMode="auto">
-          <a:xfrm>
-            <a:off x="4267200" y="6477000"/>
-            <a:ext cx="4419600" cy="304801"/>
-          </a:xfrm>
-          <a:prstGeom prst="rect">
-            <a:avLst/>
-          </a:prstGeom>
-          <a:solidFill>
-            <a:schemeClr val="bg1"/>
-          </a:solidFill>
-          <a:ln w="12700" cap="flat" cmpd="sng" algn="ctr">
-            <a:solidFill>
-              <a:schemeClr val="tx1"/>
-            </a:solidFill>
-            <a:prstDash val="solid"/>
-            <a:round/>
-            <a:headEnd type="none" w="med" len="med"/>
-            <a:tailEnd type="none" w="med" len="med"/>
-          </a:ln>
-          <a:effectLst/>
-          <a:extLst>
-            <a:ext uri="{AF507438-7753-43e0-B8FC-AC1667EBCBE1}">
-              <a14:hiddenEffects xmlns:a14="http://schemas.microsoft.com/office/drawing/2010/main" xmlns="">
-                <a:effectLst>
-                  <a:outerShdw dist="35921" dir="2700000" algn="ctr" rotWithShape="0">
-                    <a:schemeClr val="bg2"/>
-                  </a:outerShdw>
-                </a:effectLst>
-              </a14:hiddenEffects>
-            </a:ext>
-          </a:extLst>
-        </p:spPr>
-        <p:txBody>
-          <a:bodyPr vert="horz" wrap="square" lIns="91440" tIns="45720" rIns="91440" bIns="45720" numCol="1" rtlCol="0" anchor="t" anchorCtr="0" compatLnSpc="1">
-            <a:prstTxWarp prst="textNoShape">
-              <a:avLst/>
-            </a:prstTxWarp>
-          </a:bodyPr>
-          <a:lstStyle/>
-          <a:p>
-            <a:r>
-              <a:rPr lang="en-GB" sz="1400" b="0" dirty="0">
-                <a:latin typeface="Gill Sans" panose="020B0502020104020203"/>
-              </a:rPr>
-              <a:t>Ack: this example is taken from UC Berkeley CS162 course.</a:t>
-            </a:r>
-            <a:endParaRPr kumimoji="0" lang="en-SE" sz="1400" b="0" i="0" u="none" strike="noStrike" cap="none" normalizeH="0" baseline="0" dirty="0">
-              <a:ln>
-                <a:noFill/>
-              </a:ln>
-              <a:solidFill>
-                <a:schemeClr val="tx1"/>
-              </a:solidFill>
-              <a:effectLst/>
-              <a:latin typeface="Gill Sans" panose="020B0502020104020203"/>
-            </a:endParaRPr>
-          </a:p>
-        </p:txBody>
-      </p:sp>
-    </p:spTree>
-    <p:extLst>
-      <p:ext uri="{BB962C8B-B14F-4D97-AF65-F5344CB8AC3E}">
-        <p14:creationId xmlns:p14="http://schemas.microsoft.com/office/powerpoint/2010/main" val="3912534557"/>
-      </p:ext>
-    </p:extLst>
-  </p:cSld>
-  <p:clrMapOvr>
-    <a:masterClrMapping/>
-  </p:clrMapOvr>
-  <p:transition/>
-</p:sld>
-</file>
-
-<file path=ppt/slides/slide13.xml><?xml version="1.0" encoding="utf-8"?>
-<p:sld xmlns:a="http://schemas.openxmlformats.org/drawingml/2006/main" xmlns:r="http://schemas.openxmlformats.org/officeDocument/2006/relationships" xmlns:p="http://schemas.openxmlformats.org/presentationml/2006/main">
-  <p:cSld>
-    <p:spTree>
-      <p:nvGrpSpPr>
-        <p:cNvPr id="1" name="">
-          <a:extLst>
-            <a:ext uri="{FF2B5EF4-FFF2-40B4-BE49-F238E27FC236}">
-              <a16:creationId xmlns:a16="http://schemas.microsoft.com/office/drawing/2014/main" id="{85CD035D-F5B9-F2C6-59A2-7DE1BCA7D592}"/>
-            </a:ext>
-          </a:extLst>
-        </p:cNvPr>
-        <p:cNvGrpSpPr/>
-        <p:nvPr/>
-      </p:nvGrpSpPr>
-      <p:grpSpPr>
-        <a:xfrm>
-          <a:off x="0" y="0"/>
-          <a:ext cx="0" cy="0"/>
-          <a:chOff x="0" y="0"/>
-          <a:chExt cx="0" cy="0"/>
-        </a:xfrm>
-      </p:grpSpPr>
-      <p:sp>
-        <p:nvSpPr>
-          <p:cNvPr id="1032" name="Rectangle 2">
-            <a:extLst>
-              <a:ext uri="{FF2B5EF4-FFF2-40B4-BE49-F238E27FC236}">
-                <a16:creationId xmlns:a16="http://schemas.microsoft.com/office/drawing/2014/main" id="{D1236058-8546-8757-C024-E7ACC5EBEB3C}"/>
-              </a:ext>
-            </a:extLst>
-          </p:cNvPr>
-          <p:cNvSpPr>
-            <a:spLocks noGrp="1" noChangeArrowheads="1"/>
-          </p:cNvSpPr>
-          <p:nvPr>
-            <p:ph type="title" sz="quarter"/>
-          </p:nvPr>
-        </p:nvSpPr>
-        <p:spPr>
-          <a:xfrm>
-            <a:off x="1981200" y="-114300"/>
-            <a:ext cx="8991600" cy="1143000"/>
-          </a:xfrm>
-        </p:spPr>
-        <p:txBody>
-          <a:bodyPr/>
-          <a:lstStyle/>
-          <a:p>
-            <a:pPr eaLnBrk="1" hangingPunct="1"/>
-            <a:r>
-              <a:rPr lang="en-US" altLang="zh-CN" dirty="0">
-                <a:ea typeface="宋体" charset="-122"/>
-              </a:rPr>
-              <a:t>Example: 5 Lawyers, each with 2 arms, 5 chopsticks</a:t>
-            </a:r>
-          </a:p>
-        </p:txBody>
-      </p:sp>
-      <mc:AlternateContent xmlns:mc="http://schemas.openxmlformats.org/markup-compatibility/2006" xmlns:a14="http://schemas.microsoft.com/office/drawing/2010/main">
-        <mc:Choice Requires="a14">
-          <p:sp>
-            <p:nvSpPr>
-              <p:cNvPr id="128006" name="Object 3">
-                <a:extLst>
-                  <a:ext uri="{FF2B5EF4-FFF2-40B4-BE49-F238E27FC236}">
-                    <a16:creationId xmlns:a16="http://schemas.microsoft.com/office/drawing/2014/main" id="{D733E9EA-4D44-2FDB-7DFB-1CCA55413039}"/>
-                  </a:ext>
-                </a:extLst>
-              </p:cNvPr>
-              <p:cNvSpPr txBox="1"/>
-              <p:nvPr/>
-            </p:nvSpPr>
-            <p:spPr bwMode="auto">
-              <a:xfrm>
-                <a:off x="2971800" y="762000"/>
-                <a:ext cx="6529387" cy="2387600"/>
-              </a:xfrm>
-              <a:prstGeom prst="rect">
-                <a:avLst/>
-              </a:prstGeom>
-              <a:noFill/>
-            </p:spPr>
-            <p:txBody>
-              <a:bodyPr>
-                <a:noAutofit/>
-              </a:bodyPr>
-              <a:lstStyle/>
-              <a:p>
-                <a:pPr/>
-                <a14:m>
-                  <m:oMathPara xmlns:m="http://schemas.openxmlformats.org/officeDocument/2006/math">
-                    <m:oMathParaPr>
-                      <m:jc m:val="left"/>
-                    </m:oMathParaPr>
-                    <m:oMath xmlns:m="http://schemas.openxmlformats.org/officeDocument/2006/math">
-                      <m:r>
-                        <m:rPr>
-                          <m:sty m:val="p"/>
-                        </m:rPr>
-                        <a:rPr lang="en-GB" sz="2400" b="0" kern="0">
-                          <a:latin typeface="Cambria Math" panose="02040503050406030204" pitchFamily="18" charset="0"/>
-                          <a:cs typeface="Gill Sans" charset="0"/>
-                        </a:rPr>
-                        <m:t>Max</m:t>
-                      </m:r>
-                      <m:r>
-                        <a:rPr lang="en-GB" sz="2400" b="0" kern="0">
-                          <a:latin typeface="Cambria Math" panose="02040503050406030204" pitchFamily="18" charset="0"/>
-                          <a:cs typeface="Gill Sans" charset="0"/>
-                        </a:rPr>
-                        <m:t>:</m:t>
-                      </m:r>
-                      <m:d>
-                        <m:dPr>
-                          <m:begChr m:val="|"/>
-                          <m:endChr m:val="|"/>
-                          <m:ctrlPr>
-                            <a:rPr lang="en-SE" sz="2400" b="0" i="1" kern="0">
-                              <a:latin typeface="Cambria Math" panose="02040503050406030204" pitchFamily="18" charset="0"/>
-                              <a:cs typeface="Gill Sans" charset="0"/>
-                            </a:rPr>
-                          </m:ctrlPr>
-                        </m:dPr>
-                        <m:e>
-                          <m:m>
-                            <m:mPr>
-                              <m:plcHide m:val="on"/>
-                              <m:mcs>
-                                <m:mc>
-                                  <m:mcPr>
-                                    <m:count m:val="1"/>
-                                    <m:mcJc m:val="center"/>
-                                  </m:mcPr>
-                                </m:mc>
-                              </m:mcs>
-                              <m:ctrlPr>
-                                <a:rPr lang="en-SE" sz="2400" b="0" i="1" kern="0">
-                                  <a:latin typeface="Cambria Math" panose="02040503050406030204" pitchFamily="18" charset="0"/>
-                                  <a:cs typeface="Gill Sans" charset="0"/>
-                                </a:rPr>
-                              </m:ctrlPr>
-                            </m:mPr>
-                            <m:mr>
-                              <m:e>
-                                <m:r>
-                                  <a:rPr lang="en-GB" sz="2400" b="0" kern="0">
-                                    <a:latin typeface="Cambria Math" panose="02040503050406030204" pitchFamily="18" charset="0"/>
-                                    <a:cs typeface="Gill Sans" charset="0"/>
-                                  </a:rPr>
-                                  <m:t>2</m:t>
-                                </m:r>
-                              </m:e>
-                            </m:mr>
-                            <m:mr>
-                              <m:e>
-                                <m:r>
-                                  <a:rPr lang="en-GB" sz="2400" b="0" kern="0">
-                                    <a:latin typeface="Cambria Math" panose="02040503050406030204" pitchFamily="18" charset="0"/>
-                                    <a:cs typeface="Gill Sans" charset="0"/>
-                                  </a:rPr>
-                                  <m:t>2</m:t>
-                                </m:r>
-                              </m:e>
-                            </m:mr>
-                            <m:mr>
-                              <m:e>
-                                <m:r>
-                                  <a:rPr lang="en-GB" sz="2400" b="0" kern="0">
-                                    <a:latin typeface="Cambria Math" panose="02040503050406030204" pitchFamily="18" charset="0"/>
-                                    <a:cs typeface="Gill Sans" charset="0"/>
-                                  </a:rPr>
-                                  <m:t>2</m:t>
-                                </m:r>
-                              </m:e>
-                            </m:mr>
-                            <m:mr>
-                              <m:e>
-                                <m:r>
-                                  <a:rPr lang="en-GB" sz="2400" b="0" kern="0">
-                                    <a:latin typeface="Cambria Math" panose="02040503050406030204" pitchFamily="18" charset="0"/>
-                                    <a:cs typeface="Gill Sans" charset="0"/>
-                                  </a:rPr>
-                                  <m:t>2</m:t>
-                                </m:r>
-                              </m:e>
-                            </m:mr>
-                            <m:mr>
-                              <m:e>
-                                <m:r>
-                                  <a:rPr lang="en-GB" sz="2400" b="0" kern="0">
-                                    <a:latin typeface="Cambria Math" panose="02040503050406030204" pitchFamily="18" charset="0"/>
-                                    <a:cs typeface="Gill Sans" charset="0"/>
-                                  </a:rPr>
-                                  <m:t>2</m:t>
-                                </m:r>
-                              </m:e>
-                            </m:mr>
-                          </m:m>
-                        </m:e>
-                      </m:d>
-                      <m:r>
-                        <a:rPr lang="en-GB" sz="2400" b="0" kern="0">
-                          <a:latin typeface="Cambria Math" panose="02040503050406030204" pitchFamily="18" charset="0"/>
-                          <a:cs typeface="Gill Sans" charset="0"/>
-                        </a:rPr>
-                        <m:t>, </m:t>
-                      </m:r>
-                      <m:r>
-                        <m:rPr>
-                          <m:sty m:val="p"/>
-                        </m:rPr>
-                        <a:rPr lang="en-GB" sz="2400" b="0" kern="0">
-                          <a:latin typeface="Cambria Math" panose="02040503050406030204" pitchFamily="18" charset="0"/>
-                          <a:cs typeface="Gill Sans" charset="0"/>
-                        </a:rPr>
-                        <m:t>Allocation</m:t>
-                      </m:r>
-                      <m:r>
-                        <a:rPr lang="en-GB" sz="2400" b="0" kern="0">
-                          <a:latin typeface="Cambria Math" panose="02040503050406030204" pitchFamily="18" charset="0"/>
-                          <a:cs typeface="Gill Sans" charset="0"/>
-                        </a:rPr>
-                        <m:t>:</m:t>
-                      </m:r>
-                      <m:d>
-                        <m:dPr>
-                          <m:begChr m:val="|"/>
-                          <m:endChr m:val="|"/>
-                          <m:ctrlPr>
-                            <a:rPr lang="en-SE" sz="2400" b="0" i="1" kern="0">
-                              <a:latin typeface="Cambria Math" panose="02040503050406030204" pitchFamily="18" charset="0"/>
-                              <a:cs typeface="Gill Sans" charset="0"/>
-                            </a:rPr>
-                          </m:ctrlPr>
-                        </m:dPr>
-                        <m:e>
-                          <m:m>
-                            <m:mPr>
-                              <m:plcHide m:val="on"/>
-                              <m:mcs>
-                                <m:mc>
-                                  <m:mcPr>
-                                    <m:count m:val="1"/>
-                                    <m:mcJc m:val="center"/>
-                                  </m:mcPr>
-                                </m:mc>
-                              </m:mcs>
-                              <m:ctrlPr>
-                                <a:rPr lang="en-SE" sz="2400" b="0" i="1" kern="0">
-                                  <a:latin typeface="Cambria Math" panose="02040503050406030204" pitchFamily="18" charset="0"/>
-                                  <a:cs typeface="Gill Sans" charset="0"/>
-                                </a:rPr>
-                              </m:ctrlPr>
-                            </m:mPr>
-                            <m:mr>
-                              <m:e>
-                                <m:r>
-                                  <a:rPr lang="en-GB" sz="2400" b="0" kern="0">
-                                    <a:latin typeface="Cambria Math" panose="02040503050406030204" pitchFamily="18" charset="0"/>
-                                    <a:cs typeface="Gill Sans" charset="0"/>
-                                  </a:rPr>
-                                  <m:t>0</m:t>
-                                </m:r>
-                              </m:e>
-                            </m:mr>
-                            <m:mr>
-                              <m:e>
-                                <m:r>
-                                  <a:rPr lang="en-GB" sz="2400" b="0" kern="0">
-                                    <a:latin typeface="Cambria Math" panose="02040503050406030204" pitchFamily="18" charset="0"/>
-                                    <a:cs typeface="Gill Sans" charset="0"/>
-                                  </a:rPr>
-                                  <m:t>0</m:t>
-                                </m:r>
-                              </m:e>
-                            </m:mr>
-                            <m:mr>
-                              <m:e>
-                                <m:r>
-                                  <a:rPr lang="en-GB" sz="2400" b="0" kern="0">
-                                    <a:latin typeface="Cambria Math" panose="02040503050406030204" pitchFamily="18" charset="0"/>
-                                    <a:cs typeface="Gill Sans" charset="0"/>
-                                  </a:rPr>
-                                  <m:t>0</m:t>
-                                </m:r>
-                              </m:e>
-                            </m:mr>
-                            <m:mr>
-                              <m:e>
-                                <m:r>
-                                  <a:rPr lang="en-GB" sz="2400" b="0" kern="0">
-                                    <a:latin typeface="Cambria Math" panose="02040503050406030204" pitchFamily="18" charset="0"/>
-                                    <a:cs typeface="Gill Sans" charset="0"/>
-                                  </a:rPr>
-                                  <m:t>0</m:t>
-                                </m:r>
-                              </m:e>
-                            </m:mr>
-                            <m:mr>
-                              <m:e>
-                                <m:r>
-                                  <a:rPr lang="en-GB" sz="2400" b="0" kern="0">
-                                    <a:latin typeface="Cambria Math" panose="02040503050406030204" pitchFamily="18" charset="0"/>
-                                    <a:cs typeface="Gill Sans" charset="0"/>
-                                  </a:rPr>
-                                  <m:t>0</m:t>
-                                </m:r>
-                              </m:e>
-                            </m:mr>
-                          </m:m>
-                        </m:e>
-                      </m:d>
-                      <m:r>
-                        <a:rPr lang="en-GB" sz="2400" b="0" kern="0">
-                          <a:latin typeface="Cambria Math" panose="02040503050406030204" pitchFamily="18" charset="0"/>
-                          <a:cs typeface="Gill Sans" charset="0"/>
-                        </a:rPr>
-                        <m:t>, </m:t>
-                      </m:r>
-                      <m:r>
-                        <m:rPr>
-                          <m:sty m:val="p"/>
-                        </m:rPr>
-                        <a:rPr lang="en-GB" sz="2400" b="0" kern="0">
-                          <a:latin typeface="Cambria Math" panose="02040503050406030204" pitchFamily="18" charset="0"/>
-                          <a:cs typeface="Gill Sans" charset="0"/>
-                        </a:rPr>
-                        <m:t>Total</m:t>
-                      </m:r>
-                      <m:r>
-                        <a:rPr lang="en-GB" sz="2400" b="0" kern="0">
-                          <a:latin typeface="Cambria Math" panose="02040503050406030204" pitchFamily="18" charset="0"/>
-                          <a:cs typeface="Gill Sans" charset="0"/>
-                        </a:rPr>
-                        <m:t>: </m:t>
-                      </m:r>
-                      <m:d>
-                        <m:dPr>
-                          <m:begChr m:val="|"/>
-                          <m:endChr m:val="|"/>
-                          <m:ctrlPr>
-                            <a:rPr lang="en-SE" sz="2400" b="0" i="1" kern="0">
-                              <a:latin typeface="Cambria Math" panose="02040503050406030204" pitchFamily="18" charset="0"/>
-                              <a:cs typeface="Gill Sans" charset="0"/>
-                            </a:rPr>
-                          </m:ctrlPr>
-                        </m:dPr>
-                        <m:e>
-                          <m:r>
-                            <a:rPr lang="en-GB" sz="2400" b="0" kern="0">
-                              <a:latin typeface="Cambria Math" panose="02040503050406030204" pitchFamily="18" charset="0"/>
-                              <a:cs typeface="Gill Sans" charset="0"/>
-                            </a:rPr>
-                            <m:t>5</m:t>
-                          </m:r>
-                        </m:e>
-                      </m:d>
-                      <m:r>
-                        <a:rPr lang="en-GB" sz="2400" b="0" kern="0">
-                          <a:latin typeface="Cambria Math" panose="02040503050406030204" pitchFamily="18" charset="0"/>
-                          <a:cs typeface="Gill Sans" charset="0"/>
-                        </a:rPr>
-                        <m:t>, </m:t>
-                      </m:r>
-                      <m:r>
-                        <m:rPr>
-                          <m:sty m:val="p"/>
-                        </m:rPr>
-                        <a:rPr lang="en-GB" sz="2400" b="0" kern="0">
-                          <a:latin typeface="Cambria Math" panose="02040503050406030204" pitchFamily="18" charset="0"/>
-                          <a:cs typeface="Gill Sans" charset="0"/>
-                        </a:rPr>
-                        <m:t>Available</m:t>
-                      </m:r>
-                      <m:r>
-                        <a:rPr lang="en-GB" sz="2400" b="0" kern="0">
-                          <a:latin typeface="Cambria Math" panose="02040503050406030204" pitchFamily="18" charset="0"/>
-                          <a:cs typeface="Gill Sans" charset="0"/>
-                        </a:rPr>
-                        <m:t>:</m:t>
-                      </m:r>
-                      <m:d>
-                        <m:dPr>
-                          <m:begChr m:val="|"/>
-                          <m:endChr m:val="|"/>
-                          <m:ctrlPr>
-                            <a:rPr lang="en-SE" sz="2400" b="0" i="1" kern="0">
-                              <a:latin typeface="Cambria Math" panose="02040503050406030204" pitchFamily="18" charset="0"/>
-                              <a:cs typeface="Gill Sans" charset="0"/>
-                            </a:rPr>
-                          </m:ctrlPr>
-                        </m:dPr>
-                        <m:e>
-                          <m:r>
-                            <a:rPr lang="en-GB" sz="2400" b="0" kern="0">
-                              <a:latin typeface="Cambria Math" panose="02040503050406030204" pitchFamily="18" charset="0"/>
-                              <a:cs typeface="Gill Sans" charset="0"/>
-                            </a:rPr>
-                            <m:t>5</m:t>
-                          </m:r>
-                        </m:e>
-                      </m:d>
-                    </m:oMath>
-                  </m:oMathPara>
-                </a14:m>
-                <a:endParaRPr lang="en-SE" sz="2400" b="0" kern="0" dirty="0">
-                  <a:latin typeface="Gill Sans" charset="0"/>
-                  <a:cs typeface="Gill Sans" charset="0"/>
-                </a:endParaRPr>
-              </a:p>
-            </p:txBody>
-          </p:sp>
-        </mc:Choice>
-        <mc:Fallback xmlns="">
-          <p:sp>
-            <p:nvSpPr>
-              <p:cNvPr id="128006" name="Object 3">
-                <a:extLst>
-                  <a:ext uri="{FF2B5EF4-FFF2-40B4-BE49-F238E27FC236}">
-                    <a16:creationId xmlns:a16="http://schemas.microsoft.com/office/drawing/2014/main" id="{D733E9EA-4D44-2FDB-7DFB-1CCA55413039}"/>
-                  </a:ext>
-                </a:extLst>
-              </p:cNvPr>
-              <p:cNvSpPr txBox="1">
-                <a:spLocks noRot="1" noChangeAspect="1" noMove="1" noResize="1" noEditPoints="1" noAdjustHandles="1" noChangeArrowheads="1" noChangeShapeType="1" noTextEdit="1"/>
-              </p:cNvSpPr>
-              <p:nvPr/>
-            </p:nvSpPr>
-            <p:spPr bwMode="auto">
-              <a:xfrm>
-                <a:off x="2971800" y="762000"/>
-                <a:ext cx="6529387" cy="2387600"/>
-              </a:xfrm>
-              <a:prstGeom prst="rect">
-                <a:avLst/>
-              </a:prstGeom>
-              <a:blipFill>
-                <a:blip r:embed="rId2"/>
-                <a:stretch>
-                  <a:fillRect/>
-                </a:stretch>
-              </a:blipFill>
-            </p:spPr>
-            <p:txBody>
-              <a:bodyPr/>
-              <a:lstStyle/>
-              <a:p>
-                <a:r>
-                  <a:rPr lang="en-SE">
-                    <a:noFill/>
-                  </a:rPr>
-                  <a:t> </a:t>
-                </a:r>
-              </a:p>
-            </p:txBody>
-          </p:sp>
-        </mc:Fallback>
-      </mc:AlternateContent>
-      <p:sp>
-        <p:nvSpPr>
-          <p:cNvPr id="14" name="Content Placeholder 2">
-            <a:extLst>
-              <a:ext uri="{FF2B5EF4-FFF2-40B4-BE49-F238E27FC236}">
-                <a16:creationId xmlns:a16="http://schemas.microsoft.com/office/drawing/2014/main" id="{1B4E313D-DF96-E850-F367-13C977EC5412}"/>
-              </a:ext>
-            </a:extLst>
-          </p:cNvPr>
-          <p:cNvSpPr>
-            <a:spLocks noGrp="1"/>
-          </p:cNvSpPr>
-          <p:nvPr>
-            <p:ph idx="1"/>
-          </p:nvPr>
-        </p:nvSpPr>
-        <p:spPr>
-          <a:xfrm>
-            <a:off x="3739444" y="2903637"/>
-            <a:ext cx="4368846" cy="478183"/>
-          </a:xfrm>
-        </p:spPr>
-        <p:txBody>
-          <a:bodyPr>
-            <a:normAutofit/>
-          </a:bodyPr>
-          <a:lstStyle/>
-          <a:p>
-            <a:r>
-              <a:rPr lang="en-GB" dirty="0"/>
-              <a:t>Initially, all chopsticks are free.</a:t>
-            </a:r>
-          </a:p>
-        </p:txBody>
-      </p:sp>
-      <p:sp>
-        <p:nvSpPr>
-          <p:cNvPr id="15" name="Content Placeholder 2">
-            <a:extLst>
-              <a:ext uri="{FF2B5EF4-FFF2-40B4-BE49-F238E27FC236}">
-                <a16:creationId xmlns:a16="http://schemas.microsoft.com/office/drawing/2014/main" id="{BB02F49F-8484-BF8A-E401-8537506797F6}"/>
-              </a:ext>
-            </a:extLst>
-          </p:cNvPr>
-          <p:cNvSpPr txBox="1">
-            <a:spLocks/>
-          </p:cNvSpPr>
-          <p:nvPr/>
-        </p:nvSpPr>
-        <p:spPr bwMode="auto">
-          <a:xfrm>
-            <a:off x="3581400" y="5653709"/>
-            <a:ext cx="5791200" cy="1066800"/>
-          </a:xfrm>
-          <a:prstGeom prst="rect">
-            <a:avLst/>
-          </a:prstGeom>
-          <a:noFill/>
-          <a:ln>
-            <a:noFill/>
-          </a:ln>
-          <a:effectLst/>
-          <a:extLst>
-            <a:ext uri="{FAA26D3D-D897-4be2-8F04-BA451C77F1D7}">
-              <ma14:placeholderFlag xmlns="" xmlns:ma14="http://schemas.microsoft.com/office/mac/drawingml/2011/main" val="1"/>
-            </a:ext>
-            <a:ext uri="{909E8E84-426E-40dd-AFC4-6F175D3DCCD1}">
-              <a14:hiddenFill xmlns="" xmlns:a14="http://schemas.microsoft.com/office/drawing/2010/main">
-                <a:solidFill>
-                  <a:schemeClr val="bg1"/>
-                </a:solidFill>
-              </a14:hiddenFill>
-            </a:ext>
-            <a:ext uri="{91240B29-F687-4f45-9708-019B960494DF}">
-              <a14:hiddenLine xmlns="" xmlns:a14="http://schemas.microsoft.com/office/drawing/2010/main" w="12700">
-                <a:pattFill prst="narHorz">
-                  <a:fgClr>
-                    <a:schemeClr val="tx1"/>
-                  </a:fgClr>
-                  <a:bgClr>
-                    <a:schemeClr val="bg1"/>
-                  </a:bgClr>
-                </a:pattFill>
-                <a:miter lim="800000"/>
-                <a:headEnd/>
-                <a:tailEnd/>
-              </a14:hiddenLine>
-            </a:ext>
-            <a:ext uri="{AF507438-7753-43e0-B8FC-AC1667EBCBE1}">
-              <a14:hiddenEffects xmlns="" xmlns:a14="http://schemas.microsoft.com/office/drawing/2010/main">
-                <a:effectLst>
-                  <a:outerShdw blurRad="63500" dist="38099" dir="2700000" algn="ctr" rotWithShape="0">
-                    <a:schemeClr val="bg2">
-                      <a:alpha val="74998"/>
-                    </a:schemeClr>
-                  </a:outerShdw>
-                </a:effectLst>
-              </a14:hiddenEffects>
-            </a:ext>
-          </a:extLst>
-        </p:spPr>
-        <p:txBody>
-          <a:bodyPr vert="horz" wrap="square" lIns="90478" tIns="44445" rIns="90478" bIns="44445" numCol="1" anchor="t" anchorCtr="0" compatLnSpc="1">
-            <a:prstTxWarp prst="textNoShape">
-              <a:avLst/>
-            </a:prstTxWarp>
-            <a:normAutofit/>
-          </a:bodyPr>
-          <a:lstStyle>
-            <a:lvl1pPr marL="285750" indent="-285750" algn="l" rtl="0" eaLnBrk="0" fontAlgn="base" hangingPunct="0">
-              <a:lnSpc>
-                <a:spcPct val="90000"/>
-              </a:lnSpc>
-              <a:spcBef>
-                <a:spcPct val="30000"/>
-              </a:spcBef>
-              <a:spcAft>
-                <a:spcPct val="0"/>
-              </a:spcAft>
-              <a:buSzPct val="100000"/>
-              <a:buChar char="•"/>
-              <a:defRPr sz="2400">
-                <a:solidFill>
-                  <a:schemeClr val="tx1"/>
-                </a:solidFill>
-                <a:latin typeface="Gill Sans" charset="0"/>
-                <a:ea typeface="ＭＳ Ｐゴシック" charset="0"/>
-                <a:cs typeface="Gill Sans" charset="0"/>
-              </a:defRPr>
-            </a:lvl1pPr>
-            <a:lvl2pPr marL="685800" indent="-228600" algn="l" rtl="0" eaLnBrk="0" fontAlgn="base" hangingPunct="0">
-              <a:lnSpc>
-                <a:spcPct val="90000"/>
-              </a:lnSpc>
-              <a:spcBef>
-                <a:spcPct val="30000"/>
-              </a:spcBef>
-              <a:spcAft>
-                <a:spcPct val="0"/>
-              </a:spcAft>
-              <a:buSzPct val="100000"/>
-              <a:buChar char="–"/>
-              <a:defRPr sz="2200">
-                <a:solidFill>
-                  <a:schemeClr val="tx1"/>
-                </a:solidFill>
-                <a:latin typeface="Gill Sans" charset="0"/>
-                <a:ea typeface="Gill Sans" charset="0"/>
-                <a:cs typeface="Gill Sans" charset="0"/>
-              </a:defRPr>
-            </a:lvl2pPr>
-            <a:lvl3pPr marL="1143000" indent="-228600" algn="l" rtl="0" eaLnBrk="0" fontAlgn="base" hangingPunct="0">
-              <a:lnSpc>
-                <a:spcPct val="90000"/>
-              </a:lnSpc>
-              <a:spcBef>
-                <a:spcPct val="30000"/>
-              </a:spcBef>
-              <a:spcAft>
-                <a:spcPct val="0"/>
-              </a:spcAft>
-              <a:buSzPct val="100000"/>
-              <a:buChar char="»"/>
-              <a:defRPr sz="2000">
-                <a:solidFill>
-                  <a:schemeClr val="tx1"/>
-                </a:solidFill>
-                <a:latin typeface="Gill Sans" charset="0"/>
-                <a:ea typeface="Gill Sans" charset="0"/>
-                <a:cs typeface="Gill Sans" charset="0"/>
-              </a:defRPr>
-            </a:lvl3pPr>
-            <a:lvl4pPr marL="1543050" indent="-171450" algn="l" rtl="0" eaLnBrk="0" fontAlgn="base" hangingPunct="0">
-              <a:lnSpc>
-                <a:spcPct val="90000"/>
-              </a:lnSpc>
-              <a:spcBef>
-                <a:spcPct val="30000"/>
-              </a:spcBef>
-              <a:spcAft>
-                <a:spcPct val="0"/>
-              </a:spcAft>
-              <a:buSzPct val="100000"/>
-              <a:buChar char="•"/>
-              <a:defRPr sz="2000">
-                <a:solidFill>
-                  <a:schemeClr val="tx1"/>
-                </a:solidFill>
-                <a:latin typeface="Gill Sans" charset="0"/>
-                <a:ea typeface="Gill Sans" charset="0"/>
-                <a:cs typeface="Gill Sans" charset="0"/>
-              </a:defRPr>
-            </a:lvl4pPr>
-            <a:lvl5pPr marL="2000250" indent="-171450" algn="l" rtl="0" eaLnBrk="0" fontAlgn="base" hangingPunct="0">
-              <a:lnSpc>
-                <a:spcPct val="90000"/>
-              </a:lnSpc>
-              <a:spcBef>
-                <a:spcPct val="30000"/>
-              </a:spcBef>
-              <a:spcAft>
-                <a:spcPct val="0"/>
-              </a:spcAft>
-              <a:buSzPct val="100000"/>
-              <a:buChar char="–"/>
-              <a:defRPr sz="2000">
-                <a:solidFill>
-                  <a:schemeClr val="tx1"/>
-                </a:solidFill>
-                <a:latin typeface="Gill Sans" charset="0"/>
-                <a:ea typeface="Gill Sans" charset="0"/>
-                <a:cs typeface="Gill Sans" charset="0"/>
-              </a:defRPr>
-            </a:lvl5pPr>
-            <a:lvl6pPr marL="2457450" indent="-171450" algn="l" rtl="0" eaLnBrk="0" fontAlgn="base" hangingPunct="0">
-              <a:lnSpc>
-                <a:spcPct val="90000"/>
-              </a:lnSpc>
-              <a:spcBef>
-                <a:spcPct val="30000"/>
-              </a:spcBef>
-              <a:spcAft>
-                <a:spcPct val="0"/>
-              </a:spcAft>
-              <a:buSzPct val="100000"/>
-              <a:buChar char="–"/>
-              <a:defRPr sz="2000" b="1">
-                <a:solidFill>
-                  <a:schemeClr val="tx1"/>
-                </a:solidFill>
-                <a:latin typeface="+mn-lt"/>
-              </a:defRPr>
-            </a:lvl6pPr>
-            <a:lvl7pPr marL="2914650" indent="-171450" algn="l" rtl="0" eaLnBrk="0" fontAlgn="base" hangingPunct="0">
-              <a:lnSpc>
-                <a:spcPct val="90000"/>
-              </a:lnSpc>
-              <a:spcBef>
-                <a:spcPct val="30000"/>
-              </a:spcBef>
-              <a:spcAft>
-                <a:spcPct val="0"/>
-              </a:spcAft>
-              <a:buSzPct val="100000"/>
-              <a:buChar char="–"/>
-              <a:defRPr sz="2000" b="1">
-                <a:solidFill>
-                  <a:schemeClr val="tx1"/>
-                </a:solidFill>
-                <a:latin typeface="+mn-lt"/>
-              </a:defRPr>
-            </a:lvl7pPr>
-            <a:lvl8pPr marL="3371850" indent="-171450" algn="l" rtl="0" eaLnBrk="0" fontAlgn="base" hangingPunct="0">
-              <a:lnSpc>
-                <a:spcPct val="90000"/>
-              </a:lnSpc>
-              <a:spcBef>
-                <a:spcPct val="30000"/>
-              </a:spcBef>
-              <a:spcAft>
-                <a:spcPct val="0"/>
-              </a:spcAft>
-              <a:buSzPct val="100000"/>
-              <a:buChar char="–"/>
-              <a:defRPr sz="2000" b="1">
-                <a:solidFill>
-                  <a:schemeClr val="tx1"/>
-                </a:solidFill>
-                <a:latin typeface="+mn-lt"/>
-              </a:defRPr>
-            </a:lvl8pPr>
-            <a:lvl9pPr marL="3829050" indent="-171450" algn="l" rtl="0" eaLnBrk="0" fontAlgn="base" hangingPunct="0">
-              <a:lnSpc>
-                <a:spcPct val="90000"/>
-              </a:lnSpc>
-              <a:spcBef>
-                <a:spcPct val="30000"/>
-              </a:spcBef>
-              <a:spcAft>
-                <a:spcPct val="0"/>
-              </a:spcAft>
-              <a:buSzPct val="100000"/>
-              <a:buChar char="–"/>
-              <a:defRPr sz="2000" b="1">
-                <a:solidFill>
-                  <a:schemeClr val="tx1"/>
-                </a:solidFill>
-                <a:latin typeface="+mn-lt"/>
-              </a:defRPr>
-            </a:lvl9pPr>
-          </a:lstStyle>
-          <a:p>
-            <a:r>
-              <a:rPr lang="en-GB" b="0" kern="0" dirty="0"/>
-              <a:t>Two lawyers each grab two chopsticks and start eating. No other lawyers can eat.</a:t>
-            </a:r>
-          </a:p>
-        </p:txBody>
-      </p:sp>
-      <mc:AlternateContent xmlns:mc="http://schemas.openxmlformats.org/markup-compatibility/2006" xmlns:a14="http://schemas.microsoft.com/office/drawing/2010/main">
-        <mc:Choice Requires="a14">
-          <p:sp>
-            <p:nvSpPr>
-              <p:cNvPr id="3" name="Object 3">
-                <a:extLst>
-                  <a:ext uri="{FF2B5EF4-FFF2-40B4-BE49-F238E27FC236}">
-                    <a16:creationId xmlns:a16="http://schemas.microsoft.com/office/drawing/2014/main" id="{C12D90C4-78CA-392B-F3A9-86D0F16AF3D9}"/>
-                  </a:ext>
-                </a:extLst>
-              </p:cNvPr>
-              <p:cNvSpPr txBox="1"/>
-              <p:nvPr/>
-            </p:nvSpPr>
-            <p:spPr bwMode="auto">
-              <a:xfrm>
-                <a:off x="2971800" y="3505200"/>
-                <a:ext cx="6529387" cy="2387600"/>
-              </a:xfrm>
-              <a:prstGeom prst="rect">
-                <a:avLst/>
-              </a:prstGeom>
-              <a:noFill/>
-            </p:spPr>
-            <p:txBody>
-              <a:bodyPr>
-                <a:noAutofit/>
-              </a:bodyPr>
-              <a:lstStyle/>
-              <a:p>
-                <a:pPr/>
-                <a14:m>
-                  <m:oMathPara xmlns:m="http://schemas.openxmlformats.org/officeDocument/2006/math">
-                    <m:oMathParaPr>
-                      <m:jc m:val="left"/>
-                    </m:oMathParaPr>
-                    <m:oMath xmlns:m="http://schemas.openxmlformats.org/officeDocument/2006/math">
-                      <m:r>
-                        <m:rPr>
-                          <m:sty m:val="p"/>
-                        </m:rPr>
-                        <a:rPr lang="en-GB" sz="2400" b="0" i="0" smtClean="0">
-                          <a:solidFill>
-                            <a:srgbClr val="000000"/>
-                          </a:solidFill>
-                          <a:latin typeface="Cambria Math" panose="02040503050406030204" pitchFamily="18" charset="0"/>
-                        </a:rPr>
-                        <m:t>Max</m:t>
-                      </m:r>
-                      <m:r>
-                        <a:rPr lang="en-GB" sz="2400" b="0" i="0" smtClean="0">
-                          <a:solidFill>
-                            <a:srgbClr val="000000"/>
-                          </a:solidFill>
-                          <a:latin typeface="Cambria Math" panose="02040503050406030204" pitchFamily="18" charset="0"/>
-                        </a:rPr>
-                        <m:t>:</m:t>
-                      </m:r>
-                      <m:d>
-                        <m:dPr>
-                          <m:begChr m:val="|"/>
-                          <m:endChr m:val="|"/>
-                          <m:ctrlPr>
-                            <a:rPr lang="en-SE" sz="2400" i="1" smtClean="0">
-                              <a:solidFill>
-                                <a:srgbClr val="000000"/>
-                              </a:solidFill>
-                              <a:latin typeface="Cambria Math" panose="02040503050406030204" pitchFamily="18" charset="0"/>
-                            </a:rPr>
-                          </m:ctrlPr>
-                        </m:dPr>
-                        <m:e>
-                          <m:m>
-                            <m:mPr>
-                              <m:plcHide m:val="on"/>
-                              <m:mcs>
-                                <m:mc>
-                                  <m:mcPr>
-                                    <m:count m:val="1"/>
-                                    <m:mcJc m:val="center"/>
-                                  </m:mcPr>
-                                </m:mc>
-                              </m:mcs>
-                              <m:ctrlPr>
-                                <a:rPr lang="en-SE" sz="2400" b="0" i="1">
-                                  <a:solidFill>
-                                    <a:srgbClr val="000000"/>
-                                  </a:solidFill>
-                                  <a:latin typeface="Cambria Math" panose="02040503050406030204" pitchFamily="18" charset="0"/>
-                                </a:rPr>
-                              </m:ctrlPr>
-                            </m:mPr>
-                            <m:mr>
-                              <m:e>
-                                <m:r>
-                                  <a:rPr lang="en-GB" sz="2400" b="0">
-                                    <a:solidFill>
-                                      <a:srgbClr val="000000"/>
-                                    </a:solidFill>
-                                    <a:latin typeface="Cambria Math" panose="02040503050406030204" pitchFamily="18" charset="0"/>
-                                  </a:rPr>
-                                  <m:t>2</m:t>
-                                </m:r>
-                              </m:e>
-                            </m:mr>
-                            <m:mr>
-                              <m:e>
-                                <m:r>
-                                  <a:rPr lang="en-GB" sz="2400" b="0">
-                                    <a:solidFill>
-                                      <a:srgbClr val="000000"/>
-                                    </a:solidFill>
-                                    <a:latin typeface="Cambria Math" panose="02040503050406030204" pitchFamily="18" charset="0"/>
-                                  </a:rPr>
-                                  <m:t>2</m:t>
-                                </m:r>
-                              </m:e>
-                            </m:mr>
-                            <m:mr>
-                              <m:e>
-                                <m:r>
-                                  <a:rPr lang="en-GB" sz="2400" b="0">
-                                    <a:solidFill>
-                                      <a:srgbClr val="000000"/>
-                                    </a:solidFill>
-                                    <a:latin typeface="Cambria Math" panose="02040503050406030204" pitchFamily="18" charset="0"/>
-                                  </a:rPr>
-                                  <m:t>2</m:t>
-                                </m:r>
-                              </m:e>
-                            </m:mr>
-                            <m:mr>
-                              <m:e>
-                                <m:r>
-                                  <a:rPr lang="en-GB" sz="2400" b="0">
-                                    <a:solidFill>
-                                      <a:srgbClr val="000000"/>
-                                    </a:solidFill>
-                                    <a:latin typeface="Cambria Math" panose="02040503050406030204" pitchFamily="18" charset="0"/>
-                                  </a:rPr>
-                                  <m:t>2</m:t>
-                                </m:r>
-                              </m:e>
-                            </m:mr>
-                            <m:mr>
-                              <m:e>
-                                <m:r>
-                                  <a:rPr lang="en-GB" sz="2400" b="0">
-                                    <a:solidFill>
-                                      <a:srgbClr val="000000"/>
-                                    </a:solidFill>
-                                    <a:latin typeface="Cambria Math" panose="02040503050406030204" pitchFamily="18" charset="0"/>
-                                  </a:rPr>
-                                  <m:t>2</m:t>
-                                </m:r>
-                              </m:e>
-                            </m:mr>
-                          </m:m>
-                        </m:e>
-                      </m:d>
-                      <m:r>
-                        <a:rPr lang="en-GB" sz="2400" b="1" i="1" smtClean="0">
-                          <a:solidFill>
-                            <a:srgbClr val="000000"/>
-                          </a:solidFill>
-                          <a:latin typeface="Cambria Math" panose="02040503050406030204" pitchFamily="18" charset="0"/>
-                        </a:rPr>
-                        <m:t>, </m:t>
-                      </m:r>
-                      <m:r>
-                        <m:rPr>
-                          <m:sty m:val="p"/>
-                        </m:rPr>
-                        <a:rPr lang="en-GB" sz="2400" b="0" i="0" smtClean="0">
-                          <a:solidFill>
-                            <a:srgbClr val="000000"/>
-                          </a:solidFill>
-                          <a:latin typeface="Cambria Math" panose="02040503050406030204" pitchFamily="18" charset="0"/>
-                        </a:rPr>
-                        <m:t>Allocation</m:t>
-                      </m:r>
-                      <m:r>
-                        <a:rPr lang="en-GB" sz="2400" b="0" i="0" smtClean="0">
-                          <a:solidFill>
-                            <a:srgbClr val="000000"/>
-                          </a:solidFill>
-                          <a:latin typeface="Cambria Math" panose="02040503050406030204" pitchFamily="18" charset="0"/>
-                        </a:rPr>
-                        <m:t>:</m:t>
-                      </m:r>
-                      <m:d>
-                        <m:dPr>
-                          <m:begChr m:val="|"/>
-                          <m:endChr m:val="|"/>
-                          <m:ctrlPr>
-                            <a:rPr lang="en-SE" sz="2400" i="1">
-                              <a:solidFill>
-                                <a:srgbClr val="000000"/>
-                              </a:solidFill>
-                              <a:latin typeface="Cambria Math" panose="02040503050406030204" pitchFamily="18" charset="0"/>
-                            </a:rPr>
-                          </m:ctrlPr>
-                        </m:dPr>
-                        <m:e>
-                          <m:m>
-                            <m:mPr>
-                              <m:plcHide m:val="on"/>
-                              <m:mcs>
-                                <m:mc>
-                                  <m:mcPr>
-                                    <m:count m:val="1"/>
-                                    <m:mcJc m:val="center"/>
-                                  </m:mcPr>
-                                </m:mc>
-                              </m:mcs>
-                              <m:ctrlPr>
-                                <a:rPr lang="en-SE" sz="2400" b="0" i="1">
-                                  <a:solidFill>
-                                    <a:srgbClr val="000000"/>
-                                  </a:solidFill>
-                                  <a:latin typeface="Cambria Math" panose="02040503050406030204" pitchFamily="18" charset="0"/>
-                                </a:rPr>
-                              </m:ctrlPr>
-                            </m:mPr>
-                            <m:mr>
-                              <m:e>
-                                <m:r>
-                                  <a:rPr lang="en-GB" sz="2400" b="0" i="0" smtClean="0">
-                                    <a:solidFill>
-                                      <a:srgbClr val="000000"/>
-                                    </a:solidFill>
-                                    <a:latin typeface="Cambria Math" panose="02040503050406030204" pitchFamily="18" charset="0"/>
-                                  </a:rPr>
-                                  <m:t>2</m:t>
-                                </m:r>
-                              </m:e>
-                            </m:mr>
-                            <m:mr>
-                              <m:e>
-                                <m:r>
-                                  <a:rPr lang="en-GB" sz="2400" b="0" i="0" smtClean="0">
-                                    <a:solidFill>
-                                      <a:srgbClr val="000000"/>
-                                    </a:solidFill>
-                                    <a:latin typeface="Cambria Math" panose="02040503050406030204" pitchFamily="18" charset="0"/>
-                                  </a:rPr>
-                                  <m:t>2</m:t>
-                                </m:r>
-                              </m:e>
-                            </m:mr>
-                            <m:mr>
-                              <m:e>
-                                <m:r>
-                                  <a:rPr lang="en-GB" sz="2400" b="0" i="0" smtClean="0">
-                                    <a:solidFill>
-                                      <a:srgbClr val="000000"/>
-                                    </a:solidFill>
-                                    <a:latin typeface="Cambria Math" panose="02040503050406030204" pitchFamily="18" charset="0"/>
-                                  </a:rPr>
-                                  <m:t>0</m:t>
-                                </m:r>
-                              </m:e>
-                            </m:mr>
-                            <m:mr>
-                              <m:e>
-                                <m:r>
-                                  <a:rPr lang="en-GB" sz="2400" b="0" i="0" smtClean="0">
-                                    <a:solidFill>
-                                      <a:srgbClr val="000000"/>
-                                    </a:solidFill>
-                                    <a:latin typeface="Cambria Math" panose="02040503050406030204" pitchFamily="18" charset="0"/>
-                                  </a:rPr>
-                                  <m:t>0</m:t>
-                                </m:r>
-                              </m:e>
-                            </m:mr>
-                            <m:mr>
-                              <m:e>
-                                <m:r>
-                                  <a:rPr lang="en-GB" sz="2400" b="0" i="0" smtClean="0">
-                                    <a:solidFill>
-                                      <a:srgbClr val="000000"/>
-                                    </a:solidFill>
-                                    <a:latin typeface="Cambria Math" panose="02040503050406030204" pitchFamily="18" charset="0"/>
-                                  </a:rPr>
-                                  <m:t>0</m:t>
-                                </m:r>
-                              </m:e>
-                            </m:mr>
-                          </m:m>
-                        </m:e>
-                      </m:d>
-                      <m:r>
-                        <a:rPr lang="en-GB" sz="2400" b="0" i="1" smtClean="0">
-                          <a:solidFill>
-                            <a:srgbClr val="000000"/>
-                          </a:solidFill>
-                          <a:latin typeface="Cambria Math" panose="02040503050406030204" pitchFamily="18" charset="0"/>
-                        </a:rPr>
-                        <m:t>, </m:t>
-                      </m:r>
-                      <m:r>
-                        <m:rPr>
-                          <m:sty m:val="p"/>
-                        </m:rPr>
-                        <a:rPr lang="en-GB" sz="2400" b="0" i="0" smtClean="0">
-                          <a:solidFill>
-                            <a:srgbClr val="000000"/>
-                          </a:solidFill>
-                          <a:latin typeface="Cambria Math" panose="02040503050406030204" pitchFamily="18" charset="0"/>
-                        </a:rPr>
-                        <m:t>Total</m:t>
-                      </m:r>
-                      <m:r>
-                        <a:rPr lang="en-GB" sz="2400" b="0" i="0" smtClean="0">
-                          <a:solidFill>
-                            <a:srgbClr val="000000"/>
-                          </a:solidFill>
-                          <a:latin typeface="Cambria Math" panose="02040503050406030204" pitchFamily="18" charset="0"/>
-                        </a:rPr>
-                        <m:t>: </m:t>
-                      </m:r>
-                      <m:d>
-                        <m:dPr>
-                          <m:begChr m:val="|"/>
-                          <m:endChr m:val="|"/>
-                          <m:ctrlPr>
-                            <a:rPr lang="en-SE" sz="2400" i="1">
-                              <a:solidFill>
-                                <a:srgbClr val="000000"/>
-                              </a:solidFill>
-                              <a:latin typeface="Cambria Math" panose="02040503050406030204" pitchFamily="18" charset="0"/>
-                            </a:rPr>
-                          </m:ctrlPr>
-                        </m:dPr>
-                        <m:e>
-                          <m:r>
-                            <a:rPr lang="en-GB" sz="2400" b="0" i="1" smtClean="0">
-                              <a:solidFill>
-                                <a:srgbClr val="000000"/>
-                              </a:solidFill>
-                              <a:latin typeface="Cambria Math" panose="02040503050406030204" pitchFamily="18" charset="0"/>
-                            </a:rPr>
-                            <m:t>5</m:t>
-                          </m:r>
-                        </m:e>
-                      </m:d>
-                      <m:r>
-                        <a:rPr lang="en-GB" sz="2400" b="0" i="1" smtClean="0">
-                          <a:solidFill>
-                            <a:srgbClr val="000000"/>
-                          </a:solidFill>
-                          <a:latin typeface="Cambria Math" panose="02040503050406030204" pitchFamily="18" charset="0"/>
-                        </a:rPr>
-                        <m:t>, </m:t>
-                      </m:r>
-                      <m:r>
-                        <m:rPr>
-                          <m:sty m:val="p"/>
-                        </m:rPr>
-                        <a:rPr lang="en-GB" sz="2400" b="0" i="0" smtClean="0">
-                          <a:solidFill>
-                            <a:srgbClr val="000000"/>
-                          </a:solidFill>
-                          <a:latin typeface="Cambria Math" panose="02040503050406030204" pitchFamily="18" charset="0"/>
-                        </a:rPr>
-                        <m:t>Available</m:t>
-                      </m:r>
-                      <m:r>
-                        <a:rPr lang="en-GB" sz="2400" b="0" i="0" smtClean="0">
-                          <a:solidFill>
-                            <a:srgbClr val="000000"/>
-                          </a:solidFill>
-                          <a:latin typeface="Cambria Math" panose="02040503050406030204" pitchFamily="18" charset="0"/>
-                        </a:rPr>
-                        <m:t>:</m:t>
-                      </m:r>
-                      <m:d>
-                        <m:dPr>
-                          <m:begChr m:val="|"/>
-                          <m:endChr m:val="|"/>
-                          <m:ctrlPr>
-                            <a:rPr lang="en-SE" sz="2400" i="1">
-                              <a:solidFill>
-                                <a:srgbClr val="000000"/>
-                              </a:solidFill>
-                              <a:latin typeface="Cambria Math" panose="02040503050406030204" pitchFamily="18" charset="0"/>
-                            </a:rPr>
-                          </m:ctrlPr>
-                        </m:dPr>
-                        <m:e>
-                          <m:r>
-                            <a:rPr lang="en-GB" sz="2400" b="0" i="1" smtClean="0">
-                              <a:solidFill>
-                                <a:srgbClr val="000000"/>
-                              </a:solidFill>
-                              <a:latin typeface="Cambria Math" panose="02040503050406030204" pitchFamily="18" charset="0"/>
-                            </a:rPr>
-                            <m:t>1</m:t>
-                          </m:r>
-                        </m:e>
-                      </m:d>
-                    </m:oMath>
-                  </m:oMathPara>
-                </a14:m>
-                <a:endParaRPr lang="en-SE" sz="2400" b="0" dirty="0"/>
-              </a:p>
-            </p:txBody>
-          </p:sp>
-        </mc:Choice>
-        <mc:Fallback xmlns="">
-          <p:sp>
-            <p:nvSpPr>
-              <p:cNvPr id="3" name="Object 3">
-                <a:extLst>
-                  <a:ext uri="{FF2B5EF4-FFF2-40B4-BE49-F238E27FC236}">
-                    <a16:creationId xmlns:a16="http://schemas.microsoft.com/office/drawing/2014/main" id="{C12D90C4-78CA-392B-F3A9-86D0F16AF3D9}"/>
-                  </a:ext>
-                </a:extLst>
-              </p:cNvPr>
-              <p:cNvSpPr txBox="1">
-                <a:spLocks noRot="1" noChangeAspect="1" noMove="1" noResize="1" noEditPoints="1" noAdjustHandles="1" noChangeArrowheads="1" noChangeShapeType="1" noTextEdit="1"/>
-              </p:cNvSpPr>
-              <p:nvPr/>
-            </p:nvSpPr>
-            <p:spPr bwMode="auto">
-              <a:xfrm>
-                <a:off x="2971800" y="3505200"/>
-                <a:ext cx="6529387" cy="2387600"/>
-              </a:xfrm>
-              <a:prstGeom prst="rect">
-                <a:avLst/>
-              </a:prstGeom>
-              <a:blipFill>
-                <a:blip r:embed="rId3"/>
-                <a:stretch>
-                  <a:fillRect/>
-                </a:stretch>
-              </a:blipFill>
-            </p:spPr>
-            <p:txBody>
-              <a:bodyPr/>
-              <a:lstStyle/>
-              <a:p>
-                <a:r>
-                  <a:rPr lang="en-SE">
-                    <a:noFill/>
-                  </a:rPr>
-                  <a:t> </a:t>
-                </a:r>
-              </a:p>
-            </p:txBody>
-          </p:sp>
-        </mc:Fallback>
-      </mc:AlternateContent>
-    </p:spTree>
-    <p:extLst>
-      <p:ext uri="{BB962C8B-B14F-4D97-AF65-F5344CB8AC3E}">
-        <p14:creationId xmlns:p14="http://schemas.microsoft.com/office/powerpoint/2010/main" val="1898889329"/>
-      </p:ext>
-    </p:extLst>
-  </p:cSld>
-  <p:clrMapOvr>
-    <a:masterClrMapping/>
-  </p:clrMapOvr>
-</p:sld>
-</file>
-
-<file path=ppt/slides/slide14.xml><?xml version="1.0" encoding="utf-8"?>
-<p:sld xmlns:a="http://schemas.openxmlformats.org/drawingml/2006/main" xmlns:r="http://schemas.openxmlformats.org/officeDocument/2006/relationships" xmlns:p="http://schemas.openxmlformats.org/presentationml/2006/main">
-  <p:cSld>
-    <p:spTree>
-      <p:nvGrpSpPr>
-        <p:cNvPr id="1" name=""/>
-        <p:cNvGrpSpPr/>
-        <p:nvPr/>
-      </p:nvGrpSpPr>
-      <p:grpSpPr>
-        <a:xfrm>
-          <a:off x="0" y="0"/>
-          <a:ext cx="0" cy="0"/>
-          <a:chOff x="0" y="0"/>
-          <a:chExt cx="0" cy="0"/>
-        </a:xfrm>
-      </p:grpSpPr>
-      <p:sp>
-        <p:nvSpPr>
-          <p:cNvPr id="2" name="Title 1">
-            <a:extLst>
-              <a:ext uri="{FF2B5EF4-FFF2-40B4-BE49-F238E27FC236}">
-                <a16:creationId xmlns:a16="http://schemas.microsoft.com/office/drawing/2014/main" id="{2D473AE9-0C56-1BC7-737D-9D60B38A23B0}"/>
-              </a:ext>
-            </a:extLst>
-          </p:cNvPr>
-          <p:cNvSpPr>
-            <a:spLocks noGrp="1"/>
-          </p:cNvSpPr>
-          <p:nvPr>
-            <p:ph type="title"/>
-          </p:nvPr>
-        </p:nvSpPr>
-        <p:spPr/>
-        <p:txBody>
-          <a:bodyPr/>
-          <a:lstStyle/>
-          <a:p>
-            <a:r>
-              <a:rPr lang="en-GB" dirty="0"/>
-              <a:t>Quiz: Dining Lawyers I</a:t>
-            </a:r>
-            <a:endParaRPr lang="en-SE" dirty="0"/>
-          </a:p>
-        </p:txBody>
-      </p:sp>
-      <p:sp>
-        <p:nvSpPr>
-          <p:cNvPr id="7" name="Content Placeholder 2">
-            <a:extLst>
-              <a:ext uri="{FF2B5EF4-FFF2-40B4-BE49-F238E27FC236}">
-                <a16:creationId xmlns:a16="http://schemas.microsoft.com/office/drawing/2014/main" id="{8BDE5981-C58E-1D2C-A988-FFF28496CD9B}"/>
-              </a:ext>
-            </a:extLst>
-          </p:cNvPr>
-          <p:cNvSpPr>
-            <a:spLocks noGrp="1"/>
-          </p:cNvSpPr>
-          <p:nvPr>
-            <p:ph idx="1"/>
-          </p:nvPr>
-        </p:nvSpPr>
-        <p:spPr>
-          <a:xfrm>
-            <a:off x="812800" y="914400"/>
-            <a:ext cx="10566400" cy="5105400"/>
-          </a:xfrm>
-        </p:spPr>
-        <p:txBody>
-          <a:bodyPr>
-            <a:normAutofit/>
-          </a:bodyPr>
-          <a:lstStyle/>
-          <a:p>
-            <a:r>
-              <a:rPr lang="en-GB" dirty="0"/>
-              <a:t>If each lawyer has 2 arms, and there is a pile of chopsticks at the </a:t>
-            </a:r>
-            <a:r>
-              <a:rPr lang="en-GB" dirty="0" err="1"/>
-              <a:t>center</a:t>
-            </a:r>
-            <a:r>
-              <a:rPr lang="en-GB" dirty="0"/>
-              <a:t> of the table. Assume there are at least 2 chopsticks, so at least one lawyer can eat. Each lawyer follows the following steps:</a:t>
-            </a:r>
-          </a:p>
-          <a:p>
-            <a:pPr lvl="1"/>
-            <a:r>
-              <a:rPr lang="en-GB" dirty="0"/>
-              <a:t>(1) Pick up a chopstick </a:t>
-            </a:r>
-          </a:p>
-          <a:p>
-            <a:pPr lvl="1"/>
-            <a:r>
-              <a:rPr lang="en-GB" dirty="0"/>
-              <a:t>(2) Pick up another chopstick </a:t>
-            </a:r>
-          </a:p>
-          <a:p>
-            <a:pPr lvl="1"/>
-            <a:r>
-              <a:rPr lang="en-GB" dirty="0"/>
-              <a:t>(3) Eat</a:t>
-            </a:r>
-          </a:p>
-          <a:p>
-            <a:pPr lvl="1"/>
-            <a:r>
-              <a:rPr lang="en-GB" dirty="0"/>
-              <a:t>(4) Return both chopsticks to the pile </a:t>
-            </a:r>
-          </a:p>
-          <a:p>
-            <a:r>
-              <a:rPr lang="en-GB" dirty="0"/>
-              <a:t>Q: Can the system be deadlocked?</a:t>
-            </a:r>
-          </a:p>
-          <a:p>
-            <a:endParaRPr lang="en-GB" dirty="0"/>
-          </a:p>
-          <a:p>
-            <a:endParaRPr lang="en-GB" dirty="0"/>
-          </a:p>
-          <a:p>
-            <a:endParaRPr lang="en-SE" dirty="0"/>
-          </a:p>
-        </p:txBody>
-      </p:sp>
-    </p:spTree>
-    <p:extLst>
-      <p:ext uri="{BB962C8B-B14F-4D97-AF65-F5344CB8AC3E}">
-        <p14:creationId xmlns:p14="http://schemas.microsoft.com/office/powerpoint/2010/main" val="3823801097"/>
-      </p:ext>
-    </p:extLst>
-  </p:cSld>
-  <p:clrMapOvr>
-    <a:masterClrMapping/>
-  </p:clrMapOvr>
-  <p:transition/>
-</p:sld>
-</file>
-
-<file path=ppt/slides/slide15.xml><?xml version="1.0" encoding="utf-8"?>
-<p:sld xmlns:a="http://schemas.openxmlformats.org/drawingml/2006/main" xmlns:r="http://schemas.openxmlformats.org/officeDocument/2006/relationships" xmlns:p="http://schemas.openxmlformats.org/presentationml/2006/main">
-  <p:cSld>
-    <p:spTree>
-      <p:nvGrpSpPr>
-        <p:cNvPr id="1" name="">
-          <a:extLst>
-            <a:ext uri="{FF2B5EF4-FFF2-40B4-BE49-F238E27FC236}">
-              <a16:creationId xmlns:a16="http://schemas.microsoft.com/office/drawing/2014/main" id="{8B87ED22-D34C-809C-CB81-8B81311B2304}"/>
-            </a:ext>
-          </a:extLst>
-        </p:cNvPr>
-        <p:cNvGrpSpPr/>
-        <p:nvPr/>
-      </p:nvGrpSpPr>
-      <p:grpSpPr>
-        <a:xfrm>
-          <a:off x="0" y="0"/>
-          <a:ext cx="0" cy="0"/>
-          <a:chOff x="0" y="0"/>
-          <a:chExt cx="0" cy="0"/>
-        </a:xfrm>
-      </p:grpSpPr>
-      <p:sp>
-        <p:nvSpPr>
-          <p:cNvPr id="2" name="Title 1">
-            <a:extLst>
-              <a:ext uri="{FF2B5EF4-FFF2-40B4-BE49-F238E27FC236}">
-                <a16:creationId xmlns:a16="http://schemas.microsoft.com/office/drawing/2014/main" id="{88672F65-707F-4882-0A07-6EE3AF8D8CD1}"/>
-              </a:ext>
-            </a:extLst>
-          </p:cNvPr>
-          <p:cNvSpPr>
-            <a:spLocks noGrp="1"/>
-          </p:cNvSpPr>
-          <p:nvPr>
-            <p:ph type="title"/>
-          </p:nvPr>
-        </p:nvSpPr>
-        <p:spPr/>
-        <p:txBody>
-          <a:bodyPr/>
-          <a:lstStyle/>
-          <a:p>
-            <a:r>
-              <a:rPr lang="en-GB" dirty="0"/>
-              <a:t>Quiz: Dining Lawyers I Answer</a:t>
-            </a:r>
-            <a:endParaRPr lang="en-SE" dirty="0"/>
-          </a:p>
-        </p:txBody>
-      </p:sp>
-      <p:sp>
-        <p:nvSpPr>
-          <p:cNvPr id="3" name="Content Placeholder 2">
-            <a:extLst>
-              <a:ext uri="{FF2B5EF4-FFF2-40B4-BE49-F238E27FC236}">
-                <a16:creationId xmlns:a16="http://schemas.microsoft.com/office/drawing/2014/main" id="{9C000246-BEE0-8C19-82AA-B03E07199A78}"/>
-              </a:ext>
-            </a:extLst>
-          </p:cNvPr>
-          <p:cNvSpPr>
-            <a:spLocks noGrp="1"/>
-          </p:cNvSpPr>
-          <p:nvPr>
-            <p:ph idx="1"/>
-          </p:nvPr>
-        </p:nvSpPr>
-        <p:spPr>
-          <a:xfrm>
-            <a:off x="685800" y="990600"/>
-            <a:ext cx="10515600" cy="5105400"/>
-          </a:xfrm>
-        </p:spPr>
-        <p:txBody>
-          <a:bodyPr>
-            <a:normAutofit/>
-          </a:bodyPr>
-          <a:lstStyle/>
-          <a:p>
-            <a:r>
-              <a:rPr lang="en-GB" dirty="0"/>
-              <a:t>ANS: No deadlocks, since there is only one type of resource, so it is not possible to have circular waiting.</a:t>
-            </a:r>
-          </a:p>
-        </p:txBody>
-      </p:sp>
-    </p:spTree>
-    <p:extLst>
-      <p:ext uri="{BB962C8B-B14F-4D97-AF65-F5344CB8AC3E}">
-        <p14:creationId xmlns:p14="http://schemas.microsoft.com/office/powerpoint/2010/main" val="984041913"/>
-      </p:ext>
-    </p:extLst>
-  </p:cSld>
-  <p:clrMapOvr>
-    <a:masterClrMapping/>
-  </p:clrMapOvr>
-  <p:transition/>
-</p:sld>
-</file>
-
-<file path=ppt/slides/slide16.xml><?xml version="1.0" encoding="utf-8"?>
-<p:sld xmlns:a="http://schemas.openxmlformats.org/drawingml/2006/main" xmlns:r="http://schemas.openxmlformats.org/officeDocument/2006/relationships" xmlns:p="http://schemas.openxmlformats.org/presentationml/2006/main">
-  <p:cSld>
-    <p:spTree>
-      <p:nvGrpSpPr>
-        <p:cNvPr id="1" name=""/>
-        <p:cNvGrpSpPr/>
-        <p:nvPr/>
-      </p:nvGrpSpPr>
-      <p:grpSpPr>
-        <a:xfrm>
-          <a:off x="0" y="0"/>
-          <a:ext cx="0" cy="0"/>
-          <a:chOff x="0" y="0"/>
-          <a:chExt cx="0" cy="0"/>
-        </a:xfrm>
-      </p:grpSpPr>
-      <p:sp>
-        <p:nvSpPr>
-          <p:cNvPr id="2" name="Title 1">
-            <a:extLst>
-              <a:ext uri="{FF2B5EF4-FFF2-40B4-BE49-F238E27FC236}">
-                <a16:creationId xmlns:a16="http://schemas.microsoft.com/office/drawing/2014/main" id="{237D010E-0DE6-664D-E651-1315BFD2A9E4}"/>
-              </a:ext>
-            </a:extLst>
-          </p:cNvPr>
-          <p:cNvSpPr>
-            <a:spLocks noGrp="1"/>
-          </p:cNvSpPr>
-          <p:nvPr>
-            <p:ph type="title"/>
-          </p:nvPr>
-        </p:nvSpPr>
-        <p:spPr/>
-        <p:txBody>
-          <a:bodyPr/>
-          <a:lstStyle/>
-          <a:p>
-            <a:r>
-              <a:rPr lang="en-GB" dirty="0"/>
-              <a:t>Quiz: Dining Lawyers II </a:t>
-            </a:r>
-            <a:endParaRPr lang="en-SE" dirty="0"/>
-          </a:p>
-        </p:txBody>
-      </p:sp>
-      <p:sp>
-        <p:nvSpPr>
-          <p:cNvPr id="3" name="Content Placeholder 2">
-            <a:extLst>
-              <a:ext uri="{FF2B5EF4-FFF2-40B4-BE49-F238E27FC236}">
-                <a16:creationId xmlns:a16="http://schemas.microsoft.com/office/drawing/2014/main" id="{C96CE106-EFF2-89A6-A94C-94BA0CA70C60}"/>
-              </a:ext>
-            </a:extLst>
-          </p:cNvPr>
-          <p:cNvSpPr>
-            <a:spLocks noGrp="1"/>
-          </p:cNvSpPr>
-          <p:nvPr>
-            <p:ph idx="1"/>
-          </p:nvPr>
-        </p:nvSpPr>
-        <p:spPr/>
-        <p:txBody>
-          <a:bodyPr>
-            <a:normAutofit/>
-          </a:bodyPr>
-          <a:lstStyle/>
-          <a:p>
-            <a:r>
-              <a:rPr lang="en-GB" dirty="0"/>
-              <a:t>If each lawyer has 2 arms, and there is a pile of knives and forks at </a:t>
-            </a:r>
-            <a:r>
-              <a:rPr lang="en-GB" dirty="0" err="1"/>
-              <a:t>center</a:t>
-            </a:r>
-            <a:r>
-              <a:rPr lang="en-GB" dirty="0"/>
-              <a:t> of the table. Assume there are at least 1 knife and 1 fork, so at least one lawyer can eat. Each lawyer follows the following steps:</a:t>
-            </a:r>
-          </a:p>
-          <a:p>
-            <a:pPr lvl="1"/>
-            <a:r>
-              <a:rPr lang="en-GB" dirty="0"/>
-              <a:t>(1) Pick up a knife </a:t>
-            </a:r>
-          </a:p>
-          <a:p>
-            <a:pPr lvl="1"/>
-            <a:r>
-              <a:rPr lang="en-GB" dirty="0"/>
-              <a:t>(2) Pick up a fork </a:t>
-            </a:r>
-          </a:p>
-          <a:p>
-            <a:pPr lvl="1"/>
-            <a:r>
-              <a:rPr lang="en-GB" dirty="0"/>
-              <a:t>(3) Eat</a:t>
-            </a:r>
-          </a:p>
-          <a:p>
-            <a:pPr lvl="1"/>
-            <a:r>
-              <a:rPr lang="en-GB" dirty="0"/>
-              <a:t>(4) Return the knife and fork to the pile </a:t>
-            </a:r>
-          </a:p>
-          <a:p>
-            <a:r>
-              <a:rPr lang="en-GB" dirty="0"/>
-              <a:t>Q: Can the system be deadlocked?</a:t>
-            </a:r>
-          </a:p>
-          <a:p>
-            <a:endParaRPr lang="en-GB" dirty="0"/>
-          </a:p>
-          <a:p>
-            <a:endParaRPr lang="en-GB" dirty="0"/>
-          </a:p>
-          <a:p>
-            <a:endParaRPr lang="en-SE" dirty="0"/>
-          </a:p>
-        </p:txBody>
-      </p:sp>
-    </p:spTree>
-    <p:extLst>
-      <p:ext uri="{BB962C8B-B14F-4D97-AF65-F5344CB8AC3E}">
-        <p14:creationId xmlns:p14="http://schemas.microsoft.com/office/powerpoint/2010/main" val="937329881"/>
-      </p:ext>
-    </p:extLst>
-  </p:cSld>
-  <p:clrMapOvr>
-    <a:masterClrMapping/>
-  </p:clrMapOvr>
-  <p:transition/>
-</p:sld>
-</file>
-
-<file path=ppt/slides/slide17.xml><?xml version="1.0" encoding="utf-8"?>
-<p:sld xmlns:a="http://schemas.openxmlformats.org/drawingml/2006/main" xmlns:r="http://schemas.openxmlformats.org/officeDocument/2006/relationships" xmlns:p="http://schemas.openxmlformats.org/presentationml/2006/main">
-  <p:cSld>
-    <p:spTree>
-      <p:nvGrpSpPr>
-        <p:cNvPr id="1" name=""/>
-        <p:cNvGrpSpPr/>
-        <p:nvPr/>
-      </p:nvGrpSpPr>
-      <p:grpSpPr>
-        <a:xfrm>
-          <a:off x="0" y="0"/>
-          <a:ext cx="0" cy="0"/>
-          <a:chOff x="0" y="0"/>
-          <a:chExt cx="0" cy="0"/>
-        </a:xfrm>
-      </p:grpSpPr>
-      <p:sp>
-        <p:nvSpPr>
-          <p:cNvPr id="2" name="Title 1">
-            <a:extLst>
-              <a:ext uri="{FF2B5EF4-FFF2-40B4-BE49-F238E27FC236}">
-                <a16:creationId xmlns:a16="http://schemas.microsoft.com/office/drawing/2014/main" id="{8517CBEC-05EA-7A5F-F4B4-1BC21C95AD1B}"/>
-              </a:ext>
-            </a:extLst>
-          </p:cNvPr>
-          <p:cNvSpPr>
-            <a:spLocks noGrp="1"/>
-          </p:cNvSpPr>
-          <p:nvPr>
-            <p:ph type="title"/>
-          </p:nvPr>
-        </p:nvSpPr>
-        <p:spPr/>
-        <p:txBody>
-          <a:bodyPr/>
-          <a:lstStyle/>
-          <a:p>
-            <a:r>
-              <a:rPr lang="en-GB" dirty="0"/>
-              <a:t>Quiz: Dining Lawyers II Answer</a:t>
-            </a:r>
-            <a:endParaRPr lang="en-SE" dirty="0"/>
-          </a:p>
-        </p:txBody>
-      </p:sp>
-      <p:sp>
-        <p:nvSpPr>
-          <p:cNvPr id="3" name="Content Placeholder 2">
-            <a:extLst>
-              <a:ext uri="{FF2B5EF4-FFF2-40B4-BE49-F238E27FC236}">
-                <a16:creationId xmlns:a16="http://schemas.microsoft.com/office/drawing/2014/main" id="{122E96A8-E236-1836-858B-8BE14C20DCB7}"/>
-              </a:ext>
-            </a:extLst>
-          </p:cNvPr>
-          <p:cNvSpPr>
-            <a:spLocks noGrp="1"/>
-          </p:cNvSpPr>
-          <p:nvPr>
-            <p:ph idx="1"/>
-          </p:nvPr>
-        </p:nvSpPr>
-        <p:spPr>
-          <a:xfrm>
-            <a:off x="330200" y="914400"/>
-            <a:ext cx="6108700" cy="5105400"/>
-          </a:xfrm>
-        </p:spPr>
-        <p:txBody>
-          <a:bodyPr>
-            <a:normAutofit fontScale="92500" lnSpcReduction="20000"/>
-          </a:bodyPr>
-          <a:lstStyle/>
-          <a:p>
-            <a:r>
-              <a:rPr lang="en-GB" dirty="0"/>
-              <a:t>ANS: No deadlocks, since it’s not possible to have circular waiting.</a:t>
-            </a:r>
-          </a:p>
-          <a:p>
-            <a:r>
-              <a:rPr lang="en-GB" dirty="0"/>
-              <a:t>All lawyers follow the same resource acquisition order:</a:t>
-            </a:r>
-          </a:p>
-          <a:p>
-            <a:pPr lvl="1"/>
-            <a:r>
-              <a:rPr lang="en-GB" dirty="0"/>
-              <a:t>1. Knife</a:t>
-            </a:r>
-          </a:p>
-          <a:p>
-            <a:pPr lvl="1"/>
-            <a:r>
-              <a:rPr lang="en-GB" dirty="0"/>
-              <a:t>2. Fork</a:t>
-            </a:r>
-          </a:p>
-          <a:p>
-            <a:r>
-              <a:rPr lang="en-GB" dirty="0"/>
-              <a:t>Since lawyers do not wait for resources held by others in a cyclic manner, no circular dependency forms.</a:t>
-            </a:r>
-          </a:p>
-          <a:p>
-            <a:r>
-              <a:rPr lang="en-GB" dirty="0"/>
-              <a:t>Example: If all knives are taken, lawyers without knives wait for returned knives. Those with knives either acquire forks (if available) or wait for forks to be returned. With at least one fork in the system, progress is guaranteed once utensils are released.</a:t>
-            </a:r>
-            <a:endParaRPr lang="en-SE" dirty="0"/>
-          </a:p>
-        </p:txBody>
-      </p:sp>
-      <p:sp>
-        <p:nvSpPr>
-          <p:cNvPr id="4" name="Oval 4">
-            <a:extLst>
-              <a:ext uri="{FF2B5EF4-FFF2-40B4-BE49-F238E27FC236}">
-                <a16:creationId xmlns:a16="http://schemas.microsoft.com/office/drawing/2014/main" id="{E867835D-6934-3C2A-08B6-CCB61809774A}"/>
-              </a:ext>
-            </a:extLst>
-          </p:cNvPr>
-          <p:cNvSpPr>
-            <a:spLocks noChangeArrowheads="1"/>
-          </p:cNvSpPr>
-          <p:nvPr/>
-        </p:nvSpPr>
-        <p:spPr bwMode="auto">
-          <a:xfrm>
-            <a:off x="7197725" y="2452688"/>
-            <a:ext cx="811212" cy="752475"/>
-          </a:xfrm>
-          <a:prstGeom prst="ellipse">
-            <a:avLst/>
-          </a:prstGeom>
-          <a:solidFill>
-            <a:schemeClr val="bg1"/>
-          </a:solidFill>
-          <a:ln w="38100" algn="ctr">
-            <a:solidFill>
-              <a:schemeClr val="tx1"/>
-            </a:solidFill>
-            <a:round/>
-            <a:headEnd/>
-            <a:tailEnd/>
-          </a:ln>
-        </p:spPr>
-        <p:txBody>
-          <a:bodyPr wrap="none" anchor="ctr"/>
-          <a:lstStyle/>
-          <a:p>
-            <a:pPr algn="ctr"/>
-            <a:r>
-              <a:rPr lang="en-US" altLang="zh-CN" b="0">
-                <a:solidFill>
-                  <a:srgbClr val="000000"/>
-                </a:solidFill>
-                <a:latin typeface="Times New Roman" pitchFamily="18" charset="0"/>
-                <a:ea typeface="宋体" charset="-122"/>
-                <a:cs typeface="+mn-cs"/>
-              </a:rPr>
-              <a:t>P1</a:t>
-            </a:r>
-          </a:p>
-        </p:txBody>
-      </p:sp>
-      <p:sp>
-        <p:nvSpPr>
-          <p:cNvPr id="5" name="Oval 6">
-            <a:extLst>
-              <a:ext uri="{FF2B5EF4-FFF2-40B4-BE49-F238E27FC236}">
-                <a16:creationId xmlns:a16="http://schemas.microsoft.com/office/drawing/2014/main" id="{552F5B16-4803-988A-522D-9EBAB66A1DAE}"/>
-              </a:ext>
-            </a:extLst>
-          </p:cNvPr>
-          <p:cNvSpPr>
-            <a:spLocks noChangeArrowheads="1"/>
-          </p:cNvSpPr>
-          <p:nvPr/>
-        </p:nvSpPr>
-        <p:spPr bwMode="auto">
-          <a:xfrm>
-            <a:off x="10614025" y="2452688"/>
-            <a:ext cx="811212" cy="752475"/>
-          </a:xfrm>
-          <a:prstGeom prst="ellipse">
-            <a:avLst/>
-          </a:prstGeom>
-          <a:solidFill>
-            <a:schemeClr val="bg1"/>
-          </a:solidFill>
-          <a:ln w="38100" algn="ctr">
-            <a:solidFill>
-              <a:schemeClr val="tx1"/>
-            </a:solidFill>
-            <a:round/>
-            <a:headEnd/>
-            <a:tailEnd/>
-          </a:ln>
-        </p:spPr>
-        <p:txBody>
-          <a:bodyPr wrap="none" anchor="ctr"/>
-          <a:lstStyle/>
-          <a:p>
-            <a:pPr algn="ctr"/>
-            <a:r>
-              <a:rPr lang="en-US" altLang="zh-CN" b="0">
-                <a:solidFill>
-                  <a:srgbClr val="000000"/>
-                </a:solidFill>
-                <a:latin typeface="Times New Roman" pitchFamily="18" charset="0"/>
-                <a:ea typeface="宋体" charset="-122"/>
-                <a:cs typeface="+mn-cs"/>
-              </a:rPr>
-              <a:t>P2</a:t>
-            </a:r>
-          </a:p>
-        </p:txBody>
-      </p:sp>
-      <p:sp>
-        <p:nvSpPr>
-          <p:cNvPr id="6" name="Rectangle 7">
-            <a:extLst>
-              <a:ext uri="{FF2B5EF4-FFF2-40B4-BE49-F238E27FC236}">
-                <a16:creationId xmlns:a16="http://schemas.microsoft.com/office/drawing/2014/main" id="{698A0198-3468-DF0F-8B71-8F9519F71B44}"/>
-              </a:ext>
-            </a:extLst>
-          </p:cNvPr>
-          <p:cNvSpPr>
-            <a:spLocks noChangeArrowheads="1"/>
-          </p:cNvSpPr>
-          <p:nvPr/>
-        </p:nvSpPr>
-        <p:spPr bwMode="auto">
-          <a:xfrm>
-            <a:off x="8731250" y="3414713"/>
-            <a:ext cx="982662" cy="930275"/>
-          </a:xfrm>
-          <a:prstGeom prst="rect">
-            <a:avLst/>
-          </a:prstGeom>
-          <a:solidFill>
-            <a:schemeClr val="bg1"/>
-          </a:solidFill>
-          <a:ln w="38100" algn="ctr">
-            <a:solidFill>
-              <a:schemeClr val="tx1"/>
-            </a:solidFill>
-            <a:miter lim="800000"/>
-            <a:headEnd/>
-            <a:tailEnd/>
-          </a:ln>
-        </p:spPr>
-        <p:txBody>
-          <a:bodyPr wrap="none" anchor="ctr"/>
-          <a:lstStyle/>
-          <a:p>
-            <a:pPr algn="ctr"/>
-            <a:r>
-              <a:rPr lang="en-US" altLang="zh-CN" b="0" dirty="0">
-                <a:solidFill>
-                  <a:srgbClr val="000000"/>
-                </a:solidFill>
-                <a:latin typeface="Times New Roman" pitchFamily="18" charset="0"/>
-                <a:ea typeface="宋体" charset="-122"/>
-                <a:cs typeface="+mn-cs"/>
-              </a:rPr>
-              <a:t>1 fork</a:t>
-            </a:r>
-          </a:p>
-        </p:txBody>
-      </p:sp>
-      <p:sp>
-        <p:nvSpPr>
-          <p:cNvPr id="7" name="Rectangle 9">
-            <a:extLst>
-              <a:ext uri="{FF2B5EF4-FFF2-40B4-BE49-F238E27FC236}">
-                <a16:creationId xmlns:a16="http://schemas.microsoft.com/office/drawing/2014/main" id="{44737D0F-486E-A5BB-4C27-1A899C0D2973}"/>
-              </a:ext>
-            </a:extLst>
-          </p:cNvPr>
-          <p:cNvSpPr>
-            <a:spLocks noChangeArrowheads="1"/>
-          </p:cNvSpPr>
-          <p:nvPr/>
-        </p:nvSpPr>
-        <p:spPr bwMode="auto">
-          <a:xfrm>
-            <a:off x="8610600" y="1676400"/>
-            <a:ext cx="984250" cy="949325"/>
-          </a:xfrm>
-          <a:prstGeom prst="rect">
-            <a:avLst/>
-          </a:prstGeom>
-          <a:solidFill>
-            <a:schemeClr val="bg1"/>
-          </a:solidFill>
-          <a:ln w="38100" algn="ctr">
-            <a:solidFill>
-              <a:schemeClr val="tx1"/>
-            </a:solidFill>
-            <a:miter lim="800000"/>
-            <a:headEnd/>
-            <a:tailEnd/>
-          </a:ln>
-        </p:spPr>
-        <p:txBody>
-          <a:bodyPr wrap="none" anchor="ctr"/>
-          <a:lstStyle/>
-          <a:p>
-            <a:pPr algn="ctr"/>
-            <a:r>
-              <a:rPr lang="en-US" altLang="zh-CN" b="0" dirty="0">
-                <a:solidFill>
-                  <a:srgbClr val="000000"/>
-                </a:solidFill>
-                <a:latin typeface="Times New Roman" pitchFamily="18" charset="0"/>
-                <a:ea typeface="宋体" charset="-122"/>
-                <a:cs typeface="+mn-cs"/>
-              </a:rPr>
-              <a:t>1 knife</a:t>
-            </a:r>
-          </a:p>
-        </p:txBody>
-      </p:sp>
-      <p:sp>
-        <p:nvSpPr>
-          <p:cNvPr id="8" name="Line 10">
-            <a:extLst>
-              <a:ext uri="{FF2B5EF4-FFF2-40B4-BE49-F238E27FC236}">
-                <a16:creationId xmlns:a16="http://schemas.microsoft.com/office/drawing/2014/main" id="{3ABED2A5-A545-E8D9-3972-F0692A3E9BD1}"/>
-              </a:ext>
-            </a:extLst>
-          </p:cNvPr>
-          <p:cNvSpPr>
-            <a:spLocks noChangeShapeType="1"/>
-          </p:cNvSpPr>
-          <p:nvPr/>
-        </p:nvSpPr>
-        <p:spPr bwMode="auto">
-          <a:xfrm>
-            <a:off x="7835900" y="3205163"/>
-            <a:ext cx="895350" cy="674687"/>
-          </a:xfrm>
-          <a:prstGeom prst="line">
-            <a:avLst/>
-          </a:prstGeom>
-          <a:noFill/>
-          <a:ln w="38100">
-            <a:solidFill>
-              <a:schemeClr val="tx1"/>
-            </a:solidFill>
-            <a:round/>
-            <a:headEnd/>
-            <a:tailEnd type="triangle" w="med" len="med"/>
-          </a:ln>
-        </p:spPr>
-        <p:txBody>
-          <a:bodyPr wrap="none" anchor="ctr"/>
-          <a:lstStyle/>
-          <a:p>
-            <a:pPr algn="ctr"/>
-            <a:endParaRPr lang="zh-CN" altLang="en-US" b="0">
-              <a:solidFill>
-                <a:srgbClr val="000000"/>
-              </a:solidFill>
-              <a:latin typeface="Times New Roman" pitchFamily="18" charset="0"/>
-              <a:ea typeface="+mn-ea"/>
-              <a:cs typeface="+mn-cs"/>
-            </a:endParaRPr>
-          </a:p>
-        </p:txBody>
-      </p:sp>
-      <p:sp>
-        <p:nvSpPr>
-          <p:cNvPr id="9" name="Line 11">
-            <a:extLst>
-              <a:ext uri="{FF2B5EF4-FFF2-40B4-BE49-F238E27FC236}">
-                <a16:creationId xmlns:a16="http://schemas.microsoft.com/office/drawing/2014/main" id="{D682D274-68F0-E988-E39C-AA5D48447C2B}"/>
-              </a:ext>
-            </a:extLst>
-          </p:cNvPr>
-          <p:cNvSpPr>
-            <a:spLocks noChangeShapeType="1"/>
-          </p:cNvSpPr>
-          <p:nvPr/>
-        </p:nvSpPr>
-        <p:spPr bwMode="auto">
-          <a:xfrm flipV="1">
-            <a:off x="9317038" y="3205163"/>
-            <a:ext cx="1482725" cy="860425"/>
-          </a:xfrm>
-          <a:prstGeom prst="line">
-            <a:avLst/>
-          </a:prstGeom>
-          <a:noFill/>
-          <a:ln w="38100">
-            <a:solidFill>
-              <a:schemeClr val="tx1"/>
-            </a:solidFill>
-            <a:round/>
-            <a:headEnd type="oval" w="lg" len="lg"/>
-            <a:tailEnd type="triangle" w="med" len="med"/>
-          </a:ln>
-        </p:spPr>
-        <p:txBody>
-          <a:bodyPr wrap="none" anchor="ctr"/>
-          <a:lstStyle/>
-          <a:p>
-            <a:pPr algn="ctr"/>
-            <a:endParaRPr lang="zh-CN" altLang="en-US" b="0">
-              <a:solidFill>
-                <a:srgbClr val="000000"/>
-              </a:solidFill>
-              <a:latin typeface="Times New Roman" pitchFamily="18" charset="0"/>
-              <a:ea typeface="+mn-ea"/>
-              <a:cs typeface="+mn-cs"/>
-            </a:endParaRPr>
-          </a:p>
-        </p:txBody>
-      </p:sp>
-      <p:sp>
-        <p:nvSpPr>
-          <p:cNvPr id="10" name="Text Box 12">
-            <a:extLst>
-              <a:ext uri="{FF2B5EF4-FFF2-40B4-BE49-F238E27FC236}">
-                <a16:creationId xmlns:a16="http://schemas.microsoft.com/office/drawing/2014/main" id="{D13E50A3-7BB4-9B85-B418-59F4517F681D}"/>
-              </a:ext>
-            </a:extLst>
-          </p:cNvPr>
-          <p:cNvSpPr txBox="1">
-            <a:spLocks noChangeArrowheads="1"/>
-          </p:cNvSpPr>
-          <p:nvPr/>
-        </p:nvSpPr>
-        <p:spPr bwMode="auto">
-          <a:xfrm>
-            <a:off x="10000456" y="3500085"/>
-            <a:ext cx="2038350" cy="641350"/>
-          </a:xfrm>
-          <a:prstGeom prst="rect">
-            <a:avLst/>
-          </a:prstGeom>
-          <a:noFill/>
-          <a:ln w="38100" algn="ctr">
-            <a:noFill/>
-            <a:miter lim="800000"/>
-            <a:headEnd/>
-            <a:tailEnd/>
-          </a:ln>
-        </p:spPr>
-        <p:txBody>
-          <a:bodyPr>
-            <a:spAutoFit/>
-          </a:bodyPr>
-          <a:lstStyle/>
-          <a:p>
-            <a:pPr algn="ctr">
-              <a:spcBef>
-                <a:spcPct val="50000"/>
-              </a:spcBef>
-            </a:pPr>
-            <a:r>
-              <a:rPr lang="en-US" altLang="zh-CN" b="0" dirty="0">
-                <a:solidFill>
-                  <a:srgbClr val="000000"/>
-                </a:solidFill>
-                <a:latin typeface="Times New Roman" pitchFamily="18" charset="0"/>
-                <a:ea typeface="宋体" charset="-122"/>
-                <a:cs typeface="+mn-cs"/>
-              </a:rPr>
-              <a:t>Resource 1 (a fork) held by Thread 2</a:t>
-            </a:r>
-          </a:p>
-        </p:txBody>
-      </p:sp>
-      <p:sp>
-        <p:nvSpPr>
-          <p:cNvPr id="11" name="Line 13">
-            <a:extLst>
-              <a:ext uri="{FF2B5EF4-FFF2-40B4-BE49-F238E27FC236}">
-                <a16:creationId xmlns:a16="http://schemas.microsoft.com/office/drawing/2014/main" id="{B8D13756-C7C2-7DAE-B92E-A81A5D6F93EF}"/>
-              </a:ext>
-            </a:extLst>
-          </p:cNvPr>
-          <p:cNvSpPr>
-            <a:spLocks noChangeShapeType="1"/>
-          </p:cNvSpPr>
-          <p:nvPr/>
-        </p:nvSpPr>
-        <p:spPr bwMode="auto">
-          <a:xfrm flipH="1" flipV="1">
-            <a:off x="9594851" y="2181224"/>
-            <a:ext cx="1019175" cy="444500"/>
-          </a:xfrm>
-          <a:prstGeom prst="line">
-            <a:avLst/>
-          </a:prstGeom>
-          <a:noFill/>
-          <a:ln w="38100">
-            <a:solidFill>
-              <a:schemeClr val="tx1"/>
-            </a:solidFill>
-            <a:round/>
-            <a:headEnd/>
-            <a:tailEnd type="triangle" w="med" len="med"/>
-          </a:ln>
-        </p:spPr>
-        <p:txBody>
-          <a:bodyPr wrap="none" anchor="ctr"/>
-          <a:lstStyle/>
-          <a:p>
-            <a:pPr algn="ctr"/>
-            <a:endParaRPr lang="zh-CN" altLang="en-US" b="0">
-              <a:solidFill>
-                <a:srgbClr val="000000"/>
-              </a:solidFill>
-              <a:latin typeface="Times New Roman" pitchFamily="18" charset="0"/>
-              <a:ea typeface="+mn-ea"/>
-              <a:cs typeface="+mn-cs"/>
-            </a:endParaRPr>
-          </a:p>
-        </p:txBody>
-      </p:sp>
-      <p:sp>
-        <p:nvSpPr>
-          <p:cNvPr id="12" name="Text Box 14">
-            <a:extLst>
-              <a:ext uri="{FF2B5EF4-FFF2-40B4-BE49-F238E27FC236}">
-                <a16:creationId xmlns:a16="http://schemas.microsoft.com/office/drawing/2014/main" id="{D3F189B8-BEA8-06E5-5DA0-8DDC8DE6B186}"/>
-              </a:ext>
-            </a:extLst>
-          </p:cNvPr>
-          <p:cNvSpPr txBox="1">
-            <a:spLocks noChangeArrowheads="1"/>
-          </p:cNvSpPr>
-          <p:nvPr/>
-        </p:nvSpPr>
-        <p:spPr bwMode="auto">
-          <a:xfrm>
-            <a:off x="9758893" y="1708149"/>
-            <a:ext cx="2184400" cy="923330"/>
-          </a:xfrm>
-          <a:prstGeom prst="rect">
-            <a:avLst/>
-          </a:prstGeom>
-          <a:noFill/>
-          <a:ln w="38100" algn="ctr">
-            <a:noFill/>
-            <a:miter lim="800000"/>
-            <a:headEnd/>
-            <a:tailEnd/>
-          </a:ln>
-        </p:spPr>
-        <p:txBody>
-          <a:bodyPr>
-            <a:spAutoFit/>
-          </a:bodyPr>
-          <a:lstStyle/>
-          <a:p>
-            <a:pPr algn="ctr">
-              <a:spcBef>
-                <a:spcPct val="50000"/>
-              </a:spcBef>
-            </a:pPr>
-            <a:r>
-              <a:rPr lang="en-US" altLang="zh-CN" b="0" dirty="0">
-                <a:solidFill>
-                  <a:srgbClr val="000000"/>
-                </a:solidFill>
-                <a:latin typeface="Times New Roman" pitchFamily="18" charset="0"/>
-                <a:ea typeface="宋体" charset="-122"/>
-                <a:cs typeface="+mn-cs"/>
-              </a:rPr>
-              <a:t>Resource 2 (a knife) requested by Thread 2</a:t>
-            </a:r>
-          </a:p>
-        </p:txBody>
-      </p:sp>
-      <p:sp>
-        <p:nvSpPr>
-          <p:cNvPr id="13" name="Oval 15">
-            <a:extLst>
-              <a:ext uri="{FF2B5EF4-FFF2-40B4-BE49-F238E27FC236}">
-                <a16:creationId xmlns:a16="http://schemas.microsoft.com/office/drawing/2014/main" id="{AC5435DB-07CC-24DD-611F-BE5F6681D918}"/>
-              </a:ext>
-            </a:extLst>
-          </p:cNvPr>
-          <p:cNvSpPr>
-            <a:spLocks noChangeArrowheads="1"/>
-          </p:cNvSpPr>
-          <p:nvPr/>
-        </p:nvSpPr>
-        <p:spPr bwMode="auto">
-          <a:xfrm>
-            <a:off x="9167813" y="2328863"/>
-            <a:ext cx="149225" cy="123825"/>
-          </a:xfrm>
-          <a:prstGeom prst="ellipse">
-            <a:avLst/>
-          </a:prstGeom>
-          <a:solidFill>
-            <a:srgbClr val="000000"/>
-          </a:solidFill>
-          <a:ln w="38100" algn="ctr">
-            <a:solidFill>
-              <a:schemeClr val="tx1"/>
-            </a:solidFill>
-            <a:round/>
-            <a:headEnd/>
-            <a:tailEnd/>
-          </a:ln>
-        </p:spPr>
-        <p:txBody>
-          <a:bodyPr wrap="none" anchor="ctr"/>
-          <a:lstStyle/>
-          <a:p>
-            <a:pPr algn="ctr"/>
-            <a:endParaRPr lang="en-CA" b="0">
-              <a:solidFill>
-                <a:srgbClr val="000000"/>
-              </a:solidFill>
-              <a:latin typeface="Times New Roman" pitchFamily="18" charset="0"/>
-              <a:ea typeface="+mn-ea"/>
-              <a:cs typeface="+mn-cs"/>
-            </a:endParaRPr>
-          </a:p>
-        </p:txBody>
-      </p:sp>
-      <p:sp>
-        <p:nvSpPr>
-          <p:cNvPr id="14" name="Line 16">
-            <a:extLst>
-              <a:ext uri="{FF2B5EF4-FFF2-40B4-BE49-F238E27FC236}">
-                <a16:creationId xmlns:a16="http://schemas.microsoft.com/office/drawing/2014/main" id="{D058D1D8-D5D7-8B94-64B3-4E1BABE6FD1D}"/>
-              </a:ext>
-            </a:extLst>
-          </p:cNvPr>
-          <p:cNvSpPr>
-            <a:spLocks noChangeShapeType="1"/>
-          </p:cNvSpPr>
-          <p:nvPr/>
-        </p:nvSpPr>
-        <p:spPr bwMode="auto">
-          <a:xfrm flipH="1">
-            <a:off x="8008938" y="2452688"/>
-            <a:ext cx="1158875" cy="173037"/>
-          </a:xfrm>
-          <a:prstGeom prst="line">
-            <a:avLst/>
-          </a:prstGeom>
-          <a:noFill/>
-          <a:ln w="38100">
-            <a:solidFill>
-              <a:schemeClr val="tx1"/>
-            </a:solidFill>
-            <a:round/>
-            <a:headEnd/>
-            <a:tailEnd type="triangle" w="med" len="med"/>
-          </a:ln>
-        </p:spPr>
-        <p:txBody>
-          <a:bodyPr wrap="none" anchor="ctr"/>
-          <a:lstStyle/>
-          <a:p>
-            <a:pPr algn="ctr"/>
-            <a:endParaRPr lang="zh-CN" altLang="en-US" b="0">
-              <a:solidFill>
-                <a:srgbClr val="000000"/>
-              </a:solidFill>
-              <a:latin typeface="Times New Roman" pitchFamily="18" charset="0"/>
-              <a:ea typeface="+mn-ea"/>
-              <a:cs typeface="+mn-cs"/>
-            </a:endParaRPr>
-          </a:p>
-        </p:txBody>
-      </p:sp>
-      <p:sp>
-        <p:nvSpPr>
-          <p:cNvPr id="15" name="TextBox 14">
-            <a:extLst>
-              <a:ext uri="{FF2B5EF4-FFF2-40B4-BE49-F238E27FC236}">
-                <a16:creationId xmlns:a16="http://schemas.microsoft.com/office/drawing/2014/main" id="{4F59604D-A012-D748-3A24-CA14FE0BA4A8}"/>
-              </a:ext>
-            </a:extLst>
-          </p:cNvPr>
-          <p:cNvSpPr txBox="1"/>
-          <p:nvPr/>
-        </p:nvSpPr>
-        <p:spPr>
-          <a:xfrm>
-            <a:off x="7919243" y="4639910"/>
-            <a:ext cx="3589337" cy="1015663"/>
-          </a:xfrm>
-          <a:prstGeom prst="rect">
-            <a:avLst/>
-          </a:prstGeom>
-        </p:spPr>
-        <p:style>
-          <a:lnRef idx="1">
-            <a:schemeClr val="dk1"/>
-          </a:lnRef>
-          <a:fillRef idx="2">
-            <a:schemeClr val="dk1"/>
-          </a:fillRef>
-          <a:effectRef idx="1">
-            <a:schemeClr val="dk1"/>
-          </a:effectRef>
-          <a:fontRef idx="minor">
-            <a:schemeClr val="dk1"/>
-          </a:fontRef>
-        </p:style>
-        <p:txBody>
-          <a:bodyPr wrap="square" rtlCol="0">
-            <a:spAutoFit/>
-          </a:bodyPr>
-          <a:lstStyle/>
-          <a:p>
-            <a:r>
-              <a:rPr lang="en-GB" sz="2000" dirty="0">
-                <a:latin typeface="Gill Sans Light"/>
-              </a:rPr>
-              <a:t>This deadlock scenario is not possible under the fixed resource acquisition order: 1. Knife 2. Fork</a:t>
-            </a:r>
-            <a:endParaRPr lang="en-SE" sz="2000" dirty="0">
-              <a:latin typeface="Gill Sans Light"/>
-            </a:endParaRPr>
-          </a:p>
-        </p:txBody>
-      </p:sp>
-      <p:sp>
-        <p:nvSpPr>
-          <p:cNvPr id="16" name="Text Box 12">
-            <a:extLst>
-              <a:ext uri="{FF2B5EF4-FFF2-40B4-BE49-F238E27FC236}">
-                <a16:creationId xmlns:a16="http://schemas.microsoft.com/office/drawing/2014/main" id="{50B76F4E-1708-533E-4648-F80099B60CC5}"/>
-              </a:ext>
-            </a:extLst>
-          </p:cNvPr>
-          <p:cNvSpPr txBox="1">
-            <a:spLocks noChangeArrowheads="1"/>
-          </p:cNvSpPr>
-          <p:nvPr/>
-        </p:nvSpPr>
-        <p:spPr bwMode="auto">
-          <a:xfrm>
-            <a:off x="6296819" y="3500085"/>
-            <a:ext cx="2250194" cy="646331"/>
-          </a:xfrm>
-          <a:prstGeom prst="rect">
-            <a:avLst/>
-          </a:prstGeom>
-          <a:noFill/>
-          <a:ln w="38100" algn="ctr">
-            <a:noFill/>
-            <a:miter lim="800000"/>
-            <a:headEnd/>
-            <a:tailEnd/>
-          </a:ln>
-        </p:spPr>
-        <p:txBody>
-          <a:bodyPr wrap="square">
-            <a:spAutoFit/>
-          </a:bodyPr>
-          <a:lstStyle/>
-          <a:p>
-            <a:pPr algn="ctr">
-              <a:spcBef>
-                <a:spcPct val="50000"/>
-              </a:spcBef>
-            </a:pPr>
-            <a:r>
-              <a:rPr lang="en-US" altLang="zh-CN" b="0" dirty="0">
-                <a:solidFill>
-                  <a:srgbClr val="000000"/>
-                </a:solidFill>
-                <a:latin typeface="Times New Roman" pitchFamily="18" charset="0"/>
-                <a:ea typeface="宋体" charset="-122"/>
-                <a:cs typeface="+mn-cs"/>
-              </a:rPr>
-              <a:t>Resource 1 (a fork) requested by Thread 2</a:t>
-            </a:r>
-          </a:p>
-        </p:txBody>
-      </p:sp>
-      <p:sp>
-        <p:nvSpPr>
-          <p:cNvPr id="17" name="Text Box 14">
-            <a:extLst>
-              <a:ext uri="{FF2B5EF4-FFF2-40B4-BE49-F238E27FC236}">
-                <a16:creationId xmlns:a16="http://schemas.microsoft.com/office/drawing/2014/main" id="{53A1967F-EDC4-4D04-69BA-C16A961E1FF5}"/>
-              </a:ext>
-            </a:extLst>
-          </p:cNvPr>
-          <p:cNvSpPr txBox="1">
-            <a:spLocks noChangeArrowheads="1"/>
-          </p:cNvSpPr>
-          <p:nvPr/>
-        </p:nvSpPr>
-        <p:spPr bwMode="auto">
-          <a:xfrm>
-            <a:off x="6296819" y="1708149"/>
-            <a:ext cx="2184400" cy="646331"/>
-          </a:xfrm>
-          <a:prstGeom prst="rect">
-            <a:avLst/>
-          </a:prstGeom>
-          <a:noFill/>
-          <a:ln w="38100" algn="ctr">
-            <a:noFill/>
-            <a:miter lim="800000"/>
-            <a:headEnd/>
-            <a:tailEnd/>
-          </a:ln>
-        </p:spPr>
-        <p:txBody>
-          <a:bodyPr>
-            <a:spAutoFit/>
-          </a:bodyPr>
-          <a:lstStyle/>
-          <a:p>
-            <a:pPr algn="ctr">
-              <a:spcBef>
-                <a:spcPct val="50000"/>
-              </a:spcBef>
-            </a:pPr>
-            <a:r>
-              <a:rPr lang="en-US" altLang="zh-CN" b="0" dirty="0">
-                <a:solidFill>
-                  <a:srgbClr val="000000"/>
-                </a:solidFill>
-                <a:latin typeface="Times New Roman" pitchFamily="18" charset="0"/>
-                <a:ea typeface="宋体" charset="-122"/>
-                <a:cs typeface="+mn-cs"/>
-              </a:rPr>
-              <a:t>Resource 2 (a knife) held by Thread 2</a:t>
-            </a:r>
-          </a:p>
-        </p:txBody>
-      </p:sp>
-    </p:spTree>
-    <p:extLst>
-      <p:ext uri="{BB962C8B-B14F-4D97-AF65-F5344CB8AC3E}">
-        <p14:creationId xmlns:p14="http://schemas.microsoft.com/office/powerpoint/2010/main" val="2034839176"/>
-      </p:ext>
-    </p:extLst>
-  </p:cSld>
-  <p:clrMapOvr>
-    <a:masterClrMapping/>
-  </p:clrMapOvr>
-  <p:transition/>
-</p:sld>
-</file>
-
-<file path=ppt/slides/slide18.xml><?xml version="1.0" encoding="utf-8"?>
-<p:sld xmlns:a="http://schemas.openxmlformats.org/drawingml/2006/main" xmlns:r="http://schemas.openxmlformats.org/officeDocument/2006/relationships" xmlns:p="http://schemas.openxmlformats.org/presentationml/2006/main">
-  <p:cSld>
-    <p:spTree>
-      <p:nvGrpSpPr>
-        <p:cNvPr id="1" name=""/>
-        <p:cNvGrpSpPr/>
-        <p:nvPr/>
-      </p:nvGrpSpPr>
-      <p:grpSpPr>
-        <a:xfrm>
-          <a:off x="0" y="0"/>
-          <a:ext cx="0" cy="0"/>
-          <a:chOff x="0" y="0"/>
-          <a:chExt cx="0" cy="0"/>
-        </a:xfrm>
-      </p:grpSpPr>
-      <p:sp>
-        <p:nvSpPr>
-          <p:cNvPr id="2" name="Title 1">
-            <a:extLst>
-              <a:ext uri="{FF2B5EF4-FFF2-40B4-BE49-F238E27FC236}">
-                <a16:creationId xmlns:a16="http://schemas.microsoft.com/office/drawing/2014/main" id="{95CECE1A-5EE0-BB49-216D-B4B1AF277470}"/>
-              </a:ext>
-            </a:extLst>
-          </p:cNvPr>
-          <p:cNvSpPr>
-            <a:spLocks noGrp="1"/>
-          </p:cNvSpPr>
-          <p:nvPr>
-            <p:ph type="title"/>
-          </p:nvPr>
-        </p:nvSpPr>
-        <p:spPr/>
-        <p:txBody>
-          <a:bodyPr/>
-          <a:lstStyle/>
-          <a:p>
-            <a:r>
-              <a:rPr lang="en-GB" dirty="0"/>
-              <a:t>Quiz: Dining Lawyers III</a:t>
-            </a:r>
-            <a:endParaRPr lang="en-SE" dirty="0"/>
-          </a:p>
-        </p:txBody>
-      </p:sp>
-      <p:sp>
-        <p:nvSpPr>
-          <p:cNvPr id="3" name="Content Placeholder 2">
-            <a:extLst>
-              <a:ext uri="{FF2B5EF4-FFF2-40B4-BE49-F238E27FC236}">
-                <a16:creationId xmlns:a16="http://schemas.microsoft.com/office/drawing/2014/main" id="{2C890D62-C0BE-DA6D-366C-8F725FB1BCE9}"/>
-              </a:ext>
-            </a:extLst>
-          </p:cNvPr>
-          <p:cNvSpPr>
-            <a:spLocks noGrp="1"/>
-          </p:cNvSpPr>
-          <p:nvPr>
-            <p:ph idx="1"/>
-          </p:nvPr>
-        </p:nvSpPr>
-        <p:spPr/>
-        <p:txBody>
-          <a:bodyPr/>
-          <a:lstStyle/>
-          <a:p>
-            <a:r>
-              <a:rPr lang="en-GB" dirty="0"/>
-              <a:t>If each lawyer has 4 arms, and there is a pile of knives and forks at </a:t>
-            </a:r>
-            <a:r>
-              <a:rPr lang="en-GB" dirty="0" err="1"/>
-              <a:t>center</a:t>
-            </a:r>
-            <a:r>
-              <a:rPr lang="en-GB" dirty="0"/>
-              <a:t> of the table. Assume there are at least 2 knives and 2 forks, so at least one lawyer can eat. Each lawyer follows the following steps:</a:t>
-            </a:r>
-          </a:p>
-          <a:p>
-            <a:pPr lvl="1"/>
-            <a:r>
-              <a:rPr lang="en-GB" dirty="0"/>
-              <a:t>(1) Pick up 2 knives atomically</a:t>
-            </a:r>
-          </a:p>
-          <a:p>
-            <a:pPr lvl="1"/>
-            <a:r>
-              <a:rPr lang="en-GB" dirty="0"/>
-              <a:t>(2) Pick up 2 forks atomically</a:t>
-            </a:r>
-          </a:p>
-          <a:p>
-            <a:pPr lvl="1"/>
-            <a:r>
-              <a:rPr lang="en-GB" dirty="0"/>
-              <a:t>(3) Eat</a:t>
-            </a:r>
-          </a:p>
-          <a:p>
-            <a:pPr lvl="1"/>
-            <a:r>
-              <a:rPr lang="en-GB" dirty="0"/>
-              <a:t>(4) Return the knives and forks to the pile </a:t>
-            </a:r>
-          </a:p>
-          <a:p>
-            <a:r>
-              <a:rPr lang="en-GB" dirty="0"/>
-              <a:t>Q: Can the system be deadlocked?</a:t>
-            </a:r>
-          </a:p>
-          <a:p>
-            <a:pPr marL="0" indent="0">
-              <a:buNone/>
-            </a:pPr>
-            <a:endParaRPr lang="en-GB" dirty="0"/>
-          </a:p>
-          <a:p>
-            <a:endParaRPr lang="en-GB" dirty="0"/>
-          </a:p>
-          <a:p>
-            <a:endParaRPr lang="en-GB" dirty="0"/>
-          </a:p>
-          <a:p>
-            <a:endParaRPr lang="en-GB" dirty="0"/>
-          </a:p>
-          <a:p>
-            <a:endParaRPr lang="en-SE" dirty="0"/>
-          </a:p>
-        </p:txBody>
-      </p:sp>
-    </p:spTree>
-    <p:extLst>
-      <p:ext uri="{BB962C8B-B14F-4D97-AF65-F5344CB8AC3E}">
-        <p14:creationId xmlns:p14="http://schemas.microsoft.com/office/powerpoint/2010/main" val="210011671"/>
-      </p:ext>
-    </p:extLst>
-  </p:cSld>
-  <p:clrMapOvr>
-    <a:masterClrMapping/>
-  </p:clrMapOvr>
-  <p:transition/>
-</p:sld>
-</file>
-
-<file path=ppt/slides/slide19.xml><?xml version="1.0" encoding="utf-8"?>
-<p:sld xmlns:a="http://schemas.openxmlformats.org/drawingml/2006/main" xmlns:r="http://schemas.openxmlformats.org/officeDocument/2006/relationships" xmlns:p="http://schemas.openxmlformats.org/presentationml/2006/main">
-  <p:cSld>
-    <p:spTree>
-      <p:nvGrpSpPr>
-        <p:cNvPr id="1" name="">
-          <a:extLst>
-            <a:ext uri="{FF2B5EF4-FFF2-40B4-BE49-F238E27FC236}">
-              <a16:creationId xmlns:a16="http://schemas.microsoft.com/office/drawing/2014/main" id="{0BC31B84-41FA-87C7-092D-0B4F9BD49CC1}"/>
-            </a:ext>
-          </a:extLst>
-        </p:cNvPr>
-        <p:cNvGrpSpPr/>
-        <p:nvPr/>
-      </p:nvGrpSpPr>
-      <p:grpSpPr>
-        <a:xfrm>
-          <a:off x="0" y="0"/>
-          <a:ext cx="0" cy="0"/>
-          <a:chOff x="0" y="0"/>
-          <a:chExt cx="0" cy="0"/>
-        </a:xfrm>
-      </p:grpSpPr>
-      <p:sp>
-        <p:nvSpPr>
-          <p:cNvPr id="2" name="Title 1">
-            <a:extLst>
-              <a:ext uri="{FF2B5EF4-FFF2-40B4-BE49-F238E27FC236}">
-                <a16:creationId xmlns:a16="http://schemas.microsoft.com/office/drawing/2014/main" id="{417E5918-C3C6-5BBC-2B9F-D220ED8337BB}"/>
-              </a:ext>
-            </a:extLst>
-          </p:cNvPr>
-          <p:cNvSpPr>
-            <a:spLocks noGrp="1"/>
-          </p:cNvSpPr>
-          <p:nvPr>
-            <p:ph type="title"/>
-          </p:nvPr>
-        </p:nvSpPr>
-        <p:spPr/>
-        <p:txBody>
-          <a:bodyPr/>
-          <a:lstStyle/>
-          <a:p>
-            <a:r>
-              <a:rPr lang="en-GB" dirty="0"/>
-              <a:t>Quiz: Dining Lawyers III Answer</a:t>
-            </a:r>
-            <a:endParaRPr lang="en-SE" dirty="0"/>
-          </a:p>
-        </p:txBody>
-      </p:sp>
-      <p:sp>
-        <p:nvSpPr>
-          <p:cNvPr id="3" name="Content Placeholder 2">
-            <a:extLst>
-              <a:ext uri="{FF2B5EF4-FFF2-40B4-BE49-F238E27FC236}">
-                <a16:creationId xmlns:a16="http://schemas.microsoft.com/office/drawing/2014/main" id="{9384C27C-506C-58B9-A616-57AF72E5CEE6}"/>
-              </a:ext>
-            </a:extLst>
-          </p:cNvPr>
-          <p:cNvSpPr>
-            <a:spLocks noGrp="1"/>
-          </p:cNvSpPr>
-          <p:nvPr>
-            <p:ph idx="1"/>
-          </p:nvPr>
-        </p:nvSpPr>
-        <p:spPr>
-          <a:xfrm>
-            <a:off x="330200" y="914400"/>
-            <a:ext cx="6831012" cy="5105400"/>
-          </a:xfrm>
-        </p:spPr>
-        <p:txBody>
-          <a:bodyPr>
-            <a:normAutofit/>
-          </a:bodyPr>
-          <a:lstStyle/>
-          <a:p>
-            <a:r>
-              <a:rPr lang="en-GB" dirty="0"/>
-              <a:t>ANS: No deadlocks, since it’s not possible to have circular waiting.</a:t>
-            </a:r>
-          </a:p>
-          <a:p>
-            <a:r>
-              <a:rPr lang="en-GB" dirty="0"/>
-              <a:t>All lawyers follow the same resource acquisition order:</a:t>
-            </a:r>
-          </a:p>
-          <a:p>
-            <a:pPr lvl="1"/>
-            <a:r>
-              <a:rPr lang="en-GB" dirty="0"/>
-              <a:t>1. Two knives</a:t>
-            </a:r>
-          </a:p>
-          <a:p>
-            <a:pPr lvl="1"/>
-            <a:r>
-              <a:rPr lang="en-GB" dirty="0"/>
-              <a:t>2. Two forks</a:t>
-            </a:r>
-          </a:p>
-          <a:p>
-            <a:r>
-              <a:rPr lang="en-GB" dirty="0"/>
-              <a:t>Since lawyers do not wait for resources held by others in a cyclic manner, no circular dependency forms.</a:t>
-            </a:r>
-            <a:endParaRPr lang="en-SE" dirty="0"/>
-          </a:p>
-        </p:txBody>
-      </p:sp>
-      <p:sp>
-        <p:nvSpPr>
-          <p:cNvPr id="4" name="Oval 4">
-            <a:extLst>
-              <a:ext uri="{FF2B5EF4-FFF2-40B4-BE49-F238E27FC236}">
-                <a16:creationId xmlns:a16="http://schemas.microsoft.com/office/drawing/2014/main" id="{1ABF8111-4C7E-340C-8175-EB71A7218CCF}"/>
-              </a:ext>
-            </a:extLst>
-          </p:cNvPr>
-          <p:cNvSpPr>
-            <a:spLocks noChangeArrowheads="1"/>
-          </p:cNvSpPr>
-          <p:nvPr/>
-        </p:nvSpPr>
-        <p:spPr bwMode="auto">
-          <a:xfrm>
-            <a:off x="7161213" y="2909888"/>
-            <a:ext cx="811212" cy="752475"/>
-          </a:xfrm>
-          <a:prstGeom prst="ellipse">
-            <a:avLst/>
-          </a:prstGeom>
-          <a:solidFill>
-            <a:schemeClr val="bg1"/>
-          </a:solidFill>
-          <a:ln w="38100" algn="ctr">
-            <a:solidFill>
-              <a:schemeClr val="tx1"/>
-            </a:solidFill>
-            <a:round/>
-            <a:headEnd/>
-            <a:tailEnd/>
-          </a:ln>
-        </p:spPr>
-        <p:txBody>
-          <a:bodyPr wrap="none" anchor="ctr"/>
-          <a:lstStyle/>
-          <a:p>
-            <a:pPr algn="ctr"/>
-            <a:r>
-              <a:rPr lang="en-US" altLang="zh-CN" b="0">
-                <a:solidFill>
-                  <a:srgbClr val="000000"/>
-                </a:solidFill>
-                <a:latin typeface="Times New Roman" pitchFamily="18" charset="0"/>
-                <a:ea typeface="宋体" charset="-122"/>
-                <a:cs typeface="+mn-cs"/>
-              </a:rPr>
-              <a:t>P1</a:t>
-            </a:r>
-          </a:p>
-        </p:txBody>
-      </p:sp>
-      <p:sp>
-        <p:nvSpPr>
-          <p:cNvPr id="5" name="Oval 6">
-            <a:extLst>
-              <a:ext uri="{FF2B5EF4-FFF2-40B4-BE49-F238E27FC236}">
-                <a16:creationId xmlns:a16="http://schemas.microsoft.com/office/drawing/2014/main" id="{7DC6FA58-E833-D056-4D42-25A1A013EA0A}"/>
-              </a:ext>
-            </a:extLst>
-          </p:cNvPr>
-          <p:cNvSpPr>
-            <a:spLocks noChangeArrowheads="1"/>
-          </p:cNvSpPr>
-          <p:nvPr/>
-        </p:nvSpPr>
-        <p:spPr bwMode="auto">
-          <a:xfrm>
-            <a:off x="10577513" y="2909888"/>
-            <a:ext cx="811212" cy="752475"/>
-          </a:xfrm>
-          <a:prstGeom prst="ellipse">
-            <a:avLst/>
-          </a:prstGeom>
-          <a:solidFill>
-            <a:schemeClr val="bg1"/>
-          </a:solidFill>
-          <a:ln w="38100" algn="ctr">
-            <a:solidFill>
-              <a:schemeClr val="tx1"/>
-            </a:solidFill>
-            <a:round/>
-            <a:headEnd/>
-            <a:tailEnd/>
-          </a:ln>
-        </p:spPr>
-        <p:txBody>
-          <a:bodyPr wrap="none" anchor="ctr"/>
-          <a:lstStyle/>
-          <a:p>
-            <a:pPr algn="ctr"/>
-            <a:r>
-              <a:rPr lang="en-US" altLang="zh-CN" b="0">
-                <a:solidFill>
-                  <a:srgbClr val="000000"/>
-                </a:solidFill>
-                <a:latin typeface="Times New Roman" pitchFamily="18" charset="0"/>
-                <a:ea typeface="宋体" charset="-122"/>
-                <a:cs typeface="+mn-cs"/>
-              </a:rPr>
-              <a:t>P2</a:t>
-            </a:r>
-          </a:p>
-        </p:txBody>
-      </p:sp>
-      <p:sp>
-        <p:nvSpPr>
-          <p:cNvPr id="6" name="Rectangle 7">
-            <a:extLst>
-              <a:ext uri="{FF2B5EF4-FFF2-40B4-BE49-F238E27FC236}">
-                <a16:creationId xmlns:a16="http://schemas.microsoft.com/office/drawing/2014/main" id="{4F7F7DEC-7F30-789D-D157-ABDE3C9D3567}"/>
-              </a:ext>
-            </a:extLst>
-          </p:cNvPr>
-          <p:cNvSpPr>
-            <a:spLocks noChangeArrowheads="1"/>
-          </p:cNvSpPr>
-          <p:nvPr/>
-        </p:nvSpPr>
-        <p:spPr bwMode="auto">
-          <a:xfrm>
-            <a:off x="8694738" y="3871913"/>
-            <a:ext cx="982662" cy="930275"/>
-          </a:xfrm>
-          <a:prstGeom prst="rect">
-            <a:avLst/>
-          </a:prstGeom>
-          <a:solidFill>
-            <a:schemeClr val="bg1"/>
-          </a:solidFill>
-          <a:ln w="38100" algn="ctr">
-            <a:solidFill>
-              <a:schemeClr val="tx1"/>
-            </a:solidFill>
-            <a:miter lim="800000"/>
-            <a:headEnd/>
-            <a:tailEnd/>
-          </a:ln>
-        </p:spPr>
-        <p:txBody>
-          <a:bodyPr wrap="none" anchor="ctr"/>
-          <a:lstStyle/>
-          <a:p>
-            <a:pPr algn="ctr"/>
-            <a:r>
-              <a:rPr lang="en-US" altLang="zh-CN" b="0" dirty="0">
-                <a:solidFill>
-                  <a:srgbClr val="000000"/>
-                </a:solidFill>
-                <a:latin typeface="Times New Roman" pitchFamily="18" charset="0"/>
-                <a:ea typeface="宋体" charset="-122"/>
-                <a:cs typeface="+mn-cs"/>
-              </a:rPr>
-              <a:t>2 forks</a:t>
-            </a:r>
-          </a:p>
-        </p:txBody>
-      </p:sp>
-      <p:sp>
-        <p:nvSpPr>
-          <p:cNvPr id="7" name="Rectangle 9">
-            <a:extLst>
-              <a:ext uri="{FF2B5EF4-FFF2-40B4-BE49-F238E27FC236}">
-                <a16:creationId xmlns:a16="http://schemas.microsoft.com/office/drawing/2014/main" id="{17304DAE-3755-C34A-6084-C43A09569FDA}"/>
-              </a:ext>
-            </a:extLst>
-          </p:cNvPr>
-          <p:cNvSpPr>
-            <a:spLocks noChangeArrowheads="1"/>
-          </p:cNvSpPr>
-          <p:nvPr/>
-        </p:nvSpPr>
-        <p:spPr bwMode="auto">
-          <a:xfrm>
-            <a:off x="8574088" y="2133600"/>
-            <a:ext cx="984250" cy="949325"/>
-          </a:xfrm>
-          <a:prstGeom prst="rect">
-            <a:avLst/>
-          </a:prstGeom>
-          <a:solidFill>
-            <a:schemeClr val="bg1"/>
-          </a:solidFill>
-          <a:ln w="38100" algn="ctr">
-            <a:solidFill>
-              <a:schemeClr val="tx1"/>
-            </a:solidFill>
-            <a:miter lim="800000"/>
-            <a:headEnd/>
-            <a:tailEnd/>
-          </a:ln>
-        </p:spPr>
-        <p:txBody>
-          <a:bodyPr wrap="none" anchor="ctr"/>
-          <a:lstStyle/>
-          <a:p>
-            <a:pPr algn="ctr"/>
-            <a:r>
-              <a:rPr lang="en-US" altLang="zh-CN" b="0" dirty="0">
-                <a:solidFill>
-                  <a:srgbClr val="000000"/>
-                </a:solidFill>
-                <a:latin typeface="Times New Roman" pitchFamily="18" charset="0"/>
-                <a:ea typeface="宋体" charset="-122"/>
-                <a:cs typeface="+mn-cs"/>
-              </a:rPr>
-              <a:t>2 knives</a:t>
-            </a:r>
-          </a:p>
-        </p:txBody>
-      </p:sp>
-      <p:sp>
-        <p:nvSpPr>
-          <p:cNvPr id="8" name="Line 10">
-            <a:extLst>
-              <a:ext uri="{FF2B5EF4-FFF2-40B4-BE49-F238E27FC236}">
-                <a16:creationId xmlns:a16="http://schemas.microsoft.com/office/drawing/2014/main" id="{E9297EC3-1D9B-BB80-3EFC-AD0F4B66554F}"/>
-              </a:ext>
-            </a:extLst>
-          </p:cNvPr>
-          <p:cNvSpPr>
-            <a:spLocks noChangeShapeType="1"/>
-          </p:cNvSpPr>
-          <p:nvPr/>
-        </p:nvSpPr>
-        <p:spPr bwMode="auto">
-          <a:xfrm>
-            <a:off x="7799388" y="3662363"/>
-            <a:ext cx="895350" cy="674687"/>
-          </a:xfrm>
-          <a:prstGeom prst="line">
-            <a:avLst/>
-          </a:prstGeom>
-          <a:noFill/>
-          <a:ln w="38100">
-            <a:solidFill>
-              <a:schemeClr val="tx1"/>
-            </a:solidFill>
-            <a:round/>
-            <a:headEnd/>
-            <a:tailEnd type="triangle" w="med" len="med"/>
-          </a:ln>
-        </p:spPr>
-        <p:txBody>
-          <a:bodyPr wrap="none" anchor="ctr"/>
-          <a:lstStyle/>
-          <a:p>
-            <a:pPr algn="ctr"/>
-            <a:endParaRPr lang="zh-CN" altLang="en-US" b="0">
-              <a:solidFill>
-                <a:srgbClr val="000000"/>
-              </a:solidFill>
-              <a:latin typeface="Times New Roman" pitchFamily="18" charset="0"/>
-              <a:ea typeface="+mn-ea"/>
-              <a:cs typeface="+mn-cs"/>
-            </a:endParaRPr>
-          </a:p>
-        </p:txBody>
-      </p:sp>
-      <p:sp>
-        <p:nvSpPr>
-          <p:cNvPr id="9" name="Line 11">
-            <a:extLst>
-              <a:ext uri="{FF2B5EF4-FFF2-40B4-BE49-F238E27FC236}">
-                <a16:creationId xmlns:a16="http://schemas.microsoft.com/office/drawing/2014/main" id="{FBB6A143-2A2B-1CA4-EFDD-FBC72D90E26F}"/>
-              </a:ext>
-            </a:extLst>
-          </p:cNvPr>
-          <p:cNvSpPr>
-            <a:spLocks noChangeShapeType="1"/>
-          </p:cNvSpPr>
-          <p:nvPr/>
-        </p:nvSpPr>
-        <p:spPr bwMode="auto">
-          <a:xfrm flipV="1">
-            <a:off x="9280526" y="3662363"/>
-            <a:ext cx="1482725" cy="860425"/>
-          </a:xfrm>
-          <a:prstGeom prst="line">
-            <a:avLst/>
-          </a:prstGeom>
-          <a:noFill/>
-          <a:ln w="38100">
-            <a:solidFill>
-              <a:schemeClr val="tx1"/>
-            </a:solidFill>
-            <a:round/>
-            <a:headEnd type="oval" w="lg" len="lg"/>
-            <a:tailEnd type="triangle" w="med" len="med"/>
-          </a:ln>
-        </p:spPr>
-        <p:txBody>
-          <a:bodyPr wrap="none" anchor="ctr"/>
-          <a:lstStyle/>
-          <a:p>
-            <a:pPr algn="ctr"/>
-            <a:endParaRPr lang="zh-CN" altLang="en-US" b="0">
-              <a:solidFill>
-                <a:srgbClr val="000000"/>
-              </a:solidFill>
-              <a:latin typeface="Times New Roman" pitchFamily="18" charset="0"/>
-              <a:ea typeface="+mn-ea"/>
-              <a:cs typeface="+mn-cs"/>
-            </a:endParaRPr>
-          </a:p>
-        </p:txBody>
-      </p:sp>
-      <p:sp>
-        <p:nvSpPr>
-          <p:cNvPr id="10" name="Text Box 12">
-            <a:extLst>
-              <a:ext uri="{FF2B5EF4-FFF2-40B4-BE49-F238E27FC236}">
-                <a16:creationId xmlns:a16="http://schemas.microsoft.com/office/drawing/2014/main" id="{1AA660D7-B331-D41F-2420-3F6D7A18D527}"/>
-              </a:ext>
-            </a:extLst>
-          </p:cNvPr>
-          <p:cNvSpPr txBox="1">
-            <a:spLocks noChangeArrowheads="1"/>
-          </p:cNvSpPr>
-          <p:nvPr/>
-        </p:nvSpPr>
-        <p:spPr bwMode="auto">
-          <a:xfrm>
-            <a:off x="9963944" y="3957285"/>
-            <a:ext cx="2075656" cy="646331"/>
-          </a:xfrm>
-          <a:prstGeom prst="rect">
-            <a:avLst/>
-          </a:prstGeom>
-          <a:noFill/>
-          <a:ln w="38100" algn="ctr">
-            <a:noFill/>
-            <a:miter lim="800000"/>
-            <a:headEnd/>
-            <a:tailEnd/>
-          </a:ln>
-        </p:spPr>
-        <p:txBody>
-          <a:bodyPr wrap="square">
-            <a:spAutoFit/>
-          </a:bodyPr>
-          <a:lstStyle/>
-          <a:p>
-            <a:pPr algn="ctr">
-              <a:spcBef>
-                <a:spcPct val="50000"/>
-              </a:spcBef>
-            </a:pPr>
-            <a:r>
-              <a:rPr lang="en-US" altLang="zh-CN" b="0" dirty="0">
-                <a:solidFill>
-                  <a:srgbClr val="000000"/>
-                </a:solidFill>
-                <a:latin typeface="Times New Roman" pitchFamily="18" charset="0"/>
-                <a:ea typeface="宋体" charset="-122"/>
-                <a:cs typeface="+mn-cs"/>
-              </a:rPr>
-              <a:t>Resource 1 (2 forks) held by Thread 2</a:t>
-            </a:r>
-          </a:p>
-        </p:txBody>
-      </p:sp>
-      <p:sp>
-        <p:nvSpPr>
-          <p:cNvPr id="11" name="Line 13">
-            <a:extLst>
-              <a:ext uri="{FF2B5EF4-FFF2-40B4-BE49-F238E27FC236}">
-                <a16:creationId xmlns:a16="http://schemas.microsoft.com/office/drawing/2014/main" id="{017AD7A2-6259-B784-F61C-AC860FFFF73B}"/>
-              </a:ext>
-            </a:extLst>
-          </p:cNvPr>
-          <p:cNvSpPr>
-            <a:spLocks noChangeShapeType="1"/>
-          </p:cNvSpPr>
-          <p:nvPr/>
-        </p:nvSpPr>
-        <p:spPr bwMode="auto">
-          <a:xfrm flipH="1" flipV="1">
-            <a:off x="9558339" y="2638424"/>
-            <a:ext cx="1019175" cy="444500"/>
-          </a:xfrm>
-          <a:prstGeom prst="line">
-            <a:avLst/>
-          </a:prstGeom>
-          <a:noFill/>
-          <a:ln w="38100">
-            <a:solidFill>
-              <a:schemeClr val="tx1"/>
-            </a:solidFill>
-            <a:round/>
-            <a:headEnd/>
-            <a:tailEnd type="triangle" w="med" len="med"/>
-          </a:ln>
-        </p:spPr>
-        <p:txBody>
-          <a:bodyPr wrap="none" anchor="ctr"/>
-          <a:lstStyle/>
-          <a:p>
-            <a:pPr algn="ctr"/>
-            <a:endParaRPr lang="zh-CN" altLang="en-US" b="0">
-              <a:solidFill>
-                <a:srgbClr val="000000"/>
-              </a:solidFill>
-              <a:latin typeface="Times New Roman" pitchFamily="18" charset="0"/>
-              <a:ea typeface="+mn-ea"/>
-              <a:cs typeface="+mn-cs"/>
-            </a:endParaRPr>
-          </a:p>
-        </p:txBody>
-      </p:sp>
-      <p:sp>
-        <p:nvSpPr>
-          <p:cNvPr id="12" name="Text Box 14">
-            <a:extLst>
-              <a:ext uri="{FF2B5EF4-FFF2-40B4-BE49-F238E27FC236}">
-                <a16:creationId xmlns:a16="http://schemas.microsoft.com/office/drawing/2014/main" id="{5E306CCF-E803-FD8C-4C50-70BAA94E6978}"/>
-              </a:ext>
-            </a:extLst>
-          </p:cNvPr>
-          <p:cNvSpPr txBox="1">
-            <a:spLocks noChangeArrowheads="1"/>
-          </p:cNvSpPr>
-          <p:nvPr/>
-        </p:nvSpPr>
-        <p:spPr bwMode="auto">
-          <a:xfrm>
-            <a:off x="9722381" y="2219919"/>
-            <a:ext cx="2184400" cy="923330"/>
-          </a:xfrm>
-          <a:prstGeom prst="rect">
-            <a:avLst/>
-          </a:prstGeom>
-          <a:noFill/>
-          <a:ln w="38100" algn="ctr">
-            <a:noFill/>
-            <a:miter lim="800000"/>
-            <a:headEnd/>
-            <a:tailEnd/>
-          </a:ln>
-        </p:spPr>
-        <p:txBody>
-          <a:bodyPr>
-            <a:spAutoFit/>
-          </a:bodyPr>
-          <a:lstStyle/>
-          <a:p>
-            <a:pPr algn="ctr">
-              <a:spcBef>
-                <a:spcPct val="50000"/>
-              </a:spcBef>
-            </a:pPr>
-            <a:r>
-              <a:rPr lang="en-US" altLang="zh-CN" b="0" dirty="0">
-                <a:solidFill>
-                  <a:srgbClr val="000000"/>
-                </a:solidFill>
-                <a:latin typeface="Times New Roman" pitchFamily="18" charset="0"/>
-                <a:ea typeface="宋体" charset="-122"/>
-                <a:cs typeface="+mn-cs"/>
-              </a:rPr>
-              <a:t>Resource 2 (2 knives) requested by Thread 2</a:t>
-            </a:r>
-          </a:p>
-        </p:txBody>
-      </p:sp>
-      <p:sp>
-        <p:nvSpPr>
-          <p:cNvPr id="13" name="Oval 15">
-            <a:extLst>
-              <a:ext uri="{FF2B5EF4-FFF2-40B4-BE49-F238E27FC236}">
-                <a16:creationId xmlns:a16="http://schemas.microsoft.com/office/drawing/2014/main" id="{113B7605-B2C4-354D-456E-CDDD8314090F}"/>
-              </a:ext>
-            </a:extLst>
-          </p:cNvPr>
-          <p:cNvSpPr>
-            <a:spLocks noChangeArrowheads="1"/>
-          </p:cNvSpPr>
-          <p:nvPr/>
-        </p:nvSpPr>
-        <p:spPr bwMode="auto">
-          <a:xfrm>
-            <a:off x="9131301" y="2786063"/>
-            <a:ext cx="149225" cy="123825"/>
-          </a:xfrm>
-          <a:prstGeom prst="ellipse">
-            <a:avLst/>
-          </a:prstGeom>
-          <a:solidFill>
-            <a:srgbClr val="000000"/>
-          </a:solidFill>
-          <a:ln w="38100" algn="ctr">
-            <a:solidFill>
-              <a:schemeClr val="tx1"/>
-            </a:solidFill>
-            <a:round/>
-            <a:headEnd/>
-            <a:tailEnd/>
-          </a:ln>
-        </p:spPr>
-        <p:txBody>
-          <a:bodyPr wrap="none" anchor="ctr"/>
-          <a:lstStyle/>
-          <a:p>
-            <a:pPr algn="ctr"/>
-            <a:endParaRPr lang="en-CA" b="0">
-              <a:solidFill>
-                <a:srgbClr val="000000"/>
-              </a:solidFill>
-              <a:latin typeface="Times New Roman" pitchFamily="18" charset="0"/>
-              <a:ea typeface="+mn-ea"/>
-              <a:cs typeface="+mn-cs"/>
-            </a:endParaRPr>
-          </a:p>
-        </p:txBody>
-      </p:sp>
-      <p:sp>
-        <p:nvSpPr>
-          <p:cNvPr id="14" name="Line 16">
-            <a:extLst>
-              <a:ext uri="{FF2B5EF4-FFF2-40B4-BE49-F238E27FC236}">
-                <a16:creationId xmlns:a16="http://schemas.microsoft.com/office/drawing/2014/main" id="{4420B6C5-EAC0-14DB-EC87-C78D4C19BDA1}"/>
-              </a:ext>
-            </a:extLst>
-          </p:cNvPr>
-          <p:cNvSpPr>
-            <a:spLocks noChangeShapeType="1"/>
-          </p:cNvSpPr>
-          <p:nvPr/>
-        </p:nvSpPr>
-        <p:spPr bwMode="auto">
-          <a:xfrm flipH="1">
-            <a:off x="7972426" y="2909888"/>
-            <a:ext cx="1158875" cy="173037"/>
-          </a:xfrm>
-          <a:prstGeom prst="line">
-            <a:avLst/>
-          </a:prstGeom>
-          <a:noFill/>
-          <a:ln w="38100">
-            <a:solidFill>
-              <a:schemeClr val="tx1"/>
-            </a:solidFill>
-            <a:round/>
-            <a:headEnd/>
-            <a:tailEnd type="triangle" w="med" len="med"/>
-          </a:ln>
-        </p:spPr>
-        <p:txBody>
-          <a:bodyPr wrap="none" anchor="ctr"/>
-          <a:lstStyle/>
-          <a:p>
-            <a:pPr algn="ctr"/>
-            <a:endParaRPr lang="zh-CN" altLang="en-US" b="0">
-              <a:solidFill>
-                <a:srgbClr val="000000"/>
-              </a:solidFill>
-              <a:latin typeface="Times New Roman" pitchFamily="18" charset="0"/>
-              <a:ea typeface="+mn-ea"/>
-              <a:cs typeface="+mn-cs"/>
-            </a:endParaRPr>
-          </a:p>
-        </p:txBody>
-      </p:sp>
-      <p:sp>
-        <p:nvSpPr>
-          <p:cNvPr id="15" name="TextBox 14">
-            <a:extLst>
-              <a:ext uri="{FF2B5EF4-FFF2-40B4-BE49-F238E27FC236}">
-                <a16:creationId xmlns:a16="http://schemas.microsoft.com/office/drawing/2014/main" id="{1A369346-8FE9-8490-5422-FDCB9F0178A4}"/>
-              </a:ext>
-            </a:extLst>
-          </p:cNvPr>
-          <p:cNvSpPr txBox="1"/>
-          <p:nvPr/>
-        </p:nvSpPr>
-        <p:spPr>
-          <a:xfrm>
-            <a:off x="7882731" y="5097110"/>
-            <a:ext cx="3589337" cy="1015663"/>
-          </a:xfrm>
-          <a:prstGeom prst="rect">
-            <a:avLst/>
-          </a:prstGeom>
-        </p:spPr>
-        <p:style>
-          <a:lnRef idx="1">
-            <a:schemeClr val="dk1"/>
-          </a:lnRef>
-          <a:fillRef idx="2">
-            <a:schemeClr val="dk1"/>
-          </a:fillRef>
-          <a:effectRef idx="1">
-            <a:schemeClr val="dk1"/>
-          </a:effectRef>
-          <a:fontRef idx="minor">
-            <a:schemeClr val="dk1"/>
-          </a:fontRef>
-        </p:style>
-        <p:txBody>
-          <a:bodyPr wrap="square" rtlCol="0">
-            <a:spAutoFit/>
-          </a:bodyPr>
-          <a:lstStyle/>
-          <a:p>
-            <a:r>
-              <a:rPr lang="en-GB" sz="2000" dirty="0">
-                <a:latin typeface="Gill Sans Light"/>
-              </a:rPr>
-              <a:t>This deadlock scenario is not possible under the fixed resource acquisition order: 2 knives, 2 forks</a:t>
-            </a:r>
-            <a:endParaRPr lang="en-SE" sz="2000" dirty="0">
-              <a:latin typeface="Gill Sans Light"/>
-            </a:endParaRPr>
-          </a:p>
-        </p:txBody>
-      </p:sp>
-      <p:sp>
-        <p:nvSpPr>
-          <p:cNvPr id="16" name="Text Box 12">
-            <a:extLst>
-              <a:ext uri="{FF2B5EF4-FFF2-40B4-BE49-F238E27FC236}">
-                <a16:creationId xmlns:a16="http://schemas.microsoft.com/office/drawing/2014/main" id="{C5A80AF3-98A4-E3E6-FACE-C40AB3E50C71}"/>
-              </a:ext>
-            </a:extLst>
-          </p:cNvPr>
-          <p:cNvSpPr txBox="1">
-            <a:spLocks noChangeArrowheads="1"/>
-          </p:cNvSpPr>
-          <p:nvPr/>
-        </p:nvSpPr>
-        <p:spPr bwMode="auto">
-          <a:xfrm>
-            <a:off x="6096000" y="3957285"/>
-            <a:ext cx="2227044" cy="646331"/>
-          </a:xfrm>
-          <a:prstGeom prst="rect">
-            <a:avLst/>
-          </a:prstGeom>
-          <a:noFill/>
-          <a:ln w="38100" algn="ctr">
-            <a:noFill/>
-            <a:miter lim="800000"/>
-            <a:headEnd/>
-            <a:tailEnd/>
-          </a:ln>
-        </p:spPr>
-        <p:txBody>
-          <a:bodyPr wrap="square">
-            <a:spAutoFit/>
-          </a:bodyPr>
-          <a:lstStyle/>
-          <a:p>
-            <a:pPr algn="ctr">
-              <a:spcBef>
-                <a:spcPct val="50000"/>
-              </a:spcBef>
-            </a:pPr>
-            <a:r>
-              <a:rPr lang="en-US" altLang="zh-CN" b="0" dirty="0">
-                <a:solidFill>
-                  <a:srgbClr val="000000"/>
-                </a:solidFill>
-                <a:latin typeface="Times New Roman" pitchFamily="18" charset="0"/>
-                <a:ea typeface="宋体" charset="-122"/>
-                <a:cs typeface="+mn-cs"/>
-              </a:rPr>
-              <a:t>Resource 1 (2 forks) requested by Thread 2</a:t>
-            </a:r>
-          </a:p>
-        </p:txBody>
-      </p:sp>
-      <p:sp>
-        <p:nvSpPr>
-          <p:cNvPr id="17" name="Text Box 14">
-            <a:extLst>
-              <a:ext uri="{FF2B5EF4-FFF2-40B4-BE49-F238E27FC236}">
-                <a16:creationId xmlns:a16="http://schemas.microsoft.com/office/drawing/2014/main" id="{61E54510-0D21-A762-B803-2A246842BDFC}"/>
-              </a:ext>
-            </a:extLst>
-          </p:cNvPr>
-          <p:cNvSpPr txBox="1">
-            <a:spLocks noChangeArrowheads="1"/>
-          </p:cNvSpPr>
-          <p:nvPr/>
-        </p:nvSpPr>
-        <p:spPr bwMode="auto">
-          <a:xfrm>
-            <a:off x="6043131" y="2219919"/>
-            <a:ext cx="2184400" cy="646331"/>
-          </a:xfrm>
-          <a:prstGeom prst="rect">
-            <a:avLst/>
-          </a:prstGeom>
-          <a:noFill/>
-          <a:ln w="38100" algn="ctr">
-            <a:noFill/>
-            <a:miter lim="800000"/>
-            <a:headEnd/>
-            <a:tailEnd/>
-          </a:ln>
-        </p:spPr>
-        <p:txBody>
-          <a:bodyPr>
-            <a:spAutoFit/>
-          </a:bodyPr>
-          <a:lstStyle/>
-          <a:p>
-            <a:pPr algn="ctr">
-              <a:spcBef>
-                <a:spcPct val="50000"/>
-              </a:spcBef>
-            </a:pPr>
-            <a:r>
-              <a:rPr lang="en-US" altLang="zh-CN" b="0" dirty="0">
-                <a:solidFill>
-                  <a:srgbClr val="000000"/>
-                </a:solidFill>
-                <a:latin typeface="Times New Roman" pitchFamily="18" charset="0"/>
-                <a:ea typeface="宋体" charset="-122"/>
-                <a:cs typeface="+mn-cs"/>
-              </a:rPr>
-              <a:t>Resource 2 (2 knives) held by Thread 2</a:t>
-            </a:r>
-          </a:p>
-        </p:txBody>
-      </p:sp>
-    </p:spTree>
-    <p:extLst>
-      <p:ext uri="{BB962C8B-B14F-4D97-AF65-F5344CB8AC3E}">
-        <p14:creationId xmlns:p14="http://schemas.microsoft.com/office/powerpoint/2010/main" val="60386171"/>
-      </p:ext>
-    </p:extLst>
-  </p:cSld>
-  <p:clrMapOvr>
-    <a:masterClrMapping/>
-  </p:clrMapOvr>
-  <p:transition/>
-</p:sld>
-</file>
-
 <file path=ppt/slides/slide2.xml><?xml version="1.0" encoding="utf-8"?>
 <p:sld xmlns:a="http://schemas.openxmlformats.org/drawingml/2006/main" xmlns:r="http://schemas.openxmlformats.org/officeDocument/2006/relationships" xmlns:p="http://schemas.openxmlformats.org/presentationml/2006/main">
   <p:cSld>
@@ -11085,22 +7020,51 @@
             <a:pPr lvl="1"/>
             <a:r>
               <a:rPr lang="en-GB" dirty="0"/>
-              <a:t>thread 1: L1.wait();</a:t>
+              <a:t>thread 1 </a:t>
+            </a:r>
+            <a:r>
+              <a:rPr lang="en-US" altLang="zh-CN" dirty="0"/>
+              <a:t>executes</a:t>
+            </a:r>
+            <a:r>
+              <a:rPr lang="en-GB" dirty="0"/>
+              <a:t> L1.wait(); no blocking</a:t>
             </a:r>
           </a:p>
           <a:p>
             <a:pPr lvl="1"/>
             <a:r>
               <a:rPr lang="en-GB" dirty="0"/>
-              <a:t>thread 2: L3.wait();</a:t>
+              <a:t>thread 2 </a:t>
+            </a:r>
+            <a:r>
+              <a:rPr lang="en-US" altLang="zh-CN" dirty="0"/>
+              <a:t>executes</a:t>
+            </a:r>
+            <a:r>
+              <a:rPr lang="en-GB" dirty="0"/>
+              <a:t> L3.wait(); no blocking</a:t>
             </a:r>
           </a:p>
           <a:p>
             <a:pPr lvl="1"/>
             <a:r>
               <a:rPr lang="en-GB" dirty="0"/>
-              <a:t>thread 3: L2.wait();</a:t>
-            </a:r>
+              <a:t>thread 3 </a:t>
+            </a:r>
+            <a:r>
+              <a:rPr lang="en-US" altLang="zh-CN" dirty="0"/>
+              <a:t>executes</a:t>
+            </a:r>
+            <a:r>
+              <a:rPr lang="en-GB" dirty="0"/>
+              <a:t> L2.</a:t>
+            </a:r>
+            <a:r>
+              <a:rPr lang="en-GB"/>
+              <a:t>wait(); no blocking</a:t>
+            </a:r>
+            <a:endParaRPr lang="en-GB" dirty="0"/>
           </a:p>
           <a:p>
             <a:r>
@@ -12253,1388 +8217,6 @@
     <p:extLst>
       <p:ext uri="{BB962C8B-B14F-4D97-AF65-F5344CB8AC3E}">
         <p14:creationId xmlns:p14="http://schemas.microsoft.com/office/powerpoint/2010/main" val="3689648029"/>
-      </p:ext>
-    </p:extLst>
-  </p:cSld>
-  <p:clrMapOvr>
-    <a:masterClrMapping/>
-  </p:clrMapOvr>
-  <p:transition/>
-  <p:timing>
-    <p:tnLst>
-      <p:par>
-        <p:cTn id="1" dur="indefinite" restart="never" nodeType="tmRoot">
-          <p:childTnLst>
-            <p:seq concurrent="1" nextAc="seek">
-              <p:cTn id="2" dur="indefinite" nodeType="mainSeq">
-                <p:childTnLst>
-                  <p:par>
-                    <p:cTn id="3" fill="hold">
-                      <p:stCondLst>
-                        <p:cond delay="indefinite"/>
-                      </p:stCondLst>
-                      <p:childTnLst>
-                        <p:par>
-                          <p:cTn id="4" fill="hold">
-                            <p:stCondLst>
-                              <p:cond delay="0"/>
-                            </p:stCondLst>
-                            <p:childTnLst>
-                              <p:par>
-                                <p:cTn id="5" presetID="1" presetClass="entr" presetSubtype="0" fill="hold" grpId="0" nodeType="clickEffect">
-                                  <p:stCondLst>
-                                    <p:cond delay="0"/>
-                                  </p:stCondLst>
-                                  <p:childTnLst>
-                                    <p:set>
-                                      <p:cBhvr>
-                                        <p:cTn id="6" dur="1" fill="hold">
-                                          <p:stCondLst>
-                                            <p:cond delay="0"/>
-                                          </p:stCondLst>
-                                        </p:cTn>
-                                        <p:tgtEl>
-                                          <p:spTgt spid="3">
-                                            <p:txEl>
-                                              <p:pRg st="0" end="0"/>
-                                            </p:txEl>
-                                          </p:spTgt>
-                                        </p:tgtEl>
-                                        <p:attrNameLst>
-                                          <p:attrName>style.visibility</p:attrName>
-                                        </p:attrNameLst>
-                                      </p:cBhvr>
-                                      <p:to>
-                                        <p:strVal val="visible"/>
-                                      </p:to>
-                                    </p:set>
-                                  </p:childTnLst>
-                                </p:cTn>
-                              </p:par>
-                            </p:childTnLst>
-                          </p:cTn>
-                        </p:par>
-                      </p:childTnLst>
-                    </p:cTn>
-                  </p:par>
-                  <p:par>
-                    <p:cTn id="7" fill="hold">
-                      <p:stCondLst>
-                        <p:cond delay="indefinite"/>
-                      </p:stCondLst>
-                      <p:childTnLst>
-                        <p:par>
-                          <p:cTn id="8" fill="hold">
-                            <p:stCondLst>
-                              <p:cond delay="0"/>
-                            </p:stCondLst>
-                            <p:childTnLst>
-                              <p:par>
-                                <p:cTn id="9" presetID="1" presetClass="entr" presetSubtype="0" fill="hold" grpId="0" nodeType="clickEffect">
-                                  <p:stCondLst>
-                                    <p:cond delay="0"/>
-                                  </p:stCondLst>
-                                  <p:childTnLst>
-                                    <p:set>
-                                      <p:cBhvr>
-                                        <p:cTn id="10" dur="1" fill="hold">
-                                          <p:stCondLst>
-                                            <p:cond delay="0"/>
-                                          </p:stCondLst>
-                                        </p:cTn>
-                                        <p:tgtEl>
-                                          <p:spTgt spid="3">
-                                            <p:txEl>
-                                              <p:pRg st="1" end="1"/>
-                                            </p:txEl>
-                                          </p:spTgt>
-                                        </p:tgtEl>
-                                        <p:attrNameLst>
-                                          <p:attrName>style.visibility</p:attrName>
-                                        </p:attrNameLst>
-                                      </p:cBhvr>
-                                      <p:to>
-                                        <p:strVal val="visible"/>
-                                      </p:to>
-                                    </p:set>
-                                  </p:childTnLst>
-                                </p:cTn>
-                              </p:par>
-                              <p:par>
-                                <p:cTn id="11" presetID="1" presetClass="entr" presetSubtype="0" fill="hold" grpId="0" nodeType="withEffect">
-                                  <p:stCondLst>
-                                    <p:cond delay="0"/>
-                                  </p:stCondLst>
-                                  <p:childTnLst>
-                                    <p:set>
-                                      <p:cBhvr>
-                                        <p:cTn id="12" dur="1" fill="hold">
-                                          <p:stCondLst>
-                                            <p:cond delay="0"/>
-                                          </p:stCondLst>
-                                        </p:cTn>
-                                        <p:tgtEl>
-                                          <p:spTgt spid="3">
-                                            <p:txEl>
-                                              <p:pRg st="2" end="2"/>
-                                            </p:txEl>
-                                          </p:spTgt>
-                                        </p:tgtEl>
-                                        <p:attrNameLst>
-                                          <p:attrName>style.visibility</p:attrName>
-                                        </p:attrNameLst>
-                                      </p:cBhvr>
-                                      <p:to>
-                                        <p:strVal val="visible"/>
-                                      </p:to>
-                                    </p:set>
-                                  </p:childTnLst>
-                                </p:cTn>
-                              </p:par>
-                              <p:par>
-                                <p:cTn id="13" presetID="1" presetClass="entr" presetSubtype="0" fill="hold" grpId="0" nodeType="withEffect">
-                                  <p:stCondLst>
-                                    <p:cond delay="0"/>
-                                  </p:stCondLst>
-                                  <p:childTnLst>
-                                    <p:set>
-                                      <p:cBhvr>
-                                        <p:cTn id="14" dur="1" fill="hold">
-                                          <p:stCondLst>
-                                            <p:cond delay="0"/>
-                                          </p:stCondLst>
-                                        </p:cTn>
-                                        <p:tgtEl>
-                                          <p:spTgt spid="3">
-                                            <p:txEl>
-                                              <p:pRg st="3" end="3"/>
-                                            </p:txEl>
-                                          </p:spTgt>
-                                        </p:tgtEl>
-                                        <p:attrNameLst>
-                                          <p:attrName>style.visibility</p:attrName>
-                                        </p:attrNameLst>
-                                      </p:cBhvr>
-                                      <p:to>
-                                        <p:strVal val="visible"/>
-                                      </p:to>
-                                    </p:set>
-                                  </p:childTnLst>
-                                </p:cTn>
-                              </p:par>
-                              <p:par>
-                                <p:cTn id="15" presetID="1" presetClass="entr" presetSubtype="0" fill="hold" grpId="0" nodeType="withEffect">
-                                  <p:stCondLst>
-                                    <p:cond delay="0"/>
-                                  </p:stCondLst>
-                                  <p:childTnLst>
-                                    <p:set>
-                                      <p:cBhvr>
-                                        <p:cTn id="16" dur="1" fill="hold">
-                                          <p:stCondLst>
-                                            <p:cond delay="0"/>
-                                          </p:stCondLst>
-                                        </p:cTn>
-                                        <p:tgtEl>
-                                          <p:spTgt spid="3">
-                                            <p:txEl>
-                                              <p:pRg st="4" end="4"/>
-                                            </p:txEl>
-                                          </p:spTgt>
-                                        </p:tgtEl>
-                                        <p:attrNameLst>
-                                          <p:attrName>style.visibility</p:attrName>
-                                        </p:attrNameLst>
-                                      </p:cBhvr>
-                                      <p:to>
-                                        <p:strVal val="visible"/>
-                                      </p:to>
-                                    </p:set>
-                                  </p:childTnLst>
-                                </p:cTn>
-                              </p:par>
-                            </p:childTnLst>
-                          </p:cTn>
-                        </p:par>
-                      </p:childTnLst>
-                    </p:cTn>
-                  </p:par>
-                  <p:par>
-                    <p:cTn id="17" fill="hold">
-                      <p:stCondLst>
-                        <p:cond delay="indefinite"/>
-                      </p:stCondLst>
-                      <p:childTnLst>
-                        <p:par>
-                          <p:cTn id="18" fill="hold">
-                            <p:stCondLst>
-                              <p:cond delay="0"/>
-                            </p:stCondLst>
-                            <p:childTnLst>
-                              <p:par>
-                                <p:cTn id="19" presetID="1" presetClass="entr" presetSubtype="0" fill="hold" grpId="0" nodeType="clickEffect">
-                                  <p:stCondLst>
-                                    <p:cond delay="0"/>
-                                  </p:stCondLst>
-                                  <p:childTnLst>
-                                    <p:set>
-                                      <p:cBhvr>
-                                        <p:cTn id="20" dur="1" fill="hold">
-                                          <p:stCondLst>
-                                            <p:cond delay="0"/>
-                                          </p:stCondLst>
-                                        </p:cTn>
-                                        <p:tgtEl>
-                                          <p:spTgt spid="3">
-                                            <p:txEl>
-                                              <p:pRg st="5" end="5"/>
-                                            </p:txEl>
-                                          </p:spTgt>
-                                        </p:tgtEl>
-                                        <p:attrNameLst>
-                                          <p:attrName>style.visibility</p:attrName>
-                                        </p:attrNameLst>
-                                      </p:cBhvr>
-                                      <p:to>
-                                        <p:strVal val="visible"/>
-                                      </p:to>
-                                    </p:set>
-                                  </p:childTnLst>
-                                </p:cTn>
-                              </p:par>
-                            </p:childTnLst>
-                          </p:cTn>
-                        </p:par>
-                      </p:childTnLst>
-                    </p:cTn>
-                  </p:par>
-                  <p:par>
-                    <p:cTn id="21" fill="hold">
-                      <p:stCondLst>
-                        <p:cond delay="indefinite"/>
-                      </p:stCondLst>
-                      <p:childTnLst>
-                        <p:par>
-                          <p:cTn id="22" fill="hold">
-                            <p:stCondLst>
-                              <p:cond delay="0"/>
-                            </p:stCondLst>
-                            <p:childTnLst>
-                              <p:par>
-                                <p:cTn id="23" presetID="1" presetClass="entr" presetSubtype="0" fill="hold" grpId="0" nodeType="clickEffect">
-                                  <p:stCondLst>
-                                    <p:cond delay="0"/>
-                                  </p:stCondLst>
-                                  <p:childTnLst>
-                                    <p:set>
-                                      <p:cBhvr>
-                                        <p:cTn id="24" dur="1" fill="hold">
-                                          <p:stCondLst>
-                                            <p:cond delay="0"/>
-                                          </p:stCondLst>
-                                        </p:cTn>
-                                        <p:tgtEl>
-                                          <p:spTgt spid="3">
-                                            <p:txEl>
-                                              <p:pRg st="6" end="6"/>
-                                            </p:txEl>
-                                          </p:spTgt>
-                                        </p:tgtEl>
-                                        <p:attrNameLst>
-                                          <p:attrName>style.visibility</p:attrName>
-                                        </p:attrNameLst>
-                                      </p:cBhvr>
-                                      <p:to>
-                                        <p:strVal val="visible"/>
-                                      </p:to>
-                                    </p:set>
-                                  </p:childTnLst>
-                                </p:cTn>
-                              </p:par>
-                            </p:childTnLst>
-                          </p:cTn>
-                        </p:par>
-                      </p:childTnLst>
-                    </p:cTn>
-                  </p:par>
-                  <p:par>
-                    <p:cTn id="25" fill="hold">
-                      <p:stCondLst>
-                        <p:cond delay="indefinite"/>
-                      </p:stCondLst>
-                      <p:childTnLst>
-                        <p:par>
-                          <p:cTn id="26" fill="hold">
-                            <p:stCondLst>
-                              <p:cond delay="0"/>
-                            </p:stCondLst>
-                            <p:childTnLst>
-                              <p:par>
-                                <p:cTn id="27" presetID="1" presetClass="entr" presetSubtype="0" fill="hold" grpId="0" nodeType="clickEffect">
-                                  <p:stCondLst>
-                                    <p:cond delay="0"/>
-                                  </p:stCondLst>
-                                  <p:childTnLst>
-                                    <p:set>
-                                      <p:cBhvr>
-                                        <p:cTn id="28" dur="1" fill="hold">
-                                          <p:stCondLst>
-                                            <p:cond delay="0"/>
-                                          </p:stCondLst>
-                                        </p:cTn>
-                                        <p:tgtEl>
-                                          <p:spTgt spid="3">
-                                            <p:txEl>
-                                              <p:pRg st="7" end="7"/>
-                                            </p:txEl>
-                                          </p:spTgt>
-                                        </p:tgtEl>
-                                        <p:attrNameLst>
-                                          <p:attrName>style.visibility</p:attrName>
-                                        </p:attrNameLst>
-                                      </p:cBhvr>
-                                      <p:to>
-                                        <p:strVal val="visible"/>
-                                      </p:to>
-                                    </p:set>
-                                  </p:childTnLst>
-                                </p:cTn>
-                              </p:par>
-                            </p:childTnLst>
-                          </p:cTn>
-                        </p:par>
-                      </p:childTnLst>
-                    </p:cTn>
-                  </p:par>
-                </p:childTnLst>
-              </p:cTn>
-              <p:prevCondLst>
-                <p:cond evt="onPrev" delay="0">
-                  <p:tgtEl>
-                    <p:sldTgt/>
-                  </p:tgtEl>
-                </p:cond>
-              </p:prevCondLst>
-              <p:nextCondLst>
-                <p:cond evt="onNext" delay="0">
-                  <p:tgtEl>
-                    <p:sldTgt/>
-                  </p:tgtEl>
-                </p:cond>
-              </p:nextCondLst>
-            </p:seq>
-          </p:childTnLst>
-        </p:cTn>
-      </p:par>
-    </p:tnLst>
-    <p:bldLst>
-      <p:bldP spid="3" grpId="0" build="p"/>
-    </p:bldLst>
-  </p:timing>
-</p:sld>
-</file>
-
-<file path=ppt/slides/slide20.xml><?xml version="1.0" encoding="utf-8"?>
-<p:sld xmlns:a="http://schemas.openxmlformats.org/drawingml/2006/main" xmlns:r="http://schemas.openxmlformats.org/officeDocument/2006/relationships" xmlns:p="http://schemas.openxmlformats.org/presentationml/2006/main">
-  <p:cSld>
-    <p:spTree>
-      <p:nvGrpSpPr>
-        <p:cNvPr id="1" name=""/>
-        <p:cNvGrpSpPr/>
-        <p:nvPr/>
-      </p:nvGrpSpPr>
-      <p:grpSpPr>
-        <a:xfrm>
-          <a:off x="0" y="0"/>
-          <a:ext cx="0" cy="0"/>
-          <a:chOff x="0" y="0"/>
-          <a:chExt cx="0" cy="0"/>
-        </a:xfrm>
-      </p:grpSpPr>
-      <p:sp>
-        <p:nvSpPr>
-          <p:cNvPr id="2" name="Title 1">
-            <a:extLst>
-              <a:ext uri="{FF2B5EF4-FFF2-40B4-BE49-F238E27FC236}">
-                <a16:creationId xmlns:a16="http://schemas.microsoft.com/office/drawing/2014/main" id="{DA332A10-41A5-9895-0B16-ACEA70293288}"/>
-              </a:ext>
-            </a:extLst>
-          </p:cNvPr>
-          <p:cNvSpPr>
-            <a:spLocks noGrp="1"/>
-          </p:cNvSpPr>
-          <p:nvPr>
-            <p:ph type="title"/>
-          </p:nvPr>
-        </p:nvSpPr>
-        <p:spPr/>
-        <p:txBody>
-          <a:bodyPr/>
-          <a:lstStyle/>
-          <a:p>
-            <a:r>
-              <a:rPr lang="en-GB" dirty="0"/>
-              <a:t>Quiz: Dining Lawyers III</a:t>
-            </a:r>
-            <a:endParaRPr lang="en-SE" dirty="0"/>
-          </a:p>
-        </p:txBody>
-      </p:sp>
-      <p:sp>
-        <p:nvSpPr>
-          <p:cNvPr id="3" name="Content Placeholder 2">
-            <a:extLst>
-              <a:ext uri="{FF2B5EF4-FFF2-40B4-BE49-F238E27FC236}">
-                <a16:creationId xmlns:a16="http://schemas.microsoft.com/office/drawing/2014/main" id="{E9304C07-65AC-81BF-04CE-B8BAC4C0342A}"/>
-              </a:ext>
-            </a:extLst>
-          </p:cNvPr>
-          <p:cNvSpPr>
-            <a:spLocks noGrp="1"/>
-          </p:cNvSpPr>
-          <p:nvPr>
-            <p:ph idx="1"/>
-          </p:nvPr>
-        </p:nvSpPr>
-        <p:spPr/>
-        <p:txBody>
-          <a:bodyPr>
-            <a:normAutofit lnSpcReduction="10000"/>
-          </a:bodyPr>
-          <a:lstStyle/>
-          <a:p>
-            <a:r>
-              <a:rPr lang="en-GB" dirty="0"/>
-              <a:t>If each lawyer has 4 arms, and there is a pile of knives and forks at </a:t>
-            </a:r>
-            <a:r>
-              <a:rPr lang="en-GB" dirty="0" err="1"/>
-              <a:t>center</a:t>
-            </a:r>
-            <a:r>
-              <a:rPr lang="en-GB" dirty="0"/>
-              <a:t> of the table. Assume there are at least 2 knives and 2 forks, so at least one lawyer can eat. Each lawyer follows the following steps:</a:t>
-            </a:r>
-          </a:p>
-          <a:p>
-            <a:pPr lvl="1"/>
-            <a:r>
-              <a:rPr lang="en-GB" dirty="0"/>
-              <a:t>(1) Pick up a knife </a:t>
-            </a:r>
-          </a:p>
-          <a:p>
-            <a:pPr lvl="1"/>
-            <a:r>
-              <a:rPr lang="en-GB" dirty="0"/>
-              <a:t>(2) Pick up another knife</a:t>
-            </a:r>
-          </a:p>
-          <a:p>
-            <a:pPr lvl="1"/>
-            <a:r>
-              <a:rPr lang="en-GB" dirty="0"/>
-              <a:t>(3) Pick up a fork </a:t>
-            </a:r>
-          </a:p>
-          <a:p>
-            <a:pPr lvl="1"/>
-            <a:r>
-              <a:rPr lang="en-GB" dirty="0"/>
-              <a:t>(4) Pick up another fork</a:t>
-            </a:r>
-          </a:p>
-          <a:p>
-            <a:pPr lvl="1"/>
-            <a:r>
-              <a:rPr lang="en-GB" dirty="0"/>
-              <a:t>(5) Eat</a:t>
-            </a:r>
-          </a:p>
-          <a:p>
-            <a:pPr lvl="1"/>
-            <a:r>
-              <a:rPr lang="en-GB" dirty="0"/>
-              <a:t>(6) Return the knife and fork to the pile </a:t>
-            </a:r>
-          </a:p>
-          <a:p>
-            <a:r>
-              <a:rPr lang="en-GB" dirty="0"/>
-              <a:t>Q1: Can the system be deadlocked?</a:t>
-            </a:r>
-          </a:p>
-          <a:p>
-            <a:r>
-              <a:rPr lang="en-GB" dirty="0"/>
-              <a:t>Q2: What if each lawyer may have a different number of arms, and may request a different ratio of knives vs. forks?</a:t>
-            </a:r>
-          </a:p>
-        </p:txBody>
-      </p:sp>
-    </p:spTree>
-    <p:extLst>
-      <p:ext uri="{BB962C8B-B14F-4D97-AF65-F5344CB8AC3E}">
-        <p14:creationId xmlns:p14="http://schemas.microsoft.com/office/powerpoint/2010/main" val="2996913365"/>
-      </p:ext>
-    </p:extLst>
-  </p:cSld>
-  <p:clrMapOvr>
-    <a:masterClrMapping/>
-  </p:clrMapOvr>
-  <p:transition/>
-</p:sld>
-</file>
-
-<file path=ppt/slides/slide21.xml><?xml version="1.0" encoding="utf-8"?>
-<p:sld xmlns:a="http://schemas.openxmlformats.org/drawingml/2006/main" xmlns:r="http://schemas.openxmlformats.org/officeDocument/2006/relationships" xmlns:p="http://schemas.openxmlformats.org/presentationml/2006/main">
-  <p:cSld>
-    <p:spTree>
-      <p:nvGrpSpPr>
-        <p:cNvPr id="1" name=""/>
-        <p:cNvGrpSpPr/>
-        <p:nvPr/>
-      </p:nvGrpSpPr>
-      <p:grpSpPr>
-        <a:xfrm>
-          <a:off x="0" y="0"/>
-          <a:ext cx="0" cy="0"/>
-          <a:chOff x="0" y="0"/>
-          <a:chExt cx="0" cy="0"/>
-        </a:xfrm>
-      </p:grpSpPr>
-      <p:sp>
-        <p:nvSpPr>
-          <p:cNvPr id="2" name="Title 1">
-            <a:extLst>
-              <a:ext uri="{FF2B5EF4-FFF2-40B4-BE49-F238E27FC236}">
-                <a16:creationId xmlns:a16="http://schemas.microsoft.com/office/drawing/2014/main" id="{D1A1E3C6-DB30-A1E9-DFCA-C0DB035A3476}"/>
-              </a:ext>
-            </a:extLst>
-          </p:cNvPr>
-          <p:cNvSpPr>
-            <a:spLocks noGrp="1"/>
-          </p:cNvSpPr>
-          <p:nvPr>
-            <p:ph type="title"/>
-          </p:nvPr>
-        </p:nvSpPr>
-        <p:spPr/>
-        <p:txBody>
-          <a:bodyPr/>
-          <a:lstStyle/>
-          <a:p>
-            <a:r>
-              <a:rPr lang="en-GB" dirty="0"/>
-              <a:t>Quiz: Dining Lawyers III Answer</a:t>
-            </a:r>
-            <a:endParaRPr lang="en-SE" dirty="0"/>
-          </a:p>
-        </p:txBody>
-      </p:sp>
-      <p:sp>
-        <p:nvSpPr>
-          <p:cNvPr id="3" name="Content Placeholder 2">
-            <a:extLst>
-              <a:ext uri="{FF2B5EF4-FFF2-40B4-BE49-F238E27FC236}">
-                <a16:creationId xmlns:a16="http://schemas.microsoft.com/office/drawing/2014/main" id="{C424F860-A329-4AAB-E4E1-43E329EB1652}"/>
-              </a:ext>
-            </a:extLst>
-          </p:cNvPr>
-          <p:cNvSpPr>
-            <a:spLocks noGrp="1"/>
-          </p:cNvSpPr>
-          <p:nvPr>
-            <p:ph idx="1"/>
-          </p:nvPr>
-        </p:nvSpPr>
-        <p:spPr>
-          <a:xfrm>
-            <a:off x="189706" y="914400"/>
-            <a:ext cx="6159103" cy="5791200"/>
-          </a:xfrm>
-        </p:spPr>
-        <p:txBody>
-          <a:bodyPr>
-            <a:normAutofit fontScale="77500" lnSpcReduction="20000"/>
-          </a:bodyPr>
-          <a:lstStyle/>
-          <a:p>
-            <a:r>
-              <a:rPr lang="en-GB" dirty="0"/>
-              <a:t>ANS1: Yes, since requests for each resource type (knife or fork) are not granted atomically. Need Banker’s algorithm to detect (potential) deadlocks.</a:t>
-            </a:r>
-          </a:p>
-          <a:p>
-            <a:r>
-              <a:rPr lang="en-GB" dirty="0"/>
-              <a:t>Consider 2 lawyers, and a total of 2 knives and 2 forks available. If each lawyer picks up a knife, the system is deadlocked.</a:t>
-            </a:r>
-          </a:p>
-          <a:p>
-            <a:r>
-              <a:rPr lang="en-GB" dirty="0"/>
-              <a:t>Recall: “Define a total order of resources; If a thread holds  certain resources, it can subsequently request only resources that follow the types of held resources in the total order.” Since all knives are the same and not numbered, you cannot form a total order like “request knife 1 before knife 2”. If a lawyer requests a knife while holding a knife, there may be circular waiting.</a:t>
-            </a:r>
-          </a:p>
-          <a:p>
-            <a:r>
-              <a:rPr lang="en-GB" dirty="0"/>
-              <a:t>ANS2: The solution is basically the same, except implementation of Banker’s algorithm needs to take into account this factor, e.g., have an array of variables </a:t>
-            </a:r>
-            <a:r>
-              <a:rPr lang="en-GB" dirty="0" err="1"/>
-              <a:t>NumArms</a:t>
-            </a:r>
-            <a:r>
-              <a:rPr lang="en-GB" dirty="0"/>
-              <a:t>[] instead of a single variable </a:t>
-            </a:r>
-            <a:r>
-              <a:rPr lang="en-GB" dirty="0" err="1"/>
-              <a:t>NumArms</a:t>
-            </a:r>
-            <a:r>
-              <a:rPr lang="en-GB" dirty="0"/>
-              <a:t>, and so on.</a:t>
-            </a:r>
-          </a:p>
-          <a:p>
-            <a:endParaRPr lang="en-GB" dirty="0"/>
-          </a:p>
-        </p:txBody>
-      </p:sp>
-      <p:sp>
-        <p:nvSpPr>
-          <p:cNvPr id="4" name="Oval 4">
-            <a:extLst>
-              <a:ext uri="{FF2B5EF4-FFF2-40B4-BE49-F238E27FC236}">
-                <a16:creationId xmlns:a16="http://schemas.microsoft.com/office/drawing/2014/main" id="{703F310A-3C49-FA35-FE37-A4B233EFCBCA}"/>
-              </a:ext>
-            </a:extLst>
-          </p:cNvPr>
-          <p:cNvSpPr>
-            <a:spLocks noChangeArrowheads="1"/>
-          </p:cNvSpPr>
-          <p:nvPr/>
-        </p:nvSpPr>
-        <p:spPr bwMode="auto">
-          <a:xfrm>
-            <a:off x="7225329" y="2528888"/>
-            <a:ext cx="811212" cy="752475"/>
-          </a:xfrm>
-          <a:prstGeom prst="ellipse">
-            <a:avLst/>
-          </a:prstGeom>
-          <a:solidFill>
-            <a:schemeClr val="bg1"/>
-          </a:solidFill>
-          <a:ln w="38100" algn="ctr">
-            <a:solidFill>
-              <a:schemeClr val="tx1"/>
-            </a:solidFill>
-            <a:round/>
-            <a:headEnd/>
-            <a:tailEnd/>
-          </a:ln>
-        </p:spPr>
-        <p:txBody>
-          <a:bodyPr wrap="none" anchor="ctr"/>
-          <a:lstStyle/>
-          <a:p>
-            <a:pPr algn="ctr"/>
-            <a:r>
-              <a:rPr lang="en-US" altLang="zh-CN" b="0">
-                <a:solidFill>
-                  <a:srgbClr val="000000"/>
-                </a:solidFill>
-                <a:latin typeface="Times New Roman" pitchFamily="18" charset="0"/>
-                <a:ea typeface="宋体" charset="-122"/>
-                <a:cs typeface="+mn-cs"/>
-              </a:rPr>
-              <a:t>P1</a:t>
-            </a:r>
-          </a:p>
-        </p:txBody>
-      </p:sp>
-      <p:sp>
-        <p:nvSpPr>
-          <p:cNvPr id="5" name="Oval 6">
-            <a:extLst>
-              <a:ext uri="{FF2B5EF4-FFF2-40B4-BE49-F238E27FC236}">
-                <a16:creationId xmlns:a16="http://schemas.microsoft.com/office/drawing/2014/main" id="{16712572-E31F-98DA-B7EC-B243DE172D5E}"/>
-              </a:ext>
-            </a:extLst>
-          </p:cNvPr>
-          <p:cNvSpPr>
-            <a:spLocks noChangeArrowheads="1"/>
-          </p:cNvSpPr>
-          <p:nvPr/>
-        </p:nvSpPr>
-        <p:spPr bwMode="auto">
-          <a:xfrm>
-            <a:off x="10641629" y="2528888"/>
-            <a:ext cx="811212" cy="752475"/>
-          </a:xfrm>
-          <a:prstGeom prst="ellipse">
-            <a:avLst/>
-          </a:prstGeom>
-          <a:solidFill>
-            <a:schemeClr val="bg1"/>
-          </a:solidFill>
-          <a:ln w="38100" algn="ctr">
-            <a:solidFill>
-              <a:schemeClr val="tx1"/>
-            </a:solidFill>
-            <a:round/>
-            <a:headEnd/>
-            <a:tailEnd/>
-          </a:ln>
-        </p:spPr>
-        <p:txBody>
-          <a:bodyPr wrap="none" anchor="ctr"/>
-          <a:lstStyle/>
-          <a:p>
-            <a:pPr algn="ctr"/>
-            <a:r>
-              <a:rPr lang="en-US" altLang="zh-CN" b="0">
-                <a:solidFill>
-                  <a:srgbClr val="000000"/>
-                </a:solidFill>
-                <a:latin typeface="Times New Roman" pitchFamily="18" charset="0"/>
-                <a:ea typeface="宋体" charset="-122"/>
-                <a:cs typeface="+mn-cs"/>
-              </a:rPr>
-              <a:t>P2</a:t>
-            </a:r>
-          </a:p>
-        </p:txBody>
-      </p:sp>
-      <p:sp>
-        <p:nvSpPr>
-          <p:cNvPr id="6" name="Rectangle 7">
-            <a:extLst>
-              <a:ext uri="{FF2B5EF4-FFF2-40B4-BE49-F238E27FC236}">
-                <a16:creationId xmlns:a16="http://schemas.microsoft.com/office/drawing/2014/main" id="{3D507504-CBE5-35C9-D9EE-43D108EBE673}"/>
-              </a:ext>
-            </a:extLst>
-          </p:cNvPr>
-          <p:cNvSpPr>
-            <a:spLocks noChangeArrowheads="1"/>
-          </p:cNvSpPr>
-          <p:nvPr/>
-        </p:nvSpPr>
-        <p:spPr bwMode="auto">
-          <a:xfrm>
-            <a:off x="8758854" y="3490913"/>
-            <a:ext cx="982662" cy="930275"/>
-          </a:xfrm>
-          <a:prstGeom prst="rect">
-            <a:avLst/>
-          </a:prstGeom>
-          <a:solidFill>
-            <a:schemeClr val="bg1"/>
-          </a:solidFill>
-          <a:ln w="38100" algn="ctr">
-            <a:solidFill>
-              <a:schemeClr val="tx1"/>
-            </a:solidFill>
-            <a:miter lim="800000"/>
-            <a:headEnd/>
-            <a:tailEnd/>
-          </a:ln>
-        </p:spPr>
-        <p:txBody>
-          <a:bodyPr wrap="none" anchor="ctr"/>
-          <a:lstStyle/>
-          <a:p>
-            <a:pPr algn="ctr"/>
-            <a:r>
-              <a:rPr lang="en-US" altLang="zh-CN" b="0" dirty="0">
-                <a:solidFill>
-                  <a:srgbClr val="000000"/>
-                </a:solidFill>
-                <a:latin typeface="Times New Roman" pitchFamily="18" charset="0"/>
-                <a:ea typeface="宋体" charset="-122"/>
-                <a:cs typeface="+mn-cs"/>
-              </a:rPr>
-              <a:t>1 knife</a:t>
-            </a:r>
-          </a:p>
-        </p:txBody>
-      </p:sp>
-      <p:sp>
-        <p:nvSpPr>
-          <p:cNvPr id="7" name="Rectangle 9">
-            <a:extLst>
-              <a:ext uri="{FF2B5EF4-FFF2-40B4-BE49-F238E27FC236}">
-                <a16:creationId xmlns:a16="http://schemas.microsoft.com/office/drawing/2014/main" id="{F34144E5-E9DA-F3D7-2A7B-F188FAE92E83}"/>
-              </a:ext>
-            </a:extLst>
-          </p:cNvPr>
-          <p:cNvSpPr>
-            <a:spLocks noChangeArrowheads="1"/>
-          </p:cNvSpPr>
-          <p:nvPr/>
-        </p:nvSpPr>
-        <p:spPr bwMode="auto">
-          <a:xfrm>
-            <a:off x="8638204" y="1752600"/>
-            <a:ext cx="984250" cy="949325"/>
-          </a:xfrm>
-          <a:prstGeom prst="rect">
-            <a:avLst/>
-          </a:prstGeom>
-          <a:solidFill>
-            <a:schemeClr val="bg1"/>
-          </a:solidFill>
-          <a:ln w="38100" algn="ctr">
-            <a:solidFill>
-              <a:schemeClr val="tx1"/>
-            </a:solidFill>
-            <a:miter lim="800000"/>
-            <a:headEnd/>
-            <a:tailEnd/>
-          </a:ln>
-        </p:spPr>
-        <p:txBody>
-          <a:bodyPr wrap="none" anchor="ctr"/>
-          <a:lstStyle/>
-          <a:p>
-            <a:pPr algn="ctr"/>
-            <a:r>
-              <a:rPr lang="en-US" altLang="zh-CN" b="0" dirty="0">
-                <a:solidFill>
-                  <a:srgbClr val="000000"/>
-                </a:solidFill>
-                <a:latin typeface="Times New Roman" pitchFamily="18" charset="0"/>
-                <a:ea typeface="宋体" charset="-122"/>
-                <a:cs typeface="+mn-cs"/>
-              </a:rPr>
-              <a:t>1 knife</a:t>
-            </a:r>
-          </a:p>
-        </p:txBody>
-      </p:sp>
-      <p:sp>
-        <p:nvSpPr>
-          <p:cNvPr id="8" name="Line 10">
-            <a:extLst>
-              <a:ext uri="{FF2B5EF4-FFF2-40B4-BE49-F238E27FC236}">
-                <a16:creationId xmlns:a16="http://schemas.microsoft.com/office/drawing/2014/main" id="{DF90F4A2-F8CC-F423-99BF-7A2E08F208D9}"/>
-              </a:ext>
-            </a:extLst>
-          </p:cNvPr>
-          <p:cNvSpPr>
-            <a:spLocks noChangeShapeType="1"/>
-          </p:cNvSpPr>
-          <p:nvPr/>
-        </p:nvSpPr>
-        <p:spPr bwMode="auto">
-          <a:xfrm>
-            <a:off x="7863504" y="3281363"/>
-            <a:ext cx="895350" cy="674687"/>
-          </a:xfrm>
-          <a:prstGeom prst="line">
-            <a:avLst/>
-          </a:prstGeom>
-          <a:noFill/>
-          <a:ln w="38100">
-            <a:solidFill>
-              <a:schemeClr val="tx1"/>
-            </a:solidFill>
-            <a:round/>
-            <a:headEnd/>
-            <a:tailEnd type="triangle" w="med" len="med"/>
-          </a:ln>
-        </p:spPr>
-        <p:txBody>
-          <a:bodyPr wrap="none" anchor="ctr"/>
-          <a:lstStyle/>
-          <a:p>
-            <a:pPr algn="ctr"/>
-            <a:endParaRPr lang="zh-CN" altLang="en-US" b="0">
-              <a:solidFill>
-                <a:srgbClr val="000000"/>
-              </a:solidFill>
-              <a:latin typeface="Times New Roman" pitchFamily="18" charset="0"/>
-              <a:ea typeface="+mn-ea"/>
-              <a:cs typeface="+mn-cs"/>
-            </a:endParaRPr>
-          </a:p>
-        </p:txBody>
-      </p:sp>
-      <p:sp>
-        <p:nvSpPr>
-          <p:cNvPr id="9" name="Line 11">
-            <a:extLst>
-              <a:ext uri="{FF2B5EF4-FFF2-40B4-BE49-F238E27FC236}">
-                <a16:creationId xmlns:a16="http://schemas.microsoft.com/office/drawing/2014/main" id="{12DD28F7-BB0C-A96C-54A3-C0316DF68033}"/>
-              </a:ext>
-            </a:extLst>
-          </p:cNvPr>
-          <p:cNvSpPr>
-            <a:spLocks noChangeShapeType="1"/>
-          </p:cNvSpPr>
-          <p:nvPr/>
-        </p:nvSpPr>
-        <p:spPr bwMode="auto">
-          <a:xfrm flipV="1">
-            <a:off x="9344642" y="3281363"/>
-            <a:ext cx="1482725" cy="860425"/>
-          </a:xfrm>
-          <a:prstGeom prst="line">
-            <a:avLst/>
-          </a:prstGeom>
-          <a:noFill/>
-          <a:ln w="38100">
-            <a:solidFill>
-              <a:schemeClr val="tx1"/>
-            </a:solidFill>
-            <a:round/>
-            <a:headEnd type="oval" w="lg" len="lg"/>
-            <a:tailEnd type="triangle" w="med" len="med"/>
-          </a:ln>
-        </p:spPr>
-        <p:txBody>
-          <a:bodyPr wrap="none" anchor="ctr"/>
-          <a:lstStyle/>
-          <a:p>
-            <a:pPr algn="ctr"/>
-            <a:endParaRPr lang="zh-CN" altLang="en-US" b="0">
-              <a:solidFill>
-                <a:srgbClr val="000000"/>
-              </a:solidFill>
-              <a:latin typeface="Times New Roman" pitchFamily="18" charset="0"/>
-              <a:ea typeface="+mn-ea"/>
-              <a:cs typeface="+mn-cs"/>
-            </a:endParaRPr>
-          </a:p>
-        </p:txBody>
-      </p:sp>
-      <p:sp>
-        <p:nvSpPr>
-          <p:cNvPr id="10" name="Text Box 12">
-            <a:extLst>
-              <a:ext uri="{FF2B5EF4-FFF2-40B4-BE49-F238E27FC236}">
-                <a16:creationId xmlns:a16="http://schemas.microsoft.com/office/drawing/2014/main" id="{45E8F91C-B88A-8B64-D6B0-29262B733B28}"/>
-              </a:ext>
-            </a:extLst>
-          </p:cNvPr>
-          <p:cNvSpPr txBox="1">
-            <a:spLocks noChangeArrowheads="1"/>
-          </p:cNvSpPr>
-          <p:nvPr/>
-        </p:nvSpPr>
-        <p:spPr bwMode="auto">
-          <a:xfrm>
-            <a:off x="10028060" y="3576285"/>
-            <a:ext cx="2163940" cy="646331"/>
-          </a:xfrm>
-          <a:prstGeom prst="rect">
-            <a:avLst/>
-          </a:prstGeom>
-          <a:noFill/>
-          <a:ln w="38100" algn="ctr">
-            <a:noFill/>
-            <a:miter lim="800000"/>
-            <a:headEnd/>
-            <a:tailEnd/>
-          </a:ln>
-        </p:spPr>
-        <p:txBody>
-          <a:bodyPr wrap="square">
-            <a:spAutoFit/>
-          </a:bodyPr>
-          <a:lstStyle/>
-          <a:p>
-            <a:pPr algn="ctr">
-              <a:spcBef>
-                <a:spcPct val="50000"/>
-              </a:spcBef>
-            </a:pPr>
-            <a:r>
-              <a:rPr lang="en-US" altLang="zh-CN" b="0" dirty="0">
-                <a:solidFill>
-                  <a:srgbClr val="000000"/>
-                </a:solidFill>
-                <a:latin typeface="Times New Roman" pitchFamily="18" charset="0"/>
-                <a:ea typeface="宋体" charset="-122"/>
-                <a:cs typeface="+mn-cs"/>
-              </a:rPr>
-              <a:t>Resource 1 (a knife) held by Thread 2</a:t>
-            </a:r>
-          </a:p>
-        </p:txBody>
-      </p:sp>
-      <p:sp>
-        <p:nvSpPr>
-          <p:cNvPr id="11" name="Line 13">
-            <a:extLst>
-              <a:ext uri="{FF2B5EF4-FFF2-40B4-BE49-F238E27FC236}">
-                <a16:creationId xmlns:a16="http://schemas.microsoft.com/office/drawing/2014/main" id="{91E8F84C-B021-39BC-EB3A-D96505DFC7AA}"/>
-              </a:ext>
-            </a:extLst>
-          </p:cNvPr>
-          <p:cNvSpPr>
-            <a:spLocks noChangeShapeType="1"/>
-          </p:cNvSpPr>
-          <p:nvPr/>
-        </p:nvSpPr>
-        <p:spPr bwMode="auto">
-          <a:xfrm flipH="1" flipV="1">
-            <a:off x="9622455" y="2257424"/>
-            <a:ext cx="1019175" cy="444500"/>
-          </a:xfrm>
-          <a:prstGeom prst="line">
-            <a:avLst/>
-          </a:prstGeom>
-          <a:noFill/>
-          <a:ln w="38100">
-            <a:solidFill>
-              <a:schemeClr val="tx1"/>
-            </a:solidFill>
-            <a:round/>
-            <a:headEnd/>
-            <a:tailEnd type="triangle" w="med" len="med"/>
-          </a:ln>
-        </p:spPr>
-        <p:txBody>
-          <a:bodyPr wrap="none" anchor="ctr"/>
-          <a:lstStyle/>
-          <a:p>
-            <a:pPr algn="ctr"/>
-            <a:endParaRPr lang="zh-CN" altLang="en-US" b="0">
-              <a:solidFill>
-                <a:srgbClr val="000000"/>
-              </a:solidFill>
-              <a:latin typeface="Times New Roman" pitchFamily="18" charset="0"/>
-              <a:ea typeface="+mn-ea"/>
-              <a:cs typeface="+mn-cs"/>
-            </a:endParaRPr>
-          </a:p>
-        </p:txBody>
-      </p:sp>
-      <p:sp>
-        <p:nvSpPr>
-          <p:cNvPr id="12" name="Text Box 14">
-            <a:extLst>
-              <a:ext uri="{FF2B5EF4-FFF2-40B4-BE49-F238E27FC236}">
-                <a16:creationId xmlns:a16="http://schemas.microsoft.com/office/drawing/2014/main" id="{69EC455E-36DB-192E-53C3-D9A561E674AA}"/>
-              </a:ext>
-            </a:extLst>
-          </p:cNvPr>
-          <p:cNvSpPr txBox="1">
-            <a:spLocks noChangeArrowheads="1"/>
-          </p:cNvSpPr>
-          <p:nvPr/>
-        </p:nvSpPr>
-        <p:spPr bwMode="auto">
-          <a:xfrm>
-            <a:off x="9786496" y="1838919"/>
-            <a:ext cx="2479853" cy="646331"/>
-          </a:xfrm>
-          <a:prstGeom prst="rect">
-            <a:avLst/>
-          </a:prstGeom>
-          <a:noFill/>
-          <a:ln w="38100" algn="ctr">
-            <a:noFill/>
-            <a:miter lim="800000"/>
-            <a:headEnd/>
-            <a:tailEnd/>
-          </a:ln>
-        </p:spPr>
-        <p:txBody>
-          <a:bodyPr wrap="square">
-            <a:spAutoFit/>
-          </a:bodyPr>
-          <a:lstStyle/>
-          <a:p>
-            <a:pPr algn="ctr">
-              <a:spcBef>
-                <a:spcPct val="50000"/>
-              </a:spcBef>
-            </a:pPr>
-            <a:r>
-              <a:rPr lang="en-US" altLang="zh-CN" b="0" dirty="0">
-                <a:solidFill>
-                  <a:srgbClr val="000000"/>
-                </a:solidFill>
-                <a:latin typeface="Times New Roman" pitchFamily="18" charset="0"/>
-                <a:ea typeface="宋体" charset="-122"/>
-                <a:cs typeface="+mn-cs"/>
-              </a:rPr>
-              <a:t>Resource 2 (a knife) requested by Thread 2</a:t>
-            </a:r>
-          </a:p>
-        </p:txBody>
-      </p:sp>
-      <p:sp>
-        <p:nvSpPr>
-          <p:cNvPr id="13" name="Oval 15">
-            <a:extLst>
-              <a:ext uri="{FF2B5EF4-FFF2-40B4-BE49-F238E27FC236}">
-                <a16:creationId xmlns:a16="http://schemas.microsoft.com/office/drawing/2014/main" id="{B80A516D-DAD0-86AE-A39D-229A57142B44}"/>
-              </a:ext>
-            </a:extLst>
-          </p:cNvPr>
-          <p:cNvSpPr>
-            <a:spLocks noChangeArrowheads="1"/>
-          </p:cNvSpPr>
-          <p:nvPr/>
-        </p:nvSpPr>
-        <p:spPr bwMode="auto">
-          <a:xfrm>
-            <a:off x="9195417" y="2405063"/>
-            <a:ext cx="149225" cy="123825"/>
-          </a:xfrm>
-          <a:prstGeom prst="ellipse">
-            <a:avLst/>
-          </a:prstGeom>
-          <a:solidFill>
-            <a:srgbClr val="000000"/>
-          </a:solidFill>
-          <a:ln w="38100" algn="ctr">
-            <a:solidFill>
-              <a:schemeClr val="tx1"/>
-            </a:solidFill>
-            <a:round/>
-            <a:headEnd/>
-            <a:tailEnd/>
-          </a:ln>
-        </p:spPr>
-        <p:txBody>
-          <a:bodyPr wrap="none" anchor="ctr"/>
-          <a:lstStyle/>
-          <a:p>
-            <a:pPr algn="ctr"/>
-            <a:endParaRPr lang="en-CA" b="0">
-              <a:solidFill>
-                <a:srgbClr val="000000"/>
-              </a:solidFill>
-              <a:latin typeface="Times New Roman" pitchFamily="18" charset="0"/>
-              <a:ea typeface="+mn-ea"/>
-              <a:cs typeface="+mn-cs"/>
-            </a:endParaRPr>
-          </a:p>
-        </p:txBody>
-      </p:sp>
-      <p:sp>
-        <p:nvSpPr>
-          <p:cNvPr id="14" name="Line 16">
-            <a:extLst>
-              <a:ext uri="{FF2B5EF4-FFF2-40B4-BE49-F238E27FC236}">
-                <a16:creationId xmlns:a16="http://schemas.microsoft.com/office/drawing/2014/main" id="{44550B89-1E13-69B5-318E-A230B79D9B30}"/>
-              </a:ext>
-            </a:extLst>
-          </p:cNvPr>
-          <p:cNvSpPr>
-            <a:spLocks noChangeShapeType="1"/>
-          </p:cNvSpPr>
-          <p:nvPr/>
-        </p:nvSpPr>
-        <p:spPr bwMode="auto">
-          <a:xfrm flipH="1">
-            <a:off x="8036542" y="2528888"/>
-            <a:ext cx="1158875" cy="173037"/>
-          </a:xfrm>
-          <a:prstGeom prst="line">
-            <a:avLst/>
-          </a:prstGeom>
-          <a:noFill/>
-          <a:ln w="38100">
-            <a:solidFill>
-              <a:schemeClr val="tx1"/>
-            </a:solidFill>
-            <a:round/>
-            <a:headEnd/>
-            <a:tailEnd type="triangle" w="med" len="med"/>
-          </a:ln>
-        </p:spPr>
-        <p:txBody>
-          <a:bodyPr wrap="none" anchor="ctr"/>
-          <a:lstStyle/>
-          <a:p>
-            <a:pPr algn="ctr"/>
-            <a:endParaRPr lang="zh-CN" altLang="en-US" b="0">
-              <a:solidFill>
-                <a:srgbClr val="000000"/>
-              </a:solidFill>
-              <a:latin typeface="Times New Roman" pitchFamily="18" charset="0"/>
-              <a:ea typeface="+mn-ea"/>
-              <a:cs typeface="+mn-cs"/>
-            </a:endParaRPr>
-          </a:p>
-        </p:txBody>
-      </p:sp>
-      <p:sp>
-        <p:nvSpPr>
-          <p:cNvPr id="15" name="TextBox 14">
-            <a:extLst>
-              <a:ext uri="{FF2B5EF4-FFF2-40B4-BE49-F238E27FC236}">
-                <a16:creationId xmlns:a16="http://schemas.microsoft.com/office/drawing/2014/main" id="{D5EC7209-87D9-E3E2-487A-86D11079F482}"/>
-              </a:ext>
-            </a:extLst>
-          </p:cNvPr>
-          <p:cNvSpPr txBox="1"/>
-          <p:nvPr/>
-        </p:nvSpPr>
-        <p:spPr>
-          <a:xfrm>
-            <a:off x="7946847" y="4716110"/>
-            <a:ext cx="3711753" cy="1015663"/>
-          </a:xfrm>
-          <a:prstGeom prst="rect">
-            <a:avLst/>
-          </a:prstGeom>
-        </p:spPr>
-        <p:style>
-          <a:lnRef idx="1">
-            <a:schemeClr val="dk1"/>
-          </a:lnRef>
-          <a:fillRef idx="2">
-            <a:schemeClr val="dk1"/>
-          </a:fillRef>
-          <a:effectRef idx="1">
-            <a:schemeClr val="dk1"/>
-          </a:effectRef>
-          <a:fontRef idx="minor">
-            <a:schemeClr val="dk1"/>
-          </a:fontRef>
-        </p:style>
-        <p:txBody>
-          <a:bodyPr wrap="square" rtlCol="0">
-            <a:spAutoFit/>
-          </a:bodyPr>
-          <a:lstStyle/>
-          <a:p>
-            <a:r>
-              <a:rPr lang="en-GB" sz="2000" dirty="0">
-                <a:latin typeface="Gill Sans Light"/>
-              </a:rPr>
-              <a:t>This deadlock scenario is possible under the resource acquisition order: a knife, a knife, a fork, a fork.</a:t>
-            </a:r>
-            <a:endParaRPr lang="en-SE" sz="2000" dirty="0">
-              <a:latin typeface="Gill Sans Light"/>
-            </a:endParaRPr>
-          </a:p>
-        </p:txBody>
-      </p:sp>
-      <p:sp>
-        <p:nvSpPr>
-          <p:cNvPr id="16" name="Text Box 12">
-            <a:extLst>
-              <a:ext uri="{FF2B5EF4-FFF2-40B4-BE49-F238E27FC236}">
-                <a16:creationId xmlns:a16="http://schemas.microsoft.com/office/drawing/2014/main" id="{60E67E28-9013-69AD-295A-774D2B97A885}"/>
-              </a:ext>
-            </a:extLst>
-          </p:cNvPr>
-          <p:cNvSpPr txBox="1">
-            <a:spLocks noChangeArrowheads="1"/>
-          </p:cNvSpPr>
-          <p:nvPr/>
-        </p:nvSpPr>
-        <p:spPr bwMode="auto">
-          <a:xfrm>
-            <a:off x="6107247" y="3576285"/>
-            <a:ext cx="2279913" cy="646331"/>
-          </a:xfrm>
-          <a:prstGeom prst="rect">
-            <a:avLst/>
-          </a:prstGeom>
-          <a:noFill/>
-          <a:ln w="38100" algn="ctr">
-            <a:noFill/>
-            <a:miter lim="800000"/>
-            <a:headEnd/>
-            <a:tailEnd/>
-          </a:ln>
-        </p:spPr>
-        <p:txBody>
-          <a:bodyPr wrap="square">
-            <a:spAutoFit/>
-          </a:bodyPr>
-          <a:lstStyle/>
-          <a:p>
-            <a:pPr algn="ctr">
-              <a:spcBef>
-                <a:spcPct val="50000"/>
-              </a:spcBef>
-            </a:pPr>
-            <a:r>
-              <a:rPr lang="en-US" altLang="zh-CN" b="0" dirty="0">
-                <a:solidFill>
-                  <a:srgbClr val="000000"/>
-                </a:solidFill>
-                <a:latin typeface="Times New Roman" pitchFamily="18" charset="0"/>
-                <a:ea typeface="宋体" charset="-122"/>
-                <a:cs typeface="+mn-cs"/>
-              </a:rPr>
-              <a:t>Resource 1 (a knife) requested by Thread 2</a:t>
-            </a:r>
-          </a:p>
-        </p:txBody>
-      </p:sp>
-      <p:sp>
-        <p:nvSpPr>
-          <p:cNvPr id="17" name="Text Box 14">
-            <a:extLst>
-              <a:ext uri="{FF2B5EF4-FFF2-40B4-BE49-F238E27FC236}">
-                <a16:creationId xmlns:a16="http://schemas.microsoft.com/office/drawing/2014/main" id="{B338ECD2-FFCF-FF7E-AEEB-C7A59593E0CC}"/>
-              </a:ext>
-            </a:extLst>
-          </p:cNvPr>
-          <p:cNvSpPr txBox="1">
-            <a:spLocks noChangeArrowheads="1"/>
-          </p:cNvSpPr>
-          <p:nvPr/>
-        </p:nvSpPr>
-        <p:spPr bwMode="auto">
-          <a:xfrm>
-            <a:off x="6107247" y="1838919"/>
-            <a:ext cx="2184400" cy="646331"/>
-          </a:xfrm>
-          <a:prstGeom prst="rect">
-            <a:avLst/>
-          </a:prstGeom>
-          <a:noFill/>
-          <a:ln w="38100" algn="ctr">
-            <a:noFill/>
-            <a:miter lim="800000"/>
-            <a:headEnd/>
-            <a:tailEnd/>
-          </a:ln>
-        </p:spPr>
-        <p:txBody>
-          <a:bodyPr>
-            <a:spAutoFit/>
-          </a:bodyPr>
-          <a:lstStyle/>
-          <a:p>
-            <a:pPr algn="ctr">
-              <a:spcBef>
-                <a:spcPct val="50000"/>
-              </a:spcBef>
-            </a:pPr>
-            <a:r>
-              <a:rPr lang="en-US" altLang="zh-CN" b="0" dirty="0">
-                <a:solidFill>
-                  <a:srgbClr val="000000"/>
-                </a:solidFill>
-                <a:latin typeface="Times New Roman" pitchFamily="18" charset="0"/>
-                <a:ea typeface="宋体" charset="-122"/>
-                <a:cs typeface="+mn-cs"/>
-              </a:rPr>
-              <a:t>Resource 2 (a knife) held by Thread 2</a:t>
-            </a:r>
-          </a:p>
-        </p:txBody>
-      </p:sp>
-    </p:spTree>
-    <p:extLst>
-      <p:ext uri="{BB962C8B-B14F-4D97-AF65-F5344CB8AC3E}">
-        <p14:creationId xmlns:p14="http://schemas.microsoft.com/office/powerpoint/2010/main" val="3496017273"/>
       </p:ext>
     </p:extLst>
   </p:cSld>

--- a/PPTs/L4-Exercises ANS.pptx
+++ b/PPTs/L4-Exercises ANS.pptx
@@ -218,14 +218,14 @@
           <a:effectLst/>
           <a:extLst>
             <a:ext uri="{909E8E84-426E-40dd-AFC4-6F175D3DCCD1}">
-              <a14:hiddenFill xmlns="" xmlns:a14="http://schemas.microsoft.com/office/drawing/2010/main">
+              <a14:hiddenFill xmlns:a14="http://schemas.microsoft.com/office/drawing/2010/main" xmlns="">
                 <a:solidFill>
                   <a:schemeClr val="bg1"/>
                 </a:solidFill>
               </a14:hiddenFill>
             </a:ext>
             <a:ext uri="{91240B29-F687-4f45-9708-019B960494DF}">
-              <a14:hiddenLine xmlns="" xmlns:a14="http://schemas.microsoft.com/office/drawing/2010/main" w="12700">
+              <a14:hiddenLine xmlns:a14="http://schemas.microsoft.com/office/drawing/2010/main" xmlns="" w="12700">
                 <a:pattFill prst="narHorz">
                   <a:fgClr>
                     <a:schemeClr val="tx1"/>
@@ -240,7 +240,7 @@
               </a14:hiddenLine>
             </a:ext>
             <a:ext uri="{AF507438-7753-43e0-B8FC-AC1667EBCBE1}">
-              <a14:hiddenEffects xmlns="" xmlns:a14="http://schemas.microsoft.com/office/drawing/2010/main">
+              <a14:hiddenEffects xmlns:a14="http://schemas.microsoft.com/office/drawing/2010/main" xmlns="">
                 <a:effectLst>
                   <a:outerShdw dist="35921" dir="2700000" algn="ctr" rotWithShape="0">
                     <a:schemeClr val="bg2"/>
@@ -346,14 +346,14 @@
           <a:effectLst/>
           <a:extLst>
             <a:ext uri="{909E8E84-426E-40dd-AFC4-6F175D3DCCD1}">
-              <a14:hiddenFill xmlns="" xmlns:a14="http://schemas.microsoft.com/office/drawing/2010/main">
+              <a14:hiddenFill xmlns:a14="http://schemas.microsoft.com/office/drawing/2010/main" xmlns="">
                 <a:solidFill>
                   <a:schemeClr val="bg1"/>
                 </a:solidFill>
               </a14:hiddenFill>
             </a:ext>
             <a:ext uri="{91240B29-F687-4f45-9708-019B960494DF}">
-              <a14:hiddenLine xmlns="" xmlns:a14="http://schemas.microsoft.com/office/drawing/2010/main" w="12700">
+              <a14:hiddenLine xmlns:a14="http://schemas.microsoft.com/office/drawing/2010/main" xmlns="" w="12700">
                 <a:pattFill prst="narHorz">
                   <a:fgClr>
                     <a:schemeClr val="tx1"/>
@@ -368,7 +368,7 @@
               </a14:hiddenLine>
             </a:ext>
             <a:ext uri="{AF507438-7753-43e0-B8FC-AC1667EBCBE1}">
-              <a14:hiddenEffects xmlns="" xmlns:a14="http://schemas.microsoft.com/office/drawing/2010/main">
+              <a14:hiddenEffects xmlns:a14="http://schemas.microsoft.com/office/drawing/2010/main" xmlns="">
                 <a:effectLst>
                   <a:outerShdw dist="35921" dir="2700000" algn="ctr" rotWithShape="0">
                     <a:schemeClr val="bg2"/>
@@ -436,17 +436,17 @@
           <a:effectLst/>
           <a:extLst>
             <a:ext uri="{FAA26D3D-D897-4be2-8F04-BA451C77F1D7}">
-              <ma14:placeholderFlag xmlns="" xmlns:ma14="http://schemas.microsoft.com/office/mac/drawingml/2011/main" val="1"/>
+              <ma14:placeholderFlag xmlns:ma14="http://schemas.microsoft.com/office/mac/drawingml/2011/main" xmlns="" val="1"/>
             </a:ext>
             <a:ext uri="{909E8E84-426E-40dd-AFC4-6F175D3DCCD1}">
-              <a14:hiddenFill xmlns="" xmlns:a14="http://schemas.microsoft.com/office/drawing/2010/main">
+              <a14:hiddenFill xmlns:a14="http://schemas.microsoft.com/office/drawing/2010/main" xmlns="">
                 <a:solidFill>
                   <a:srgbClr val="FFFFFF"/>
                 </a:solidFill>
               </a14:hiddenFill>
             </a:ext>
             <a:ext uri="{AF507438-7753-43e0-B8FC-AC1667EBCBE1}">
-              <a14:hiddenEffects xmlns="" xmlns:a14="http://schemas.microsoft.com/office/drawing/2010/main">
+              <a14:hiddenEffects xmlns:a14="http://schemas.microsoft.com/office/drawing/2010/main" xmlns="">
                 <a:effectLst>
                   <a:outerShdw blurRad="63500" dist="38099" dir="2700000" algn="ctr" rotWithShape="0">
                     <a:srgbClr val="000000">
@@ -457,7 +457,7 @@
               </a14:hiddenEffects>
             </a:ext>
             <a:ext uri="{53640926-AAD7-44d8-BBD7-CCE9431645EC}">
-              <a14:shadowObscured xmlns="" xmlns:a14="http://schemas.microsoft.com/office/drawing/2010/main" val="1"/>
+              <a14:shadowObscured xmlns:a14="http://schemas.microsoft.com/office/drawing/2010/main" xmlns="" val="1"/>
             </a:ext>
           </a:extLst>
         </p:spPr>
@@ -487,14 +487,14 @@
           <a:effectLst/>
           <a:extLst>
             <a:ext uri="{909E8E84-426E-40dd-AFC4-6F175D3DCCD1}">
-              <a14:hiddenFill xmlns="" xmlns:a14="http://schemas.microsoft.com/office/drawing/2010/main">
+              <a14:hiddenFill xmlns:a14="http://schemas.microsoft.com/office/drawing/2010/main" xmlns="">
                 <a:solidFill>
                   <a:schemeClr val="bg1"/>
                 </a:solidFill>
               </a14:hiddenFill>
             </a:ext>
             <a:ext uri="{91240B29-F687-4f45-9708-019B960494DF}">
-              <a14:hiddenLine xmlns="" xmlns:a14="http://schemas.microsoft.com/office/drawing/2010/main" w="12700">
+              <a14:hiddenLine xmlns:a14="http://schemas.microsoft.com/office/drawing/2010/main" xmlns="" w="12700">
                 <a:pattFill prst="narHorz">
                   <a:fgClr>
                     <a:schemeClr val="tx1"/>
@@ -509,7 +509,7 @@
               </a14:hiddenLine>
             </a:ext>
             <a:ext uri="{AF507438-7753-43e0-B8FC-AC1667EBCBE1}">
-              <a14:hiddenEffects xmlns="" xmlns:a14="http://schemas.microsoft.com/office/drawing/2010/main">
+              <a14:hiddenEffects xmlns:a14="http://schemas.microsoft.com/office/drawing/2010/main" xmlns="">
                 <a:effectLst>
                   <a:outerShdw dist="35921" dir="2700000" algn="ctr" rotWithShape="0">
                     <a:schemeClr val="bg2"/>
@@ -759,10 +759,10 @@
         <p:spPr>
           <a:extLst>
             <a:ext uri="{FAA26D3D-D897-4be2-8F04-BA451C77F1D7}">
-              <ma14:placeholderFlag xmlns="" xmlns:ma14="http://schemas.microsoft.com/office/mac/drawingml/2011/main" val="1"/>
+              <ma14:placeholderFlag xmlns:ma14="http://schemas.microsoft.com/office/mac/drawingml/2011/main" xmlns="" val="1"/>
             </a:ext>
             <a:ext uri="{AF507438-7753-43e0-B8FC-AC1667EBCBE1}">
-              <a14:hiddenEffects xmlns="" xmlns:a14="http://schemas.microsoft.com/office/drawing/2010/main">
+              <a14:hiddenEffects xmlns:a14="http://schemas.microsoft.com/office/drawing/2010/main" xmlns="">
                 <a:effectLst>
                   <a:outerShdw blurRad="63500" dist="38099" dir="2700000" algn="ctr" rotWithShape="0">
                     <a:schemeClr val="bg2">
@@ -3176,17 +3176,17 @@
           <a:effectLst/>
           <a:extLst>
             <a:ext uri="{FAA26D3D-D897-4be2-8F04-BA451C77F1D7}">
-              <ma14:placeholderFlag xmlns="" xmlns:ma14="http://schemas.microsoft.com/office/mac/drawingml/2011/main" val="1"/>
+              <ma14:placeholderFlag xmlns:ma14="http://schemas.microsoft.com/office/mac/drawingml/2011/main" xmlns="" val="1"/>
             </a:ext>
             <a:ext uri="{909E8E84-426E-40dd-AFC4-6F175D3DCCD1}">
-              <a14:hiddenFill xmlns="" xmlns:a14="http://schemas.microsoft.com/office/drawing/2010/main">
+              <a14:hiddenFill xmlns:a14="http://schemas.microsoft.com/office/drawing/2010/main" xmlns="">
                 <a:solidFill>
                   <a:schemeClr val="bg1"/>
                 </a:solidFill>
               </a14:hiddenFill>
             </a:ext>
             <a:ext uri="{91240B29-F687-4f45-9708-019B960494DF}">
-              <a14:hiddenLine xmlns="" xmlns:a14="http://schemas.microsoft.com/office/drawing/2010/main" w="12700">
+              <a14:hiddenLine xmlns:a14="http://schemas.microsoft.com/office/drawing/2010/main" xmlns="" w="12700">
                 <a:pattFill prst="narHorz">
                   <a:fgClr>
                     <a:schemeClr val="tx1"/>
@@ -3201,7 +3201,7 @@
               </a14:hiddenLine>
             </a:ext>
             <a:ext uri="{AF507438-7753-43e0-B8FC-AC1667EBCBE1}">
-              <a14:hiddenEffects xmlns="" xmlns:a14="http://schemas.microsoft.com/office/drawing/2010/main">
+              <a14:hiddenEffects xmlns:a14="http://schemas.microsoft.com/office/drawing/2010/main" xmlns="">
                 <a:effectLst>
                   <a:outerShdw blurRad="63500" dist="38099" dir="2700000" algn="ctr" rotWithShape="0">
                     <a:schemeClr val="bg2">
@@ -3254,17 +3254,17 @@
           <a:effectLst/>
           <a:extLst>
             <a:ext uri="{FAA26D3D-D897-4be2-8F04-BA451C77F1D7}">
-              <ma14:placeholderFlag xmlns="" xmlns:ma14="http://schemas.microsoft.com/office/mac/drawingml/2011/main" val="1"/>
+              <ma14:placeholderFlag xmlns:ma14="http://schemas.microsoft.com/office/mac/drawingml/2011/main" xmlns="" val="1"/>
             </a:ext>
             <a:ext uri="{909E8E84-426E-40dd-AFC4-6F175D3DCCD1}">
-              <a14:hiddenFill xmlns="" xmlns:a14="http://schemas.microsoft.com/office/drawing/2010/main">
+              <a14:hiddenFill xmlns:a14="http://schemas.microsoft.com/office/drawing/2010/main" xmlns="">
                 <a:solidFill>
                   <a:schemeClr val="bg1"/>
                 </a:solidFill>
               </a14:hiddenFill>
             </a:ext>
             <a:ext uri="{91240B29-F687-4f45-9708-019B960494DF}">
-              <a14:hiddenLine xmlns="" xmlns:a14="http://schemas.microsoft.com/office/drawing/2010/main" w="12700">
+              <a14:hiddenLine xmlns:a14="http://schemas.microsoft.com/office/drawing/2010/main" xmlns="" w="12700">
                 <a:pattFill prst="narHorz">
                   <a:fgClr>
                     <a:schemeClr val="tx1"/>
@@ -3279,7 +3279,7 @@
               </a14:hiddenLine>
             </a:ext>
             <a:ext uri="{AF507438-7753-43e0-B8FC-AC1667EBCBE1}">
-              <a14:hiddenEffects xmlns="" xmlns:a14="http://schemas.microsoft.com/office/drawing/2010/main">
+              <a14:hiddenEffects xmlns:a14="http://schemas.microsoft.com/office/drawing/2010/main" xmlns="">
                 <a:effectLst>
                   <a:outerShdw blurRad="63500" dist="38099" dir="2700000" algn="ctr" rotWithShape="0">
                     <a:schemeClr val="bg2">
@@ -3363,12 +3363,12 @@
           <a:effectLst/>
           <a:extLst>
             <a:ext uri="{909E8E84-426E-40dd-AFC4-6F175D3DCCD1}">
-              <a14:hiddenFill xmlns="" xmlns:a14="http://schemas.microsoft.com/office/drawing/2010/main">
+              <a14:hiddenFill xmlns:a14="http://schemas.microsoft.com/office/drawing/2010/main" xmlns="">
                 <a:noFill/>
               </a14:hiddenFill>
             </a:ext>
             <a:ext uri="{AF507438-7753-43e0-B8FC-AC1667EBCBE1}">
-              <a14:hiddenEffects xmlns="" xmlns:a14="http://schemas.microsoft.com/office/drawing/2010/main">
+              <a14:hiddenEffects xmlns:a14="http://schemas.microsoft.com/office/drawing/2010/main" xmlns="">
                 <a:effectLst>
                   <a:outerShdw blurRad="63500" dist="38099" dir="2700000" algn="ctr" rotWithShape="0">
                     <a:schemeClr val="bg2">
@@ -6758,7 +6758,7 @@
           <a:effectLst/>
           <a:extLst>
             <a:ext uri="{AF507438-7753-43e0-B8FC-AC1667EBCBE1}">
-              <a14:hiddenEffects xmlns:a14="http://schemas.microsoft.com/office/drawing/2010/main" xmlns="">
+              <a14:hiddenEffects xmlns="" xmlns:a14="http://schemas.microsoft.com/office/drawing/2010/main">
                 <a:effectLst>
                   <a:outerShdw dist="35921" dir="2700000" algn="ctr" rotWithShape="0">
                     <a:schemeClr val="bg2"/>
@@ -6996,12 +6996,12 @@
         <p:spPr>
           <a:xfrm>
             <a:off x="330487" y="914400"/>
-            <a:ext cx="5994114" cy="5105400"/>
+            <a:ext cx="5994114" cy="3703996"/>
           </a:xfrm>
         </p:spPr>
         <p:txBody>
           <a:bodyPr>
-            <a:normAutofit fontScale="92500"/>
+            <a:normAutofit fontScale="77500" lnSpcReduction="20000"/>
           </a:bodyPr>
           <a:lstStyle/>
           <a:p>
@@ -7020,7 +7020,7 @@
             <a:pPr lvl="1"/>
             <a:r>
               <a:rPr lang="en-GB" dirty="0"/>
-              <a:t>thread 1 </a:t>
+              <a:t>Thread T1 </a:t>
             </a:r>
             <a:r>
               <a:rPr lang="en-US" altLang="zh-CN" dirty="0"/>
@@ -7035,7 +7035,7 @@
             <a:pPr lvl="1"/>
             <a:r>
               <a:rPr lang="en-GB" dirty="0"/>
-              <a:t>thread 2 </a:t>
+              <a:t>Thread T2 </a:t>
             </a:r>
             <a:r>
               <a:rPr lang="en-US" altLang="zh-CN" dirty="0"/>
@@ -7050,7 +7050,7 @@
             <a:pPr lvl="1"/>
             <a:r>
               <a:rPr lang="en-GB" dirty="0"/>
-              <a:t>thread 3 </a:t>
+              <a:t>Thread T3 </a:t>
             </a:r>
             <a:r>
               <a:rPr lang="en-US" altLang="zh-CN" dirty="0"/>
@@ -7058,13 +7058,8 @@
             </a:r>
             <a:r>
               <a:rPr lang="en-GB" dirty="0"/>
-              <a:t> L2.</a:t>
-            </a:r>
-            <a:r>
-              <a:rPr lang="en-GB"/>
-              <a:t>wait(); no blocking</a:t>
-            </a:r>
-            <a:endParaRPr lang="en-GB" dirty="0"/>
+              <a:t> L2.wait(); no blocking</a:t>
+            </a:r>
           </a:p>
           <a:p>
             <a:r>
@@ -7074,48 +7069,12 @@
           </a:p>
           <a:p>
             <a:r>
+              <a:rPr lang="en-US" altLang="zh-CN" dirty="0"/>
+              <a:t>T</a:t>
+            </a:r>
+            <a:r>
               <a:rPr lang="en-GB" dirty="0"/>
-              <a:t>thread 1 waiting for L2 (held by </a:t>
-            </a:r>
-            <a:r>
-              <a:rPr lang="en-GB" dirty="0" err="1"/>
-              <a:t>thr</a:t>
-            </a:r>
-            <a:r>
-              <a:rPr lang="en-GB" dirty="0"/>
-              <a:t>. 3) → </a:t>
-            </a:r>
-            <a:r>
-              <a:rPr lang="en-GB" dirty="0" err="1"/>
-              <a:t>thr</a:t>
-            </a:r>
-            <a:r>
-              <a:rPr lang="en-GB" dirty="0"/>
-              <a:t>. 2 waiting for L1 (held by </a:t>
-            </a:r>
-            <a:r>
-              <a:rPr lang="en-GB" dirty="0" err="1"/>
-              <a:t>thr</a:t>
-            </a:r>
-            <a:r>
-              <a:rPr lang="en-GB" dirty="0"/>
-              <a:t>. 1) → </a:t>
-            </a:r>
-            <a:r>
-              <a:rPr lang="en-GB" dirty="0" err="1"/>
-              <a:t>thr</a:t>
-            </a:r>
-            <a:r>
-              <a:rPr lang="en-GB" dirty="0"/>
-              <a:t>. 3 waiting for L3 (held by </a:t>
-            </a:r>
-            <a:r>
-              <a:rPr lang="en-GB" dirty="0" err="1"/>
-              <a:t>thr</a:t>
-            </a:r>
-            <a:r>
-              <a:rPr lang="en-GB" dirty="0"/>
-              <a:t>. 2).</a:t>
+              <a:t>1 waiting for L2 (held by T3) → T2 waiting for L1 (held by T1) → T3 waiting for L3 (held by T2).</a:t>
             </a:r>
           </a:p>
           <a:p>
@@ -7324,6 +7283,16 @@
               <a:t>// Thread </a:t>
             </a:r>
             <a:r>
+              <a:rPr lang="en-US" sz="1400" b="0" i="1" kern="0" dirty="0">
+                <a:solidFill>
+                  <a:sysClr val="windowText" lastClr="000000"/>
+                </a:solidFill>
+                <a:latin typeface="Courier New"/>
+                <a:cs typeface="Courier New"/>
+              </a:rPr>
+              <a:t>T</a:t>
+            </a:r>
+            <a:r>
               <a:rPr sz="1400" b="0" i="1" kern="0" spc="-25" dirty="0">
                 <a:solidFill>
                   <a:sysClr val="windowText" lastClr="000000"/>
@@ -7609,6 +7578,16 @@
               <a:t>// Thread </a:t>
             </a:r>
             <a:r>
+              <a:rPr lang="en-US" sz="1400" b="0" i="1" kern="0" dirty="0">
+                <a:solidFill>
+                  <a:sysClr val="windowText" lastClr="000000"/>
+                </a:solidFill>
+                <a:latin typeface="Courier New"/>
+                <a:cs typeface="Courier New"/>
+              </a:rPr>
+              <a:t>T</a:t>
+            </a:r>
+            <a:r>
               <a:rPr sz="1400" b="0" i="1" kern="0" spc="-25" dirty="0">
                 <a:solidFill>
                   <a:sysClr val="windowText" lastClr="000000"/>
@@ -7892,6 +7871,16 @@
                 <a:cs typeface="Courier New"/>
               </a:rPr>
               <a:t>// Thread </a:t>
+            </a:r>
+            <a:r>
+              <a:rPr lang="en-US" altLang="zh-CN" sz="1400" b="0" i="1" kern="0" dirty="0">
+                <a:solidFill>
+                  <a:sysClr val="windowText" lastClr="000000"/>
+                </a:solidFill>
+                <a:latin typeface="Courier New"/>
+                <a:cs typeface="Courier New"/>
+              </a:rPr>
+              <a:t>T</a:t>
             </a:r>
             <a:r>
               <a:rPr sz="1400" b="0" i="1" kern="0" spc="-25" dirty="0">
@@ -8209,6 +8198,748 @@
               <a:effectLst/>
               <a:uLnTx/>
               <a:uFillTx/>
+            </a:endParaRPr>
+          </a:p>
+        </p:txBody>
+      </p:sp>
+      <p:sp>
+        <p:nvSpPr>
+          <p:cNvPr id="4" name="Oval 4">
+            <a:extLst>
+              <a:ext uri="{FF2B5EF4-FFF2-40B4-BE49-F238E27FC236}">
+                <a16:creationId xmlns:a16="http://schemas.microsoft.com/office/drawing/2014/main" id="{087EEB15-9D0C-E2DF-25A5-D43061215C17}"/>
+              </a:ext>
+            </a:extLst>
+          </p:cNvPr>
+          <p:cNvSpPr>
+            <a:spLocks noChangeArrowheads="1"/>
+          </p:cNvSpPr>
+          <p:nvPr/>
+        </p:nvSpPr>
+        <p:spPr bwMode="auto">
+          <a:xfrm>
+            <a:off x="1434575" y="4527424"/>
+            <a:ext cx="671515" cy="639143"/>
+          </a:xfrm>
+          <a:prstGeom prst="ellipse">
+            <a:avLst/>
+          </a:prstGeom>
+          <a:solidFill>
+            <a:schemeClr val="bg1"/>
+          </a:solidFill>
+          <a:ln w="38100" algn="ctr">
+            <a:solidFill>
+              <a:schemeClr val="tx1"/>
+            </a:solidFill>
+            <a:round/>
+            <a:headEnd/>
+            <a:tailEnd/>
+          </a:ln>
+        </p:spPr>
+        <p:txBody>
+          <a:bodyPr wrap="none" anchor="ctr"/>
+          <a:lstStyle/>
+          <a:p>
+            <a:pPr algn="ctr"/>
+            <a:r>
+              <a:rPr lang="en-US" altLang="zh-CN" sz="2400" b="0" dirty="0">
+                <a:solidFill>
+                  <a:srgbClr val="000000"/>
+                </a:solidFill>
+                <a:latin typeface="Times New Roman" pitchFamily="18" charset="0"/>
+                <a:ea typeface="宋体" charset="-122"/>
+                <a:cs typeface="+mn-cs"/>
+              </a:rPr>
+              <a:t>T1</a:t>
+            </a:r>
+          </a:p>
+        </p:txBody>
+      </p:sp>
+      <p:sp>
+        <p:nvSpPr>
+          <p:cNvPr id="7" name="Oval 6">
+            <a:extLst>
+              <a:ext uri="{FF2B5EF4-FFF2-40B4-BE49-F238E27FC236}">
+                <a16:creationId xmlns:a16="http://schemas.microsoft.com/office/drawing/2014/main" id="{645B8883-973B-6DB9-75E0-9B235714112A}"/>
+              </a:ext>
+            </a:extLst>
+          </p:cNvPr>
+          <p:cNvSpPr>
+            <a:spLocks noChangeArrowheads="1"/>
+          </p:cNvSpPr>
+          <p:nvPr/>
+        </p:nvSpPr>
+        <p:spPr bwMode="auto">
+          <a:xfrm>
+            <a:off x="2914918" y="4527424"/>
+            <a:ext cx="671515" cy="639143"/>
+          </a:xfrm>
+          <a:prstGeom prst="ellipse">
+            <a:avLst/>
+          </a:prstGeom>
+          <a:solidFill>
+            <a:schemeClr val="bg1"/>
+          </a:solidFill>
+          <a:ln w="38100" algn="ctr">
+            <a:solidFill>
+              <a:schemeClr val="tx1"/>
+            </a:solidFill>
+            <a:round/>
+            <a:headEnd/>
+            <a:tailEnd/>
+          </a:ln>
+        </p:spPr>
+        <p:txBody>
+          <a:bodyPr wrap="none" anchor="ctr"/>
+          <a:lstStyle/>
+          <a:p>
+            <a:pPr algn="ctr"/>
+            <a:r>
+              <a:rPr lang="en-US" altLang="zh-CN" sz="2400" b="0" dirty="0">
+                <a:solidFill>
+                  <a:srgbClr val="000000"/>
+                </a:solidFill>
+                <a:latin typeface="Times New Roman" pitchFamily="18" charset="0"/>
+                <a:ea typeface="宋体" charset="-122"/>
+                <a:cs typeface="+mn-cs"/>
+              </a:rPr>
+              <a:t>T2</a:t>
+            </a:r>
+          </a:p>
+        </p:txBody>
+      </p:sp>
+      <p:sp>
+        <p:nvSpPr>
+          <p:cNvPr id="8" name="Rectangle 7">
+            <a:extLst>
+              <a:ext uri="{FF2B5EF4-FFF2-40B4-BE49-F238E27FC236}">
+                <a16:creationId xmlns:a16="http://schemas.microsoft.com/office/drawing/2014/main" id="{F680304A-C7E0-ACE7-9520-7252D7D8C062}"/>
+              </a:ext>
+            </a:extLst>
+          </p:cNvPr>
+          <p:cNvSpPr>
+            <a:spLocks noChangeArrowheads="1"/>
+          </p:cNvSpPr>
+          <p:nvPr/>
+        </p:nvSpPr>
+        <p:spPr bwMode="auto">
+          <a:xfrm>
+            <a:off x="1434575" y="5793456"/>
+            <a:ext cx="728661" cy="615156"/>
+          </a:xfrm>
+          <a:prstGeom prst="rect">
+            <a:avLst/>
+          </a:prstGeom>
+          <a:solidFill>
+            <a:schemeClr val="bg1"/>
+          </a:solidFill>
+          <a:ln w="38100" algn="ctr">
+            <a:solidFill>
+              <a:schemeClr val="tx1"/>
+            </a:solidFill>
+            <a:miter lim="800000"/>
+            <a:headEnd/>
+            <a:tailEnd/>
+          </a:ln>
+        </p:spPr>
+        <p:txBody>
+          <a:bodyPr wrap="none" anchor="ctr"/>
+          <a:lstStyle/>
+          <a:p>
+            <a:pPr algn="ctr"/>
+            <a:r>
+              <a:rPr lang="en-US" altLang="zh-CN" b="0" dirty="0">
+                <a:solidFill>
+                  <a:srgbClr val="000000"/>
+                </a:solidFill>
+                <a:latin typeface="Times New Roman" pitchFamily="18" charset="0"/>
+                <a:ea typeface="宋体" charset="-122"/>
+                <a:cs typeface="+mn-cs"/>
+              </a:rPr>
+              <a:t>L1</a:t>
+            </a:r>
+          </a:p>
+        </p:txBody>
+      </p:sp>
+      <p:sp>
+        <p:nvSpPr>
+          <p:cNvPr id="10" name="Line 10">
+            <a:extLst>
+              <a:ext uri="{FF2B5EF4-FFF2-40B4-BE49-F238E27FC236}">
+                <a16:creationId xmlns:a16="http://schemas.microsoft.com/office/drawing/2014/main" id="{87C2C2E1-FD2C-AA70-ECCE-63BB897BB253}"/>
+              </a:ext>
+            </a:extLst>
+          </p:cNvPr>
+          <p:cNvSpPr>
+            <a:spLocks noChangeShapeType="1"/>
+          </p:cNvSpPr>
+          <p:nvPr/>
+        </p:nvSpPr>
+        <p:spPr bwMode="auto">
+          <a:xfrm flipH="1" flipV="1">
+            <a:off x="1824305" y="5166568"/>
+            <a:ext cx="161702" cy="973756"/>
+          </a:xfrm>
+          <a:prstGeom prst="line">
+            <a:avLst/>
+          </a:prstGeom>
+          <a:noFill/>
+          <a:ln w="38100">
+            <a:solidFill>
+              <a:schemeClr val="tx1"/>
+            </a:solidFill>
+            <a:round/>
+            <a:headEnd/>
+            <a:tailEnd type="triangle" w="med" len="med"/>
+          </a:ln>
+        </p:spPr>
+        <p:txBody>
+          <a:bodyPr wrap="none" anchor="ctr"/>
+          <a:lstStyle/>
+          <a:p>
+            <a:pPr algn="ctr"/>
+            <a:endParaRPr lang="zh-CN" altLang="en-US" b="0">
+              <a:solidFill>
+                <a:srgbClr val="000000"/>
+              </a:solidFill>
+              <a:latin typeface="Times New Roman" pitchFamily="18" charset="0"/>
+              <a:ea typeface="+mn-ea"/>
+              <a:cs typeface="+mn-cs"/>
+            </a:endParaRPr>
+          </a:p>
+        </p:txBody>
+      </p:sp>
+      <p:sp>
+        <p:nvSpPr>
+          <p:cNvPr id="15" name="Oval 15">
+            <a:extLst>
+              <a:ext uri="{FF2B5EF4-FFF2-40B4-BE49-F238E27FC236}">
+                <a16:creationId xmlns:a16="http://schemas.microsoft.com/office/drawing/2014/main" id="{922D8EB5-3D9A-1666-EB7C-BDA45A650B72}"/>
+              </a:ext>
+            </a:extLst>
+          </p:cNvPr>
+          <p:cNvSpPr>
+            <a:spLocks noChangeArrowheads="1"/>
+          </p:cNvSpPr>
+          <p:nvPr/>
+        </p:nvSpPr>
+        <p:spPr bwMode="auto">
+          <a:xfrm>
+            <a:off x="1928638" y="6160960"/>
+            <a:ext cx="149225" cy="123825"/>
+          </a:xfrm>
+          <a:prstGeom prst="ellipse">
+            <a:avLst/>
+          </a:prstGeom>
+          <a:solidFill>
+            <a:srgbClr val="000000"/>
+          </a:solidFill>
+          <a:ln w="38100" algn="ctr">
+            <a:solidFill>
+              <a:schemeClr val="tx1"/>
+            </a:solidFill>
+            <a:round/>
+            <a:headEnd/>
+            <a:tailEnd/>
+          </a:ln>
+        </p:spPr>
+        <p:txBody>
+          <a:bodyPr wrap="none" anchor="ctr"/>
+          <a:lstStyle/>
+          <a:p>
+            <a:pPr algn="ctr"/>
+            <a:endParaRPr lang="en-CA" b="0">
+              <a:solidFill>
+                <a:srgbClr val="000000"/>
+              </a:solidFill>
+              <a:latin typeface="Times New Roman" pitchFamily="18" charset="0"/>
+              <a:ea typeface="+mn-ea"/>
+              <a:cs typeface="+mn-cs"/>
+            </a:endParaRPr>
+          </a:p>
+        </p:txBody>
+      </p:sp>
+      <p:sp>
+        <p:nvSpPr>
+          <p:cNvPr id="16" name="Line 16">
+            <a:extLst>
+              <a:ext uri="{FF2B5EF4-FFF2-40B4-BE49-F238E27FC236}">
+                <a16:creationId xmlns:a16="http://schemas.microsoft.com/office/drawing/2014/main" id="{4061DC13-82E5-68AD-E480-7D03AC29959D}"/>
+              </a:ext>
+            </a:extLst>
+          </p:cNvPr>
+          <p:cNvSpPr>
+            <a:spLocks noChangeShapeType="1"/>
+          </p:cNvSpPr>
+          <p:nvPr/>
+        </p:nvSpPr>
+        <p:spPr bwMode="auto">
+          <a:xfrm flipH="1">
+            <a:off x="2163235" y="4988269"/>
+            <a:ext cx="776292" cy="973756"/>
+          </a:xfrm>
+          <a:prstGeom prst="line">
+            <a:avLst/>
+          </a:prstGeom>
+          <a:noFill/>
+          <a:ln w="38100">
+            <a:solidFill>
+              <a:schemeClr val="tx1"/>
+            </a:solidFill>
+            <a:round/>
+            <a:headEnd/>
+            <a:tailEnd type="triangle" w="med" len="med"/>
+          </a:ln>
+        </p:spPr>
+        <p:txBody>
+          <a:bodyPr wrap="none" anchor="ctr"/>
+          <a:lstStyle/>
+          <a:p>
+            <a:pPr algn="ctr"/>
+            <a:endParaRPr lang="zh-CN" altLang="en-US" b="0">
+              <a:solidFill>
+                <a:srgbClr val="000000"/>
+              </a:solidFill>
+              <a:latin typeface="Times New Roman" pitchFamily="18" charset="0"/>
+              <a:ea typeface="+mn-ea"/>
+              <a:cs typeface="+mn-cs"/>
+            </a:endParaRPr>
+          </a:p>
+        </p:txBody>
+      </p:sp>
+      <p:sp>
+        <p:nvSpPr>
+          <p:cNvPr id="17" name="TextBox 16">
+            <a:extLst>
+              <a:ext uri="{FF2B5EF4-FFF2-40B4-BE49-F238E27FC236}">
+                <a16:creationId xmlns:a16="http://schemas.microsoft.com/office/drawing/2014/main" id="{4000C2A7-75AE-EDA4-1140-07A068CDE2A4}"/>
+              </a:ext>
+            </a:extLst>
+          </p:cNvPr>
+          <p:cNvSpPr txBox="1"/>
+          <p:nvPr/>
+        </p:nvSpPr>
+        <p:spPr>
+          <a:xfrm>
+            <a:off x="2503596" y="6862638"/>
+            <a:ext cx="2878137" cy="400110"/>
+          </a:xfrm>
+          <a:prstGeom prst="rect">
+            <a:avLst/>
+          </a:prstGeom>
+          <a:noFill/>
+        </p:spPr>
+        <p:txBody>
+          <a:bodyPr wrap="square">
+            <a:spAutoFit/>
+          </a:bodyPr>
+          <a:lstStyle/>
+          <a:p>
+            <a:r>
+              <a:rPr lang="en-GB" sz="2000" b="0" dirty="0"/>
+              <a:t>A RAG with a deadlock</a:t>
+            </a:r>
+            <a:endParaRPr lang="en-SE" sz="2000" b="0" dirty="0"/>
+          </a:p>
+        </p:txBody>
+      </p:sp>
+      <p:sp>
+        <p:nvSpPr>
+          <p:cNvPr id="20" name="Oval 4">
+            <a:extLst>
+              <a:ext uri="{FF2B5EF4-FFF2-40B4-BE49-F238E27FC236}">
+                <a16:creationId xmlns:a16="http://schemas.microsoft.com/office/drawing/2014/main" id="{5BE2A2D1-5657-5670-D6AA-7E3FF07720FD}"/>
+              </a:ext>
+            </a:extLst>
+          </p:cNvPr>
+          <p:cNvSpPr>
+            <a:spLocks noChangeArrowheads="1"/>
+          </p:cNvSpPr>
+          <p:nvPr/>
+        </p:nvSpPr>
+        <p:spPr bwMode="auto">
+          <a:xfrm>
+            <a:off x="4395260" y="4527424"/>
+            <a:ext cx="671515" cy="639143"/>
+          </a:xfrm>
+          <a:prstGeom prst="ellipse">
+            <a:avLst/>
+          </a:prstGeom>
+          <a:solidFill>
+            <a:schemeClr val="bg1"/>
+          </a:solidFill>
+          <a:ln w="38100" algn="ctr">
+            <a:solidFill>
+              <a:schemeClr val="tx1"/>
+            </a:solidFill>
+            <a:round/>
+            <a:headEnd/>
+            <a:tailEnd/>
+          </a:ln>
+        </p:spPr>
+        <p:txBody>
+          <a:bodyPr wrap="none" anchor="ctr"/>
+          <a:lstStyle/>
+          <a:p>
+            <a:pPr algn="ctr"/>
+            <a:r>
+              <a:rPr lang="en-US" altLang="zh-CN" sz="2400" b="0" dirty="0">
+                <a:solidFill>
+                  <a:srgbClr val="000000"/>
+                </a:solidFill>
+                <a:latin typeface="Times New Roman" pitchFamily="18" charset="0"/>
+                <a:ea typeface="宋体" charset="-122"/>
+                <a:cs typeface="+mn-cs"/>
+              </a:rPr>
+              <a:t>T3</a:t>
+            </a:r>
+          </a:p>
+        </p:txBody>
+      </p:sp>
+      <p:sp>
+        <p:nvSpPr>
+          <p:cNvPr id="22" name="Rectangle 21">
+            <a:extLst>
+              <a:ext uri="{FF2B5EF4-FFF2-40B4-BE49-F238E27FC236}">
+                <a16:creationId xmlns:a16="http://schemas.microsoft.com/office/drawing/2014/main" id="{71C0DB58-2E05-9EC6-9D41-F6D25FB2D1B7}"/>
+              </a:ext>
+            </a:extLst>
+          </p:cNvPr>
+          <p:cNvSpPr>
+            <a:spLocks noChangeArrowheads="1"/>
+          </p:cNvSpPr>
+          <p:nvPr/>
+        </p:nvSpPr>
+        <p:spPr bwMode="auto">
+          <a:xfrm>
+            <a:off x="2956368" y="5804568"/>
+            <a:ext cx="728661" cy="615156"/>
+          </a:xfrm>
+          <a:prstGeom prst="rect">
+            <a:avLst/>
+          </a:prstGeom>
+          <a:solidFill>
+            <a:schemeClr val="bg1"/>
+          </a:solidFill>
+          <a:ln w="38100" algn="ctr">
+            <a:solidFill>
+              <a:schemeClr val="tx1"/>
+            </a:solidFill>
+            <a:miter lim="800000"/>
+            <a:headEnd/>
+            <a:tailEnd/>
+          </a:ln>
+        </p:spPr>
+        <p:txBody>
+          <a:bodyPr wrap="none" anchor="ctr"/>
+          <a:lstStyle/>
+          <a:p>
+            <a:pPr algn="ctr"/>
+            <a:r>
+              <a:rPr lang="en-US" altLang="zh-CN" b="0" dirty="0">
+                <a:solidFill>
+                  <a:srgbClr val="000000"/>
+                </a:solidFill>
+                <a:latin typeface="Times New Roman" pitchFamily="18" charset="0"/>
+                <a:ea typeface="宋体" charset="-122"/>
+                <a:cs typeface="+mn-cs"/>
+              </a:rPr>
+              <a:t>L2</a:t>
+            </a:r>
+          </a:p>
+        </p:txBody>
+      </p:sp>
+      <p:sp>
+        <p:nvSpPr>
+          <p:cNvPr id="24" name="Rectangle 23">
+            <a:extLst>
+              <a:ext uri="{FF2B5EF4-FFF2-40B4-BE49-F238E27FC236}">
+                <a16:creationId xmlns:a16="http://schemas.microsoft.com/office/drawing/2014/main" id="{F549E0D0-9B52-30F4-FC41-BC998B5785F9}"/>
+              </a:ext>
+            </a:extLst>
+          </p:cNvPr>
+          <p:cNvSpPr>
+            <a:spLocks noChangeArrowheads="1"/>
+          </p:cNvSpPr>
+          <p:nvPr/>
+        </p:nvSpPr>
+        <p:spPr bwMode="auto">
+          <a:xfrm>
+            <a:off x="4448443" y="5805277"/>
+            <a:ext cx="728661" cy="615156"/>
+          </a:xfrm>
+          <a:prstGeom prst="rect">
+            <a:avLst/>
+          </a:prstGeom>
+          <a:solidFill>
+            <a:schemeClr val="bg1"/>
+          </a:solidFill>
+          <a:ln w="38100" algn="ctr">
+            <a:solidFill>
+              <a:schemeClr val="tx1"/>
+            </a:solidFill>
+            <a:miter lim="800000"/>
+            <a:headEnd/>
+            <a:tailEnd/>
+          </a:ln>
+        </p:spPr>
+        <p:txBody>
+          <a:bodyPr wrap="none" anchor="ctr"/>
+          <a:lstStyle/>
+          <a:p>
+            <a:pPr algn="ctr"/>
+            <a:r>
+              <a:rPr lang="en-US" altLang="zh-CN" b="0" dirty="0">
+                <a:solidFill>
+                  <a:srgbClr val="000000"/>
+                </a:solidFill>
+                <a:latin typeface="Times New Roman" pitchFamily="18" charset="0"/>
+                <a:ea typeface="宋体" charset="-122"/>
+                <a:cs typeface="+mn-cs"/>
+              </a:rPr>
+              <a:t>L3</a:t>
+            </a:r>
+          </a:p>
+        </p:txBody>
+      </p:sp>
+      <p:sp>
+        <p:nvSpPr>
+          <p:cNvPr id="25" name="Oval 15">
+            <a:extLst>
+              <a:ext uri="{FF2B5EF4-FFF2-40B4-BE49-F238E27FC236}">
+                <a16:creationId xmlns:a16="http://schemas.microsoft.com/office/drawing/2014/main" id="{B4ADD69F-626D-4616-FB4A-615170CBF884}"/>
+              </a:ext>
+            </a:extLst>
+          </p:cNvPr>
+          <p:cNvSpPr>
+            <a:spLocks noChangeArrowheads="1"/>
+          </p:cNvSpPr>
+          <p:nvPr/>
+        </p:nvSpPr>
+        <p:spPr bwMode="auto">
+          <a:xfrm>
+            <a:off x="4942506" y="6160960"/>
+            <a:ext cx="149225" cy="123825"/>
+          </a:xfrm>
+          <a:prstGeom prst="ellipse">
+            <a:avLst/>
+          </a:prstGeom>
+          <a:solidFill>
+            <a:srgbClr val="000000"/>
+          </a:solidFill>
+          <a:ln w="38100" algn="ctr">
+            <a:solidFill>
+              <a:schemeClr val="tx1"/>
+            </a:solidFill>
+            <a:round/>
+            <a:headEnd/>
+            <a:tailEnd/>
+          </a:ln>
+        </p:spPr>
+        <p:txBody>
+          <a:bodyPr wrap="none" anchor="ctr"/>
+          <a:lstStyle/>
+          <a:p>
+            <a:pPr algn="ctr"/>
+            <a:endParaRPr lang="en-CA" b="0">
+              <a:solidFill>
+                <a:srgbClr val="000000"/>
+              </a:solidFill>
+              <a:latin typeface="Times New Roman" pitchFamily="18" charset="0"/>
+              <a:ea typeface="+mn-ea"/>
+              <a:cs typeface="+mn-cs"/>
+            </a:endParaRPr>
+          </a:p>
+        </p:txBody>
+      </p:sp>
+      <p:sp>
+        <p:nvSpPr>
+          <p:cNvPr id="26" name="Line 10">
+            <a:extLst>
+              <a:ext uri="{FF2B5EF4-FFF2-40B4-BE49-F238E27FC236}">
+                <a16:creationId xmlns:a16="http://schemas.microsoft.com/office/drawing/2014/main" id="{7FCCA30E-A3B0-A0AD-2326-4AFEE070C6DD}"/>
+              </a:ext>
+            </a:extLst>
+          </p:cNvPr>
+          <p:cNvSpPr>
+            <a:spLocks noChangeShapeType="1"/>
+          </p:cNvSpPr>
+          <p:nvPr/>
+        </p:nvSpPr>
+        <p:spPr bwMode="auto">
+          <a:xfrm>
+            <a:off x="2010504" y="5044989"/>
+            <a:ext cx="916146" cy="973756"/>
+          </a:xfrm>
+          <a:prstGeom prst="line">
+            <a:avLst/>
+          </a:prstGeom>
+          <a:noFill/>
+          <a:ln w="38100">
+            <a:solidFill>
+              <a:schemeClr val="tx1"/>
+            </a:solidFill>
+            <a:round/>
+            <a:headEnd/>
+            <a:tailEnd type="triangle" w="med" len="med"/>
+          </a:ln>
+        </p:spPr>
+        <p:txBody>
+          <a:bodyPr wrap="none" anchor="ctr"/>
+          <a:lstStyle/>
+          <a:p>
+            <a:pPr algn="ctr"/>
+            <a:endParaRPr lang="zh-CN" altLang="en-US" b="0">
+              <a:solidFill>
+                <a:srgbClr val="000000"/>
+              </a:solidFill>
+              <a:latin typeface="Times New Roman" pitchFamily="18" charset="0"/>
+              <a:ea typeface="+mn-ea"/>
+              <a:cs typeface="+mn-cs"/>
+            </a:endParaRPr>
+          </a:p>
+        </p:txBody>
+      </p:sp>
+      <p:sp>
+        <p:nvSpPr>
+          <p:cNvPr id="27" name="Line 10">
+            <a:extLst>
+              <a:ext uri="{FF2B5EF4-FFF2-40B4-BE49-F238E27FC236}">
+                <a16:creationId xmlns:a16="http://schemas.microsoft.com/office/drawing/2014/main" id="{8A0DC56E-7A6A-D06D-E3B4-A6066C9A68D2}"/>
+              </a:ext>
+            </a:extLst>
+          </p:cNvPr>
+          <p:cNvSpPr>
+            <a:spLocks noChangeShapeType="1"/>
+          </p:cNvSpPr>
+          <p:nvPr/>
+        </p:nvSpPr>
+        <p:spPr bwMode="auto">
+          <a:xfrm flipH="1" flipV="1">
+            <a:off x="3553031" y="5017028"/>
+            <a:ext cx="1538700" cy="1235391"/>
+          </a:xfrm>
+          <a:prstGeom prst="line">
+            <a:avLst/>
+          </a:prstGeom>
+          <a:noFill/>
+          <a:ln w="38100">
+            <a:solidFill>
+              <a:schemeClr val="tx1"/>
+            </a:solidFill>
+            <a:round/>
+            <a:headEnd/>
+            <a:tailEnd type="triangle" w="med" len="med"/>
+          </a:ln>
+        </p:spPr>
+        <p:txBody>
+          <a:bodyPr wrap="none" anchor="ctr"/>
+          <a:lstStyle/>
+          <a:p>
+            <a:pPr algn="ctr"/>
+            <a:endParaRPr lang="zh-CN" altLang="en-US" b="0">
+              <a:solidFill>
+                <a:srgbClr val="000000"/>
+              </a:solidFill>
+              <a:latin typeface="Times New Roman" pitchFamily="18" charset="0"/>
+              <a:ea typeface="+mn-ea"/>
+              <a:cs typeface="+mn-cs"/>
+            </a:endParaRPr>
+          </a:p>
+        </p:txBody>
+      </p:sp>
+      <p:sp>
+        <p:nvSpPr>
+          <p:cNvPr id="11" name="Line 11">
+            <a:extLst>
+              <a:ext uri="{FF2B5EF4-FFF2-40B4-BE49-F238E27FC236}">
+                <a16:creationId xmlns:a16="http://schemas.microsoft.com/office/drawing/2014/main" id="{45DA1551-362E-C39E-DD82-0D5EF9038C2C}"/>
+              </a:ext>
+            </a:extLst>
+          </p:cNvPr>
+          <p:cNvSpPr>
+            <a:spLocks noChangeShapeType="1"/>
+          </p:cNvSpPr>
+          <p:nvPr/>
+        </p:nvSpPr>
+        <p:spPr bwMode="auto">
+          <a:xfrm flipV="1">
+            <a:off x="3550361" y="5099853"/>
+            <a:ext cx="943489" cy="1172552"/>
+          </a:xfrm>
+          <a:prstGeom prst="line">
+            <a:avLst/>
+          </a:prstGeom>
+          <a:noFill/>
+          <a:ln w="38100">
+            <a:solidFill>
+              <a:schemeClr val="tx1"/>
+            </a:solidFill>
+            <a:round/>
+            <a:headEnd type="oval" w="lg" len="lg"/>
+            <a:tailEnd type="triangle" w="med" len="med"/>
+          </a:ln>
+        </p:spPr>
+        <p:txBody>
+          <a:bodyPr wrap="none" anchor="ctr"/>
+          <a:lstStyle/>
+          <a:p>
+            <a:pPr algn="ctr"/>
+            <a:endParaRPr lang="zh-CN" altLang="en-US" b="0">
+              <a:solidFill>
+                <a:srgbClr val="000000"/>
+              </a:solidFill>
+              <a:latin typeface="Times New Roman" pitchFamily="18" charset="0"/>
+              <a:ea typeface="+mn-ea"/>
+              <a:cs typeface="+mn-cs"/>
+            </a:endParaRPr>
+          </a:p>
+        </p:txBody>
+      </p:sp>
+      <p:sp>
+        <p:nvSpPr>
+          <p:cNvPr id="28" name="Line 16">
+            <a:extLst>
+              <a:ext uri="{FF2B5EF4-FFF2-40B4-BE49-F238E27FC236}">
+                <a16:creationId xmlns:a16="http://schemas.microsoft.com/office/drawing/2014/main" id="{B761907C-991A-30FC-3ECA-D324BF20D80B}"/>
+              </a:ext>
+            </a:extLst>
+          </p:cNvPr>
+          <p:cNvSpPr>
+            <a:spLocks noChangeShapeType="1"/>
+          </p:cNvSpPr>
+          <p:nvPr/>
+        </p:nvSpPr>
+        <p:spPr bwMode="auto">
+          <a:xfrm flipH="1">
+            <a:off x="4743096" y="5165425"/>
+            <a:ext cx="0" cy="639143"/>
+          </a:xfrm>
+          <a:prstGeom prst="line">
+            <a:avLst/>
+          </a:prstGeom>
+          <a:noFill/>
+          <a:ln w="38100">
+            <a:solidFill>
+              <a:schemeClr val="tx1"/>
+            </a:solidFill>
+            <a:round/>
+            <a:headEnd/>
+            <a:tailEnd type="triangle" w="med" len="med"/>
+          </a:ln>
+        </p:spPr>
+        <p:txBody>
+          <a:bodyPr wrap="none" anchor="ctr"/>
+          <a:lstStyle/>
+          <a:p>
+            <a:pPr algn="ctr"/>
+            <a:endParaRPr lang="zh-CN" altLang="en-US" b="0">
+              <a:solidFill>
+                <a:srgbClr val="000000"/>
+              </a:solidFill>
+              <a:latin typeface="Times New Roman" pitchFamily="18" charset="0"/>
+              <a:ea typeface="+mn-ea"/>
+              <a:cs typeface="+mn-cs"/>
             </a:endParaRPr>
           </a:p>
         </p:txBody>
@@ -12195,7 +12926,7 @@
           </a:ln>
           <a:extLst>
             <a:ext uri="{AF507438-7753-43e0-B8FC-AC1667EBCBE1}">
-              <a14:hiddenEffects xmlns:a14="http://schemas.microsoft.com/office/drawing/2010/main" xmlns="">
+              <a14:hiddenEffects xmlns="" xmlns:a14="http://schemas.microsoft.com/office/drawing/2010/main">
                 <a:effectLst>
                   <a:outerShdw dist="35921" dir="2700000" algn="ctr" rotWithShape="0">
                     <a:schemeClr val="bg2"/>
@@ -23307,7 +24038,7 @@
         <a:effectLst/>
         <a:extLst>
           <a:ext uri="{AF507438-7753-43e0-B8FC-AC1667EBCBE1}">
-            <a14:hiddenEffects xmlns="" xmlns:a14="http://schemas.microsoft.com/office/drawing/2010/main">
+            <a14:hiddenEffects xmlns:a14="http://schemas.microsoft.com/office/drawing/2010/main" xmlns="">
               <a:effectLst>
                 <a:outerShdw dist="35921" dir="2700000" algn="ctr" rotWithShape="0">
                   <a:schemeClr val="bg2"/>
@@ -23380,7 +24111,7 @@
         <a:effectLst/>
         <a:extLst>
           <a:ext uri="{AF507438-7753-43e0-B8FC-AC1667EBCBE1}">
-            <a14:hiddenEffects xmlns="" xmlns:a14="http://schemas.microsoft.com/office/drawing/2010/main">
+            <a14:hiddenEffects xmlns:a14="http://schemas.microsoft.com/office/drawing/2010/main" xmlns="">
               <a:effectLst>
                 <a:outerShdw dist="35921" dir="2700000" algn="ctr" rotWithShape="0">
                   <a:schemeClr val="bg2"/>

--- a/PPTs/L4-Exercises ANS.pptx
+++ b/PPTs/L4-Exercises ANS.pptx
@@ -229,14 +229,14 @@
           <a:effectLst/>
           <a:extLst>
             <a:ext uri="{909E8E84-426E-40dd-AFC4-6F175D3DCCD1}">
-              <a14:hiddenFill xmlns="" xmlns:a14="http://schemas.microsoft.com/office/drawing/2010/main">
+              <a14:hiddenFill xmlns:a14="http://schemas.microsoft.com/office/drawing/2010/main" xmlns="">
                 <a:solidFill>
                   <a:schemeClr val="bg1"/>
                 </a:solidFill>
               </a14:hiddenFill>
             </a:ext>
             <a:ext uri="{91240B29-F687-4f45-9708-019B960494DF}">
-              <a14:hiddenLine xmlns="" xmlns:a14="http://schemas.microsoft.com/office/drawing/2010/main" w="12700">
+              <a14:hiddenLine xmlns:a14="http://schemas.microsoft.com/office/drawing/2010/main" xmlns="" w="12700">
                 <a:pattFill prst="narHorz">
                   <a:fgClr>
                     <a:schemeClr val="tx1"/>
@@ -251,7 +251,7 @@
               </a14:hiddenLine>
             </a:ext>
             <a:ext uri="{AF507438-7753-43e0-B8FC-AC1667EBCBE1}">
-              <a14:hiddenEffects xmlns="" xmlns:a14="http://schemas.microsoft.com/office/drawing/2010/main">
+              <a14:hiddenEffects xmlns:a14="http://schemas.microsoft.com/office/drawing/2010/main" xmlns="">
                 <a:effectLst>
                   <a:outerShdw dist="35921" dir="2700000" algn="ctr" rotWithShape="0">
                     <a:schemeClr val="bg2"/>
@@ -357,14 +357,14 @@
           <a:effectLst/>
           <a:extLst>
             <a:ext uri="{909E8E84-426E-40dd-AFC4-6F175D3DCCD1}">
-              <a14:hiddenFill xmlns="" xmlns:a14="http://schemas.microsoft.com/office/drawing/2010/main">
+              <a14:hiddenFill xmlns:a14="http://schemas.microsoft.com/office/drawing/2010/main" xmlns="">
                 <a:solidFill>
                   <a:schemeClr val="bg1"/>
                 </a:solidFill>
               </a14:hiddenFill>
             </a:ext>
             <a:ext uri="{91240B29-F687-4f45-9708-019B960494DF}">
-              <a14:hiddenLine xmlns="" xmlns:a14="http://schemas.microsoft.com/office/drawing/2010/main" w="12700">
+              <a14:hiddenLine xmlns:a14="http://schemas.microsoft.com/office/drawing/2010/main" xmlns="" w="12700">
                 <a:pattFill prst="narHorz">
                   <a:fgClr>
                     <a:schemeClr val="tx1"/>
@@ -379,7 +379,7 @@
               </a14:hiddenLine>
             </a:ext>
             <a:ext uri="{AF507438-7753-43e0-B8FC-AC1667EBCBE1}">
-              <a14:hiddenEffects xmlns="" xmlns:a14="http://schemas.microsoft.com/office/drawing/2010/main">
+              <a14:hiddenEffects xmlns:a14="http://schemas.microsoft.com/office/drawing/2010/main" xmlns="">
                 <a:effectLst>
                   <a:outerShdw dist="35921" dir="2700000" algn="ctr" rotWithShape="0">
                     <a:schemeClr val="bg2"/>
@@ -447,17 +447,17 @@
           <a:effectLst/>
           <a:extLst>
             <a:ext uri="{FAA26D3D-D897-4be2-8F04-BA451C77F1D7}">
-              <ma14:placeholderFlag xmlns="" xmlns:ma14="http://schemas.microsoft.com/office/mac/drawingml/2011/main" val="1"/>
+              <ma14:placeholderFlag xmlns:ma14="http://schemas.microsoft.com/office/mac/drawingml/2011/main" xmlns="" val="1"/>
             </a:ext>
             <a:ext uri="{909E8E84-426E-40dd-AFC4-6F175D3DCCD1}">
-              <a14:hiddenFill xmlns="" xmlns:a14="http://schemas.microsoft.com/office/drawing/2010/main">
+              <a14:hiddenFill xmlns:a14="http://schemas.microsoft.com/office/drawing/2010/main" xmlns="">
                 <a:solidFill>
                   <a:srgbClr val="FFFFFF"/>
                 </a:solidFill>
               </a14:hiddenFill>
             </a:ext>
             <a:ext uri="{AF507438-7753-43e0-B8FC-AC1667EBCBE1}">
-              <a14:hiddenEffects xmlns="" xmlns:a14="http://schemas.microsoft.com/office/drawing/2010/main">
+              <a14:hiddenEffects xmlns:a14="http://schemas.microsoft.com/office/drawing/2010/main" xmlns="">
                 <a:effectLst>
                   <a:outerShdw blurRad="63500" dist="38099" dir="2700000" algn="ctr" rotWithShape="0">
                     <a:srgbClr val="000000">
@@ -468,7 +468,7 @@
               </a14:hiddenEffects>
             </a:ext>
             <a:ext uri="{53640926-AAD7-44d8-BBD7-CCE9431645EC}">
-              <a14:shadowObscured xmlns="" xmlns:a14="http://schemas.microsoft.com/office/drawing/2010/main" val="1"/>
+              <a14:shadowObscured xmlns:a14="http://schemas.microsoft.com/office/drawing/2010/main" xmlns="" val="1"/>
             </a:ext>
           </a:extLst>
         </p:spPr>
@@ -498,14 +498,14 @@
           <a:effectLst/>
           <a:extLst>
             <a:ext uri="{909E8E84-426E-40dd-AFC4-6F175D3DCCD1}">
-              <a14:hiddenFill xmlns="" xmlns:a14="http://schemas.microsoft.com/office/drawing/2010/main">
+              <a14:hiddenFill xmlns:a14="http://schemas.microsoft.com/office/drawing/2010/main" xmlns="">
                 <a:solidFill>
                   <a:schemeClr val="bg1"/>
                 </a:solidFill>
               </a14:hiddenFill>
             </a:ext>
             <a:ext uri="{91240B29-F687-4f45-9708-019B960494DF}">
-              <a14:hiddenLine xmlns="" xmlns:a14="http://schemas.microsoft.com/office/drawing/2010/main" w="12700">
+              <a14:hiddenLine xmlns:a14="http://schemas.microsoft.com/office/drawing/2010/main" xmlns="" w="12700">
                 <a:pattFill prst="narHorz">
                   <a:fgClr>
                     <a:schemeClr val="tx1"/>
@@ -520,7 +520,7 @@
               </a14:hiddenLine>
             </a:ext>
             <a:ext uri="{AF507438-7753-43e0-B8FC-AC1667EBCBE1}">
-              <a14:hiddenEffects xmlns="" xmlns:a14="http://schemas.microsoft.com/office/drawing/2010/main">
+              <a14:hiddenEffects xmlns:a14="http://schemas.microsoft.com/office/drawing/2010/main" xmlns="">
                 <a:effectLst>
                   <a:outerShdw dist="35921" dir="2700000" algn="ctr" rotWithShape="0">
                     <a:schemeClr val="bg2"/>
@@ -770,10 +770,10 @@
         <p:spPr>
           <a:extLst>
             <a:ext uri="{FAA26D3D-D897-4be2-8F04-BA451C77F1D7}">
-              <ma14:placeholderFlag xmlns="" xmlns:ma14="http://schemas.microsoft.com/office/mac/drawingml/2011/main" val="1"/>
+              <ma14:placeholderFlag xmlns:ma14="http://schemas.microsoft.com/office/mac/drawingml/2011/main" xmlns="" val="1"/>
             </a:ext>
             <a:ext uri="{AF507438-7753-43e0-B8FC-AC1667EBCBE1}">
-              <a14:hiddenEffects xmlns="" xmlns:a14="http://schemas.microsoft.com/office/drawing/2010/main">
+              <a14:hiddenEffects xmlns:a14="http://schemas.microsoft.com/office/drawing/2010/main" xmlns="">
                 <a:effectLst>
                   <a:outerShdw blurRad="63500" dist="38099" dir="2700000" algn="ctr" rotWithShape="0">
                     <a:schemeClr val="bg2">
@@ -3622,17 +3622,17 @@
           <a:effectLst/>
           <a:extLst>
             <a:ext uri="{FAA26D3D-D897-4be2-8F04-BA451C77F1D7}">
-              <ma14:placeholderFlag xmlns="" xmlns:ma14="http://schemas.microsoft.com/office/mac/drawingml/2011/main" val="1"/>
+              <ma14:placeholderFlag xmlns:ma14="http://schemas.microsoft.com/office/mac/drawingml/2011/main" xmlns="" val="1"/>
             </a:ext>
             <a:ext uri="{909E8E84-426E-40dd-AFC4-6F175D3DCCD1}">
-              <a14:hiddenFill xmlns="" xmlns:a14="http://schemas.microsoft.com/office/drawing/2010/main">
+              <a14:hiddenFill xmlns:a14="http://schemas.microsoft.com/office/drawing/2010/main" xmlns="">
                 <a:solidFill>
                   <a:schemeClr val="bg1"/>
                 </a:solidFill>
               </a14:hiddenFill>
             </a:ext>
             <a:ext uri="{91240B29-F687-4f45-9708-019B960494DF}">
-              <a14:hiddenLine xmlns="" xmlns:a14="http://schemas.microsoft.com/office/drawing/2010/main" w="12700">
+              <a14:hiddenLine xmlns:a14="http://schemas.microsoft.com/office/drawing/2010/main" xmlns="" w="12700">
                 <a:pattFill prst="narHorz">
                   <a:fgClr>
                     <a:schemeClr val="tx1"/>
@@ -3647,7 +3647,7 @@
               </a14:hiddenLine>
             </a:ext>
             <a:ext uri="{AF507438-7753-43e0-B8FC-AC1667EBCBE1}">
-              <a14:hiddenEffects xmlns="" xmlns:a14="http://schemas.microsoft.com/office/drawing/2010/main">
+              <a14:hiddenEffects xmlns:a14="http://schemas.microsoft.com/office/drawing/2010/main" xmlns="">
                 <a:effectLst>
                   <a:outerShdw blurRad="63500" dist="38099" dir="2700000" algn="ctr" rotWithShape="0">
                     <a:schemeClr val="bg2">
@@ -3700,17 +3700,17 @@
           <a:effectLst/>
           <a:extLst>
             <a:ext uri="{FAA26D3D-D897-4be2-8F04-BA451C77F1D7}">
-              <ma14:placeholderFlag xmlns="" xmlns:ma14="http://schemas.microsoft.com/office/mac/drawingml/2011/main" val="1"/>
+              <ma14:placeholderFlag xmlns:ma14="http://schemas.microsoft.com/office/mac/drawingml/2011/main" xmlns="" val="1"/>
             </a:ext>
             <a:ext uri="{909E8E84-426E-40dd-AFC4-6F175D3DCCD1}">
-              <a14:hiddenFill xmlns="" xmlns:a14="http://schemas.microsoft.com/office/drawing/2010/main">
+              <a14:hiddenFill xmlns:a14="http://schemas.microsoft.com/office/drawing/2010/main" xmlns="">
                 <a:solidFill>
                   <a:schemeClr val="bg1"/>
                 </a:solidFill>
               </a14:hiddenFill>
             </a:ext>
             <a:ext uri="{91240B29-F687-4f45-9708-019B960494DF}">
-              <a14:hiddenLine xmlns="" xmlns:a14="http://schemas.microsoft.com/office/drawing/2010/main" w="12700">
+              <a14:hiddenLine xmlns:a14="http://schemas.microsoft.com/office/drawing/2010/main" xmlns="" w="12700">
                 <a:pattFill prst="narHorz">
                   <a:fgClr>
                     <a:schemeClr val="tx1"/>
@@ -3725,7 +3725,7 @@
               </a14:hiddenLine>
             </a:ext>
             <a:ext uri="{AF507438-7753-43e0-B8FC-AC1667EBCBE1}">
-              <a14:hiddenEffects xmlns="" xmlns:a14="http://schemas.microsoft.com/office/drawing/2010/main">
+              <a14:hiddenEffects xmlns:a14="http://schemas.microsoft.com/office/drawing/2010/main" xmlns="">
                 <a:effectLst>
                   <a:outerShdw blurRad="63500" dist="38099" dir="2700000" algn="ctr" rotWithShape="0">
                     <a:schemeClr val="bg2">
@@ -3809,12 +3809,12 @@
           <a:effectLst/>
           <a:extLst>
             <a:ext uri="{909E8E84-426E-40dd-AFC4-6F175D3DCCD1}">
-              <a14:hiddenFill xmlns="" xmlns:a14="http://schemas.microsoft.com/office/drawing/2010/main">
+              <a14:hiddenFill xmlns:a14="http://schemas.microsoft.com/office/drawing/2010/main" xmlns="">
                 <a:noFill/>
               </a14:hiddenFill>
             </a:ext>
             <a:ext uri="{AF507438-7753-43e0-B8FC-AC1667EBCBE1}">
-              <a14:hiddenEffects xmlns="" xmlns:a14="http://schemas.microsoft.com/office/drawing/2010/main">
+              <a14:hiddenEffects xmlns:a14="http://schemas.microsoft.com/office/drawing/2010/main" xmlns="">
                 <a:effectLst>
                   <a:outerShdw blurRad="63500" dist="38099" dir="2700000" algn="ctr" rotWithShape="0">
                     <a:schemeClr val="bg2">
@@ -7873,7 +7873,7 @@
           <a:effectLst/>
           <a:extLst>
             <a:ext uri="{AF507438-7753-43e0-B8FC-AC1667EBCBE1}">
-              <a14:hiddenEffects xmlns:a14="http://schemas.microsoft.com/office/drawing/2010/main" xmlns="">
+              <a14:hiddenEffects xmlns="" xmlns:a14="http://schemas.microsoft.com/office/drawing/2010/main">
                 <a:effectLst>
                   <a:outerShdw dist="35921" dir="2700000" algn="ctr" rotWithShape="0">
                     <a:schemeClr val="bg2"/>
@@ -8179,7 +8179,7 @@
           <a:effectLst/>
           <a:extLst>
             <a:ext uri="{AF507438-7753-43e0-B8FC-AC1667EBCBE1}">
-              <a14:hiddenEffects xmlns:a14="http://schemas.microsoft.com/office/drawing/2010/main" xmlns="">
+              <a14:hiddenEffects xmlns="" xmlns:a14="http://schemas.microsoft.com/office/drawing/2010/main">
                 <a:effectLst>
                   <a:outerShdw dist="35921" dir="2700000" algn="ctr" rotWithShape="0">
                     <a:schemeClr val="bg2"/>
@@ -8514,17 +8514,17 @@
           <a:effectLst/>
           <a:extLst>
             <a:ext uri="{FAA26D3D-D897-4be2-8F04-BA451C77F1D7}">
-              <ma14:placeholderFlag xmlns="" xmlns:ma14="http://schemas.microsoft.com/office/mac/drawingml/2011/main" val="1"/>
+              <ma14:placeholderFlag xmlns:ma14="http://schemas.microsoft.com/office/mac/drawingml/2011/main" xmlns="" val="1"/>
             </a:ext>
             <a:ext uri="{909E8E84-426E-40dd-AFC4-6F175D3DCCD1}">
-              <a14:hiddenFill xmlns="" xmlns:a14="http://schemas.microsoft.com/office/drawing/2010/main">
+              <a14:hiddenFill xmlns:a14="http://schemas.microsoft.com/office/drawing/2010/main" xmlns="">
                 <a:solidFill>
                   <a:schemeClr val="bg1"/>
                 </a:solidFill>
               </a14:hiddenFill>
             </a:ext>
             <a:ext uri="{91240B29-F687-4f45-9708-019B960494DF}">
-              <a14:hiddenLine xmlns="" xmlns:a14="http://schemas.microsoft.com/office/drawing/2010/main" w="12700">
+              <a14:hiddenLine xmlns:a14="http://schemas.microsoft.com/office/drawing/2010/main" xmlns="" w="12700">
                 <a:pattFill prst="narHorz">
                   <a:fgClr>
                     <a:schemeClr val="tx1"/>
@@ -8539,7 +8539,7 @@
               </a14:hiddenLine>
             </a:ext>
             <a:ext uri="{AF507438-7753-43e0-B8FC-AC1667EBCBE1}">
-              <a14:hiddenEffects xmlns="" xmlns:a14="http://schemas.microsoft.com/office/drawing/2010/main">
+              <a14:hiddenEffects xmlns:a14="http://schemas.microsoft.com/office/drawing/2010/main" xmlns="">
                 <a:effectLst>
                   <a:outerShdw blurRad="63500" dist="38099" dir="2700000" algn="ctr" rotWithShape="0">
                     <a:schemeClr val="bg2">
@@ -10029,17 +10029,17 @@
           <a:effectLst/>
           <a:extLst>
             <a:ext uri="{FAA26D3D-D897-4be2-8F04-BA451C77F1D7}">
-              <ma14:placeholderFlag xmlns="" xmlns:ma14="http://schemas.microsoft.com/office/mac/drawingml/2011/main" val="1"/>
+              <ma14:placeholderFlag xmlns:ma14="http://schemas.microsoft.com/office/mac/drawingml/2011/main" xmlns="" val="1"/>
             </a:ext>
             <a:ext uri="{909E8E84-426E-40dd-AFC4-6F175D3DCCD1}">
-              <a14:hiddenFill xmlns="" xmlns:a14="http://schemas.microsoft.com/office/drawing/2010/main">
+              <a14:hiddenFill xmlns:a14="http://schemas.microsoft.com/office/drawing/2010/main" xmlns="">
                 <a:solidFill>
                   <a:schemeClr val="bg1"/>
                 </a:solidFill>
               </a14:hiddenFill>
             </a:ext>
             <a:ext uri="{91240B29-F687-4f45-9708-019B960494DF}">
-              <a14:hiddenLine xmlns="" xmlns:a14="http://schemas.microsoft.com/office/drawing/2010/main" w="12700">
+              <a14:hiddenLine xmlns:a14="http://schemas.microsoft.com/office/drawing/2010/main" xmlns="" w="12700">
                 <a:pattFill prst="narHorz">
                   <a:fgClr>
                     <a:schemeClr val="tx1"/>
@@ -10054,7 +10054,7 @@
               </a14:hiddenLine>
             </a:ext>
             <a:ext uri="{AF507438-7753-43e0-B8FC-AC1667EBCBE1}">
-              <a14:hiddenEffects xmlns="" xmlns:a14="http://schemas.microsoft.com/office/drawing/2010/main">
+              <a14:hiddenEffects xmlns:a14="http://schemas.microsoft.com/office/drawing/2010/main" xmlns="">
                 <a:effectLst>
                   <a:outerShdw blurRad="63500" dist="38099" dir="2700000" algn="ctr" rotWithShape="0">
                     <a:schemeClr val="bg2">
@@ -10848,17 +10848,17 @@
           <a:effectLst/>
           <a:extLst>
             <a:ext uri="{FAA26D3D-D897-4be2-8F04-BA451C77F1D7}">
-              <ma14:placeholderFlag xmlns="" xmlns:ma14="http://schemas.microsoft.com/office/mac/drawingml/2011/main" val="1"/>
+              <ma14:placeholderFlag xmlns:ma14="http://schemas.microsoft.com/office/mac/drawingml/2011/main" xmlns="" val="1"/>
             </a:ext>
             <a:ext uri="{909E8E84-426E-40dd-AFC4-6F175D3DCCD1}">
-              <a14:hiddenFill xmlns="" xmlns:a14="http://schemas.microsoft.com/office/drawing/2010/main">
+              <a14:hiddenFill xmlns:a14="http://schemas.microsoft.com/office/drawing/2010/main" xmlns="">
                 <a:solidFill>
                   <a:schemeClr val="bg1"/>
                 </a:solidFill>
               </a14:hiddenFill>
             </a:ext>
             <a:ext uri="{91240B29-F687-4f45-9708-019B960494DF}">
-              <a14:hiddenLine xmlns="" xmlns:a14="http://schemas.microsoft.com/office/drawing/2010/main" w="12700">
+              <a14:hiddenLine xmlns:a14="http://schemas.microsoft.com/office/drawing/2010/main" xmlns="" w="12700">
                 <a:pattFill prst="narHorz">
                   <a:fgClr>
                     <a:schemeClr val="tx1"/>
@@ -10873,7 +10873,7 @@
               </a14:hiddenLine>
             </a:ext>
             <a:ext uri="{AF507438-7753-43e0-B8FC-AC1667EBCBE1}">
-              <a14:hiddenEffects xmlns="" xmlns:a14="http://schemas.microsoft.com/office/drawing/2010/main">
+              <a14:hiddenEffects xmlns:a14="http://schemas.microsoft.com/office/drawing/2010/main" xmlns="">
                 <a:effectLst>
                   <a:outerShdw blurRad="63500" dist="38099" dir="2700000" algn="ctr" rotWithShape="0">
                     <a:schemeClr val="bg2">
@@ -11234,17 +11234,17 @@
           <a:effectLst/>
           <a:extLst>
             <a:ext uri="{FAA26D3D-D897-4be2-8F04-BA451C77F1D7}">
-              <ma14:placeholderFlag xmlns="" xmlns:ma14="http://schemas.microsoft.com/office/mac/drawingml/2011/main" val="1"/>
+              <ma14:placeholderFlag xmlns:ma14="http://schemas.microsoft.com/office/mac/drawingml/2011/main" xmlns="" val="1"/>
             </a:ext>
             <a:ext uri="{909E8E84-426E-40dd-AFC4-6F175D3DCCD1}">
-              <a14:hiddenFill xmlns="" xmlns:a14="http://schemas.microsoft.com/office/drawing/2010/main">
+              <a14:hiddenFill xmlns:a14="http://schemas.microsoft.com/office/drawing/2010/main" xmlns="">
                 <a:solidFill>
                   <a:schemeClr val="bg1"/>
                 </a:solidFill>
               </a14:hiddenFill>
             </a:ext>
             <a:ext uri="{91240B29-F687-4f45-9708-019B960494DF}">
-              <a14:hiddenLine xmlns="" xmlns:a14="http://schemas.microsoft.com/office/drawing/2010/main" w="12700">
+              <a14:hiddenLine xmlns:a14="http://schemas.microsoft.com/office/drawing/2010/main" xmlns="" w="12700">
                 <a:pattFill prst="narHorz">
                   <a:fgClr>
                     <a:schemeClr val="tx1"/>
@@ -11259,7 +11259,7 @@
               </a14:hiddenLine>
             </a:ext>
             <a:ext uri="{AF507438-7753-43e0-B8FC-AC1667EBCBE1}">
-              <a14:hiddenEffects xmlns="" xmlns:a14="http://schemas.microsoft.com/office/drawing/2010/main">
+              <a14:hiddenEffects xmlns:a14="http://schemas.microsoft.com/office/drawing/2010/main" xmlns="">
                 <a:effectLst>
                   <a:outerShdw blurRad="63500" dist="38099" dir="2700000" algn="ctr" rotWithShape="0">
                     <a:schemeClr val="bg2">
@@ -12785,17 +12785,17 @@
           <a:effectLst/>
           <a:extLst>
             <a:ext uri="{FAA26D3D-D897-4be2-8F04-BA451C77F1D7}">
-              <ma14:placeholderFlag xmlns="" xmlns:ma14="http://schemas.microsoft.com/office/mac/drawingml/2011/main" val="1"/>
+              <ma14:placeholderFlag xmlns:ma14="http://schemas.microsoft.com/office/mac/drawingml/2011/main" xmlns="" val="1"/>
             </a:ext>
             <a:ext uri="{909E8E84-426E-40dd-AFC4-6F175D3DCCD1}">
-              <a14:hiddenFill xmlns="" xmlns:a14="http://schemas.microsoft.com/office/drawing/2010/main">
+              <a14:hiddenFill xmlns:a14="http://schemas.microsoft.com/office/drawing/2010/main" xmlns="">
                 <a:solidFill>
                   <a:schemeClr val="bg1"/>
                 </a:solidFill>
               </a14:hiddenFill>
             </a:ext>
             <a:ext uri="{91240B29-F687-4f45-9708-019B960494DF}">
-              <a14:hiddenLine xmlns="" xmlns:a14="http://schemas.microsoft.com/office/drawing/2010/main" w="12700">
+              <a14:hiddenLine xmlns:a14="http://schemas.microsoft.com/office/drawing/2010/main" xmlns="" w="12700">
                 <a:pattFill prst="narHorz">
                   <a:fgClr>
                     <a:schemeClr val="tx1"/>
@@ -12810,7 +12810,7 @@
               </a14:hiddenLine>
             </a:ext>
             <a:ext uri="{AF507438-7753-43e0-B8FC-AC1667EBCBE1}">
-              <a14:hiddenEffects xmlns="" xmlns:a14="http://schemas.microsoft.com/office/drawing/2010/main">
+              <a14:hiddenEffects xmlns:a14="http://schemas.microsoft.com/office/drawing/2010/main" xmlns="">
                 <a:effectLst>
                   <a:outerShdw blurRad="63500" dist="38099" dir="2700000" algn="ctr" rotWithShape="0">
                     <a:schemeClr val="bg2">
@@ -13427,17 +13427,17 @@
           <a:effectLst/>
           <a:extLst>
             <a:ext uri="{FAA26D3D-D897-4be2-8F04-BA451C77F1D7}">
-              <ma14:placeholderFlag xmlns="" xmlns:ma14="http://schemas.microsoft.com/office/mac/drawingml/2011/main" val="1"/>
+              <ma14:placeholderFlag xmlns:ma14="http://schemas.microsoft.com/office/mac/drawingml/2011/main" xmlns="" val="1"/>
             </a:ext>
             <a:ext uri="{909E8E84-426E-40dd-AFC4-6F175D3DCCD1}">
-              <a14:hiddenFill xmlns="" xmlns:a14="http://schemas.microsoft.com/office/drawing/2010/main">
+              <a14:hiddenFill xmlns:a14="http://schemas.microsoft.com/office/drawing/2010/main" xmlns="">
                 <a:solidFill>
                   <a:schemeClr val="bg1"/>
                 </a:solidFill>
               </a14:hiddenFill>
             </a:ext>
             <a:ext uri="{91240B29-F687-4f45-9708-019B960494DF}">
-              <a14:hiddenLine xmlns="" xmlns:a14="http://schemas.microsoft.com/office/drawing/2010/main" w="12700">
+              <a14:hiddenLine xmlns:a14="http://schemas.microsoft.com/office/drawing/2010/main" xmlns="" w="12700">
                 <a:pattFill prst="narHorz">
                   <a:fgClr>
                     <a:schemeClr val="tx1"/>
@@ -13452,7 +13452,7 @@
               </a14:hiddenLine>
             </a:ext>
             <a:ext uri="{AF507438-7753-43e0-B8FC-AC1667EBCBE1}">
-              <a14:hiddenEffects xmlns="" xmlns:a14="http://schemas.microsoft.com/office/drawing/2010/main">
+              <a14:hiddenEffects xmlns:a14="http://schemas.microsoft.com/office/drawing/2010/main" xmlns="">
                 <a:effectLst>
                   <a:outerShdw blurRad="63500" dist="38099" dir="2700000" algn="ctr" rotWithShape="0">
                     <a:schemeClr val="bg2">
@@ -18133,17 +18133,17 @@
           <a:effectLst/>
           <a:extLst>
             <a:ext uri="{FAA26D3D-D897-4be2-8F04-BA451C77F1D7}">
-              <ma14:placeholderFlag xmlns="" xmlns:ma14="http://schemas.microsoft.com/office/mac/drawingml/2011/main" val="1"/>
+              <ma14:placeholderFlag xmlns:ma14="http://schemas.microsoft.com/office/mac/drawingml/2011/main" xmlns="" val="1"/>
             </a:ext>
             <a:ext uri="{909E8E84-426E-40dd-AFC4-6F175D3DCCD1}">
-              <a14:hiddenFill xmlns="" xmlns:a14="http://schemas.microsoft.com/office/drawing/2010/main">
+              <a14:hiddenFill xmlns:a14="http://schemas.microsoft.com/office/drawing/2010/main" xmlns="">
                 <a:solidFill>
                   <a:schemeClr val="bg1"/>
                 </a:solidFill>
               </a14:hiddenFill>
             </a:ext>
             <a:ext uri="{91240B29-F687-4f45-9708-019B960494DF}">
-              <a14:hiddenLine xmlns="" xmlns:a14="http://schemas.microsoft.com/office/drawing/2010/main" w="12700">
+              <a14:hiddenLine xmlns:a14="http://schemas.microsoft.com/office/drawing/2010/main" xmlns="" w="12700">
                 <a:pattFill prst="narHorz">
                   <a:fgClr>
                     <a:schemeClr val="tx1"/>
@@ -18158,7 +18158,7 @@
               </a14:hiddenLine>
             </a:ext>
             <a:ext uri="{AF507438-7753-43e0-B8FC-AC1667EBCBE1}">
-              <a14:hiddenEffects xmlns="" xmlns:a14="http://schemas.microsoft.com/office/drawing/2010/main">
+              <a14:hiddenEffects xmlns:a14="http://schemas.microsoft.com/office/drawing/2010/main" xmlns="">
                 <a:effectLst>
                   <a:outerShdw blurRad="63500" dist="38099" dir="2700000" algn="ctr" rotWithShape="0">
                     <a:schemeClr val="bg2">
@@ -18739,7 +18739,7 @@
         </p:nvSpPr>
         <p:spPr bwMode="auto">
           <a:xfrm>
-            <a:off x="4365783" y="1219328"/>
+            <a:off x="4486138" y="1219328"/>
             <a:ext cx="2531183" cy="2209672"/>
           </a:xfrm>
           <a:prstGeom prst="rect">
@@ -18752,17 +18752,17 @@
           <a:effectLst/>
           <a:extLst>
             <a:ext uri="{FAA26D3D-D897-4be2-8F04-BA451C77F1D7}">
-              <ma14:placeholderFlag xmlns="" xmlns:ma14="http://schemas.microsoft.com/office/mac/drawingml/2011/main" val="1"/>
+              <ma14:placeholderFlag xmlns:ma14="http://schemas.microsoft.com/office/mac/drawingml/2011/main" xmlns="" val="1"/>
             </a:ext>
             <a:ext uri="{909E8E84-426E-40dd-AFC4-6F175D3DCCD1}">
-              <a14:hiddenFill xmlns="" xmlns:a14="http://schemas.microsoft.com/office/drawing/2010/main">
+              <a14:hiddenFill xmlns:a14="http://schemas.microsoft.com/office/drawing/2010/main" xmlns="">
                 <a:solidFill>
                   <a:schemeClr val="bg1"/>
                 </a:solidFill>
               </a14:hiddenFill>
             </a:ext>
             <a:ext uri="{91240B29-F687-4f45-9708-019B960494DF}">
-              <a14:hiddenLine xmlns="" xmlns:a14="http://schemas.microsoft.com/office/drawing/2010/main" w="12700">
+              <a14:hiddenLine xmlns:a14="http://schemas.microsoft.com/office/drawing/2010/main" xmlns="" w="12700">
                 <a:pattFill prst="narHorz">
                   <a:fgClr>
                     <a:schemeClr val="tx1"/>
@@ -18777,7 +18777,7 @@
               </a14:hiddenLine>
             </a:ext>
             <a:ext uri="{AF507438-7753-43e0-B8FC-AC1667EBCBE1}">
-              <a14:hiddenEffects xmlns="" xmlns:a14="http://schemas.microsoft.com/office/drawing/2010/main">
+              <a14:hiddenEffects xmlns:a14="http://schemas.microsoft.com/office/drawing/2010/main" xmlns="">
                 <a:effectLst>
                   <a:outerShdw blurRad="63500" dist="38099" dir="2700000" algn="ctr" rotWithShape="0">
                     <a:schemeClr val="bg2">
@@ -19288,7 +19288,7 @@
         </p:nvSpPr>
         <p:spPr bwMode="auto">
           <a:xfrm>
-            <a:off x="4532950" y="4513758"/>
+            <a:off x="4484389" y="4513758"/>
             <a:ext cx="3537808" cy="1526475"/>
           </a:xfrm>
           <a:prstGeom prst="rect">
@@ -19301,17 +19301,17 @@
           <a:effectLst/>
           <a:extLst>
             <a:ext uri="{FAA26D3D-D897-4be2-8F04-BA451C77F1D7}">
-              <ma14:placeholderFlag xmlns="" xmlns:ma14="http://schemas.microsoft.com/office/mac/drawingml/2011/main" val="1"/>
+              <ma14:placeholderFlag xmlns:ma14="http://schemas.microsoft.com/office/mac/drawingml/2011/main" xmlns="" val="1"/>
             </a:ext>
             <a:ext uri="{909E8E84-426E-40dd-AFC4-6F175D3DCCD1}">
-              <a14:hiddenFill xmlns="" xmlns:a14="http://schemas.microsoft.com/office/drawing/2010/main">
+              <a14:hiddenFill xmlns:a14="http://schemas.microsoft.com/office/drawing/2010/main" xmlns="">
                 <a:solidFill>
                   <a:schemeClr val="bg1"/>
                 </a:solidFill>
               </a14:hiddenFill>
             </a:ext>
             <a:ext uri="{91240B29-F687-4f45-9708-019B960494DF}">
-              <a14:hiddenLine xmlns="" xmlns:a14="http://schemas.microsoft.com/office/drawing/2010/main" w="12700">
+              <a14:hiddenLine xmlns:a14="http://schemas.microsoft.com/office/drawing/2010/main" xmlns="" w="12700">
                 <a:pattFill prst="narHorz">
                   <a:fgClr>
                     <a:schemeClr val="tx1"/>
@@ -19326,7 +19326,7 @@
               </a14:hiddenLine>
             </a:ext>
             <a:ext uri="{AF507438-7753-43e0-B8FC-AC1667EBCBE1}">
-              <a14:hiddenEffects xmlns="" xmlns:a14="http://schemas.microsoft.com/office/drawing/2010/main">
+              <a14:hiddenEffects xmlns:a14="http://schemas.microsoft.com/office/drawing/2010/main" xmlns="">
                 <a:effectLst>
                   <a:outerShdw blurRad="63500" dist="38099" dir="2700000" algn="ctr" rotWithShape="0">
                     <a:schemeClr val="bg2">
@@ -24557,7 +24557,7 @@
           </a:ln>
           <a:extLst>
             <a:ext uri="{AF507438-7753-43e0-B8FC-AC1667EBCBE1}">
-              <a14:hiddenEffects xmlns:a14="http://schemas.microsoft.com/office/drawing/2010/main" xmlns="">
+              <a14:hiddenEffects xmlns="" xmlns:a14="http://schemas.microsoft.com/office/drawing/2010/main">
                 <a:effectLst>
                   <a:outerShdw dist="35921" dir="2700000" algn="ctr" rotWithShape="0">
                     <a:schemeClr val="bg2"/>
@@ -35660,7 +35660,7 @@
         <a:effectLst/>
         <a:extLst>
           <a:ext uri="{AF507438-7753-43e0-B8FC-AC1667EBCBE1}">
-            <a14:hiddenEffects xmlns="" xmlns:a14="http://schemas.microsoft.com/office/drawing/2010/main">
+            <a14:hiddenEffects xmlns:a14="http://schemas.microsoft.com/office/drawing/2010/main" xmlns="">
               <a:effectLst>
                 <a:outerShdw dist="35921" dir="2700000" algn="ctr" rotWithShape="0">
                   <a:schemeClr val="bg2"/>
@@ -35733,7 +35733,7 @@
         <a:effectLst/>
         <a:extLst>
           <a:ext uri="{AF507438-7753-43e0-B8FC-AC1667EBCBE1}">
-            <a14:hiddenEffects xmlns="" xmlns:a14="http://schemas.microsoft.com/office/drawing/2010/main">
+            <a14:hiddenEffects xmlns:a14="http://schemas.microsoft.com/office/drawing/2010/main" xmlns="">
               <a:effectLst>
                 <a:outerShdw dist="35921" dir="2700000" algn="ctr" rotWithShape="0">
                   <a:schemeClr val="bg2"/>

--- a/PPTs/L4-Exercises ANS.pptx
+++ b/PPTs/L4-Exercises ANS.pptx
@@ -229,14 +229,14 @@
           <a:effectLst/>
           <a:extLst>
             <a:ext uri="{909E8E84-426E-40dd-AFC4-6F175D3DCCD1}">
-              <a14:hiddenFill xmlns:a14="http://schemas.microsoft.com/office/drawing/2010/main" xmlns="">
+              <a14:hiddenFill xmlns="" xmlns:a14="http://schemas.microsoft.com/office/drawing/2010/main">
                 <a:solidFill>
                   <a:schemeClr val="bg1"/>
                 </a:solidFill>
               </a14:hiddenFill>
             </a:ext>
             <a:ext uri="{91240B29-F687-4f45-9708-019B960494DF}">
-              <a14:hiddenLine xmlns:a14="http://schemas.microsoft.com/office/drawing/2010/main" xmlns="" w="12700">
+              <a14:hiddenLine xmlns="" xmlns:a14="http://schemas.microsoft.com/office/drawing/2010/main" w="12700">
                 <a:pattFill prst="narHorz">
                   <a:fgClr>
                     <a:schemeClr val="tx1"/>
@@ -251,7 +251,7 @@
               </a14:hiddenLine>
             </a:ext>
             <a:ext uri="{AF507438-7753-43e0-B8FC-AC1667EBCBE1}">
-              <a14:hiddenEffects xmlns:a14="http://schemas.microsoft.com/office/drawing/2010/main" xmlns="">
+              <a14:hiddenEffects xmlns="" xmlns:a14="http://schemas.microsoft.com/office/drawing/2010/main">
                 <a:effectLst>
                   <a:outerShdw dist="35921" dir="2700000" algn="ctr" rotWithShape="0">
                     <a:schemeClr val="bg2"/>
@@ -357,14 +357,14 @@
           <a:effectLst/>
           <a:extLst>
             <a:ext uri="{909E8E84-426E-40dd-AFC4-6F175D3DCCD1}">
-              <a14:hiddenFill xmlns:a14="http://schemas.microsoft.com/office/drawing/2010/main" xmlns="">
+              <a14:hiddenFill xmlns="" xmlns:a14="http://schemas.microsoft.com/office/drawing/2010/main">
                 <a:solidFill>
                   <a:schemeClr val="bg1"/>
                 </a:solidFill>
               </a14:hiddenFill>
             </a:ext>
             <a:ext uri="{91240B29-F687-4f45-9708-019B960494DF}">
-              <a14:hiddenLine xmlns:a14="http://schemas.microsoft.com/office/drawing/2010/main" xmlns="" w="12700">
+              <a14:hiddenLine xmlns="" xmlns:a14="http://schemas.microsoft.com/office/drawing/2010/main" w="12700">
                 <a:pattFill prst="narHorz">
                   <a:fgClr>
                     <a:schemeClr val="tx1"/>
@@ -379,7 +379,7 @@
               </a14:hiddenLine>
             </a:ext>
             <a:ext uri="{AF507438-7753-43e0-B8FC-AC1667EBCBE1}">
-              <a14:hiddenEffects xmlns:a14="http://schemas.microsoft.com/office/drawing/2010/main" xmlns="">
+              <a14:hiddenEffects xmlns="" xmlns:a14="http://schemas.microsoft.com/office/drawing/2010/main">
                 <a:effectLst>
                   <a:outerShdw dist="35921" dir="2700000" algn="ctr" rotWithShape="0">
                     <a:schemeClr val="bg2"/>
@@ -447,17 +447,17 @@
           <a:effectLst/>
           <a:extLst>
             <a:ext uri="{FAA26D3D-D897-4be2-8F04-BA451C77F1D7}">
-              <ma14:placeholderFlag xmlns:ma14="http://schemas.microsoft.com/office/mac/drawingml/2011/main" xmlns="" val="1"/>
+              <ma14:placeholderFlag xmlns="" xmlns:ma14="http://schemas.microsoft.com/office/mac/drawingml/2011/main" val="1"/>
             </a:ext>
             <a:ext uri="{909E8E84-426E-40dd-AFC4-6F175D3DCCD1}">
-              <a14:hiddenFill xmlns:a14="http://schemas.microsoft.com/office/drawing/2010/main" xmlns="">
+              <a14:hiddenFill xmlns="" xmlns:a14="http://schemas.microsoft.com/office/drawing/2010/main">
                 <a:solidFill>
                   <a:srgbClr val="FFFFFF"/>
                 </a:solidFill>
               </a14:hiddenFill>
             </a:ext>
             <a:ext uri="{AF507438-7753-43e0-B8FC-AC1667EBCBE1}">
-              <a14:hiddenEffects xmlns:a14="http://schemas.microsoft.com/office/drawing/2010/main" xmlns="">
+              <a14:hiddenEffects xmlns="" xmlns:a14="http://schemas.microsoft.com/office/drawing/2010/main">
                 <a:effectLst>
                   <a:outerShdw blurRad="63500" dist="38099" dir="2700000" algn="ctr" rotWithShape="0">
                     <a:srgbClr val="000000">
@@ -468,7 +468,7 @@
               </a14:hiddenEffects>
             </a:ext>
             <a:ext uri="{53640926-AAD7-44d8-BBD7-CCE9431645EC}">
-              <a14:shadowObscured xmlns:a14="http://schemas.microsoft.com/office/drawing/2010/main" xmlns="" val="1"/>
+              <a14:shadowObscured xmlns="" xmlns:a14="http://schemas.microsoft.com/office/drawing/2010/main" val="1"/>
             </a:ext>
           </a:extLst>
         </p:spPr>
@@ -498,14 +498,14 @@
           <a:effectLst/>
           <a:extLst>
             <a:ext uri="{909E8E84-426E-40dd-AFC4-6F175D3DCCD1}">
-              <a14:hiddenFill xmlns:a14="http://schemas.microsoft.com/office/drawing/2010/main" xmlns="">
+              <a14:hiddenFill xmlns="" xmlns:a14="http://schemas.microsoft.com/office/drawing/2010/main">
                 <a:solidFill>
                   <a:schemeClr val="bg1"/>
                 </a:solidFill>
               </a14:hiddenFill>
             </a:ext>
             <a:ext uri="{91240B29-F687-4f45-9708-019B960494DF}">
-              <a14:hiddenLine xmlns:a14="http://schemas.microsoft.com/office/drawing/2010/main" xmlns="" w="12700">
+              <a14:hiddenLine xmlns="" xmlns:a14="http://schemas.microsoft.com/office/drawing/2010/main" w="12700">
                 <a:pattFill prst="narHorz">
                   <a:fgClr>
                     <a:schemeClr val="tx1"/>
@@ -520,7 +520,7 @@
               </a14:hiddenLine>
             </a:ext>
             <a:ext uri="{AF507438-7753-43e0-B8FC-AC1667EBCBE1}">
-              <a14:hiddenEffects xmlns:a14="http://schemas.microsoft.com/office/drawing/2010/main" xmlns="">
+              <a14:hiddenEffects xmlns="" xmlns:a14="http://schemas.microsoft.com/office/drawing/2010/main">
                 <a:effectLst>
                   <a:outerShdw dist="35921" dir="2700000" algn="ctr" rotWithShape="0">
                     <a:schemeClr val="bg2"/>
@@ -770,10 +770,10 @@
         <p:spPr>
           <a:extLst>
             <a:ext uri="{FAA26D3D-D897-4be2-8F04-BA451C77F1D7}">
-              <ma14:placeholderFlag xmlns:ma14="http://schemas.microsoft.com/office/mac/drawingml/2011/main" xmlns="" val="1"/>
+              <ma14:placeholderFlag xmlns="" xmlns:ma14="http://schemas.microsoft.com/office/mac/drawingml/2011/main" val="1"/>
             </a:ext>
             <a:ext uri="{AF507438-7753-43e0-B8FC-AC1667EBCBE1}">
-              <a14:hiddenEffects xmlns:a14="http://schemas.microsoft.com/office/drawing/2010/main" xmlns="">
+              <a14:hiddenEffects xmlns="" xmlns:a14="http://schemas.microsoft.com/office/drawing/2010/main">
                 <a:effectLst>
                   <a:outerShdw blurRad="63500" dist="38099" dir="2700000" algn="ctr" rotWithShape="0">
                     <a:schemeClr val="bg2">
@@ -1138,11 +1138,19 @@
           <a:lstStyle/>
           <a:p>
             <a:r>
-              <a:rPr lang="en-GB" dirty="0"/>
-              <a:t>A</a:t>
-            </a:r>
-          </a:p>
-          <a:p>
+              <a:rPr lang="en-GB" b="0" i="0">
+                <a:effectLst/>
+                <a:latin typeface="gg sans"/>
+              </a:rPr>
+              <a:t>there </a:t>
+            </a:r>
+            <a:r>
+              <a:rPr lang="en-GB" b="0" i="0" dirty="0">
+                <a:effectLst/>
+                <a:latin typeface="gg sans"/>
+              </a:rPr>
+              <a:t>is only deadlock when you hold a fork and waits for a fork. No deadlock if you hold a fork and waits for a knife as no cycle is formed.</a:t>
+            </a:r>
             <a:endParaRPr lang="en-SE" dirty="0"/>
           </a:p>
         </p:txBody>
@@ -3622,17 +3630,17 @@
           <a:effectLst/>
           <a:extLst>
             <a:ext uri="{FAA26D3D-D897-4be2-8F04-BA451C77F1D7}">
-              <ma14:placeholderFlag xmlns:ma14="http://schemas.microsoft.com/office/mac/drawingml/2011/main" xmlns="" val="1"/>
+              <ma14:placeholderFlag xmlns="" xmlns:ma14="http://schemas.microsoft.com/office/mac/drawingml/2011/main" val="1"/>
             </a:ext>
             <a:ext uri="{909E8E84-426E-40dd-AFC4-6F175D3DCCD1}">
-              <a14:hiddenFill xmlns:a14="http://schemas.microsoft.com/office/drawing/2010/main" xmlns="">
+              <a14:hiddenFill xmlns="" xmlns:a14="http://schemas.microsoft.com/office/drawing/2010/main">
                 <a:solidFill>
                   <a:schemeClr val="bg1"/>
                 </a:solidFill>
               </a14:hiddenFill>
             </a:ext>
             <a:ext uri="{91240B29-F687-4f45-9708-019B960494DF}">
-              <a14:hiddenLine xmlns:a14="http://schemas.microsoft.com/office/drawing/2010/main" xmlns="" w="12700">
+              <a14:hiddenLine xmlns="" xmlns:a14="http://schemas.microsoft.com/office/drawing/2010/main" w="12700">
                 <a:pattFill prst="narHorz">
                   <a:fgClr>
                     <a:schemeClr val="tx1"/>
@@ -3647,7 +3655,7 @@
               </a14:hiddenLine>
             </a:ext>
             <a:ext uri="{AF507438-7753-43e0-B8FC-AC1667EBCBE1}">
-              <a14:hiddenEffects xmlns:a14="http://schemas.microsoft.com/office/drawing/2010/main" xmlns="">
+              <a14:hiddenEffects xmlns="" xmlns:a14="http://schemas.microsoft.com/office/drawing/2010/main">
                 <a:effectLst>
                   <a:outerShdw blurRad="63500" dist="38099" dir="2700000" algn="ctr" rotWithShape="0">
                     <a:schemeClr val="bg2">
@@ -3700,17 +3708,17 @@
           <a:effectLst/>
           <a:extLst>
             <a:ext uri="{FAA26D3D-D897-4be2-8F04-BA451C77F1D7}">
-              <ma14:placeholderFlag xmlns:ma14="http://schemas.microsoft.com/office/mac/drawingml/2011/main" xmlns="" val="1"/>
+              <ma14:placeholderFlag xmlns="" xmlns:ma14="http://schemas.microsoft.com/office/mac/drawingml/2011/main" val="1"/>
             </a:ext>
             <a:ext uri="{909E8E84-426E-40dd-AFC4-6F175D3DCCD1}">
-              <a14:hiddenFill xmlns:a14="http://schemas.microsoft.com/office/drawing/2010/main" xmlns="">
+              <a14:hiddenFill xmlns="" xmlns:a14="http://schemas.microsoft.com/office/drawing/2010/main">
                 <a:solidFill>
                   <a:schemeClr val="bg1"/>
                 </a:solidFill>
               </a14:hiddenFill>
             </a:ext>
             <a:ext uri="{91240B29-F687-4f45-9708-019B960494DF}">
-              <a14:hiddenLine xmlns:a14="http://schemas.microsoft.com/office/drawing/2010/main" xmlns="" w="12700">
+              <a14:hiddenLine xmlns="" xmlns:a14="http://schemas.microsoft.com/office/drawing/2010/main" w="12700">
                 <a:pattFill prst="narHorz">
                   <a:fgClr>
                     <a:schemeClr val="tx1"/>
@@ -3725,7 +3733,7 @@
               </a14:hiddenLine>
             </a:ext>
             <a:ext uri="{AF507438-7753-43e0-B8FC-AC1667EBCBE1}">
-              <a14:hiddenEffects xmlns:a14="http://schemas.microsoft.com/office/drawing/2010/main" xmlns="">
+              <a14:hiddenEffects xmlns="" xmlns:a14="http://schemas.microsoft.com/office/drawing/2010/main">
                 <a:effectLst>
                   <a:outerShdw blurRad="63500" dist="38099" dir="2700000" algn="ctr" rotWithShape="0">
                     <a:schemeClr val="bg2">
@@ -3809,12 +3817,12 @@
           <a:effectLst/>
           <a:extLst>
             <a:ext uri="{909E8E84-426E-40dd-AFC4-6F175D3DCCD1}">
-              <a14:hiddenFill xmlns:a14="http://schemas.microsoft.com/office/drawing/2010/main" xmlns="">
+              <a14:hiddenFill xmlns="" xmlns:a14="http://schemas.microsoft.com/office/drawing/2010/main">
                 <a:noFill/>
               </a14:hiddenFill>
             </a:ext>
             <a:ext uri="{AF507438-7753-43e0-B8FC-AC1667EBCBE1}">
-              <a14:hiddenEffects xmlns:a14="http://schemas.microsoft.com/office/drawing/2010/main" xmlns="">
+              <a14:hiddenEffects xmlns="" xmlns:a14="http://schemas.microsoft.com/office/drawing/2010/main">
                 <a:effectLst>
                   <a:outerShdw blurRad="63500" dist="38099" dir="2700000" algn="ctr" rotWithShape="0">
                     <a:schemeClr val="bg2">
@@ -7873,7 +7881,7 @@
           <a:effectLst/>
           <a:extLst>
             <a:ext uri="{AF507438-7753-43e0-B8FC-AC1667EBCBE1}">
-              <a14:hiddenEffects xmlns="" xmlns:a14="http://schemas.microsoft.com/office/drawing/2010/main">
+              <a14:hiddenEffects xmlns:a14="http://schemas.microsoft.com/office/drawing/2010/main" xmlns="">
                 <a:effectLst>
                   <a:outerShdw dist="35921" dir="2700000" algn="ctr" rotWithShape="0">
                     <a:schemeClr val="bg2"/>
@@ -8179,7 +8187,7 @@
           <a:effectLst/>
           <a:extLst>
             <a:ext uri="{AF507438-7753-43e0-B8FC-AC1667EBCBE1}">
-              <a14:hiddenEffects xmlns="" xmlns:a14="http://schemas.microsoft.com/office/drawing/2010/main">
+              <a14:hiddenEffects xmlns:a14="http://schemas.microsoft.com/office/drawing/2010/main" xmlns="">
                 <a:effectLst>
                   <a:outerShdw dist="35921" dir="2700000" algn="ctr" rotWithShape="0">
                     <a:schemeClr val="bg2"/>
@@ -8514,17 +8522,17 @@
           <a:effectLst/>
           <a:extLst>
             <a:ext uri="{FAA26D3D-D897-4be2-8F04-BA451C77F1D7}">
-              <ma14:placeholderFlag xmlns:ma14="http://schemas.microsoft.com/office/mac/drawingml/2011/main" xmlns="" val="1"/>
+              <ma14:placeholderFlag xmlns="" xmlns:ma14="http://schemas.microsoft.com/office/mac/drawingml/2011/main" val="1"/>
             </a:ext>
             <a:ext uri="{909E8E84-426E-40dd-AFC4-6F175D3DCCD1}">
-              <a14:hiddenFill xmlns:a14="http://schemas.microsoft.com/office/drawing/2010/main" xmlns="">
+              <a14:hiddenFill xmlns="" xmlns:a14="http://schemas.microsoft.com/office/drawing/2010/main">
                 <a:solidFill>
                   <a:schemeClr val="bg1"/>
                 </a:solidFill>
               </a14:hiddenFill>
             </a:ext>
             <a:ext uri="{91240B29-F687-4f45-9708-019B960494DF}">
-              <a14:hiddenLine xmlns:a14="http://schemas.microsoft.com/office/drawing/2010/main" xmlns="" w="12700">
+              <a14:hiddenLine xmlns="" xmlns:a14="http://schemas.microsoft.com/office/drawing/2010/main" w="12700">
                 <a:pattFill prst="narHorz">
                   <a:fgClr>
                     <a:schemeClr val="tx1"/>
@@ -8539,7 +8547,7 @@
               </a14:hiddenLine>
             </a:ext>
             <a:ext uri="{AF507438-7753-43e0-B8FC-AC1667EBCBE1}">
-              <a14:hiddenEffects xmlns:a14="http://schemas.microsoft.com/office/drawing/2010/main" xmlns="">
+              <a14:hiddenEffects xmlns="" xmlns:a14="http://schemas.microsoft.com/office/drawing/2010/main">
                 <a:effectLst>
                   <a:outerShdw blurRad="63500" dist="38099" dir="2700000" algn="ctr" rotWithShape="0">
                     <a:schemeClr val="bg2">
@@ -10029,17 +10037,17 @@
           <a:effectLst/>
           <a:extLst>
             <a:ext uri="{FAA26D3D-D897-4be2-8F04-BA451C77F1D7}">
-              <ma14:placeholderFlag xmlns:ma14="http://schemas.microsoft.com/office/mac/drawingml/2011/main" xmlns="" val="1"/>
+              <ma14:placeholderFlag xmlns="" xmlns:ma14="http://schemas.microsoft.com/office/mac/drawingml/2011/main" val="1"/>
             </a:ext>
             <a:ext uri="{909E8E84-426E-40dd-AFC4-6F175D3DCCD1}">
-              <a14:hiddenFill xmlns:a14="http://schemas.microsoft.com/office/drawing/2010/main" xmlns="">
+              <a14:hiddenFill xmlns="" xmlns:a14="http://schemas.microsoft.com/office/drawing/2010/main">
                 <a:solidFill>
                   <a:schemeClr val="bg1"/>
                 </a:solidFill>
               </a14:hiddenFill>
             </a:ext>
             <a:ext uri="{91240B29-F687-4f45-9708-019B960494DF}">
-              <a14:hiddenLine xmlns:a14="http://schemas.microsoft.com/office/drawing/2010/main" xmlns="" w="12700">
+              <a14:hiddenLine xmlns="" xmlns:a14="http://schemas.microsoft.com/office/drawing/2010/main" w="12700">
                 <a:pattFill prst="narHorz">
                   <a:fgClr>
                     <a:schemeClr val="tx1"/>
@@ -10054,7 +10062,7 @@
               </a14:hiddenLine>
             </a:ext>
             <a:ext uri="{AF507438-7753-43e0-B8FC-AC1667EBCBE1}">
-              <a14:hiddenEffects xmlns:a14="http://schemas.microsoft.com/office/drawing/2010/main" xmlns="">
+              <a14:hiddenEffects xmlns="" xmlns:a14="http://schemas.microsoft.com/office/drawing/2010/main">
                 <a:effectLst>
                   <a:outerShdw blurRad="63500" dist="38099" dir="2700000" algn="ctr" rotWithShape="0">
                     <a:schemeClr val="bg2">
@@ -10848,17 +10856,17 @@
           <a:effectLst/>
           <a:extLst>
             <a:ext uri="{FAA26D3D-D897-4be2-8F04-BA451C77F1D7}">
-              <ma14:placeholderFlag xmlns:ma14="http://schemas.microsoft.com/office/mac/drawingml/2011/main" xmlns="" val="1"/>
+              <ma14:placeholderFlag xmlns="" xmlns:ma14="http://schemas.microsoft.com/office/mac/drawingml/2011/main" val="1"/>
             </a:ext>
             <a:ext uri="{909E8E84-426E-40dd-AFC4-6F175D3DCCD1}">
-              <a14:hiddenFill xmlns:a14="http://schemas.microsoft.com/office/drawing/2010/main" xmlns="">
+              <a14:hiddenFill xmlns="" xmlns:a14="http://schemas.microsoft.com/office/drawing/2010/main">
                 <a:solidFill>
                   <a:schemeClr val="bg1"/>
                 </a:solidFill>
               </a14:hiddenFill>
             </a:ext>
             <a:ext uri="{91240B29-F687-4f45-9708-019B960494DF}">
-              <a14:hiddenLine xmlns:a14="http://schemas.microsoft.com/office/drawing/2010/main" xmlns="" w="12700">
+              <a14:hiddenLine xmlns="" xmlns:a14="http://schemas.microsoft.com/office/drawing/2010/main" w="12700">
                 <a:pattFill prst="narHorz">
                   <a:fgClr>
                     <a:schemeClr val="tx1"/>
@@ -10873,7 +10881,7 @@
               </a14:hiddenLine>
             </a:ext>
             <a:ext uri="{AF507438-7753-43e0-B8FC-AC1667EBCBE1}">
-              <a14:hiddenEffects xmlns:a14="http://schemas.microsoft.com/office/drawing/2010/main" xmlns="">
+              <a14:hiddenEffects xmlns="" xmlns:a14="http://schemas.microsoft.com/office/drawing/2010/main">
                 <a:effectLst>
                   <a:outerShdw blurRad="63500" dist="38099" dir="2700000" algn="ctr" rotWithShape="0">
                     <a:schemeClr val="bg2">
@@ -11234,17 +11242,17 @@
           <a:effectLst/>
           <a:extLst>
             <a:ext uri="{FAA26D3D-D897-4be2-8F04-BA451C77F1D7}">
-              <ma14:placeholderFlag xmlns:ma14="http://schemas.microsoft.com/office/mac/drawingml/2011/main" xmlns="" val="1"/>
+              <ma14:placeholderFlag xmlns="" xmlns:ma14="http://schemas.microsoft.com/office/mac/drawingml/2011/main" val="1"/>
             </a:ext>
             <a:ext uri="{909E8E84-426E-40dd-AFC4-6F175D3DCCD1}">
-              <a14:hiddenFill xmlns:a14="http://schemas.microsoft.com/office/drawing/2010/main" xmlns="">
+              <a14:hiddenFill xmlns="" xmlns:a14="http://schemas.microsoft.com/office/drawing/2010/main">
                 <a:solidFill>
                   <a:schemeClr val="bg1"/>
                 </a:solidFill>
               </a14:hiddenFill>
             </a:ext>
             <a:ext uri="{91240B29-F687-4f45-9708-019B960494DF}">
-              <a14:hiddenLine xmlns:a14="http://schemas.microsoft.com/office/drawing/2010/main" xmlns="" w="12700">
+              <a14:hiddenLine xmlns="" xmlns:a14="http://schemas.microsoft.com/office/drawing/2010/main" w="12700">
                 <a:pattFill prst="narHorz">
                   <a:fgClr>
                     <a:schemeClr val="tx1"/>
@@ -11259,7 +11267,7 @@
               </a14:hiddenLine>
             </a:ext>
             <a:ext uri="{AF507438-7753-43e0-B8FC-AC1667EBCBE1}">
-              <a14:hiddenEffects xmlns:a14="http://schemas.microsoft.com/office/drawing/2010/main" xmlns="">
+              <a14:hiddenEffects xmlns="" xmlns:a14="http://schemas.microsoft.com/office/drawing/2010/main">
                 <a:effectLst>
                   <a:outerShdw blurRad="63500" dist="38099" dir="2700000" algn="ctr" rotWithShape="0">
                     <a:schemeClr val="bg2">
@@ -12785,17 +12793,17 @@
           <a:effectLst/>
           <a:extLst>
             <a:ext uri="{FAA26D3D-D897-4be2-8F04-BA451C77F1D7}">
-              <ma14:placeholderFlag xmlns:ma14="http://schemas.microsoft.com/office/mac/drawingml/2011/main" xmlns="" val="1"/>
+              <ma14:placeholderFlag xmlns="" xmlns:ma14="http://schemas.microsoft.com/office/mac/drawingml/2011/main" val="1"/>
             </a:ext>
             <a:ext uri="{909E8E84-426E-40dd-AFC4-6F175D3DCCD1}">
-              <a14:hiddenFill xmlns:a14="http://schemas.microsoft.com/office/drawing/2010/main" xmlns="">
+              <a14:hiddenFill xmlns="" xmlns:a14="http://schemas.microsoft.com/office/drawing/2010/main">
                 <a:solidFill>
                   <a:schemeClr val="bg1"/>
                 </a:solidFill>
               </a14:hiddenFill>
             </a:ext>
             <a:ext uri="{91240B29-F687-4f45-9708-019B960494DF}">
-              <a14:hiddenLine xmlns:a14="http://schemas.microsoft.com/office/drawing/2010/main" xmlns="" w="12700">
+              <a14:hiddenLine xmlns="" xmlns:a14="http://schemas.microsoft.com/office/drawing/2010/main" w="12700">
                 <a:pattFill prst="narHorz">
                   <a:fgClr>
                     <a:schemeClr val="tx1"/>
@@ -12810,7 +12818,7 @@
               </a14:hiddenLine>
             </a:ext>
             <a:ext uri="{AF507438-7753-43e0-B8FC-AC1667EBCBE1}">
-              <a14:hiddenEffects xmlns:a14="http://schemas.microsoft.com/office/drawing/2010/main" xmlns="">
+              <a14:hiddenEffects xmlns="" xmlns:a14="http://schemas.microsoft.com/office/drawing/2010/main">
                 <a:effectLst>
                   <a:outerShdw blurRad="63500" dist="38099" dir="2700000" algn="ctr" rotWithShape="0">
                     <a:schemeClr val="bg2">
@@ -13427,17 +13435,17 @@
           <a:effectLst/>
           <a:extLst>
             <a:ext uri="{FAA26D3D-D897-4be2-8F04-BA451C77F1D7}">
-              <ma14:placeholderFlag xmlns:ma14="http://schemas.microsoft.com/office/mac/drawingml/2011/main" xmlns="" val="1"/>
+              <ma14:placeholderFlag xmlns="" xmlns:ma14="http://schemas.microsoft.com/office/mac/drawingml/2011/main" val="1"/>
             </a:ext>
             <a:ext uri="{909E8E84-426E-40dd-AFC4-6F175D3DCCD1}">
-              <a14:hiddenFill xmlns:a14="http://schemas.microsoft.com/office/drawing/2010/main" xmlns="">
+              <a14:hiddenFill xmlns="" xmlns:a14="http://schemas.microsoft.com/office/drawing/2010/main">
                 <a:solidFill>
                   <a:schemeClr val="bg1"/>
                 </a:solidFill>
               </a14:hiddenFill>
             </a:ext>
             <a:ext uri="{91240B29-F687-4f45-9708-019B960494DF}">
-              <a14:hiddenLine xmlns:a14="http://schemas.microsoft.com/office/drawing/2010/main" xmlns="" w="12700">
+              <a14:hiddenLine xmlns="" xmlns:a14="http://schemas.microsoft.com/office/drawing/2010/main" w="12700">
                 <a:pattFill prst="narHorz">
                   <a:fgClr>
                     <a:schemeClr val="tx1"/>
@@ -13452,7 +13460,7 @@
               </a14:hiddenLine>
             </a:ext>
             <a:ext uri="{AF507438-7753-43e0-B8FC-AC1667EBCBE1}">
-              <a14:hiddenEffects xmlns:a14="http://schemas.microsoft.com/office/drawing/2010/main" xmlns="">
+              <a14:hiddenEffects xmlns="" xmlns:a14="http://schemas.microsoft.com/office/drawing/2010/main">
                 <a:effectLst>
                   <a:outerShdw blurRad="63500" dist="38099" dir="2700000" algn="ctr" rotWithShape="0">
                     <a:schemeClr val="bg2">
@@ -18133,17 +18141,17 @@
           <a:effectLst/>
           <a:extLst>
             <a:ext uri="{FAA26D3D-D897-4be2-8F04-BA451C77F1D7}">
-              <ma14:placeholderFlag xmlns:ma14="http://schemas.microsoft.com/office/mac/drawingml/2011/main" xmlns="" val="1"/>
+              <ma14:placeholderFlag xmlns="" xmlns:ma14="http://schemas.microsoft.com/office/mac/drawingml/2011/main" val="1"/>
             </a:ext>
             <a:ext uri="{909E8E84-426E-40dd-AFC4-6F175D3DCCD1}">
-              <a14:hiddenFill xmlns:a14="http://schemas.microsoft.com/office/drawing/2010/main" xmlns="">
+              <a14:hiddenFill xmlns="" xmlns:a14="http://schemas.microsoft.com/office/drawing/2010/main">
                 <a:solidFill>
                   <a:schemeClr val="bg1"/>
                 </a:solidFill>
               </a14:hiddenFill>
             </a:ext>
             <a:ext uri="{91240B29-F687-4f45-9708-019B960494DF}">
-              <a14:hiddenLine xmlns:a14="http://schemas.microsoft.com/office/drawing/2010/main" xmlns="" w="12700">
+              <a14:hiddenLine xmlns="" xmlns:a14="http://schemas.microsoft.com/office/drawing/2010/main" w="12700">
                 <a:pattFill prst="narHorz">
                   <a:fgClr>
                     <a:schemeClr val="tx1"/>
@@ -18158,7 +18166,7 @@
               </a14:hiddenLine>
             </a:ext>
             <a:ext uri="{AF507438-7753-43e0-B8FC-AC1667EBCBE1}">
-              <a14:hiddenEffects xmlns:a14="http://schemas.microsoft.com/office/drawing/2010/main" xmlns="">
+              <a14:hiddenEffects xmlns="" xmlns:a14="http://schemas.microsoft.com/office/drawing/2010/main">
                 <a:effectLst>
                   <a:outerShdw blurRad="63500" dist="38099" dir="2700000" algn="ctr" rotWithShape="0">
                     <a:schemeClr val="bg2">
@@ -18752,17 +18760,17 @@
           <a:effectLst/>
           <a:extLst>
             <a:ext uri="{FAA26D3D-D897-4be2-8F04-BA451C77F1D7}">
-              <ma14:placeholderFlag xmlns:ma14="http://schemas.microsoft.com/office/mac/drawingml/2011/main" xmlns="" val="1"/>
+              <ma14:placeholderFlag xmlns="" xmlns:ma14="http://schemas.microsoft.com/office/mac/drawingml/2011/main" val="1"/>
             </a:ext>
             <a:ext uri="{909E8E84-426E-40dd-AFC4-6F175D3DCCD1}">
-              <a14:hiddenFill xmlns:a14="http://schemas.microsoft.com/office/drawing/2010/main" xmlns="">
+              <a14:hiddenFill xmlns="" xmlns:a14="http://schemas.microsoft.com/office/drawing/2010/main">
                 <a:solidFill>
                   <a:schemeClr val="bg1"/>
                 </a:solidFill>
               </a14:hiddenFill>
             </a:ext>
             <a:ext uri="{91240B29-F687-4f45-9708-019B960494DF}">
-              <a14:hiddenLine xmlns:a14="http://schemas.microsoft.com/office/drawing/2010/main" xmlns="" w="12700">
+              <a14:hiddenLine xmlns="" xmlns:a14="http://schemas.microsoft.com/office/drawing/2010/main" w="12700">
                 <a:pattFill prst="narHorz">
                   <a:fgClr>
                     <a:schemeClr val="tx1"/>
@@ -18777,7 +18785,7 @@
               </a14:hiddenLine>
             </a:ext>
             <a:ext uri="{AF507438-7753-43e0-B8FC-AC1667EBCBE1}">
-              <a14:hiddenEffects xmlns:a14="http://schemas.microsoft.com/office/drawing/2010/main" xmlns="">
+              <a14:hiddenEffects xmlns="" xmlns:a14="http://schemas.microsoft.com/office/drawing/2010/main">
                 <a:effectLst>
                   <a:outerShdw blurRad="63500" dist="38099" dir="2700000" algn="ctr" rotWithShape="0">
                     <a:schemeClr val="bg2">
@@ -19301,17 +19309,17 @@
           <a:effectLst/>
           <a:extLst>
             <a:ext uri="{FAA26D3D-D897-4be2-8F04-BA451C77F1D7}">
-              <ma14:placeholderFlag xmlns:ma14="http://schemas.microsoft.com/office/mac/drawingml/2011/main" xmlns="" val="1"/>
+              <ma14:placeholderFlag xmlns="" xmlns:ma14="http://schemas.microsoft.com/office/mac/drawingml/2011/main" val="1"/>
             </a:ext>
             <a:ext uri="{909E8E84-426E-40dd-AFC4-6F175D3DCCD1}">
-              <a14:hiddenFill xmlns:a14="http://schemas.microsoft.com/office/drawing/2010/main" xmlns="">
+              <a14:hiddenFill xmlns="" xmlns:a14="http://schemas.microsoft.com/office/drawing/2010/main">
                 <a:solidFill>
                   <a:schemeClr val="bg1"/>
                 </a:solidFill>
               </a14:hiddenFill>
             </a:ext>
             <a:ext uri="{91240B29-F687-4f45-9708-019B960494DF}">
-              <a14:hiddenLine xmlns:a14="http://schemas.microsoft.com/office/drawing/2010/main" xmlns="" w="12700">
+              <a14:hiddenLine xmlns="" xmlns:a14="http://schemas.microsoft.com/office/drawing/2010/main" w="12700">
                 <a:pattFill prst="narHorz">
                   <a:fgClr>
                     <a:schemeClr val="tx1"/>
@@ -19326,7 +19334,7 @@
               </a14:hiddenLine>
             </a:ext>
             <a:ext uri="{AF507438-7753-43e0-B8FC-AC1667EBCBE1}">
-              <a14:hiddenEffects xmlns:a14="http://schemas.microsoft.com/office/drawing/2010/main" xmlns="">
+              <a14:hiddenEffects xmlns="" xmlns:a14="http://schemas.microsoft.com/office/drawing/2010/main">
                 <a:effectLst>
                   <a:outerShdw blurRad="63500" dist="38099" dir="2700000" algn="ctr" rotWithShape="0">
                     <a:schemeClr val="bg2">
@@ -24557,7 +24565,7 @@
           </a:ln>
           <a:extLst>
             <a:ext uri="{AF507438-7753-43e0-B8FC-AC1667EBCBE1}">
-              <a14:hiddenEffects xmlns="" xmlns:a14="http://schemas.microsoft.com/office/drawing/2010/main">
+              <a14:hiddenEffects xmlns:a14="http://schemas.microsoft.com/office/drawing/2010/main" xmlns="">
                 <a:effectLst>
                   <a:outerShdw dist="35921" dir="2700000" algn="ctr" rotWithShape="0">
                     <a:schemeClr val="bg2"/>
@@ -35660,7 +35668,7 @@
         <a:effectLst/>
         <a:extLst>
           <a:ext uri="{AF507438-7753-43e0-B8FC-AC1667EBCBE1}">
-            <a14:hiddenEffects xmlns:a14="http://schemas.microsoft.com/office/drawing/2010/main" xmlns="">
+            <a14:hiddenEffects xmlns="" xmlns:a14="http://schemas.microsoft.com/office/drawing/2010/main">
               <a:effectLst>
                 <a:outerShdw dist="35921" dir="2700000" algn="ctr" rotWithShape="0">
                   <a:schemeClr val="bg2"/>
@@ -35733,7 +35741,7 @@
         <a:effectLst/>
         <a:extLst>
           <a:ext uri="{AF507438-7753-43e0-B8FC-AC1667EBCBE1}">
-            <a14:hiddenEffects xmlns:a14="http://schemas.microsoft.com/office/drawing/2010/main" xmlns="">
+            <a14:hiddenEffects xmlns="" xmlns:a14="http://schemas.microsoft.com/office/drawing/2010/main">
               <a:effectLst>
                 <a:outerShdw dist="35921" dir="2700000" algn="ctr" rotWithShape="0">
                   <a:schemeClr val="bg2"/>

--- a/PPTs/L4-Exercises ANS.pptx
+++ b/PPTs/L4-Exercises ANS.pptx
@@ -229,14 +229,14 @@
           <a:effectLst/>
           <a:extLst>
             <a:ext uri="{909E8E84-426E-40dd-AFC4-6F175D3DCCD1}">
-              <a14:hiddenFill xmlns="" xmlns:a14="http://schemas.microsoft.com/office/drawing/2010/main">
+              <a14:hiddenFill xmlns:a14="http://schemas.microsoft.com/office/drawing/2010/main" xmlns="">
                 <a:solidFill>
                   <a:schemeClr val="bg1"/>
                 </a:solidFill>
               </a14:hiddenFill>
             </a:ext>
             <a:ext uri="{91240B29-F687-4f45-9708-019B960494DF}">
-              <a14:hiddenLine xmlns="" xmlns:a14="http://schemas.microsoft.com/office/drawing/2010/main" w="12700">
+              <a14:hiddenLine xmlns:a14="http://schemas.microsoft.com/office/drawing/2010/main" xmlns="" w="12700">
                 <a:pattFill prst="narHorz">
                   <a:fgClr>
                     <a:schemeClr val="tx1"/>
@@ -251,7 +251,7 @@
               </a14:hiddenLine>
             </a:ext>
             <a:ext uri="{AF507438-7753-43e0-B8FC-AC1667EBCBE1}">
-              <a14:hiddenEffects xmlns="" xmlns:a14="http://schemas.microsoft.com/office/drawing/2010/main">
+              <a14:hiddenEffects xmlns:a14="http://schemas.microsoft.com/office/drawing/2010/main" xmlns="">
                 <a:effectLst>
                   <a:outerShdw dist="35921" dir="2700000" algn="ctr" rotWithShape="0">
                     <a:schemeClr val="bg2"/>
@@ -357,14 +357,14 @@
           <a:effectLst/>
           <a:extLst>
             <a:ext uri="{909E8E84-426E-40dd-AFC4-6F175D3DCCD1}">
-              <a14:hiddenFill xmlns="" xmlns:a14="http://schemas.microsoft.com/office/drawing/2010/main">
+              <a14:hiddenFill xmlns:a14="http://schemas.microsoft.com/office/drawing/2010/main" xmlns="">
                 <a:solidFill>
                   <a:schemeClr val="bg1"/>
                 </a:solidFill>
               </a14:hiddenFill>
             </a:ext>
             <a:ext uri="{91240B29-F687-4f45-9708-019B960494DF}">
-              <a14:hiddenLine xmlns="" xmlns:a14="http://schemas.microsoft.com/office/drawing/2010/main" w="12700">
+              <a14:hiddenLine xmlns:a14="http://schemas.microsoft.com/office/drawing/2010/main" xmlns="" w="12700">
                 <a:pattFill prst="narHorz">
                   <a:fgClr>
                     <a:schemeClr val="tx1"/>
@@ -379,7 +379,7 @@
               </a14:hiddenLine>
             </a:ext>
             <a:ext uri="{AF507438-7753-43e0-B8FC-AC1667EBCBE1}">
-              <a14:hiddenEffects xmlns="" xmlns:a14="http://schemas.microsoft.com/office/drawing/2010/main">
+              <a14:hiddenEffects xmlns:a14="http://schemas.microsoft.com/office/drawing/2010/main" xmlns="">
                 <a:effectLst>
                   <a:outerShdw dist="35921" dir="2700000" algn="ctr" rotWithShape="0">
                     <a:schemeClr val="bg2"/>
@@ -447,17 +447,17 @@
           <a:effectLst/>
           <a:extLst>
             <a:ext uri="{FAA26D3D-D897-4be2-8F04-BA451C77F1D7}">
-              <ma14:placeholderFlag xmlns="" xmlns:ma14="http://schemas.microsoft.com/office/mac/drawingml/2011/main" val="1"/>
+              <ma14:placeholderFlag xmlns:ma14="http://schemas.microsoft.com/office/mac/drawingml/2011/main" xmlns="" val="1"/>
             </a:ext>
             <a:ext uri="{909E8E84-426E-40dd-AFC4-6F175D3DCCD1}">
-              <a14:hiddenFill xmlns="" xmlns:a14="http://schemas.microsoft.com/office/drawing/2010/main">
+              <a14:hiddenFill xmlns:a14="http://schemas.microsoft.com/office/drawing/2010/main" xmlns="">
                 <a:solidFill>
                   <a:srgbClr val="FFFFFF"/>
                 </a:solidFill>
               </a14:hiddenFill>
             </a:ext>
             <a:ext uri="{AF507438-7753-43e0-B8FC-AC1667EBCBE1}">
-              <a14:hiddenEffects xmlns="" xmlns:a14="http://schemas.microsoft.com/office/drawing/2010/main">
+              <a14:hiddenEffects xmlns:a14="http://schemas.microsoft.com/office/drawing/2010/main" xmlns="">
                 <a:effectLst>
                   <a:outerShdw blurRad="63500" dist="38099" dir="2700000" algn="ctr" rotWithShape="0">
                     <a:srgbClr val="000000">
@@ -468,7 +468,7 @@
               </a14:hiddenEffects>
             </a:ext>
             <a:ext uri="{53640926-AAD7-44d8-BBD7-CCE9431645EC}">
-              <a14:shadowObscured xmlns="" xmlns:a14="http://schemas.microsoft.com/office/drawing/2010/main" val="1"/>
+              <a14:shadowObscured xmlns:a14="http://schemas.microsoft.com/office/drawing/2010/main" xmlns="" val="1"/>
             </a:ext>
           </a:extLst>
         </p:spPr>
@@ -498,14 +498,14 @@
           <a:effectLst/>
           <a:extLst>
             <a:ext uri="{909E8E84-426E-40dd-AFC4-6F175D3DCCD1}">
-              <a14:hiddenFill xmlns="" xmlns:a14="http://schemas.microsoft.com/office/drawing/2010/main">
+              <a14:hiddenFill xmlns:a14="http://schemas.microsoft.com/office/drawing/2010/main" xmlns="">
                 <a:solidFill>
                   <a:schemeClr val="bg1"/>
                 </a:solidFill>
               </a14:hiddenFill>
             </a:ext>
             <a:ext uri="{91240B29-F687-4f45-9708-019B960494DF}">
-              <a14:hiddenLine xmlns="" xmlns:a14="http://schemas.microsoft.com/office/drawing/2010/main" w="12700">
+              <a14:hiddenLine xmlns:a14="http://schemas.microsoft.com/office/drawing/2010/main" xmlns="" w="12700">
                 <a:pattFill prst="narHorz">
                   <a:fgClr>
                     <a:schemeClr val="tx1"/>
@@ -520,7 +520,7 @@
               </a14:hiddenLine>
             </a:ext>
             <a:ext uri="{AF507438-7753-43e0-B8FC-AC1667EBCBE1}">
-              <a14:hiddenEffects xmlns="" xmlns:a14="http://schemas.microsoft.com/office/drawing/2010/main">
+              <a14:hiddenEffects xmlns:a14="http://schemas.microsoft.com/office/drawing/2010/main" xmlns="">
                 <a:effectLst>
                   <a:outerShdw dist="35921" dir="2700000" algn="ctr" rotWithShape="0">
                     <a:schemeClr val="bg2"/>
@@ -770,10 +770,10 @@
         <p:spPr>
           <a:extLst>
             <a:ext uri="{FAA26D3D-D897-4be2-8F04-BA451C77F1D7}">
-              <ma14:placeholderFlag xmlns="" xmlns:ma14="http://schemas.microsoft.com/office/mac/drawingml/2011/main" val="1"/>
+              <ma14:placeholderFlag xmlns:ma14="http://schemas.microsoft.com/office/mac/drawingml/2011/main" xmlns="" val="1"/>
             </a:ext>
             <a:ext uri="{AF507438-7753-43e0-B8FC-AC1667EBCBE1}">
-              <a14:hiddenEffects xmlns="" xmlns:a14="http://schemas.microsoft.com/office/drawing/2010/main">
+              <a14:hiddenEffects xmlns:a14="http://schemas.microsoft.com/office/drawing/2010/main" xmlns="">
                 <a:effectLst>
                   <a:outerShdw blurRad="63500" dist="38099" dir="2700000" algn="ctr" rotWithShape="0">
                     <a:schemeClr val="bg2">
@@ -1330,6 +1330,94 @@
     <p:extLst>
       <p:ext uri="{BB962C8B-B14F-4D97-AF65-F5344CB8AC3E}">
         <p14:creationId xmlns:p14="http://schemas.microsoft.com/office/powerpoint/2010/main" val="2527268718"/>
+      </p:ext>
+    </p:extLst>
+  </p:cSld>
+  <p:clrMapOvr>
+    <a:masterClrMapping/>
+  </p:clrMapOvr>
+</p:notes>
+</file>
+
+<file path=ppt/notesSlides/notesSlide9.xml><?xml version="1.0" encoding="utf-8"?>
+<p:notes xmlns:a="http://schemas.openxmlformats.org/drawingml/2006/main" xmlns:r="http://schemas.openxmlformats.org/officeDocument/2006/relationships" xmlns:p="http://schemas.openxmlformats.org/presentationml/2006/main">
+  <p:cSld>
+    <p:spTree>
+      <p:nvGrpSpPr>
+        <p:cNvPr id="1" name=""/>
+        <p:cNvGrpSpPr/>
+        <p:nvPr/>
+      </p:nvGrpSpPr>
+      <p:grpSpPr>
+        <a:xfrm>
+          <a:off x="0" y="0"/>
+          <a:ext cx="0" cy="0"/>
+          <a:chOff x="0" y="0"/>
+          <a:chExt cx="0" cy="0"/>
+        </a:xfrm>
+      </p:grpSpPr>
+      <p:sp>
+        <p:nvSpPr>
+          <p:cNvPr id="2" name="Slide Image Placeholder 1"/>
+          <p:cNvSpPr>
+            <a:spLocks noGrp="1" noRot="1" noChangeAspect="1"/>
+          </p:cNvSpPr>
+          <p:nvPr>
+            <p:ph type="sldImg"/>
+          </p:nvPr>
+        </p:nvSpPr>
+        <p:spPr/>
+      </p:sp>
+      <p:sp>
+        <p:nvSpPr>
+          <p:cNvPr id="3" name="Notes Placeholder 2"/>
+          <p:cNvSpPr>
+            <a:spLocks noGrp="1"/>
+          </p:cNvSpPr>
+          <p:nvPr>
+            <p:ph type="body" idx="1"/>
+          </p:nvPr>
+        </p:nvSpPr>
+        <p:spPr/>
+        <p:txBody>
+          <a:bodyPr/>
+          <a:lstStyle/>
+          <a:p>
+            <a:pPr marL="0" marR="0" lvl="0" indent="0" algn="l" defTabSz="914400" rtl="0" eaLnBrk="0" fontAlgn="base" latinLnBrk="0" hangingPunct="0">
+              <a:lnSpc>
+                <a:spcPct val="90000"/>
+              </a:lnSpc>
+              <a:spcBef>
+                <a:spcPct val="40000"/>
+              </a:spcBef>
+              <a:spcAft>
+                <a:spcPct val="0"/>
+              </a:spcAft>
+              <a:buClrTx/>
+              <a:buSzTx/>
+              <a:buFontTx/>
+              <a:buNone/>
+              <a:tabLst/>
+              <a:defRPr/>
+            </a:pPr>
+            <a:r>
+              <a:rPr lang="en-GB" b="0" kern="0" dirty="0"/>
+              <a:t>Q2: Each lawyer grabs 1 knife</a:t>
+            </a:r>
+            <a:r>
+              <a:rPr lang="en-US" altLang="zh-CN" b="0" kern="0" dirty="0"/>
+              <a:t>. Is the current state safe? Check it using Banker’s algorithm.</a:t>
+            </a:r>
+          </a:p>
+          <a:p>
+            <a:endParaRPr lang="en-SE" dirty="0"/>
+          </a:p>
+        </p:txBody>
+      </p:sp>
+    </p:spTree>
+    <p:extLst>
+      <p:ext uri="{BB962C8B-B14F-4D97-AF65-F5344CB8AC3E}">
+        <p14:creationId xmlns:p14="http://schemas.microsoft.com/office/powerpoint/2010/main" val="3062674735"/>
       </p:ext>
     </p:extLst>
   </p:cSld>
@@ -3630,17 +3718,17 @@
           <a:effectLst/>
           <a:extLst>
             <a:ext uri="{FAA26D3D-D897-4be2-8F04-BA451C77F1D7}">
-              <ma14:placeholderFlag xmlns="" xmlns:ma14="http://schemas.microsoft.com/office/mac/drawingml/2011/main" val="1"/>
+              <ma14:placeholderFlag xmlns:ma14="http://schemas.microsoft.com/office/mac/drawingml/2011/main" xmlns="" val="1"/>
             </a:ext>
             <a:ext uri="{909E8E84-426E-40dd-AFC4-6F175D3DCCD1}">
-              <a14:hiddenFill xmlns="" xmlns:a14="http://schemas.microsoft.com/office/drawing/2010/main">
+              <a14:hiddenFill xmlns:a14="http://schemas.microsoft.com/office/drawing/2010/main" xmlns="">
                 <a:solidFill>
                   <a:schemeClr val="bg1"/>
                 </a:solidFill>
               </a14:hiddenFill>
             </a:ext>
             <a:ext uri="{91240B29-F687-4f45-9708-019B960494DF}">
-              <a14:hiddenLine xmlns="" xmlns:a14="http://schemas.microsoft.com/office/drawing/2010/main" w="12700">
+              <a14:hiddenLine xmlns:a14="http://schemas.microsoft.com/office/drawing/2010/main" xmlns="" w="12700">
                 <a:pattFill prst="narHorz">
                   <a:fgClr>
                     <a:schemeClr val="tx1"/>
@@ -3655,7 +3743,7 @@
               </a14:hiddenLine>
             </a:ext>
             <a:ext uri="{AF507438-7753-43e0-B8FC-AC1667EBCBE1}">
-              <a14:hiddenEffects xmlns="" xmlns:a14="http://schemas.microsoft.com/office/drawing/2010/main">
+              <a14:hiddenEffects xmlns:a14="http://schemas.microsoft.com/office/drawing/2010/main" xmlns="">
                 <a:effectLst>
                   <a:outerShdw blurRad="63500" dist="38099" dir="2700000" algn="ctr" rotWithShape="0">
                     <a:schemeClr val="bg2">
@@ -3708,17 +3796,17 @@
           <a:effectLst/>
           <a:extLst>
             <a:ext uri="{FAA26D3D-D897-4be2-8F04-BA451C77F1D7}">
-              <ma14:placeholderFlag xmlns="" xmlns:ma14="http://schemas.microsoft.com/office/mac/drawingml/2011/main" val="1"/>
+              <ma14:placeholderFlag xmlns:ma14="http://schemas.microsoft.com/office/mac/drawingml/2011/main" xmlns="" val="1"/>
             </a:ext>
             <a:ext uri="{909E8E84-426E-40dd-AFC4-6F175D3DCCD1}">
-              <a14:hiddenFill xmlns="" xmlns:a14="http://schemas.microsoft.com/office/drawing/2010/main">
+              <a14:hiddenFill xmlns:a14="http://schemas.microsoft.com/office/drawing/2010/main" xmlns="">
                 <a:solidFill>
                   <a:schemeClr val="bg1"/>
                 </a:solidFill>
               </a14:hiddenFill>
             </a:ext>
             <a:ext uri="{91240B29-F687-4f45-9708-019B960494DF}">
-              <a14:hiddenLine xmlns="" xmlns:a14="http://schemas.microsoft.com/office/drawing/2010/main" w="12700">
+              <a14:hiddenLine xmlns:a14="http://schemas.microsoft.com/office/drawing/2010/main" xmlns="" w="12700">
                 <a:pattFill prst="narHorz">
                   <a:fgClr>
                     <a:schemeClr val="tx1"/>
@@ -3733,7 +3821,7 @@
               </a14:hiddenLine>
             </a:ext>
             <a:ext uri="{AF507438-7753-43e0-B8FC-AC1667EBCBE1}">
-              <a14:hiddenEffects xmlns="" xmlns:a14="http://schemas.microsoft.com/office/drawing/2010/main">
+              <a14:hiddenEffects xmlns:a14="http://schemas.microsoft.com/office/drawing/2010/main" xmlns="">
                 <a:effectLst>
                   <a:outerShdw blurRad="63500" dist="38099" dir="2700000" algn="ctr" rotWithShape="0">
                     <a:schemeClr val="bg2">
@@ -3817,12 +3905,12 @@
           <a:effectLst/>
           <a:extLst>
             <a:ext uri="{909E8E84-426E-40dd-AFC4-6F175D3DCCD1}">
-              <a14:hiddenFill xmlns="" xmlns:a14="http://schemas.microsoft.com/office/drawing/2010/main">
+              <a14:hiddenFill xmlns:a14="http://schemas.microsoft.com/office/drawing/2010/main" xmlns="">
                 <a:noFill/>
               </a14:hiddenFill>
             </a:ext>
             <a:ext uri="{AF507438-7753-43e0-B8FC-AC1667EBCBE1}">
-              <a14:hiddenEffects xmlns="" xmlns:a14="http://schemas.microsoft.com/office/drawing/2010/main">
+              <a14:hiddenEffects xmlns:a14="http://schemas.microsoft.com/office/drawing/2010/main" xmlns="">
                 <a:effectLst>
                   <a:outerShdw blurRad="63500" dist="38099" dir="2700000" algn="ctr" rotWithShape="0">
                     <a:schemeClr val="bg2">
@@ -7881,7 +7969,7 @@
           <a:effectLst/>
           <a:extLst>
             <a:ext uri="{AF507438-7753-43e0-B8FC-AC1667EBCBE1}">
-              <a14:hiddenEffects xmlns:a14="http://schemas.microsoft.com/office/drawing/2010/main" xmlns="">
+              <a14:hiddenEffects xmlns="" xmlns:a14="http://schemas.microsoft.com/office/drawing/2010/main">
                 <a:effectLst>
                   <a:outerShdw dist="35921" dir="2700000" algn="ctr" rotWithShape="0">
                     <a:schemeClr val="bg2"/>
@@ -8187,7 +8275,7 @@
           <a:effectLst/>
           <a:extLst>
             <a:ext uri="{AF507438-7753-43e0-B8FC-AC1667EBCBE1}">
-              <a14:hiddenEffects xmlns:a14="http://schemas.microsoft.com/office/drawing/2010/main" xmlns="">
+              <a14:hiddenEffects xmlns="" xmlns:a14="http://schemas.microsoft.com/office/drawing/2010/main">
                 <a:effectLst>
                   <a:outerShdw dist="35921" dir="2700000" algn="ctr" rotWithShape="0">
                     <a:schemeClr val="bg2"/>
@@ -8522,17 +8610,17 @@
           <a:effectLst/>
           <a:extLst>
             <a:ext uri="{FAA26D3D-D897-4be2-8F04-BA451C77F1D7}">
-              <ma14:placeholderFlag xmlns="" xmlns:ma14="http://schemas.microsoft.com/office/mac/drawingml/2011/main" val="1"/>
+              <ma14:placeholderFlag xmlns:ma14="http://schemas.microsoft.com/office/mac/drawingml/2011/main" xmlns="" val="1"/>
             </a:ext>
             <a:ext uri="{909E8E84-426E-40dd-AFC4-6F175D3DCCD1}">
-              <a14:hiddenFill xmlns="" xmlns:a14="http://schemas.microsoft.com/office/drawing/2010/main">
+              <a14:hiddenFill xmlns:a14="http://schemas.microsoft.com/office/drawing/2010/main" xmlns="">
                 <a:solidFill>
                   <a:schemeClr val="bg1"/>
                 </a:solidFill>
               </a14:hiddenFill>
             </a:ext>
             <a:ext uri="{91240B29-F687-4f45-9708-019B960494DF}">
-              <a14:hiddenLine xmlns="" xmlns:a14="http://schemas.microsoft.com/office/drawing/2010/main" w="12700">
+              <a14:hiddenLine xmlns:a14="http://schemas.microsoft.com/office/drawing/2010/main" xmlns="" w="12700">
                 <a:pattFill prst="narHorz">
                   <a:fgClr>
                     <a:schemeClr val="tx1"/>
@@ -8547,7 +8635,7 @@
               </a14:hiddenLine>
             </a:ext>
             <a:ext uri="{AF507438-7753-43e0-B8FC-AC1667EBCBE1}">
-              <a14:hiddenEffects xmlns="" xmlns:a14="http://schemas.microsoft.com/office/drawing/2010/main">
+              <a14:hiddenEffects xmlns:a14="http://schemas.microsoft.com/office/drawing/2010/main" xmlns="">
                 <a:effectLst>
                   <a:outerShdw blurRad="63500" dist="38099" dir="2700000" algn="ctr" rotWithShape="0">
                     <a:schemeClr val="bg2">
@@ -10037,17 +10125,17 @@
           <a:effectLst/>
           <a:extLst>
             <a:ext uri="{FAA26D3D-D897-4be2-8F04-BA451C77F1D7}">
-              <ma14:placeholderFlag xmlns="" xmlns:ma14="http://schemas.microsoft.com/office/mac/drawingml/2011/main" val="1"/>
+              <ma14:placeholderFlag xmlns:ma14="http://schemas.microsoft.com/office/mac/drawingml/2011/main" xmlns="" val="1"/>
             </a:ext>
             <a:ext uri="{909E8E84-426E-40dd-AFC4-6F175D3DCCD1}">
-              <a14:hiddenFill xmlns="" xmlns:a14="http://schemas.microsoft.com/office/drawing/2010/main">
+              <a14:hiddenFill xmlns:a14="http://schemas.microsoft.com/office/drawing/2010/main" xmlns="">
                 <a:solidFill>
                   <a:schemeClr val="bg1"/>
                 </a:solidFill>
               </a14:hiddenFill>
             </a:ext>
             <a:ext uri="{91240B29-F687-4f45-9708-019B960494DF}">
-              <a14:hiddenLine xmlns="" xmlns:a14="http://schemas.microsoft.com/office/drawing/2010/main" w="12700">
+              <a14:hiddenLine xmlns:a14="http://schemas.microsoft.com/office/drawing/2010/main" xmlns="" w="12700">
                 <a:pattFill prst="narHorz">
                   <a:fgClr>
                     <a:schemeClr val="tx1"/>
@@ -10062,7 +10150,7 @@
               </a14:hiddenLine>
             </a:ext>
             <a:ext uri="{AF507438-7753-43e0-B8FC-AC1667EBCBE1}">
-              <a14:hiddenEffects xmlns="" xmlns:a14="http://schemas.microsoft.com/office/drawing/2010/main">
+              <a14:hiddenEffects xmlns:a14="http://schemas.microsoft.com/office/drawing/2010/main" xmlns="">
                 <a:effectLst>
                   <a:outerShdw blurRad="63500" dist="38099" dir="2700000" algn="ctr" rotWithShape="0">
                     <a:schemeClr val="bg2">
@@ -10856,17 +10944,17 @@
           <a:effectLst/>
           <a:extLst>
             <a:ext uri="{FAA26D3D-D897-4be2-8F04-BA451C77F1D7}">
-              <ma14:placeholderFlag xmlns="" xmlns:ma14="http://schemas.microsoft.com/office/mac/drawingml/2011/main" val="1"/>
+              <ma14:placeholderFlag xmlns:ma14="http://schemas.microsoft.com/office/mac/drawingml/2011/main" xmlns="" val="1"/>
             </a:ext>
             <a:ext uri="{909E8E84-426E-40dd-AFC4-6F175D3DCCD1}">
-              <a14:hiddenFill xmlns="" xmlns:a14="http://schemas.microsoft.com/office/drawing/2010/main">
+              <a14:hiddenFill xmlns:a14="http://schemas.microsoft.com/office/drawing/2010/main" xmlns="">
                 <a:solidFill>
                   <a:schemeClr val="bg1"/>
                 </a:solidFill>
               </a14:hiddenFill>
             </a:ext>
             <a:ext uri="{91240B29-F687-4f45-9708-019B960494DF}">
-              <a14:hiddenLine xmlns="" xmlns:a14="http://schemas.microsoft.com/office/drawing/2010/main" w="12700">
+              <a14:hiddenLine xmlns:a14="http://schemas.microsoft.com/office/drawing/2010/main" xmlns="" w="12700">
                 <a:pattFill prst="narHorz">
                   <a:fgClr>
                     <a:schemeClr val="tx1"/>
@@ -10881,7 +10969,7 @@
               </a14:hiddenLine>
             </a:ext>
             <a:ext uri="{AF507438-7753-43e0-B8FC-AC1667EBCBE1}">
-              <a14:hiddenEffects xmlns="" xmlns:a14="http://schemas.microsoft.com/office/drawing/2010/main">
+              <a14:hiddenEffects xmlns:a14="http://schemas.microsoft.com/office/drawing/2010/main" xmlns="">
                 <a:effectLst>
                   <a:outerShdw blurRad="63500" dist="38099" dir="2700000" algn="ctr" rotWithShape="0">
                     <a:schemeClr val="bg2">
@@ -11088,8 +11176,8 @@
               <a:buNone/>
             </a:pPr>
             <a:r>
-              <a:rPr lang="en-GB" b="0" kern="0" dirty="0"/>
-              <a:t>Q2: </a:t>
+              <a:rPr lang="en-GB" b="0" kern="0"/>
+              <a:t>Q1: </a:t>
             </a:r>
             <a:r>
               <a:rPr lang="en-US" b="0" kern="0" dirty="0"/>
@@ -11242,17 +11330,17 @@
           <a:effectLst/>
           <a:extLst>
             <a:ext uri="{FAA26D3D-D897-4be2-8F04-BA451C77F1D7}">
-              <ma14:placeholderFlag xmlns="" xmlns:ma14="http://schemas.microsoft.com/office/mac/drawingml/2011/main" val="1"/>
+              <ma14:placeholderFlag xmlns:ma14="http://schemas.microsoft.com/office/mac/drawingml/2011/main" xmlns="" val="1"/>
             </a:ext>
             <a:ext uri="{909E8E84-426E-40dd-AFC4-6F175D3DCCD1}">
-              <a14:hiddenFill xmlns="" xmlns:a14="http://schemas.microsoft.com/office/drawing/2010/main">
+              <a14:hiddenFill xmlns:a14="http://schemas.microsoft.com/office/drawing/2010/main" xmlns="">
                 <a:solidFill>
                   <a:schemeClr val="bg1"/>
                 </a:solidFill>
               </a14:hiddenFill>
             </a:ext>
             <a:ext uri="{91240B29-F687-4f45-9708-019B960494DF}">
-              <a14:hiddenLine xmlns="" xmlns:a14="http://schemas.microsoft.com/office/drawing/2010/main" w="12700">
+              <a14:hiddenLine xmlns:a14="http://schemas.microsoft.com/office/drawing/2010/main" xmlns="" w="12700">
                 <a:pattFill prst="narHorz">
                   <a:fgClr>
                     <a:schemeClr val="tx1"/>
@@ -11267,7 +11355,7 @@
               </a14:hiddenLine>
             </a:ext>
             <a:ext uri="{AF507438-7753-43e0-B8FC-AC1667EBCBE1}">
-              <a14:hiddenEffects xmlns="" xmlns:a14="http://schemas.microsoft.com/office/drawing/2010/main">
+              <a14:hiddenEffects xmlns:a14="http://schemas.microsoft.com/office/drawing/2010/main" xmlns="">
                 <a:effectLst>
                   <a:outerShdw blurRad="63500" dist="38099" dir="2700000" algn="ctr" rotWithShape="0">
                     <a:schemeClr val="bg2">
@@ -12793,17 +12881,17 @@
           <a:effectLst/>
           <a:extLst>
             <a:ext uri="{FAA26D3D-D897-4be2-8F04-BA451C77F1D7}">
-              <ma14:placeholderFlag xmlns="" xmlns:ma14="http://schemas.microsoft.com/office/mac/drawingml/2011/main" val="1"/>
+              <ma14:placeholderFlag xmlns:ma14="http://schemas.microsoft.com/office/mac/drawingml/2011/main" xmlns="" val="1"/>
             </a:ext>
             <a:ext uri="{909E8E84-426E-40dd-AFC4-6F175D3DCCD1}">
-              <a14:hiddenFill xmlns="" xmlns:a14="http://schemas.microsoft.com/office/drawing/2010/main">
+              <a14:hiddenFill xmlns:a14="http://schemas.microsoft.com/office/drawing/2010/main" xmlns="">
                 <a:solidFill>
                   <a:schemeClr val="bg1"/>
                 </a:solidFill>
               </a14:hiddenFill>
             </a:ext>
             <a:ext uri="{91240B29-F687-4f45-9708-019B960494DF}">
-              <a14:hiddenLine xmlns="" xmlns:a14="http://schemas.microsoft.com/office/drawing/2010/main" w="12700">
+              <a14:hiddenLine xmlns:a14="http://schemas.microsoft.com/office/drawing/2010/main" xmlns="" w="12700">
                 <a:pattFill prst="narHorz">
                   <a:fgClr>
                     <a:schemeClr val="tx1"/>
@@ -12818,7 +12906,7 @@
               </a14:hiddenLine>
             </a:ext>
             <a:ext uri="{AF507438-7753-43e0-B8FC-AC1667EBCBE1}">
-              <a14:hiddenEffects xmlns="" xmlns:a14="http://schemas.microsoft.com/office/drawing/2010/main">
+              <a14:hiddenEffects xmlns:a14="http://schemas.microsoft.com/office/drawing/2010/main" xmlns="">
                 <a:effectLst>
                   <a:outerShdw blurRad="63500" dist="38099" dir="2700000" algn="ctr" rotWithShape="0">
                     <a:schemeClr val="bg2">
@@ -13435,17 +13523,17 @@
           <a:effectLst/>
           <a:extLst>
             <a:ext uri="{FAA26D3D-D897-4be2-8F04-BA451C77F1D7}">
-              <ma14:placeholderFlag xmlns="" xmlns:ma14="http://schemas.microsoft.com/office/mac/drawingml/2011/main" val="1"/>
+              <ma14:placeholderFlag xmlns:ma14="http://schemas.microsoft.com/office/mac/drawingml/2011/main" xmlns="" val="1"/>
             </a:ext>
             <a:ext uri="{909E8E84-426E-40dd-AFC4-6F175D3DCCD1}">
-              <a14:hiddenFill xmlns="" xmlns:a14="http://schemas.microsoft.com/office/drawing/2010/main">
+              <a14:hiddenFill xmlns:a14="http://schemas.microsoft.com/office/drawing/2010/main" xmlns="">
                 <a:solidFill>
                   <a:schemeClr val="bg1"/>
                 </a:solidFill>
               </a14:hiddenFill>
             </a:ext>
             <a:ext uri="{91240B29-F687-4f45-9708-019B960494DF}">
-              <a14:hiddenLine xmlns="" xmlns:a14="http://schemas.microsoft.com/office/drawing/2010/main" w="12700">
+              <a14:hiddenLine xmlns:a14="http://schemas.microsoft.com/office/drawing/2010/main" xmlns="" w="12700">
                 <a:pattFill prst="narHorz">
                   <a:fgClr>
                     <a:schemeClr val="tx1"/>
@@ -13460,7 +13548,7 @@
               </a14:hiddenLine>
             </a:ext>
             <a:ext uri="{AF507438-7753-43e0-B8FC-AC1667EBCBE1}">
-              <a14:hiddenEffects xmlns="" xmlns:a14="http://schemas.microsoft.com/office/drawing/2010/main">
+              <a14:hiddenEffects xmlns:a14="http://schemas.microsoft.com/office/drawing/2010/main" xmlns="">
                 <a:effectLst>
                   <a:outerShdw blurRad="63500" dist="38099" dir="2700000" algn="ctr" rotWithShape="0">
                     <a:schemeClr val="bg2">
@@ -18060,7 +18148,7 @@
               <a:rPr lang="en-US" altLang="zh-CN" dirty="0">
                 <a:ea typeface="宋体" charset="-122"/>
               </a:rPr>
-              <a:t>Q1 Example: 2 lawyers, each with 4 arms, </a:t>
+              <a:t>Example: 2 lawyers, each with 4 arms, </a:t>
             </a:r>
             <a:r>
               <a:rPr lang="en-GB" altLang="zh-CN" dirty="0">
@@ -18141,17 +18229,17 @@
           <a:effectLst/>
           <a:extLst>
             <a:ext uri="{FAA26D3D-D897-4be2-8F04-BA451C77F1D7}">
-              <ma14:placeholderFlag xmlns="" xmlns:ma14="http://schemas.microsoft.com/office/mac/drawingml/2011/main" val="1"/>
+              <ma14:placeholderFlag xmlns:ma14="http://schemas.microsoft.com/office/mac/drawingml/2011/main" xmlns="" val="1"/>
             </a:ext>
             <a:ext uri="{909E8E84-426E-40dd-AFC4-6F175D3DCCD1}">
-              <a14:hiddenFill xmlns="" xmlns:a14="http://schemas.microsoft.com/office/drawing/2010/main">
+              <a14:hiddenFill xmlns:a14="http://schemas.microsoft.com/office/drawing/2010/main" xmlns="">
                 <a:solidFill>
                   <a:schemeClr val="bg1"/>
                 </a:solidFill>
               </a14:hiddenFill>
             </a:ext>
             <a:ext uri="{91240B29-F687-4f45-9708-019B960494DF}">
-              <a14:hiddenLine xmlns="" xmlns:a14="http://schemas.microsoft.com/office/drawing/2010/main" w="12700">
+              <a14:hiddenLine xmlns:a14="http://schemas.microsoft.com/office/drawing/2010/main" xmlns="" w="12700">
                 <a:pattFill prst="narHorz">
                   <a:fgClr>
                     <a:schemeClr val="tx1"/>
@@ -18166,7 +18254,7 @@
               </a14:hiddenLine>
             </a:ext>
             <a:ext uri="{AF507438-7753-43e0-B8FC-AC1667EBCBE1}">
-              <a14:hiddenEffects xmlns="" xmlns:a14="http://schemas.microsoft.com/office/drawing/2010/main">
+              <a14:hiddenEffects xmlns:a14="http://schemas.microsoft.com/office/drawing/2010/main" xmlns="">
                 <a:effectLst>
                   <a:outerShdw blurRad="63500" dist="38099" dir="2700000" algn="ctr" rotWithShape="0">
                     <a:schemeClr val="bg2">
@@ -18747,7 +18835,7 @@
         </p:nvSpPr>
         <p:spPr bwMode="auto">
           <a:xfrm>
-            <a:off x="4486138" y="1219328"/>
+            <a:off x="509417" y="3908026"/>
             <a:ext cx="2531183" cy="2209672"/>
           </a:xfrm>
           <a:prstGeom prst="rect">
@@ -18760,17 +18848,17 @@
           <a:effectLst/>
           <a:extLst>
             <a:ext uri="{FAA26D3D-D897-4be2-8F04-BA451C77F1D7}">
-              <ma14:placeholderFlag xmlns="" xmlns:ma14="http://schemas.microsoft.com/office/mac/drawingml/2011/main" val="1"/>
+              <ma14:placeholderFlag xmlns:ma14="http://schemas.microsoft.com/office/mac/drawingml/2011/main" xmlns="" val="1"/>
             </a:ext>
             <a:ext uri="{909E8E84-426E-40dd-AFC4-6F175D3DCCD1}">
-              <a14:hiddenFill xmlns="" xmlns:a14="http://schemas.microsoft.com/office/drawing/2010/main">
+              <a14:hiddenFill xmlns:a14="http://schemas.microsoft.com/office/drawing/2010/main" xmlns="">
                 <a:solidFill>
                   <a:schemeClr val="bg1"/>
                 </a:solidFill>
               </a14:hiddenFill>
             </a:ext>
             <a:ext uri="{91240B29-F687-4f45-9708-019B960494DF}">
-              <a14:hiddenLine xmlns="" xmlns:a14="http://schemas.microsoft.com/office/drawing/2010/main" w="12700">
+              <a14:hiddenLine xmlns:a14="http://schemas.microsoft.com/office/drawing/2010/main" xmlns="" w="12700">
                 <a:pattFill prst="narHorz">
                   <a:fgClr>
                     <a:schemeClr val="tx1"/>
@@ -18785,7 +18873,7 @@
               </a14:hiddenLine>
             </a:ext>
             <a:ext uri="{AF507438-7753-43e0-B8FC-AC1667EBCBE1}">
-              <a14:hiddenEffects xmlns="" xmlns:a14="http://schemas.microsoft.com/office/drawing/2010/main">
+              <a14:hiddenEffects xmlns:a14="http://schemas.microsoft.com/office/drawing/2010/main" xmlns="">
                 <a:effectLst>
                   <a:outerShdw blurRad="63500" dist="38099" dir="2700000" algn="ctr" rotWithShape="0">
                     <a:schemeClr val="bg2">
@@ -18991,14 +19079,7 @@
             <a:pPr marL="0" indent="0">
               <a:buNone/>
             </a:pPr>
-            <a:r>
-              <a:rPr lang="en-GB" b="0" kern="0" dirty="0"/>
-              <a:t>Q2: Each lawyer grabs 1 knife</a:t>
-            </a:r>
-            <a:r>
-              <a:rPr lang="en-US" altLang="zh-CN" b="0" kern="0" dirty="0"/>
-              <a:t>. Is the current state safe? Check it using Banker’s algorithm.</a:t>
-            </a:r>
+            <a:endParaRPr lang="en-US" altLang="zh-CN" b="0" kern="0" dirty="0"/>
           </a:p>
         </p:txBody>
       </p:sp>
@@ -19309,17 +19390,17 @@
           <a:effectLst/>
           <a:extLst>
             <a:ext uri="{FAA26D3D-D897-4be2-8F04-BA451C77F1D7}">
-              <ma14:placeholderFlag xmlns="" xmlns:ma14="http://schemas.microsoft.com/office/mac/drawingml/2011/main" val="1"/>
+              <ma14:placeholderFlag xmlns:ma14="http://schemas.microsoft.com/office/mac/drawingml/2011/main" xmlns="" val="1"/>
             </a:ext>
             <a:ext uri="{909E8E84-426E-40dd-AFC4-6F175D3DCCD1}">
-              <a14:hiddenFill xmlns="" xmlns:a14="http://schemas.microsoft.com/office/drawing/2010/main">
+              <a14:hiddenFill xmlns:a14="http://schemas.microsoft.com/office/drawing/2010/main" xmlns="">
                 <a:solidFill>
                   <a:schemeClr val="bg1"/>
                 </a:solidFill>
               </a14:hiddenFill>
             </a:ext>
             <a:ext uri="{91240B29-F687-4f45-9708-019B960494DF}">
-              <a14:hiddenLine xmlns="" xmlns:a14="http://schemas.microsoft.com/office/drawing/2010/main" w="12700">
+              <a14:hiddenLine xmlns:a14="http://schemas.microsoft.com/office/drawing/2010/main" xmlns="" w="12700">
                 <a:pattFill prst="narHorz">
                   <a:fgClr>
                     <a:schemeClr val="tx1"/>
@@ -19334,7 +19415,7 @@
               </a14:hiddenLine>
             </a:ext>
             <a:ext uri="{AF507438-7753-43e0-B8FC-AC1667EBCBE1}">
-              <a14:hiddenEffects xmlns="" xmlns:a14="http://schemas.microsoft.com/office/drawing/2010/main">
+              <a14:hiddenEffects xmlns:a14="http://schemas.microsoft.com/office/drawing/2010/main" xmlns="">
                 <a:effectLst>
                   <a:outerShdw blurRad="63500" dist="38099" dir="2700000" algn="ctr" rotWithShape="0">
                     <a:schemeClr val="bg2">
@@ -19542,15 +19623,7 @@
             </a:pPr>
             <a:r>
               <a:rPr lang="en-GB" b="0" kern="0" dirty="0"/>
-              <a:t>Q2 </a:t>
-            </a:r>
-            <a:r>
-              <a:rPr lang="en-US" b="0" kern="0" dirty="0"/>
-              <a:t>ANS</a:t>
-            </a:r>
-            <a:r>
-              <a:rPr lang="en-GB" b="0" kern="0" dirty="0"/>
-              <a:t>: It is not safe, as no process can run to completion based on Need matrix and Available vector. </a:t>
+              <a:t>The result is a deadlock state, as no process can run to completion based on Need matrix and Available vector. </a:t>
             </a:r>
             <a:endParaRPr lang="en-US" altLang="zh-CN" b="0" kern="0" dirty="0"/>
           </a:p>
@@ -20584,6 +20657,323 @@
           </a:graphicData>
         </a:graphic>
       </p:graphicFrame>
+      <p:sp>
+        <p:nvSpPr>
+          <p:cNvPr id="7" name="Content Placeholder 2">
+            <a:extLst>
+              <a:ext uri="{FF2B5EF4-FFF2-40B4-BE49-F238E27FC236}">
+                <a16:creationId xmlns:a16="http://schemas.microsoft.com/office/drawing/2014/main" id="{E880F725-7D6C-F23A-60D4-255DF304A81A}"/>
+              </a:ext>
+            </a:extLst>
+          </p:cNvPr>
+          <p:cNvSpPr txBox="1">
+            <a:spLocks/>
+          </p:cNvSpPr>
+          <p:nvPr/>
+        </p:nvSpPr>
+        <p:spPr bwMode="auto">
+          <a:xfrm>
+            <a:off x="4385370" y="1016010"/>
+            <a:ext cx="2707769" cy="1143000"/>
+          </a:xfrm>
+          <a:prstGeom prst="rect">
+            <a:avLst/>
+          </a:prstGeom>
+          <a:noFill/>
+          <a:ln>
+            <a:noFill/>
+          </a:ln>
+          <a:effectLst/>
+          <a:extLst>
+            <a:ext uri="{FAA26D3D-D897-4be2-8F04-BA451C77F1D7}">
+              <ma14:placeholderFlag xmlns:ma14="http://schemas.microsoft.com/office/mac/drawingml/2011/main" xmlns="" val="1"/>
+            </a:ext>
+            <a:ext uri="{909E8E84-426E-40dd-AFC4-6F175D3DCCD1}">
+              <a14:hiddenFill xmlns:a14="http://schemas.microsoft.com/office/drawing/2010/main" xmlns="">
+                <a:solidFill>
+                  <a:schemeClr val="bg1"/>
+                </a:solidFill>
+              </a14:hiddenFill>
+            </a:ext>
+            <a:ext uri="{91240B29-F687-4f45-9708-019B960494DF}">
+              <a14:hiddenLine xmlns:a14="http://schemas.microsoft.com/office/drawing/2010/main" xmlns="" w="12700">
+                <a:pattFill prst="narHorz">
+                  <a:fgClr>
+                    <a:schemeClr val="tx1"/>
+                  </a:fgClr>
+                  <a:bgClr>
+                    <a:schemeClr val="bg1"/>
+                  </a:bgClr>
+                </a:pattFill>
+                <a:miter lim="800000"/>
+                <a:headEnd/>
+                <a:tailEnd/>
+              </a14:hiddenLine>
+            </a:ext>
+            <a:ext uri="{AF507438-7753-43e0-B8FC-AC1667EBCBE1}">
+              <a14:hiddenEffects xmlns:a14="http://schemas.microsoft.com/office/drawing/2010/main" xmlns="">
+                <a:effectLst>
+                  <a:outerShdw blurRad="63500" dist="38099" dir="2700000" algn="ctr" rotWithShape="0">
+                    <a:schemeClr val="bg2">
+                      <a:alpha val="74998"/>
+                    </a:schemeClr>
+                  </a:outerShdw>
+                </a:effectLst>
+              </a14:hiddenEffects>
+            </a:ext>
+          </a:extLst>
+        </p:spPr>
+        <p:txBody>
+          <a:bodyPr vert="horz" wrap="square" lIns="90478" tIns="44445" rIns="90478" bIns="44445" numCol="1" anchor="t" anchorCtr="0" compatLnSpc="1">
+            <a:prstTxWarp prst="textNoShape">
+              <a:avLst/>
+            </a:prstTxWarp>
+            <a:normAutofit/>
+          </a:bodyPr>
+          <a:lstStyle>
+            <a:lvl1pPr marL="285750" indent="-285750" algn="l" rtl="0" eaLnBrk="0" fontAlgn="base" hangingPunct="0">
+              <a:lnSpc>
+                <a:spcPct val="90000"/>
+              </a:lnSpc>
+              <a:spcBef>
+                <a:spcPct val="30000"/>
+              </a:spcBef>
+              <a:spcAft>
+                <a:spcPct val="0"/>
+              </a:spcAft>
+              <a:buSzPct val="100000"/>
+              <a:buChar char="•"/>
+              <a:defRPr sz="2800" b="0" i="0">
+                <a:solidFill>
+                  <a:schemeClr val="tx1"/>
+                </a:solidFill>
+                <a:latin typeface="Gill Sans" panose="020B0502020104020203"/>
+                <a:ea typeface="Gill Sans" panose="020B0502020104020203"/>
+                <a:cs typeface="Gill Sans" panose="020B0502020104020203"/>
+              </a:defRPr>
+            </a:lvl1pPr>
+            <a:lvl2pPr marL="685800" indent="-228600" algn="l" rtl="0" eaLnBrk="0" fontAlgn="base" hangingPunct="0">
+              <a:lnSpc>
+                <a:spcPct val="90000"/>
+              </a:lnSpc>
+              <a:spcBef>
+                <a:spcPct val="30000"/>
+              </a:spcBef>
+              <a:spcAft>
+                <a:spcPct val="0"/>
+              </a:spcAft>
+              <a:buSzPct val="100000"/>
+              <a:buChar char="–"/>
+              <a:defRPr sz="2400" b="0" i="0">
+                <a:solidFill>
+                  <a:schemeClr val="tx1"/>
+                </a:solidFill>
+                <a:latin typeface="Gill Sans" panose="020B0502020104020203"/>
+                <a:ea typeface="Gill Sans" panose="020B0502020104020203"/>
+                <a:cs typeface="Gill Sans" panose="020B0502020104020203"/>
+              </a:defRPr>
+            </a:lvl2pPr>
+            <a:lvl3pPr marL="1143000" indent="-228600" algn="l" rtl="0" eaLnBrk="0" fontAlgn="base" hangingPunct="0">
+              <a:lnSpc>
+                <a:spcPct val="90000"/>
+              </a:lnSpc>
+              <a:spcBef>
+                <a:spcPct val="30000"/>
+              </a:spcBef>
+              <a:spcAft>
+                <a:spcPct val="0"/>
+              </a:spcAft>
+              <a:buSzPct val="100000"/>
+              <a:buChar char="»"/>
+              <a:defRPr sz="2400" b="0" i="0">
+                <a:solidFill>
+                  <a:schemeClr val="tx1"/>
+                </a:solidFill>
+                <a:latin typeface="Gill Sans" panose="020B0502020104020203"/>
+                <a:ea typeface="Gill Sans" panose="020B0502020104020203"/>
+                <a:cs typeface="Gill Sans" panose="020B0502020104020203"/>
+              </a:defRPr>
+            </a:lvl3pPr>
+            <a:lvl4pPr marL="1543050" indent="-171450" algn="l" rtl="0" eaLnBrk="0" fontAlgn="base" hangingPunct="0">
+              <a:lnSpc>
+                <a:spcPct val="90000"/>
+              </a:lnSpc>
+              <a:spcBef>
+                <a:spcPct val="30000"/>
+              </a:spcBef>
+              <a:spcAft>
+                <a:spcPct val="0"/>
+              </a:spcAft>
+              <a:buSzPct val="100000"/>
+              <a:buChar char="•"/>
+              <a:defRPr sz="2400" b="0" i="0">
+                <a:solidFill>
+                  <a:schemeClr val="tx1"/>
+                </a:solidFill>
+                <a:latin typeface="Gill Sans" panose="020B0502020104020203"/>
+                <a:ea typeface="Gill Sans" panose="020B0502020104020203"/>
+                <a:cs typeface="Gill Sans" panose="020B0502020104020203"/>
+              </a:defRPr>
+            </a:lvl4pPr>
+            <a:lvl5pPr marL="2000250" indent="-171450" algn="l" rtl="0" eaLnBrk="0" fontAlgn="base" hangingPunct="0">
+              <a:lnSpc>
+                <a:spcPct val="90000"/>
+              </a:lnSpc>
+              <a:spcBef>
+                <a:spcPct val="30000"/>
+              </a:spcBef>
+              <a:spcAft>
+                <a:spcPct val="0"/>
+              </a:spcAft>
+              <a:buSzPct val="100000"/>
+              <a:buChar char="–"/>
+              <a:defRPr sz="2400" b="0" i="0">
+                <a:solidFill>
+                  <a:schemeClr val="tx1"/>
+                </a:solidFill>
+                <a:latin typeface="Gill Sans" panose="020B0502020104020203"/>
+                <a:ea typeface="Gill Sans" panose="020B0502020104020203"/>
+                <a:cs typeface="Gill Sans" panose="020B0502020104020203"/>
+              </a:defRPr>
+            </a:lvl5pPr>
+            <a:lvl6pPr marL="2457450" indent="-171450" algn="l" rtl="0" eaLnBrk="0" fontAlgn="base" hangingPunct="0">
+              <a:lnSpc>
+                <a:spcPct val="90000"/>
+              </a:lnSpc>
+              <a:spcBef>
+                <a:spcPct val="30000"/>
+              </a:spcBef>
+              <a:spcAft>
+                <a:spcPct val="0"/>
+              </a:spcAft>
+              <a:buSzPct val="100000"/>
+              <a:buChar char="–"/>
+              <a:defRPr sz="2000" b="1">
+                <a:solidFill>
+                  <a:schemeClr val="tx1"/>
+                </a:solidFill>
+                <a:latin typeface="+mn-lt"/>
+              </a:defRPr>
+            </a:lvl6pPr>
+            <a:lvl7pPr marL="2914650" indent="-171450" algn="l" rtl="0" eaLnBrk="0" fontAlgn="base" hangingPunct="0">
+              <a:lnSpc>
+                <a:spcPct val="90000"/>
+              </a:lnSpc>
+              <a:spcBef>
+                <a:spcPct val="30000"/>
+              </a:spcBef>
+              <a:spcAft>
+                <a:spcPct val="0"/>
+              </a:spcAft>
+              <a:buSzPct val="100000"/>
+              <a:buChar char="–"/>
+              <a:defRPr sz="2000" b="1">
+                <a:solidFill>
+                  <a:schemeClr val="tx1"/>
+                </a:solidFill>
+                <a:latin typeface="+mn-lt"/>
+              </a:defRPr>
+            </a:lvl7pPr>
+            <a:lvl8pPr marL="3371850" indent="-171450" algn="l" rtl="0" eaLnBrk="0" fontAlgn="base" hangingPunct="0">
+              <a:lnSpc>
+                <a:spcPct val="90000"/>
+              </a:lnSpc>
+              <a:spcBef>
+                <a:spcPct val="30000"/>
+              </a:spcBef>
+              <a:spcAft>
+                <a:spcPct val="0"/>
+              </a:spcAft>
+              <a:buSzPct val="100000"/>
+              <a:buChar char="–"/>
+              <a:defRPr sz="2000" b="1">
+                <a:solidFill>
+                  <a:schemeClr val="tx1"/>
+                </a:solidFill>
+                <a:latin typeface="+mn-lt"/>
+              </a:defRPr>
+            </a:lvl8pPr>
+            <a:lvl9pPr marL="3829050" indent="-171450" algn="l" rtl="0" eaLnBrk="0" fontAlgn="base" hangingPunct="0">
+              <a:lnSpc>
+                <a:spcPct val="90000"/>
+              </a:lnSpc>
+              <a:spcBef>
+                <a:spcPct val="30000"/>
+              </a:spcBef>
+              <a:spcAft>
+                <a:spcPct val="0"/>
+              </a:spcAft>
+              <a:buSzPct val="100000"/>
+              <a:buChar char="–"/>
+              <a:defRPr sz="2000" b="1">
+                <a:solidFill>
+                  <a:schemeClr val="tx1"/>
+                </a:solidFill>
+                <a:latin typeface="+mn-lt"/>
+              </a:defRPr>
+            </a:lvl9pPr>
+          </a:lstStyle>
+          <a:p>
+            <a:pPr marL="0" indent="0">
+              <a:buFontTx/>
+              <a:buNone/>
+            </a:pPr>
+            <a:r>
+              <a:rPr lang="en-GB" sz="2400" b="0" kern="0" dirty="0"/>
+              <a:t>Each lawyer grabs 1 knife.</a:t>
+            </a:r>
+            <a:endParaRPr lang="en-GB" sz="3600" kern="0" dirty="0"/>
+          </a:p>
+        </p:txBody>
+      </p:sp>
+      <p:cxnSp>
+        <p:nvCxnSpPr>
+          <p:cNvPr id="8" name="Straight Arrow Connector 7">
+            <a:extLst>
+              <a:ext uri="{FF2B5EF4-FFF2-40B4-BE49-F238E27FC236}">
+                <a16:creationId xmlns:a16="http://schemas.microsoft.com/office/drawing/2014/main" id="{E19AB4EC-6345-2620-6F88-D58AD80AFF3C}"/>
+              </a:ext>
+            </a:extLst>
+          </p:cNvPr>
+          <p:cNvCxnSpPr>
+            <a:cxnSpLocks/>
+          </p:cNvCxnSpPr>
+          <p:nvPr/>
+        </p:nvCxnSpPr>
+        <p:spPr bwMode="auto">
+          <a:xfrm>
+            <a:off x="4572000" y="1752600"/>
+            <a:ext cx="2209800" cy="0"/>
+          </a:xfrm>
+          <a:prstGeom prst="straightConnector1">
+            <a:avLst/>
+          </a:prstGeom>
+          <a:solidFill>
+            <a:schemeClr val="bg1"/>
+          </a:solidFill>
+          <a:ln w="28575" cap="flat" cmpd="sng" algn="ctr">
+            <a:solidFill>
+              <a:schemeClr val="tx1"/>
+            </a:solidFill>
+            <a:prstDash val="solid"/>
+            <a:round/>
+            <a:headEnd type="none" w="med" len="med"/>
+            <a:tailEnd type="triangle"/>
+          </a:ln>
+          <a:effectLst/>
+          <a:extLst>
+            <a:ext uri="{AF507438-7753-43e0-B8FC-AC1667EBCBE1}">
+              <a14:hiddenEffects xmlns="" xmlns:a14="http://schemas.microsoft.com/office/drawing/2010/main">
+                <a:effectLst>
+                  <a:outerShdw dist="35921" dir="2700000" algn="ctr" rotWithShape="0">
+                    <a:schemeClr val="bg2"/>
+                  </a:outerShdw>
+                </a:effectLst>
+              </a14:hiddenEffects>
+            </a:ext>
+          </a:extLst>
+        </p:spPr>
+      </p:cxnSp>
     </p:spTree>
     <p:extLst>
       <p:ext uri="{BB962C8B-B14F-4D97-AF65-F5344CB8AC3E}">
@@ -24565,7 +24955,7 @@
           </a:ln>
           <a:extLst>
             <a:ext uri="{AF507438-7753-43e0-B8FC-AC1667EBCBE1}">
-              <a14:hiddenEffects xmlns:a14="http://schemas.microsoft.com/office/drawing/2010/main" xmlns="">
+              <a14:hiddenEffects xmlns="" xmlns:a14="http://schemas.microsoft.com/office/drawing/2010/main">
                 <a:effectLst>
                   <a:outerShdw dist="35921" dir="2700000" algn="ctr" rotWithShape="0">
                     <a:schemeClr val="bg2"/>
@@ -35668,7 +36058,7 @@
         <a:effectLst/>
         <a:extLst>
           <a:ext uri="{AF507438-7753-43e0-B8FC-AC1667EBCBE1}">
-            <a14:hiddenEffects xmlns="" xmlns:a14="http://schemas.microsoft.com/office/drawing/2010/main">
+            <a14:hiddenEffects xmlns:a14="http://schemas.microsoft.com/office/drawing/2010/main" xmlns="">
               <a:effectLst>
                 <a:outerShdw dist="35921" dir="2700000" algn="ctr" rotWithShape="0">
                   <a:schemeClr val="bg2"/>
@@ -35741,7 +36131,7 @@
         <a:effectLst/>
         <a:extLst>
           <a:ext uri="{AF507438-7753-43e0-B8FC-AC1667EBCBE1}">
-            <a14:hiddenEffects xmlns="" xmlns:a14="http://schemas.microsoft.com/office/drawing/2010/main">
+            <a14:hiddenEffects xmlns:a14="http://schemas.microsoft.com/office/drawing/2010/main" xmlns="">
               <a:effectLst>
                 <a:outerShdw dist="35921" dir="2700000" algn="ctr" rotWithShape="0">
                   <a:schemeClr val="bg2"/>
